--- a/Presentation/Network Switch Design on FPGAs.pptx
+++ b/Presentation/Network Switch Design on FPGAs.pptx
@@ -9,11 +9,14 @@
     <p:sldId id="261" r:id="rId3"/>
     <p:sldId id="262" r:id="rId4"/>
     <p:sldId id="263" r:id="rId5"/>
-    <p:sldId id="264" r:id="rId6"/>
-    <p:sldId id="268" r:id="rId7"/>
-    <p:sldId id="265" r:id="rId8"/>
-    <p:sldId id="267" r:id="rId9"/>
-    <p:sldId id="266" r:id="rId10"/>
+    <p:sldId id="270" r:id="rId6"/>
+    <p:sldId id="271" r:id="rId7"/>
+    <p:sldId id="264" r:id="rId8"/>
+    <p:sldId id="268" r:id="rId9"/>
+    <p:sldId id="265" r:id="rId10"/>
+    <p:sldId id="269" r:id="rId11"/>
+    <p:sldId id="267" r:id="rId12"/>
+    <p:sldId id="266" r:id="rId13"/>
   </p:sldIdLst>
   <p:sldSz cx="12192000" cy="6858000"/>
   <p:notesSz cx="6858000" cy="9144000"/>
@@ -11989,7 +11992,7 @@
           <a:p>
             <a:r>
               <a:rPr lang="en-GB" dirty="0"/>
-              <a:t>Network Switch Design on FPGAs</a:t>
+              <a:t>Modelling Smart FPGA Switches in the Network</a:t>
             </a:r>
           </a:p>
         </p:txBody>
@@ -12076,6 +12079,381 @@
     <p:extLst>
       <p:ext uri="{BB962C8B-B14F-4D97-AF65-F5344CB8AC3E}">
         <p14:creationId xmlns:p14="http://schemas.microsoft.com/office/powerpoint/2010/main" val="3338556386"/>
+      </p:ext>
+    </p:extLst>
+  </p:cSld>
+  <p:clrMapOvr>
+    <a:masterClrMapping/>
+  </p:clrMapOvr>
+</p:sld>
+</file>
+
+<file path=ppt/slides/slide10.xml><?xml version="1.0" encoding="utf-8"?>
+<p:sld xmlns:a="http://schemas.openxmlformats.org/drawingml/2006/main" xmlns:r="http://schemas.openxmlformats.org/officeDocument/2006/relationships" xmlns:p="http://schemas.openxmlformats.org/presentationml/2006/main">
+  <p:cSld>
+    <p:spTree>
+      <p:nvGrpSpPr>
+        <p:cNvPr id="1" name=""/>
+        <p:cNvGrpSpPr/>
+        <p:nvPr/>
+      </p:nvGrpSpPr>
+      <p:grpSpPr>
+        <a:xfrm>
+          <a:off x="0" y="0"/>
+          <a:ext cx="0" cy="0"/>
+          <a:chOff x="0" y="0"/>
+          <a:chExt cx="0" cy="0"/>
+        </a:xfrm>
+      </p:grpSpPr>
+      <p:sp>
+        <p:nvSpPr>
+          <p:cNvPr id="2" name="Content Placeholder 1">
+            <a:extLst>
+              <a:ext uri="{FF2B5EF4-FFF2-40B4-BE49-F238E27FC236}">
+                <a16:creationId xmlns:a16="http://schemas.microsoft.com/office/drawing/2014/main" id="{DA8CE894-A991-46F7-86C1-DAAFA9A6892D}"/>
+              </a:ext>
+            </a:extLst>
+          </p:cNvPr>
+          <p:cNvSpPr>
+            <a:spLocks noGrp="1"/>
+          </p:cNvSpPr>
+          <p:nvPr>
+            <p:ph idx="1"/>
+          </p:nvPr>
+        </p:nvSpPr>
+        <p:spPr/>
+        <p:txBody>
+          <a:bodyPr/>
+          <a:lstStyle/>
+          <a:p>
+            <a:r>
+              <a:rPr lang="en-GB" dirty="0"/>
+              <a:t>Python</a:t>
+            </a:r>
+          </a:p>
+          <a:p>
+            <a:endParaRPr lang="en-GB" dirty="0"/>
+          </a:p>
+          <a:p>
+            <a:r>
+              <a:rPr lang="en-GB" dirty="0"/>
+              <a:t>Get a graph</a:t>
+            </a:r>
+          </a:p>
+          <a:p>
+            <a:endParaRPr lang="en-GB" dirty="0"/>
+          </a:p>
+        </p:txBody>
+      </p:sp>
+      <p:sp>
+        <p:nvSpPr>
+          <p:cNvPr id="3" name="Title 2">
+            <a:extLst>
+              <a:ext uri="{FF2B5EF4-FFF2-40B4-BE49-F238E27FC236}">
+                <a16:creationId xmlns:a16="http://schemas.microsoft.com/office/drawing/2014/main" id="{8D29C373-85A1-4E61-ACBC-6572FE4C91CC}"/>
+              </a:ext>
+            </a:extLst>
+          </p:cNvPr>
+          <p:cNvSpPr>
+            <a:spLocks noGrp="1"/>
+          </p:cNvSpPr>
+          <p:nvPr>
+            <p:ph type="title"/>
+          </p:nvPr>
+        </p:nvSpPr>
+        <p:spPr/>
+        <p:txBody>
+          <a:bodyPr>
+            <a:normAutofit fontScale="90000"/>
+          </a:bodyPr>
+          <a:lstStyle/>
+          <a:p>
+            <a:r>
+              <a:rPr lang="en-GB" dirty="0"/>
+              <a:t>Development</a:t>
+            </a:r>
+          </a:p>
+        </p:txBody>
+      </p:sp>
+      <p:sp>
+        <p:nvSpPr>
+          <p:cNvPr id="4" name="Content Placeholder 3">
+            <a:extLst>
+              <a:ext uri="{FF2B5EF4-FFF2-40B4-BE49-F238E27FC236}">
+                <a16:creationId xmlns:a16="http://schemas.microsoft.com/office/drawing/2014/main" id="{7DB9CBB2-8ABB-4E43-9136-0B042C3AE765}"/>
+              </a:ext>
+            </a:extLst>
+          </p:cNvPr>
+          <p:cNvSpPr>
+            <a:spLocks noGrp="1"/>
+          </p:cNvSpPr>
+          <p:nvPr>
+            <p:ph idx="10"/>
+          </p:nvPr>
+        </p:nvSpPr>
+        <p:spPr/>
+        <p:txBody>
+          <a:bodyPr/>
+          <a:lstStyle/>
+          <a:p>
+            <a:endParaRPr lang="en-GB"/>
+          </a:p>
+        </p:txBody>
+      </p:sp>
+      <p:sp>
+        <p:nvSpPr>
+          <p:cNvPr id="5" name="Picture Placeholder 4">
+            <a:extLst>
+              <a:ext uri="{FF2B5EF4-FFF2-40B4-BE49-F238E27FC236}">
+                <a16:creationId xmlns:a16="http://schemas.microsoft.com/office/drawing/2014/main" id="{1B3CB30E-E922-45D3-9711-C6D2954944E4}"/>
+              </a:ext>
+            </a:extLst>
+          </p:cNvPr>
+          <p:cNvSpPr>
+            <a:spLocks noGrp="1"/>
+          </p:cNvSpPr>
+          <p:nvPr>
+            <p:ph type="pic" sz="quarter" idx="29"/>
+          </p:nvPr>
+        </p:nvSpPr>
+        <p:spPr/>
+      </p:sp>
+    </p:spTree>
+    <p:extLst>
+      <p:ext uri="{BB962C8B-B14F-4D97-AF65-F5344CB8AC3E}">
+        <p14:creationId xmlns:p14="http://schemas.microsoft.com/office/powerpoint/2010/main" val="724942339"/>
+      </p:ext>
+    </p:extLst>
+  </p:cSld>
+  <p:clrMapOvr>
+    <a:masterClrMapping/>
+  </p:clrMapOvr>
+</p:sld>
+</file>
+
+<file path=ppt/slides/slide11.xml><?xml version="1.0" encoding="utf-8"?>
+<p:sld xmlns:a="http://schemas.openxmlformats.org/drawingml/2006/main" xmlns:r="http://schemas.openxmlformats.org/officeDocument/2006/relationships" xmlns:p="http://schemas.openxmlformats.org/presentationml/2006/main">
+  <p:cSld>
+    <p:spTree>
+      <p:nvGrpSpPr>
+        <p:cNvPr id="1" name=""/>
+        <p:cNvGrpSpPr/>
+        <p:nvPr/>
+      </p:nvGrpSpPr>
+      <p:grpSpPr>
+        <a:xfrm>
+          <a:off x="0" y="0"/>
+          <a:ext cx="0" cy="0"/>
+          <a:chOff x="0" y="0"/>
+          <a:chExt cx="0" cy="0"/>
+        </a:xfrm>
+      </p:grpSpPr>
+      <p:sp>
+        <p:nvSpPr>
+          <p:cNvPr id="2" name="Content Placeholder 1">
+            <a:extLst>
+              <a:ext uri="{FF2B5EF4-FFF2-40B4-BE49-F238E27FC236}">
+                <a16:creationId xmlns:a16="http://schemas.microsoft.com/office/drawing/2014/main" id="{192549E1-3CA7-4340-9E2A-B167E268F82A}"/>
+              </a:ext>
+            </a:extLst>
+          </p:cNvPr>
+          <p:cNvSpPr>
+            <a:spLocks noGrp="1"/>
+          </p:cNvSpPr>
+          <p:nvPr>
+            <p:ph idx="1"/>
+          </p:nvPr>
+        </p:nvSpPr>
+        <p:spPr/>
+        <p:txBody>
+          <a:bodyPr/>
+          <a:lstStyle/>
+          <a:p>
+            <a:r>
+              <a:rPr lang="en-GB" dirty="0"/>
+              <a:t>Internet of Things (IoT)</a:t>
+            </a:r>
+          </a:p>
+        </p:txBody>
+      </p:sp>
+      <p:sp>
+        <p:nvSpPr>
+          <p:cNvPr id="3" name="Title 2">
+            <a:extLst>
+              <a:ext uri="{FF2B5EF4-FFF2-40B4-BE49-F238E27FC236}">
+                <a16:creationId xmlns:a16="http://schemas.microsoft.com/office/drawing/2014/main" id="{17695CE0-B4C7-4559-B159-47C7627669C7}"/>
+              </a:ext>
+            </a:extLst>
+          </p:cNvPr>
+          <p:cNvSpPr>
+            <a:spLocks noGrp="1"/>
+          </p:cNvSpPr>
+          <p:nvPr>
+            <p:ph type="title"/>
+          </p:nvPr>
+        </p:nvSpPr>
+        <p:spPr/>
+        <p:txBody>
+          <a:bodyPr>
+            <a:normAutofit fontScale="90000"/>
+          </a:bodyPr>
+          <a:lstStyle/>
+          <a:p>
+            <a:r>
+              <a:rPr lang="en-GB" dirty="0"/>
+              <a:t>Applications</a:t>
+            </a:r>
+          </a:p>
+        </p:txBody>
+      </p:sp>
+      <p:sp>
+        <p:nvSpPr>
+          <p:cNvPr id="4" name="Content Placeholder 3">
+            <a:extLst>
+              <a:ext uri="{FF2B5EF4-FFF2-40B4-BE49-F238E27FC236}">
+                <a16:creationId xmlns:a16="http://schemas.microsoft.com/office/drawing/2014/main" id="{0356FB6F-306F-41DE-AA1A-546B9B5D117D}"/>
+              </a:ext>
+            </a:extLst>
+          </p:cNvPr>
+          <p:cNvSpPr>
+            <a:spLocks noGrp="1"/>
+          </p:cNvSpPr>
+          <p:nvPr>
+            <p:ph idx="10"/>
+          </p:nvPr>
+        </p:nvSpPr>
+        <p:spPr/>
+        <p:txBody>
+          <a:bodyPr/>
+          <a:lstStyle/>
+          <a:p>
+            <a:endParaRPr lang="en-GB"/>
+          </a:p>
+        </p:txBody>
+      </p:sp>
+      <p:sp>
+        <p:nvSpPr>
+          <p:cNvPr id="5" name="Picture Placeholder 4">
+            <a:extLst>
+              <a:ext uri="{FF2B5EF4-FFF2-40B4-BE49-F238E27FC236}">
+                <a16:creationId xmlns:a16="http://schemas.microsoft.com/office/drawing/2014/main" id="{6A7F6F51-4974-4DA9-92A6-5CA03A992465}"/>
+              </a:ext>
+            </a:extLst>
+          </p:cNvPr>
+          <p:cNvSpPr>
+            <a:spLocks noGrp="1"/>
+          </p:cNvSpPr>
+          <p:nvPr>
+            <p:ph type="pic" sz="quarter" idx="29"/>
+          </p:nvPr>
+        </p:nvSpPr>
+        <p:spPr/>
+      </p:sp>
+    </p:spTree>
+    <p:extLst>
+      <p:ext uri="{BB962C8B-B14F-4D97-AF65-F5344CB8AC3E}">
+        <p14:creationId xmlns:p14="http://schemas.microsoft.com/office/powerpoint/2010/main" val="1555244556"/>
+      </p:ext>
+    </p:extLst>
+  </p:cSld>
+  <p:clrMapOvr>
+    <a:masterClrMapping/>
+  </p:clrMapOvr>
+</p:sld>
+</file>
+
+<file path=ppt/slides/slide12.xml><?xml version="1.0" encoding="utf-8"?>
+<p:sld xmlns:a="http://schemas.openxmlformats.org/drawingml/2006/main" xmlns:r="http://schemas.openxmlformats.org/officeDocument/2006/relationships" xmlns:p="http://schemas.openxmlformats.org/presentationml/2006/main">
+  <p:cSld>
+    <p:spTree>
+      <p:nvGrpSpPr>
+        <p:cNvPr id="1" name=""/>
+        <p:cNvGrpSpPr/>
+        <p:nvPr/>
+      </p:nvGrpSpPr>
+      <p:grpSpPr>
+        <a:xfrm>
+          <a:off x="0" y="0"/>
+          <a:ext cx="0" cy="0"/>
+          <a:chOff x="0" y="0"/>
+          <a:chExt cx="0" cy="0"/>
+        </a:xfrm>
+      </p:grpSpPr>
+      <p:sp>
+        <p:nvSpPr>
+          <p:cNvPr id="6" name="Title 5">
+            <a:extLst>
+              <a:ext uri="{FF2B5EF4-FFF2-40B4-BE49-F238E27FC236}">
+                <a16:creationId xmlns:a16="http://schemas.microsoft.com/office/drawing/2014/main" id="{C1409401-33D1-4304-98B7-A61B1640ACED}"/>
+              </a:ext>
+            </a:extLst>
+          </p:cNvPr>
+          <p:cNvSpPr>
+            <a:spLocks noGrp="1"/>
+          </p:cNvSpPr>
+          <p:nvPr>
+            <p:ph type="ctrTitle"/>
+          </p:nvPr>
+        </p:nvSpPr>
+        <p:spPr/>
+        <p:txBody>
+          <a:bodyPr/>
+          <a:lstStyle/>
+          <a:p>
+            <a:r>
+              <a:rPr lang="en-GB" sz="9600" dirty="0"/>
+              <a:t>Demo</a:t>
+            </a:r>
+          </a:p>
+        </p:txBody>
+      </p:sp>
+      <p:sp>
+        <p:nvSpPr>
+          <p:cNvPr id="9" name="Subtitle 8">
+            <a:extLst>
+              <a:ext uri="{FF2B5EF4-FFF2-40B4-BE49-F238E27FC236}">
+                <a16:creationId xmlns:a16="http://schemas.microsoft.com/office/drawing/2014/main" id="{CB61C471-3B36-4D84-B9A7-84CCF5C5E3B6}"/>
+              </a:ext>
+            </a:extLst>
+          </p:cNvPr>
+          <p:cNvSpPr>
+            <a:spLocks noGrp="1"/>
+          </p:cNvSpPr>
+          <p:nvPr>
+            <p:ph type="subTitle" idx="1"/>
+          </p:nvPr>
+        </p:nvSpPr>
+        <p:spPr/>
+        <p:txBody>
+          <a:bodyPr/>
+          <a:lstStyle/>
+          <a:p>
+            <a:endParaRPr lang="en-GB"/>
+          </a:p>
+        </p:txBody>
+      </p:sp>
+      <p:sp>
+        <p:nvSpPr>
+          <p:cNvPr id="10" name="Picture Placeholder 9">
+            <a:extLst>
+              <a:ext uri="{FF2B5EF4-FFF2-40B4-BE49-F238E27FC236}">
+                <a16:creationId xmlns:a16="http://schemas.microsoft.com/office/drawing/2014/main" id="{897C3581-BED6-42E0-A966-6FC594C51FED}"/>
+              </a:ext>
+            </a:extLst>
+          </p:cNvPr>
+          <p:cNvSpPr>
+            <a:spLocks noGrp="1"/>
+          </p:cNvSpPr>
+          <p:nvPr>
+            <p:ph type="pic" sz="quarter" idx="27"/>
+          </p:nvPr>
+        </p:nvSpPr>
+        <p:spPr/>
+      </p:sp>
+    </p:spTree>
+    <p:extLst>
+      <p:ext uri="{BB962C8B-B14F-4D97-AF65-F5344CB8AC3E}">
+        <p14:creationId xmlns:p14="http://schemas.microsoft.com/office/powerpoint/2010/main" val="2582005167"/>
       </p:ext>
     </p:extLst>
   </p:cSld>
@@ -12565,7 +12943,7 @@
           <p:cNvPr id="2" name="Content Placeholder 1">
             <a:extLst>
               <a:ext uri="{FF2B5EF4-FFF2-40B4-BE49-F238E27FC236}">
-                <a16:creationId xmlns:a16="http://schemas.microsoft.com/office/drawing/2014/main" id="{E853CEAD-0B16-401D-914A-1A00AE6C470F}"/>
+                <a16:creationId xmlns:a16="http://schemas.microsoft.com/office/drawing/2014/main" id="{BF997707-4D30-463F-821B-3640CB546EFC}"/>
               </a:ext>
             </a:extLst>
           </p:cNvPr>
@@ -12578,42 +12956,50 @@
         </p:nvSpPr>
         <p:spPr/>
         <p:txBody>
-          <a:bodyPr/>
+          <a:bodyPr>
+            <a:normAutofit fontScale="70000" lnSpcReduction="20000"/>
+          </a:bodyPr>
           <a:lstStyle/>
           <a:p>
             <a:r>
               <a:rPr lang="en-GB" dirty="0"/>
-              <a:t>Python API</a:t>
+              <a:t>(what is the project?)</a:t>
             </a:r>
           </a:p>
           <a:p>
             <a:r>
               <a:rPr lang="en-GB" dirty="0"/>
-              <a:t>Open Source</a:t>
+              <a:t>Sending too much data up to the cloud has a large latency</a:t>
+            </a:r>
+          </a:p>
+          <a:p>
+            <a:r>
+              <a:rPr lang="en-GB" b="1" dirty="0"/>
+              <a:t>Talk more about motivation</a:t>
             </a:r>
           </a:p>
           <a:p>
             <a:r>
               <a:rPr lang="en-GB" dirty="0"/>
-              <a:t>Broad tool</a:t>
+              <a:t>Putting FPGAs in switches reduces latency at the cost of increased compute time</a:t>
             </a:r>
           </a:p>
           <a:p>
             <a:r>
               <a:rPr lang="en-GB" dirty="0"/>
-              <a:t>Scalable</a:t>
+              <a:t>Why are FPGAs relevant here?</a:t>
             </a:r>
           </a:p>
           <a:p>
             <a:r>
               <a:rPr lang="en-GB" dirty="0"/>
-              <a:t>Dependency chain</a:t>
+              <a:t>Why better than ASICs?</a:t>
             </a:r>
           </a:p>
           <a:p>
             <a:r>
               <a:rPr lang="en-GB" dirty="0"/>
-              <a:t>Bash script for installation</a:t>
+              <a:t>Why better than CPUs?</a:t>
             </a:r>
           </a:p>
         </p:txBody>
@@ -12623,7 +13009,7 @@
           <p:cNvPr id="3" name="Title 2">
             <a:extLst>
               <a:ext uri="{FF2B5EF4-FFF2-40B4-BE49-F238E27FC236}">
-                <a16:creationId xmlns:a16="http://schemas.microsoft.com/office/drawing/2014/main" id="{EEBD039F-81B2-4240-82F4-DA535A47A870}"/>
+                <a16:creationId xmlns:a16="http://schemas.microsoft.com/office/drawing/2014/main" id="{6E8DCCC1-E55A-4D1E-9A5D-B58DA5EC6B59}"/>
               </a:ext>
             </a:extLst>
           </p:cNvPr>
@@ -12642,10 +13028,9 @@
           <a:lstStyle/>
           <a:p>
             <a:r>
-              <a:rPr lang="en-GB" dirty="0" err="1"/>
-              <a:t>Mininet</a:t>
-            </a:r>
-            <a:endParaRPr lang="en-GB" dirty="0"/>
+              <a:rPr lang="en-GB" dirty="0"/>
+              <a:t>Network Switch Design on FPGAs</a:t>
+            </a:r>
           </a:p>
         </p:txBody>
       </p:sp>
@@ -12654,7 +13039,7 @@
           <p:cNvPr id="4" name="Content Placeholder 3">
             <a:extLst>
               <a:ext uri="{FF2B5EF4-FFF2-40B4-BE49-F238E27FC236}">
-                <a16:creationId xmlns:a16="http://schemas.microsoft.com/office/drawing/2014/main" id="{70AA1095-81D3-4F7E-8174-101063E1F084}"/>
+                <a16:creationId xmlns:a16="http://schemas.microsoft.com/office/drawing/2014/main" id="{0513BFB4-8F81-4B2D-A3E4-E48EC7986505}"/>
               </a:ext>
             </a:extLst>
           </p:cNvPr>
@@ -12679,7 +13064,7 @@
           <p:cNvPr id="5" name="Picture Placeholder 4">
             <a:extLst>
               <a:ext uri="{FF2B5EF4-FFF2-40B4-BE49-F238E27FC236}">
-                <a16:creationId xmlns:a16="http://schemas.microsoft.com/office/drawing/2014/main" id="{C7CCA159-BE9B-42A6-A4FB-67C48279DAFB}"/>
+                <a16:creationId xmlns:a16="http://schemas.microsoft.com/office/drawing/2014/main" id="{1FB41808-A028-41ED-B489-D3D0283DD2F9}"/>
               </a:ext>
             </a:extLst>
           </p:cNvPr>
@@ -12695,7 +13080,7 @@
     </p:spTree>
     <p:extLst>
       <p:ext uri="{BB962C8B-B14F-4D97-AF65-F5344CB8AC3E}">
-        <p14:creationId xmlns:p14="http://schemas.microsoft.com/office/powerpoint/2010/main" val="2823065228"/>
+        <p14:creationId xmlns:p14="http://schemas.microsoft.com/office/powerpoint/2010/main" val="2424959867"/>
       </p:ext>
     </p:extLst>
   </p:cSld>
@@ -12727,7 +13112,7 @@
           <p:cNvPr id="2" name="Content Placeholder 1">
             <a:extLst>
               <a:ext uri="{FF2B5EF4-FFF2-40B4-BE49-F238E27FC236}">
-                <a16:creationId xmlns:a16="http://schemas.microsoft.com/office/drawing/2014/main" id="{5B8A5142-16E4-4173-88DF-C66957ABBCE9}"/>
+                <a16:creationId xmlns:a16="http://schemas.microsoft.com/office/drawing/2014/main" id="{8FB7209A-1643-4C26-81EF-223ADB246C9D}"/>
               </a:ext>
             </a:extLst>
           </p:cNvPr>
@@ -12743,7 +13128,30 @@
           <a:bodyPr/>
           <a:lstStyle/>
           <a:p>
-            <a:endParaRPr lang="en-GB" dirty="0"/>
+            <a:r>
+              <a:rPr lang="en-GB" dirty="0"/>
+              <a:t>Edge servers have disadvantages similar to </a:t>
+            </a:r>
+            <a:r>
+              <a:rPr lang="en-GB" dirty="0" err="1"/>
+              <a:t>localiased</a:t>
+            </a:r>
+            <a:r>
+              <a:rPr lang="en-GB" dirty="0"/>
+              <a:t> datacentres</a:t>
+            </a:r>
+          </a:p>
+          <a:p>
+            <a:r>
+              <a:rPr lang="en-GB" dirty="0"/>
+              <a:t>Amazon (for example) has localised datacentres</a:t>
+            </a:r>
+          </a:p>
+          <a:p>
+            <a:r>
+              <a:rPr lang="en-GB" dirty="0"/>
+              <a:t>Current attempts at solution</a:t>
+            </a:r>
           </a:p>
         </p:txBody>
       </p:sp>
@@ -12752,7 +13160,7 @@
           <p:cNvPr id="3" name="Title 2">
             <a:extLst>
               <a:ext uri="{FF2B5EF4-FFF2-40B4-BE49-F238E27FC236}">
-                <a16:creationId xmlns:a16="http://schemas.microsoft.com/office/drawing/2014/main" id="{1E0DC561-4E87-42FA-8023-AF0B13130FE2}"/>
+                <a16:creationId xmlns:a16="http://schemas.microsoft.com/office/drawing/2014/main" id="{C7CA6D3E-290A-4F9A-BB8F-57169F4E373D}"/>
               </a:ext>
             </a:extLst>
           </p:cNvPr>
@@ -12771,10 +13179,9 @@
           <a:lstStyle/>
           <a:p>
             <a:r>
-              <a:rPr lang="en-GB" dirty="0" err="1"/>
-              <a:t>NetFPGA</a:t>
-            </a:r>
-            <a:endParaRPr lang="en-GB" dirty="0"/>
+              <a:rPr lang="en-GB" dirty="0"/>
+              <a:t>Datacentre evolution</a:t>
+            </a:r>
           </a:p>
         </p:txBody>
       </p:sp>
@@ -12783,7 +13190,7 @@
           <p:cNvPr id="4" name="Content Placeholder 3">
             <a:extLst>
               <a:ext uri="{FF2B5EF4-FFF2-40B4-BE49-F238E27FC236}">
-                <a16:creationId xmlns:a16="http://schemas.microsoft.com/office/drawing/2014/main" id="{BC5F2367-B1B3-46F6-876E-4F567F072304}"/>
+                <a16:creationId xmlns:a16="http://schemas.microsoft.com/office/drawing/2014/main" id="{D6F263CA-9A90-48C5-A257-087C3CF4D203}"/>
               </a:ext>
             </a:extLst>
           </p:cNvPr>
@@ -12796,10 +13203,55 @@
         </p:nvSpPr>
         <p:spPr/>
         <p:txBody>
-          <a:bodyPr/>
+          <a:bodyPr>
+            <a:normAutofit fontScale="92500" lnSpcReduction="20000"/>
+          </a:bodyPr>
           <a:lstStyle/>
           <a:p>
-            <a:endParaRPr lang="en-GB"/>
+            <a:r>
+              <a:rPr lang="en-GB" dirty="0"/>
+              <a:t>Delay getting in/out of servers</a:t>
+            </a:r>
+          </a:p>
+          <a:p>
+            <a:r>
+              <a:rPr lang="en-GB" dirty="0"/>
+              <a:t>FPGAs </a:t>
+            </a:r>
+            <a:r>
+              <a:rPr lang="en-GB" dirty="0" err="1"/>
+              <a:t>buld</a:t>
+            </a:r>
+            <a:r>
+              <a:rPr lang="en-GB" dirty="0"/>
+              <a:t> custom compute architectures – v low latency – already used in switching / SDN</a:t>
+            </a:r>
+          </a:p>
+          <a:p>
+            <a:r>
+              <a:rPr lang="en-GB" dirty="0"/>
+              <a:t>Could be used in compute </a:t>
+            </a:r>
+            <a:r>
+              <a:rPr lang="en-GB" dirty="0" err="1"/>
+              <a:t>bc</a:t>
+            </a:r>
+            <a:r>
+              <a:rPr lang="en-GB" dirty="0"/>
+              <a:t> of low latency</a:t>
+            </a:r>
+          </a:p>
+          <a:p>
+            <a:r>
+              <a:rPr lang="en-GB" dirty="0"/>
+              <a:t>Partial reconfiguration</a:t>
+            </a:r>
+          </a:p>
+          <a:p>
+            <a:r>
+              <a:rPr lang="en-GB" dirty="0"/>
+              <a:t>Specific hardware for each algorithm, swap using PR</a:t>
+            </a:r>
           </a:p>
         </p:txBody>
       </p:sp>
@@ -12808,7 +13260,7 @@
           <p:cNvPr id="5" name="Picture Placeholder 4">
             <a:extLst>
               <a:ext uri="{FF2B5EF4-FFF2-40B4-BE49-F238E27FC236}">
-                <a16:creationId xmlns:a16="http://schemas.microsoft.com/office/drawing/2014/main" id="{035F4C06-190E-4578-9EBA-9650B2176DDD}"/>
+                <a16:creationId xmlns:a16="http://schemas.microsoft.com/office/drawing/2014/main" id="{596F80FF-5AEC-47B9-8497-F987820BD79A}"/>
               </a:ext>
             </a:extLst>
           </p:cNvPr>
@@ -12824,7 +13276,7 @@
     </p:spTree>
     <p:extLst>
       <p:ext uri="{BB962C8B-B14F-4D97-AF65-F5344CB8AC3E}">
-        <p14:creationId xmlns:p14="http://schemas.microsoft.com/office/powerpoint/2010/main" val="1899723471"/>
+        <p14:creationId xmlns:p14="http://schemas.microsoft.com/office/powerpoint/2010/main" val="2863797376"/>
       </p:ext>
     </p:extLst>
   </p:cSld>
@@ -12856,7 +13308,7 @@
           <p:cNvPr id="2" name="Content Placeholder 1">
             <a:extLst>
               <a:ext uri="{FF2B5EF4-FFF2-40B4-BE49-F238E27FC236}">
-                <a16:creationId xmlns:a16="http://schemas.microsoft.com/office/drawing/2014/main" id="{1096CC21-4FED-4B52-9945-72D2A50610B9}"/>
+                <a16:creationId xmlns:a16="http://schemas.microsoft.com/office/drawing/2014/main" id="{E853CEAD-0B16-401D-914A-1A00AE6C470F}"/>
               </a:ext>
             </a:extLst>
           </p:cNvPr>
@@ -12874,17 +13326,38 @@
           <a:p>
             <a:r>
               <a:rPr lang="en-GB" dirty="0"/>
-              <a:t>Open Source (GitHub)</a:t>
+              <a:t>Python API</a:t>
             </a:r>
           </a:p>
           <a:p>
             <a:r>
               <a:rPr lang="en-GB" dirty="0"/>
-              <a:t>Kanban Board (Trello)</a:t>
-            </a:r>
-          </a:p>
-          <a:p>
-            <a:endParaRPr lang="en-GB" dirty="0"/>
+              <a:t>Open Source</a:t>
+            </a:r>
+          </a:p>
+          <a:p>
+            <a:r>
+              <a:rPr lang="en-GB" dirty="0"/>
+              <a:t>Broad tool</a:t>
+            </a:r>
+          </a:p>
+          <a:p>
+            <a:r>
+              <a:rPr lang="en-GB" dirty="0"/>
+              <a:t>Scalable</a:t>
+            </a:r>
+          </a:p>
+          <a:p>
+            <a:r>
+              <a:rPr lang="en-GB" dirty="0"/>
+              <a:t>Dependency chain</a:t>
+            </a:r>
+          </a:p>
+          <a:p>
+            <a:r>
+              <a:rPr lang="en-GB" dirty="0"/>
+              <a:t>Bash script for installation</a:t>
+            </a:r>
           </a:p>
         </p:txBody>
       </p:sp>
@@ -12893,7 +13366,7 @@
           <p:cNvPr id="3" name="Title 2">
             <a:extLst>
               <a:ext uri="{FF2B5EF4-FFF2-40B4-BE49-F238E27FC236}">
-                <a16:creationId xmlns:a16="http://schemas.microsoft.com/office/drawing/2014/main" id="{FB5BED35-C2AC-474A-934A-98AE4F4D3E80}"/>
+                <a16:creationId xmlns:a16="http://schemas.microsoft.com/office/drawing/2014/main" id="{EEBD039F-81B2-4240-82F4-DA535A47A870}"/>
               </a:ext>
             </a:extLst>
           </p:cNvPr>
@@ -12912,9 +13385,10 @@
           <a:lstStyle/>
           <a:p>
             <a:r>
-              <a:rPr lang="en-GB" dirty="0"/>
-              <a:t>Project Management</a:t>
-            </a:r>
+              <a:rPr lang="en-GB" dirty="0" err="1"/>
+              <a:t>Mininet</a:t>
+            </a:r>
+            <a:endParaRPr lang="en-GB" dirty="0"/>
           </a:p>
         </p:txBody>
       </p:sp>
@@ -12923,7 +13397,7 @@
           <p:cNvPr id="4" name="Content Placeholder 3">
             <a:extLst>
               <a:ext uri="{FF2B5EF4-FFF2-40B4-BE49-F238E27FC236}">
-                <a16:creationId xmlns:a16="http://schemas.microsoft.com/office/drawing/2014/main" id="{F4A9EB92-E051-410D-989E-F5CDE34F7E99}"/>
+                <a16:creationId xmlns:a16="http://schemas.microsoft.com/office/drawing/2014/main" id="{70AA1095-81D3-4F7E-8174-101063E1F084}"/>
               </a:ext>
             </a:extLst>
           </p:cNvPr>
@@ -12948,7 +13422,7 @@
           <p:cNvPr id="5" name="Picture Placeholder 4">
             <a:extLst>
               <a:ext uri="{FF2B5EF4-FFF2-40B4-BE49-F238E27FC236}">
-                <a16:creationId xmlns:a16="http://schemas.microsoft.com/office/drawing/2014/main" id="{655E0AA9-E01E-470A-B017-30AD9583B826}"/>
+                <a16:creationId xmlns:a16="http://schemas.microsoft.com/office/drawing/2014/main" id="{C7CCA159-BE9B-42A6-A4FB-67C48279DAFB}"/>
               </a:ext>
             </a:extLst>
           </p:cNvPr>
@@ -12964,7 +13438,7 @@
     </p:spTree>
     <p:extLst>
       <p:ext uri="{BB962C8B-B14F-4D97-AF65-F5344CB8AC3E}">
-        <p14:creationId xmlns:p14="http://schemas.microsoft.com/office/powerpoint/2010/main" val="763078848"/>
+        <p14:creationId xmlns:p14="http://schemas.microsoft.com/office/powerpoint/2010/main" val="2823065228"/>
       </p:ext>
     </p:extLst>
   </p:cSld>
@@ -12996,7 +13470,7 @@
           <p:cNvPr id="2" name="Content Placeholder 1">
             <a:extLst>
               <a:ext uri="{FF2B5EF4-FFF2-40B4-BE49-F238E27FC236}">
-                <a16:creationId xmlns:a16="http://schemas.microsoft.com/office/drawing/2014/main" id="{192549E1-3CA7-4340-9E2A-B167E268F82A}"/>
+                <a16:creationId xmlns:a16="http://schemas.microsoft.com/office/drawing/2014/main" id="{5B8A5142-16E4-4173-88DF-C66957ABBCE9}"/>
               </a:ext>
             </a:extLst>
           </p:cNvPr>
@@ -13014,7 +13488,44 @@
           <a:p>
             <a:r>
               <a:rPr lang="en-GB" dirty="0"/>
-              <a:t>Internet of Things (IoT)</a:t>
+              <a:t>PCI Express interface</a:t>
+            </a:r>
+          </a:p>
+          <a:p>
+            <a:r>
+              <a:rPr lang="en-GB" dirty="0"/>
+              <a:t>Xilinx </a:t>
+            </a:r>
+            <a:r>
+              <a:rPr lang="en-GB" dirty="0" err="1"/>
+              <a:t>Virtex</a:t>
+            </a:r>
+            <a:r>
+              <a:rPr lang="en-GB" dirty="0"/>
+              <a:t> / </a:t>
+            </a:r>
+            <a:r>
+              <a:rPr lang="en-GB" dirty="0" err="1"/>
+              <a:t>Kintex</a:t>
+            </a:r>
+            <a:endParaRPr lang="en-GB" dirty="0"/>
+          </a:p>
+          <a:p>
+            <a:r>
+              <a:rPr lang="en-GB" dirty="0"/>
+              <a:t>4 x 1Gbps – 10Gbps Ethernet</a:t>
+            </a:r>
+          </a:p>
+          <a:p>
+            <a:r>
+              <a:rPr lang="en-GB" dirty="0"/>
+              <a:t>Open source software</a:t>
+            </a:r>
+          </a:p>
+          <a:p>
+            <a:r>
+              <a:rPr lang="en-GB" dirty="0"/>
+              <a:t>1G, 10G, SUME, CML</a:t>
             </a:r>
           </a:p>
         </p:txBody>
@@ -13024,7 +13535,7 @@
           <p:cNvPr id="3" name="Title 2">
             <a:extLst>
               <a:ext uri="{FF2B5EF4-FFF2-40B4-BE49-F238E27FC236}">
-                <a16:creationId xmlns:a16="http://schemas.microsoft.com/office/drawing/2014/main" id="{17695CE0-B4C7-4559-B159-47C7627669C7}"/>
+                <a16:creationId xmlns:a16="http://schemas.microsoft.com/office/drawing/2014/main" id="{1E0DC561-4E87-42FA-8023-AF0B13130FE2}"/>
               </a:ext>
             </a:extLst>
           </p:cNvPr>
@@ -13043,9 +13554,10 @@
           <a:lstStyle/>
           <a:p>
             <a:r>
-              <a:rPr lang="en-GB" dirty="0"/>
-              <a:t>Applications</a:t>
-            </a:r>
+              <a:rPr lang="en-GB" dirty="0" err="1"/>
+              <a:t>NetFPGA</a:t>
+            </a:r>
+            <a:endParaRPr lang="en-GB" dirty="0"/>
           </a:p>
         </p:txBody>
       </p:sp>
@@ -13054,7 +13566,7 @@
           <p:cNvPr id="4" name="Content Placeholder 3">
             <a:extLst>
               <a:ext uri="{FF2B5EF4-FFF2-40B4-BE49-F238E27FC236}">
-                <a16:creationId xmlns:a16="http://schemas.microsoft.com/office/drawing/2014/main" id="{0356FB6F-306F-41DE-AA1A-546B9B5D117D}"/>
+                <a16:creationId xmlns:a16="http://schemas.microsoft.com/office/drawing/2014/main" id="{BC5F2367-B1B3-46F6-876E-4F567F072304}"/>
               </a:ext>
             </a:extLst>
           </p:cNvPr>
@@ -13079,7 +13591,7 @@
           <p:cNvPr id="5" name="Picture Placeholder 4">
             <a:extLst>
               <a:ext uri="{FF2B5EF4-FFF2-40B4-BE49-F238E27FC236}">
-                <a16:creationId xmlns:a16="http://schemas.microsoft.com/office/drawing/2014/main" id="{6A7F6F51-4974-4DA9-92A6-5CA03A992465}"/>
+                <a16:creationId xmlns:a16="http://schemas.microsoft.com/office/drawing/2014/main" id="{035F4C06-190E-4578-9EBA-9650B2176DDD}"/>
               </a:ext>
             </a:extLst>
           </p:cNvPr>
@@ -13095,7 +13607,7 @@
     </p:spTree>
     <p:extLst>
       <p:ext uri="{BB962C8B-B14F-4D97-AF65-F5344CB8AC3E}">
-        <p14:creationId xmlns:p14="http://schemas.microsoft.com/office/powerpoint/2010/main" val="1555244556"/>
+        <p14:creationId xmlns:p14="http://schemas.microsoft.com/office/powerpoint/2010/main" val="1899723471"/>
       </p:ext>
     </p:extLst>
   </p:cSld>
@@ -13124,10 +13636,10 @@
       </p:grpSpPr>
       <p:sp>
         <p:nvSpPr>
-          <p:cNvPr id="6" name="Title 5">
+          <p:cNvPr id="2" name="Content Placeholder 1">
             <a:extLst>
               <a:ext uri="{FF2B5EF4-FFF2-40B4-BE49-F238E27FC236}">
-                <a16:creationId xmlns:a16="http://schemas.microsoft.com/office/drawing/2014/main" id="{C1409401-33D1-4304-98B7-A61B1640ACED}"/>
+                <a16:creationId xmlns:a16="http://schemas.microsoft.com/office/drawing/2014/main" id="{1096CC21-4FED-4B52-9945-72D2A50610B9}"/>
               </a:ext>
             </a:extLst>
           </p:cNvPr>
@@ -13135,27 +13647,73 @@
             <a:spLocks noGrp="1"/>
           </p:cNvSpPr>
           <p:nvPr>
-            <p:ph type="ctrTitle"/>
+            <p:ph idx="1"/>
           </p:nvPr>
         </p:nvSpPr>
         <p:spPr/>
         <p:txBody>
-          <a:bodyPr/>
+          <a:bodyPr>
+            <a:normAutofit fontScale="92500" lnSpcReduction="20000"/>
+          </a:bodyPr>
           <a:lstStyle/>
           <a:p>
             <a:r>
-              <a:rPr lang="en-GB" sz="9600" dirty="0"/>
-              <a:t>Demo</a:t>
-            </a:r>
-          </a:p>
-        </p:txBody>
-      </p:sp>
-      <p:sp>
-        <p:nvSpPr>
-          <p:cNvPr id="9" name="Subtitle 8">
+              <a:rPr lang="en-GB" dirty="0"/>
+              <a:t>Open Source (GitHub)</a:t>
+            </a:r>
+          </a:p>
+          <a:p>
+            <a:r>
+              <a:rPr lang="en-GB" dirty="0"/>
+              <a:t>Kanban Board (Trello)</a:t>
+            </a:r>
+          </a:p>
+          <a:p>
+            <a:r>
+              <a:rPr lang="en-GB" dirty="0"/>
+              <a:t>Weekly meetings</a:t>
+            </a:r>
+          </a:p>
+          <a:p>
+            <a:r>
+              <a:rPr lang="en-GB" dirty="0"/>
+              <a:t>Agile</a:t>
+            </a:r>
+          </a:p>
+          <a:p>
+            <a:r>
+              <a:rPr lang="en-GB" dirty="0"/>
+              <a:t>Git submodule</a:t>
+            </a:r>
+          </a:p>
+          <a:p>
+            <a:r>
+              <a:rPr lang="en-GB" dirty="0"/>
+              <a:t>Licensing issues</a:t>
+            </a:r>
+          </a:p>
+          <a:p>
+            <a:r>
+              <a:rPr lang="en-GB" dirty="0"/>
+              <a:t>Access </a:t>
+            </a:r>
+            <a:r>
+              <a:rPr lang="en-GB"/>
+              <a:t>to tools</a:t>
+            </a:r>
+            <a:endParaRPr lang="en-GB" dirty="0"/>
+          </a:p>
+          <a:p>
+            <a:endParaRPr lang="en-GB" dirty="0"/>
+          </a:p>
+        </p:txBody>
+      </p:sp>
+      <p:sp>
+        <p:nvSpPr>
+          <p:cNvPr id="3" name="Title 2">
             <a:extLst>
               <a:ext uri="{FF2B5EF4-FFF2-40B4-BE49-F238E27FC236}">
-                <a16:creationId xmlns:a16="http://schemas.microsoft.com/office/drawing/2014/main" id="{CB61C471-3B36-4D84-B9A7-84CCF5C5E3B6}"/>
+                <a16:creationId xmlns:a16="http://schemas.microsoft.com/office/drawing/2014/main" id="{FB5BED35-C2AC-474A-934A-98AE4F4D3E80}"/>
               </a:ext>
             </a:extLst>
           </p:cNvPr>
@@ -13163,24 +13721,29 @@
             <a:spLocks noGrp="1"/>
           </p:cNvSpPr>
           <p:nvPr>
-            <p:ph type="subTitle" idx="1"/>
+            <p:ph type="title"/>
           </p:nvPr>
         </p:nvSpPr>
         <p:spPr/>
         <p:txBody>
-          <a:bodyPr/>
+          <a:bodyPr>
+            <a:normAutofit fontScale="90000"/>
+          </a:bodyPr>
           <a:lstStyle/>
           <a:p>
-            <a:endParaRPr lang="en-GB"/>
-          </a:p>
-        </p:txBody>
-      </p:sp>
-      <p:sp>
-        <p:nvSpPr>
-          <p:cNvPr id="10" name="Picture Placeholder 9">
+            <a:r>
+              <a:rPr lang="en-GB" dirty="0"/>
+              <a:t>Project Management</a:t>
+            </a:r>
+          </a:p>
+        </p:txBody>
+      </p:sp>
+      <p:sp>
+        <p:nvSpPr>
+          <p:cNvPr id="4" name="Content Placeholder 3">
             <a:extLst>
               <a:ext uri="{FF2B5EF4-FFF2-40B4-BE49-F238E27FC236}">
-                <a16:creationId xmlns:a16="http://schemas.microsoft.com/office/drawing/2014/main" id="{897C3581-BED6-42E0-A966-6FC594C51FED}"/>
+                <a16:creationId xmlns:a16="http://schemas.microsoft.com/office/drawing/2014/main" id="{F4A9EB92-E051-410D-989E-F5CDE34F7E99}"/>
               </a:ext>
             </a:extLst>
           </p:cNvPr>
@@ -13188,7 +13751,32 @@
             <a:spLocks noGrp="1"/>
           </p:cNvSpPr>
           <p:nvPr>
-            <p:ph type="pic" sz="quarter" idx="27"/>
+            <p:ph idx="10"/>
+          </p:nvPr>
+        </p:nvSpPr>
+        <p:spPr/>
+        <p:txBody>
+          <a:bodyPr/>
+          <a:lstStyle/>
+          <a:p>
+            <a:endParaRPr lang="en-GB"/>
+          </a:p>
+        </p:txBody>
+      </p:sp>
+      <p:sp>
+        <p:nvSpPr>
+          <p:cNvPr id="5" name="Picture Placeholder 4">
+            <a:extLst>
+              <a:ext uri="{FF2B5EF4-FFF2-40B4-BE49-F238E27FC236}">
+                <a16:creationId xmlns:a16="http://schemas.microsoft.com/office/drawing/2014/main" id="{655E0AA9-E01E-470A-B017-30AD9583B826}"/>
+              </a:ext>
+            </a:extLst>
+          </p:cNvPr>
+          <p:cNvSpPr>
+            <a:spLocks noGrp="1"/>
+          </p:cNvSpPr>
+          <p:nvPr>
+            <p:ph type="pic" sz="quarter" idx="29"/>
           </p:nvPr>
         </p:nvSpPr>
         <p:spPr/>
@@ -13196,7 +13784,7 @@
     </p:spTree>
     <p:extLst>
       <p:ext uri="{BB962C8B-B14F-4D97-AF65-F5344CB8AC3E}">
-        <p14:creationId xmlns:p14="http://schemas.microsoft.com/office/powerpoint/2010/main" val="2582005167"/>
+        <p14:creationId xmlns:p14="http://schemas.microsoft.com/office/powerpoint/2010/main" val="763078848"/>
       </p:ext>
     </p:extLst>
   </p:cSld>

--- a/Presentation/Network Switch Design on FPGAs.pptx
+++ b/Presentation/Network Switch Design on FPGAs.pptx
@@ -4,19 +4,28 @@
   <p:sldMasterIdLst>
     <p:sldMasterId id="2147483660" r:id="rId1"/>
   </p:sldMasterIdLst>
+  <p:notesMasterIdLst>
+    <p:notesMasterId r:id="rId20"/>
+  </p:notesMasterIdLst>
   <p:sldIdLst>
     <p:sldId id="260" r:id="rId2"/>
-    <p:sldId id="261" r:id="rId3"/>
-    <p:sldId id="262" r:id="rId4"/>
-    <p:sldId id="263" r:id="rId5"/>
-    <p:sldId id="270" r:id="rId6"/>
-    <p:sldId id="271" r:id="rId7"/>
-    <p:sldId id="264" r:id="rId8"/>
-    <p:sldId id="268" r:id="rId9"/>
-    <p:sldId id="265" r:id="rId10"/>
-    <p:sldId id="269" r:id="rId11"/>
-    <p:sldId id="267" r:id="rId12"/>
-    <p:sldId id="266" r:id="rId13"/>
+    <p:sldId id="272" r:id="rId3"/>
+    <p:sldId id="274" r:id="rId4"/>
+    <p:sldId id="262" r:id="rId5"/>
+    <p:sldId id="263" r:id="rId6"/>
+    <p:sldId id="275" r:id="rId7"/>
+    <p:sldId id="276" r:id="rId8"/>
+    <p:sldId id="277" r:id="rId9"/>
+    <p:sldId id="278" r:id="rId10"/>
+    <p:sldId id="279" r:id="rId11"/>
+    <p:sldId id="280" r:id="rId12"/>
+    <p:sldId id="264" r:id="rId13"/>
+    <p:sldId id="268" r:id="rId14"/>
+    <p:sldId id="265" r:id="rId15"/>
+    <p:sldId id="269" r:id="rId16"/>
+    <p:sldId id="273" r:id="rId17"/>
+    <p:sldId id="267" r:id="rId18"/>
+    <p:sldId id="266" r:id="rId19"/>
   </p:sldIdLst>
   <p:sldSz cx="12192000" cy="6858000"/>
   <p:notesSz cx="6858000" cy="9144000"/>
@@ -123,6 +132,728 @@
 </p:presentation>
 </file>
 
+<file path=ppt/revisionInfo.xml><?xml version="1.0" encoding="utf-8"?>
+<p1510:revInfo xmlns:a="http://schemas.openxmlformats.org/drawingml/2006/main" xmlns:r="http://schemas.openxmlformats.org/officeDocument/2006/relationships" xmlns:p1510="http://schemas.microsoft.com/office/powerpoint/2015/10/main">
+  <p1510:revLst>
+    <p1510:client id="{F4C467F3-559C-424B-9C69-319D60F50E7F}" v="22" dt="2019-03-13T23:35:41.145"/>
+  </p1510:revLst>
+</p1510:revInfo>
+</file>
+
+<file path=ppt/notesMasters/notesMaster1.xml><?xml version="1.0" encoding="utf-8"?>
+<p:notesMaster xmlns:a="http://schemas.openxmlformats.org/drawingml/2006/main" xmlns:r="http://schemas.openxmlformats.org/officeDocument/2006/relationships" xmlns:p="http://schemas.openxmlformats.org/presentationml/2006/main">
+  <p:cSld>
+    <p:bg>
+      <p:bgRef idx="1001">
+        <a:schemeClr val="bg1"/>
+      </p:bgRef>
+    </p:bg>
+    <p:spTree>
+      <p:nvGrpSpPr>
+        <p:cNvPr id="1" name=""/>
+        <p:cNvGrpSpPr/>
+        <p:nvPr/>
+      </p:nvGrpSpPr>
+      <p:grpSpPr>
+        <a:xfrm>
+          <a:off x="0" y="0"/>
+          <a:ext cx="0" cy="0"/>
+          <a:chOff x="0" y="0"/>
+          <a:chExt cx="0" cy="0"/>
+        </a:xfrm>
+      </p:grpSpPr>
+      <p:sp>
+        <p:nvSpPr>
+          <p:cNvPr id="2" name="Header Placeholder 1"/>
+          <p:cNvSpPr>
+            <a:spLocks noGrp="1"/>
+          </p:cNvSpPr>
+          <p:nvPr>
+            <p:ph type="hdr" sz="quarter"/>
+          </p:nvPr>
+        </p:nvSpPr>
+        <p:spPr>
+          <a:xfrm>
+            <a:off x="0" y="0"/>
+            <a:ext cx="2971800" cy="458788"/>
+          </a:xfrm>
+          <a:prstGeom prst="rect">
+            <a:avLst/>
+          </a:prstGeom>
+        </p:spPr>
+        <p:txBody>
+          <a:bodyPr vert="horz" lIns="91440" tIns="45720" rIns="91440" bIns="45720" rtlCol="0"/>
+          <a:lstStyle>
+            <a:lvl1pPr algn="l">
+              <a:defRPr sz="1200"/>
+            </a:lvl1pPr>
+          </a:lstStyle>
+          <a:p>
+            <a:endParaRPr lang="en-GB"/>
+          </a:p>
+        </p:txBody>
+      </p:sp>
+      <p:sp>
+        <p:nvSpPr>
+          <p:cNvPr id="3" name="Date Placeholder 2"/>
+          <p:cNvSpPr>
+            <a:spLocks noGrp="1"/>
+          </p:cNvSpPr>
+          <p:nvPr>
+            <p:ph type="dt" idx="1"/>
+          </p:nvPr>
+        </p:nvSpPr>
+        <p:spPr>
+          <a:xfrm>
+            <a:off x="3884613" y="0"/>
+            <a:ext cx="2971800" cy="458788"/>
+          </a:xfrm>
+          <a:prstGeom prst="rect">
+            <a:avLst/>
+          </a:prstGeom>
+        </p:spPr>
+        <p:txBody>
+          <a:bodyPr vert="horz" lIns="91440" tIns="45720" rIns="91440" bIns="45720" rtlCol="0"/>
+          <a:lstStyle>
+            <a:lvl1pPr algn="r">
+              <a:defRPr sz="1200"/>
+            </a:lvl1pPr>
+          </a:lstStyle>
+          <a:p>
+            <a:fld id="{6D0DFB00-9630-462B-A28E-7A80C67C40B1}" type="datetimeFigureOut">
+              <a:rPr lang="en-GB" smtClean="0"/>
+              <a:t>13/03/2019</a:t>
+            </a:fld>
+            <a:endParaRPr lang="en-GB"/>
+          </a:p>
+        </p:txBody>
+      </p:sp>
+      <p:sp>
+        <p:nvSpPr>
+          <p:cNvPr id="4" name="Slide Image Placeholder 3"/>
+          <p:cNvSpPr>
+            <a:spLocks noGrp="1" noRot="1" noChangeAspect="1"/>
+          </p:cNvSpPr>
+          <p:nvPr>
+            <p:ph type="sldImg" idx="2"/>
+          </p:nvPr>
+        </p:nvSpPr>
+        <p:spPr>
+          <a:xfrm>
+            <a:off x="685800" y="1143000"/>
+            <a:ext cx="5486400" cy="3086100"/>
+          </a:xfrm>
+          <a:prstGeom prst="rect">
+            <a:avLst/>
+          </a:prstGeom>
+          <a:noFill/>
+          <a:ln w="12700">
+            <a:solidFill>
+              <a:prstClr val="black"/>
+            </a:solidFill>
+          </a:ln>
+        </p:spPr>
+        <p:txBody>
+          <a:bodyPr vert="horz" lIns="91440" tIns="45720" rIns="91440" bIns="45720" rtlCol="0" anchor="ctr"/>
+          <a:lstStyle/>
+          <a:p>
+            <a:endParaRPr lang="en-GB"/>
+          </a:p>
+        </p:txBody>
+      </p:sp>
+      <p:sp>
+        <p:nvSpPr>
+          <p:cNvPr id="5" name="Notes Placeholder 4"/>
+          <p:cNvSpPr>
+            <a:spLocks noGrp="1"/>
+          </p:cNvSpPr>
+          <p:nvPr>
+            <p:ph type="body" sz="quarter" idx="3"/>
+          </p:nvPr>
+        </p:nvSpPr>
+        <p:spPr>
+          <a:xfrm>
+            <a:off x="685800" y="4400550"/>
+            <a:ext cx="5486400" cy="3600450"/>
+          </a:xfrm>
+          <a:prstGeom prst="rect">
+            <a:avLst/>
+          </a:prstGeom>
+        </p:spPr>
+        <p:txBody>
+          <a:bodyPr vert="horz" lIns="91440" tIns="45720" rIns="91440" bIns="45720" rtlCol="0"/>
+          <a:lstStyle/>
+          <a:p>
+            <a:pPr lvl="0"/>
+            <a:r>
+              <a:rPr lang="en-US"/>
+              <a:t>Click to edit Master text styles</a:t>
+            </a:r>
+          </a:p>
+          <a:p>
+            <a:pPr lvl="1"/>
+            <a:r>
+              <a:rPr lang="en-US"/>
+              <a:t>Second level</a:t>
+            </a:r>
+          </a:p>
+          <a:p>
+            <a:pPr lvl="2"/>
+            <a:r>
+              <a:rPr lang="en-US"/>
+              <a:t>Third level</a:t>
+            </a:r>
+          </a:p>
+          <a:p>
+            <a:pPr lvl="3"/>
+            <a:r>
+              <a:rPr lang="en-US"/>
+              <a:t>Fourth level</a:t>
+            </a:r>
+          </a:p>
+          <a:p>
+            <a:pPr lvl="4"/>
+            <a:r>
+              <a:rPr lang="en-US"/>
+              <a:t>Fifth level</a:t>
+            </a:r>
+            <a:endParaRPr lang="en-GB"/>
+          </a:p>
+        </p:txBody>
+      </p:sp>
+      <p:sp>
+        <p:nvSpPr>
+          <p:cNvPr id="6" name="Footer Placeholder 5"/>
+          <p:cNvSpPr>
+            <a:spLocks noGrp="1"/>
+          </p:cNvSpPr>
+          <p:nvPr>
+            <p:ph type="ftr" sz="quarter" idx="4"/>
+          </p:nvPr>
+        </p:nvSpPr>
+        <p:spPr>
+          <a:xfrm>
+            <a:off x="0" y="8685213"/>
+            <a:ext cx="2971800" cy="458787"/>
+          </a:xfrm>
+          <a:prstGeom prst="rect">
+            <a:avLst/>
+          </a:prstGeom>
+        </p:spPr>
+        <p:txBody>
+          <a:bodyPr vert="horz" lIns="91440" tIns="45720" rIns="91440" bIns="45720" rtlCol="0" anchor="b"/>
+          <a:lstStyle>
+            <a:lvl1pPr algn="l">
+              <a:defRPr sz="1200"/>
+            </a:lvl1pPr>
+          </a:lstStyle>
+          <a:p>
+            <a:endParaRPr lang="en-GB"/>
+          </a:p>
+        </p:txBody>
+      </p:sp>
+      <p:sp>
+        <p:nvSpPr>
+          <p:cNvPr id="7" name="Slide Number Placeholder 6"/>
+          <p:cNvSpPr>
+            <a:spLocks noGrp="1"/>
+          </p:cNvSpPr>
+          <p:nvPr>
+            <p:ph type="sldNum" sz="quarter" idx="5"/>
+          </p:nvPr>
+        </p:nvSpPr>
+        <p:spPr>
+          <a:xfrm>
+            <a:off x="3884613" y="8685213"/>
+            <a:ext cx="2971800" cy="458787"/>
+          </a:xfrm>
+          <a:prstGeom prst="rect">
+            <a:avLst/>
+          </a:prstGeom>
+        </p:spPr>
+        <p:txBody>
+          <a:bodyPr vert="horz" lIns="91440" tIns="45720" rIns="91440" bIns="45720" rtlCol="0" anchor="b"/>
+          <a:lstStyle>
+            <a:lvl1pPr algn="r">
+              <a:defRPr sz="1200"/>
+            </a:lvl1pPr>
+          </a:lstStyle>
+          <a:p>
+            <a:fld id="{14D543BE-4207-42F1-83FD-CFE5F1928924}" type="slidenum">
+              <a:rPr lang="en-GB" smtClean="0"/>
+              <a:t>‹#›</a:t>
+            </a:fld>
+            <a:endParaRPr lang="en-GB"/>
+          </a:p>
+        </p:txBody>
+      </p:sp>
+    </p:spTree>
+    <p:extLst>
+      <p:ext uri="{BB962C8B-B14F-4D97-AF65-F5344CB8AC3E}">
+        <p14:creationId xmlns:p14="http://schemas.microsoft.com/office/powerpoint/2010/main" val="1203829966"/>
+      </p:ext>
+    </p:extLst>
+  </p:cSld>
+  <p:clrMap bg1="lt1" tx1="dk1" bg2="lt2" tx2="dk2" accent1="accent1" accent2="accent2" accent3="accent3" accent4="accent4" accent5="accent5" accent6="accent6" hlink="hlink" folHlink="folHlink"/>
+  <p:notesStyle>
+    <a:lvl1pPr marL="0" algn="l" defTabSz="914400" rtl="0" eaLnBrk="1" latinLnBrk="0" hangingPunct="1">
+      <a:defRPr sz="1200" kern="1200">
+        <a:solidFill>
+          <a:schemeClr val="tx1"/>
+        </a:solidFill>
+        <a:latin typeface="+mn-lt"/>
+        <a:ea typeface="+mn-ea"/>
+        <a:cs typeface="+mn-cs"/>
+      </a:defRPr>
+    </a:lvl1pPr>
+    <a:lvl2pPr marL="457200" algn="l" defTabSz="914400" rtl="0" eaLnBrk="1" latinLnBrk="0" hangingPunct="1">
+      <a:defRPr sz="1200" kern="1200">
+        <a:solidFill>
+          <a:schemeClr val="tx1"/>
+        </a:solidFill>
+        <a:latin typeface="+mn-lt"/>
+        <a:ea typeface="+mn-ea"/>
+        <a:cs typeface="+mn-cs"/>
+      </a:defRPr>
+    </a:lvl2pPr>
+    <a:lvl3pPr marL="914400" algn="l" defTabSz="914400" rtl="0" eaLnBrk="1" latinLnBrk="0" hangingPunct="1">
+      <a:defRPr sz="1200" kern="1200">
+        <a:solidFill>
+          <a:schemeClr val="tx1"/>
+        </a:solidFill>
+        <a:latin typeface="+mn-lt"/>
+        <a:ea typeface="+mn-ea"/>
+        <a:cs typeface="+mn-cs"/>
+      </a:defRPr>
+    </a:lvl3pPr>
+    <a:lvl4pPr marL="1371600" algn="l" defTabSz="914400" rtl="0" eaLnBrk="1" latinLnBrk="0" hangingPunct="1">
+      <a:defRPr sz="1200" kern="1200">
+        <a:solidFill>
+          <a:schemeClr val="tx1"/>
+        </a:solidFill>
+        <a:latin typeface="+mn-lt"/>
+        <a:ea typeface="+mn-ea"/>
+        <a:cs typeface="+mn-cs"/>
+      </a:defRPr>
+    </a:lvl4pPr>
+    <a:lvl5pPr marL="1828800" algn="l" defTabSz="914400" rtl="0" eaLnBrk="1" latinLnBrk="0" hangingPunct="1">
+      <a:defRPr sz="1200" kern="1200">
+        <a:solidFill>
+          <a:schemeClr val="tx1"/>
+        </a:solidFill>
+        <a:latin typeface="+mn-lt"/>
+        <a:ea typeface="+mn-ea"/>
+        <a:cs typeface="+mn-cs"/>
+      </a:defRPr>
+    </a:lvl5pPr>
+    <a:lvl6pPr marL="2286000" algn="l" defTabSz="914400" rtl="0" eaLnBrk="1" latinLnBrk="0" hangingPunct="1">
+      <a:defRPr sz="1200" kern="1200">
+        <a:solidFill>
+          <a:schemeClr val="tx1"/>
+        </a:solidFill>
+        <a:latin typeface="+mn-lt"/>
+        <a:ea typeface="+mn-ea"/>
+        <a:cs typeface="+mn-cs"/>
+      </a:defRPr>
+    </a:lvl6pPr>
+    <a:lvl7pPr marL="2743200" algn="l" defTabSz="914400" rtl="0" eaLnBrk="1" latinLnBrk="0" hangingPunct="1">
+      <a:defRPr sz="1200" kern="1200">
+        <a:solidFill>
+          <a:schemeClr val="tx1"/>
+        </a:solidFill>
+        <a:latin typeface="+mn-lt"/>
+        <a:ea typeface="+mn-ea"/>
+        <a:cs typeface="+mn-cs"/>
+      </a:defRPr>
+    </a:lvl7pPr>
+    <a:lvl8pPr marL="3200400" algn="l" defTabSz="914400" rtl="0" eaLnBrk="1" latinLnBrk="0" hangingPunct="1">
+      <a:defRPr sz="1200" kern="1200">
+        <a:solidFill>
+          <a:schemeClr val="tx1"/>
+        </a:solidFill>
+        <a:latin typeface="+mn-lt"/>
+        <a:ea typeface="+mn-ea"/>
+        <a:cs typeface="+mn-cs"/>
+      </a:defRPr>
+    </a:lvl8pPr>
+    <a:lvl9pPr marL="3657600" algn="l" defTabSz="914400" rtl="0" eaLnBrk="1" latinLnBrk="0" hangingPunct="1">
+      <a:defRPr sz="1200" kern="1200">
+        <a:solidFill>
+          <a:schemeClr val="tx1"/>
+        </a:solidFill>
+        <a:latin typeface="+mn-lt"/>
+        <a:ea typeface="+mn-ea"/>
+        <a:cs typeface="+mn-cs"/>
+      </a:defRPr>
+    </a:lvl9pPr>
+  </p:notesStyle>
+</p:notesMaster>
+</file>
+
+<file path=ppt/notesSlides/notesSlide1.xml><?xml version="1.0" encoding="utf-8"?>
+<p:notes xmlns:a="http://schemas.openxmlformats.org/drawingml/2006/main" xmlns:r="http://schemas.openxmlformats.org/officeDocument/2006/relationships" xmlns:p="http://schemas.openxmlformats.org/presentationml/2006/main">
+  <p:cSld>
+    <p:spTree>
+      <p:nvGrpSpPr>
+        <p:cNvPr id="1" name=""/>
+        <p:cNvGrpSpPr/>
+        <p:nvPr/>
+      </p:nvGrpSpPr>
+      <p:grpSpPr>
+        <a:xfrm>
+          <a:off x="0" y="0"/>
+          <a:ext cx="0" cy="0"/>
+          <a:chOff x="0" y="0"/>
+          <a:chExt cx="0" cy="0"/>
+        </a:xfrm>
+      </p:grpSpPr>
+      <p:sp>
+        <p:nvSpPr>
+          <p:cNvPr id="2" name="Slide Image Placeholder 1"/>
+          <p:cNvSpPr>
+            <a:spLocks noGrp="1" noRot="1" noChangeAspect="1"/>
+          </p:cNvSpPr>
+          <p:nvPr>
+            <p:ph type="sldImg"/>
+          </p:nvPr>
+        </p:nvSpPr>
+        <p:spPr/>
+      </p:sp>
+      <p:sp>
+        <p:nvSpPr>
+          <p:cNvPr id="3" name="Notes Placeholder 2"/>
+          <p:cNvSpPr>
+            <a:spLocks noGrp="1"/>
+          </p:cNvSpPr>
+          <p:nvPr>
+            <p:ph type="body" idx="1"/>
+          </p:nvPr>
+        </p:nvSpPr>
+        <p:spPr/>
+        <p:txBody>
+          <a:bodyPr/>
+          <a:lstStyle/>
+          <a:p>
+            <a:r>
+              <a:rPr lang="en-GB" b="1" dirty="0"/>
+              <a:t>Flexible logic:</a:t>
+            </a:r>
+            <a:r>
+              <a:rPr lang="en-GB" b="0" dirty="0"/>
+              <a:t> basic configurable block to implement combinational logic, coupled with clocked elements to enable synchronous logic and pipelining</a:t>
+            </a:r>
+          </a:p>
+          <a:p>
+            <a:r>
+              <a:rPr lang="en-GB" b="1" dirty="0"/>
+              <a:t>Flexible routing: </a:t>
+            </a:r>
+            <a:r>
+              <a:rPr lang="en-GB" b="0" dirty="0"/>
+              <a:t>significant chip area dedicated to wires and switch boxes that enable connections between all components</a:t>
+            </a:r>
+          </a:p>
+          <a:p>
+            <a:r>
+              <a:rPr lang="en-GB" b="1" dirty="0"/>
+              <a:t>Flexible IO:</a:t>
+            </a:r>
+            <a:r>
+              <a:rPr lang="en-GB" b="0" dirty="0"/>
+              <a:t> multi-standard interfacing to external pins, with a range of speed capabilities</a:t>
+            </a:r>
+          </a:p>
+          <a:p>
+            <a:r>
+              <a:rPr lang="en-GB" b="1" dirty="0"/>
+              <a:t>Embedded hard modules: </a:t>
+            </a:r>
+            <a:r>
+              <a:rPr lang="en-GB" b="0" dirty="0"/>
+              <a:t>an increasing number of different resources optimised for speed and area, including DSP functions and memories</a:t>
+            </a:r>
+            <a:endParaRPr lang="en-GB" b="1" dirty="0"/>
+          </a:p>
+        </p:txBody>
+      </p:sp>
+      <p:sp>
+        <p:nvSpPr>
+          <p:cNvPr id="4" name="Slide Number Placeholder 3"/>
+          <p:cNvSpPr>
+            <a:spLocks noGrp="1"/>
+          </p:cNvSpPr>
+          <p:nvPr>
+            <p:ph type="sldNum" sz="quarter" idx="5"/>
+          </p:nvPr>
+        </p:nvSpPr>
+        <p:spPr/>
+        <p:txBody>
+          <a:bodyPr/>
+          <a:lstStyle/>
+          <a:p>
+            <a:fld id="{14D543BE-4207-42F1-83FD-CFE5F1928924}" type="slidenum">
+              <a:rPr lang="en-GB" smtClean="0"/>
+              <a:t>2</a:t>
+            </a:fld>
+            <a:endParaRPr lang="en-GB"/>
+          </a:p>
+        </p:txBody>
+      </p:sp>
+    </p:spTree>
+    <p:extLst>
+      <p:ext uri="{BB962C8B-B14F-4D97-AF65-F5344CB8AC3E}">
+        <p14:creationId xmlns:p14="http://schemas.microsoft.com/office/powerpoint/2010/main" val="422595288"/>
+      </p:ext>
+    </p:extLst>
+  </p:cSld>
+  <p:clrMapOvr>
+    <a:masterClrMapping/>
+  </p:clrMapOvr>
+</p:notes>
+</file>
+
+<file path=ppt/notesSlides/notesSlide2.xml><?xml version="1.0" encoding="utf-8"?>
+<p:notes xmlns:a="http://schemas.openxmlformats.org/drawingml/2006/main" xmlns:r="http://schemas.openxmlformats.org/officeDocument/2006/relationships" xmlns:p="http://schemas.openxmlformats.org/presentationml/2006/main">
+  <p:cSld>
+    <p:spTree>
+      <p:nvGrpSpPr>
+        <p:cNvPr id="1" name=""/>
+        <p:cNvGrpSpPr/>
+        <p:nvPr/>
+      </p:nvGrpSpPr>
+      <p:grpSpPr>
+        <a:xfrm>
+          <a:off x="0" y="0"/>
+          <a:ext cx="0" cy="0"/>
+          <a:chOff x="0" y="0"/>
+          <a:chExt cx="0" cy="0"/>
+        </a:xfrm>
+      </p:grpSpPr>
+      <p:sp>
+        <p:nvSpPr>
+          <p:cNvPr id="2" name="Slide Image Placeholder 1"/>
+          <p:cNvSpPr>
+            <a:spLocks noGrp="1" noRot="1" noChangeAspect="1"/>
+          </p:cNvSpPr>
+          <p:nvPr>
+            <p:ph type="sldImg"/>
+          </p:nvPr>
+        </p:nvSpPr>
+        <p:spPr/>
+      </p:sp>
+      <p:sp>
+        <p:nvSpPr>
+          <p:cNvPr id="3" name="Notes Placeholder 2"/>
+          <p:cNvSpPr>
+            <a:spLocks noGrp="1"/>
+          </p:cNvSpPr>
+          <p:nvPr>
+            <p:ph type="body" idx="1"/>
+          </p:nvPr>
+        </p:nvSpPr>
+        <p:spPr/>
+        <p:txBody>
+          <a:bodyPr/>
+          <a:lstStyle/>
+          <a:p>
+            <a:r>
+              <a:rPr lang="en-GB" b="1" dirty="0"/>
+              <a:t>Flexible logic:</a:t>
+            </a:r>
+            <a:r>
+              <a:rPr lang="en-GB" b="0" dirty="0"/>
+              <a:t> basic configurable block to implement combinational logic, coupled with clocked elements to enable synchronous logic and pipelining</a:t>
+            </a:r>
+          </a:p>
+          <a:p>
+            <a:r>
+              <a:rPr lang="en-GB" b="1" dirty="0"/>
+              <a:t>Flexible routing: </a:t>
+            </a:r>
+            <a:r>
+              <a:rPr lang="en-GB" b="0" dirty="0"/>
+              <a:t>significant chip area dedicated to wires and switch boxes that enable connections between all components</a:t>
+            </a:r>
+          </a:p>
+          <a:p>
+            <a:r>
+              <a:rPr lang="en-GB" b="1" dirty="0"/>
+              <a:t>Flexible IO:</a:t>
+            </a:r>
+            <a:r>
+              <a:rPr lang="en-GB" b="0" dirty="0"/>
+              <a:t> multi-standard interfacing to external pins, with a range of speed capabilities</a:t>
+            </a:r>
+          </a:p>
+          <a:p>
+            <a:r>
+              <a:rPr lang="en-GB" b="1" dirty="0"/>
+              <a:t>Embedded hard modules: </a:t>
+            </a:r>
+            <a:r>
+              <a:rPr lang="en-GB" b="0" dirty="0"/>
+              <a:t>an increasing number of different resources optimised for speed and area, including DSP functions and memories</a:t>
+            </a:r>
+            <a:endParaRPr lang="en-GB" b="1" dirty="0"/>
+          </a:p>
+        </p:txBody>
+      </p:sp>
+      <p:sp>
+        <p:nvSpPr>
+          <p:cNvPr id="4" name="Slide Number Placeholder 3"/>
+          <p:cNvSpPr>
+            <a:spLocks noGrp="1"/>
+          </p:cNvSpPr>
+          <p:nvPr>
+            <p:ph type="sldNum" sz="quarter" idx="5"/>
+          </p:nvPr>
+        </p:nvSpPr>
+        <p:spPr/>
+        <p:txBody>
+          <a:bodyPr/>
+          <a:lstStyle/>
+          <a:p>
+            <a:fld id="{14D543BE-4207-42F1-83FD-CFE5F1928924}" type="slidenum">
+              <a:rPr lang="en-GB" smtClean="0"/>
+              <a:t>3</a:t>
+            </a:fld>
+            <a:endParaRPr lang="en-GB"/>
+          </a:p>
+        </p:txBody>
+      </p:sp>
+    </p:spTree>
+    <p:extLst>
+      <p:ext uri="{BB962C8B-B14F-4D97-AF65-F5344CB8AC3E}">
+        <p14:creationId xmlns:p14="http://schemas.microsoft.com/office/powerpoint/2010/main" val="2966478051"/>
+      </p:ext>
+    </p:extLst>
+  </p:cSld>
+  <p:clrMapOvr>
+    <a:masterClrMapping/>
+  </p:clrMapOvr>
+</p:notes>
+</file>
+
+<file path=ppt/notesSlides/notesSlide3.xml><?xml version="1.0" encoding="utf-8"?>
+<p:notes xmlns:a="http://schemas.openxmlformats.org/drawingml/2006/main" xmlns:r="http://schemas.openxmlformats.org/officeDocument/2006/relationships" xmlns:p="http://schemas.openxmlformats.org/presentationml/2006/main">
+  <p:cSld>
+    <p:spTree>
+      <p:nvGrpSpPr>
+        <p:cNvPr id="1" name=""/>
+        <p:cNvGrpSpPr/>
+        <p:nvPr/>
+      </p:nvGrpSpPr>
+      <p:grpSpPr>
+        <a:xfrm>
+          <a:off x="0" y="0"/>
+          <a:ext cx="0" cy="0"/>
+          <a:chOff x="0" y="0"/>
+          <a:chExt cx="0" cy="0"/>
+        </a:xfrm>
+      </p:grpSpPr>
+      <p:sp>
+        <p:nvSpPr>
+          <p:cNvPr id="2" name="Slide Image Placeholder 1"/>
+          <p:cNvSpPr>
+            <a:spLocks noGrp="1" noRot="1" noChangeAspect="1"/>
+          </p:cNvSpPr>
+          <p:nvPr>
+            <p:ph type="sldImg"/>
+          </p:nvPr>
+        </p:nvSpPr>
+        <p:spPr/>
+      </p:sp>
+      <p:sp>
+        <p:nvSpPr>
+          <p:cNvPr id="3" name="Notes Placeholder 2"/>
+          <p:cNvSpPr>
+            <a:spLocks noGrp="1"/>
+          </p:cNvSpPr>
+          <p:nvPr>
+            <p:ph type="body" idx="1"/>
+          </p:nvPr>
+        </p:nvSpPr>
+        <p:spPr/>
+        <p:txBody>
+          <a:bodyPr/>
+          <a:lstStyle/>
+          <a:p>
+            <a:r>
+              <a:rPr lang="en-GB" dirty="0"/>
+              <a:t>SDN separates the control plane from the data plane</a:t>
+            </a:r>
+          </a:p>
+          <a:p>
+            <a:r>
+              <a:rPr lang="en-GB" dirty="0"/>
+              <a:t>Gives the programmer more direct and clear control over how routing decisions are made.</a:t>
+            </a:r>
+          </a:p>
+          <a:p>
+            <a:r>
+              <a:rPr lang="en-GB" dirty="0"/>
+              <a:t>Separates the network control, known as the control plane, from the forwarding process, known as the data plane. </a:t>
+            </a:r>
+          </a:p>
+          <a:p>
+            <a:r>
+              <a:rPr lang="en-GB" dirty="0"/>
+              <a:t>The control plane makes decisions about packets which are either destined to or originally from the current host, while the data plane makes decisions about packets which are going through the host. </a:t>
+            </a:r>
+          </a:p>
+          <a:p>
+            <a:r>
+              <a:rPr lang="en-GB" dirty="0"/>
+              <a:t>The control plane also maintains the routing table, which is used by both planes to make routing decisions</a:t>
+            </a:r>
+          </a:p>
+          <a:p>
+            <a:endParaRPr lang="en-GB" dirty="0"/>
+          </a:p>
+          <a:p>
+            <a:r>
+              <a:rPr lang="en-GB" dirty="0"/>
+              <a:t>P4 is a language for programming data plane. Sep 2014.</a:t>
+            </a:r>
+          </a:p>
+        </p:txBody>
+      </p:sp>
+      <p:sp>
+        <p:nvSpPr>
+          <p:cNvPr id="4" name="Slide Number Placeholder 3"/>
+          <p:cNvSpPr>
+            <a:spLocks noGrp="1"/>
+          </p:cNvSpPr>
+          <p:nvPr>
+            <p:ph type="sldNum" sz="quarter" idx="5"/>
+          </p:nvPr>
+        </p:nvSpPr>
+        <p:spPr/>
+        <p:txBody>
+          <a:bodyPr/>
+          <a:lstStyle/>
+          <a:p>
+            <a:fld id="{14D543BE-4207-42F1-83FD-CFE5F1928924}" type="slidenum">
+              <a:rPr lang="en-GB" smtClean="0"/>
+              <a:t>5</a:t>
+            </a:fld>
+            <a:endParaRPr lang="en-GB"/>
+          </a:p>
+        </p:txBody>
+      </p:sp>
+    </p:spTree>
+    <p:extLst>
+      <p:ext uri="{BB962C8B-B14F-4D97-AF65-F5344CB8AC3E}">
+        <p14:creationId xmlns:p14="http://schemas.microsoft.com/office/powerpoint/2010/main" val="166886260"/>
+      </p:ext>
+    </p:extLst>
+  </p:cSld>
+  <p:clrMapOvr>
+    <a:masterClrMapping/>
+  </p:clrMapOvr>
+</p:notes>
+</file>
+
 <file path=ppt/slideLayouts/slideLayout1.xml><?xml version="1.0" encoding="utf-8"?>
 <p:sldLayout xmlns:a="http://schemas.openxmlformats.org/drawingml/2006/main" xmlns:r="http://schemas.openxmlformats.org/officeDocument/2006/relationships" xmlns:p="http://schemas.openxmlformats.org/presentationml/2006/main" showMasterSp="0" preserve="1">
   <p:cSld name="SLIDEIST info">
@@ -1743,6 +2474,18 @@
   <p:clrMapOvr>
     <a:masterClrMapping/>
   </p:clrMapOvr>
+  <mc:AlternateContent xmlns:mc="http://schemas.openxmlformats.org/markup-compatibility/2006" xmlns:p14="http://schemas.microsoft.com/office/powerpoint/2010/main">
+    <mc:Choice Requires="p14">
+      <p:transition p14:dur="300">
+        <p:fade/>
+      </p:transition>
+    </mc:Choice>
+    <mc:Fallback xmlns="">
+      <p:transition>
+        <p:fade/>
+      </p:transition>
+    </mc:Fallback>
+  </mc:AlternateContent>
 </p:sldLayout>
 </file>
 
@@ -2044,6 +2787,18 @@
   <p:clrMapOvr>
     <a:masterClrMapping/>
   </p:clrMapOvr>
+  <mc:AlternateContent xmlns:mc="http://schemas.openxmlformats.org/markup-compatibility/2006" xmlns:p14="http://schemas.microsoft.com/office/powerpoint/2010/main">
+    <mc:Choice Requires="p14">
+      <p:transition p14:dur="300">
+        <p:fade/>
+      </p:transition>
+    </mc:Choice>
+    <mc:Fallback xmlns="">
+      <p:transition>
+        <p:fade/>
+      </p:transition>
+    </mc:Fallback>
+  </mc:AlternateContent>
 </p:sldLayout>
 </file>
 
@@ -2095,7 +2850,7 @@
               </a:buBlip>
               <a:defRPr sz="2400">
                 <a:solidFill>
-                  <a:schemeClr val="accent4"/>
+                  <a:schemeClr val="bg2"/>
                 </a:solidFill>
               </a:defRPr>
             </a:lvl1pPr>
@@ -2109,7 +2864,7 @@
               </a:buBlip>
               <a:defRPr sz="2400">
                 <a:solidFill>
-                  <a:schemeClr val="accent4"/>
+                  <a:schemeClr val="bg2"/>
                 </a:solidFill>
               </a:defRPr>
             </a:lvl2pPr>
@@ -2123,7 +2878,7 @@
               </a:buBlip>
               <a:defRPr sz="2400">
                 <a:solidFill>
-                  <a:schemeClr val="accent4"/>
+                  <a:schemeClr val="bg2"/>
                 </a:solidFill>
               </a:defRPr>
             </a:lvl3pPr>
@@ -2137,7 +2892,7 @@
               </a:buBlip>
               <a:defRPr sz="2400">
                 <a:solidFill>
-                  <a:schemeClr val="accent4"/>
+                  <a:schemeClr val="bg2"/>
                 </a:solidFill>
               </a:defRPr>
             </a:lvl4pPr>
@@ -2151,7 +2906,7 @@
               </a:buBlip>
               <a:defRPr sz="2400">
                 <a:solidFill>
-                  <a:schemeClr val="accent4"/>
+                  <a:schemeClr val="bg2"/>
                 </a:solidFill>
               </a:defRPr>
             </a:lvl5pPr>
@@ -2206,10 +2961,18 @@
         <p:spPr/>
         <p:txBody>
           <a:bodyPr/>
-          <a:lstStyle/>
-          <a:p>
-            <a:r>
-              <a:rPr lang="en-US"/>
+          <a:lstStyle>
+            <a:lvl1pPr>
+              <a:defRPr>
+                <a:solidFill>
+                  <a:schemeClr val="accent4"/>
+                </a:solidFill>
+              </a:defRPr>
+            </a:lvl1pPr>
+          </a:lstStyle>
+          <a:p>
+            <a:r>
+              <a:rPr lang="en-US" dirty="0"/>
               <a:t>Click to edit Master title style</a:t>
             </a:r>
             <a:endParaRPr lang="hu-HU" dirty="0"/>
@@ -2287,7 +3050,7 @@
               </a:buBlip>
               <a:defRPr sz="2400">
                 <a:solidFill>
-                  <a:schemeClr val="accent4"/>
+                  <a:schemeClr val="bg2"/>
                 </a:solidFill>
               </a:defRPr>
             </a:lvl1pPr>
@@ -2301,7 +3064,7 @@
               </a:buBlip>
               <a:defRPr sz="2400">
                 <a:solidFill>
-                  <a:schemeClr val="accent4"/>
+                  <a:schemeClr val="bg2"/>
                 </a:solidFill>
               </a:defRPr>
             </a:lvl2pPr>
@@ -2315,7 +3078,7 @@
               </a:buBlip>
               <a:defRPr sz="2400">
                 <a:solidFill>
-                  <a:schemeClr val="accent4"/>
+                  <a:schemeClr val="bg2"/>
                 </a:solidFill>
               </a:defRPr>
             </a:lvl3pPr>
@@ -2329,7 +3092,7 @@
               </a:buBlip>
               <a:defRPr sz="2400">
                 <a:solidFill>
-                  <a:schemeClr val="accent4"/>
+                  <a:schemeClr val="bg2"/>
                 </a:solidFill>
               </a:defRPr>
             </a:lvl4pPr>
@@ -2343,7 +3106,7 @@
               </a:buBlip>
               <a:defRPr sz="2400">
                 <a:solidFill>
-                  <a:schemeClr val="accent4"/>
+                  <a:schemeClr val="bg2"/>
                 </a:solidFill>
               </a:defRPr>
             </a:lvl5pPr>
@@ -2447,6 +3210,18 @@
   <p:clrMapOvr>
     <a:masterClrMapping/>
   </p:clrMapOvr>
+  <mc:AlternateContent xmlns:mc="http://schemas.openxmlformats.org/markup-compatibility/2006" xmlns:p14="http://schemas.microsoft.com/office/powerpoint/2010/main">
+    <mc:Choice Requires="p14">
+      <p:transition p14:dur="300">
+        <p:fade/>
+      </p:transition>
+    </mc:Choice>
+    <mc:Fallback xmlns="">
+      <p:transition>
+        <p:fade/>
+      </p:transition>
+    </mc:Fallback>
+  </mc:AlternateContent>
 </p:sldLayout>
 </file>
 
@@ -2810,6 +3585,18 @@
   <p:clrMapOvr>
     <a:masterClrMapping/>
   </p:clrMapOvr>
+  <mc:AlternateContent xmlns:mc="http://schemas.openxmlformats.org/markup-compatibility/2006" xmlns:p14="http://schemas.microsoft.com/office/powerpoint/2010/main">
+    <mc:Choice Requires="p14">
+      <p:transition p14:dur="300">
+        <p:fade/>
+      </p:transition>
+    </mc:Choice>
+    <mc:Fallback xmlns="">
+      <p:transition>
+        <p:fade/>
+      </p:transition>
+    </mc:Fallback>
+  </mc:AlternateContent>
 </p:sldLayout>
 </file>
 
@@ -3121,6 +3908,18 @@
   <p:clrMapOvr>
     <a:masterClrMapping/>
   </p:clrMapOvr>
+  <mc:AlternateContent xmlns:mc="http://schemas.openxmlformats.org/markup-compatibility/2006" xmlns:p14="http://schemas.microsoft.com/office/powerpoint/2010/main">
+    <mc:Choice Requires="p14">
+      <p:transition p14:dur="300">
+        <p:fade/>
+      </p:transition>
+    </mc:Choice>
+    <mc:Fallback xmlns="">
+      <p:transition>
+        <p:fade/>
+      </p:transition>
+    </mc:Fallback>
+  </mc:AlternateContent>
 </p:sldLayout>
 </file>
 
@@ -3704,6 +4503,18 @@
   <p:clrMapOvr>
     <a:masterClrMapping/>
   </p:clrMapOvr>
+  <mc:AlternateContent xmlns:mc="http://schemas.openxmlformats.org/markup-compatibility/2006" xmlns:p14="http://schemas.microsoft.com/office/powerpoint/2010/main">
+    <mc:Choice Requires="p14">
+      <p:transition p14:dur="300">
+        <p:fade/>
+      </p:transition>
+    </mc:Choice>
+    <mc:Fallback xmlns="">
+      <p:transition>
+        <p:fade/>
+      </p:transition>
+    </mc:Fallback>
+  </mc:AlternateContent>
 </p:sldLayout>
 </file>
 
@@ -4015,6 +4826,18 @@
   <p:clrMapOvr>
     <a:masterClrMapping/>
   </p:clrMapOvr>
+  <mc:AlternateContent xmlns:mc="http://schemas.openxmlformats.org/markup-compatibility/2006" xmlns:p14="http://schemas.microsoft.com/office/powerpoint/2010/main">
+    <mc:Choice Requires="p14">
+      <p:transition p14:dur="300">
+        <p:fade/>
+      </p:transition>
+    </mc:Choice>
+    <mc:Fallback xmlns="">
+      <p:transition>
+        <p:fade/>
+      </p:transition>
+    </mc:Fallback>
+  </mc:AlternateContent>
 </p:sldLayout>
 </file>
 
@@ -4323,6 +5146,18 @@
   <p:clrMapOvr>
     <a:masterClrMapping/>
   </p:clrMapOvr>
+  <mc:AlternateContent xmlns:mc="http://schemas.openxmlformats.org/markup-compatibility/2006" xmlns:p14="http://schemas.microsoft.com/office/powerpoint/2010/main">
+    <mc:Choice Requires="p14">
+      <p:transition p14:dur="300">
+        <p:fade/>
+      </p:transition>
+    </mc:Choice>
+    <mc:Fallback xmlns="">
+      <p:transition>
+        <p:fade/>
+      </p:transition>
+    </mc:Fallback>
+  </mc:AlternateContent>
 </p:sldLayout>
 </file>
 
@@ -4666,6 +5501,18 @@
   <p:clrMapOvr>
     <a:masterClrMapping/>
   </p:clrMapOvr>
+  <mc:AlternateContent xmlns:mc="http://schemas.openxmlformats.org/markup-compatibility/2006" xmlns:p14="http://schemas.microsoft.com/office/powerpoint/2010/main">
+    <mc:Choice Requires="p14">
+      <p:transition p14:dur="300">
+        <p:fade/>
+      </p:transition>
+    </mc:Choice>
+    <mc:Fallback xmlns="">
+      <p:transition>
+        <p:fade/>
+      </p:transition>
+    </mc:Fallback>
+  </mc:AlternateContent>
 </p:sldLayout>
 </file>
 
@@ -4897,6 +5744,18 @@
   <p:clrMapOvr>
     <a:masterClrMapping/>
   </p:clrMapOvr>
+  <mc:AlternateContent xmlns:mc="http://schemas.openxmlformats.org/markup-compatibility/2006" xmlns:p14="http://schemas.microsoft.com/office/powerpoint/2010/main">
+    <mc:Choice Requires="p14">
+      <p:transition p14:dur="300">
+        <p:fade/>
+      </p:transition>
+    </mc:Choice>
+    <mc:Fallback xmlns="">
+      <p:transition>
+        <p:fade/>
+      </p:transition>
+    </mc:Fallback>
+  </mc:AlternateContent>
 </p:sldLayout>
 </file>
 
@@ -5421,6 +6280,18 @@
   <p:clrMapOvr>
     <a:masterClrMapping/>
   </p:clrMapOvr>
+  <mc:AlternateContent xmlns:mc="http://schemas.openxmlformats.org/markup-compatibility/2006" xmlns:p14="http://schemas.microsoft.com/office/powerpoint/2010/main">
+    <mc:Choice Requires="p14">
+      <p:transition p14:dur="300">
+        <p:fade/>
+      </p:transition>
+    </mc:Choice>
+    <mc:Fallback xmlns="">
+      <p:transition>
+        <p:fade/>
+      </p:transition>
+    </mc:Fallback>
+  </mc:AlternateContent>
 </p:sldLayout>
 </file>
 
@@ -5651,6 +6522,18 @@
   <p:clrMapOvr>
     <a:masterClrMapping/>
   </p:clrMapOvr>
+  <mc:AlternateContent xmlns:mc="http://schemas.openxmlformats.org/markup-compatibility/2006" xmlns:p14="http://schemas.microsoft.com/office/powerpoint/2010/main">
+    <mc:Choice Requires="p14">
+      <p:transition p14:dur="300">
+        <p:fade/>
+      </p:transition>
+    </mc:Choice>
+    <mc:Fallback xmlns="">
+      <p:transition>
+        <p:fade/>
+      </p:transition>
+    </mc:Fallback>
+  </mc:AlternateContent>
 </p:sldLayout>
 </file>
 
@@ -6098,6 +6981,18 @@
   <p:clrMapOvr>
     <a:masterClrMapping/>
   </p:clrMapOvr>
+  <mc:AlternateContent xmlns:mc="http://schemas.openxmlformats.org/markup-compatibility/2006" xmlns:p14="http://schemas.microsoft.com/office/powerpoint/2010/main">
+    <mc:Choice Requires="p14">
+      <p:transition p14:dur="300">
+        <p:fade/>
+      </p:transition>
+    </mc:Choice>
+    <mc:Fallback xmlns="">
+      <p:transition>
+        <p:fade/>
+      </p:transition>
+    </mc:Fallback>
+  </mc:AlternateContent>
 </p:sldLayout>
 </file>
 
@@ -6443,6 +7338,18 @@
   <p:clrMapOvr>
     <a:masterClrMapping/>
   </p:clrMapOvr>
+  <mc:AlternateContent xmlns:mc="http://schemas.openxmlformats.org/markup-compatibility/2006" xmlns:p14="http://schemas.microsoft.com/office/powerpoint/2010/main">
+    <mc:Choice Requires="p14">
+      <p:transition p14:dur="300">
+        <p:fade/>
+      </p:transition>
+    </mc:Choice>
+    <mc:Fallback xmlns="">
+      <p:transition>
+        <p:fade/>
+      </p:transition>
+    </mc:Fallback>
+  </mc:AlternateContent>
 </p:sldLayout>
 </file>
 
@@ -6588,6 +7495,18 @@
   <p:clrMapOvr>
     <a:masterClrMapping/>
   </p:clrMapOvr>
+  <mc:AlternateContent xmlns:mc="http://schemas.openxmlformats.org/markup-compatibility/2006" xmlns:p14="http://schemas.microsoft.com/office/powerpoint/2010/main">
+    <mc:Choice Requires="p14">
+      <p:transition p14:dur="300">
+        <p:fade/>
+      </p:transition>
+    </mc:Choice>
+    <mc:Fallback xmlns="">
+      <p:transition>
+        <p:fade/>
+      </p:transition>
+    </mc:Fallback>
+  </mc:AlternateContent>
 </p:sldLayout>
 </file>
 
@@ -6763,6 +7682,18 @@
   <p:clrMapOvr>
     <a:masterClrMapping/>
   </p:clrMapOvr>
+  <mc:AlternateContent xmlns:mc="http://schemas.openxmlformats.org/markup-compatibility/2006" xmlns:p14="http://schemas.microsoft.com/office/powerpoint/2010/main">
+    <mc:Choice Requires="p14">
+      <p:transition p14:dur="300">
+        <p:fade/>
+      </p:transition>
+    </mc:Choice>
+    <mc:Fallback xmlns="">
+      <p:transition>
+        <p:fade/>
+      </p:transition>
+    </mc:Fallback>
+  </mc:AlternateContent>
 </p:sldLayout>
 </file>
 
@@ -7156,6 +8087,18 @@
   <p:clrMapOvr>
     <a:masterClrMapping/>
   </p:clrMapOvr>
+  <mc:AlternateContent xmlns:mc="http://schemas.openxmlformats.org/markup-compatibility/2006" xmlns:p14="http://schemas.microsoft.com/office/powerpoint/2010/main">
+    <mc:Choice Requires="p14">
+      <p:transition p14:dur="300">
+        <p:fade/>
+      </p:transition>
+    </mc:Choice>
+    <mc:Fallback xmlns="">
+      <p:transition>
+        <p:fade/>
+      </p:transition>
+    </mc:Fallback>
+  </mc:AlternateContent>
 </p:sldLayout>
 </file>
 
@@ -7553,6 +8496,18 @@
   <p:clrMapOvr>
     <a:masterClrMapping/>
   </p:clrMapOvr>
+  <mc:AlternateContent xmlns:mc="http://schemas.openxmlformats.org/markup-compatibility/2006" xmlns:p14="http://schemas.microsoft.com/office/powerpoint/2010/main">
+    <mc:Choice Requires="p14">
+      <p:transition p14:dur="300">
+        <p:fade/>
+      </p:transition>
+    </mc:Choice>
+    <mc:Fallback xmlns="">
+      <p:transition>
+        <p:fade/>
+      </p:transition>
+    </mc:Fallback>
+  </mc:AlternateContent>
 </p:sldLayout>
 </file>
 
@@ -7936,6 +8891,18 @@
   <p:clrMapOvr>
     <a:masterClrMapping/>
   </p:clrMapOvr>
+  <mc:AlternateContent xmlns:mc="http://schemas.openxmlformats.org/markup-compatibility/2006" xmlns:p14="http://schemas.microsoft.com/office/powerpoint/2010/main">
+    <mc:Choice Requires="p14">
+      <p:transition p14:dur="300">
+        <p:fade/>
+      </p:transition>
+    </mc:Choice>
+    <mc:Fallback xmlns="">
+      <p:transition>
+        <p:fade/>
+      </p:transition>
+    </mc:Fallback>
+  </mc:AlternateContent>
 </p:sldLayout>
 </file>
 
@@ -8291,6 +9258,18 @@
   <p:clrMapOvr>
     <a:masterClrMapping/>
   </p:clrMapOvr>
+  <mc:AlternateContent xmlns:mc="http://schemas.openxmlformats.org/markup-compatibility/2006" xmlns:p14="http://schemas.microsoft.com/office/powerpoint/2010/main">
+    <mc:Choice Requires="p14">
+      <p:transition p14:dur="300">
+        <p:fade/>
+      </p:transition>
+    </mc:Choice>
+    <mc:Fallback xmlns="">
+      <p:transition>
+        <p:fade/>
+      </p:transition>
+    </mc:Fallback>
+  </mc:AlternateContent>
 </p:sldLayout>
 </file>
 
@@ -8505,6 +9484,18 @@
   <p:clrMapOvr>
     <a:masterClrMapping/>
   </p:clrMapOvr>
+  <mc:AlternateContent xmlns:mc="http://schemas.openxmlformats.org/markup-compatibility/2006" xmlns:p14="http://schemas.microsoft.com/office/powerpoint/2010/main">
+    <mc:Choice Requires="p14">
+      <p:transition p14:dur="300">
+        <p:fade/>
+      </p:transition>
+    </mc:Choice>
+    <mc:Fallback xmlns="">
+      <p:transition>
+        <p:fade/>
+      </p:transition>
+    </mc:Fallback>
+  </mc:AlternateContent>
 </p:sldLayout>
 </file>
 
@@ -8793,6 +9784,18 @@
   <p:clrMapOvr>
     <a:overrideClrMapping bg1="lt1" tx1="dk1" bg2="lt2" tx2="dk2" accent1="accent1" accent2="accent2" accent3="accent3" accent4="accent4" accent5="accent5" accent6="accent6" hlink="hlink" folHlink="folHlink"/>
   </p:clrMapOvr>
+  <mc:AlternateContent xmlns:mc="http://schemas.openxmlformats.org/markup-compatibility/2006" xmlns:p14="http://schemas.microsoft.com/office/powerpoint/2010/main">
+    <mc:Choice Requires="p14">
+      <p:transition p14:dur="300">
+        <p:fade/>
+      </p:transition>
+    </mc:Choice>
+    <mc:Fallback xmlns="">
+      <p:transition>
+        <p:fade/>
+      </p:transition>
+    </mc:Fallback>
+  </mc:AlternateContent>
 </p:sldLayout>
 </file>
 
@@ -9043,6 +10046,18 @@
   <p:clrMapOvr>
     <a:masterClrMapping/>
   </p:clrMapOvr>
+  <mc:AlternateContent xmlns:mc="http://schemas.openxmlformats.org/markup-compatibility/2006" xmlns:p14="http://schemas.microsoft.com/office/powerpoint/2010/main">
+    <mc:Choice Requires="p14">
+      <p:transition p14:dur="300">
+        <p:fade/>
+      </p:transition>
+    </mc:Choice>
+    <mc:Fallback xmlns="">
+      <p:transition>
+        <p:fade/>
+      </p:transition>
+    </mc:Fallback>
+  </mc:AlternateContent>
 </p:sldLayout>
 </file>
 
@@ -9333,6 +10348,18 @@
   <p:clrMapOvr>
     <a:masterClrMapping/>
   </p:clrMapOvr>
+  <mc:AlternateContent xmlns:mc="http://schemas.openxmlformats.org/markup-compatibility/2006" xmlns:p14="http://schemas.microsoft.com/office/powerpoint/2010/main">
+    <mc:Choice Requires="p14">
+      <p:transition p14:dur="300">
+        <p:fade/>
+      </p:transition>
+    </mc:Choice>
+    <mc:Fallback xmlns="">
+      <p:transition>
+        <p:fade/>
+      </p:transition>
+    </mc:Fallback>
+  </mc:AlternateContent>
 </p:sldLayout>
 </file>
 
@@ -9530,6 +10557,18 @@
   <p:clrMapOvr>
     <a:masterClrMapping/>
   </p:clrMapOvr>
+  <mc:AlternateContent xmlns:mc="http://schemas.openxmlformats.org/markup-compatibility/2006" xmlns:p14="http://schemas.microsoft.com/office/powerpoint/2010/main">
+    <mc:Choice Requires="p14">
+      <p:transition p14:dur="300">
+        <p:fade/>
+      </p:transition>
+    </mc:Choice>
+    <mc:Fallback xmlns="">
+      <p:transition>
+        <p:fade/>
+      </p:transition>
+    </mc:Fallback>
+  </mc:AlternateContent>
 </p:sldLayout>
 </file>
 
@@ -9737,6 +10776,18 @@
   <p:clrMapOvr>
     <a:masterClrMapping/>
   </p:clrMapOvr>
+  <mc:AlternateContent xmlns:mc="http://schemas.openxmlformats.org/markup-compatibility/2006" xmlns:p14="http://schemas.microsoft.com/office/powerpoint/2010/main">
+    <mc:Choice Requires="p14">
+      <p:transition p14:dur="300">
+        <p:fade/>
+      </p:transition>
+    </mc:Choice>
+    <mc:Fallback xmlns="">
+      <p:transition>
+        <p:fade/>
+      </p:transition>
+    </mc:Fallback>
+  </mc:AlternateContent>
 </p:sldLayout>
 </file>
 
@@ -9970,6 +11021,18 @@
   <p:clrMapOvr>
     <a:masterClrMapping/>
   </p:clrMapOvr>
+  <mc:AlternateContent xmlns:mc="http://schemas.openxmlformats.org/markup-compatibility/2006" xmlns:p14="http://schemas.microsoft.com/office/powerpoint/2010/main">
+    <mc:Choice Requires="p14">
+      <p:transition p14:dur="300">
+        <p:fade/>
+      </p:transition>
+    </mc:Choice>
+    <mc:Fallback xmlns="">
+      <p:transition>
+        <p:fade/>
+      </p:transition>
+    </mc:Fallback>
+  </mc:AlternateContent>
 </p:sldLayout>
 </file>
 
@@ -10281,6 +11344,18 @@
   <p:clrMapOvr>
     <a:masterClrMapping/>
   </p:clrMapOvr>
+  <mc:AlternateContent xmlns:mc="http://schemas.openxmlformats.org/markup-compatibility/2006" xmlns:p14="http://schemas.microsoft.com/office/powerpoint/2010/main">
+    <mc:Choice Requires="p14">
+      <p:transition p14:dur="300">
+        <p:fade/>
+      </p:transition>
+    </mc:Choice>
+    <mc:Fallback xmlns="">
+      <p:transition>
+        <p:fade/>
+      </p:transition>
+    </mc:Fallback>
+  </mc:AlternateContent>
 </p:sldLayout>
 </file>
 
@@ -10576,6 +11651,18 @@
   <p:clrMapOvr>
     <a:masterClrMapping/>
   </p:clrMapOvr>
+  <mc:AlternateContent xmlns:mc="http://schemas.openxmlformats.org/markup-compatibility/2006" xmlns:p14="http://schemas.microsoft.com/office/powerpoint/2010/main">
+    <mc:Choice Requires="p14">
+      <p:transition p14:dur="300">
+        <p:fade/>
+      </p:transition>
+    </mc:Choice>
+    <mc:Fallback xmlns="">
+      <p:transition>
+        <p:fade/>
+      </p:transition>
+    </mc:Fallback>
+  </mc:AlternateContent>
 </p:sldLayout>
 </file>
 
@@ -10866,6 +11953,18 @@
   <p:clrMapOvr>
     <a:masterClrMapping/>
   </p:clrMapOvr>
+  <mc:AlternateContent xmlns:mc="http://schemas.openxmlformats.org/markup-compatibility/2006" xmlns:p14="http://schemas.microsoft.com/office/powerpoint/2010/main">
+    <mc:Choice Requires="p14">
+      <p:transition p14:dur="300">
+        <p:fade/>
+      </p:transition>
+    </mc:Choice>
+    <mc:Fallback xmlns="">
+      <p:transition>
+        <p:fade/>
+      </p:transition>
+    </mc:Fallback>
+  </mc:AlternateContent>
 </p:sldLayout>
 </file>
 
@@ -11153,6 +12252,18 @@
   <p:clrMapOvr>
     <a:masterClrMapping/>
   </p:clrMapOvr>
+  <mc:AlternateContent xmlns:mc="http://schemas.openxmlformats.org/markup-compatibility/2006" xmlns:p14="http://schemas.microsoft.com/office/powerpoint/2010/main">
+    <mc:Choice Requires="p14">
+      <p:transition p14:dur="300">
+        <p:fade/>
+      </p:transition>
+    </mc:Choice>
+    <mc:Fallback xmlns="">
+      <p:transition>
+        <p:fade/>
+      </p:transition>
+    </mc:Fallback>
+  </mc:AlternateContent>
 </p:sldLayout>
 </file>
 
@@ -11448,6 +12559,18 @@
   <p:clrMapOvr>
     <a:masterClrMapping/>
   </p:clrMapOvr>
+  <mc:AlternateContent xmlns:mc="http://schemas.openxmlformats.org/markup-compatibility/2006" xmlns:p14="http://schemas.microsoft.com/office/powerpoint/2010/main">
+    <mc:Choice Requires="p14">
+      <p:transition p14:dur="300">
+        <p:fade/>
+      </p:transition>
+    </mc:Choice>
+    <mc:Fallback xmlns="">
+      <p:transition>
+        <p:fade/>
+      </p:transition>
+    </mc:Fallback>
+  </mc:AlternateContent>
 </p:sldLayout>
 </file>
 
@@ -11657,6 +12780,18 @@
     <p:sldLayoutId id="2147483690" r:id="rId31"/>
     <p:sldLayoutId id="2147483691" r:id="rId32"/>
   </p:sldLayoutIdLst>
+  <mc:AlternateContent xmlns:mc="http://schemas.openxmlformats.org/markup-compatibility/2006" xmlns:p14="http://schemas.microsoft.com/office/powerpoint/2010/main">
+    <mc:Choice Requires="p14">
+      <p:transition p14:dur="300">
+        <p:fade/>
+      </p:transition>
+    </mc:Choice>
+    <mc:Fallback xmlns="">
+      <p:transition>
+        <p:fade/>
+      </p:transition>
+    </mc:Fallback>
+  </mc:AlternateContent>
   <p:txStyles>
     <p:titleStyle>
       <a:lvl1pPr algn="l" defTabSz="914400" rtl="0" eaLnBrk="1" latinLnBrk="0" hangingPunct="1">
@@ -12085,6 +13220,18 @@
   <p:clrMapOvr>
     <a:masterClrMapping/>
   </p:clrMapOvr>
+  <mc:AlternateContent xmlns:mc="http://schemas.openxmlformats.org/markup-compatibility/2006" xmlns:p14="http://schemas.microsoft.com/office/powerpoint/2010/main">
+    <mc:Choice Requires="p14">
+      <p:transition p14:dur="300">
+        <p:fade/>
+      </p:transition>
+    </mc:Choice>
+    <mc:Fallback xmlns="">
+      <p:transition>
+        <p:fade/>
+      </p:transition>
+    </mc:Fallback>
+  </mc:AlternateContent>
 </p:sld>
 </file>
 
@@ -12110,7 +13257,7 @@
           <p:cNvPr id="2" name="Content Placeholder 1">
             <a:extLst>
               <a:ext uri="{FF2B5EF4-FFF2-40B4-BE49-F238E27FC236}">
-                <a16:creationId xmlns:a16="http://schemas.microsoft.com/office/drawing/2014/main" id="{DA8CE894-A991-46F7-86C1-DAAFA9A6892D}"/>
+                <a16:creationId xmlns:a16="http://schemas.microsoft.com/office/drawing/2014/main" id="{5E60B069-7578-4D04-87F2-79DB8B4EB8D2}"/>
               </a:ext>
             </a:extLst>
           </p:cNvPr>
@@ -12121,27 +13268,44 @@
             <p:ph idx="1"/>
           </p:nvPr>
         </p:nvSpPr>
-        <p:spPr/>
+        <p:spPr>
+          <a:xfrm>
+            <a:off x="401216" y="1483567"/>
+            <a:ext cx="5617030" cy="4236097"/>
+          </a:xfrm>
+        </p:spPr>
         <p:txBody>
           <a:bodyPr/>
           <a:lstStyle/>
           <a:p>
             <a:r>
               <a:rPr lang="en-GB" dirty="0"/>
-              <a:t>Python</a:t>
-            </a:r>
-          </a:p>
-          <a:p>
-            <a:endParaRPr lang="en-GB" dirty="0"/>
+              <a:t>Cloud computing</a:t>
+            </a:r>
           </a:p>
           <a:p>
             <a:r>
               <a:rPr lang="en-GB" dirty="0"/>
-              <a:t>Get a graph</a:t>
-            </a:r>
-          </a:p>
-          <a:p>
-            <a:endParaRPr lang="en-GB" dirty="0"/>
+              <a:t>Existing solutions</a:t>
+            </a:r>
+          </a:p>
+          <a:p>
+            <a:r>
+              <a:rPr lang="en-GB" dirty="0"/>
+              <a:t>Drawbacks</a:t>
+            </a:r>
+          </a:p>
+          <a:p>
+            <a:r>
+              <a:rPr lang="en-GB" dirty="0"/>
+              <a:t>Solution</a:t>
+            </a:r>
+          </a:p>
+          <a:p>
+            <a:r>
+              <a:rPr lang="en-GB" dirty="0"/>
+              <a:t>FPGAs</a:t>
+            </a:r>
           </a:p>
         </p:txBody>
       </p:sp>
@@ -12150,7 +13314,7 @@
           <p:cNvPr id="3" name="Title 2">
             <a:extLst>
               <a:ext uri="{FF2B5EF4-FFF2-40B4-BE49-F238E27FC236}">
-                <a16:creationId xmlns:a16="http://schemas.microsoft.com/office/drawing/2014/main" id="{8D29C373-85A1-4E61-ACBC-6572FE4C91CC}"/>
+                <a16:creationId xmlns:a16="http://schemas.microsoft.com/office/drawing/2014/main" id="{420BC91F-844A-402C-8454-635591A56948}"/>
               </a:ext>
             </a:extLst>
           </p:cNvPr>
@@ -12170,7 +13334,7 @@
           <a:p>
             <a:r>
               <a:rPr lang="en-GB" dirty="0"/>
-              <a:t>Development</a:t>
+              <a:t>Why Smart FPGA Switches?</a:t>
             </a:r>
           </a:p>
         </p:txBody>
@@ -12180,7 +13344,7 @@
           <p:cNvPr id="4" name="Content Placeholder 3">
             <a:extLst>
               <a:ext uri="{FF2B5EF4-FFF2-40B4-BE49-F238E27FC236}">
-                <a16:creationId xmlns:a16="http://schemas.microsoft.com/office/drawing/2014/main" id="{7DB9CBB2-8ABB-4E43-9136-0B042C3AE765}"/>
+                <a16:creationId xmlns:a16="http://schemas.microsoft.com/office/drawing/2014/main" id="{1878B46F-67E3-4A8A-BAA8-4AB796F3AF37}"/>
               </a:ext>
             </a:extLst>
           </p:cNvPr>
@@ -12191,21 +13355,29 @@
             <p:ph idx="10"/>
           </p:nvPr>
         </p:nvSpPr>
-        <p:spPr/>
+        <p:spPr>
+          <a:xfrm>
+            <a:off x="6214186" y="1483566"/>
+            <a:ext cx="5617030" cy="4236097"/>
+          </a:xfrm>
+        </p:spPr>
         <p:txBody>
           <a:bodyPr/>
           <a:lstStyle/>
           <a:p>
-            <a:endParaRPr lang="en-GB"/>
-          </a:p>
-        </p:txBody>
-      </p:sp>
-      <p:sp>
-        <p:nvSpPr>
-          <p:cNvPr id="5" name="Picture Placeholder 4">
+            <a:r>
+              <a:rPr lang="en-GB" dirty="0"/>
+              <a:t>Custom compute architectures – very low latency</a:t>
+            </a:r>
+          </a:p>
+        </p:txBody>
+      </p:sp>
+      <p:sp>
+        <p:nvSpPr>
+          <p:cNvPr id="27" name="Picture Placeholder 26">
             <a:extLst>
               <a:ext uri="{FF2B5EF4-FFF2-40B4-BE49-F238E27FC236}">
-                <a16:creationId xmlns:a16="http://schemas.microsoft.com/office/drawing/2014/main" id="{1B3CB30E-E922-45D3-9711-C6D2954944E4}"/>
+                <a16:creationId xmlns:a16="http://schemas.microsoft.com/office/drawing/2014/main" id="{F09246D3-67FE-4CC5-B335-270E9F49B29E}"/>
               </a:ext>
             </a:extLst>
           </p:cNvPr>
@@ -12218,16 +13390,263 @@
         </p:nvSpPr>
         <p:spPr/>
       </p:sp>
+      <p:sp>
+        <p:nvSpPr>
+          <p:cNvPr id="30" name="Content Placeholder 3">
+            <a:extLst>
+              <a:ext uri="{FF2B5EF4-FFF2-40B4-BE49-F238E27FC236}">
+                <a16:creationId xmlns:a16="http://schemas.microsoft.com/office/drawing/2014/main" id="{17031941-431F-45DF-9FCF-12D05EAA2450}"/>
+              </a:ext>
+            </a:extLst>
+          </p:cNvPr>
+          <p:cNvSpPr txBox="1">
+            <a:spLocks/>
+          </p:cNvSpPr>
+          <p:nvPr/>
+        </p:nvSpPr>
+        <p:spPr>
+          <a:xfrm>
+            <a:off x="6214186" y="2752496"/>
+            <a:ext cx="5617030" cy="4236097"/>
+          </a:xfrm>
+          <a:prstGeom prst="rect">
+            <a:avLst/>
+          </a:prstGeom>
+        </p:spPr>
+        <p:txBody>
+          <a:bodyPr vert="horz" lIns="91440" tIns="45720" rIns="91440" bIns="45720" rtlCol="0">
+            <a:normAutofit/>
+          </a:bodyPr>
+          <a:lstStyle>
+            <a:lvl1pPr marL="285750" indent="-285750" algn="l" defTabSz="914400" rtl="0" eaLnBrk="1" latinLnBrk="0" hangingPunct="1">
+              <a:lnSpc>
+                <a:spcPct val="150000"/>
+              </a:lnSpc>
+              <a:spcBef>
+                <a:spcPts val="1300"/>
+              </a:spcBef>
+              <a:buFontTx/>
+              <a:buBlip>
+                <a:blip r:embed="rId2"/>
+              </a:buBlip>
+              <a:defRPr sz="2400" kern="1200">
+                <a:solidFill>
+                  <a:schemeClr val="accent4"/>
+                </a:solidFill>
+                <a:latin typeface="+mn-lt"/>
+                <a:ea typeface="+mn-ea"/>
+                <a:cs typeface="+mn-cs"/>
+              </a:defRPr>
+            </a:lvl1pPr>
+            <a:lvl2pPr marL="290322" indent="-285750" algn="l" defTabSz="914400" rtl="0" eaLnBrk="1" latinLnBrk="0" hangingPunct="1">
+              <a:lnSpc>
+                <a:spcPct val="150000"/>
+              </a:lnSpc>
+              <a:spcBef>
+                <a:spcPts val="600"/>
+              </a:spcBef>
+              <a:buFontTx/>
+              <a:buBlip>
+                <a:blip r:embed="rId2"/>
+              </a:buBlip>
+              <a:defRPr sz="2400" kern="1200">
+                <a:solidFill>
+                  <a:schemeClr val="accent4"/>
+                </a:solidFill>
+                <a:latin typeface="+mn-lt"/>
+                <a:ea typeface="+mn-ea"/>
+                <a:cs typeface="+mn-cs"/>
+              </a:defRPr>
+            </a:lvl2pPr>
+            <a:lvl3pPr marL="285750" indent="-285750" algn="l" defTabSz="914400" rtl="0" eaLnBrk="1" latinLnBrk="0" hangingPunct="1">
+              <a:lnSpc>
+                <a:spcPct val="150000"/>
+              </a:lnSpc>
+              <a:spcBef>
+                <a:spcPts val="600"/>
+              </a:spcBef>
+              <a:buFontTx/>
+              <a:buBlip>
+                <a:blip r:embed="rId2"/>
+              </a:buBlip>
+              <a:defRPr sz="2400" i="1" kern="1200">
+                <a:solidFill>
+                  <a:schemeClr val="accent4"/>
+                </a:solidFill>
+                <a:latin typeface="+mn-lt"/>
+                <a:ea typeface="+mn-ea"/>
+                <a:cs typeface="+mn-cs"/>
+              </a:defRPr>
+            </a:lvl3pPr>
+            <a:lvl4pPr marL="285750" indent="-285750" algn="l" defTabSz="914400" rtl="0" eaLnBrk="1" latinLnBrk="0" hangingPunct="1">
+              <a:lnSpc>
+                <a:spcPct val="150000"/>
+              </a:lnSpc>
+              <a:spcBef>
+                <a:spcPts val="600"/>
+              </a:spcBef>
+              <a:buFontTx/>
+              <a:buBlip>
+                <a:blip r:embed="rId2"/>
+              </a:buBlip>
+              <a:defRPr sz="2400" kern="1200">
+                <a:solidFill>
+                  <a:schemeClr val="accent4"/>
+                </a:solidFill>
+                <a:latin typeface="+mn-lt"/>
+                <a:ea typeface="+mn-ea"/>
+                <a:cs typeface="+mn-cs"/>
+              </a:defRPr>
+            </a:lvl4pPr>
+            <a:lvl5pPr marL="285750" indent="-285750" algn="l" defTabSz="914400" rtl="0" eaLnBrk="1" latinLnBrk="0" hangingPunct="1">
+              <a:lnSpc>
+                <a:spcPct val="150000"/>
+              </a:lnSpc>
+              <a:spcBef>
+                <a:spcPts val="600"/>
+              </a:spcBef>
+              <a:buFontTx/>
+              <a:buBlip>
+                <a:blip r:embed="rId2"/>
+              </a:buBlip>
+              <a:defRPr sz="2400" kern="1200">
+                <a:solidFill>
+                  <a:schemeClr val="accent4"/>
+                </a:solidFill>
+                <a:latin typeface="+mn-lt"/>
+                <a:ea typeface="+mn-ea"/>
+                <a:cs typeface="+mn-cs"/>
+              </a:defRPr>
+            </a:lvl5pPr>
+            <a:lvl6pPr marL="1200000" indent="-228600" algn="l" defTabSz="914400" rtl="0" eaLnBrk="1" latinLnBrk="0" hangingPunct="1">
+              <a:lnSpc>
+                <a:spcPct val="85000"/>
+              </a:lnSpc>
+              <a:spcBef>
+                <a:spcPts val="600"/>
+              </a:spcBef>
+              <a:buFont typeface="Arial" pitchFamily="34" charset="0"/>
+              <a:buChar char=" "/>
+              <a:defRPr sz="1800" kern="1200">
+                <a:solidFill>
+                  <a:schemeClr val="tx1">
+                    <a:lumMod val="85000"/>
+                    <a:lumOff val="15000"/>
+                  </a:schemeClr>
+                </a:solidFill>
+                <a:latin typeface="+mn-lt"/>
+                <a:ea typeface="+mn-ea"/>
+                <a:cs typeface="+mn-cs"/>
+              </a:defRPr>
+            </a:lvl6pPr>
+            <a:lvl7pPr marL="1400000" indent="-228600" algn="l" defTabSz="914400" rtl="0" eaLnBrk="1" latinLnBrk="0" hangingPunct="1">
+              <a:lnSpc>
+                <a:spcPct val="85000"/>
+              </a:lnSpc>
+              <a:spcBef>
+                <a:spcPts val="600"/>
+              </a:spcBef>
+              <a:buFont typeface="Arial" pitchFamily="34" charset="0"/>
+              <a:buChar char=" "/>
+              <a:defRPr sz="1800" kern="1200">
+                <a:solidFill>
+                  <a:schemeClr val="tx1">
+                    <a:lumMod val="85000"/>
+                    <a:lumOff val="15000"/>
+                  </a:schemeClr>
+                </a:solidFill>
+                <a:latin typeface="+mn-lt"/>
+                <a:ea typeface="+mn-ea"/>
+                <a:cs typeface="+mn-cs"/>
+              </a:defRPr>
+            </a:lvl7pPr>
+            <a:lvl8pPr marL="1600000" indent="-228600" algn="l" defTabSz="914400" rtl="0" eaLnBrk="1" latinLnBrk="0" hangingPunct="1">
+              <a:lnSpc>
+                <a:spcPct val="85000"/>
+              </a:lnSpc>
+              <a:spcBef>
+                <a:spcPts val="600"/>
+              </a:spcBef>
+              <a:buFont typeface="Arial" pitchFamily="34" charset="0"/>
+              <a:buChar char=" "/>
+              <a:defRPr sz="1800" kern="1200">
+                <a:solidFill>
+                  <a:schemeClr val="tx1">
+                    <a:lumMod val="85000"/>
+                    <a:lumOff val="15000"/>
+                  </a:schemeClr>
+                </a:solidFill>
+                <a:latin typeface="+mn-lt"/>
+                <a:ea typeface="+mn-ea"/>
+                <a:cs typeface="+mn-cs"/>
+              </a:defRPr>
+            </a:lvl8pPr>
+            <a:lvl9pPr marL="1800000" indent="-228600" algn="l" defTabSz="914400" rtl="0" eaLnBrk="1" latinLnBrk="0" hangingPunct="1">
+              <a:lnSpc>
+                <a:spcPct val="85000"/>
+              </a:lnSpc>
+              <a:spcBef>
+                <a:spcPts val="600"/>
+              </a:spcBef>
+              <a:buFont typeface="Arial" pitchFamily="34" charset="0"/>
+              <a:buChar char=" "/>
+              <a:defRPr sz="1800" kern="1200">
+                <a:solidFill>
+                  <a:schemeClr val="tx1">
+                    <a:lumMod val="85000"/>
+                    <a:lumOff val="15000"/>
+                  </a:schemeClr>
+                </a:solidFill>
+                <a:latin typeface="+mn-lt"/>
+                <a:ea typeface="+mn-ea"/>
+                <a:cs typeface="+mn-cs"/>
+              </a:defRPr>
+            </a:lvl9pPr>
+          </a:lstStyle>
+          <a:p>
+            <a:r>
+              <a:rPr lang="en-GB" dirty="0">
+                <a:solidFill>
+                  <a:schemeClr val="bg2"/>
+                </a:solidFill>
+              </a:rPr>
+              <a:t>Partial reconfiguration</a:t>
+            </a:r>
+          </a:p>
+          <a:p>
+            <a:r>
+              <a:rPr lang="en-GB" dirty="0">
+                <a:solidFill>
+                  <a:schemeClr val="bg2"/>
+                </a:solidFill>
+              </a:rPr>
+              <a:t>Specific hardware for each algorithm</a:t>
+            </a:r>
+          </a:p>
+        </p:txBody>
+      </p:sp>
     </p:spTree>
     <p:extLst>
       <p:ext uri="{BB962C8B-B14F-4D97-AF65-F5344CB8AC3E}">
-        <p14:creationId xmlns:p14="http://schemas.microsoft.com/office/powerpoint/2010/main" val="724942339"/>
+        <p14:creationId xmlns:p14="http://schemas.microsoft.com/office/powerpoint/2010/main" val="3508686359"/>
       </p:ext>
     </p:extLst>
   </p:cSld>
   <p:clrMapOvr>
     <a:masterClrMapping/>
   </p:clrMapOvr>
+  <mc:AlternateContent xmlns:mc="http://schemas.openxmlformats.org/markup-compatibility/2006" xmlns:p14="http://schemas.microsoft.com/office/powerpoint/2010/main">
+    <mc:Choice Requires="p14">
+      <p:transition p14:dur="300">
+        <p:fade/>
+      </p:transition>
+    </mc:Choice>
+    <mc:Fallback xmlns="">
+      <p:transition>
+        <p:fade/>
+      </p:transition>
+    </mc:Fallback>
+  </mc:AlternateContent>
 </p:sld>
 </file>
 
@@ -12253,7 +13672,7 @@
           <p:cNvPr id="2" name="Content Placeholder 1">
             <a:extLst>
               <a:ext uri="{FF2B5EF4-FFF2-40B4-BE49-F238E27FC236}">
-                <a16:creationId xmlns:a16="http://schemas.microsoft.com/office/drawing/2014/main" id="{192549E1-3CA7-4340-9E2A-B167E268F82A}"/>
+                <a16:creationId xmlns:a16="http://schemas.microsoft.com/office/drawing/2014/main" id="{5E60B069-7578-4D04-87F2-79DB8B4EB8D2}"/>
               </a:ext>
             </a:extLst>
           </p:cNvPr>
@@ -12264,14 +13683,43 @@
             <p:ph idx="1"/>
           </p:nvPr>
         </p:nvSpPr>
-        <p:spPr/>
+        <p:spPr>
+          <a:xfrm>
+            <a:off x="401216" y="1483567"/>
+            <a:ext cx="5617030" cy="4236097"/>
+          </a:xfrm>
+        </p:spPr>
         <p:txBody>
           <a:bodyPr/>
           <a:lstStyle/>
           <a:p>
             <a:r>
               <a:rPr lang="en-GB" dirty="0"/>
-              <a:t>Internet of Things (IoT)</a:t>
+              <a:t>Cloud computing</a:t>
+            </a:r>
+          </a:p>
+          <a:p>
+            <a:r>
+              <a:rPr lang="en-GB" dirty="0"/>
+              <a:t>Existing solutions</a:t>
+            </a:r>
+          </a:p>
+          <a:p>
+            <a:r>
+              <a:rPr lang="en-GB" dirty="0"/>
+              <a:t>Drawbacks</a:t>
+            </a:r>
+          </a:p>
+          <a:p>
+            <a:r>
+              <a:rPr lang="en-GB" dirty="0"/>
+              <a:t>Solution</a:t>
+            </a:r>
+          </a:p>
+          <a:p>
+            <a:r>
+              <a:rPr lang="en-GB" dirty="0"/>
+              <a:t>FPGAs</a:t>
             </a:r>
           </a:p>
         </p:txBody>
@@ -12281,7 +13729,7 @@
           <p:cNvPr id="3" name="Title 2">
             <a:extLst>
               <a:ext uri="{FF2B5EF4-FFF2-40B4-BE49-F238E27FC236}">
-                <a16:creationId xmlns:a16="http://schemas.microsoft.com/office/drawing/2014/main" id="{17695CE0-B4C7-4559-B159-47C7627669C7}"/>
+                <a16:creationId xmlns:a16="http://schemas.microsoft.com/office/drawing/2014/main" id="{420BC91F-844A-402C-8454-635591A56948}"/>
               </a:ext>
             </a:extLst>
           </p:cNvPr>
@@ -12301,45 +13749,291 @@
           <a:p>
             <a:r>
               <a:rPr lang="en-GB" dirty="0"/>
-              <a:t>Applications</a:t>
-            </a:r>
-          </a:p>
-        </p:txBody>
-      </p:sp>
-      <p:sp>
-        <p:nvSpPr>
-          <p:cNvPr id="4" name="Content Placeholder 3">
+              <a:t>Why Smart FPGA Switches?</a:t>
+            </a:r>
+          </a:p>
+        </p:txBody>
+      </p:sp>
+      <p:sp>
+        <p:nvSpPr>
+          <p:cNvPr id="30" name="Content Placeholder 3">
             <a:extLst>
               <a:ext uri="{FF2B5EF4-FFF2-40B4-BE49-F238E27FC236}">
-                <a16:creationId xmlns:a16="http://schemas.microsoft.com/office/drawing/2014/main" id="{0356FB6F-306F-41DE-AA1A-546B9B5D117D}"/>
+                <a16:creationId xmlns:a16="http://schemas.microsoft.com/office/drawing/2014/main" id="{17031941-431F-45DF-9FCF-12D05EAA2450}"/>
               </a:ext>
             </a:extLst>
           </p:cNvPr>
-          <p:cNvSpPr>
-            <a:spLocks noGrp="1"/>
-          </p:cNvSpPr>
-          <p:nvPr>
-            <p:ph idx="10"/>
-          </p:nvPr>
-        </p:nvSpPr>
-        <p:spPr/>
-        <p:txBody>
-          <a:bodyPr/>
-          <a:lstStyle/>
-          <a:p>
-            <a:endParaRPr lang="en-GB"/>
-          </a:p>
-        </p:txBody>
-      </p:sp>
-      <p:sp>
-        <p:nvSpPr>
-          <p:cNvPr id="5" name="Picture Placeholder 4">
+          <p:cNvSpPr txBox="1">
+            <a:spLocks/>
+          </p:cNvSpPr>
+          <p:nvPr/>
+        </p:nvSpPr>
+        <p:spPr>
+          <a:xfrm>
+            <a:off x="6214186" y="1483567"/>
+            <a:ext cx="5617030" cy="4236097"/>
+          </a:xfrm>
+          <a:prstGeom prst="rect">
+            <a:avLst/>
+          </a:prstGeom>
+        </p:spPr>
+        <p:txBody>
+          <a:bodyPr vert="horz" lIns="91440" tIns="45720" rIns="91440" bIns="45720" rtlCol="0">
+            <a:normAutofit/>
+          </a:bodyPr>
+          <a:lstStyle>
+            <a:lvl1pPr marL="285750" indent="-285750" algn="l" defTabSz="914400" rtl="0" eaLnBrk="1" latinLnBrk="0" hangingPunct="1">
+              <a:lnSpc>
+                <a:spcPct val="150000"/>
+              </a:lnSpc>
+              <a:spcBef>
+                <a:spcPts val="1300"/>
+              </a:spcBef>
+              <a:buFontTx/>
+              <a:buBlip>
+                <a:blip r:embed="rId2"/>
+              </a:buBlip>
+              <a:defRPr sz="2400" kern="1200">
+                <a:solidFill>
+                  <a:schemeClr val="accent4"/>
+                </a:solidFill>
+                <a:latin typeface="+mn-lt"/>
+                <a:ea typeface="+mn-ea"/>
+                <a:cs typeface="+mn-cs"/>
+              </a:defRPr>
+            </a:lvl1pPr>
+            <a:lvl2pPr marL="290322" indent="-285750" algn="l" defTabSz="914400" rtl="0" eaLnBrk="1" latinLnBrk="0" hangingPunct="1">
+              <a:lnSpc>
+                <a:spcPct val="150000"/>
+              </a:lnSpc>
+              <a:spcBef>
+                <a:spcPts val="600"/>
+              </a:spcBef>
+              <a:buFontTx/>
+              <a:buBlip>
+                <a:blip r:embed="rId2"/>
+              </a:buBlip>
+              <a:defRPr sz="2400" kern="1200">
+                <a:solidFill>
+                  <a:schemeClr val="accent4"/>
+                </a:solidFill>
+                <a:latin typeface="+mn-lt"/>
+                <a:ea typeface="+mn-ea"/>
+                <a:cs typeface="+mn-cs"/>
+              </a:defRPr>
+            </a:lvl2pPr>
+            <a:lvl3pPr marL="285750" indent="-285750" algn="l" defTabSz="914400" rtl="0" eaLnBrk="1" latinLnBrk="0" hangingPunct="1">
+              <a:lnSpc>
+                <a:spcPct val="150000"/>
+              </a:lnSpc>
+              <a:spcBef>
+                <a:spcPts val="600"/>
+              </a:spcBef>
+              <a:buFontTx/>
+              <a:buBlip>
+                <a:blip r:embed="rId2"/>
+              </a:buBlip>
+              <a:defRPr sz="2400" i="1" kern="1200">
+                <a:solidFill>
+                  <a:schemeClr val="accent4"/>
+                </a:solidFill>
+                <a:latin typeface="+mn-lt"/>
+                <a:ea typeface="+mn-ea"/>
+                <a:cs typeface="+mn-cs"/>
+              </a:defRPr>
+            </a:lvl3pPr>
+            <a:lvl4pPr marL="285750" indent="-285750" algn="l" defTabSz="914400" rtl="0" eaLnBrk="1" latinLnBrk="0" hangingPunct="1">
+              <a:lnSpc>
+                <a:spcPct val="150000"/>
+              </a:lnSpc>
+              <a:spcBef>
+                <a:spcPts val="600"/>
+              </a:spcBef>
+              <a:buFontTx/>
+              <a:buBlip>
+                <a:blip r:embed="rId2"/>
+              </a:buBlip>
+              <a:defRPr sz="2400" kern="1200">
+                <a:solidFill>
+                  <a:schemeClr val="accent4"/>
+                </a:solidFill>
+                <a:latin typeface="+mn-lt"/>
+                <a:ea typeface="+mn-ea"/>
+                <a:cs typeface="+mn-cs"/>
+              </a:defRPr>
+            </a:lvl4pPr>
+            <a:lvl5pPr marL="285750" indent="-285750" algn="l" defTabSz="914400" rtl="0" eaLnBrk="1" latinLnBrk="0" hangingPunct="1">
+              <a:lnSpc>
+                <a:spcPct val="150000"/>
+              </a:lnSpc>
+              <a:spcBef>
+                <a:spcPts val="600"/>
+              </a:spcBef>
+              <a:buFontTx/>
+              <a:buBlip>
+                <a:blip r:embed="rId2"/>
+              </a:buBlip>
+              <a:defRPr sz="2400" kern="1200">
+                <a:solidFill>
+                  <a:schemeClr val="accent4"/>
+                </a:solidFill>
+                <a:latin typeface="+mn-lt"/>
+                <a:ea typeface="+mn-ea"/>
+                <a:cs typeface="+mn-cs"/>
+              </a:defRPr>
+            </a:lvl5pPr>
+            <a:lvl6pPr marL="1200000" indent="-228600" algn="l" defTabSz="914400" rtl="0" eaLnBrk="1" latinLnBrk="0" hangingPunct="1">
+              <a:lnSpc>
+                <a:spcPct val="85000"/>
+              </a:lnSpc>
+              <a:spcBef>
+                <a:spcPts val="600"/>
+              </a:spcBef>
+              <a:buFont typeface="Arial" pitchFamily="34" charset="0"/>
+              <a:buChar char=" "/>
+              <a:defRPr sz="1800" kern="1200">
+                <a:solidFill>
+                  <a:schemeClr val="tx1">
+                    <a:lumMod val="85000"/>
+                    <a:lumOff val="15000"/>
+                  </a:schemeClr>
+                </a:solidFill>
+                <a:latin typeface="+mn-lt"/>
+                <a:ea typeface="+mn-ea"/>
+                <a:cs typeface="+mn-cs"/>
+              </a:defRPr>
+            </a:lvl6pPr>
+            <a:lvl7pPr marL="1400000" indent="-228600" algn="l" defTabSz="914400" rtl="0" eaLnBrk="1" latinLnBrk="0" hangingPunct="1">
+              <a:lnSpc>
+                <a:spcPct val="85000"/>
+              </a:lnSpc>
+              <a:spcBef>
+                <a:spcPts val="600"/>
+              </a:spcBef>
+              <a:buFont typeface="Arial" pitchFamily="34" charset="0"/>
+              <a:buChar char=" "/>
+              <a:defRPr sz="1800" kern="1200">
+                <a:solidFill>
+                  <a:schemeClr val="tx1">
+                    <a:lumMod val="85000"/>
+                    <a:lumOff val="15000"/>
+                  </a:schemeClr>
+                </a:solidFill>
+                <a:latin typeface="+mn-lt"/>
+                <a:ea typeface="+mn-ea"/>
+                <a:cs typeface="+mn-cs"/>
+              </a:defRPr>
+            </a:lvl7pPr>
+            <a:lvl8pPr marL="1600000" indent="-228600" algn="l" defTabSz="914400" rtl="0" eaLnBrk="1" latinLnBrk="0" hangingPunct="1">
+              <a:lnSpc>
+                <a:spcPct val="85000"/>
+              </a:lnSpc>
+              <a:spcBef>
+                <a:spcPts val="600"/>
+              </a:spcBef>
+              <a:buFont typeface="Arial" pitchFamily="34" charset="0"/>
+              <a:buChar char=" "/>
+              <a:defRPr sz="1800" kern="1200">
+                <a:solidFill>
+                  <a:schemeClr val="tx1">
+                    <a:lumMod val="85000"/>
+                    <a:lumOff val="15000"/>
+                  </a:schemeClr>
+                </a:solidFill>
+                <a:latin typeface="+mn-lt"/>
+                <a:ea typeface="+mn-ea"/>
+                <a:cs typeface="+mn-cs"/>
+              </a:defRPr>
+            </a:lvl8pPr>
+            <a:lvl9pPr marL="1800000" indent="-228600" algn="l" defTabSz="914400" rtl="0" eaLnBrk="1" latinLnBrk="0" hangingPunct="1">
+              <a:lnSpc>
+                <a:spcPct val="85000"/>
+              </a:lnSpc>
+              <a:spcBef>
+                <a:spcPts val="600"/>
+              </a:spcBef>
+              <a:buFont typeface="Arial" pitchFamily="34" charset="0"/>
+              <a:buChar char=" "/>
+              <a:defRPr sz="1800" kern="1200">
+                <a:solidFill>
+                  <a:schemeClr val="tx1">
+                    <a:lumMod val="85000"/>
+                    <a:lumOff val="15000"/>
+                  </a:schemeClr>
+                </a:solidFill>
+                <a:latin typeface="+mn-lt"/>
+                <a:ea typeface="+mn-ea"/>
+                <a:cs typeface="+mn-cs"/>
+              </a:defRPr>
+            </a:lvl9pPr>
+          </a:lstStyle>
+          <a:p>
+            <a:r>
+              <a:rPr lang="en-GB" dirty="0">
+                <a:solidFill>
+                  <a:schemeClr val="bg2"/>
+                </a:solidFill>
+              </a:rPr>
+              <a:t>Partial reconfiguration</a:t>
+            </a:r>
+          </a:p>
+          <a:p>
+            <a:r>
+              <a:rPr lang="en-GB" dirty="0">
+                <a:solidFill>
+                  <a:schemeClr val="bg2"/>
+                </a:solidFill>
+              </a:rPr>
+              <a:t>Specific hardware for each algorithm</a:t>
+            </a:r>
+          </a:p>
+        </p:txBody>
+      </p:sp>
+      <p:pic>
+        <p:nvPicPr>
+          <p:cNvPr id="10" name="Picture 9" descr="A close up of a logo&#10;&#10;Description automatically generated">
             <a:extLst>
               <a:ext uri="{FF2B5EF4-FFF2-40B4-BE49-F238E27FC236}">
-                <a16:creationId xmlns:a16="http://schemas.microsoft.com/office/drawing/2014/main" id="{6A7F6F51-4974-4DA9-92A6-5CA03A992465}"/>
+                <a16:creationId xmlns:a16="http://schemas.microsoft.com/office/drawing/2014/main" id="{862DDFD4-19A9-45FC-85D5-BB86EF03C845}"/>
               </a:ext>
             </a:extLst>
           </p:cNvPr>
+          <p:cNvPicPr>
+            <a:picLocks noChangeAspect="1"/>
+          </p:cNvPicPr>
+          <p:nvPr/>
+        </p:nvPicPr>
+        <p:blipFill>
+          <a:blip r:embed="rId3">
+            <a:extLst>
+              <a:ext uri="{28A0092B-C50C-407E-A947-70E740481C1C}">
+                <a14:useLocalDpi xmlns:a14="http://schemas.microsoft.com/office/drawing/2010/main" val="0"/>
+              </a:ext>
+            </a:extLst>
+          </a:blip>
+          <a:stretch>
+            <a:fillRect/>
+          </a:stretch>
+        </p:blipFill>
+        <p:spPr>
+          <a:xfrm>
+            <a:off x="6214186" y="3074155"/>
+            <a:ext cx="5007188" cy="2137432"/>
+          </a:xfrm>
+          <a:prstGeom prst="rect">
+            <a:avLst/>
+          </a:prstGeom>
+        </p:spPr>
+      </p:pic>
+      <p:sp>
+        <p:nvSpPr>
+          <p:cNvPr id="12" name="Picture Placeholder 11">
+            <a:extLst>
+              <a:ext uri="{FF2B5EF4-FFF2-40B4-BE49-F238E27FC236}">
+                <a16:creationId xmlns:a16="http://schemas.microsoft.com/office/drawing/2014/main" id="{3F46007A-65E1-49BE-90CD-B8EC8DF549A3}"/>
+              </a:ext>
+            </a:extLst>
+          </p:cNvPr>
           <p:cNvSpPr>
             <a:spLocks noGrp="1"/>
           </p:cNvSpPr>
@@ -12352,13 +14046,25 @@
     </p:spTree>
     <p:extLst>
       <p:ext uri="{BB962C8B-B14F-4D97-AF65-F5344CB8AC3E}">
-        <p14:creationId xmlns:p14="http://schemas.microsoft.com/office/powerpoint/2010/main" val="1555244556"/>
+        <p14:creationId xmlns:p14="http://schemas.microsoft.com/office/powerpoint/2010/main" val="3635881306"/>
       </p:ext>
     </p:extLst>
   </p:cSld>
   <p:clrMapOvr>
     <a:masterClrMapping/>
   </p:clrMapOvr>
+  <mc:AlternateContent xmlns:mc="http://schemas.openxmlformats.org/markup-compatibility/2006" xmlns:p159="http://schemas.microsoft.com/office/powerpoint/2015/09/main">
+    <mc:Choice Requires="p159">
+      <p:transition xmlns:p14="http://schemas.microsoft.com/office/powerpoint/2010/main" spd="slow" p14:dur="2000">
+        <p159:morph option="byObject"/>
+      </p:transition>
+    </mc:Choice>
+    <mc:Fallback xmlns="">
+      <p:transition spd="slow">
+        <p:fade/>
+      </p:transition>
+    </mc:Fallback>
+  </mc:AlternateContent>
 </p:sld>
 </file>
 
@@ -12381,6 +14087,1043 @@
       </p:grpSpPr>
       <p:sp>
         <p:nvSpPr>
+          <p:cNvPr id="2" name="Content Placeholder 1">
+            <a:extLst>
+              <a:ext uri="{FF2B5EF4-FFF2-40B4-BE49-F238E27FC236}">
+                <a16:creationId xmlns:a16="http://schemas.microsoft.com/office/drawing/2014/main" id="{E853CEAD-0B16-401D-914A-1A00AE6C470F}"/>
+              </a:ext>
+            </a:extLst>
+          </p:cNvPr>
+          <p:cNvSpPr>
+            <a:spLocks noGrp="1"/>
+          </p:cNvSpPr>
+          <p:nvPr>
+            <p:ph idx="1"/>
+          </p:nvPr>
+        </p:nvSpPr>
+        <p:spPr/>
+        <p:txBody>
+          <a:bodyPr/>
+          <a:lstStyle/>
+          <a:p>
+            <a:r>
+              <a:rPr lang="en-GB" dirty="0"/>
+              <a:t>Virtual network application</a:t>
+            </a:r>
+          </a:p>
+        </p:txBody>
+      </p:sp>
+      <p:sp>
+        <p:nvSpPr>
+          <p:cNvPr id="3" name="Title 2">
+            <a:extLst>
+              <a:ext uri="{FF2B5EF4-FFF2-40B4-BE49-F238E27FC236}">
+                <a16:creationId xmlns:a16="http://schemas.microsoft.com/office/drawing/2014/main" id="{EEBD039F-81B2-4240-82F4-DA535A47A870}"/>
+              </a:ext>
+            </a:extLst>
+          </p:cNvPr>
+          <p:cNvSpPr>
+            <a:spLocks noGrp="1"/>
+          </p:cNvSpPr>
+          <p:nvPr>
+            <p:ph type="title"/>
+          </p:nvPr>
+        </p:nvSpPr>
+        <p:spPr/>
+        <p:txBody>
+          <a:bodyPr>
+            <a:normAutofit fontScale="90000"/>
+          </a:bodyPr>
+          <a:lstStyle/>
+          <a:p>
+            <a:r>
+              <a:rPr lang="en-GB" dirty="0" err="1"/>
+              <a:t>Mininet</a:t>
+            </a:r>
+            <a:endParaRPr lang="en-GB" dirty="0"/>
+          </a:p>
+        </p:txBody>
+      </p:sp>
+      <p:sp>
+        <p:nvSpPr>
+          <p:cNvPr id="4" name="Content Placeholder 3">
+            <a:extLst>
+              <a:ext uri="{FF2B5EF4-FFF2-40B4-BE49-F238E27FC236}">
+                <a16:creationId xmlns:a16="http://schemas.microsoft.com/office/drawing/2014/main" id="{70AA1095-81D3-4F7E-8174-101063E1F084}"/>
+              </a:ext>
+            </a:extLst>
+          </p:cNvPr>
+          <p:cNvSpPr>
+            <a:spLocks noGrp="1"/>
+          </p:cNvSpPr>
+          <p:nvPr>
+            <p:ph idx="10"/>
+          </p:nvPr>
+        </p:nvSpPr>
+        <p:spPr/>
+        <p:txBody>
+          <a:bodyPr/>
+          <a:lstStyle/>
+          <a:p>
+            <a:r>
+              <a:rPr lang="en-GB" dirty="0"/>
+              <a:t>Python API</a:t>
+            </a:r>
+          </a:p>
+          <a:p>
+            <a:r>
+              <a:rPr lang="en-GB" dirty="0"/>
+              <a:t>Open Source</a:t>
+            </a:r>
+          </a:p>
+          <a:p>
+            <a:r>
+              <a:rPr lang="en-GB" dirty="0"/>
+              <a:t>Broad tool</a:t>
+            </a:r>
+          </a:p>
+          <a:p>
+            <a:r>
+              <a:rPr lang="en-GB" dirty="0"/>
+              <a:t>Scalable</a:t>
+            </a:r>
+          </a:p>
+          <a:p>
+            <a:r>
+              <a:rPr lang="en-GB" dirty="0"/>
+              <a:t>Dependency chain</a:t>
+            </a:r>
+          </a:p>
+          <a:p>
+            <a:r>
+              <a:rPr lang="en-GB" dirty="0"/>
+              <a:t>Bash script for installation</a:t>
+            </a:r>
+          </a:p>
+          <a:p>
+            <a:endParaRPr lang="en-GB" dirty="0"/>
+          </a:p>
+        </p:txBody>
+      </p:sp>
+      <p:sp>
+        <p:nvSpPr>
+          <p:cNvPr id="5" name="Picture Placeholder 4">
+            <a:extLst>
+              <a:ext uri="{FF2B5EF4-FFF2-40B4-BE49-F238E27FC236}">
+                <a16:creationId xmlns:a16="http://schemas.microsoft.com/office/drawing/2014/main" id="{C7CCA159-BE9B-42A6-A4FB-67C48279DAFB}"/>
+              </a:ext>
+            </a:extLst>
+          </p:cNvPr>
+          <p:cNvSpPr>
+            <a:spLocks noGrp="1"/>
+          </p:cNvSpPr>
+          <p:nvPr>
+            <p:ph type="pic" sz="quarter" idx="29"/>
+          </p:nvPr>
+        </p:nvSpPr>
+        <p:spPr/>
+      </p:sp>
+    </p:spTree>
+    <p:extLst>
+      <p:ext uri="{BB962C8B-B14F-4D97-AF65-F5344CB8AC3E}">
+        <p14:creationId xmlns:p14="http://schemas.microsoft.com/office/powerpoint/2010/main" val="2823065228"/>
+      </p:ext>
+    </p:extLst>
+  </p:cSld>
+  <p:clrMapOvr>
+    <a:masterClrMapping/>
+  </p:clrMapOvr>
+  <mc:AlternateContent xmlns:mc="http://schemas.openxmlformats.org/markup-compatibility/2006" xmlns:p14="http://schemas.microsoft.com/office/powerpoint/2010/main">
+    <mc:Choice Requires="p14">
+      <p:transition p14:dur="300">
+        <p:fade/>
+      </p:transition>
+    </mc:Choice>
+    <mc:Fallback xmlns="">
+      <p:transition>
+        <p:fade/>
+      </p:transition>
+    </mc:Fallback>
+  </mc:AlternateContent>
+</p:sld>
+</file>
+
+<file path=ppt/slides/slide13.xml><?xml version="1.0" encoding="utf-8"?>
+<p:sld xmlns:a="http://schemas.openxmlformats.org/drawingml/2006/main" xmlns:r="http://schemas.openxmlformats.org/officeDocument/2006/relationships" xmlns:p="http://schemas.openxmlformats.org/presentationml/2006/main">
+  <p:cSld>
+    <p:spTree>
+      <p:nvGrpSpPr>
+        <p:cNvPr id="1" name=""/>
+        <p:cNvGrpSpPr/>
+        <p:nvPr/>
+      </p:nvGrpSpPr>
+      <p:grpSpPr>
+        <a:xfrm>
+          <a:off x="0" y="0"/>
+          <a:ext cx="0" cy="0"/>
+          <a:chOff x="0" y="0"/>
+          <a:chExt cx="0" cy="0"/>
+        </a:xfrm>
+      </p:grpSpPr>
+      <p:sp>
+        <p:nvSpPr>
+          <p:cNvPr id="2" name="Content Placeholder 1">
+            <a:extLst>
+              <a:ext uri="{FF2B5EF4-FFF2-40B4-BE49-F238E27FC236}">
+                <a16:creationId xmlns:a16="http://schemas.microsoft.com/office/drawing/2014/main" id="{5B8A5142-16E4-4173-88DF-C66957ABBCE9}"/>
+              </a:ext>
+            </a:extLst>
+          </p:cNvPr>
+          <p:cNvSpPr>
+            <a:spLocks noGrp="1"/>
+          </p:cNvSpPr>
+          <p:nvPr>
+            <p:ph idx="1"/>
+          </p:nvPr>
+        </p:nvSpPr>
+        <p:spPr/>
+        <p:txBody>
+          <a:bodyPr/>
+          <a:lstStyle/>
+          <a:p>
+            <a:r>
+              <a:rPr lang="en-GB" dirty="0"/>
+              <a:t>PCI Express interface</a:t>
+            </a:r>
+          </a:p>
+          <a:p>
+            <a:r>
+              <a:rPr lang="en-GB" dirty="0"/>
+              <a:t>Xilinx </a:t>
+            </a:r>
+            <a:r>
+              <a:rPr lang="en-GB" dirty="0" err="1"/>
+              <a:t>Virtex</a:t>
+            </a:r>
+            <a:r>
+              <a:rPr lang="en-GB" dirty="0"/>
+              <a:t> / </a:t>
+            </a:r>
+            <a:r>
+              <a:rPr lang="en-GB" dirty="0" err="1"/>
+              <a:t>Kintex</a:t>
+            </a:r>
+            <a:endParaRPr lang="en-GB" dirty="0"/>
+          </a:p>
+          <a:p>
+            <a:r>
+              <a:rPr lang="en-GB" dirty="0"/>
+              <a:t>4 x 1Gbps – 10Gbps Ethernet</a:t>
+            </a:r>
+          </a:p>
+          <a:p>
+            <a:r>
+              <a:rPr lang="en-GB" dirty="0"/>
+              <a:t>Open source software</a:t>
+            </a:r>
+          </a:p>
+          <a:p>
+            <a:r>
+              <a:rPr lang="en-GB" dirty="0"/>
+              <a:t>1G, 10G, SUME, CML</a:t>
+            </a:r>
+          </a:p>
+        </p:txBody>
+      </p:sp>
+      <p:sp>
+        <p:nvSpPr>
+          <p:cNvPr id="3" name="Title 2">
+            <a:extLst>
+              <a:ext uri="{FF2B5EF4-FFF2-40B4-BE49-F238E27FC236}">
+                <a16:creationId xmlns:a16="http://schemas.microsoft.com/office/drawing/2014/main" id="{1E0DC561-4E87-42FA-8023-AF0B13130FE2}"/>
+              </a:ext>
+            </a:extLst>
+          </p:cNvPr>
+          <p:cNvSpPr>
+            <a:spLocks noGrp="1"/>
+          </p:cNvSpPr>
+          <p:nvPr>
+            <p:ph type="title"/>
+          </p:nvPr>
+        </p:nvSpPr>
+        <p:spPr/>
+        <p:txBody>
+          <a:bodyPr>
+            <a:normAutofit fontScale="90000"/>
+          </a:bodyPr>
+          <a:lstStyle/>
+          <a:p>
+            <a:r>
+              <a:rPr lang="en-GB" dirty="0" err="1"/>
+              <a:t>NetFPGA</a:t>
+            </a:r>
+            <a:endParaRPr lang="en-GB" dirty="0"/>
+          </a:p>
+        </p:txBody>
+      </p:sp>
+      <p:pic>
+        <p:nvPicPr>
+          <p:cNvPr id="9" name="Content Placeholder 8" descr="A circuit board&#10;&#10;Description automatically generated">
+            <a:extLst>
+              <a:ext uri="{FF2B5EF4-FFF2-40B4-BE49-F238E27FC236}">
+                <a16:creationId xmlns:a16="http://schemas.microsoft.com/office/drawing/2014/main" id="{9AAFBC86-FE9F-4DAA-A02A-C8A6CB923260}"/>
+              </a:ext>
+            </a:extLst>
+          </p:cNvPr>
+          <p:cNvPicPr>
+            <a:picLocks noGrp="1" noChangeAspect="1"/>
+          </p:cNvPicPr>
+          <p:nvPr>
+            <p:ph idx="10"/>
+          </p:nvPr>
+        </p:nvPicPr>
+        <p:blipFill>
+          <a:blip r:embed="rId2">
+            <a:extLst>
+              <a:ext uri="{28A0092B-C50C-407E-A947-70E740481C1C}">
+                <a14:useLocalDpi xmlns:a14="http://schemas.microsoft.com/office/drawing/2010/main" val="0"/>
+              </a:ext>
+            </a:extLst>
+          </a:blip>
+          <a:stretch>
+            <a:fillRect/>
+          </a:stretch>
+        </p:blipFill>
+        <p:spPr>
+          <a:xfrm>
+            <a:off x="6258779" y="1484313"/>
+            <a:ext cx="5527555" cy="4235450"/>
+          </a:xfrm>
+        </p:spPr>
+      </p:pic>
+      <p:sp>
+        <p:nvSpPr>
+          <p:cNvPr id="5" name="Picture Placeholder 4">
+            <a:extLst>
+              <a:ext uri="{FF2B5EF4-FFF2-40B4-BE49-F238E27FC236}">
+                <a16:creationId xmlns:a16="http://schemas.microsoft.com/office/drawing/2014/main" id="{035F4C06-190E-4578-9EBA-9650B2176DDD}"/>
+              </a:ext>
+            </a:extLst>
+          </p:cNvPr>
+          <p:cNvSpPr>
+            <a:spLocks noGrp="1"/>
+          </p:cNvSpPr>
+          <p:nvPr>
+            <p:ph type="pic" sz="quarter" idx="29"/>
+          </p:nvPr>
+        </p:nvSpPr>
+        <p:spPr/>
+      </p:sp>
+    </p:spTree>
+    <p:extLst>
+      <p:ext uri="{BB962C8B-B14F-4D97-AF65-F5344CB8AC3E}">
+        <p14:creationId xmlns:p14="http://schemas.microsoft.com/office/powerpoint/2010/main" val="1899723471"/>
+      </p:ext>
+    </p:extLst>
+  </p:cSld>
+  <p:clrMapOvr>
+    <a:masterClrMapping/>
+  </p:clrMapOvr>
+  <mc:AlternateContent xmlns:mc="http://schemas.openxmlformats.org/markup-compatibility/2006" xmlns:p14="http://schemas.microsoft.com/office/powerpoint/2010/main">
+    <mc:Choice Requires="p14">
+      <p:transition p14:dur="300">
+        <p:fade/>
+      </p:transition>
+    </mc:Choice>
+    <mc:Fallback xmlns="">
+      <p:transition>
+        <p:fade/>
+      </p:transition>
+    </mc:Fallback>
+  </mc:AlternateContent>
+</p:sld>
+</file>
+
+<file path=ppt/slides/slide14.xml><?xml version="1.0" encoding="utf-8"?>
+<p:sld xmlns:a="http://schemas.openxmlformats.org/drawingml/2006/main" xmlns:r="http://schemas.openxmlformats.org/officeDocument/2006/relationships" xmlns:p="http://schemas.openxmlformats.org/presentationml/2006/main">
+  <p:cSld>
+    <p:spTree>
+      <p:nvGrpSpPr>
+        <p:cNvPr id="1" name=""/>
+        <p:cNvGrpSpPr/>
+        <p:nvPr/>
+      </p:nvGrpSpPr>
+      <p:grpSpPr>
+        <a:xfrm>
+          <a:off x="0" y="0"/>
+          <a:ext cx="0" cy="0"/>
+          <a:chOff x="0" y="0"/>
+          <a:chExt cx="0" cy="0"/>
+        </a:xfrm>
+      </p:grpSpPr>
+      <p:sp>
+        <p:nvSpPr>
+          <p:cNvPr id="2" name="Content Placeholder 1">
+            <a:extLst>
+              <a:ext uri="{FF2B5EF4-FFF2-40B4-BE49-F238E27FC236}">
+                <a16:creationId xmlns:a16="http://schemas.microsoft.com/office/drawing/2014/main" id="{1096CC21-4FED-4B52-9945-72D2A50610B9}"/>
+              </a:ext>
+            </a:extLst>
+          </p:cNvPr>
+          <p:cNvSpPr>
+            <a:spLocks noGrp="1"/>
+          </p:cNvSpPr>
+          <p:nvPr>
+            <p:ph idx="1"/>
+          </p:nvPr>
+        </p:nvSpPr>
+        <p:spPr/>
+        <p:txBody>
+          <a:bodyPr>
+            <a:normAutofit/>
+          </a:bodyPr>
+          <a:lstStyle/>
+          <a:p>
+            <a:r>
+              <a:rPr lang="en-GB" dirty="0"/>
+              <a:t>Kanban Board (Trello)</a:t>
+            </a:r>
+          </a:p>
+          <a:p>
+            <a:r>
+              <a:rPr lang="en-GB" dirty="0"/>
+              <a:t>Weekly meetings</a:t>
+            </a:r>
+          </a:p>
+          <a:p>
+            <a:r>
+              <a:rPr lang="en-GB" dirty="0"/>
+              <a:t>git</a:t>
+            </a:r>
+          </a:p>
+          <a:p>
+            <a:r>
+              <a:rPr lang="en-GB" dirty="0"/>
+              <a:t>Agile</a:t>
+            </a:r>
+          </a:p>
+          <a:p>
+            <a:r>
+              <a:rPr lang="en-GB" dirty="0"/>
+              <a:t>Licensing issues</a:t>
+            </a:r>
+          </a:p>
+          <a:p>
+            <a:r>
+              <a:rPr lang="en-GB" dirty="0"/>
+              <a:t>Access to tools</a:t>
+            </a:r>
+          </a:p>
+          <a:p>
+            <a:endParaRPr lang="en-GB" dirty="0"/>
+          </a:p>
+        </p:txBody>
+      </p:sp>
+      <p:sp>
+        <p:nvSpPr>
+          <p:cNvPr id="3" name="Title 2">
+            <a:extLst>
+              <a:ext uri="{FF2B5EF4-FFF2-40B4-BE49-F238E27FC236}">
+                <a16:creationId xmlns:a16="http://schemas.microsoft.com/office/drawing/2014/main" id="{FB5BED35-C2AC-474A-934A-98AE4F4D3E80}"/>
+              </a:ext>
+            </a:extLst>
+          </p:cNvPr>
+          <p:cNvSpPr>
+            <a:spLocks noGrp="1"/>
+          </p:cNvSpPr>
+          <p:nvPr>
+            <p:ph type="title"/>
+          </p:nvPr>
+        </p:nvSpPr>
+        <p:spPr/>
+        <p:txBody>
+          <a:bodyPr>
+            <a:normAutofit fontScale="90000"/>
+          </a:bodyPr>
+          <a:lstStyle/>
+          <a:p>
+            <a:r>
+              <a:rPr lang="en-GB" dirty="0"/>
+              <a:t>Project Management</a:t>
+            </a:r>
+          </a:p>
+        </p:txBody>
+      </p:sp>
+      <p:sp>
+        <p:nvSpPr>
+          <p:cNvPr id="4" name="Content Placeholder 3">
+            <a:extLst>
+              <a:ext uri="{FF2B5EF4-FFF2-40B4-BE49-F238E27FC236}">
+                <a16:creationId xmlns:a16="http://schemas.microsoft.com/office/drawing/2014/main" id="{F4A9EB92-E051-410D-989E-F5CDE34F7E99}"/>
+              </a:ext>
+            </a:extLst>
+          </p:cNvPr>
+          <p:cNvSpPr>
+            <a:spLocks noGrp="1"/>
+          </p:cNvSpPr>
+          <p:nvPr>
+            <p:ph idx="10"/>
+          </p:nvPr>
+        </p:nvSpPr>
+        <p:spPr/>
+        <p:txBody>
+          <a:bodyPr/>
+          <a:lstStyle/>
+          <a:p>
+            <a:endParaRPr lang="en-GB"/>
+          </a:p>
+        </p:txBody>
+      </p:sp>
+      <p:sp>
+        <p:nvSpPr>
+          <p:cNvPr id="5" name="Picture Placeholder 4">
+            <a:extLst>
+              <a:ext uri="{FF2B5EF4-FFF2-40B4-BE49-F238E27FC236}">
+                <a16:creationId xmlns:a16="http://schemas.microsoft.com/office/drawing/2014/main" id="{655E0AA9-E01E-470A-B017-30AD9583B826}"/>
+              </a:ext>
+            </a:extLst>
+          </p:cNvPr>
+          <p:cNvSpPr>
+            <a:spLocks noGrp="1"/>
+          </p:cNvSpPr>
+          <p:nvPr>
+            <p:ph type="pic" sz="quarter" idx="29"/>
+          </p:nvPr>
+        </p:nvSpPr>
+        <p:spPr/>
+      </p:sp>
+    </p:spTree>
+    <p:extLst>
+      <p:ext uri="{BB962C8B-B14F-4D97-AF65-F5344CB8AC3E}">
+        <p14:creationId xmlns:p14="http://schemas.microsoft.com/office/powerpoint/2010/main" val="763078848"/>
+      </p:ext>
+    </p:extLst>
+  </p:cSld>
+  <p:clrMapOvr>
+    <a:masterClrMapping/>
+  </p:clrMapOvr>
+  <mc:AlternateContent xmlns:mc="http://schemas.openxmlformats.org/markup-compatibility/2006" xmlns:p14="http://schemas.microsoft.com/office/powerpoint/2010/main">
+    <mc:Choice Requires="p14">
+      <p:transition p14:dur="300">
+        <p:fade/>
+      </p:transition>
+    </mc:Choice>
+    <mc:Fallback xmlns="">
+      <p:transition>
+        <p:fade/>
+      </p:transition>
+    </mc:Fallback>
+  </mc:AlternateContent>
+</p:sld>
+</file>
+
+<file path=ppt/slides/slide15.xml><?xml version="1.0" encoding="utf-8"?>
+<p:sld xmlns:a="http://schemas.openxmlformats.org/drawingml/2006/main" xmlns:r="http://schemas.openxmlformats.org/officeDocument/2006/relationships" xmlns:p="http://schemas.openxmlformats.org/presentationml/2006/main">
+  <p:cSld>
+    <p:spTree>
+      <p:nvGrpSpPr>
+        <p:cNvPr id="1" name=""/>
+        <p:cNvGrpSpPr/>
+        <p:nvPr/>
+      </p:nvGrpSpPr>
+      <p:grpSpPr>
+        <a:xfrm>
+          <a:off x="0" y="0"/>
+          <a:ext cx="0" cy="0"/>
+          <a:chOff x="0" y="0"/>
+          <a:chExt cx="0" cy="0"/>
+        </a:xfrm>
+      </p:grpSpPr>
+      <p:sp>
+        <p:nvSpPr>
+          <p:cNvPr id="2" name="Content Placeholder 1">
+            <a:extLst>
+              <a:ext uri="{FF2B5EF4-FFF2-40B4-BE49-F238E27FC236}">
+                <a16:creationId xmlns:a16="http://schemas.microsoft.com/office/drawing/2014/main" id="{DA8CE894-A991-46F7-86C1-DAAFA9A6892D}"/>
+              </a:ext>
+            </a:extLst>
+          </p:cNvPr>
+          <p:cNvSpPr>
+            <a:spLocks noGrp="1"/>
+          </p:cNvSpPr>
+          <p:nvPr>
+            <p:ph idx="1"/>
+          </p:nvPr>
+        </p:nvSpPr>
+        <p:spPr/>
+        <p:txBody>
+          <a:bodyPr/>
+          <a:lstStyle/>
+          <a:p>
+            <a:r>
+              <a:rPr lang="en-GB" dirty="0"/>
+              <a:t>Python</a:t>
+            </a:r>
+          </a:p>
+          <a:p>
+            <a:r>
+              <a:rPr lang="en-GB" dirty="0"/>
+              <a:t>Open Source (GitHub)</a:t>
+            </a:r>
+          </a:p>
+          <a:p>
+            <a:r>
+              <a:rPr lang="en-GB" dirty="0"/>
+              <a:t>Git submodule</a:t>
+            </a:r>
+          </a:p>
+          <a:p>
+            <a:r>
+              <a:rPr lang="en-GB" dirty="0"/>
+              <a:t>Atom, </a:t>
+            </a:r>
+            <a:r>
+              <a:rPr lang="en-GB" dirty="0" err="1"/>
+              <a:t>pycharm</a:t>
+            </a:r>
+            <a:endParaRPr lang="en-GB" dirty="0"/>
+          </a:p>
+          <a:p>
+            <a:r>
+              <a:rPr lang="en-GB" dirty="0" err="1"/>
+              <a:t>Pylint</a:t>
+            </a:r>
+            <a:endParaRPr lang="en-GB" dirty="0"/>
+          </a:p>
+          <a:p>
+            <a:r>
+              <a:rPr lang="en-GB" dirty="0"/>
+              <a:t>Click. Logging, </a:t>
+            </a:r>
+            <a:r>
+              <a:rPr lang="en-GB" dirty="0" err="1"/>
+              <a:t>numpy</a:t>
+            </a:r>
+            <a:endParaRPr lang="en-GB" dirty="0"/>
+          </a:p>
+          <a:p>
+            <a:endParaRPr lang="en-GB" dirty="0"/>
+          </a:p>
+        </p:txBody>
+      </p:sp>
+      <p:sp>
+        <p:nvSpPr>
+          <p:cNvPr id="3" name="Title 2">
+            <a:extLst>
+              <a:ext uri="{FF2B5EF4-FFF2-40B4-BE49-F238E27FC236}">
+                <a16:creationId xmlns:a16="http://schemas.microsoft.com/office/drawing/2014/main" id="{8D29C373-85A1-4E61-ACBC-6572FE4C91CC}"/>
+              </a:ext>
+            </a:extLst>
+          </p:cNvPr>
+          <p:cNvSpPr>
+            <a:spLocks noGrp="1"/>
+          </p:cNvSpPr>
+          <p:nvPr>
+            <p:ph type="title"/>
+          </p:nvPr>
+        </p:nvSpPr>
+        <p:spPr/>
+        <p:txBody>
+          <a:bodyPr>
+            <a:normAutofit fontScale="90000"/>
+          </a:bodyPr>
+          <a:lstStyle/>
+          <a:p>
+            <a:r>
+              <a:rPr lang="en-GB" dirty="0"/>
+              <a:t>Software Development</a:t>
+            </a:r>
+          </a:p>
+        </p:txBody>
+      </p:sp>
+      <p:sp>
+        <p:nvSpPr>
+          <p:cNvPr id="4" name="Content Placeholder 3">
+            <a:extLst>
+              <a:ext uri="{FF2B5EF4-FFF2-40B4-BE49-F238E27FC236}">
+                <a16:creationId xmlns:a16="http://schemas.microsoft.com/office/drawing/2014/main" id="{7DB9CBB2-8ABB-4E43-9136-0B042C3AE765}"/>
+              </a:ext>
+            </a:extLst>
+          </p:cNvPr>
+          <p:cNvSpPr>
+            <a:spLocks noGrp="1"/>
+          </p:cNvSpPr>
+          <p:nvPr>
+            <p:ph idx="10"/>
+          </p:nvPr>
+        </p:nvSpPr>
+        <p:spPr/>
+        <p:txBody>
+          <a:bodyPr/>
+          <a:lstStyle/>
+          <a:p>
+            <a:endParaRPr lang="en-GB"/>
+          </a:p>
+        </p:txBody>
+      </p:sp>
+      <p:sp>
+        <p:nvSpPr>
+          <p:cNvPr id="5" name="Picture Placeholder 4">
+            <a:extLst>
+              <a:ext uri="{FF2B5EF4-FFF2-40B4-BE49-F238E27FC236}">
+                <a16:creationId xmlns:a16="http://schemas.microsoft.com/office/drawing/2014/main" id="{1B3CB30E-E922-45D3-9711-C6D2954944E4}"/>
+              </a:ext>
+            </a:extLst>
+          </p:cNvPr>
+          <p:cNvSpPr>
+            <a:spLocks noGrp="1"/>
+          </p:cNvSpPr>
+          <p:nvPr>
+            <p:ph type="pic" sz="quarter" idx="29"/>
+          </p:nvPr>
+        </p:nvSpPr>
+        <p:spPr/>
+      </p:sp>
+    </p:spTree>
+    <p:extLst>
+      <p:ext uri="{BB962C8B-B14F-4D97-AF65-F5344CB8AC3E}">
+        <p14:creationId xmlns:p14="http://schemas.microsoft.com/office/powerpoint/2010/main" val="724942339"/>
+      </p:ext>
+    </p:extLst>
+  </p:cSld>
+  <p:clrMapOvr>
+    <a:masterClrMapping/>
+  </p:clrMapOvr>
+  <mc:AlternateContent xmlns:mc="http://schemas.openxmlformats.org/markup-compatibility/2006" xmlns:p14="http://schemas.microsoft.com/office/powerpoint/2010/main">
+    <mc:Choice Requires="p14">
+      <p:transition p14:dur="300">
+        <p:fade/>
+      </p:transition>
+    </mc:Choice>
+    <mc:Fallback xmlns="">
+      <p:transition>
+        <p:fade/>
+      </p:transition>
+    </mc:Fallback>
+  </mc:AlternateContent>
+</p:sld>
+</file>
+
+<file path=ppt/slides/slide16.xml><?xml version="1.0" encoding="utf-8"?>
+<p:sld xmlns:a="http://schemas.openxmlformats.org/drawingml/2006/main" xmlns:r="http://schemas.openxmlformats.org/officeDocument/2006/relationships" xmlns:p="http://schemas.openxmlformats.org/presentationml/2006/main">
+  <p:cSld>
+    <p:spTree>
+      <p:nvGrpSpPr>
+        <p:cNvPr id="1" name=""/>
+        <p:cNvGrpSpPr/>
+        <p:nvPr/>
+      </p:nvGrpSpPr>
+      <p:grpSpPr>
+        <a:xfrm>
+          <a:off x="0" y="0"/>
+          <a:ext cx="0" cy="0"/>
+          <a:chOff x="0" y="0"/>
+          <a:chExt cx="0" cy="0"/>
+        </a:xfrm>
+      </p:grpSpPr>
+      <p:sp>
+        <p:nvSpPr>
+          <p:cNvPr id="2" name="Content Placeholder 1">
+            <a:extLst>
+              <a:ext uri="{FF2B5EF4-FFF2-40B4-BE49-F238E27FC236}">
+                <a16:creationId xmlns:a16="http://schemas.microsoft.com/office/drawing/2014/main" id="{46992151-F785-420E-A220-06F8594B3F45}"/>
+              </a:ext>
+            </a:extLst>
+          </p:cNvPr>
+          <p:cNvSpPr>
+            <a:spLocks noGrp="1"/>
+          </p:cNvSpPr>
+          <p:nvPr>
+            <p:ph idx="1"/>
+          </p:nvPr>
+        </p:nvSpPr>
+        <p:spPr/>
+        <p:txBody>
+          <a:bodyPr/>
+          <a:lstStyle/>
+          <a:p>
+            <a:r>
+              <a:rPr lang="en-GB" dirty="0"/>
+              <a:t>Get a graph</a:t>
+            </a:r>
+          </a:p>
+        </p:txBody>
+      </p:sp>
+      <p:sp>
+        <p:nvSpPr>
+          <p:cNvPr id="3" name="Title 2">
+            <a:extLst>
+              <a:ext uri="{FF2B5EF4-FFF2-40B4-BE49-F238E27FC236}">
+                <a16:creationId xmlns:a16="http://schemas.microsoft.com/office/drawing/2014/main" id="{1FE397AE-10CC-4383-90CC-0173BE621FDB}"/>
+              </a:ext>
+            </a:extLst>
+          </p:cNvPr>
+          <p:cNvSpPr>
+            <a:spLocks noGrp="1"/>
+          </p:cNvSpPr>
+          <p:nvPr>
+            <p:ph type="title"/>
+          </p:nvPr>
+        </p:nvSpPr>
+        <p:spPr/>
+        <p:txBody>
+          <a:bodyPr>
+            <a:normAutofit fontScale="90000"/>
+          </a:bodyPr>
+          <a:lstStyle/>
+          <a:p>
+            <a:r>
+              <a:rPr lang="en-GB" dirty="0"/>
+              <a:t>Model Results</a:t>
+            </a:r>
+          </a:p>
+        </p:txBody>
+      </p:sp>
+      <p:sp>
+        <p:nvSpPr>
+          <p:cNvPr id="4" name="Content Placeholder 3">
+            <a:extLst>
+              <a:ext uri="{FF2B5EF4-FFF2-40B4-BE49-F238E27FC236}">
+                <a16:creationId xmlns:a16="http://schemas.microsoft.com/office/drawing/2014/main" id="{91F59C3B-46D4-40B1-ABC0-9E825FB80CFE}"/>
+              </a:ext>
+            </a:extLst>
+          </p:cNvPr>
+          <p:cNvSpPr>
+            <a:spLocks noGrp="1"/>
+          </p:cNvSpPr>
+          <p:nvPr>
+            <p:ph idx="10"/>
+          </p:nvPr>
+        </p:nvSpPr>
+        <p:spPr/>
+        <p:txBody>
+          <a:bodyPr/>
+          <a:lstStyle/>
+          <a:p>
+            <a:endParaRPr lang="en-GB"/>
+          </a:p>
+        </p:txBody>
+      </p:sp>
+      <p:sp>
+        <p:nvSpPr>
+          <p:cNvPr id="5" name="Picture Placeholder 4">
+            <a:extLst>
+              <a:ext uri="{FF2B5EF4-FFF2-40B4-BE49-F238E27FC236}">
+                <a16:creationId xmlns:a16="http://schemas.microsoft.com/office/drawing/2014/main" id="{5A208FC8-1E47-44BF-B94F-53062A60F2A3}"/>
+              </a:ext>
+            </a:extLst>
+          </p:cNvPr>
+          <p:cNvSpPr>
+            <a:spLocks noGrp="1"/>
+          </p:cNvSpPr>
+          <p:nvPr>
+            <p:ph type="pic" sz="quarter" idx="29"/>
+          </p:nvPr>
+        </p:nvSpPr>
+        <p:spPr/>
+      </p:sp>
+    </p:spTree>
+    <p:extLst>
+      <p:ext uri="{BB962C8B-B14F-4D97-AF65-F5344CB8AC3E}">
+        <p14:creationId xmlns:p14="http://schemas.microsoft.com/office/powerpoint/2010/main" val="2701311481"/>
+      </p:ext>
+    </p:extLst>
+  </p:cSld>
+  <p:clrMapOvr>
+    <a:masterClrMapping/>
+  </p:clrMapOvr>
+  <mc:AlternateContent xmlns:mc="http://schemas.openxmlformats.org/markup-compatibility/2006" xmlns:p14="http://schemas.microsoft.com/office/powerpoint/2010/main">
+    <mc:Choice Requires="p14">
+      <p:transition p14:dur="300">
+        <p:fade/>
+      </p:transition>
+    </mc:Choice>
+    <mc:Fallback xmlns="">
+      <p:transition>
+        <p:fade/>
+      </p:transition>
+    </mc:Fallback>
+  </mc:AlternateContent>
+</p:sld>
+</file>
+
+<file path=ppt/slides/slide17.xml><?xml version="1.0" encoding="utf-8"?>
+<p:sld xmlns:a="http://schemas.openxmlformats.org/drawingml/2006/main" xmlns:r="http://schemas.openxmlformats.org/officeDocument/2006/relationships" xmlns:p="http://schemas.openxmlformats.org/presentationml/2006/main">
+  <p:cSld>
+    <p:spTree>
+      <p:nvGrpSpPr>
+        <p:cNvPr id="1" name=""/>
+        <p:cNvGrpSpPr/>
+        <p:nvPr/>
+      </p:nvGrpSpPr>
+      <p:grpSpPr>
+        <a:xfrm>
+          <a:off x="0" y="0"/>
+          <a:ext cx="0" cy="0"/>
+          <a:chOff x="0" y="0"/>
+          <a:chExt cx="0" cy="0"/>
+        </a:xfrm>
+      </p:grpSpPr>
+      <p:sp>
+        <p:nvSpPr>
+          <p:cNvPr id="2" name="Content Placeholder 1">
+            <a:extLst>
+              <a:ext uri="{FF2B5EF4-FFF2-40B4-BE49-F238E27FC236}">
+                <a16:creationId xmlns:a16="http://schemas.microsoft.com/office/drawing/2014/main" id="{192549E1-3CA7-4340-9E2A-B167E268F82A}"/>
+              </a:ext>
+            </a:extLst>
+          </p:cNvPr>
+          <p:cNvSpPr>
+            <a:spLocks noGrp="1"/>
+          </p:cNvSpPr>
+          <p:nvPr>
+            <p:ph idx="1"/>
+          </p:nvPr>
+        </p:nvSpPr>
+        <p:spPr/>
+        <p:txBody>
+          <a:bodyPr/>
+          <a:lstStyle/>
+          <a:p>
+            <a:r>
+              <a:rPr lang="en-GB" dirty="0"/>
+              <a:t>Internet of Things (IoT)</a:t>
+            </a:r>
+          </a:p>
+        </p:txBody>
+      </p:sp>
+      <p:sp>
+        <p:nvSpPr>
+          <p:cNvPr id="3" name="Title 2">
+            <a:extLst>
+              <a:ext uri="{FF2B5EF4-FFF2-40B4-BE49-F238E27FC236}">
+                <a16:creationId xmlns:a16="http://schemas.microsoft.com/office/drawing/2014/main" id="{17695CE0-B4C7-4559-B159-47C7627669C7}"/>
+              </a:ext>
+            </a:extLst>
+          </p:cNvPr>
+          <p:cNvSpPr>
+            <a:spLocks noGrp="1"/>
+          </p:cNvSpPr>
+          <p:nvPr>
+            <p:ph type="title"/>
+          </p:nvPr>
+        </p:nvSpPr>
+        <p:spPr/>
+        <p:txBody>
+          <a:bodyPr>
+            <a:normAutofit fontScale="90000"/>
+          </a:bodyPr>
+          <a:lstStyle/>
+          <a:p>
+            <a:r>
+              <a:rPr lang="en-GB" dirty="0"/>
+              <a:t>Applications</a:t>
+            </a:r>
+          </a:p>
+        </p:txBody>
+      </p:sp>
+      <p:sp>
+        <p:nvSpPr>
+          <p:cNvPr id="4" name="Content Placeholder 3">
+            <a:extLst>
+              <a:ext uri="{FF2B5EF4-FFF2-40B4-BE49-F238E27FC236}">
+                <a16:creationId xmlns:a16="http://schemas.microsoft.com/office/drawing/2014/main" id="{0356FB6F-306F-41DE-AA1A-546B9B5D117D}"/>
+              </a:ext>
+            </a:extLst>
+          </p:cNvPr>
+          <p:cNvSpPr>
+            <a:spLocks noGrp="1"/>
+          </p:cNvSpPr>
+          <p:nvPr>
+            <p:ph idx="10"/>
+          </p:nvPr>
+        </p:nvSpPr>
+        <p:spPr/>
+        <p:txBody>
+          <a:bodyPr/>
+          <a:lstStyle/>
+          <a:p>
+            <a:r>
+              <a:rPr lang="en-GB" dirty="0"/>
+              <a:t>Education</a:t>
+            </a:r>
+          </a:p>
+          <a:p>
+            <a:r>
+              <a:rPr lang="en-GB" dirty="0"/>
+              <a:t>Military</a:t>
+            </a:r>
+          </a:p>
+          <a:p>
+            <a:r>
+              <a:rPr lang="en-GB" dirty="0"/>
+              <a:t>Education</a:t>
+            </a:r>
+          </a:p>
+        </p:txBody>
+      </p:sp>
+      <p:sp>
+        <p:nvSpPr>
+          <p:cNvPr id="5" name="Picture Placeholder 4">
+            <a:extLst>
+              <a:ext uri="{FF2B5EF4-FFF2-40B4-BE49-F238E27FC236}">
+                <a16:creationId xmlns:a16="http://schemas.microsoft.com/office/drawing/2014/main" id="{6A7F6F51-4974-4DA9-92A6-5CA03A992465}"/>
+              </a:ext>
+            </a:extLst>
+          </p:cNvPr>
+          <p:cNvSpPr>
+            <a:spLocks noGrp="1"/>
+          </p:cNvSpPr>
+          <p:nvPr>
+            <p:ph type="pic" sz="quarter" idx="29"/>
+          </p:nvPr>
+        </p:nvSpPr>
+        <p:spPr/>
+      </p:sp>
+    </p:spTree>
+    <p:extLst>
+      <p:ext uri="{BB962C8B-B14F-4D97-AF65-F5344CB8AC3E}">
+        <p14:creationId xmlns:p14="http://schemas.microsoft.com/office/powerpoint/2010/main" val="1555244556"/>
+      </p:ext>
+    </p:extLst>
+  </p:cSld>
+  <p:clrMapOvr>
+    <a:masterClrMapping/>
+  </p:clrMapOvr>
+  <mc:AlternateContent xmlns:mc="http://schemas.openxmlformats.org/markup-compatibility/2006" xmlns:p14="http://schemas.microsoft.com/office/powerpoint/2010/main">
+    <mc:Choice Requires="p14">
+      <p:transition p14:dur="300">
+        <p:fade/>
+      </p:transition>
+    </mc:Choice>
+    <mc:Fallback xmlns="">
+      <p:transition>
+        <p:fade/>
+      </p:transition>
+    </mc:Fallback>
+  </mc:AlternateContent>
+</p:sld>
+</file>
+
+<file path=ppt/slides/slide18.xml><?xml version="1.0" encoding="utf-8"?>
+<p:sld xmlns:a="http://schemas.openxmlformats.org/drawingml/2006/main" xmlns:r="http://schemas.openxmlformats.org/officeDocument/2006/relationships" xmlns:p="http://schemas.openxmlformats.org/presentationml/2006/main">
+  <p:cSld>
+    <p:spTree>
+      <p:nvGrpSpPr>
+        <p:cNvPr id="1" name=""/>
+        <p:cNvGrpSpPr/>
+        <p:nvPr/>
+      </p:nvGrpSpPr>
+      <p:grpSpPr>
+        <a:xfrm>
+          <a:off x="0" y="0"/>
+          <a:ext cx="0" cy="0"/>
+          <a:chOff x="0" y="0"/>
+          <a:chExt cx="0" cy="0"/>
+        </a:xfrm>
+      </p:grpSpPr>
+      <p:sp>
+        <p:nvSpPr>
           <p:cNvPr id="6" name="Title 5">
             <a:extLst>
               <a:ext uri="{FF2B5EF4-FFF2-40B4-BE49-F238E27FC236}">
@@ -12460,6 +15203,18 @@
   <p:clrMapOvr>
     <a:masterClrMapping/>
   </p:clrMapOvr>
+  <mc:AlternateContent xmlns:mc="http://schemas.openxmlformats.org/markup-compatibility/2006" xmlns:p14="http://schemas.microsoft.com/office/powerpoint/2010/main">
+    <mc:Choice Requires="p14">
+      <p:transition p14:dur="300">
+        <p:fade/>
+      </p:transition>
+    </mc:Choice>
+    <mc:Fallback xmlns="">
+      <p:transition>
+        <p:fade/>
+      </p:transition>
+    </mc:Fallback>
+  </mc:AlternateContent>
 </p:sld>
 </file>
 
@@ -12482,10 +15237,10 @@
       </p:grpSpPr>
       <p:sp>
         <p:nvSpPr>
-          <p:cNvPr id="24" name="Content Placeholder 23">
+          <p:cNvPr id="2" name="Content Placeholder 1">
             <a:extLst>
               <a:ext uri="{FF2B5EF4-FFF2-40B4-BE49-F238E27FC236}">
-                <a16:creationId xmlns:a16="http://schemas.microsoft.com/office/drawing/2014/main" id="{27B18503-9D67-4D94-A09F-25F40FDF1B70}"/>
+                <a16:creationId xmlns:a16="http://schemas.microsoft.com/office/drawing/2014/main" id="{9B8687C0-2F5F-4248-BC4E-465C637057F6}"/>
               </a:ext>
             </a:extLst>
           </p:cNvPr>
@@ -12501,40 +15256,46 @@
           <a:bodyPr/>
           <a:lstStyle/>
           <a:p>
+            <a:pPr marL="0" indent="0">
+              <a:buNone/>
+            </a:pPr>
             <a:r>
               <a:rPr lang="en-GB" dirty="0"/>
-              <a:t>LUTs</a:t>
+              <a:t>Field-Programmable Gate Array</a:t>
             </a:r>
           </a:p>
           <a:p>
             <a:r>
               <a:rPr lang="en-GB" dirty="0"/>
-              <a:t>Memories</a:t>
+              <a:t>Flexible Logic ---------------------------------</a:t>
             </a:r>
           </a:p>
           <a:p>
             <a:r>
               <a:rPr lang="en-GB" dirty="0"/>
-              <a:t>DSP blocks</a:t>
+              <a:t>Flexible routing -------------------------------</a:t>
             </a:r>
           </a:p>
           <a:p>
             <a:r>
               <a:rPr lang="en-GB" dirty="0"/>
-              <a:t>Switching and Routing fabric</a:t>
-            </a:r>
-          </a:p>
-          <a:p>
-            <a:endParaRPr lang="en-GB" dirty="0"/>
-          </a:p>
-        </p:txBody>
-      </p:sp>
-      <p:sp>
-        <p:nvSpPr>
-          <p:cNvPr id="23" name="Title 22">
+              <a:t>Flexible IO ------------------------------------</a:t>
+            </a:r>
+          </a:p>
+          <a:p>
+            <a:r>
+              <a:rPr lang="en-GB" dirty="0"/>
+              <a:t>Embedded hard modules --------------------</a:t>
+            </a:r>
+          </a:p>
+        </p:txBody>
+      </p:sp>
+      <p:sp>
+        <p:nvSpPr>
+          <p:cNvPr id="3" name="Title 2">
             <a:extLst>
               <a:ext uri="{FF2B5EF4-FFF2-40B4-BE49-F238E27FC236}">
-                <a16:creationId xmlns:a16="http://schemas.microsoft.com/office/drawing/2014/main" id="{A4AC2A95-D358-4112-BB3F-207D7DF12DF9}"/>
+                <a16:creationId xmlns:a16="http://schemas.microsoft.com/office/drawing/2014/main" id="{9FFD7014-AFEE-4FDA-83E6-2427C910D632}"/>
               </a:ext>
             </a:extLst>
           </p:cNvPr>
@@ -12561,10 +15322,10 @@
       </p:sp>
       <p:sp>
         <p:nvSpPr>
-          <p:cNvPr id="25" name="Content Placeholder 24">
+          <p:cNvPr id="5" name="Picture Placeholder 4">
             <a:extLst>
               <a:ext uri="{FF2B5EF4-FFF2-40B4-BE49-F238E27FC236}">
-                <a16:creationId xmlns:a16="http://schemas.microsoft.com/office/drawing/2014/main" id="{8D8BFB09-F1D3-4DAE-910E-C5140DE0BC44}"/>
+                <a16:creationId xmlns:a16="http://schemas.microsoft.com/office/drawing/2014/main" id="{0744174E-CB76-4F64-B9ED-728C47048523}"/>
               </a:ext>
             </a:extLst>
           </p:cNvPr>
@@ -12572,24 +15333,17 @@
             <a:spLocks noGrp="1"/>
           </p:cNvSpPr>
           <p:nvPr>
-            <p:ph idx="10"/>
+            <p:ph type="pic" sz="quarter" idx="29"/>
           </p:nvPr>
         </p:nvSpPr>
         <p:spPr/>
-        <p:txBody>
-          <a:bodyPr/>
-          <a:lstStyle/>
-          <a:p>
-            <a:endParaRPr lang="en-GB"/>
-          </a:p>
-        </p:txBody>
-      </p:sp>
-      <p:sp>
-        <p:nvSpPr>
-          <p:cNvPr id="26" name="Picture Placeholder 25">
+      </p:sp>
+      <p:sp>
+        <p:nvSpPr>
+          <p:cNvPr id="9" name="Content Placeholder 8">
             <a:extLst>
               <a:ext uri="{FF2B5EF4-FFF2-40B4-BE49-F238E27FC236}">
-                <a16:creationId xmlns:a16="http://schemas.microsoft.com/office/drawing/2014/main" id="{1070DF18-5781-4A15-AA34-928088F9195D}"/>
+                <a16:creationId xmlns:a16="http://schemas.microsoft.com/office/drawing/2014/main" id="{9836BE3E-42B7-40F9-8402-F8500A6E4F84}"/>
               </a:ext>
             </a:extLst>
           </p:cNvPr>
@@ -12597,21 +15351,67 @@
             <a:spLocks noGrp="1"/>
           </p:cNvSpPr>
           <p:nvPr>
-            <p:ph type="pic" sz="quarter" idx="29"/>
+            <p:ph idx="10"/>
           </p:nvPr>
         </p:nvSpPr>
         <p:spPr/>
+        <p:txBody>
+          <a:bodyPr/>
+          <a:lstStyle/>
+          <a:p>
+            <a:pPr marL="0" indent="0">
+              <a:buNone/>
+            </a:pPr>
+            <a:endParaRPr lang="en-GB" dirty="0"/>
+          </a:p>
+          <a:p>
+            <a:r>
+              <a:rPr lang="en-GB" dirty="0"/>
+              <a:t>LUTs</a:t>
+            </a:r>
+          </a:p>
+          <a:p>
+            <a:r>
+              <a:rPr lang="en-GB" dirty="0"/>
+              <a:t>Large grid of wires and switch boxes</a:t>
+            </a:r>
+          </a:p>
+          <a:p>
+            <a:r>
+              <a:rPr lang="en-GB" dirty="0"/>
+              <a:t>Support for 10G Ethernet, SATA, PCIe</a:t>
+            </a:r>
+          </a:p>
+          <a:p>
+            <a:r>
+              <a:rPr lang="en-GB" dirty="0"/>
+              <a:t>Block memory, DSP blocks</a:t>
+            </a:r>
+          </a:p>
+        </p:txBody>
       </p:sp>
     </p:spTree>
     <p:extLst>
       <p:ext uri="{BB962C8B-B14F-4D97-AF65-F5344CB8AC3E}">
-        <p14:creationId xmlns:p14="http://schemas.microsoft.com/office/powerpoint/2010/main" val="2752375194"/>
+        <p14:creationId xmlns:p14="http://schemas.microsoft.com/office/powerpoint/2010/main" val="749469514"/>
       </p:ext>
     </p:extLst>
   </p:cSld>
   <p:clrMapOvr>
     <a:masterClrMapping/>
   </p:clrMapOvr>
+  <mc:AlternateContent xmlns:mc="http://schemas.openxmlformats.org/markup-compatibility/2006" xmlns:p14="http://schemas.microsoft.com/office/powerpoint/2010/main">
+    <mc:Choice Requires="p14">
+      <p:transition p14:dur="300">
+        <p:fade/>
+      </p:transition>
+    </mc:Choice>
+    <mc:Fallback xmlns="">
+      <p:transition>
+        <p:fade/>
+      </p:transition>
+    </mc:Fallback>
+  </mc:AlternateContent>
 </p:sld>
 </file>
 
@@ -12637,7 +15437,7 @@
           <p:cNvPr id="2" name="Content Placeholder 1">
             <a:extLst>
               <a:ext uri="{FF2B5EF4-FFF2-40B4-BE49-F238E27FC236}">
-                <a16:creationId xmlns:a16="http://schemas.microsoft.com/office/drawing/2014/main" id="{CFC48F10-C31D-42D6-A5E9-0E9F6E036BDB}"/>
+                <a16:creationId xmlns:a16="http://schemas.microsoft.com/office/drawing/2014/main" id="{9B8687C0-2F5F-4248-BC4E-465C637057F6}"/>
               </a:ext>
             </a:extLst>
           </p:cNvPr>
@@ -12653,19 +15453,37 @@
           <a:bodyPr/>
           <a:lstStyle/>
           <a:p>
+            <a:pPr marL="0" indent="0">
+              <a:buNone/>
+            </a:pPr>
             <a:r>
               <a:rPr lang="en-GB" dirty="0"/>
-              <a:t>TCP / IP network stack</a:t>
+              <a:t>Field-Programmable Gate Array</a:t>
             </a:r>
           </a:p>
           <a:p>
             <a:r>
               <a:rPr lang="en-GB" dirty="0"/>
-              <a:t>Software Defined Networking</a:t>
-            </a:r>
-          </a:p>
-          <a:p>
-            <a:endParaRPr lang="en-GB" dirty="0"/>
+              <a:t>Flexible Logic</a:t>
+            </a:r>
+          </a:p>
+          <a:p>
+            <a:r>
+              <a:rPr lang="en-GB" dirty="0"/>
+              <a:t>Flexible routing</a:t>
+            </a:r>
+          </a:p>
+          <a:p>
+            <a:r>
+              <a:rPr lang="en-GB" dirty="0"/>
+              <a:t>Flexible IO</a:t>
+            </a:r>
+          </a:p>
+          <a:p>
+            <a:r>
+              <a:rPr lang="en-GB" dirty="0"/>
+              <a:t>Embedded hard modules</a:t>
+            </a:r>
           </a:p>
         </p:txBody>
       </p:sp>
@@ -12674,7 +15492,7 @@
           <p:cNvPr id="3" name="Title 2">
             <a:extLst>
               <a:ext uri="{FF2B5EF4-FFF2-40B4-BE49-F238E27FC236}">
-                <a16:creationId xmlns:a16="http://schemas.microsoft.com/office/drawing/2014/main" id="{8C31ADC7-1C58-448E-991E-DDA6750912EA}"/>
+                <a16:creationId xmlns:a16="http://schemas.microsoft.com/office/drawing/2014/main" id="{9FFD7014-AFEE-4FDA-83E6-2427C910D632}"/>
               </a:ext>
             </a:extLst>
           </p:cNvPr>
@@ -12694,63 +15512,52 @@
           <a:p>
             <a:r>
               <a:rPr lang="en-GB" dirty="0"/>
-              <a:t>Networking Concepts</a:t>
-            </a:r>
-          </a:p>
-        </p:txBody>
-      </p:sp>
-      <p:sp>
-        <p:nvSpPr>
-          <p:cNvPr id="4" name="Content Placeholder 3">
+              <a:t>What are FPGAs?</a:t>
+            </a:r>
+          </a:p>
+        </p:txBody>
+      </p:sp>
+      <p:pic>
+        <p:nvPicPr>
+          <p:cNvPr id="7" name="Content Placeholder 6" descr="A picture containing crossword puzzle, shoji&#10;&#10;Description automatically generated">
             <a:extLst>
               <a:ext uri="{FF2B5EF4-FFF2-40B4-BE49-F238E27FC236}">
-                <a16:creationId xmlns:a16="http://schemas.microsoft.com/office/drawing/2014/main" id="{DC0D9716-4EB3-42D4-BB47-6DA039578D4B}"/>
+                <a16:creationId xmlns:a16="http://schemas.microsoft.com/office/drawing/2014/main" id="{56334EA4-5C3A-40B1-908D-A95C96D3B9AD}"/>
               </a:ext>
             </a:extLst>
           </p:cNvPr>
-          <p:cNvSpPr>
-            <a:spLocks noGrp="1"/>
-          </p:cNvSpPr>
+          <p:cNvPicPr>
+            <a:picLocks noGrp="1" noChangeAspect="1"/>
+          </p:cNvPicPr>
           <p:nvPr>
             <p:ph idx="10"/>
           </p:nvPr>
-        </p:nvSpPr>
-        <p:spPr/>
-        <p:txBody>
-          <a:bodyPr/>
-          <a:lstStyle/>
-          <a:p>
-            <a:r>
-              <a:rPr lang="en-GB" dirty="0"/>
-              <a:t>Application</a:t>
-            </a:r>
-          </a:p>
-          <a:p>
-            <a:r>
-              <a:rPr lang="en-GB" dirty="0"/>
-              <a:t>Transport</a:t>
-            </a:r>
-          </a:p>
-          <a:p>
-            <a:r>
-              <a:rPr lang="en-GB" dirty="0"/>
-              <a:t>Internet</a:t>
-            </a:r>
-          </a:p>
-          <a:p>
-            <a:r>
-              <a:rPr lang="en-GB" dirty="0"/>
-              <a:t>Link</a:t>
-            </a:r>
-          </a:p>
-        </p:txBody>
-      </p:sp>
+        </p:nvPicPr>
+        <p:blipFill>
+          <a:blip r:embed="rId3">
+            <a:extLst>
+              <a:ext uri="{28A0092B-C50C-407E-A947-70E740481C1C}">
+                <a14:useLocalDpi xmlns:a14="http://schemas.microsoft.com/office/drawing/2010/main" val="0"/>
+              </a:ext>
+            </a:extLst>
+          </a:blip>
+          <a:stretch>
+            <a:fillRect/>
+          </a:stretch>
+        </p:blipFill>
+        <p:spPr>
+          <a:xfrm>
+            <a:off x="6173757" y="1011641"/>
+            <a:ext cx="5697600" cy="5179302"/>
+          </a:xfrm>
+        </p:spPr>
+      </p:pic>
       <p:sp>
         <p:nvSpPr>
           <p:cNvPr id="5" name="Picture Placeholder 4">
             <a:extLst>
               <a:ext uri="{FF2B5EF4-FFF2-40B4-BE49-F238E27FC236}">
-                <a16:creationId xmlns:a16="http://schemas.microsoft.com/office/drawing/2014/main" id="{F83113A5-36BF-4B6B-86F3-3AEDDD2FCC53}"/>
+                <a16:creationId xmlns:a16="http://schemas.microsoft.com/office/drawing/2014/main" id="{0744174E-CB76-4F64-B9ED-728C47048523}"/>
               </a:ext>
             </a:extLst>
           </p:cNvPr>
@@ -12766,13 +15573,25 @@
     </p:spTree>
     <p:extLst>
       <p:ext uri="{BB962C8B-B14F-4D97-AF65-F5344CB8AC3E}">
-        <p14:creationId xmlns:p14="http://schemas.microsoft.com/office/powerpoint/2010/main" val="3510387482"/>
+        <p14:creationId xmlns:p14="http://schemas.microsoft.com/office/powerpoint/2010/main" val="2001477719"/>
       </p:ext>
     </p:extLst>
   </p:cSld>
   <p:clrMapOvr>
     <a:masterClrMapping/>
   </p:clrMapOvr>
+  <mc:AlternateContent xmlns:mc="http://schemas.openxmlformats.org/markup-compatibility/2006" xmlns:p14="http://schemas.microsoft.com/office/powerpoint/2010/main">
+    <mc:Choice Requires="p14">
+      <p:transition p14:dur="300">
+        <p:fade/>
+      </p:transition>
+    </mc:Choice>
+    <mc:Fallback xmlns="">
+      <p:transition>
+        <p:fade/>
+      </p:transition>
+    </mc:Fallback>
+  </mc:AlternateContent>
 </p:sld>
 </file>
 
@@ -12798,7 +15617,7 @@
           <p:cNvPr id="2" name="Content Placeholder 1">
             <a:extLst>
               <a:ext uri="{FF2B5EF4-FFF2-40B4-BE49-F238E27FC236}">
-                <a16:creationId xmlns:a16="http://schemas.microsoft.com/office/drawing/2014/main" id="{44C5EDFE-5EE7-4743-9CC4-52F180E4B10C}"/>
+                <a16:creationId xmlns:a16="http://schemas.microsoft.com/office/drawing/2014/main" id="{CFC48F10-C31D-42D6-A5E9-0E9F6E036BDB}"/>
               </a:ext>
             </a:extLst>
           </p:cNvPr>
@@ -12816,21 +15635,13 @@
           <a:p>
             <a:r>
               <a:rPr lang="en-GB" dirty="0"/>
-              <a:t>P4</a:t>
+              <a:t>OSI Network Model</a:t>
             </a:r>
           </a:p>
           <a:p>
             <a:r>
               <a:rPr lang="en-GB" dirty="0"/>
-              <a:t>OpenFlow (part of </a:t>
-            </a:r>
-            <a:r>
-              <a:rPr lang="en-GB" dirty="0" err="1"/>
-              <a:t>Mininet</a:t>
-            </a:r>
-            <a:r>
-              <a:rPr lang="en-GB" dirty="0"/>
-              <a:t>)</a:t>
+              <a:t>TCP / IP network stack</a:t>
             </a:r>
           </a:p>
         </p:txBody>
@@ -12840,7 +15651,7 @@
           <p:cNvPr id="3" name="Title 2">
             <a:extLst>
               <a:ext uri="{FF2B5EF4-FFF2-40B4-BE49-F238E27FC236}">
-                <a16:creationId xmlns:a16="http://schemas.microsoft.com/office/drawing/2014/main" id="{6A45536D-05E6-44CD-A6C4-2028E2CAA346}"/>
+                <a16:creationId xmlns:a16="http://schemas.microsoft.com/office/drawing/2014/main" id="{8C31ADC7-1C58-448E-991E-DDA6750912EA}"/>
               </a:ext>
             </a:extLst>
           </p:cNvPr>
@@ -12860,7 +15671,7 @@
           <a:p>
             <a:r>
               <a:rPr lang="en-GB" dirty="0"/>
-              <a:t>Software Defined Networking</a:t>
+              <a:t>Networking Concepts</a:t>
             </a:r>
           </a:p>
         </p:txBody>
@@ -12870,7 +15681,7 @@
           <p:cNvPr id="4" name="Content Placeholder 3">
             <a:extLst>
               <a:ext uri="{FF2B5EF4-FFF2-40B4-BE49-F238E27FC236}">
-                <a16:creationId xmlns:a16="http://schemas.microsoft.com/office/drawing/2014/main" id="{9F80887B-A8B1-44DA-B317-D0E61670807B}"/>
+                <a16:creationId xmlns:a16="http://schemas.microsoft.com/office/drawing/2014/main" id="{DC0D9716-4EB3-42D4-BB47-6DA039578D4B}"/>
               </a:ext>
             </a:extLst>
           </p:cNvPr>
@@ -12881,12 +15692,34 @@
             <p:ph idx="10"/>
           </p:nvPr>
         </p:nvSpPr>
-        <p:spPr/>
-        <p:txBody>
-          <a:bodyPr/>
+        <p:spPr>
+          <a:xfrm>
+            <a:off x="6214186" y="1483567"/>
+            <a:ext cx="3320339" cy="2341896"/>
+          </a:xfrm>
+        </p:spPr>
+        <p:txBody>
+          <a:bodyPr>
+            <a:normAutofit/>
+          </a:bodyPr>
           <a:lstStyle/>
           <a:p>
-            <a:endParaRPr lang="en-GB"/>
+            <a:r>
+              <a:rPr lang="en-GB" sz="1900" dirty="0"/>
+              <a:t>Application</a:t>
+            </a:r>
+          </a:p>
+          <a:p>
+            <a:r>
+              <a:rPr lang="en-GB" sz="1900" dirty="0"/>
+              <a:t>Presentation</a:t>
+            </a:r>
+          </a:p>
+          <a:p>
+            <a:r>
+              <a:rPr lang="en-GB" sz="1900" dirty="0"/>
+              <a:t>Session</a:t>
+            </a:r>
           </a:p>
         </p:txBody>
       </p:sp>
@@ -12895,7 +15728,7 @@
           <p:cNvPr id="5" name="Picture Placeholder 4">
             <a:extLst>
               <a:ext uri="{FF2B5EF4-FFF2-40B4-BE49-F238E27FC236}">
-                <a16:creationId xmlns:a16="http://schemas.microsoft.com/office/drawing/2014/main" id="{AC7CB7C1-77C5-4FE2-BCA5-1C0E41BB9ECD}"/>
+                <a16:creationId xmlns:a16="http://schemas.microsoft.com/office/drawing/2014/main" id="{F83113A5-36BF-4B6B-86F3-3AEDDD2FCC53}"/>
               </a:ext>
             </a:extLst>
           </p:cNvPr>
@@ -12908,16 +15741,1825 @@
         </p:nvSpPr>
         <p:spPr/>
       </p:sp>
+      <p:sp>
+        <p:nvSpPr>
+          <p:cNvPr id="8" name="Content Placeholder 3">
+            <a:extLst>
+              <a:ext uri="{FF2B5EF4-FFF2-40B4-BE49-F238E27FC236}">
+                <a16:creationId xmlns:a16="http://schemas.microsoft.com/office/drawing/2014/main" id="{01A23426-EF75-4862-B564-34FAD5FD21BF}"/>
+              </a:ext>
+            </a:extLst>
+          </p:cNvPr>
+          <p:cNvSpPr txBox="1">
+            <a:spLocks/>
+          </p:cNvSpPr>
+          <p:nvPr/>
+        </p:nvSpPr>
+        <p:spPr>
+          <a:xfrm>
+            <a:off x="6214186" y="3284961"/>
+            <a:ext cx="1782052" cy="666750"/>
+          </a:xfrm>
+          <a:prstGeom prst="rect">
+            <a:avLst/>
+          </a:prstGeom>
+        </p:spPr>
+        <p:txBody>
+          <a:bodyPr vert="horz" lIns="91440" tIns="45720" rIns="91440" bIns="45720" rtlCol="0">
+            <a:normAutofit/>
+          </a:bodyPr>
+          <a:lstStyle>
+            <a:lvl1pPr marL="285750" indent="-285750" algn="l" defTabSz="914400" rtl="0" eaLnBrk="1" latinLnBrk="0" hangingPunct="1">
+              <a:lnSpc>
+                <a:spcPct val="150000"/>
+              </a:lnSpc>
+              <a:spcBef>
+                <a:spcPts val="1300"/>
+              </a:spcBef>
+              <a:buFontTx/>
+              <a:buBlip>
+                <a:blip r:embed="rId2"/>
+              </a:buBlip>
+              <a:defRPr sz="2400" kern="1200">
+                <a:solidFill>
+                  <a:schemeClr val="accent4"/>
+                </a:solidFill>
+                <a:latin typeface="+mn-lt"/>
+                <a:ea typeface="+mn-ea"/>
+                <a:cs typeface="+mn-cs"/>
+              </a:defRPr>
+            </a:lvl1pPr>
+            <a:lvl2pPr marL="290322" indent="-285750" algn="l" defTabSz="914400" rtl="0" eaLnBrk="1" latinLnBrk="0" hangingPunct="1">
+              <a:lnSpc>
+                <a:spcPct val="150000"/>
+              </a:lnSpc>
+              <a:spcBef>
+                <a:spcPts val="600"/>
+              </a:spcBef>
+              <a:buFontTx/>
+              <a:buBlip>
+                <a:blip r:embed="rId2"/>
+              </a:buBlip>
+              <a:defRPr sz="2400" kern="1200">
+                <a:solidFill>
+                  <a:schemeClr val="accent4"/>
+                </a:solidFill>
+                <a:latin typeface="+mn-lt"/>
+                <a:ea typeface="+mn-ea"/>
+                <a:cs typeface="+mn-cs"/>
+              </a:defRPr>
+            </a:lvl2pPr>
+            <a:lvl3pPr marL="285750" indent="-285750" algn="l" defTabSz="914400" rtl="0" eaLnBrk="1" latinLnBrk="0" hangingPunct="1">
+              <a:lnSpc>
+                <a:spcPct val="150000"/>
+              </a:lnSpc>
+              <a:spcBef>
+                <a:spcPts val="600"/>
+              </a:spcBef>
+              <a:buFontTx/>
+              <a:buBlip>
+                <a:blip r:embed="rId2"/>
+              </a:buBlip>
+              <a:defRPr sz="2400" i="1" kern="1200">
+                <a:solidFill>
+                  <a:schemeClr val="accent4"/>
+                </a:solidFill>
+                <a:latin typeface="+mn-lt"/>
+                <a:ea typeface="+mn-ea"/>
+                <a:cs typeface="+mn-cs"/>
+              </a:defRPr>
+            </a:lvl3pPr>
+            <a:lvl4pPr marL="285750" indent="-285750" algn="l" defTabSz="914400" rtl="0" eaLnBrk="1" latinLnBrk="0" hangingPunct="1">
+              <a:lnSpc>
+                <a:spcPct val="150000"/>
+              </a:lnSpc>
+              <a:spcBef>
+                <a:spcPts val="600"/>
+              </a:spcBef>
+              <a:buFontTx/>
+              <a:buBlip>
+                <a:blip r:embed="rId2"/>
+              </a:buBlip>
+              <a:defRPr sz="2400" kern="1200">
+                <a:solidFill>
+                  <a:schemeClr val="accent4"/>
+                </a:solidFill>
+                <a:latin typeface="+mn-lt"/>
+                <a:ea typeface="+mn-ea"/>
+                <a:cs typeface="+mn-cs"/>
+              </a:defRPr>
+            </a:lvl4pPr>
+            <a:lvl5pPr marL="285750" indent="-285750" algn="l" defTabSz="914400" rtl="0" eaLnBrk="1" latinLnBrk="0" hangingPunct="1">
+              <a:lnSpc>
+                <a:spcPct val="150000"/>
+              </a:lnSpc>
+              <a:spcBef>
+                <a:spcPts val="600"/>
+              </a:spcBef>
+              <a:buFontTx/>
+              <a:buBlip>
+                <a:blip r:embed="rId2"/>
+              </a:buBlip>
+              <a:defRPr sz="2400" kern="1200">
+                <a:solidFill>
+                  <a:schemeClr val="accent4"/>
+                </a:solidFill>
+                <a:latin typeface="+mn-lt"/>
+                <a:ea typeface="+mn-ea"/>
+                <a:cs typeface="+mn-cs"/>
+              </a:defRPr>
+            </a:lvl5pPr>
+            <a:lvl6pPr marL="1200000" indent="-228600" algn="l" defTabSz="914400" rtl="0" eaLnBrk="1" latinLnBrk="0" hangingPunct="1">
+              <a:lnSpc>
+                <a:spcPct val="85000"/>
+              </a:lnSpc>
+              <a:spcBef>
+                <a:spcPts val="600"/>
+              </a:spcBef>
+              <a:buFont typeface="Arial" pitchFamily="34" charset="0"/>
+              <a:buChar char=" "/>
+              <a:defRPr sz="1800" kern="1200">
+                <a:solidFill>
+                  <a:schemeClr val="tx1">
+                    <a:lumMod val="85000"/>
+                    <a:lumOff val="15000"/>
+                  </a:schemeClr>
+                </a:solidFill>
+                <a:latin typeface="+mn-lt"/>
+                <a:ea typeface="+mn-ea"/>
+                <a:cs typeface="+mn-cs"/>
+              </a:defRPr>
+            </a:lvl6pPr>
+            <a:lvl7pPr marL="1400000" indent="-228600" algn="l" defTabSz="914400" rtl="0" eaLnBrk="1" latinLnBrk="0" hangingPunct="1">
+              <a:lnSpc>
+                <a:spcPct val="85000"/>
+              </a:lnSpc>
+              <a:spcBef>
+                <a:spcPts val="600"/>
+              </a:spcBef>
+              <a:buFont typeface="Arial" pitchFamily="34" charset="0"/>
+              <a:buChar char=" "/>
+              <a:defRPr sz="1800" kern="1200">
+                <a:solidFill>
+                  <a:schemeClr val="tx1">
+                    <a:lumMod val="85000"/>
+                    <a:lumOff val="15000"/>
+                  </a:schemeClr>
+                </a:solidFill>
+                <a:latin typeface="+mn-lt"/>
+                <a:ea typeface="+mn-ea"/>
+                <a:cs typeface="+mn-cs"/>
+              </a:defRPr>
+            </a:lvl7pPr>
+            <a:lvl8pPr marL="1600000" indent="-228600" algn="l" defTabSz="914400" rtl="0" eaLnBrk="1" latinLnBrk="0" hangingPunct="1">
+              <a:lnSpc>
+                <a:spcPct val="85000"/>
+              </a:lnSpc>
+              <a:spcBef>
+                <a:spcPts val="600"/>
+              </a:spcBef>
+              <a:buFont typeface="Arial" pitchFamily="34" charset="0"/>
+              <a:buChar char=" "/>
+              <a:defRPr sz="1800" kern="1200">
+                <a:solidFill>
+                  <a:schemeClr val="tx1">
+                    <a:lumMod val="85000"/>
+                    <a:lumOff val="15000"/>
+                  </a:schemeClr>
+                </a:solidFill>
+                <a:latin typeface="+mn-lt"/>
+                <a:ea typeface="+mn-ea"/>
+                <a:cs typeface="+mn-cs"/>
+              </a:defRPr>
+            </a:lvl8pPr>
+            <a:lvl9pPr marL="1800000" indent="-228600" algn="l" defTabSz="914400" rtl="0" eaLnBrk="1" latinLnBrk="0" hangingPunct="1">
+              <a:lnSpc>
+                <a:spcPct val="85000"/>
+              </a:lnSpc>
+              <a:spcBef>
+                <a:spcPts val="600"/>
+              </a:spcBef>
+              <a:buFont typeface="Arial" pitchFamily="34" charset="0"/>
+              <a:buChar char=" "/>
+              <a:defRPr sz="1800" kern="1200">
+                <a:solidFill>
+                  <a:schemeClr val="tx1">
+                    <a:lumMod val="85000"/>
+                    <a:lumOff val="15000"/>
+                  </a:schemeClr>
+                </a:solidFill>
+                <a:latin typeface="+mn-lt"/>
+                <a:ea typeface="+mn-ea"/>
+                <a:cs typeface="+mn-cs"/>
+              </a:defRPr>
+            </a:lvl9pPr>
+          </a:lstStyle>
+          <a:p>
+            <a:r>
+              <a:rPr lang="en-GB" sz="1900" dirty="0">
+                <a:solidFill>
+                  <a:schemeClr val="bg2"/>
+                </a:solidFill>
+              </a:rPr>
+              <a:t>Transport</a:t>
+            </a:r>
+          </a:p>
+        </p:txBody>
+      </p:sp>
+      <p:sp>
+        <p:nvSpPr>
+          <p:cNvPr id="9" name="Content Placeholder 3">
+            <a:extLst>
+              <a:ext uri="{FF2B5EF4-FFF2-40B4-BE49-F238E27FC236}">
+                <a16:creationId xmlns:a16="http://schemas.microsoft.com/office/drawing/2014/main" id="{8877C69F-F503-4421-BC47-D4F8BFBCEE6B}"/>
+              </a:ext>
+            </a:extLst>
+          </p:cNvPr>
+          <p:cNvSpPr txBox="1">
+            <a:spLocks/>
+          </p:cNvSpPr>
+          <p:nvPr/>
+        </p:nvSpPr>
+        <p:spPr>
+          <a:xfrm>
+            <a:off x="6214185" y="3893298"/>
+            <a:ext cx="2539289" cy="666750"/>
+          </a:xfrm>
+          <a:prstGeom prst="rect">
+            <a:avLst/>
+          </a:prstGeom>
+        </p:spPr>
+        <p:txBody>
+          <a:bodyPr vert="horz" lIns="91440" tIns="45720" rIns="91440" bIns="45720" rtlCol="0">
+            <a:normAutofit/>
+          </a:bodyPr>
+          <a:lstStyle>
+            <a:lvl1pPr marL="285750" indent="-285750" algn="l" defTabSz="914400" rtl="0" eaLnBrk="1" latinLnBrk="0" hangingPunct="1">
+              <a:lnSpc>
+                <a:spcPct val="150000"/>
+              </a:lnSpc>
+              <a:spcBef>
+                <a:spcPts val="1300"/>
+              </a:spcBef>
+              <a:buFontTx/>
+              <a:buBlip>
+                <a:blip r:embed="rId2"/>
+              </a:buBlip>
+              <a:defRPr sz="2400" kern="1200">
+                <a:solidFill>
+                  <a:schemeClr val="accent4"/>
+                </a:solidFill>
+                <a:latin typeface="+mn-lt"/>
+                <a:ea typeface="+mn-ea"/>
+                <a:cs typeface="+mn-cs"/>
+              </a:defRPr>
+            </a:lvl1pPr>
+            <a:lvl2pPr marL="290322" indent="-285750" algn="l" defTabSz="914400" rtl="0" eaLnBrk="1" latinLnBrk="0" hangingPunct="1">
+              <a:lnSpc>
+                <a:spcPct val="150000"/>
+              </a:lnSpc>
+              <a:spcBef>
+                <a:spcPts val="600"/>
+              </a:spcBef>
+              <a:buFontTx/>
+              <a:buBlip>
+                <a:blip r:embed="rId2"/>
+              </a:buBlip>
+              <a:defRPr sz="2400" kern="1200">
+                <a:solidFill>
+                  <a:schemeClr val="accent4"/>
+                </a:solidFill>
+                <a:latin typeface="+mn-lt"/>
+                <a:ea typeface="+mn-ea"/>
+                <a:cs typeface="+mn-cs"/>
+              </a:defRPr>
+            </a:lvl2pPr>
+            <a:lvl3pPr marL="285750" indent="-285750" algn="l" defTabSz="914400" rtl="0" eaLnBrk="1" latinLnBrk="0" hangingPunct="1">
+              <a:lnSpc>
+                <a:spcPct val="150000"/>
+              </a:lnSpc>
+              <a:spcBef>
+                <a:spcPts val="600"/>
+              </a:spcBef>
+              <a:buFontTx/>
+              <a:buBlip>
+                <a:blip r:embed="rId2"/>
+              </a:buBlip>
+              <a:defRPr sz="2400" i="1" kern="1200">
+                <a:solidFill>
+                  <a:schemeClr val="accent4"/>
+                </a:solidFill>
+                <a:latin typeface="+mn-lt"/>
+                <a:ea typeface="+mn-ea"/>
+                <a:cs typeface="+mn-cs"/>
+              </a:defRPr>
+            </a:lvl3pPr>
+            <a:lvl4pPr marL="285750" indent="-285750" algn="l" defTabSz="914400" rtl="0" eaLnBrk="1" latinLnBrk="0" hangingPunct="1">
+              <a:lnSpc>
+                <a:spcPct val="150000"/>
+              </a:lnSpc>
+              <a:spcBef>
+                <a:spcPts val="600"/>
+              </a:spcBef>
+              <a:buFontTx/>
+              <a:buBlip>
+                <a:blip r:embed="rId2"/>
+              </a:buBlip>
+              <a:defRPr sz="2400" kern="1200">
+                <a:solidFill>
+                  <a:schemeClr val="accent4"/>
+                </a:solidFill>
+                <a:latin typeface="+mn-lt"/>
+                <a:ea typeface="+mn-ea"/>
+                <a:cs typeface="+mn-cs"/>
+              </a:defRPr>
+            </a:lvl4pPr>
+            <a:lvl5pPr marL="285750" indent="-285750" algn="l" defTabSz="914400" rtl="0" eaLnBrk="1" latinLnBrk="0" hangingPunct="1">
+              <a:lnSpc>
+                <a:spcPct val="150000"/>
+              </a:lnSpc>
+              <a:spcBef>
+                <a:spcPts val="600"/>
+              </a:spcBef>
+              <a:buFontTx/>
+              <a:buBlip>
+                <a:blip r:embed="rId2"/>
+              </a:buBlip>
+              <a:defRPr sz="2400" kern="1200">
+                <a:solidFill>
+                  <a:schemeClr val="accent4"/>
+                </a:solidFill>
+                <a:latin typeface="+mn-lt"/>
+                <a:ea typeface="+mn-ea"/>
+                <a:cs typeface="+mn-cs"/>
+              </a:defRPr>
+            </a:lvl5pPr>
+            <a:lvl6pPr marL="1200000" indent="-228600" algn="l" defTabSz="914400" rtl="0" eaLnBrk="1" latinLnBrk="0" hangingPunct="1">
+              <a:lnSpc>
+                <a:spcPct val="85000"/>
+              </a:lnSpc>
+              <a:spcBef>
+                <a:spcPts val="600"/>
+              </a:spcBef>
+              <a:buFont typeface="Arial" pitchFamily="34" charset="0"/>
+              <a:buChar char=" "/>
+              <a:defRPr sz="1800" kern="1200">
+                <a:solidFill>
+                  <a:schemeClr val="tx1">
+                    <a:lumMod val="85000"/>
+                    <a:lumOff val="15000"/>
+                  </a:schemeClr>
+                </a:solidFill>
+                <a:latin typeface="+mn-lt"/>
+                <a:ea typeface="+mn-ea"/>
+                <a:cs typeface="+mn-cs"/>
+              </a:defRPr>
+            </a:lvl6pPr>
+            <a:lvl7pPr marL="1400000" indent="-228600" algn="l" defTabSz="914400" rtl="0" eaLnBrk="1" latinLnBrk="0" hangingPunct="1">
+              <a:lnSpc>
+                <a:spcPct val="85000"/>
+              </a:lnSpc>
+              <a:spcBef>
+                <a:spcPts val="600"/>
+              </a:spcBef>
+              <a:buFont typeface="Arial" pitchFamily="34" charset="0"/>
+              <a:buChar char=" "/>
+              <a:defRPr sz="1800" kern="1200">
+                <a:solidFill>
+                  <a:schemeClr val="tx1">
+                    <a:lumMod val="85000"/>
+                    <a:lumOff val="15000"/>
+                  </a:schemeClr>
+                </a:solidFill>
+                <a:latin typeface="+mn-lt"/>
+                <a:ea typeface="+mn-ea"/>
+                <a:cs typeface="+mn-cs"/>
+              </a:defRPr>
+            </a:lvl7pPr>
+            <a:lvl8pPr marL="1600000" indent="-228600" algn="l" defTabSz="914400" rtl="0" eaLnBrk="1" latinLnBrk="0" hangingPunct="1">
+              <a:lnSpc>
+                <a:spcPct val="85000"/>
+              </a:lnSpc>
+              <a:spcBef>
+                <a:spcPts val="600"/>
+              </a:spcBef>
+              <a:buFont typeface="Arial" pitchFamily="34" charset="0"/>
+              <a:buChar char=" "/>
+              <a:defRPr sz="1800" kern="1200">
+                <a:solidFill>
+                  <a:schemeClr val="tx1">
+                    <a:lumMod val="85000"/>
+                    <a:lumOff val="15000"/>
+                  </a:schemeClr>
+                </a:solidFill>
+                <a:latin typeface="+mn-lt"/>
+                <a:ea typeface="+mn-ea"/>
+                <a:cs typeface="+mn-cs"/>
+              </a:defRPr>
+            </a:lvl8pPr>
+            <a:lvl9pPr marL="1800000" indent="-228600" algn="l" defTabSz="914400" rtl="0" eaLnBrk="1" latinLnBrk="0" hangingPunct="1">
+              <a:lnSpc>
+                <a:spcPct val="85000"/>
+              </a:lnSpc>
+              <a:spcBef>
+                <a:spcPts val="600"/>
+              </a:spcBef>
+              <a:buFont typeface="Arial" pitchFamily="34" charset="0"/>
+              <a:buChar char=" "/>
+              <a:defRPr sz="1800" kern="1200">
+                <a:solidFill>
+                  <a:schemeClr val="tx1">
+                    <a:lumMod val="85000"/>
+                    <a:lumOff val="15000"/>
+                  </a:schemeClr>
+                </a:solidFill>
+                <a:latin typeface="+mn-lt"/>
+                <a:ea typeface="+mn-ea"/>
+                <a:cs typeface="+mn-cs"/>
+              </a:defRPr>
+            </a:lvl9pPr>
+          </a:lstStyle>
+          <a:p>
+            <a:r>
+              <a:rPr lang="en-GB" sz="1900" dirty="0">
+                <a:solidFill>
+                  <a:schemeClr val="bg2"/>
+                </a:solidFill>
+              </a:rPr>
+              <a:t>Network</a:t>
+            </a:r>
+          </a:p>
+        </p:txBody>
+      </p:sp>
+      <p:sp>
+        <p:nvSpPr>
+          <p:cNvPr id="10" name="Content Placeholder 3">
+            <a:extLst>
+              <a:ext uri="{FF2B5EF4-FFF2-40B4-BE49-F238E27FC236}">
+                <a16:creationId xmlns:a16="http://schemas.microsoft.com/office/drawing/2014/main" id="{75A6D5B0-3BDC-494F-A844-F40640DD18FD}"/>
+              </a:ext>
+            </a:extLst>
+          </p:cNvPr>
+          <p:cNvSpPr txBox="1">
+            <a:spLocks/>
+          </p:cNvSpPr>
+          <p:nvPr/>
+        </p:nvSpPr>
+        <p:spPr>
+          <a:xfrm>
+            <a:off x="6214183" y="4491000"/>
+            <a:ext cx="1520113" cy="588800"/>
+          </a:xfrm>
+          <a:prstGeom prst="rect">
+            <a:avLst/>
+          </a:prstGeom>
+        </p:spPr>
+        <p:txBody>
+          <a:bodyPr vert="horz" lIns="91440" tIns="45720" rIns="91440" bIns="45720" rtlCol="0">
+            <a:normAutofit/>
+          </a:bodyPr>
+          <a:lstStyle>
+            <a:lvl1pPr marL="285750" indent="-285750" algn="l" defTabSz="914400" rtl="0" eaLnBrk="1" latinLnBrk="0" hangingPunct="1">
+              <a:lnSpc>
+                <a:spcPct val="150000"/>
+              </a:lnSpc>
+              <a:spcBef>
+                <a:spcPts val="1300"/>
+              </a:spcBef>
+              <a:buFontTx/>
+              <a:buBlip>
+                <a:blip r:embed="rId2"/>
+              </a:buBlip>
+              <a:defRPr sz="2400" kern="1200">
+                <a:solidFill>
+                  <a:schemeClr val="accent4"/>
+                </a:solidFill>
+                <a:latin typeface="+mn-lt"/>
+                <a:ea typeface="+mn-ea"/>
+                <a:cs typeface="+mn-cs"/>
+              </a:defRPr>
+            </a:lvl1pPr>
+            <a:lvl2pPr marL="290322" indent="-285750" algn="l" defTabSz="914400" rtl="0" eaLnBrk="1" latinLnBrk="0" hangingPunct="1">
+              <a:lnSpc>
+                <a:spcPct val="150000"/>
+              </a:lnSpc>
+              <a:spcBef>
+                <a:spcPts val="600"/>
+              </a:spcBef>
+              <a:buFontTx/>
+              <a:buBlip>
+                <a:blip r:embed="rId2"/>
+              </a:buBlip>
+              <a:defRPr sz="2400" kern="1200">
+                <a:solidFill>
+                  <a:schemeClr val="accent4"/>
+                </a:solidFill>
+                <a:latin typeface="+mn-lt"/>
+                <a:ea typeface="+mn-ea"/>
+                <a:cs typeface="+mn-cs"/>
+              </a:defRPr>
+            </a:lvl2pPr>
+            <a:lvl3pPr marL="285750" indent="-285750" algn="l" defTabSz="914400" rtl="0" eaLnBrk="1" latinLnBrk="0" hangingPunct="1">
+              <a:lnSpc>
+                <a:spcPct val="150000"/>
+              </a:lnSpc>
+              <a:spcBef>
+                <a:spcPts val="600"/>
+              </a:spcBef>
+              <a:buFontTx/>
+              <a:buBlip>
+                <a:blip r:embed="rId2"/>
+              </a:buBlip>
+              <a:defRPr sz="2400" i="1" kern="1200">
+                <a:solidFill>
+                  <a:schemeClr val="accent4"/>
+                </a:solidFill>
+                <a:latin typeface="+mn-lt"/>
+                <a:ea typeface="+mn-ea"/>
+                <a:cs typeface="+mn-cs"/>
+              </a:defRPr>
+            </a:lvl3pPr>
+            <a:lvl4pPr marL="285750" indent="-285750" algn="l" defTabSz="914400" rtl="0" eaLnBrk="1" latinLnBrk="0" hangingPunct="1">
+              <a:lnSpc>
+                <a:spcPct val="150000"/>
+              </a:lnSpc>
+              <a:spcBef>
+                <a:spcPts val="600"/>
+              </a:spcBef>
+              <a:buFontTx/>
+              <a:buBlip>
+                <a:blip r:embed="rId2"/>
+              </a:buBlip>
+              <a:defRPr sz="2400" kern="1200">
+                <a:solidFill>
+                  <a:schemeClr val="accent4"/>
+                </a:solidFill>
+                <a:latin typeface="+mn-lt"/>
+                <a:ea typeface="+mn-ea"/>
+                <a:cs typeface="+mn-cs"/>
+              </a:defRPr>
+            </a:lvl4pPr>
+            <a:lvl5pPr marL="285750" indent="-285750" algn="l" defTabSz="914400" rtl="0" eaLnBrk="1" latinLnBrk="0" hangingPunct="1">
+              <a:lnSpc>
+                <a:spcPct val="150000"/>
+              </a:lnSpc>
+              <a:spcBef>
+                <a:spcPts val="600"/>
+              </a:spcBef>
+              <a:buFontTx/>
+              <a:buBlip>
+                <a:blip r:embed="rId2"/>
+              </a:buBlip>
+              <a:defRPr sz="2400" kern="1200">
+                <a:solidFill>
+                  <a:schemeClr val="accent4"/>
+                </a:solidFill>
+                <a:latin typeface="+mn-lt"/>
+                <a:ea typeface="+mn-ea"/>
+                <a:cs typeface="+mn-cs"/>
+              </a:defRPr>
+            </a:lvl5pPr>
+            <a:lvl6pPr marL="1200000" indent="-228600" algn="l" defTabSz="914400" rtl="0" eaLnBrk="1" latinLnBrk="0" hangingPunct="1">
+              <a:lnSpc>
+                <a:spcPct val="85000"/>
+              </a:lnSpc>
+              <a:spcBef>
+                <a:spcPts val="600"/>
+              </a:spcBef>
+              <a:buFont typeface="Arial" pitchFamily="34" charset="0"/>
+              <a:buChar char=" "/>
+              <a:defRPr sz="1800" kern="1200">
+                <a:solidFill>
+                  <a:schemeClr val="tx1">
+                    <a:lumMod val="85000"/>
+                    <a:lumOff val="15000"/>
+                  </a:schemeClr>
+                </a:solidFill>
+                <a:latin typeface="+mn-lt"/>
+                <a:ea typeface="+mn-ea"/>
+                <a:cs typeface="+mn-cs"/>
+              </a:defRPr>
+            </a:lvl6pPr>
+            <a:lvl7pPr marL="1400000" indent="-228600" algn="l" defTabSz="914400" rtl="0" eaLnBrk="1" latinLnBrk="0" hangingPunct="1">
+              <a:lnSpc>
+                <a:spcPct val="85000"/>
+              </a:lnSpc>
+              <a:spcBef>
+                <a:spcPts val="600"/>
+              </a:spcBef>
+              <a:buFont typeface="Arial" pitchFamily="34" charset="0"/>
+              <a:buChar char=" "/>
+              <a:defRPr sz="1800" kern="1200">
+                <a:solidFill>
+                  <a:schemeClr val="tx1">
+                    <a:lumMod val="85000"/>
+                    <a:lumOff val="15000"/>
+                  </a:schemeClr>
+                </a:solidFill>
+                <a:latin typeface="+mn-lt"/>
+                <a:ea typeface="+mn-ea"/>
+                <a:cs typeface="+mn-cs"/>
+              </a:defRPr>
+            </a:lvl7pPr>
+            <a:lvl8pPr marL="1600000" indent="-228600" algn="l" defTabSz="914400" rtl="0" eaLnBrk="1" latinLnBrk="0" hangingPunct="1">
+              <a:lnSpc>
+                <a:spcPct val="85000"/>
+              </a:lnSpc>
+              <a:spcBef>
+                <a:spcPts val="600"/>
+              </a:spcBef>
+              <a:buFont typeface="Arial" pitchFamily="34" charset="0"/>
+              <a:buChar char=" "/>
+              <a:defRPr sz="1800" kern="1200">
+                <a:solidFill>
+                  <a:schemeClr val="tx1">
+                    <a:lumMod val="85000"/>
+                    <a:lumOff val="15000"/>
+                  </a:schemeClr>
+                </a:solidFill>
+                <a:latin typeface="+mn-lt"/>
+                <a:ea typeface="+mn-ea"/>
+                <a:cs typeface="+mn-cs"/>
+              </a:defRPr>
+            </a:lvl8pPr>
+            <a:lvl9pPr marL="1800000" indent="-228600" algn="l" defTabSz="914400" rtl="0" eaLnBrk="1" latinLnBrk="0" hangingPunct="1">
+              <a:lnSpc>
+                <a:spcPct val="85000"/>
+              </a:lnSpc>
+              <a:spcBef>
+                <a:spcPts val="600"/>
+              </a:spcBef>
+              <a:buFont typeface="Arial" pitchFamily="34" charset="0"/>
+              <a:buChar char=" "/>
+              <a:defRPr sz="1800" kern="1200">
+                <a:solidFill>
+                  <a:schemeClr val="tx1">
+                    <a:lumMod val="85000"/>
+                    <a:lumOff val="15000"/>
+                  </a:schemeClr>
+                </a:solidFill>
+                <a:latin typeface="+mn-lt"/>
+                <a:ea typeface="+mn-ea"/>
+                <a:cs typeface="+mn-cs"/>
+              </a:defRPr>
+            </a:lvl9pPr>
+          </a:lstStyle>
+          <a:p>
+            <a:r>
+              <a:rPr lang="en-GB" sz="1900" dirty="0"/>
+              <a:t>Link</a:t>
+            </a:r>
+          </a:p>
+        </p:txBody>
+      </p:sp>
+      <p:sp>
+        <p:nvSpPr>
+          <p:cNvPr id="11" name="Content Placeholder 3">
+            <a:extLst>
+              <a:ext uri="{FF2B5EF4-FFF2-40B4-BE49-F238E27FC236}">
+                <a16:creationId xmlns:a16="http://schemas.microsoft.com/office/drawing/2014/main" id="{81F37412-471D-48A7-B0D8-5D03883EC6FF}"/>
+              </a:ext>
+            </a:extLst>
+          </p:cNvPr>
+          <p:cNvSpPr txBox="1">
+            <a:spLocks/>
+          </p:cNvSpPr>
+          <p:nvPr/>
+        </p:nvSpPr>
+        <p:spPr>
+          <a:xfrm>
+            <a:off x="6214184" y="3893297"/>
+            <a:ext cx="2539289" cy="1154953"/>
+          </a:xfrm>
+          <a:prstGeom prst="rect">
+            <a:avLst/>
+          </a:prstGeom>
+        </p:spPr>
+        <p:txBody>
+          <a:bodyPr vert="horz" lIns="91440" tIns="45720" rIns="91440" bIns="45720" rtlCol="0">
+            <a:normAutofit/>
+          </a:bodyPr>
+          <a:lstStyle>
+            <a:lvl1pPr marL="285750" indent="-285750" algn="l" defTabSz="914400" rtl="0" eaLnBrk="1" latinLnBrk="0" hangingPunct="1">
+              <a:lnSpc>
+                <a:spcPct val="150000"/>
+              </a:lnSpc>
+              <a:spcBef>
+                <a:spcPts val="1300"/>
+              </a:spcBef>
+              <a:buFontTx/>
+              <a:buBlip>
+                <a:blip r:embed="rId2"/>
+              </a:buBlip>
+              <a:defRPr sz="2400" kern="1200">
+                <a:solidFill>
+                  <a:schemeClr val="accent4"/>
+                </a:solidFill>
+                <a:latin typeface="+mn-lt"/>
+                <a:ea typeface="+mn-ea"/>
+                <a:cs typeface="+mn-cs"/>
+              </a:defRPr>
+            </a:lvl1pPr>
+            <a:lvl2pPr marL="290322" indent="-285750" algn="l" defTabSz="914400" rtl="0" eaLnBrk="1" latinLnBrk="0" hangingPunct="1">
+              <a:lnSpc>
+                <a:spcPct val="150000"/>
+              </a:lnSpc>
+              <a:spcBef>
+                <a:spcPts val="600"/>
+              </a:spcBef>
+              <a:buFontTx/>
+              <a:buBlip>
+                <a:blip r:embed="rId2"/>
+              </a:buBlip>
+              <a:defRPr sz="2400" kern="1200">
+                <a:solidFill>
+                  <a:schemeClr val="accent4"/>
+                </a:solidFill>
+                <a:latin typeface="+mn-lt"/>
+                <a:ea typeface="+mn-ea"/>
+                <a:cs typeface="+mn-cs"/>
+              </a:defRPr>
+            </a:lvl2pPr>
+            <a:lvl3pPr marL="285750" indent="-285750" algn="l" defTabSz="914400" rtl="0" eaLnBrk="1" latinLnBrk="0" hangingPunct="1">
+              <a:lnSpc>
+                <a:spcPct val="150000"/>
+              </a:lnSpc>
+              <a:spcBef>
+                <a:spcPts val="600"/>
+              </a:spcBef>
+              <a:buFontTx/>
+              <a:buBlip>
+                <a:blip r:embed="rId2"/>
+              </a:buBlip>
+              <a:defRPr sz="2400" i="1" kern="1200">
+                <a:solidFill>
+                  <a:schemeClr val="accent4"/>
+                </a:solidFill>
+                <a:latin typeface="+mn-lt"/>
+                <a:ea typeface="+mn-ea"/>
+                <a:cs typeface="+mn-cs"/>
+              </a:defRPr>
+            </a:lvl3pPr>
+            <a:lvl4pPr marL="285750" indent="-285750" algn="l" defTabSz="914400" rtl="0" eaLnBrk="1" latinLnBrk="0" hangingPunct="1">
+              <a:lnSpc>
+                <a:spcPct val="150000"/>
+              </a:lnSpc>
+              <a:spcBef>
+                <a:spcPts val="600"/>
+              </a:spcBef>
+              <a:buFontTx/>
+              <a:buBlip>
+                <a:blip r:embed="rId2"/>
+              </a:buBlip>
+              <a:defRPr sz="2400" kern="1200">
+                <a:solidFill>
+                  <a:schemeClr val="accent4"/>
+                </a:solidFill>
+                <a:latin typeface="+mn-lt"/>
+                <a:ea typeface="+mn-ea"/>
+                <a:cs typeface="+mn-cs"/>
+              </a:defRPr>
+            </a:lvl4pPr>
+            <a:lvl5pPr marL="285750" indent="-285750" algn="l" defTabSz="914400" rtl="0" eaLnBrk="1" latinLnBrk="0" hangingPunct="1">
+              <a:lnSpc>
+                <a:spcPct val="150000"/>
+              </a:lnSpc>
+              <a:spcBef>
+                <a:spcPts val="600"/>
+              </a:spcBef>
+              <a:buFontTx/>
+              <a:buBlip>
+                <a:blip r:embed="rId2"/>
+              </a:buBlip>
+              <a:defRPr sz="2400" kern="1200">
+                <a:solidFill>
+                  <a:schemeClr val="accent4"/>
+                </a:solidFill>
+                <a:latin typeface="+mn-lt"/>
+                <a:ea typeface="+mn-ea"/>
+                <a:cs typeface="+mn-cs"/>
+              </a:defRPr>
+            </a:lvl5pPr>
+            <a:lvl6pPr marL="1200000" indent="-228600" algn="l" defTabSz="914400" rtl="0" eaLnBrk="1" latinLnBrk="0" hangingPunct="1">
+              <a:lnSpc>
+                <a:spcPct val="85000"/>
+              </a:lnSpc>
+              <a:spcBef>
+                <a:spcPts val="600"/>
+              </a:spcBef>
+              <a:buFont typeface="Arial" pitchFamily="34" charset="0"/>
+              <a:buChar char=" "/>
+              <a:defRPr sz="1800" kern="1200">
+                <a:solidFill>
+                  <a:schemeClr val="tx1">
+                    <a:lumMod val="85000"/>
+                    <a:lumOff val="15000"/>
+                  </a:schemeClr>
+                </a:solidFill>
+                <a:latin typeface="+mn-lt"/>
+                <a:ea typeface="+mn-ea"/>
+                <a:cs typeface="+mn-cs"/>
+              </a:defRPr>
+            </a:lvl6pPr>
+            <a:lvl7pPr marL="1400000" indent="-228600" algn="l" defTabSz="914400" rtl="0" eaLnBrk="1" latinLnBrk="0" hangingPunct="1">
+              <a:lnSpc>
+                <a:spcPct val="85000"/>
+              </a:lnSpc>
+              <a:spcBef>
+                <a:spcPts val="600"/>
+              </a:spcBef>
+              <a:buFont typeface="Arial" pitchFamily="34" charset="0"/>
+              <a:buChar char=" "/>
+              <a:defRPr sz="1800" kern="1200">
+                <a:solidFill>
+                  <a:schemeClr val="tx1">
+                    <a:lumMod val="85000"/>
+                    <a:lumOff val="15000"/>
+                  </a:schemeClr>
+                </a:solidFill>
+                <a:latin typeface="+mn-lt"/>
+                <a:ea typeface="+mn-ea"/>
+                <a:cs typeface="+mn-cs"/>
+              </a:defRPr>
+            </a:lvl7pPr>
+            <a:lvl8pPr marL="1600000" indent="-228600" algn="l" defTabSz="914400" rtl="0" eaLnBrk="1" latinLnBrk="0" hangingPunct="1">
+              <a:lnSpc>
+                <a:spcPct val="85000"/>
+              </a:lnSpc>
+              <a:spcBef>
+                <a:spcPts val="600"/>
+              </a:spcBef>
+              <a:buFont typeface="Arial" pitchFamily="34" charset="0"/>
+              <a:buChar char=" "/>
+              <a:defRPr sz="1800" kern="1200">
+                <a:solidFill>
+                  <a:schemeClr val="tx1">
+                    <a:lumMod val="85000"/>
+                    <a:lumOff val="15000"/>
+                  </a:schemeClr>
+                </a:solidFill>
+                <a:latin typeface="+mn-lt"/>
+                <a:ea typeface="+mn-ea"/>
+                <a:cs typeface="+mn-cs"/>
+              </a:defRPr>
+            </a:lvl8pPr>
+            <a:lvl9pPr marL="1800000" indent="-228600" algn="l" defTabSz="914400" rtl="0" eaLnBrk="1" latinLnBrk="0" hangingPunct="1">
+              <a:lnSpc>
+                <a:spcPct val="85000"/>
+              </a:lnSpc>
+              <a:spcBef>
+                <a:spcPts val="600"/>
+              </a:spcBef>
+              <a:buFont typeface="Arial" pitchFamily="34" charset="0"/>
+              <a:buChar char=" "/>
+              <a:defRPr sz="1800" kern="1200">
+                <a:solidFill>
+                  <a:schemeClr val="tx1">
+                    <a:lumMod val="85000"/>
+                    <a:lumOff val="15000"/>
+                  </a:schemeClr>
+                </a:solidFill>
+                <a:latin typeface="+mn-lt"/>
+                <a:ea typeface="+mn-ea"/>
+                <a:cs typeface="+mn-cs"/>
+              </a:defRPr>
+            </a:lvl9pPr>
+          </a:lstStyle>
+          <a:p>
+            <a:r>
+              <a:rPr lang="en-GB" sz="1900" dirty="0">
+                <a:solidFill>
+                  <a:schemeClr val="bg2"/>
+                </a:solidFill>
+              </a:rPr>
+              <a:t>Internet</a:t>
+            </a:r>
+          </a:p>
+        </p:txBody>
+      </p:sp>
+      <p:sp>
+        <p:nvSpPr>
+          <p:cNvPr id="12" name="Content Placeholder 3">
+            <a:extLst>
+              <a:ext uri="{FF2B5EF4-FFF2-40B4-BE49-F238E27FC236}">
+                <a16:creationId xmlns:a16="http://schemas.microsoft.com/office/drawing/2014/main" id="{D2F49CAF-10BB-4E9D-A3D4-A1A51C2AC780}"/>
+              </a:ext>
+            </a:extLst>
+          </p:cNvPr>
+          <p:cNvSpPr txBox="1">
+            <a:spLocks/>
+          </p:cNvSpPr>
+          <p:nvPr/>
+        </p:nvSpPr>
+        <p:spPr>
+          <a:xfrm>
+            <a:off x="6214182" y="5097295"/>
+            <a:ext cx="1446733" cy="588801"/>
+          </a:xfrm>
+          <a:prstGeom prst="rect">
+            <a:avLst/>
+          </a:prstGeom>
+        </p:spPr>
+        <p:txBody>
+          <a:bodyPr vert="horz" lIns="91440" tIns="45720" rIns="91440" bIns="45720" rtlCol="0">
+            <a:normAutofit/>
+          </a:bodyPr>
+          <a:lstStyle>
+            <a:lvl1pPr marL="285750" indent="-285750" algn="l" defTabSz="914400" rtl="0" eaLnBrk="1" latinLnBrk="0" hangingPunct="1">
+              <a:lnSpc>
+                <a:spcPct val="150000"/>
+              </a:lnSpc>
+              <a:spcBef>
+                <a:spcPts val="1300"/>
+              </a:spcBef>
+              <a:buFontTx/>
+              <a:buBlip>
+                <a:blip r:embed="rId2"/>
+              </a:buBlip>
+              <a:defRPr sz="2400" kern="1200">
+                <a:solidFill>
+                  <a:schemeClr val="accent4"/>
+                </a:solidFill>
+                <a:latin typeface="+mn-lt"/>
+                <a:ea typeface="+mn-ea"/>
+                <a:cs typeface="+mn-cs"/>
+              </a:defRPr>
+            </a:lvl1pPr>
+            <a:lvl2pPr marL="290322" indent="-285750" algn="l" defTabSz="914400" rtl="0" eaLnBrk="1" latinLnBrk="0" hangingPunct="1">
+              <a:lnSpc>
+                <a:spcPct val="150000"/>
+              </a:lnSpc>
+              <a:spcBef>
+                <a:spcPts val="600"/>
+              </a:spcBef>
+              <a:buFontTx/>
+              <a:buBlip>
+                <a:blip r:embed="rId2"/>
+              </a:buBlip>
+              <a:defRPr sz="2400" kern="1200">
+                <a:solidFill>
+                  <a:schemeClr val="accent4"/>
+                </a:solidFill>
+                <a:latin typeface="+mn-lt"/>
+                <a:ea typeface="+mn-ea"/>
+                <a:cs typeface="+mn-cs"/>
+              </a:defRPr>
+            </a:lvl2pPr>
+            <a:lvl3pPr marL="285750" indent="-285750" algn="l" defTabSz="914400" rtl="0" eaLnBrk="1" latinLnBrk="0" hangingPunct="1">
+              <a:lnSpc>
+                <a:spcPct val="150000"/>
+              </a:lnSpc>
+              <a:spcBef>
+                <a:spcPts val="600"/>
+              </a:spcBef>
+              <a:buFontTx/>
+              <a:buBlip>
+                <a:blip r:embed="rId2"/>
+              </a:buBlip>
+              <a:defRPr sz="2400" i="1" kern="1200">
+                <a:solidFill>
+                  <a:schemeClr val="accent4"/>
+                </a:solidFill>
+                <a:latin typeface="+mn-lt"/>
+                <a:ea typeface="+mn-ea"/>
+                <a:cs typeface="+mn-cs"/>
+              </a:defRPr>
+            </a:lvl3pPr>
+            <a:lvl4pPr marL="285750" indent="-285750" algn="l" defTabSz="914400" rtl="0" eaLnBrk="1" latinLnBrk="0" hangingPunct="1">
+              <a:lnSpc>
+                <a:spcPct val="150000"/>
+              </a:lnSpc>
+              <a:spcBef>
+                <a:spcPts val="600"/>
+              </a:spcBef>
+              <a:buFontTx/>
+              <a:buBlip>
+                <a:blip r:embed="rId2"/>
+              </a:buBlip>
+              <a:defRPr sz="2400" kern="1200">
+                <a:solidFill>
+                  <a:schemeClr val="accent4"/>
+                </a:solidFill>
+                <a:latin typeface="+mn-lt"/>
+                <a:ea typeface="+mn-ea"/>
+                <a:cs typeface="+mn-cs"/>
+              </a:defRPr>
+            </a:lvl4pPr>
+            <a:lvl5pPr marL="285750" indent="-285750" algn="l" defTabSz="914400" rtl="0" eaLnBrk="1" latinLnBrk="0" hangingPunct="1">
+              <a:lnSpc>
+                <a:spcPct val="150000"/>
+              </a:lnSpc>
+              <a:spcBef>
+                <a:spcPts val="600"/>
+              </a:spcBef>
+              <a:buFontTx/>
+              <a:buBlip>
+                <a:blip r:embed="rId2"/>
+              </a:buBlip>
+              <a:defRPr sz="2400" kern="1200">
+                <a:solidFill>
+                  <a:schemeClr val="accent4"/>
+                </a:solidFill>
+                <a:latin typeface="+mn-lt"/>
+                <a:ea typeface="+mn-ea"/>
+                <a:cs typeface="+mn-cs"/>
+              </a:defRPr>
+            </a:lvl5pPr>
+            <a:lvl6pPr marL="1200000" indent="-228600" algn="l" defTabSz="914400" rtl="0" eaLnBrk="1" latinLnBrk="0" hangingPunct="1">
+              <a:lnSpc>
+                <a:spcPct val="85000"/>
+              </a:lnSpc>
+              <a:spcBef>
+                <a:spcPts val="600"/>
+              </a:spcBef>
+              <a:buFont typeface="Arial" pitchFamily="34" charset="0"/>
+              <a:buChar char=" "/>
+              <a:defRPr sz="1800" kern="1200">
+                <a:solidFill>
+                  <a:schemeClr val="tx1">
+                    <a:lumMod val="85000"/>
+                    <a:lumOff val="15000"/>
+                  </a:schemeClr>
+                </a:solidFill>
+                <a:latin typeface="+mn-lt"/>
+                <a:ea typeface="+mn-ea"/>
+                <a:cs typeface="+mn-cs"/>
+              </a:defRPr>
+            </a:lvl6pPr>
+            <a:lvl7pPr marL="1400000" indent="-228600" algn="l" defTabSz="914400" rtl="0" eaLnBrk="1" latinLnBrk="0" hangingPunct="1">
+              <a:lnSpc>
+                <a:spcPct val="85000"/>
+              </a:lnSpc>
+              <a:spcBef>
+                <a:spcPts val="600"/>
+              </a:spcBef>
+              <a:buFont typeface="Arial" pitchFamily="34" charset="0"/>
+              <a:buChar char=" "/>
+              <a:defRPr sz="1800" kern="1200">
+                <a:solidFill>
+                  <a:schemeClr val="tx1">
+                    <a:lumMod val="85000"/>
+                    <a:lumOff val="15000"/>
+                  </a:schemeClr>
+                </a:solidFill>
+                <a:latin typeface="+mn-lt"/>
+                <a:ea typeface="+mn-ea"/>
+                <a:cs typeface="+mn-cs"/>
+              </a:defRPr>
+            </a:lvl7pPr>
+            <a:lvl8pPr marL="1600000" indent="-228600" algn="l" defTabSz="914400" rtl="0" eaLnBrk="1" latinLnBrk="0" hangingPunct="1">
+              <a:lnSpc>
+                <a:spcPct val="85000"/>
+              </a:lnSpc>
+              <a:spcBef>
+                <a:spcPts val="600"/>
+              </a:spcBef>
+              <a:buFont typeface="Arial" pitchFamily="34" charset="0"/>
+              <a:buChar char=" "/>
+              <a:defRPr sz="1800" kern="1200">
+                <a:solidFill>
+                  <a:schemeClr val="tx1">
+                    <a:lumMod val="85000"/>
+                    <a:lumOff val="15000"/>
+                  </a:schemeClr>
+                </a:solidFill>
+                <a:latin typeface="+mn-lt"/>
+                <a:ea typeface="+mn-ea"/>
+                <a:cs typeface="+mn-cs"/>
+              </a:defRPr>
+            </a:lvl8pPr>
+            <a:lvl9pPr marL="1800000" indent="-228600" algn="l" defTabSz="914400" rtl="0" eaLnBrk="1" latinLnBrk="0" hangingPunct="1">
+              <a:lnSpc>
+                <a:spcPct val="85000"/>
+              </a:lnSpc>
+              <a:spcBef>
+                <a:spcPts val="600"/>
+              </a:spcBef>
+              <a:buFont typeface="Arial" pitchFamily="34" charset="0"/>
+              <a:buChar char=" "/>
+              <a:defRPr sz="1800" kern="1200">
+                <a:solidFill>
+                  <a:schemeClr val="tx1">
+                    <a:lumMod val="85000"/>
+                    <a:lumOff val="15000"/>
+                  </a:schemeClr>
+                </a:solidFill>
+                <a:latin typeface="+mn-lt"/>
+                <a:ea typeface="+mn-ea"/>
+                <a:cs typeface="+mn-cs"/>
+              </a:defRPr>
+            </a:lvl9pPr>
+          </a:lstStyle>
+          <a:p>
+            <a:r>
+              <a:rPr lang="en-GB" sz="1900" dirty="0">
+                <a:solidFill>
+                  <a:schemeClr val="bg2"/>
+                </a:solidFill>
+              </a:rPr>
+              <a:t>Physical</a:t>
+            </a:r>
+          </a:p>
+        </p:txBody>
+      </p:sp>
+      <p:sp>
+        <p:nvSpPr>
+          <p:cNvPr id="13" name="Content Placeholder 3">
+            <a:extLst>
+              <a:ext uri="{FF2B5EF4-FFF2-40B4-BE49-F238E27FC236}">
+                <a16:creationId xmlns:a16="http://schemas.microsoft.com/office/drawing/2014/main" id="{2F7DA086-7A61-4EBA-A39A-629F652F582E}"/>
+              </a:ext>
+            </a:extLst>
+          </p:cNvPr>
+          <p:cNvSpPr txBox="1">
+            <a:spLocks/>
+          </p:cNvSpPr>
+          <p:nvPr/>
+        </p:nvSpPr>
+        <p:spPr>
+          <a:xfrm>
+            <a:off x="6214183" y="4490999"/>
+            <a:ext cx="1520113" cy="1127262"/>
+          </a:xfrm>
+          <a:prstGeom prst="rect">
+            <a:avLst/>
+          </a:prstGeom>
+        </p:spPr>
+        <p:txBody>
+          <a:bodyPr vert="horz" lIns="91440" tIns="45720" rIns="91440" bIns="45720" rtlCol="0">
+            <a:normAutofit/>
+          </a:bodyPr>
+          <a:lstStyle>
+            <a:lvl1pPr marL="285750" indent="-285750" algn="l" defTabSz="914400" rtl="0" eaLnBrk="1" latinLnBrk="0" hangingPunct="1">
+              <a:lnSpc>
+                <a:spcPct val="150000"/>
+              </a:lnSpc>
+              <a:spcBef>
+                <a:spcPts val="1300"/>
+              </a:spcBef>
+              <a:buFontTx/>
+              <a:buBlip>
+                <a:blip r:embed="rId2"/>
+              </a:buBlip>
+              <a:defRPr sz="2400" kern="1200">
+                <a:solidFill>
+                  <a:schemeClr val="accent4"/>
+                </a:solidFill>
+                <a:latin typeface="+mn-lt"/>
+                <a:ea typeface="+mn-ea"/>
+                <a:cs typeface="+mn-cs"/>
+              </a:defRPr>
+            </a:lvl1pPr>
+            <a:lvl2pPr marL="290322" indent="-285750" algn="l" defTabSz="914400" rtl="0" eaLnBrk="1" latinLnBrk="0" hangingPunct="1">
+              <a:lnSpc>
+                <a:spcPct val="150000"/>
+              </a:lnSpc>
+              <a:spcBef>
+                <a:spcPts val="600"/>
+              </a:spcBef>
+              <a:buFontTx/>
+              <a:buBlip>
+                <a:blip r:embed="rId2"/>
+              </a:buBlip>
+              <a:defRPr sz="2400" kern="1200">
+                <a:solidFill>
+                  <a:schemeClr val="accent4"/>
+                </a:solidFill>
+                <a:latin typeface="+mn-lt"/>
+                <a:ea typeface="+mn-ea"/>
+                <a:cs typeface="+mn-cs"/>
+              </a:defRPr>
+            </a:lvl2pPr>
+            <a:lvl3pPr marL="285750" indent="-285750" algn="l" defTabSz="914400" rtl="0" eaLnBrk="1" latinLnBrk="0" hangingPunct="1">
+              <a:lnSpc>
+                <a:spcPct val="150000"/>
+              </a:lnSpc>
+              <a:spcBef>
+                <a:spcPts val="600"/>
+              </a:spcBef>
+              <a:buFontTx/>
+              <a:buBlip>
+                <a:blip r:embed="rId2"/>
+              </a:buBlip>
+              <a:defRPr sz="2400" i="1" kern="1200">
+                <a:solidFill>
+                  <a:schemeClr val="accent4"/>
+                </a:solidFill>
+                <a:latin typeface="+mn-lt"/>
+                <a:ea typeface="+mn-ea"/>
+                <a:cs typeface="+mn-cs"/>
+              </a:defRPr>
+            </a:lvl3pPr>
+            <a:lvl4pPr marL="285750" indent="-285750" algn="l" defTabSz="914400" rtl="0" eaLnBrk="1" latinLnBrk="0" hangingPunct="1">
+              <a:lnSpc>
+                <a:spcPct val="150000"/>
+              </a:lnSpc>
+              <a:spcBef>
+                <a:spcPts val="600"/>
+              </a:spcBef>
+              <a:buFontTx/>
+              <a:buBlip>
+                <a:blip r:embed="rId2"/>
+              </a:buBlip>
+              <a:defRPr sz="2400" kern="1200">
+                <a:solidFill>
+                  <a:schemeClr val="accent4"/>
+                </a:solidFill>
+                <a:latin typeface="+mn-lt"/>
+                <a:ea typeface="+mn-ea"/>
+                <a:cs typeface="+mn-cs"/>
+              </a:defRPr>
+            </a:lvl4pPr>
+            <a:lvl5pPr marL="285750" indent="-285750" algn="l" defTabSz="914400" rtl="0" eaLnBrk="1" latinLnBrk="0" hangingPunct="1">
+              <a:lnSpc>
+                <a:spcPct val="150000"/>
+              </a:lnSpc>
+              <a:spcBef>
+                <a:spcPts val="600"/>
+              </a:spcBef>
+              <a:buFontTx/>
+              <a:buBlip>
+                <a:blip r:embed="rId2"/>
+              </a:buBlip>
+              <a:defRPr sz="2400" kern="1200">
+                <a:solidFill>
+                  <a:schemeClr val="accent4"/>
+                </a:solidFill>
+                <a:latin typeface="+mn-lt"/>
+                <a:ea typeface="+mn-ea"/>
+                <a:cs typeface="+mn-cs"/>
+              </a:defRPr>
+            </a:lvl5pPr>
+            <a:lvl6pPr marL="1200000" indent="-228600" algn="l" defTabSz="914400" rtl="0" eaLnBrk="1" latinLnBrk="0" hangingPunct="1">
+              <a:lnSpc>
+                <a:spcPct val="85000"/>
+              </a:lnSpc>
+              <a:spcBef>
+                <a:spcPts val="600"/>
+              </a:spcBef>
+              <a:buFont typeface="Arial" pitchFamily="34" charset="0"/>
+              <a:buChar char=" "/>
+              <a:defRPr sz="1800" kern="1200">
+                <a:solidFill>
+                  <a:schemeClr val="tx1">
+                    <a:lumMod val="85000"/>
+                    <a:lumOff val="15000"/>
+                  </a:schemeClr>
+                </a:solidFill>
+                <a:latin typeface="+mn-lt"/>
+                <a:ea typeface="+mn-ea"/>
+                <a:cs typeface="+mn-cs"/>
+              </a:defRPr>
+            </a:lvl6pPr>
+            <a:lvl7pPr marL="1400000" indent="-228600" algn="l" defTabSz="914400" rtl="0" eaLnBrk="1" latinLnBrk="0" hangingPunct="1">
+              <a:lnSpc>
+                <a:spcPct val="85000"/>
+              </a:lnSpc>
+              <a:spcBef>
+                <a:spcPts val="600"/>
+              </a:spcBef>
+              <a:buFont typeface="Arial" pitchFamily="34" charset="0"/>
+              <a:buChar char=" "/>
+              <a:defRPr sz="1800" kern="1200">
+                <a:solidFill>
+                  <a:schemeClr val="tx1">
+                    <a:lumMod val="85000"/>
+                    <a:lumOff val="15000"/>
+                  </a:schemeClr>
+                </a:solidFill>
+                <a:latin typeface="+mn-lt"/>
+                <a:ea typeface="+mn-ea"/>
+                <a:cs typeface="+mn-cs"/>
+              </a:defRPr>
+            </a:lvl7pPr>
+            <a:lvl8pPr marL="1600000" indent="-228600" algn="l" defTabSz="914400" rtl="0" eaLnBrk="1" latinLnBrk="0" hangingPunct="1">
+              <a:lnSpc>
+                <a:spcPct val="85000"/>
+              </a:lnSpc>
+              <a:spcBef>
+                <a:spcPts val="600"/>
+              </a:spcBef>
+              <a:buFont typeface="Arial" pitchFamily="34" charset="0"/>
+              <a:buChar char=" "/>
+              <a:defRPr sz="1800" kern="1200">
+                <a:solidFill>
+                  <a:schemeClr val="tx1">
+                    <a:lumMod val="85000"/>
+                    <a:lumOff val="15000"/>
+                  </a:schemeClr>
+                </a:solidFill>
+                <a:latin typeface="+mn-lt"/>
+                <a:ea typeface="+mn-ea"/>
+                <a:cs typeface="+mn-cs"/>
+              </a:defRPr>
+            </a:lvl8pPr>
+            <a:lvl9pPr marL="1800000" indent="-228600" algn="l" defTabSz="914400" rtl="0" eaLnBrk="1" latinLnBrk="0" hangingPunct="1">
+              <a:lnSpc>
+                <a:spcPct val="85000"/>
+              </a:lnSpc>
+              <a:spcBef>
+                <a:spcPts val="600"/>
+              </a:spcBef>
+              <a:buFont typeface="Arial" pitchFamily="34" charset="0"/>
+              <a:buChar char=" "/>
+              <a:defRPr sz="1800" kern="1200">
+                <a:solidFill>
+                  <a:schemeClr val="tx1">
+                    <a:lumMod val="85000"/>
+                    <a:lumOff val="15000"/>
+                  </a:schemeClr>
+                </a:solidFill>
+                <a:latin typeface="+mn-lt"/>
+                <a:ea typeface="+mn-ea"/>
+                <a:cs typeface="+mn-cs"/>
+              </a:defRPr>
+            </a:lvl9pPr>
+          </a:lstStyle>
+          <a:p>
+            <a:r>
+              <a:rPr lang="en-GB" sz="1900" dirty="0">
+                <a:solidFill>
+                  <a:schemeClr val="bg2"/>
+                </a:solidFill>
+              </a:rPr>
+              <a:t>Data Link</a:t>
+            </a:r>
+          </a:p>
+          <a:p>
+            <a:endParaRPr lang="en-GB" sz="1900" dirty="0">
+              <a:solidFill>
+                <a:schemeClr val="bg2"/>
+              </a:solidFill>
+            </a:endParaRPr>
+          </a:p>
+        </p:txBody>
+      </p:sp>
     </p:spTree>
     <p:extLst>
       <p:ext uri="{BB962C8B-B14F-4D97-AF65-F5344CB8AC3E}">
-        <p14:creationId xmlns:p14="http://schemas.microsoft.com/office/powerpoint/2010/main" val="2164794110"/>
+        <p14:creationId xmlns:p14="http://schemas.microsoft.com/office/powerpoint/2010/main" val="3510387482"/>
       </p:ext>
     </p:extLst>
   </p:cSld>
   <p:clrMapOvr>
     <a:masterClrMapping/>
   </p:clrMapOvr>
+  <mc:AlternateContent xmlns:mc="http://schemas.openxmlformats.org/markup-compatibility/2006" xmlns:p14="http://schemas.microsoft.com/office/powerpoint/2010/main">
+    <mc:Choice Requires="p14">
+      <p:transition p14:dur="300">
+        <p:fade/>
+      </p:transition>
+    </mc:Choice>
+    <mc:Fallback xmlns="">
+      <p:transition>
+        <p:fade/>
+      </p:transition>
+    </mc:Fallback>
+  </mc:AlternateContent>
+  <p:timing>
+    <p:tnLst>
+      <p:par>
+        <p:cTn id="1" dur="indefinite" restart="never" nodeType="tmRoot">
+          <p:childTnLst>
+            <p:seq concurrent="1" nextAc="seek">
+              <p:cTn id="2" dur="indefinite" nodeType="mainSeq">
+                <p:childTnLst>
+                  <p:par>
+                    <p:cTn id="3" fill="hold">
+                      <p:stCondLst>
+                        <p:cond delay="indefinite"/>
+                      </p:stCondLst>
+                      <p:childTnLst>
+                        <p:par>
+                          <p:cTn id="4" fill="hold">
+                            <p:stCondLst>
+                              <p:cond delay="0"/>
+                            </p:stCondLst>
+                            <p:childTnLst>
+                              <p:par>
+                                <p:cTn id="5" presetID="10" presetClass="entr" presetSubtype="0" fill="hold" nodeType="clickEffect">
+                                  <p:stCondLst>
+                                    <p:cond delay="0"/>
+                                  </p:stCondLst>
+                                  <p:childTnLst>
+                                    <p:set>
+                                      <p:cBhvr>
+                                        <p:cTn id="6" dur="1" fill="hold">
+                                          <p:stCondLst>
+                                            <p:cond delay="0"/>
+                                          </p:stCondLst>
+                                        </p:cTn>
+                                        <p:tgtEl>
+                                          <p:spTgt spid="2">
+                                            <p:txEl>
+                                              <p:pRg st="1" end="1"/>
+                                            </p:txEl>
+                                          </p:spTgt>
+                                        </p:tgtEl>
+                                        <p:attrNameLst>
+                                          <p:attrName>style.visibility</p:attrName>
+                                        </p:attrNameLst>
+                                      </p:cBhvr>
+                                      <p:to>
+                                        <p:strVal val="visible"/>
+                                      </p:to>
+                                    </p:set>
+                                    <p:animEffect transition="in" filter="fade">
+                                      <p:cBhvr>
+                                        <p:cTn id="7" dur="500"/>
+                                        <p:tgtEl>
+                                          <p:spTgt spid="2">
+                                            <p:txEl>
+                                              <p:pRg st="1" end="1"/>
+                                            </p:txEl>
+                                          </p:spTgt>
+                                        </p:tgtEl>
+                                      </p:cBhvr>
+                                    </p:animEffect>
+                                  </p:childTnLst>
+                                </p:cTn>
+                              </p:par>
+                              <p:par>
+                                <p:cTn id="8" presetID="10" presetClass="exit" presetSubtype="0" fill="hold" nodeType="withEffect">
+                                  <p:stCondLst>
+                                    <p:cond delay="0"/>
+                                  </p:stCondLst>
+                                  <p:childTnLst>
+                                    <p:animEffect transition="out" filter="fade">
+                                      <p:cBhvr>
+                                        <p:cTn id="9" dur="500"/>
+                                        <p:tgtEl>
+                                          <p:spTgt spid="4">
+                                            <p:txEl>
+                                              <p:pRg st="1" end="1"/>
+                                            </p:txEl>
+                                          </p:spTgt>
+                                        </p:tgtEl>
+                                      </p:cBhvr>
+                                    </p:animEffect>
+                                    <p:set>
+                                      <p:cBhvr>
+                                        <p:cTn id="10" dur="1" fill="hold">
+                                          <p:stCondLst>
+                                            <p:cond delay="499"/>
+                                          </p:stCondLst>
+                                        </p:cTn>
+                                        <p:tgtEl>
+                                          <p:spTgt spid="4">
+                                            <p:txEl>
+                                              <p:pRg st="1" end="1"/>
+                                            </p:txEl>
+                                          </p:spTgt>
+                                        </p:tgtEl>
+                                        <p:attrNameLst>
+                                          <p:attrName>style.visibility</p:attrName>
+                                        </p:attrNameLst>
+                                      </p:cBhvr>
+                                      <p:to>
+                                        <p:strVal val="hidden"/>
+                                      </p:to>
+                                    </p:set>
+                                  </p:childTnLst>
+                                </p:cTn>
+                              </p:par>
+                              <p:par>
+                                <p:cTn id="11" presetID="10" presetClass="exit" presetSubtype="0" fill="hold" nodeType="withEffect">
+                                  <p:stCondLst>
+                                    <p:cond delay="0"/>
+                                  </p:stCondLst>
+                                  <p:childTnLst>
+                                    <p:animEffect transition="out" filter="fade">
+                                      <p:cBhvr>
+                                        <p:cTn id="12" dur="500"/>
+                                        <p:tgtEl>
+                                          <p:spTgt spid="4">
+                                            <p:txEl>
+                                              <p:pRg st="2" end="2"/>
+                                            </p:txEl>
+                                          </p:spTgt>
+                                        </p:tgtEl>
+                                      </p:cBhvr>
+                                    </p:animEffect>
+                                    <p:set>
+                                      <p:cBhvr>
+                                        <p:cTn id="13" dur="1" fill="hold">
+                                          <p:stCondLst>
+                                            <p:cond delay="499"/>
+                                          </p:stCondLst>
+                                        </p:cTn>
+                                        <p:tgtEl>
+                                          <p:spTgt spid="4">
+                                            <p:txEl>
+                                              <p:pRg st="2" end="2"/>
+                                            </p:txEl>
+                                          </p:spTgt>
+                                        </p:tgtEl>
+                                        <p:attrNameLst>
+                                          <p:attrName>style.visibility</p:attrName>
+                                        </p:attrNameLst>
+                                      </p:cBhvr>
+                                      <p:to>
+                                        <p:strVal val="hidden"/>
+                                      </p:to>
+                                    </p:set>
+                                  </p:childTnLst>
+                                </p:cTn>
+                              </p:par>
+                              <p:par>
+                                <p:cTn id="14" presetID="10" presetClass="entr" presetSubtype="0" fill="hold" grpId="1" nodeType="withEffect">
+                                  <p:stCondLst>
+                                    <p:cond delay="0"/>
+                                  </p:stCondLst>
+                                  <p:childTnLst>
+                                    <p:set>
+                                      <p:cBhvr>
+                                        <p:cTn id="15" dur="1" fill="hold">
+                                          <p:stCondLst>
+                                            <p:cond delay="0"/>
+                                          </p:stCondLst>
+                                        </p:cTn>
+                                        <p:tgtEl>
+                                          <p:spTgt spid="11"/>
+                                        </p:tgtEl>
+                                        <p:attrNameLst>
+                                          <p:attrName>style.visibility</p:attrName>
+                                        </p:attrNameLst>
+                                      </p:cBhvr>
+                                      <p:to>
+                                        <p:strVal val="visible"/>
+                                      </p:to>
+                                    </p:set>
+                                    <p:animEffect transition="in" filter="fade">
+                                      <p:cBhvr>
+                                        <p:cTn id="16" dur="500"/>
+                                        <p:tgtEl>
+                                          <p:spTgt spid="11"/>
+                                        </p:tgtEl>
+                                      </p:cBhvr>
+                                    </p:animEffect>
+                                  </p:childTnLst>
+                                </p:cTn>
+                              </p:par>
+                              <p:par>
+                                <p:cTn id="17" presetID="10" presetClass="entr" presetSubtype="0" fill="hold" grpId="0" nodeType="withEffect">
+                                  <p:stCondLst>
+                                    <p:cond delay="0"/>
+                                  </p:stCondLst>
+                                  <p:childTnLst>
+                                    <p:set>
+                                      <p:cBhvr>
+                                        <p:cTn id="18" dur="1" fill="hold">
+                                          <p:stCondLst>
+                                            <p:cond delay="0"/>
+                                          </p:stCondLst>
+                                        </p:cTn>
+                                        <p:tgtEl>
+                                          <p:spTgt spid="10"/>
+                                        </p:tgtEl>
+                                        <p:attrNameLst>
+                                          <p:attrName>style.visibility</p:attrName>
+                                        </p:attrNameLst>
+                                      </p:cBhvr>
+                                      <p:to>
+                                        <p:strVal val="visible"/>
+                                      </p:to>
+                                    </p:set>
+                                    <p:animEffect transition="in" filter="fade">
+                                      <p:cBhvr>
+                                        <p:cTn id="19" dur="500"/>
+                                        <p:tgtEl>
+                                          <p:spTgt spid="10"/>
+                                        </p:tgtEl>
+                                      </p:cBhvr>
+                                    </p:animEffect>
+                                  </p:childTnLst>
+                                </p:cTn>
+                              </p:par>
+                              <p:par>
+                                <p:cTn id="20" presetID="10" presetClass="exit" presetSubtype="0" fill="hold" nodeType="withEffect">
+                                  <p:stCondLst>
+                                    <p:cond delay="0"/>
+                                  </p:stCondLst>
+                                  <p:childTnLst>
+                                    <p:animEffect transition="out" filter="fade">
+                                      <p:cBhvr>
+                                        <p:cTn id="21" dur="500"/>
+                                        <p:tgtEl>
+                                          <p:spTgt spid="9">
+                                            <p:txEl>
+                                              <p:pRg st="0" end="0"/>
+                                            </p:txEl>
+                                          </p:spTgt>
+                                        </p:tgtEl>
+                                      </p:cBhvr>
+                                    </p:animEffect>
+                                    <p:set>
+                                      <p:cBhvr>
+                                        <p:cTn id="22" dur="1" fill="hold">
+                                          <p:stCondLst>
+                                            <p:cond delay="499"/>
+                                          </p:stCondLst>
+                                        </p:cTn>
+                                        <p:tgtEl>
+                                          <p:spTgt spid="9">
+                                            <p:txEl>
+                                              <p:pRg st="0" end="0"/>
+                                            </p:txEl>
+                                          </p:spTgt>
+                                        </p:tgtEl>
+                                        <p:attrNameLst>
+                                          <p:attrName>style.visibility</p:attrName>
+                                        </p:attrNameLst>
+                                      </p:cBhvr>
+                                      <p:to>
+                                        <p:strVal val="hidden"/>
+                                      </p:to>
+                                    </p:set>
+                                  </p:childTnLst>
+                                </p:cTn>
+                              </p:par>
+                              <p:par>
+                                <p:cTn id="23" presetID="10" presetClass="exit" presetSubtype="0" fill="hold" grpId="0" nodeType="withEffect">
+                                  <p:stCondLst>
+                                    <p:cond delay="0"/>
+                                  </p:stCondLst>
+                                  <p:childTnLst>
+                                    <p:animEffect transition="out" filter="fade">
+                                      <p:cBhvr>
+                                        <p:cTn id="24" dur="500"/>
+                                        <p:tgtEl>
+                                          <p:spTgt spid="13"/>
+                                        </p:tgtEl>
+                                      </p:cBhvr>
+                                    </p:animEffect>
+                                    <p:set>
+                                      <p:cBhvr>
+                                        <p:cTn id="25" dur="1" fill="hold">
+                                          <p:stCondLst>
+                                            <p:cond delay="499"/>
+                                          </p:stCondLst>
+                                        </p:cTn>
+                                        <p:tgtEl>
+                                          <p:spTgt spid="13"/>
+                                        </p:tgtEl>
+                                        <p:attrNameLst>
+                                          <p:attrName>style.visibility</p:attrName>
+                                        </p:attrNameLst>
+                                      </p:cBhvr>
+                                      <p:to>
+                                        <p:strVal val="hidden"/>
+                                      </p:to>
+                                    </p:set>
+                                  </p:childTnLst>
+                                </p:cTn>
+                              </p:par>
+                              <p:par>
+                                <p:cTn id="26" presetID="10" presetClass="exit" presetSubtype="0" fill="hold" grpId="0" nodeType="withEffect">
+                                  <p:stCondLst>
+                                    <p:cond delay="0"/>
+                                  </p:stCondLst>
+                                  <p:childTnLst>
+                                    <p:animEffect transition="out" filter="fade">
+                                      <p:cBhvr>
+                                        <p:cTn id="27" dur="500"/>
+                                        <p:tgtEl>
+                                          <p:spTgt spid="12"/>
+                                        </p:tgtEl>
+                                      </p:cBhvr>
+                                    </p:animEffect>
+                                    <p:set>
+                                      <p:cBhvr>
+                                        <p:cTn id="28" dur="1" fill="hold">
+                                          <p:stCondLst>
+                                            <p:cond delay="499"/>
+                                          </p:stCondLst>
+                                        </p:cTn>
+                                        <p:tgtEl>
+                                          <p:spTgt spid="12"/>
+                                        </p:tgtEl>
+                                        <p:attrNameLst>
+                                          <p:attrName>style.visibility</p:attrName>
+                                        </p:attrNameLst>
+                                      </p:cBhvr>
+                                      <p:to>
+                                        <p:strVal val="hidden"/>
+                                      </p:to>
+                                    </p:set>
+                                  </p:childTnLst>
+                                </p:cTn>
+                              </p:par>
+                            </p:childTnLst>
+                          </p:cTn>
+                        </p:par>
+                        <p:par>
+                          <p:cTn id="29" fill="hold">
+                            <p:stCondLst>
+                              <p:cond delay="500"/>
+                            </p:stCondLst>
+                            <p:childTnLst>
+                              <p:par>
+                                <p:cTn id="30" presetID="64" presetClass="path" presetSubtype="0" accel="50000" decel="50000" fill="hold" grpId="0" nodeType="afterEffect">
+                                  <p:stCondLst>
+                                    <p:cond delay="0"/>
+                                  </p:stCondLst>
+                                  <p:childTnLst>
+                                    <p:animMotion origin="layout" path="M -2.08333E-6 -1.85185E-6 L -0.00013 -0.17685 " pathEditMode="relative" rAng="0" ptsTypes="AA">
+                                      <p:cBhvr>
+                                        <p:cTn id="31" dur="1000" fill="hold"/>
+                                        <p:tgtEl>
+                                          <p:spTgt spid="11"/>
+                                        </p:tgtEl>
+                                        <p:attrNameLst>
+                                          <p:attrName>ppt_x</p:attrName>
+                                          <p:attrName>ppt_y</p:attrName>
+                                        </p:attrNameLst>
+                                      </p:cBhvr>
+                                      <p:rCtr x="-13" y="-8843"/>
+                                    </p:animMotion>
+                                  </p:childTnLst>
+                                </p:cTn>
+                              </p:par>
+                              <p:par>
+                                <p:cTn id="32" presetID="64" presetClass="path" presetSubtype="0" accel="50000" decel="50000" fill="hold" grpId="0" nodeType="withEffect">
+                                  <p:stCondLst>
+                                    <p:cond delay="0"/>
+                                  </p:stCondLst>
+                                  <p:childTnLst>
+                                    <p:animMotion origin="layout" path="M -2.29167E-6 3.7037E-6 L -2.29167E-6 -0.175 " pathEditMode="relative" rAng="0" ptsTypes="AA">
+                                      <p:cBhvr>
+                                        <p:cTn id="33" dur="1000" fill="hold"/>
+                                        <p:tgtEl>
+                                          <p:spTgt spid="8"/>
+                                        </p:tgtEl>
+                                        <p:attrNameLst>
+                                          <p:attrName>ppt_x</p:attrName>
+                                          <p:attrName>ppt_y</p:attrName>
+                                        </p:attrNameLst>
+                                      </p:cBhvr>
+                                      <p:rCtr x="0" y="-8750"/>
+                                    </p:animMotion>
+                                  </p:childTnLst>
+                                </p:cTn>
+                              </p:par>
+                              <p:par>
+                                <p:cTn id="34" presetID="64" presetClass="path" presetSubtype="0" accel="50000" decel="50000" fill="hold" grpId="1" nodeType="withEffect">
+                                  <p:stCondLst>
+                                    <p:cond delay="0"/>
+                                  </p:stCondLst>
+                                  <p:childTnLst>
+                                    <p:animMotion origin="layout" path="M 4.79167E-6 4.81481E-6 L 0.00026 -0.17616 " pathEditMode="relative" rAng="0" ptsTypes="AA">
+                                      <p:cBhvr>
+                                        <p:cTn id="35" dur="1000" fill="hold"/>
+                                        <p:tgtEl>
+                                          <p:spTgt spid="10"/>
+                                        </p:tgtEl>
+                                        <p:attrNameLst>
+                                          <p:attrName>ppt_x</p:attrName>
+                                          <p:attrName>ppt_y</p:attrName>
+                                        </p:attrNameLst>
+                                      </p:cBhvr>
+                                      <p:rCtr x="13" y="-8819"/>
+                                    </p:animMotion>
+                                  </p:childTnLst>
+                                </p:cTn>
+                              </p:par>
+                            </p:childTnLst>
+                          </p:cTn>
+                        </p:par>
+                      </p:childTnLst>
+                    </p:cTn>
+                  </p:par>
+                </p:childTnLst>
+              </p:cTn>
+              <p:prevCondLst>
+                <p:cond evt="onPrev" delay="0">
+                  <p:tgtEl>
+                    <p:sldTgt/>
+                  </p:tgtEl>
+                </p:cond>
+              </p:prevCondLst>
+              <p:nextCondLst>
+                <p:cond evt="onNext" delay="0">
+                  <p:tgtEl>
+                    <p:sldTgt/>
+                  </p:tgtEl>
+                </p:cond>
+              </p:nextCondLst>
+            </p:seq>
+          </p:childTnLst>
+        </p:cTn>
+      </p:par>
+    </p:tnLst>
+    <p:bldLst>
+      <p:bldP spid="8" grpId="0"/>
+      <p:bldP spid="10" grpId="0"/>
+      <p:bldP spid="10" grpId="1"/>
+      <p:bldP spid="11" grpId="0"/>
+      <p:bldP spid="11" grpId="1"/>
+      <p:bldP spid="12" grpId="0"/>
+      <p:bldP spid="13" grpId="0"/>
+    </p:bldLst>
+  </p:timing>
 </p:sld>
 </file>
 
@@ -12943,7 +17585,7 @@
           <p:cNvPr id="2" name="Content Placeholder 1">
             <a:extLst>
               <a:ext uri="{FF2B5EF4-FFF2-40B4-BE49-F238E27FC236}">
-                <a16:creationId xmlns:a16="http://schemas.microsoft.com/office/drawing/2014/main" id="{BF997707-4D30-463F-821B-3640CB546EFC}"/>
+                <a16:creationId xmlns:a16="http://schemas.microsoft.com/office/drawing/2014/main" id="{44C5EDFE-5EE7-4743-9CC4-52F180E4B10C}"/>
               </a:ext>
             </a:extLst>
           </p:cNvPr>
@@ -12954,52 +17596,25 @@
             <p:ph idx="1"/>
           </p:nvPr>
         </p:nvSpPr>
-        <p:spPr/>
-        <p:txBody>
-          <a:bodyPr>
-            <a:normAutofit fontScale="70000" lnSpcReduction="20000"/>
-          </a:bodyPr>
+        <p:spPr>
+          <a:xfrm>
+            <a:off x="401216" y="1483568"/>
+            <a:ext cx="5617030" cy="1434806"/>
+          </a:xfrm>
+        </p:spPr>
+        <p:txBody>
+          <a:bodyPr/>
           <a:lstStyle/>
           <a:p>
             <a:r>
               <a:rPr lang="en-GB" dirty="0"/>
-              <a:t>(what is the project?)</a:t>
+              <a:t>OSI Network Model</a:t>
             </a:r>
           </a:p>
           <a:p>
             <a:r>
               <a:rPr lang="en-GB" dirty="0"/>
-              <a:t>Sending too much data up to the cloud has a large latency</a:t>
-            </a:r>
-          </a:p>
-          <a:p>
-            <a:r>
-              <a:rPr lang="en-GB" b="1" dirty="0"/>
-              <a:t>Talk more about motivation</a:t>
-            </a:r>
-          </a:p>
-          <a:p>
-            <a:r>
-              <a:rPr lang="en-GB" dirty="0"/>
-              <a:t>Putting FPGAs in switches reduces latency at the cost of increased compute time</a:t>
-            </a:r>
-          </a:p>
-          <a:p>
-            <a:r>
-              <a:rPr lang="en-GB" dirty="0"/>
-              <a:t>Why are FPGAs relevant here?</a:t>
-            </a:r>
-          </a:p>
-          <a:p>
-            <a:r>
-              <a:rPr lang="en-GB" dirty="0"/>
-              <a:t>Why better than ASICs?</a:t>
-            </a:r>
-          </a:p>
-          <a:p>
-            <a:r>
-              <a:rPr lang="en-GB" dirty="0"/>
-              <a:t>Why better than CPUs?</a:t>
+              <a:t>TCP / IP network stack</a:t>
             </a:r>
           </a:p>
         </p:txBody>
@@ -13009,7 +17624,7 @@
           <p:cNvPr id="3" name="Title 2">
             <a:extLst>
               <a:ext uri="{FF2B5EF4-FFF2-40B4-BE49-F238E27FC236}">
-                <a16:creationId xmlns:a16="http://schemas.microsoft.com/office/drawing/2014/main" id="{6E8DCCC1-E55A-4D1E-9A5D-B58DA5EC6B59}"/>
+                <a16:creationId xmlns:a16="http://schemas.microsoft.com/office/drawing/2014/main" id="{6A45536D-05E6-44CD-A6C4-2028E2CAA346}"/>
               </a:ext>
             </a:extLst>
           </p:cNvPr>
@@ -13029,7 +17644,7 @@
           <a:p>
             <a:r>
               <a:rPr lang="en-GB" dirty="0"/>
-              <a:t>Network Switch Design on FPGAs</a:t>
+              <a:t>Networking Concepts</a:t>
             </a:r>
           </a:p>
         </p:txBody>
@@ -13039,7 +17654,7 @@
           <p:cNvPr id="4" name="Content Placeholder 3">
             <a:extLst>
               <a:ext uri="{FF2B5EF4-FFF2-40B4-BE49-F238E27FC236}">
-                <a16:creationId xmlns:a16="http://schemas.microsoft.com/office/drawing/2014/main" id="{0513BFB4-8F81-4B2D-A3E4-E48EC7986505}"/>
+                <a16:creationId xmlns:a16="http://schemas.microsoft.com/office/drawing/2014/main" id="{9F80887B-A8B1-44DA-B317-D0E61670807B}"/>
               </a:ext>
             </a:extLst>
           </p:cNvPr>
@@ -13052,10 +17667,33 @@
         </p:nvSpPr>
         <p:spPr/>
         <p:txBody>
-          <a:bodyPr/>
+          <a:bodyPr>
+            <a:normAutofit/>
+          </a:bodyPr>
           <a:lstStyle/>
           <a:p>
-            <a:endParaRPr lang="en-GB"/>
+            <a:r>
+              <a:rPr lang="en-GB" sz="1900" dirty="0"/>
+              <a:t>Application</a:t>
+            </a:r>
+          </a:p>
+          <a:p>
+            <a:r>
+              <a:rPr lang="en-GB" sz="1900" dirty="0"/>
+              <a:t>Transport</a:t>
+            </a:r>
+          </a:p>
+          <a:p>
+            <a:r>
+              <a:rPr lang="en-GB" sz="1900" dirty="0"/>
+              <a:t>Internet</a:t>
+            </a:r>
+          </a:p>
+          <a:p>
+            <a:r>
+              <a:rPr lang="en-GB" sz="1900" dirty="0"/>
+              <a:t>Link</a:t>
+            </a:r>
           </a:p>
         </p:txBody>
       </p:sp>
@@ -13064,7 +17702,7 @@
           <p:cNvPr id="5" name="Picture Placeholder 4">
             <a:extLst>
               <a:ext uri="{FF2B5EF4-FFF2-40B4-BE49-F238E27FC236}">
-                <a16:creationId xmlns:a16="http://schemas.microsoft.com/office/drawing/2014/main" id="{1FB41808-A028-41ED-B489-D3D0283DD2F9}"/>
+                <a16:creationId xmlns:a16="http://schemas.microsoft.com/office/drawing/2014/main" id="{AC7CB7C1-77C5-4FE2-BCA5-1C0E41BB9ECD}"/>
               </a:ext>
             </a:extLst>
           </p:cNvPr>
@@ -13077,16 +17715,897 @@
         </p:nvSpPr>
         <p:spPr/>
       </p:sp>
+      <p:sp>
+        <p:nvSpPr>
+          <p:cNvPr id="8" name="Rectangle 7">
+            <a:extLst>
+              <a:ext uri="{FF2B5EF4-FFF2-40B4-BE49-F238E27FC236}">
+                <a16:creationId xmlns:a16="http://schemas.microsoft.com/office/drawing/2014/main" id="{06230AAB-7954-4AAE-881D-5D33B8A48919}"/>
+              </a:ext>
+            </a:extLst>
+          </p:cNvPr>
+          <p:cNvSpPr/>
+          <p:nvPr/>
+        </p:nvSpPr>
+        <p:spPr>
+          <a:xfrm>
+            <a:off x="401216" y="2918373"/>
+            <a:ext cx="4134978" cy="586827"/>
+          </a:xfrm>
+          <a:prstGeom prst="rect">
+            <a:avLst/>
+          </a:prstGeom>
+        </p:spPr>
+        <p:txBody>
+          <a:bodyPr wrap="none">
+            <a:spAutoFit/>
+          </a:bodyPr>
+          <a:lstStyle/>
+          <a:p>
+            <a:pPr marL="285750" lvl="0" indent="-285750" defTabSz="914400">
+              <a:lnSpc>
+                <a:spcPct val="150000"/>
+              </a:lnSpc>
+              <a:spcBef>
+                <a:spcPts val="1300"/>
+              </a:spcBef>
+              <a:buBlip>
+                <a:blip r:embed="rId3"/>
+              </a:buBlip>
+            </a:pPr>
+            <a:r>
+              <a:rPr lang="en-GB" sz="2400" dirty="0">
+                <a:solidFill>
+                  <a:schemeClr val="bg2"/>
+                </a:solidFill>
+              </a:rPr>
+              <a:t>Software Defined Networking</a:t>
+            </a:r>
+          </a:p>
+        </p:txBody>
+      </p:sp>
+      <p:sp>
+        <p:nvSpPr>
+          <p:cNvPr id="9" name="Content Placeholder 3">
+            <a:extLst>
+              <a:ext uri="{FF2B5EF4-FFF2-40B4-BE49-F238E27FC236}">
+                <a16:creationId xmlns:a16="http://schemas.microsoft.com/office/drawing/2014/main" id="{98066EC7-12DE-410A-95B1-D79307236389}"/>
+              </a:ext>
+            </a:extLst>
+          </p:cNvPr>
+          <p:cNvSpPr txBox="1">
+            <a:spLocks/>
+          </p:cNvSpPr>
+          <p:nvPr/>
+        </p:nvSpPr>
+        <p:spPr>
+          <a:xfrm>
+            <a:off x="6214186" y="1483565"/>
+            <a:ext cx="5617030" cy="4236097"/>
+          </a:xfrm>
+          <a:prstGeom prst="rect">
+            <a:avLst/>
+          </a:prstGeom>
+        </p:spPr>
+        <p:txBody>
+          <a:bodyPr vert="horz" lIns="91440" tIns="45720" rIns="91440" bIns="45720" rtlCol="0">
+            <a:normAutofit/>
+          </a:bodyPr>
+          <a:lstStyle>
+            <a:lvl1pPr marL="285750" indent="-285750" algn="l" defTabSz="914400" rtl="0" eaLnBrk="1" latinLnBrk="0" hangingPunct="1">
+              <a:lnSpc>
+                <a:spcPct val="150000"/>
+              </a:lnSpc>
+              <a:spcBef>
+                <a:spcPts val="1300"/>
+              </a:spcBef>
+              <a:buFontTx/>
+              <a:buBlip>
+                <a:blip r:embed="rId3"/>
+              </a:buBlip>
+              <a:defRPr sz="2400" kern="1200">
+                <a:solidFill>
+                  <a:schemeClr val="accent4"/>
+                </a:solidFill>
+                <a:latin typeface="+mn-lt"/>
+                <a:ea typeface="+mn-ea"/>
+                <a:cs typeface="+mn-cs"/>
+              </a:defRPr>
+            </a:lvl1pPr>
+            <a:lvl2pPr marL="290322" indent="-285750" algn="l" defTabSz="914400" rtl="0" eaLnBrk="1" latinLnBrk="0" hangingPunct="1">
+              <a:lnSpc>
+                <a:spcPct val="150000"/>
+              </a:lnSpc>
+              <a:spcBef>
+                <a:spcPts val="600"/>
+              </a:spcBef>
+              <a:buFontTx/>
+              <a:buBlip>
+                <a:blip r:embed="rId3"/>
+              </a:buBlip>
+              <a:defRPr sz="2400" kern="1200">
+                <a:solidFill>
+                  <a:schemeClr val="accent4"/>
+                </a:solidFill>
+                <a:latin typeface="+mn-lt"/>
+                <a:ea typeface="+mn-ea"/>
+                <a:cs typeface="+mn-cs"/>
+              </a:defRPr>
+            </a:lvl2pPr>
+            <a:lvl3pPr marL="285750" indent="-285750" algn="l" defTabSz="914400" rtl="0" eaLnBrk="1" latinLnBrk="0" hangingPunct="1">
+              <a:lnSpc>
+                <a:spcPct val="150000"/>
+              </a:lnSpc>
+              <a:spcBef>
+                <a:spcPts val="600"/>
+              </a:spcBef>
+              <a:buFontTx/>
+              <a:buBlip>
+                <a:blip r:embed="rId3"/>
+              </a:buBlip>
+              <a:defRPr sz="2400" i="1" kern="1200">
+                <a:solidFill>
+                  <a:schemeClr val="accent4"/>
+                </a:solidFill>
+                <a:latin typeface="+mn-lt"/>
+                <a:ea typeface="+mn-ea"/>
+                <a:cs typeface="+mn-cs"/>
+              </a:defRPr>
+            </a:lvl3pPr>
+            <a:lvl4pPr marL="285750" indent="-285750" algn="l" defTabSz="914400" rtl="0" eaLnBrk="1" latinLnBrk="0" hangingPunct="1">
+              <a:lnSpc>
+                <a:spcPct val="150000"/>
+              </a:lnSpc>
+              <a:spcBef>
+                <a:spcPts val="600"/>
+              </a:spcBef>
+              <a:buFontTx/>
+              <a:buBlip>
+                <a:blip r:embed="rId3"/>
+              </a:buBlip>
+              <a:defRPr sz="2400" kern="1200">
+                <a:solidFill>
+                  <a:schemeClr val="accent4"/>
+                </a:solidFill>
+                <a:latin typeface="+mn-lt"/>
+                <a:ea typeface="+mn-ea"/>
+                <a:cs typeface="+mn-cs"/>
+              </a:defRPr>
+            </a:lvl4pPr>
+            <a:lvl5pPr marL="285750" indent="-285750" algn="l" defTabSz="914400" rtl="0" eaLnBrk="1" latinLnBrk="0" hangingPunct="1">
+              <a:lnSpc>
+                <a:spcPct val="150000"/>
+              </a:lnSpc>
+              <a:spcBef>
+                <a:spcPts val="600"/>
+              </a:spcBef>
+              <a:buFontTx/>
+              <a:buBlip>
+                <a:blip r:embed="rId3"/>
+              </a:buBlip>
+              <a:defRPr sz="2400" kern="1200">
+                <a:solidFill>
+                  <a:schemeClr val="accent4"/>
+                </a:solidFill>
+                <a:latin typeface="+mn-lt"/>
+                <a:ea typeface="+mn-ea"/>
+                <a:cs typeface="+mn-cs"/>
+              </a:defRPr>
+            </a:lvl5pPr>
+            <a:lvl6pPr marL="1200000" indent="-228600" algn="l" defTabSz="914400" rtl="0" eaLnBrk="1" latinLnBrk="0" hangingPunct="1">
+              <a:lnSpc>
+                <a:spcPct val="85000"/>
+              </a:lnSpc>
+              <a:spcBef>
+                <a:spcPts val="600"/>
+              </a:spcBef>
+              <a:buFont typeface="Arial" pitchFamily="34" charset="0"/>
+              <a:buChar char=" "/>
+              <a:defRPr sz="1800" kern="1200">
+                <a:solidFill>
+                  <a:schemeClr val="tx1">
+                    <a:lumMod val="85000"/>
+                    <a:lumOff val="15000"/>
+                  </a:schemeClr>
+                </a:solidFill>
+                <a:latin typeface="+mn-lt"/>
+                <a:ea typeface="+mn-ea"/>
+                <a:cs typeface="+mn-cs"/>
+              </a:defRPr>
+            </a:lvl6pPr>
+            <a:lvl7pPr marL="1400000" indent="-228600" algn="l" defTabSz="914400" rtl="0" eaLnBrk="1" latinLnBrk="0" hangingPunct="1">
+              <a:lnSpc>
+                <a:spcPct val="85000"/>
+              </a:lnSpc>
+              <a:spcBef>
+                <a:spcPts val="600"/>
+              </a:spcBef>
+              <a:buFont typeface="Arial" pitchFamily="34" charset="0"/>
+              <a:buChar char=" "/>
+              <a:defRPr sz="1800" kern="1200">
+                <a:solidFill>
+                  <a:schemeClr val="tx1">
+                    <a:lumMod val="85000"/>
+                    <a:lumOff val="15000"/>
+                  </a:schemeClr>
+                </a:solidFill>
+                <a:latin typeface="+mn-lt"/>
+                <a:ea typeface="+mn-ea"/>
+                <a:cs typeface="+mn-cs"/>
+              </a:defRPr>
+            </a:lvl7pPr>
+            <a:lvl8pPr marL="1600000" indent="-228600" algn="l" defTabSz="914400" rtl="0" eaLnBrk="1" latinLnBrk="0" hangingPunct="1">
+              <a:lnSpc>
+                <a:spcPct val="85000"/>
+              </a:lnSpc>
+              <a:spcBef>
+                <a:spcPts val="600"/>
+              </a:spcBef>
+              <a:buFont typeface="Arial" pitchFamily="34" charset="0"/>
+              <a:buChar char=" "/>
+              <a:defRPr sz="1800" kern="1200">
+                <a:solidFill>
+                  <a:schemeClr val="tx1">
+                    <a:lumMod val="85000"/>
+                    <a:lumOff val="15000"/>
+                  </a:schemeClr>
+                </a:solidFill>
+                <a:latin typeface="+mn-lt"/>
+                <a:ea typeface="+mn-ea"/>
+                <a:cs typeface="+mn-cs"/>
+              </a:defRPr>
+            </a:lvl8pPr>
+            <a:lvl9pPr marL="1800000" indent="-228600" algn="l" defTabSz="914400" rtl="0" eaLnBrk="1" latinLnBrk="0" hangingPunct="1">
+              <a:lnSpc>
+                <a:spcPct val="85000"/>
+              </a:lnSpc>
+              <a:spcBef>
+                <a:spcPts val="600"/>
+              </a:spcBef>
+              <a:buFont typeface="Arial" pitchFamily="34" charset="0"/>
+              <a:buChar char=" "/>
+              <a:defRPr sz="1800" kern="1200">
+                <a:solidFill>
+                  <a:schemeClr val="tx1">
+                    <a:lumMod val="85000"/>
+                    <a:lumOff val="15000"/>
+                  </a:schemeClr>
+                </a:solidFill>
+                <a:latin typeface="+mn-lt"/>
+                <a:ea typeface="+mn-ea"/>
+                <a:cs typeface="+mn-cs"/>
+              </a:defRPr>
+            </a:lvl9pPr>
+          </a:lstStyle>
+          <a:p>
+            <a:r>
+              <a:rPr lang="en-GB" sz="1900" dirty="0">
+                <a:solidFill>
+                  <a:schemeClr val="bg2"/>
+                </a:solidFill>
+              </a:rPr>
+              <a:t>Control plane</a:t>
+            </a:r>
+          </a:p>
+          <a:p>
+            <a:r>
+              <a:rPr lang="en-GB" sz="1900" dirty="0">
+                <a:solidFill>
+                  <a:schemeClr val="bg2"/>
+                </a:solidFill>
+              </a:rPr>
+              <a:t>Data plane</a:t>
+            </a:r>
+          </a:p>
+          <a:p>
+            <a:r>
+              <a:rPr lang="en-GB" sz="1900" dirty="0">
+                <a:solidFill>
+                  <a:schemeClr val="bg2"/>
+                </a:solidFill>
+              </a:rPr>
+              <a:t>P4</a:t>
+            </a:r>
+          </a:p>
+          <a:p>
+            <a:r>
+              <a:rPr lang="en-GB" sz="1900" dirty="0">
+                <a:solidFill>
+                  <a:schemeClr val="bg2"/>
+                </a:solidFill>
+              </a:rPr>
+              <a:t>OpenFlow (part of </a:t>
+            </a:r>
+            <a:r>
+              <a:rPr lang="en-GB" sz="1900" dirty="0" err="1">
+                <a:solidFill>
+                  <a:schemeClr val="bg2"/>
+                </a:solidFill>
+              </a:rPr>
+              <a:t>Mininet</a:t>
+            </a:r>
+            <a:r>
+              <a:rPr lang="en-GB" sz="1900" dirty="0">
+                <a:solidFill>
+                  <a:schemeClr val="bg2"/>
+                </a:solidFill>
+              </a:rPr>
+              <a:t>)</a:t>
+            </a:r>
+          </a:p>
+          <a:p>
+            <a:endParaRPr lang="en-GB" sz="1900" dirty="0">
+              <a:solidFill>
+                <a:schemeClr val="bg2"/>
+              </a:solidFill>
+            </a:endParaRPr>
+          </a:p>
+        </p:txBody>
+      </p:sp>
     </p:spTree>
     <p:extLst>
       <p:ext uri="{BB962C8B-B14F-4D97-AF65-F5344CB8AC3E}">
-        <p14:creationId xmlns:p14="http://schemas.microsoft.com/office/powerpoint/2010/main" val="2424959867"/>
+        <p14:creationId xmlns:p14="http://schemas.microsoft.com/office/powerpoint/2010/main" val="2164794110"/>
       </p:ext>
     </p:extLst>
   </p:cSld>
   <p:clrMapOvr>
     <a:masterClrMapping/>
   </p:clrMapOvr>
+  <mc:AlternateContent xmlns:mc="http://schemas.openxmlformats.org/markup-compatibility/2006" xmlns:p14="http://schemas.microsoft.com/office/powerpoint/2010/main">
+    <mc:Choice Requires="p14">
+      <p:transition p14:dur="300">
+        <p:fade/>
+      </p:transition>
+    </mc:Choice>
+    <mc:Fallback xmlns="">
+      <p:transition>
+        <p:fade/>
+      </p:transition>
+    </mc:Fallback>
+  </mc:AlternateContent>
+  <p:timing>
+    <p:tnLst>
+      <p:par>
+        <p:cTn id="1" dur="indefinite" restart="never" nodeType="tmRoot">
+          <p:childTnLst>
+            <p:seq concurrent="1" nextAc="seek">
+              <p:cTn id="2" dur="indefinite" nodeType="mainSeq">
+                <p:childTnLst>
+                  <p:par>
+                    <p:cTn id="3" fill="hold">
+                      <p:stCondLst>
+                        <p:cond delay="indefinite"/>
+                        <p:cond evt="onBegin" delay="0">
+                          <p:tn val="2"/>
+                        </p:cond>
+                      </p:stCondLst>
+                      <p:childTnLst>
+                        <p:par>
+                          <p:cTn id="4" fill="hold">
+                            <p:stCondLst>
+                              <p:cond delay="0"/>
+                            </p:stCondLst>
+                            <p:childTnLst>
+                              <p:par>
+                                <p:cTn id="5" presetID="10" presetClass="exit" presetSubtype="0" fill="hold" nodeType="afterEffect">
+                                  <p:stCondLst>
+                                    <p:cond delay="0"/>
+                                  </p:stCondLst>
+                                  <p:childTnLst>
+                                    <p:animEffect transition="out" filter="fade">
+                                      <p:cBhvr>
+                                        <p:cTn id="6" dur="500"/>
+                                        <p:tgtEl>
+                                          <p:spTgt spid="4">
+                                            <p:txEl>
+                                              <p:pRg st="0" end="0"/>
+                                            </p:txEl>
+                                          </p:spTgt>
+                                        </p:tgtEl>
+                                      </p:cBhvr>
+                                    </p:animEffect>
+                                    <p:set>
+                                      <p:cBhvr>
+                                        <p:cTn id="7" dur="1" fill="hold">
+                                          <p:stCondLst>
+                                            <p:cond delay="499"/>
+                                          </p:stCondLst>
+                                        </p:cTn>
+                                        <p:tgtEl>
+                                          <p:spTgt spid="4">
+                                            <p:txEl>
+                                              <p:pRg st="0" end="0"/>
+                                            </p:txEl>
+                                          </p:spTgt>
+                                        </p:tgtEl>
+                                        <p:attrNameLst>
+                                          <p:attrName>style.visibility</p:attrName>
+                                        </p:attrNameLst>
+                                      </p:cBhvr>
+                                      <p:to>
+                                        <p:strVal val="hidden"/>
+                                      </p:to>
+                                    </p:set>
+                                  </p:childTnLst>
+                                </p:cTn>
+                              </p:par>
+                              <p:par>
+                                <p:cTn id="8" presetID="10" presetClass="exit" presetSubtype="0" fill="hold" nodeType="withEffect">
+                                  <p:stCondLst>
+                                    <p:cond delay="0"/>
+                                  </p:stCondLst>
+                                  <p:childTnLst>
+                                    <p:animEffect transition="out" filter="fade">
+                                      <p:cBhvr>
+                                        <p:cTn id="9" dur="500"/>
+                                        <p:tgtEl>
+                                          <p:spTgt spid="4">
+                                            <p:txEl>
+                                              <p:pRg st="1" end="1"/>
+                                            </p:txEl>
+                                          </p:spTgt>
+                                        </p:tgtEl>
+                                      </p:cBhvr>
+                                    </p:animEffect>
+                                    <p:set>
+                                      <p:cBhvr>
+                                        <p:cTn id="10" dur="1" fill="hold">
+                                          <p:stCondLst>
+                                            <p:cond delay="499"/>
+                                          </p:stCondLst>
+                                        </p:cTn>
+                                        <p:tgtEl>
+                                          <p:spTgt spid="4">
+                                            <p:txEl>
+                                              <p:pRg st="1" end="1"/>
+                                            </p:txEl>
+                                          </p:spTgt>
+                                        </p:tgtEl>
+                                        <p:attrNameLst>
+                                          <p:attrName>style.visibility</p:attrName>
+                                        </p:attrNameLst>
+                                      </p:cBhvr>
+                                      <p:to>
+                                        <p:strVal val="hidden"/>
+                                      </p:to>
+                                    </p:set>
+                                  </p:childTnLst>
+                                </p:cTn>
+                              </p:par>
+                              <p:par>
+                                <p:cTn id="11" presetID="10" presetClass="exit" presetSubtype="0" fill="hold" nodeType="withEffect">
+                                  <p:stCondLst>
+                                    <p:cond delay="0"/>
+                                  </p:stCondLst>
+                                  <p:childTnLst>
+                                    <p:animEffect transition="out" filter="fade">
+                                      <p:cBhvr>
+                                        <p:cTn id="12" dur="500"/>
+                                        <p:tgtEl>
+                                          <p:spTgt spid="4">
+                                            <p:txEl>
+                                              <p:pRg st="2" end="2"/>
+                                            </p:txEl>
+                                          </p:spTgt>
+                                        </p:tgtEl>
+                                      </p:cBhvr>
+                                    </p:animEffect>
+                                    <p:set>
+                                      <p:cBhvr>
+                                        <p:cTn id="13" dur="1" fill="hold">
+                                          <p:stCondLst>
+                                            <p:cond delay="499"/>
+                                          </p:stCondLst>
+                                        </p:cTn>
+                                        <p:tgtEl>
+                                          <p:spTgt spid="4">
+                                            <p:txEl>
+                                              <p:pRg st="2" end="2"/>
+                                            </p:txEl>
+                                          </p:spTgt>
+                                        </p:tgtEl>
+                                        <p:attrNameLst>
+                                          <p:attrName>style.visibility</p:attrName>
+                                        </p:attrNameLst>
+                                      </p:cBhvr>
+                                      <p:to>
+                                        <p:strVal val="hidden"/>
+                                      </p:to>
+                                    </p:set>
+                                  </p:childTnLst>
+                                </p:cTn>
+                              </p:par>
+                              <p:par>
+                                <p:cTn id="14" presetID="10" presetClass="exit" presetSubtype="0" fill="hold" nodeType="withEffect">
+                                  <p:stCondLst>
+                                    <p:cond delay="0"/>
+                                  </p:stCondLst>
+                                  <p:childTnLst>
+                                    <p:animEffect transition="out" filter="fade">
+                                      <p:cBhvr>
+                                        <p:cTn id="15" dur="500"/>
+                                        <p:tgtEl>
+                                          <p:spTgt spid="4">
+                                            <p:txEl>
+                                              <p:pRg st="3" end="3"/>
+                                            </p:txEl>
+                                          </p:spTgt>
+                                        </p:tgtEl>
+                                      </p:cBhvr>
+                                    </p:animEffect>
+                                    <p:set>
+                                      <p:cBhvr>
+                                        <p:cTn id="16" dur="1" fill="hold">
+                                          <p:stCondLst>
+                                            <p:cond delay="499"/>
+                                          </p:stCondLst>
+                                        </p:cTn>
+                                        <p:tgtEl>
+                                          <p:spTgt spid="4">
+                                            <p:txEl>
+                                              <p:pRg st="3" end="3"/>
+                                            </p:txEl>
+                                          </p:spTgt>
+                                        </p:tgtEl>
+                                        <p:attrNameLst>
+                                          <p:attrName>style.visibility</p:attrName>
+                                        </p:attrNameLst>
+                                      </p:cBhvr>
+                                      <p:to>
+                                        <p:strVal val="hidden"/>
+                                      </p:to>
+                                    </p:set>
+                                  </p:childTnLst>
+                                </p:cTn>
+                              </p:par>
+                              <p:par>
+                                <p:cTn id="17" presetID="10" presetClass="exit" presetSubtype="0" fill="hold" nodeType="withEffect">
+                                  <p:stCondLst>
+                                    <p:cond delay="0"/>
+                                  </p:stCondLst>
+                                  <p:childTnLst>
+                                    <p:animEffect transition="out" filter="fade">
+                                      <p:cBhvr>
+                                        <p:cTn id="18" dur="500"/>
+                                        <p:tgtEl>
+                                          <p:spTgt spid="2">
+                                            <p:txEl>
+                                              <p:pRg st="0" end="0"/>
+                                            </p:txEl>
+                                          </p:spTgt>
+                                        </p:tgtEl>
+                                      </p:cBhvr>
+                                    </p:animEffect>
+                                    <p:set>
+                                      <p:cBhvr>
+                                        <p:cTn id="19" dur="1" fill="hold">
+                                          <p:stCondLst>
+                                            <p:cond delay="499"/>
+                                          </p:stCondLst>
+                                        </p:cTn>
+                                        <p:tgtEl>
+                                          <p:spTgt spid="2">
+                                            <p:txEl>
+                                              <p:pRg st="0" end="0"/>
+                                            </p:txEl>
+                                          </p:spTgt>
+                                        </p:tgtEl>
+                                        <p:attrNameLst>
+                                          <p:attrName>style.visibility</p:attrName>
+                                        </p:attrNameLst>
+                                      </p:cBhvr>
+                                      <p:to>
+                                        <p:strVal val="hidden"/>
+                                      </p:to>
+                                    </p:set>
+                                  </p:childTnLst>
+                                </p:cTn>
+                              </p:par>
+                              <p:par>
+                                <p:cTn id="20" presetID="10" presetClass="exit" presetSubtype="0" fill="hold" nodeType="withEffect">
+                                  <p:stCondLst>
+                                    <p:cond delay="0"/>
+                                  </p:stCondLst>
+                                  <p:childTnLst>
+                                    <p:animEffect transition="out" filter="fade">
+                                      <p:cBhvr>
+                                        <p:cTn id="21" dur="500"/>
+                                        <p:tgtEl>
+                                          <p:spTgt spid="2">
+                                            <p:txEl>
+                                              <p:pRg st="1" end="1"/>
+                                            </p:txEl>
+                                          </p:spTgt>
+                                        </p:tgtEl>
+                                      </p:cBhvr>
+                                    </p:animEffect>
+                                    <p:set>
+                                      <p:cBhvr>
+                                        <p:cTn id="22" dur="1" fill="hold">
+                                          <p:stCondLst>
+                                            <p:cond delay="499"/>
+                                          </p:stCondLst>
+                                        </p:cTn>
+                                        <p:tgtEl>
+                                          <p:spTgt spid="2">
+                                            <p:txEl>
+                                              <p:pRg st="1" end="1"/>
+                                            </p:txEl>
+                                          </p:spTgt>
+                                        </p:tgtEl>
+                                        <p:attrNameLst>
+                                          <p:attrName>style.visibility</p:attrName>
+                                        </p:attrNameLst>
+                                      </p:cBhvr>
+                                      <p:to>
+                                        <p:strVal val="hidden"/>
+                                      </p:to>
+                                    </p:set>
+                                  </p:childTnLst>
+                                </p:cTn>
+                              </p:par>
+                            </p:childTnLst>
+                          </p:cTn>
+                        </p:par>
+                        <p:par>
+                          <p:cTn id="23" fill="hold">
+                            <p:stCondLst>
+                              <p:cond delay="500"/>
+                            </p:stCondLst>
+                            <p:childTnLst>
+                              <p:par>
+                                <p:cTn id="24" presetID="64" presetClass="path" presetSubtype="0" accel="40000" decel="40000" fill="hold" grpId="0" nodeType="afterEffect">
+                                  <p:stCondLst>
+                                    <p:cond delay="0"/>
+                                  </p:stCondLst>
+                                  <p:childTnLst>
+                                    <p:animMotion origin="layout" path="M -3.95833E-6 2.96296E-6 L -3.95833E-6 -0.20857 " pathEditMode="relative" rAng="0" ptsTypes="AA">
+                                      <p:cBhvr>
+                                        <p:cTn id="25" dur="1000" fill="hold"/>
+                                        <p:tgtEl>
+                                          <p:spTgt spid="8"/>
+                                        </p:tgtEl>
+                                        <p:attrNameLst>
+                                          <p:attrName>ppt_x</p:attrName>
+                                          <p:attrName>ppt_y</p:attrName>
+                                        </p:attrNameLst>
+                                      </p:cBhvr>
+                                      <p:rCtr x="0" y="-10440"/>
+                                    </p:animMotion>
+                                  </p:childTnLst>
+                                </p:cTn>
+                              </p:par>
+                            </p:childTnLst>
+                          </p:cTn>
+                        </p:par>
+                        <p:par>
+                          <p:cTn id="26" fill="hold">
+                            <p:stCondLst>
+                              <p:cond delay="1500"/>
+                            </p:stCondLst>
+                            <p:childTnLst>
+                              <p:par>
+                                <p:cTn id="27" presetID="10" presetClass="entr" presetSubtype="0" fill="hold" nodeType="afterEffect">
+                                  <p:stCondLst>
+                                    <p:cond delay="0"/>
+                                  </p:stCondLst>
+                                  <p:childTnLst>
+                                    <p:set>
+                                      <p:cBhvr>
+                                        <p:cTn id="28" dur="1" fill="hold">
+                                          <p:stCondLst>
+                                            <p:cond delay="0"/>
+                                          </p:stCondLst>
+                                        </p:cTn>
+                                        <p:tgtEl>
+                                          <p:spTgt spid="9">
+                                            <p:txEl>
+                                              <p:pRg st="0" end="0"/>
+                                            </p:txEl>
+                                          </p:spTgt>
+                                        </p:tgtEl>
+                                        <p:attrNameLst>
+                                          <p:attrName>style.visibility</p:attrName>
+                                        </p:attrNameLst>
+                                      </p:cBhvr>
+                                      <p:to>
+                                        <p:strVal val="visible"/>
+                                      </p:to>
+                                    </p:set>
+                                    <p:animEffect transition="in" filter="fade">
+                                      <p:cBhvr>
+                                        <p:cTn id="29" dur="500"/>
+                                        <p:tgtEl>
+                                          <p:spTgt spid="9">
+                                            <p:txEl>
+                                              <p:pRg st="0" end="0"/>
+                                            </p:txEl>
+                                          </p:spTgt>
+                                        </p:tgtEl>
+                                      </p:cBhvr>
+                                    </p:animEffect>
+                                  </p:childTnLst>
+                                </p:cTn>
+                              </p:par>
+                              <p:par>
+                                <p:cTn id="30" presetID="10" presetClass="entr" presetSubtype="0" fill="hold" nodeType="withEffect">
+                                  <p:stCondLst>
+                                    <p:cond delay="0"/>
+                                  </p:stCondLst>
+                                  <p:childTnLst>
+                                    <p:set>
+                                      <p:cBhvr>
+                                        <p:cTn id="31" dur="1" fill="hold">
+                                          <p:stCondLst>
+                                            <p:cond delay="0"/>
+                                          </p:stCondLst>
+                                        </p:cTn>
+                                        <p:tgtEl>
+                                          <p:spTgt spid="9">
+                                            <p:txEl>
+                                              <p:pRg st="1" end="1"/>
+                                            </p:txEl>
+                                          </p:spTgt>
+                                        </p:tgtEl>
+                                        <p:attrNameLst>
+                                          <p:attrName>style.visibility</p:attrName>
+                                        </p:attrNameLst>
+                                      </p:cBhvr>
+                                      <p:to>
+                                        <p:strVal val="visible"/>
+                                      </p:to>
+                                    </p:set>
+                                    <p:animEffect transition="in" filter="fade">
+                                      <p:cBhvr>
+                                        <p:cTn id="32" dur="500"/>
+                                        <p:tgtEl>
+                                          <p:spTgt spid="9">
+                                            <p:txEl>
+                                              <p:pRg st="1" end="1"/>
+                                            </p:txEl>
+                                          </p:spTgt>
+                                        </p:tgtEl>
+                                      </p:cBhvr>
+                                    </p:animEffect>
+                                  </p:childTnLst>
+                                </p:cTn>
+                              </p:par>
+                            </p:childTnLst>
+                          </p:cTn>
+                        </p:par>
+                      </p:childTnLst>
+                    </p:cTn>
+                  </p:par>
+                  <p:par>
+                    <p:cTn id="33" fill="hold">
+                      <p:stCondLst>
+                        <p:cond delay="indefinite"/>
+                      </p:stCondLst>
+                      <p:childTnLst>
+                        <p:par>
+                          <p:cTn id="34" fill="hold">
+                            <p:stCondLst>
+                              <p:cond delay="0"/>
+                            </p:stCondLst>
+                            <p:childTnLst>
+                              <p:par>
+                                <p:cTn id="35" presetID="10" presetClass="entr" presetSubtype="0" fill="hold" nodeType="clickEffect">
+                                  <p:stCondLst>
+                                    <p:cond delay="0"/>
+                                  </p:stCondLst>
+                                  <p:childTnLst>
+                                    <p:set>
+                                      <p:cBhvr>
+                                        <p:cTn id="36" dur="1" fill="hold">
+                                          <p:stCondLst>
+                                            <p:cond delay="0"/>
+                                          </p:stCondLst>
+                                        </p:cTn>
+                                        <p:tgtEl>
+                                          <p:spTgt spid="9">
+                                            <p:txEl>
+                                              <p:pRg st="2" end="2"/>
+                                            </p:txEl>
+                                          </p:spTgt>
+                                        </p:tgtEl>
+                                        <p:attrNameLst>
+                                          <p:attrName>style.visibility</p:attrName>
+                                        </p:attrNameLst>
+                                      </p:cBhvr>
+                                      <p:to>
+                                        <p:strVal val="visible"/>
+                                      </p:to>
+                                    </p:set>
+                                    <p:animEffect transition="in" filter="fade">
+                                      <p:cBhvr>
+                                        <p:cTn id="37" dur="500"/>
+                                        <p:tgtEl>
+                                          <p:spTgt spid="9">
+                                            <p:txEl>
+                                              <p:pRg st="2" end="2"/>
+                                            </p:txEl>
+                                          </p:spTgt>
+                                        </p:tgtEl>
+                                      </p:cBhvr>
+                                    </p:animEffect>
+                                  </p:childTnLst>
+                                </p:cTn>
+                              </p:par>
+                              <p:par>
+                                <p:cTn id="38" presetID="10" presetClass="entr" presetSubtype="0" fill="hold" nodeType="withEffect">
+                                  <p:stCondLst>
+                                    <p:cond delay="0"/>
+                                  </p:stCondLst>
+                                  <p:childTnLst>
+                                    <p:set>
+                                      <p:cBhvr>
+                                        <p:cTn id="39" dur="1" fill="hold">
+                                          <p:stCondLst>
+                                            <p:cond delay="0"/>
+                                          </p:stCondLst>
+                                        </p:cTn>
+                                        <p:tgtEl>
+                                          <p:spTgt spid="9">
+                                            <p:txEl>
+                                              <p:pRg st="3" end="3"/>
+                                            </p:txEl>
+                                          </p:spTgt>
+                                        </p:tgtEl>
+                                        <p:attrNameLst>
+                                          <p:attrName>style.visibility</p:attrName>
+                                        </p:attrNameLst>
+                                      </p:cBhvr>
+                                      <p:to>
+                                        <p:strVal val="visible"/>
+                                      </p:to>
+                                    </p:set>
+                                    <p:animEffect transition="in" filter="fade">
+                                      <p:cBhvr>
+                                        <p:cTn id="40" dur="500"/>
+                                        <p:tgtEl>
+                                          <p:spTgt spid="9">
+                                            <p:txEl>
+                                              <p:pRg st="3" end="3"/>
+                                            </p:txEl>
+                                          </p:spTgt>
+                                        </p:tgtEl>
+                                      </p:cBhvr>
+                                    </p:animEffect>
+                                  </p:childTnLst>
+                                </p:cTn>
+                              </p:par>
+                            </p:childTnLst>
+                          </p:cTn>
+                        </p:par>
+                      </p:childTnLst>
+                    </p:cTn>
+                  </p:par>
+                </p:childTnLst>
+              </p:cTn>
+              <p:prevCondLst>
+                <p:cond evt="onPrev" delay="0">
+                  <p:tgtEl>
+                    <p:sldTgt/>
+                  </p:tgtEl>
+                </p:cond>
+              </p:prevCondLst>
+              <p:nextCondLst>
+                <p:cond evt="onNext" delay="0">
+                  <p:tgtEl>
+                    <p:sldTgt/>
+                  </p:tgtEl>
+                </p:cond>
+              </p:nextCondLst>
+            </p:seq>
+          </p:childTnLst>
+        </p:cTn>
+      </p:par>
+    </p:tnLst>
+    <p:bldLst>
+      <p:bldP spid="8" grpId="0"/>
+    </p:bldLst>
+  </p:timing>
 </p:sld>
 </file>
 
@@ -13112,7 +18631,7 @@
           <p:cNvPr id="2" name="Content Placeholder 1">
             <a:extLst>
               <a:ext uri="{FF2B5EF4-FFF2-40B4-BE49-F238E27FC236}">
-                <a16:creationId xmlns:a16="http://schemas.microsoft.com/office/drawing/2014/main" id="{8FB7209A-1643-4C26-81EF-223ADB246C9D}"/>
+                <a16:creationId xmlns:a16="http://schemas.microsoft.com/office/drawing/2014/main" id="{5E60B069-7578-4D04-87F2-79DB8B4EB8D2}"/>
               </a:ext>
             </a:extLst>
           </p:cNvPr>
@@ -13123,34 +18642,19 @@
             <p:ph idx="1"/>
           </p:nvPr>
         </p:nvSpPr>
-        <p:spPr/>
+        <p:spPr>
+          <a:xfrm>
+            <a:off x="401216" y="1483567"/>
+            <a:ext cx="5617030" cy="4236097"/>
+          </a:xfrm>
+        </p:spPr>
         <p:txBody>
           <a:bodyPr/>
           <a:lstStyle/>
           <a:p>
             <a:r>
               <a:rPr lang="en-GB" dirty="0"/>
-              <a:t>Edge servers have disadvantages similar to </a:t>
-            </a:r>
-            <a:r>
-              <a:rPr lang="en-GB" dirty="0" err="1"/>
-              <a:t>localiased</a:t>
-            </a:r>
-            <a:r>
-              <a:rPr lang="en-GB" dirty="0"/>
-              <a:t> datacentres</a:t>
-            </a:r>
-          </a:p>
-          <a:p>
-            <a:r>
-              <a:rPr lang="en-GB" dirty="0"/>
-              <a:t>Amazon (for example) has localised datacentres</a:t>
-            </a:r>
-          </a:p>
-          <a:p>
-            <a:r>
-              <a:rPr lang="en-GB" dirty="0"/>
-              <a:t>Current attempts at solution</a:t>
+              <a:t>Cloud computing</a:t>
             </a:r>
           </a:p>
         </p:txBody>
@@ -13160,7 +18664,7 @@
           <p:cNvPr id="3" name="Title 2">
             <a:extLst>
               <a:ext uri="{FF2B5EF4-FFF2-40B4-BE49-F238E27FC236}">
-                <a16:creationId xmlns:a16="http://schemas.microsoft.com/office/drawing/2014/main" id="{C7CA6D3E-290A-4F9A-BB8F-57169F4E373D}"/>
+                <a16:creationId xmlns:a16="http://schemas.microsoft.com/office/drawing/2014/main" id="{420BC91F-844A-402C-8454-635591A56948}"/>
               </a:ext>
             </a:extLst>
           </p:cNvPr>
@@ -13180,7 +18684,7 @@
           <a:p>
             <a:r>
               <a:rPr lang="en-GB" dirty="0"/>
-              <a:t>Datacentre evolution</a:t>
+              <a:t>Why Smart FPGA Switches?</a:t>
             </a:r>
           </a:p>
         </p:txBody>
@@ -13190,7 +18694,7 @@
           <p:cNvPr id="4" name="Content Placeholder 3">
             <a:extLst>
               <a:ext uri="{FF2B5EF4-FFF2-40B4-BE49-F238E27FC236}">
-                <a16:creationId xmlns:a16="http://schemas.microsoft.com/office/drawing/2014/main" id="{D6F263CA-9A90-48C5-A257-087C3CF4D203}"/>
+                <a16:creationId xmlns:a16="http://schemas.microsoft.com/office/drawing/2014/main" id="{1878B46F-67E3-4A8A-BAA8-4AB796F3AF37}"/>
               </a:ext>
             </a:extLst>
           </p:cNvPr>
@@ -13201,56 +18705,49 @@
             <p:ph idx="10"/>
           </p:nvPr>
         </p:nvSpPr>
-        <p:spPr/>
-        <p:txBody>
-          <a:bodyPr>
-            <a:normAutofit fontScale="92500" lnSpcReduction="20000"/>
-          </a:bodyPr>
+        <p:spPr>
+          <a:xfrm>
+            <a:off x="6214186" y="1483566"/>
+            <a:ext cx="5617030" cy="4236097"/>
+          </a:xfrm>
+        </p:spPr>
+        <p:txBody>
+          <a:bodyPr/>
           <a:lstStyle/>
           <a:p>
             <a:r>
               <a:rPr lang="en-GB" dirty="0"/>
-              <a:t>Delay getting in/out of servers</a:t>
+              <a:t>High latencies</a:t>
             </a:r>
           </a:p>
           <a:p>
             <a:r>
               <a:rPr lang="en-GB" dirty="0"/>
-              <a:t>FPGAs </a:t>
-            </a:r>
-            <a:r>
-              <a:rPr lang="en-GB" dirty="0" err="1"/>
-              <a:t>buld</a:t>
-            </a:r>
+              <a:t>Large data centres</a:t>
+            </a:r>
+          </a:p>
+          <a:p>
             <a:r>
               <a:rPr lang="en-GB" dirty="0"/>
-              <a:t> custom compute architectures – v low latency – already used in switching / SDN</a:t>
+              <a:t>Amazon Web Services (AWS)</a:t>
             </a:r>
           </a:p>
           <a:p>
             <a:r>
               <a:rPr lang="en-GB" dirty="0"/>
-              <a:t>Could be used in compute </a:t>
-            </a:r>
-            <a:r>
-              <a:rPr lang="en-GB" dirty="0" err="1"/>
-              <a:t>bc</a:t>
-            </a:r>
+              <a:t>Microsoft Azure</a:t>
+            </a:r>
+          </a:p>
+          <a:p>
             <a:r>
               <a:rPr lang="en-GB" dirty="0"/>
-              <a:t> of low latency</a:t>
+              <a:t>Google Cloud Platform</a:t>
             </a:r>
           </a:p>
           <a:p>
             <a:r>
               <a:rPr lang="en-GB" dirty="0"/>
-              <a:t>Partial reconfiguration</a:t>
-            </a:r>
-          </a:p>
-          <a:p>
-            <a:r>
-              <a:rPr lang="en-GB" dirty="0"/>
-              <a:t>Specific hardware for each algorithm, swap using PR</a:t>
+              <a:t>Apache Hadoop</a:t>
             </a:r>
           </a:p>
         </p:txBody>
@@ -13260,7 +18757,7 @@
           <p:cNvPr id="5" name="Picture Placeholder 4">
             <a:extLst>
               <a:ext uri="{FF2B5EF4-FFF2-40B4-BE49-F238E27FC236}">
-                <a16:creationId xmlns:a16="http://schemas.microsoft.com/office/drawing/2014/main" id="{596F80FF-5AEC-47B9-8497-F987820BD79A}"/>
+                <a16:creationId xmlns:a16="http://schemas.microsoft.com/office/drawing/2014/main" id="{92674EE3-E4D4-4772-ADBA-1337D29E2E36}"/>
               </a:ext>
             </a:extLst>
           </p:cNvPr>
@@ -13276,13 +18773,395 @@
     </p:spTree>
     <p:extLst>
       <p:ext uri="{BB962C8B-B14F-4D97-AF65-F5344CB8AC3E}">
-        <p14:creationId xmlns:p14="http://schemas.microsoft.com/office/powerpoint/2010/main" val="2863797376"/>
+        <p14:creationId xmlns:p14="http://schemas.microsoft.com/office/powerpoint/2010/main" val="1507952201"/>
       </p:ext>
     </p:extLst>
   </p:cSld>
   <p:clrMapOvr>
     <a:masterClrMapping/>
   </p:clrMapOvr>
+  <mc:AlternateContent xmlns:mc="http://schemas.openxmlformats.org/markup-compatibility/2006" xmlns:p14="http://schemas.microsoft.com/office/powerpoint/2010/main">
+    <mc:Choice Requires="p14">
+      <p:transition p14:dur="300">
+        <p:fade/>
+      </p:transition>
+    </mc:Choice>
+    <mc:Fallback xmlns="">
+      <p:transition>
+        <p:fade/>
+      </p:transition>
+    </mc:Fallback>
+  </mc:AlternateContent>
+  <p:timing>
+    <p:tnLst>
+      <p:par>
+        <p:cTn id="1" dur="indefinite" restart="never" nodeType="tmRoot">
+          <p:childTnLst>
+            <p:seq concurrent="1" nextAc="seek">
+              <p:cTn id="2" dur="indefinite" nodeType="mainSeq">
+                <p:childTnLst>
+                  <p:par>
+                    <p:cTn id="3" fill="hold">
+                      <p:stCondLst>
+                        <p:cond delay="indefinite"/>
+                        <p:cond evt="onBegin" delay="0">
+                          <p:tn val="2"/>
+                        </p:cond>
+                      </p:stCondLst>
+                      <p:childTnLst>
+                        <p:par>
+                          <p:cTn id="4" fill="hold">
+                            <p:stCondLst>
+                              <p:cond delay="0"/>
+                            </p:stCondLst>
+                            <p:childTnLst>
+                              <p:par>
+                                <p:cTn id="5" presetID="10" presetClass="entr" presetSubtype="0" fill="hold" nodeType="afterEffect">
+                                  <p:stCondLst>
+                                    <p:cond delay="0"/>
+                                  </p:stCondLst>
+                                  <p:childTnLst>
+                                    <p:set>
+                                      <p:cBhvr>
+                                        <p:cTn id="6" dur="1" fill="hold">
+                                          <p:stCondLst>
+                                            <p:cond delay="0"/>
+                                          </p:stCondLst>
+                                        </p:cTn>
+                                        <p:tgtEl>
+                                          <p:spTgt spid="2">
+                                            <p:txEl>
+                                              <p:pRg st="0" end="0"/>
+                                            </p:txEl>
+                                          </p:spTgt>
+                                        </p:tgtEl>
+                                        <p:attrNameLst>
+                                          <p:attrName>style.visibility</p:attrName>
+                                        </p:attrNameLst>
+                                      </p:cBhvr>
+                                      <p:to>
+                                        <p:strVal val="visible"/>
+                                      </p:to>
+                                    </p:set>
+                                    <p:animEffect transition="in" filter="fade">
+                                      <p:cBhvr>
+                                        <p:cTn id="7" dur="1000"/>
+                                        <p:tgtEl>
+                                          <p:spTgt spid="2">
+                                            <p:txEl>
+                                              <p:pRg st="0" end="0"/>
+                                            </p:txEl>
+                                          </p:spTgt>
+                                        </p:tgtEl>
+                                      </p:cBhvr>
+                                    </p:animEffect>
+                                  </p:childTnLst>
+                                </p:cTn>
+                              </p:par>
+                            </p:childTnLst>
+                          </p:cTn>
+                        </p:par>
+                        <p:par>
+                          <p:cTn id="8" fill="hold">
+                            <p:stCondLst>
+                              <p:cond delay="1000"/>
+                            </p:stCondLst>
+                            <p:childTnLst>
+                              <p:par>
+                                <p:cTn id="9" presetID="10" presetClass="entr" presetSubtype="0" fill="hold" nodeType="afterEffect">
+                                  <p:stCondLst>
+                                    <p:cond delay="0"/>
+                                  </p:stCondLst>
+                                  <p:childTnLst>
+                                    <p:set>
+                                      <p:cBhvr>
+                                        <p:cTn id="10" dur="1" fill="hold">
+                                          <p:stCondLst>
+                                            <p:cond delay="0"/>
+                                          </p:stCondLst>
+                                        </p:cTn>
+                                        <p:tgtEl>
+                                          <p:spTgt spid="4">
+                                            <p:txEl>
+                                              <p:pRg st="0" end="0"/>
+                                            </p:txEl>
+                                          </p:spTgt>
+                                        </p:tgtEl>
+                                        <p:attrNameLst>
+                                          <p:attrName>style.visibility</p:attrName>
+                                        </p:attrNameLst>
+                                      </p:cBhvr>
+                                      <p:to>
+                                        <p:strVal val="visible"/>
+                                      </p:to>
+                                    </p:set>
+                                    <p:animEffect transition="in" filter="fade">
+                                      <p:cBhvr>
+                                        <p:cTn id="11" dur="1000"/>
+                                        <p:tgtEl>
+                                          <p:spTgt spid="4">
+                                            <p:txEl>
+                                              <p:pRg st="0" end="0"/>
+                                            </p:txEl>
+                                          </p:spTgt>
+                                        </p:tgtEl>
+                                      </p:cBhvr>
+                                    </p:animEffect>
+                                  </p:childTnLst>
+                                </p:cTn>
+                              </p:par>
+                              <p:par>
+                                <p:cTn id="12" presetID="10" presetClass="entr" presetSubtype="0" fill="hold" nodeType="withEffect">
+                                  <p:stCondLst>
+                                    <p:cond delay="0"/>
+                                  </p:stCondLst>
+                                  <p:childTnLst>
+                                    <p:set>
+                                      <p:cBhvr>
+                                        <p:cTn id="13" dur="1" fill="hold">
+                                          <p:stCondLst>
+                                            <p:cond delay="0"/>
+                                          </p:stCondLst>
+                                        </p:cTn>
+                                        <p:tgtEl>
+                                          <p:spTgt spid="4">
+                                            <p:txEl>
+                                              <p:pRg st="1" end="1"/>
+                                            </p:txEl>
+                                          </p:spTgt>
+                                        </p:tgtEl>
+                                        <p:attrNameLst>
+                                          <p:attrName>style.visibility</p:attrName>
+                                        </p:attrNameLst>
+                                      </p:cBhvr>
+                                      <p:to>
+                                        <p:strVal val="visible"/>
+                                      </p:to>
+                                    </p:set>
+                                    <p:animEffect transition="in" filter="fade">
+                                      <p:cBhvr>
+                                        <p:cTn id="14" dur="1000"/>
+                                        <p:tgtEl>
+                                          <p:spTgt spid="4">
+                                            <p:txEl>
+                                              <p:pRg st="1" end="1"/>
+                                            </p:txEl>
+                                          </p:spTgt>
+                                        </p:tgtEl>
+                                      </p:cBhvr>
+                                    </p:animEffect>
+                                  </p:childTnLst>
+                                </p:cTn>
+                              </p:par>
+                            </p:childTnLst>
+                          </p:cTn>
+                        </p:par>
+                        <p:par>
+                          <p:cTn id="15" fill="hold">
+                            <p:stCondLst>
+                              <p:cond delay="2000"/>
+                            </p:stCondLst>
+                            <p:childTnLst>
+                              <p:par>
+                                <p:cTn id="16" presetID="10" presetClass="entr" presetSubtype="0" fill="hold" nodeType="afterEffect">
+                                  <p:stCondLst>
+                                    <p:cond delay="0"/>
+                                  </p:stCondLst>
+                                  <p:childTnLst>
+                                    <p:set>
+                                      <p:cBhvr>
+                                        <p:cTn id="17" dur="1" fill="hold">
+                                          <p:stCondLst>
+                                            <p:cond delay="0"/>
+                                          </p:stCondLst>
+                                        </p:cTn>
+                                        <p:tgtEl>
+                                          <p:spTgt spid="4">
+                                            <p:txEl>
+                                              <p:pRg st="2" end="2"/>
+                                            </p:txEl>
+                                          </p:spTgt>
+                                        </p:tgtEl>
+                                        <p:attrNameLst>
+                                          <p:attrName>style.visibility</p:attrName>
+                                        </p:attrNameLst>
+                                      </p:cBhvr>
+                                      <p:to>
+                                        <p:strVal val="visible"/>
+                                      </p:to>
+                                    </p:set>
+                                    <p:animEffect transition="in" filter="fade">
+                                      <p:cBhvr>
+                                        <p:cTn id="18" dur="1000"/>
+                                        <p:tgtEl>
+                                          <p:spTgt spid="4">
+                                            <p:txEl>
+                                              <p:pRg st="2" end="2"/>
+                                            </p:txEl>
+                                          </p:spTgt>
+                                        </p:tgtEl>
+                                      </p:cBhvr>
+                                    </p:animEffect>
+                                  </p:childTnLst>
+                                </p:cTn>
+                              </p:par>
+                              <p:par>
+                                <p:cTn id="19" presetID="10" presetClass="entr" presetSubtype="0" fill="hold" nodeType="withEffect">
+                                  <p:stCondLst>
+                                    <p:cond delay="0"/>
+                                  </p:stCondLst>
+                                  <p:childTnLst>
+                                    <p:set>
+                                      <p:cBhvr>
+                                        <p:cTn id="20" dur="1" fill="hold">
+                                          <p:stCondLst>
+                                            <p:cond delay="0"/>
+                                          </p:stCondLst>
+                                        </p:cTn>
+                                        <p:tgtEl>
+                                          <p:spTgt spid="4">
+                                            <p:txEl>
+                                              <p:pRg st="3" end="3"/>
+                                            </p:txEl>
+                                          </p:spTgt>
+                                        </p:tgtEl>
+                                        <p:attrNameLst>
+                                          <p:attrName>style.visibility</p:attrName>
+                                        </p:attrNameLst>
+                                      </p:cBhvr>
+                                      <p:to>
+                                        <p:strVal val="visible"/>
+                                      </p:to>
+                                    </p:set>
+                                    <p:animEffect transition="in" filter="fade">
+                                      <p:cBhvr>
+                                        <p:cTn id="21" dur="1000"/>
+                                        <p:tgtEl>
+                                          <p:spTgt spid="4">
+                                            <p:txEl>
+                                              <p:pRg st="3" end="3"/>
+                                            </p:txEl>
+                                          </p:spTgt>
+                                        </p:tgtEl>
+                                      </p:cBhvr>
+                                    </p:animEffect>
+                                  </p:childTnLst>
+                                </p:cTn>
+                              </p:par>
+                              <p:par>
+                                <p:cTn id="22" presetID="10" presetClass="entr" presetSubtype="0" fill="hold" nodeType="withEffect">
+                                  <p:stCondLst>
+                                    <p:cond delay="0"/>
+                                  </p:stCondLst>
+                                  <p:childTnLst>
+                                    <p:set>
+                                      <p:cBhvr>
+                                        <p:cTn id="23" dur="1" fill="hold">
+                                          <p:stCondLst>
+                                            <p:cond delay="0"/>
+                                          </p:stCondLst>
+                                        </p:cTn>
+                                        <p:tgtEl>
+                                          <p:spTgt spid="4">
+                                            <p:txEl>
+                                              <p:pRg st="4" end="4"/>
+                                            </p:txEl>
+                                          </p:spTgt>
+                                        </p:tgtEl>
+                                        <p:attrNameLst>
+                                          <p:attrName>style.visibility</p:attrName>
+                                        </p:attrNameLst>
+                                      </p:cBhvr>
+                                      <p:to>
+                                        <p:strVal val="visible"/>
+                                      </p:to>
+                                    </p:set>
+                                    <p:animEffect transition="in" filter="fade">
+                                      <p:cBhvr>
+                                        <p:cTn id="24" dur="1000"/>
+                                        <p:tgtEl>
+                                          <p:spTgt spid="4">
+                                            <p:txEl>
+                                              <p:pRg st="4" end="4"/>
+                                            </p:txEl>
+                                          </p:spTgt>
+                                        </p:tgtEl>
+                                      </p:cBhvr>
+                                    </p:animEffect>
+                                  </p:childTnLst>
+                                </p:cTn>
+                              </p:par>
+                              <p:par>
+                                <p:cTn id="25" presetID="10" presetClass="entr" presetSubtype="0" fill="hold" nodeType="withEffect">
+                                  <p:stCondLst>
+                                    <p:cond delay="0"/>
+                                  </p:stCondLst>
+                                  <p:childTnLst>
+                                    <p:set>
+                                      <p:cBhvr>
+                                        <p:cTn id="26" dur="1" fill="hold">
+                                          <p:stCondLst>
+                                            <p:cond delay="0"/>
+                                          </p:stCondLst>
+                                        </p:cTn>
+                                        <p:tgtEl>
+                                          <p:spTgt spid="4">
+                                            <p:txEl>
+                                              <p:pRg st="5" end="5"/>
+                                            </p:txEl>
+                                          </p:spTgt>
+                                        </p:tgtEl>
+                                        <p:attrNameLst>
+                                          <p:attrName>style.visibility</p:attrName>
+                                        </p:attrNameLst>
+                                      </p:cBhvr>
+                                      <p:to>
+                                        <p:strVal val="visible"/>
+                                      </p:to>
+                                    </p:set>
+                                    <p:animEffect transition="in" filter="fade">
+                                      <p:cBhvr>
+                                        <p:cTn id="27" dur="1000"/>
+                                        <p:tgtEl>
+                                          <p:spTgt spid="4">
+                                            <p:txEl>
+                                              <p:pRg st="5" end="5"/>
+                                            </p:txEl>
+                                          </p:spTgt>
+                                        </p:tgtEl>
+                                      </p:cBhvr>
+                                    </p:animEffect>
+                                  </p:childTnLst>
+                                </p:cTn>
+                              </p:par>
+                            </p:childTnLst>
+                          </p:cTn>
+                        </p:par>
+                      </p:childTnLst>
+                    </p:cTn>
+                  </p:par>
+                </p:childTnLst>
+              </p:cTn>
+              <p:prevCondLst>
+                <p:cond evt="onPrev" delay="0">
+                  <p:tgtEl>
+                    <p:sldTgt/>
+                  </p:tgtEl>
+                </p:cond>
+              </p:prevCondLst>
+              <p:nextCondLst>
+                <p:cond evt="onNext" delay="0">
+                  <p:tgtEl>
+                    <p:sldTgt/>
+                  </p:tgtEl>
+                </p:cond>
+              </p:nextCondLst>
+            </p:seq>
+          </p:childTnLst>
+        </p:cTn>
+      </p:par>
+    </p:tnLst>
+  </p:timing>
 </p:sld>
 </file>
 
@@ -13308,7 +19187,7 @@
           <p:cNvPr id="2" name="Content Placeholder 1">
             <a:extLst>
               <a:ext uri="{FF2B5EF4-FFF2-40B4-BE49-F238E27FC236}">
-                <a16:creationId xmlns:a16="http://schemas.microsoft.com/office/drawing/2014/main" id="{E853CEAD-0B16-401D-914A-1A00AE6C470F}"/>
+                <a16:creationId xmlns:a16="http://schemas.microsoft.com/office/drawing/2014/main" id="{5E60B069-7578-4D04-87F2-79DB8B4EB8D2}"/>
               </a:ext>
             </a:extLst>
           </p:cNvPr>
@@ -13319,44 +19198,25 @@
             <p:ph idx="1"/>
           </p:nvPr>
         </p:nvSpPr>
-        <p:spPr/>
+        <p:spPr>
+          <a:xfrm>
+            <a:off x="401216" y="1483567"/>
+            <a:ext cx="5617030" cy="4236097"/>
+          </a:xfrm>
+        </p:spPr>
         <p:txBody>
           <a:bodyPr/>
           <a:lstStyle/>
           <a:p>
             <a:r>
               <a:rPr lang="en-GB" dirty="0"/>
-              <a:t>Python API</a:t>
+              <a:t>Cloud computing</a:t>
             </a:r>
           </a:p>
           <a:p>
             <a:r>
               <a:rPr lang="en-GB" dirty="0"/>
-              <a:t>Open Source</a:t>
-            </a:r>
-          </a:p>
-          <a:p>
-            <a:r>
-              <a:rPr lang="en-GB" dirty="0"/>
-              <a:t>Broad tool</a:t>
-            </a:r>
-          </a:p>
-          <a:p>
-            <a:r>
-              <a:rPr lang="en-GB" dirty="0"/>
-              <a:t>Scalable</a:t>
-            </a:r>
-          </a:p>
-          <a:p>
-            <a:r>
-              <a:rPr lang="en-GB" dirty="0"/>
-              <a:t>Dependency chain</a:t>
-            </a:r>
-          </a:p>
-          <a:p>
-            <a:r>
-              <a:rPr lang="en-GB" dirty="0"/>
-              <a:t>Bash script for installation</a:t>
+              <a:t>Existing solutions</a:t>
             </a:r>
           </a:p>
         </p:txBody>
@@ -13366,7 +19226,7 @@
           <p:cNvPr id="3" name="Title 2">
             <a:extLst>
               <a:ext uri="{FF2B5EF4-FFF2-40B4-BE49-F238E27FC236}">
-                <a16:creationId xmlns:a16="http://schemas.microsoft.com/office/drawing/2014/main" id="{EEBD039F-81B2-4240-82F4-DA535A47A870}"/>
+                <a16:creationId xmlns:a16="http://schemas.microsoft.com/office/drawing/2014/main" id="{420BC91F-844A-402C-8454-635591A56948}"/>
               </a:ext>
             </a:extLst>
           </p:cNvPr>
@@ -13385,10 +19245,9 @@
           <a:lstStyle/>
           <a:p>
             <a:r>
-              <a:rPr lang="en-GB" dirty="0" err="1"/>
-              <a:t>Mininet</a:t>
-            </a:r>
-            <a:endParaRPr lang="en-GB" dirty="0"/>
+              <a:rPr lang="en-GB" dirty="0"/>
+              <a:t>Why Smart FPGA Switches?</a:t>
+            </a:r>
           </a:p>
         </p:txBody>
       </p:sp>
@@ -13397,7 +19256,7 @@
           <p:cNvPr id="4" name="Content Placeholder 3">
             <a:extLst>
               <a:ext uri="{FF2B5EF4-FFF2-40B4-BE49-F238E27FC236}">
-                <a16:creationId xmlns:a16="http://schemas.microsoft.com/office/drawing/2014/main" id="{70AA1095-81D3-4F7E-8174-101063E1F084}"/>
+                <a16:creationId xmlns:a16="http://schemas.microsoft.com/office/drawing/2014/main" id="{1878B46F-67E3-4A8A-BAA8-4AB796F3AF37}"/>
               </a:ext>
             </a:extLst>
           </p:cNvPr>
@@ -13408,12 +19267,39 @@
             <p:ph idx="10"/>
           </p:nvPr>
         </p:nvSpPr>
-        <p:spPr/>
+        <p:spPr>
+          <a:xfrm>
+            <a:off x="6214186" y="1483566"/>
+            <a:ext cx="5617030" cy="4236097"/>
+          </a:xfrm>
+        </p:spPr>
         <p:txBody>
           <a:bodyPr/>
           <a:lstStyle/>
           <a:p>
-            <a:endParaRPr lang="en-GB"/>
+            <a:r>
+              <a:rPr lang="en-GB" dirty="0"/>
+              <a:t>“Edge” / “gateway” nodes</a:t>
+            </a:r>
+          </a:p>
+          <a:p>
+            <a:r>
+              <a:rPr lang="en-GB" dirty="0"/>
+              <a:t>Mainframes</a:t>
+            </a:r>
+          </a:p>
+          <a:p>
+            <a:r>
+              <a:rPr lang="en-GB" dirty="0" err="1"/>
+              <a:t>NetFPGA</a:t>
+            </a:r>
+            <a:endParaRPr lang="en-GB" dirty="0"/>
+          </a:p>
+          <a:p>
+            <a:r>
+              <a:rPr lang="en-GB" dirty="0"/>
+              <a:t>Software Defined Networking (SDN)</a:t>
+            </a:r>
           </a:p>
         </p:txBody>
       </p:sp>
@@ -13422,7 +19308,7 @@
           <p:cNvPr id="5" name="Picture Placeholder 4">
             <a:extLst>
               <a:ext uri="{FF2B5EF4-FFF2-40B4-BE49-F238E27FC236}">
-                <a16:creationId xmlns:a16="http://schemas.microsoft.com/office/drawing/2014/main" id="{C7CCA159-BE9B-42A6-A4FB-67C48279DAFB}"/>
+                <a16:creationId xmlns:a16="http://schemas.microsoft.com/office/drawing/2014/main" id="{92674EE3-E4D4-4772-ADBA-1337D29E2E36}"/>
               </a:ext>
             </a:extLst>
           </p:cNvPr>
@@ -13438,13 +19324,25 @@
     </p:spTree>
     <p:extLst>
       <p:ext uri="{BB962C8B-B14F-4D97-AF65-F5344CB8AC3E}">
-        <p14:creationId xmlns:p14="http://schemas.microsoft.com/office/powerpoint/2010/main" val="2823065228"/>
+        <p14:creationId xmlns:p14="http://schemas.microsoft.com/office/powerpoint/2010/main" val="3242805573"/>
       </p:ext>
     </p:extLst>
   </p:cSld>
   <p:clrMapOvr>
     <a:masterClrMapping/>
   </p:clrMapOvr>
+  <mc:AlternateContent xmlns:mc="http://schemas.openxmlformats.org/markup-compatibility/2006" xmlns:p14="http://schemas.microsoft.com/office/powerpoint/2010/main">
+    <mc:Choice Requires="p14">
+      <p:transition p14:dur="300">
+        <p:fade/>
+      </p:transition>
+    </mc:Choice>
+    <mc:Fallback xmlns="">
+      <p:transition>
+        <p:fade/>
+      </p:transition>
+    </mc:Fallback>
+  </mc:AlternateContent>
 </p:sld>
 </file>
 
@@ -13470,7 +19368,7 @@
           <p:cNvPr id="2" name="Content Placeholder 1">
             <a:extLst>
               <a:ext uri="{FF2B5EF4-FFF2-40B4-BE49-F238E27FC236}">
-                <a16:creationId xmlns:a16="http://schemas.microsoft.com/office/drawing/2014/main" id="{5B8A5142-16E4-4173-88DF-C66957ABBCE9}"/>
+                <a16:creationId xmlns:a16="http://schemas.microsoft.com/office/drawing/2014/main" id="{5E60B069-7578-4D04-87F2-79DB8B4EB8D2}"/>
               </a:ext>
             </a:extLst>
           </p:cNvPr>
@@ -13481,51 +19379,31 @@
             <p:ph idx="1"/>
           </p:nvPr>
         </p:nvSpPr>
-        <p:spPr/>
+        <p:spPr>
+          <a:xfrm>
+            <a:off x="401216" y="1483567"/>
+            <a:ext cx="5617030" cy="4236097"/>
+          </a:xfrm>
+        </p:spPr>
         <p:txBody>
           <a:bodyPr/>
           <a:lstStyle/>
           <a:p>
             <a:r>
               <a:rPr lang="en-GB" dirty="0"/>
-              <a:t>PCI Express interface</a:t>
+              <a:t>Cloud computing</a:t>
             </a:r>
           </a:p>
           <a:p>
             <a:r>
               <a:rPr lang="en-GB" dirty="0"/>
-              <a:t>Xilinx </a:t>
-            </a:r>
-            <a:r>
-              <a:rPr lang="en-GB" dirty="0" err="1"/>
-              <a:t>Virtex</a:t>
-            </a:r>
+              <a:t>Existing solutions</a:t>
+            </a:r>
+          </a:p>
+          <a:p>
             <a:r>
               <a:rPr lang="en-GB" dirty="0"/>
-              <a:t> / </a:t>
-            </a:r>
-            <a:r>
-              <a:rPr lang="en-GB" dirty="0" err="1"/>
-              <a:t>Kintex</a:t>
-            </a:r>
-            <a:endParaRPr lang="en-GB" dirty="0"/>
-          </a:p>
-          <a:p>
-            <a:r>
-              <a:rPr lang="en-GB" dirty="0"/>
-              <a:t>4 x 1Gbps – 10Gbps Ethernet</a:t>
-            </a:r>
-          </a:p>
-          <a:p>
-            <a:r>
-              <a:rPr lang="en-GB" dirty="0"/>
-              <a:t>Open source software</a:t>
-            </a:r>
-          </a:p>
-          <a:p>
-            <a:r>
-              <a:rPr lang="en-GB" dirty="0"/>
-              <a:t>1G, 10G, SUME, CML</a:t>
+              <a:t>Drawbacks</a:t>
             </a:r>
           </a:p>
         </p:txBody>
@@ -13535,7 +19413,7 @@
           <p:cNvPr id="3" name="Title 2">
             <a:extLst>
               <a:ext uri="{FF2B5EF4-FFF2-40B4-BE49-F238E27FC236}">
-                <a16:creationId xmlns:a16="http://schemas.microsoft.com/office/drawing/2014/main" id="{1E0DC561-4E87-42FA-8023-AF0B13130FE2}"/>
+                <a16:creationId xmlns:a16="http://schemas.microsoft.com/office/drawing/2014/main" id="{420BC91F-844A-402C-8454-635591A56948}"/>
               </a:ext>
             </a:extLst>
           </p:cNvPr>
@@ -13554,10 +19432,9 @@
           <a:lstStyle/>
           <a:p>
             <a:r>
-              <a:rPr lang="en-GB" dirty="0" err="1"/>
-              <a:t>NetFPGA</a:t>
-            </a:r>
-            <a:endParaRPr lang="en-GB" dirty="0"/>
+              <a:rPr lang="en-GB" dirty="0"/>
+              <a:t>Why Smart FPGA Switches?</a:t>
+            </a:r>
           </a:p>
         </p:txBody>
       </p:sp>
@@ -13566,7 +19443,7 @@
           <p:cNvPr id="4" name="Content Placeholder 3">
             <a:extLst>
               <a:ext uri="{FF2B5EF4-FFF2-40B4-BE49-F238E27FC236}">
-                <a16:creationId xmlns:a16="http://schemas.microsoft.com/office/drawing/2014/main" id="{BC5F2367-B1B3-46F6-876E-4F567F072304}"/>
+                <a16:creationId xmlns:a16="http://schemas.microsoft.com/office/drawing/2014/main" id="{1878B46F-67E3-4A8A-BAA8-4AB796F3AF37}"/>
               </a:ext>
             </a:extLst>
           </p:cNvPr>
@@ -13577,12 +19454,38 @@
             <p:ph idx="10"/>
           </p:nvPr>
         </p:nvSpPr>
-        <p:spPr/>
+        <p:spPr>
+          <a:xfrm>
+            <a:off x="6214186" y="1483566"/>
+            <a:ext cx="5617030" cy="4236097"/>
+          </a:xfrm>
+        </p:spPr>
         <p:txBody>
           <a:bodyPr/>
           <a:lstStyle/>
           <a:p>
-            <a:endParaRPr lang="en-GB"/>
+            <a:r>
+              <a:rPr lang="en-GB" dirty="0"/>
+              <a:t>Similar to data centres</a:t>
+            </a:r>
+          </a:p>
+          <a:p>
+            <a:r>
+              <a:rPr lang="en-GB" dirty="0"/>
+              <a:t>Latency</a:t>
+            </a:r>
+          </a:p>
+          <a:p>
+            <a:r>
+              <a:rPr lang="en-GB" dirty="0"/>
+              <a:t>Security</a:t>
+            </a:r>
+          </a:p>
+          <a:p>
+            <a:r>
+              <a:rPr lang="en-GB" dirty="0"/>
+              <a:t>Scalability</a:t>
+            </a:r>
           </a:p>
         </p:txBody>
       </p:sp>
@@ -13591,7 +19494,7 @@
           <p:cNvPr id="5" name="Picture Placeholder 4">
             <a:extLst>
               <a:ext uri="{FF2B5EF4-FFF2-40B4-BE49-F238E27FC236}">
-                <a16:creationId xmlns:a16="http://schemas.microsoft.com/office/drawing/2014/main" id="{035F4C06-190E-4578-9EBA-9650B2176DDD}"/>
+                <a16:creationId xmlns:a16="http://schemas.microsoft.com/office/drawing/2014/main" id="{92674EE3-E4D4-4772-ADBA-1337D29E2E36}"/>
               </a:ext>
             </a:extLst>
           </p:cNvPr>
@@ -13607,13 +19510,25 @@
     </p:spTree>
     <p:extLst>
       <p:ext uri="{BB962C8B-B14F-4D97-AF65-F5344CB8AC3E}">
-        <p14:creationId xmlns:p14="http://schemas.microsoft.com/office/powerpoint/2010/main" val="1899723471"/>
+        <p14:creationId xmlns:p14="http://schemas.microsoft.com/office/powerpoint/2010/main" val="2865518745"/>
       </p:ext>
     </p:extLst>
   </p:cSld>
   <p:clrMapOvr>
     <a:masterClrMapping/>
   </p:clrMapOvr>
+  <mc:AlternateContent xmlns:mc="http://schemas.openxmlformats.org/markup-compatibility/2006" xmlns:p14="http://schemas.microsoft.com/office/powerpoint/2010/main">
+    <mc:Choice Requires="p14">
+      <p:transition p14:dur="300">
+        <p:fade/>
+      </p:transition>
+    </mc:Choice>
+    <mc:Fallback xmlns="">
+      <p:transition>
+        <p:fade/>
+      </p:transition>
+    </mc:Fallback>
+  </mc:AlternateContent>
 </p:sld>
 </file>
 
@@ -13639,7 +19554,7 @@
           <p:cNvPr id="2" name="Content Placeholder 1">
             <a:extLst>
               <a:ext uri="{FF2B5EF4-FFF2-40B4-BE49-F238E27FC236}">
-                <a16:creationId xmlns:a16="http://schemas.microsoft.com/office/drawing/2014/main" id="{1096CC21-4FED-4B52-9945-72D2A50610B9}"/>
+                <a16:creationId xmlns:a16="http://schemas.microsoft.com/office/drawing/2014/main" id="{5E60B069-7578-4D04-87F2-79DB8B4EB8D2}"/>
               </a:ext>
             </a:extLst>
           </p:cNvPr>
@@ -13650,61 +19565,38 @@
             <p:ph idx="1"/>
           </p:nvPr>
         </p:nvSpPr>
-        <p:spPr/>
-        <p:txBody>
-          <a:bodyPr>
-            <a:normAutofit fontScale="92500" lnSpcReduction="20000"/>
-          </a:bodyPr>
+        <p:spPr>
+          <a:xfrm>
+            <a:off x="401216" y="1483567"/>
+            <a:ext cx="5617030" cy="4236097"/>
+          </a:xfrm>
+        </p:spPr>
+        <p:txBody>
+          <a:bodyPr/>
           <a:lstStyle/>
           <a:p>
             <a:r>
               <a:rPr lang="en-GB" dirty="0"/>
-              <a:t>Open Source (GitHub)</a:t>
+              <a:t>Cloud computing</a:t>
             </a:r>
           </a:p>
           <a:p>
             <a:r>
               <a:rPr lang="en-GB" dirty="0"/>
-              <a:t>Kanban Board (Trello)</a:t>
+              <a:t>Existing solutions</a:t>
             </a:r>
           </a:p>
           <a:p>
             <a:r>
               <a:rPr lang="en-GB" dirty="0"/>
-              <a:t>Weekly meetings</a:t>
+              <a:t>Drawbacks</a:t>
             </a:r>
           </a:p>
           <a:p>
             <a:r>
               <a:rPr lang="en-GB" dirty="0"/>
-              <a:t>Agile</a:t>
-            </a:r>
-          </a:p>
-          <a:p>
-            <a:r>
-              <a:rPr lang="en-GB" dirty="0"/>
-              <a:t>Git submodule</a:t>
-            </a:r>
-          </a:p>
-          <a:p>
-            <a:r>
-              <a:rPr lang="en-GB" dirty="0"/>
-              <a:t>Licensing issues</a:t>
-            </a:r>
-          </a:p>
-          <a:p>
-            <a:r>
-              <a:rPr lang="en-GB" dirty="0"/>
-              <a:t>Access </a:t>
-            </a:r>
-            <a:r>
-              <a:rPr lang="en-GB"/>
-              <a:t>to tools</a:t>
-            </a:r>
-            <a:endParaRPr lang="en-GB" dirty="0"/>
-          </a:p>
-          <a:p>
-            <a:endParaRPr lang="en-GB" dirty="0"/>
+              <a:t>Solution</a:t>
+            </a:r>
           </a:p>
         </p:txBody>
       </p:sp>
@@ -13713,7 +19605,7 @@
           <p:cNvPr id="3" name="Title 2">
             <a:extLst>
               <a:ext uri="{FF2B5EF4-FFF2-40B4-BE49-F238E27FC236}">
-                <a16:creationId xmlns:a16="http://schemas.microsoft.com/office/drawing/2014/main" id="{FB5BED35-C2AC-474A-934A-98AE4F4D3E80}"/>
+                <a16:creationId xmlns:a16="http://schemas.microsoft.com/office/drawing/2014/main" id="{420BC91F-844A-402C-8454-635591A56948}"/>
               </a:ext>
             </a:extLst>
           </p:cNvPr>
@@ -13733,7 +19625,7 @@
           <a:p>
             <a:r>
               <a:rPr lang="en-GB" dirty="0"/>
-              <a:t>Project Management</a:t>
+              <a:t>Why Smart FPGA Switches?</a:t>
             </a:r>
           </a:p>
         </p:txBody>
@@ -13743,7 +19635,7 @@
           <p:cNvPr id="4" name="Content Placeholder 3">
             <a:extLst>
               <a:ext uri="{FF2B5EF4-FFF2-40B4-BE49-F238E27FC236}">
-                <a16:creationId xmlns:a16="http://schemas.microsoft.com/office/drawing/2014/main" id="{F4A9EB92-E051-410D-989E-F5CDE34F7E99}"/>
+                <a16:creationId xmlns:a16="http://schemas.microsoft.com/office/drawing/2014/main" id="{1878B46F-67E3-4A8A-BAA8-4AB796F3AF37}"/>
               </a:ext>
             </a:extLst>
           </p:cNvPr>
@@ -13754,12 +19646,26 @@
             <p:ph idx="10"/>
           </p:nvPr>
         </p:nvSpPr>
-        <p:spPr/>
+        <p:spPr>
+          <a:xfrm>
+            <a:off x="6214186" y="1483566"/>
+            <a:ext cx="5617030" cy="4236097"/>
+          </a:xfrm>
+        </p:spPr>
         <p:txBody>
           <a:bodyPr/>
           <a:lstStyle/>
           <a:p>
-            <a:endParaRPr lang="en-GB"/>
+            <a:r>
+              <a:rPr lang="en-GB" dirty="0"/>
+              <a:t>Do not divert data from existing path</a:t>
+            </a:r>
+          </a:p>
+          <a:p>
+            <a:r>
+              <a:rPr lang="en-GB" dirty="0"/>
+              <a:t>Appropriate device for computation</a:t>
+            </a:r>
           </a:p>
         </p:txBody>
       </p:sp>
@@ -13768,7 +19674,7 @@
           <p:cNvPr id="5" name="Picture Placeholder 4">
             <a:extLst>
               <a:ext uri="{FF2B5EF4-FFF2-40B4-BE49-F238E27FC236}">
-                <a16:creationId xmlns:a16="http://schemas.microsoft.com/office/drawing/2014/main" id="{655E0AA9-E01E-470A-B017-30AD9583B826}"/>
+                <a16:creationId xmlns:a16="http://schemas.microsoft.com/office/drawing/2014/main" id="{92674EE3-E4D4-4772-ADBA-1337D29E2E36}"/>
               </a:ext>
             </a:extLst>
           </p:cNvPr>
@@ -13781,16 +19687,743 @@
         </p:nvSpPr>
         <p:spPr/>
       </p:sp>
+      <p:cxnSp>
+        <p:nvCxnSpPr>
+          <p:cNvPr id="7" name="Straight Arrow Connector 6">
+            <a:extLst>
+              <a:ext uri="{FF2B5EF4-FFF2-40B4-BE49-F238E27FC236}">
+                <a16:creationId xmlns:a16="http://schemas.microsoft.com/office/drawing/2014/main" id="{D2E42ED7-0D06-4CA2-B24E-6BDA08288463}"/>
+              </a:ext>
+            </a:extLst>
+          </p:cNvPr>
+          <p:cNvCxnSpPr>
+            <a:cxnSpLocks/>
+          </p:cNvCxnSpPr>
+          <p:nvPr/>
+        </p:nvCxnSpPr>
+        <p:spPr>
+          <a:xfrm>
+            <a:off x="1129364" y="5467149"/>
+            <a:ext cx="9933272" cy="0"/>
+          </a:xfrm>
+          <a:prstGeom prst="straightConnector1">
+            <a:avLst/>
+          </a:prstGeom>
+          <a:ln w="38100" cap="flat" cmpd="sng" algn="ctr">
+            <a:solidFill>
+              <a:schemeClr val="accent4"/>
+            </a:solidFill>
+            <a:prstDash val="solid"/>
+            <a:round/>
+            <a:headEnd type="arrow" w="med" len="med"/>
+            <a:tailEnd type="arrow" w="med" len="med"/>
+          </a:ln>
+        </p:spPr>
+        <p:style>
+          <a:lnRef idx="0">
+            <a:scrgbClr r="0" g="0" b="0"/>
+          </a:lnRef>
+          <a:fillRef idx="0">
+            <a:scrgbClr r="0" g="0" b="0"/>
+          </a:fillRef>
+          <a:effectRef idx="0">
+            <a:scrgbClr r="0" g="0" b="0"/>
+          </a:effectRef>
+          <a:fontRef idx="minor">
+            <a:schemeClr val="tx1"/>
+          </a:fontRef>
+        </p:style>
+      </p:cxnSp>
+      <p:sp>
+        <p:nvSpPr>
+          <p:cNvPr id="9" name="TextBox 8">
+            <a:extLst>
+              <a:ext uri="{FF2B5EF4-FFF2-40B4-BE49-F238E27FC236}">
+                <a16:creationId xmlns:a16="http://schemas.microsoft.com/office/drawing/2014/main" id="{451363F5-DC7C-4323-85F0-B02C06AF7666}"/>
+              </a:ext>
+            </a:extLst>
+          </p:cNvPr>
+          <p:cNvSpPr txBox="1"/>
+          <p:nvPr/>
+        </p:nvSpPr>
+        <p:spPr>
+          <a:xfrm>
+            <a:off x="1129364" y="4927245"/>
+            <a:ext cx="904775" cy="369332"/>
+          </a:xfrm>
+          <a:prstGeom prst="rect">
+            <a:avLst/>
+          </a:prstGeom>
+          <a:noFill/>
+        </p:spPr>
+        <p:txBody>
+          <a:bodyPr wrap="square" rtlCol="0">
+            <a:spAutoFit/>
+          </a:bodyPr>
+          <a:lstStyle/>
+          <a:p>
+            <a:r>
+              <a:rPr lang="en-GB" dirty="0">
+                <a:solidFill>
+                  <a:schemeClr val="accent4"/>
+                </a:solidFill>
+              </a:rPr>
+              <a:t>Fast</a:t>
+            </a:r>
+          </a:p>
+        </p:txBody>
+      </p:sp>
+      <p:sp>
+        <p:nvSpPr>
+          <p:cNvPr id="10" name="TextBox 9">
+            <a:extLst>
+              <a:ext uri="{FF2B5EF4-FFF2-40B4-BE49-F238E27FC236}">
+                <a16:creationId xmlns:a16="http://schemas.microsoft.com/office/drawing/2014/main" id="{29B9737C-F57F-4ACF-BFFF-667E54F06784}"/>
+              </a:ext>
+            </a:extLst>
+          </p:cNvPr>
+          <p:cNvSpPr txBox="1"/>
+          <p:nvPr/>
+        </p:nvSpPr>
+        <p:spPr>
+          <a:xfrm>
+            <a:off x="10157861" y="4926530"/>
+            <a:ext cx="904775" cy="369332"/>
+          </a:xfrm>
+          <a:prstGeom prst="rect">
+            <a:avLst/>
+          </a:prstGeom>
+          <a:noFill/>
+        </p:spPr>
+        <p:txBody>
+          <a:bodyPr wrap="square" rtlCol="0">
+            <a:spAutoFit/>
+          </a:bodyPr>
+          <a:lstStyle/>
+          <a:p>
+            <a:pPr algn="r"/>
+            <a:r>
+              <a:rPr lang="en-GB" dirty="0">
+                <a:solidFill>
+                  <a:schemeClr val="accent4"/>
+                </a:solidFill>
+              </a:rPr>
+              <a:t>Slow</a:t>
+            </a:r>
+          </a:p>
+        </p:txBody>
+      </p:sp>
+      <p:sp>
+        <p:nvSpPr>
+          <p:cNvPr id="12" name="TextBox 11">
+            <a:extLst>
+              <a:ext uri="{FF2B5EF4-FFF2-40B4-BE49-F238E27FC236}">
+                <a16:creationId xmlns:a16="http://schemas.microsoft.com/office/drawing/2014/main" id="{F26DA516-1F6C-4DB3-8279-85D7B63D4AF2}"/>
+              </a:ext>
+            </a:extLst>
+          </p:cNvPr>
+          <p:cNvSpPr txBox="1"/>
+          <p:nvPr/>
+        </p:nvSpPr>
+        <p:spPr>
+          <a:xfrm>
+            <a:off x="1129364" y="4655863"/>
+            <a:ext cx="904775" cy="369332"/>
+          </a:xfrm>
+          <a:prstGeom prst="rect">
+            <a:avLst/>
+          </a:prstGeom>
+          <a:noFill/>
+        </p:spPr>
+        <p:txBody>
+          <a:bodyPr wrap="square" rtlCol="0">
+            <a:spAutoFit/>
+          </a:bodyPr>
+          <a:lstStyle/>
+          <a:p>
+            <a:r>
+              <a:rPr lang="en-GB" dirty="0">
+                <a:solidFill>
+                  <a:schemeClr val="accent4"/>
+                </a:solidFill>
+              </a:rPr>
+              <a:t>Static</a:t>
+            </a:r>
+          </a:p>
+        </p:txBody>
+      </p:sp>
+      <p:sp>
+        <p:nvSpPr>
+          <p:cNvPr id="13" name="TextBox 12">
+            <a:extLst>
+              <a:ext uri="{FF2B5EF4-FFF2-40B4-BE49-F238E27FC236}">
+                <a16:creationId xmlns:a16="http://schemas.microsoft.com/office/drawing/2014/main" id="{CE84D726-6C54-43D9-9F0F-8584313FFBBA}"/>
+              </a:ext>
+            </a:extLst>
+          </p:cNvPr>
+          <p:cNvSpPr txBox="1"/>
+          <p:nvPr/>
+        </p:nvSpPr>
+        <p:spPr>
+          <a:xfrm>
+            <a:off x="10157861" y="4655148"/>
+            <a:ext cx="904775" cy="369332"/>
+          </a:xfrm>
+          <a:prstGeom prst="rect">
+            <a:avLst/>
+          </a:prstGeom>
+          <a:noFill/>
+        </p:spPr>
+        <p:txBody>
+          <a:bodyPr wrap="square" rtlCol="0">
+            <a:spAutoFit/>
+          </a:bodyPr>
+          <a:lstStyle/>
+          <a:p>
+            <a:pPr algn="r"/>
+            <a:r>
+              <a:rPr lang="en-GB" dirty="0">
+                <a:solidFill>
+                  <a:schemeClr val="accent4"/>
+                </a:solidFill>
+              </a:rPr>
+              <a:t>Flexible</a:t>
+            </a:r>
+          </a:p>
+        </p:txBody>
+      </p:sp>
+      <p:sp>
+        <p:nvSpPr>
+          <p:cNvPr id="14" name="TextBox 13">
+            <a:extLst>
+              <a:ext uri="{FF2B5EF4-FFF2-40B4-BE49-F238E27FC236}">
+                <a16:creationId xmlns:a16="http://schemas.microsoft.com/office/drawing/2014/main" id="{B2617381-9F48-4434-B57D-0670B1E9C98B}"/>
+              </a:ext>
+            </a:extLst>
+          </p:cNvPr>
+          <p:cNvSpPr txBox="1"/>
+          <p:nvPr/>
+        </p:nvSpPr>
+        <p:spPr>
+          <a:xfrm>
+            <a:off x="2006083" y="5518715"/>
+            <a:ext cx="904775" cy="400110"/>
+          </a:xfrm>
+          <a:prstGeom prst="rect">
+            <a:avLst/>
+          </a:prstGeom>
+          <a:noFill/>
+        </p:spPr>
+        <p:txBody>
+          <a:bodyPr wrap="square" rtlCol="0">
+            <a:spAutoFit/>
+          </a:bodyPr>
+          <a:lstStyle/>
+          <a:p>
+            <a:r>
+              <a:rPr lang="en-GB" sz="2000" u="sng" dirty="0">
+                <a:solidFill>
+                  <a:schemeClr val="bg2"/>
+                </a:solidFill>
+              </a:rPr>
+              <a:t>ASIC</a:t>
+            </a:r>
+          </a:p>
+        </p:txBody>
+      </p:sp>
+      <p:sp>
+        <p:nvSpPr>
+          <p:cNvPr id="15" name="TextBox 14">
+            <a:extLst>
+              <a:ext uri="{FF2B5EF4-FFF2-40B4-BE49-F238E27FC236}">
+                <a16:creationId xmlns:a16="http://schemas.microsoft.com/office/drawing/2014/main" id="{C6FBB13A-3F21-47E2-880B-4DF26A8F6DCD}"/>
+              </a:ext>
+            </a:extLst>
+          </p:cNvPr>
+          <p:cNvSpPr txBox="1"/>
+          <p:nvPr/>
+        </p:nvSpPr>
+        <p:spPr>
+          <a:xfrm>
+            <a:off x="5644808" y="5518715"/>
+            <a:ext cx="904775" cy="400110"/>
+          </a:xfrm>
+          <a:prstGeom prst="rect">
+            <a:avLst/>
+          </a:prstGeom>
+          <a:noFill/>
+        </p:spPr>
+        <p:txBody>
+          <a:bodyPr wrap="square" rtlCol="0">
+            <a:spAutoFit/>
+          </a:bodyPr>
+          <a:lstStyle/>
+          <a:p>
+            <a:r>
+              <a:rPr lang="en-GB" sz="2000" u="sng" dirty="0">
+                <a:solidFill>
+                  <a:schemeClr val="bg2"/>
+                </a:solidFill>
+              </a:rPr>
+              <a:t>FPGA</a:t>
+            </a:r>
+          </a:p>
+        </p:txBody>
+      </p:sp>
+      <p:sp>
+        <p:nvSpPr>
+          <p:cNvPr id="16" name="TextBox 15">
+            <a:extLst>
+              <a:ext uri="{FF2B5EF4-FFF2-40B4-BE49-F238E27FC236}">
+                <a16:creationId xmlns:a16="http://schemas.microsoft.com/office/drawing/2014/main" id="{3F416B0A-DFFE-467F-A674-3C82D5E6AB71}"/>
+              </a:ext>
+            </a:extLst>
+          </p:cNvPr>
+          <p:cNvSpPr txBox="1"/>
+          <p:nvPr/>
+        </p:nvSpPr>
+        <p:spPr>
+          <a:xfrm>
+            <a:off x="9283532" y="5545391"/>
+            <a:ext cx="904775" cy="400110"/>
+          </a:xfrm>
+          <a:prstGeom prst="rect">
+            <a:avLst/>
+          </a:prstGeom>
+          <a:noFill/>
+        </p:spPr>
+        <p:txBody>
+          <a:bodyPr wrap="square" rtlCol="0">
+            <a:spAutoFit/>
+          </a:bodyPr>
+          <a:lstStyle/>
+          <a:p>
+            <a:r>
+              <a:rPr lang="en-GB" sz="2000" u="sng" dirty="0">
+                <a:solidFill>
+                  <a:schemeClr val="bg2"/>
+                </a:solidFill>
+              </a:rPr>
+              <a:t>CPU</a:t>
+            </a:r>
+          </a:p>
+        </p:txBody>
+      </p:sp>
     </p:spTree>
     <p:extLst>
       <p:ext uri="{BB962C8B-B14F-4D97-AF65-F5344CB8AC3E}">
-        <p14:creationId xmlns:p14="http://schemas.microsoft.com/office/powerpoint/2010/main" val="763078848"/>
+        <p14:creationId xmlns:p14="http://schemas.microsoft.com/office/powerpoint/2010/main" val="718569484"/>
       </p:ext>
     </p:extLst>
   </p:cSld>
   <p:clrMapOvr>
     <a:masterClrMapping/>
   </p:clrMapOvr>
+  <mc:AlternateContent xmlns:mc="http://schemas.openxmlformats.org/markup-compatibility/2006" xmlns:p14="http://schemas.microsoft.com/office/powerpoint/2010/main">
+    <mc:Choice Requires="p14">
+      <p:transition p14:dur="300">
+        <p:fade/>
+      </p:transition>
+    </mc:Choice>
+    <mc:Fallback xmlns="">
+      <p:transition>
+        <p:fade/>
+      </p:transition>
+    </mc:Fallback>
+  </mc:AlternateContent>
+  <p:timing>
+    <p:tnLst>
+      <p:par>
+        <p:cTn id="1" dur="indefinite" restart="never" nodeType="tmRoot">
+          <p:childTnLst>
+            <p:seq concurrent="1" nextAc="seek">
+              <p:cTn id="2" dur="indefinite" nodeType="mainSeq">
+                <p:childTnLst>
+                  <p:par>
+                    <p:cTn id="3" fill="hold">
+                      <p:stCondLst>
+                        <p:cond delay="indefinite"/>
+                      </p:stCondLst>
+                      <p:childTnLst>
+                        <p:par>
+                          <p:cTn id="4" fill="hold">
+                            <p:stCondLst>
+                              <p:cond delay="0"/>
+                            </p:stCondLst>
+                            <p:childTnLst>
+                              <p:par>
+                                <p:cTn id="5" presetID="10" presetClass="entr" presetSubtype="0" fill="hold" grpId="0" nodeType="clickEffect">
+                                  <p:stCondLst>
+                                    <p:cond delay="0"/>
+                                  </p:stCondLst>
+                                  <p:childTnLst>
+                                    <p:set>
+                                      <p:cBhvr>
+                                        <p:cTn id="6" dur="1" fill="hold">
+                                          <p:stCondLst>
+                                            <p:cond delay="0"/>
+                                          </p:stCondLst>
+                                        </p:cTn>
+                                        <p:tgtEl>
+                                          <p:spTgt spid="9"/>
+                                        </p:tgtEl>
+                                        <p:attrNameLst>
+                                          <p:attrName>style.visibility</p:attrName>
+                                        </p:attrNameLst>
+                                      </p:cBhvr>
+                                      <p:to>
+                                        <p:strVal val="visible"/>
+                                      </p:to>
+                                    </p:set>
+                                    <p:animEffect transition="in" filter="fade">
+                                      <p:cBhvr>
+                                        <p:cTn id="7" dur="500"/>
+                                        <p:tgtEl>
+                                          <p:spTgt spid="9"/>
+                                        </p:tgtEl>
+                                      </p:cBhvr>
+                                    </p:animEffect>
+                                  </p:childTnLst>
+                                </p:cTn>
+                              </p:par>
+                              <p:par>
+                                <p:cTn id="8" presetID="10" presetClass="entr" presetSubtype="0" fill="hold" grpId="0" nodeType="withEffect">
+                                  <p:stCondLst>
+                                    <p:cond delay="0"/>
+                                  </p:stCondLst>
+                                  <p:childTnLst>
+                                    <p:set>
+                                      <p:cBhvr>
+                                        <p:cTn id="9" dur="1" fill="hold">
+                                          <p:stCondLst>
+                                            <p:cond delay="0"/>
+                                          </p:stCondLst>
+                                        </p:cTn>
+                                        <p:tgtEl>
+                                          <p:spTgt spid="14"/>
+                                        </p:tgtEl>
+                                        <p:attrNameLst>
+                                          <p:attrName>style.visibility</p:attrName>
+                                        </p:attrNameLst>
+                                      </p:cBhvr>
+                                      <p:to>
+                                        <p:strVal val="visible"/>
+                                      </p:to>
+                                    </p:set>
+                                    <p:animEffect transition="in" filter="fade">
+                                      <p:cBhvr>
+                                        <p:cTn id="10" dur="500"/>
+                                        <p:tgtEl>
+                                          <p:spTgt spid="14"/>
+                                        </p:tgtEl>
+                                      </p:cBhvr>
+                                    </p:animEffect>
+                                  </p:childTnLst>
+                                </p:cTn>
+                              </p:par>
+                              <p:par>
+                                <p:cTn id="11" presetID="10" presetClass="entr" presetSubtype="0" fill="hold" nodeType="withEffect">
+                                  <p:stCondLst>
+                                    <p:cond delay="0"/>
+                                  </p:stCondLst>
+                                  <p:childTnLst>
+                                    <p:set>
+                                      <p:cBhvr>
+                                        <p:cTn id="12" dur="1" fill="hold">
+                                          <p:stCondLst>
+                                            <p:cond delay="0"/>
+                                          </p:stCondLst>
+                                        </p:cTn>
+                                        <p:tgtEl>
+                                          <p:spTgt spid="7"/>
+                                        </p:tgtEl>
+                                        <p:attrNameLst>
+                                          <p:attrName>style.visibility</p:attrName>
+                                        </p:attrNameLst>
+                                      </p:cBhvr>
+                                      <p:to>
+                                        <p:strVal val="visible"/>
+                                      </p:to>
+                                    </p:set>
+                                    <p:animEffect transition="in" filter="fade">
+                                      <p:cBhvr>
+                                        <p:cTn id="13" dur="500"/>
+                                        <p:tgtEl>
+                                          <p:spTgt spid="7"/>
+                                        </p:tgtEl>
+                                      </p:cBhvr>
+                                    </p:animEffect>
+                                  </p:childTnLst>
+                                </p:cTn>
+                              </p:par>
+                              <p:par>
+                                <p:cTn id="14" presetID="10" presetClass="entr" presetSubtype="0" fill="hold" grpId="0" nodeType="withEffect">
+                                  <p:stCondLst>
+                                    <p:cond delay="0"/>
+                                  </p:stCondLst>
+                                  <p:childTnLst>
+                                    <p:set>
+                                      <p:cBhvr>
+                                        <p:cTn id="15" dur="1" fill="hold">
+                                          <p:stCondLst>
+                                            <p:cond delay="0"/>
+                                          </p:stCondLst>
+                                        </p:cTn>
+                                        <p:tgtEl>
+                                          <p:spTgt spid="15"/>
+                                        </p:tgtEl>
+                                        <p:attrNameLst>
+                                          <p:attrName>style.visibility</p:attrName>
+                                        </p:attrNameLst>
+                                      </p:cBhvr>
+                                      <p:to>
+                                        <p:strVal val="visible"/>
+                                      </p:to>
+                                    </p:set>
+                                    <p:animEffect transition="in" filter="fade">
+                                      <p:cBhvr>
+                                        <p:cTn id="16" dur="500"/>
+                                        <p:tgtEl>
+                                          <p:spTgt spid="15"/>
+                                        </p:tgtEl>
+                                      </p:cBhvr>
+                                    </p:animEffect>
+                                  </p:childTnLst>
+                                </p:cTn>
+                              </p:par>
+                              <p:par>
+                                <p:cTn id="17" presetID="10" presetClass="entr" presetSubtype="0" fill="hold" grpId="0" nodeType="withEffect">
+                                  <p:stCondLst>
+                                    <p:cond delay="0"/>
+                                  </p:stCondLst>
+                                  <p:childTnLst>
+                                    <p:set>
+                                      <p:cBhvr>
+                                        <p:cTn id="18" dur="1" fill="hold">
+                                          <p:stCondLst>
+                                            <p:cond delay="0"/>
+                                          </p:stCondLst>
+                                        </p:cTn>
+                                        <p:tgtEl>
+                                          <p:spTgt spid="16"/>
+                                        </p:tgtEl>
+                                        <p:attrNameLst>
+                                          <p:attrName>style.visibility</p:attrName>
+                                        </p:attrNameLst>
+                                      </p:cBhvr>
+                                      <p:to>
+                                        <p:strVal val="visible"/>
+                                      </p:to>
+                                    </p:set>
+                                    <p:animEffect transition="in" filter="fade">
+                                      <p:cBhvr>
+                                        <p:cTn id="19" dur="500"/>
+                                        <p:tgtEl>
+                                          <p:spTgt spid="16"/>
+                                        </p:tgtEl>
+                                      </p:cBhvr>
+                                    </p:animEffect>
+                                  </p:childTnLst>
+                                </p:cTn>
+                              </p:par>
+                              <p:par>
+                                <p:cTn id="20" presetID="10" presetClass="entr" presetSubtype="0" fill="hold" grpId="0" nodeType="withEffect">
+                                  <p:stCondLst>
+                                    <p:cond delay="0"/>
+                                  </p:stCondLst>
+                                  <p:childTnLst>
+                                    <p:set>
+                                      <p:cBhvr>
+                                        <p:cTn id="21" dur="1" fill="hold">
+                                          <p:stCondLst>
+                                            <p:cond delay="0"/>
+                                          </p:stCondLst>
+                                        </p:cTn>
+                                        <p:tgtEl>
+                                          <p:spTgt spid="10"/>
+                                        </p:tgtEl>
+                                        <p:attrNameLst>
+                                          <p:attrName>style.visibility</p:attrName>
+                                        </p:attrNameLst>
+                                      </p:cBhvr>
+                                      <p:to>
+                                        <p:strVal val="visible"/>
+                                      </p:to>
+                                    </p:set>
+                                    <p:animEffect transition="in" filter="fade">
+                                      <p:cBhvr>
+                                        <p:cTn id="22" dur="500"/>
+                                        <p:tgtEl>
+                                          <p:spTgt spid="10"/>
+                                        </p:tgtEl>
+                                      </p:cBhvr>
+                                    </p:animEffect>
+                                  </p:childTnLst>
+                                </p:cTn>
+                              </p:par>
+                            </p:childTnLst>
+                          </p:cTn>
+                        </p:par>
+                      </p:childTnLst>
+                    </p:cTn>
+                  </p:par>
+                  <p:par>
+                    <p:cTn id="23" fill="hold">
+                      <p:stCondLst>
+                        <p:cond delay="indefinite"/>
+                      </p:stCondLst>
+                      <p:childTnLst>
+                        <p:par>
+                          <p:cTn id="24" fill="hold">
+                            <p:stCondLst>
+                              <p:cond delay="0"/>
+                            </p:stCondLst>
+                            <p:childTnLst>
+                              <p:par>
+                                <p:cTn id="25" presetID="10" presetClass="entr" presetSubtype="0" fill="hold" grpId="0" nodeType="clickEffect">
+                                  <p:stCondLst>
+                                    <p:cond delay="0"/>
+                                  </p:stCondLst>
+                                  <p:childTnLst>
+                                    <p:set>
+                                      <p:cBhvr>
+                                        <p:cTn id="26" dur="1" fill="hold">
+                                          <p:stCondLst>
+                                            <p:cond delay="0"/>
+                                          </p:stCondLst>
+                                        </p:cTn>
+                                        <p:tgtEl>
+                                          <p:spTgt spid="13"/>
+                                        </p:tgtEl>
+                                        <p:attrNameLst>
+                                          <p:attrName>style.visibility</p:attrName>
+                                        </p:attrNameLst>
+                                      </p:cBhvr>
+                                      <p:to>
+                                        <p:strVal val="visible"/>
+                                      </p:to>
+                                    </p:set>
+                                    <p:animEffect transition="in" filter="fade">
+                                      <p:cBhvr>
+                                        <p:cTn id="27" dur="500"/>
+                                        <p:tgtEl>
+                                          <p:spTgt spid="13"/>
+                                        </p:tgtEl>
+                                      </p:cBhvr>
+                                    </p:animEffect>
+                                  </p:childTnLst>
+                                </p:cTn>
+                              </p:par>
+                              <p:par>
+                                <p:cTn id="28" presetID="10" presetClass="entr" presetSubtype="0" fill="hold" grpId="0" nodeType="withEffect">
+                                  <p:stCondLst>
+                                    <p:cond delay="0"/>
+                                  </p:stCondLst>
+                                  <p:childTnLst>
+                                    <p:set>
+                                      <p:cBhvr>
+                                        <p:cTn id="29" dur="1" fill="hold">
+                                          <p:stCondLst>
+                                            <p:cond delay="0"/>
+                                          </p:stCondLst>
+                                        </p:cTn>
+                                        <p:tgtEl>
+                                          <p:spTgt spid="12"/>
+                                        </p:tgtEl>
+                                        <p:attrNameLst>
+                                          <p:attrName>style.visibility</p:attrName>
+                                        </p:attrNameLst>
+                                      </p:cBhvr>
+                                      <p:to>
+                                        <p:strVal val="visible"/>
+                                      </p:to>
+                                    </p:set>
+                                    <p:animEffect transition="in" filter="fade">
+                                      <p:cBhvr>
+                                        <p:cTn id="30" dur="500"/>
+                                        <p:tgtEl>
+                                          <p:spTgt spid="12"/>
+                                        </p:tgtEl>
+                                      </p:cBhvr>
+                                    </p:animEffect>
+                                  </p:childTnLst>
+                                </p:cTn>
+                              </p:par>
+                              <p:par>
+                                <p:cTn id="31" presetID="6" presetClass="emph" presetSubtype="0" autoRev="1" fill="hold" grpId="1" nodeType="withEffect">
+                                  <p:stCondLst>
+                                    <p:cond delay="0"/>
+                                  </p:stCondLst>
+                                  <p:childTnLst>
+                                    <p:animScale>
+                                      <p:cBhvr>
+                                        <p:cTn id="32" dur="400" fill="hold"/>
+                                        <p:tgtEl>
+                                          <p:spTgt spid="13"/>
+                                        </p:tgtEl>
+                                      </p:cBhvr>
+                                      <p:by x="110000" y="110000"/>
+                                    </p:animScale>
+                                  </p:childTnLst>
+                                </p:cTn>
+                              </p:par>
+                              <p:par>
+                                <p:cTn id="33" presetID="6" presetClass="emph" presetSubtype="0" autoRev="1" fill="hold" grpId="1" nodeType="withEffect">
+                                  <p:stCondLst>
+                                    <p:cond delay="0"/>
+                                  </p:stCondLst>
+                                  <p:childTnLst>
+                                    <p:animScale>
+                                      <p:cBhvr>
+                                        <p:cTn id="34" dur="400" fill="hold"/>
+                                        <p:tgtEl>
+                                          <p:spTgt spid="12"/>
+                                        </p:tgtEl>
+                                      </p:cBhvr>
+                                      <p:by x="110000" y="110000"/>
+                                    </p:animScale>
+                                  </p:childTnLst>
+                                </p:cTn>
+                              </p:par>
+                            </p:childTnLst>
+                          </p:cTn>
+                        </p:par>
+                      </p:childTnLst>
+                    </p:cTn>
+                  </p:par>
+                </p:childTnLst>
+              </p:cTn>
+              <p:prevCondLst>
+                <p:cond evt="onPrev" delay="0">
+                  <p:tgtEl>
+                    <p:sldTgt/>
+                  </p:tgtEl>
+                </p:cond>
+              </p:prevCondLst>
+              <p:nextCondLst>
+                <p:cond evt="onNext" delay="0">
+                  <p:tgtEl>
+                    <p:sldTgt/>
+                  </p:tgtEl>
+                </p:cond>
+              </p:nextCondLst>
+            </p:seq>
+          </p:childTnLst>
+        </p:cTn>
+      </p:par>
+    </p:tnLst>
+    <p:bldLst>
+      <p:bldP spid="9" grpId="0"/>
+      <p:bldP spid="10" grpId="0"/>
+      <p:bldP spid="12" grpId="0"/>
+      <p:bldP spid="12" grpId="1"/>
+      <p:bldP spid="13" grpId="0"/>
+      <p:bldP spid="13" grpId="1"/>
+      <p:bldP spid="14" grpId="0"/>
+      <p:bldP spid="15" grpId="0"/>
+      <p:bldP spid="16" grpId="0"/>
+    </p:bldLst>
+  </p:timing>
 </p:sld>
 </file>
 
@@ -14033,4 +20666,299 @@
     </a:ext>
   </a:extLst>
 </a:theme>
+</file>
+
+<file path=ppt/theme/theme2.xml><?xml version="1.0" encoding="utf-8"?>
+<a:theme xmlns:a="http://schemas.openxmlformats.org/drawingml/2006/main" name="Office Theme">
+  <a:themeElements>
+    <a:clrScheme name="Office">
+      <a:dk1>
+        <a:sysClr val="windowText" lastClr="000000"/>
+      </a:dk1>
+      <a:lt1>
+        <a:sysClr val="window" lastClr="FFFFFF"/>
+      </a:lt1>
+      <a:dk2>
+        <a:srgbClr val="44546A"/>
+      </a:dk2>
+      <a:lt2>
+        <a:srgbClr val="E7E6E6"/>
+      </a:lt2>
+      <a:accent1>
+        <a:srgbClr val="4472C4"/>
+      </a:accent1>
+      <a:accent2>
+        <a:srgbClr val="ED7D31"/>
+      </a:accent2>
+      <a:accent3>
+        <a:srgbClr val="A5A5A5"/>
+      </a:accent3>
+      <a:accent4>
+        <a:srgbClr val="FFC000"/>
+      </a:accent4>
+      <a:accent5>
+        <a:srgbClr val="5B9BD5"/>
+      </a:accent5>
+      <a:accent6>
+        <a:srgbClr val="70AD47"/>
+      </a:accent6>
+      <a:hlink>
+        <a:srgbClr val="0563C1"/>
+      </a:hlink>
+      <a:folHlink>
+        <a:srgbClr val="954F72"/>
+      </a:folHlink>
+    </a:clrScheme>
+    <a:fontScheme name="Office">
+      <a:majorFont>
+        <a:latin typeface="Calibri Light" panose="020F0302020204030204"/>
+        <a:ea typeface=""/>
+        <a:cs typeface=""/>
+        <a:font script="Jpan" typeface="游ゴシック Light"/>
+        <a:font script="Hang" typeface="맑은 고딕"/>
+        <a:font script="Hans" typeface="等线 Light"/>
+        <a:font script="Hant" typeface="新細明體"/>
+        <a:font script="Arab" typeface="Times New Roman"/>
+        <a:font script="Hebr" typeface="Times New Roman"/>
+        <a:font script="Thai" typeface="Angsana New"/>
+        <a:font script="Ethi" typeface="Nyala"/>
+        <a:font script="Beng" typeface="Vrinda"/>
+        <a:font script="Gujr" typeface="Shruti"/>
+        <a:font script="Khmr" typeface="MoolBoran"/>
+        <a:font script="Knda" typeface="Tunga"/>
+        <a:font script="Guru" typeface="Raavi"/>
+        <a:font script="Cans" typeface="Euphemia"/>
+        <a:font script="Cher" typeface="Plantagenet Cherokee"/>
+        <a:font script="Yiii" typeface="Microsoft Yi Baiti"/>
+        <a:font script="Tibt" typeface="Microsoft Himalaya"/>
+        <a:font script="Thaa" typeface="MV Boli"/>
+        <a:font script="Deva" typeface="Mangal"/>
+        <a:font script="Telu" typeface="Gautami"/>
+        <a:font script="Taml" typeface="Latha"/>
+        <a:font script="Syrc" typeface="Estrangelo Edessa"/>
+        <a:font script="Orya" typeface="Kalinga"/>
+        <a:font script="Mlym" typeface="Kartika"/>
+        <a:font script="Laoo" typeface="DokChampa"/>
+        <a:font script="Sinh" typeface="Iskoola Pota"/>
+        <a:font script="Mong" typeface="Mongolian Baiti"/>
+        <a:font script="Viet" typeface="Times New Roman"/>
+        <a:font script="Uigh" typeface="Microsoft Uighur"/>
+        <a:font script="Geor" typeface="Sylfaen"/>
+        <a:font script="Armn" typeface="Arial"/>
+        <a:font script="Bugi" typeface="Leelawadee UI"/>
+        <a:font script="Bopo" typeface="Microsoft JhengHei"/>
+        <a:font script="Java" typeface="Javanese Text"/>
+        <a:font script="Lisu" typeface="Segoe UI"/>
+        <a:font script="Mymr" typeface="Myanmar Text"/>
+        <a:font script="Nkoo" typeface="Ebrima"/>
+        <a:font script="Olck" typeface="Nirmala UI"/>
+        <a:font script="Osma" typeface="Ebrima"/>
+        <a:font script="Phag" typeface="Phagspa"/>
+        <a:font script="Syrn" typeface="Estrangelo Edessa"/>
+        <a:font script="Syrj" typeface="Estrangelo Edessa"/>
+        <a:font script="Syre" typeface="Estrangelo Edessa"/>
+        <a:font script="Sora" typeface="Nirmala UI"/>
+        <a:font script="Tale" typeface="Microsoft Tai Le"/>
+        <a:font script="Talu" typeface="Microsoft New Tai Lue"/>
+        <a:font script="Tfng" typeface="Ebrima"/>
+      </a:majorFont>
+      <a:minorFont>
+        <a:latin typeface="Calibri" panose="020F0502020204030204"/>
+        <a:ea typeface=""/>
+        <a:cs typeface=""/>
+        <a:font script="Jpan" typeface="游ゴシック"/>
+        <a:font script="Hang" typeface="맑은 고딕"/>
+        <a:font script="Hans" typeface="等线"/>
+        <a:font script="Hant" typeface="新細明體"/>
+        <a:font script="Arab" typeface="Arial"/>
+        <a:font script="Hebr" typeface="Arial"/>
+        <a:font script="Thai" typeface="Cordia New"/>
+        <a:font script="Ethi" typeface="Nyala"/>
+        <a:font script="Beng" typeface="Vrinda"/>
+        <a:font script="Gujr" typeface="Shruti"/>
+        <a:font script="Khmr" typeface="DaunPenh"/>
+        <a:font script="Knda" typeface="Tunga"/>
+        <a:font script="Guru" typeface="Raavi"/>
+        <a:font script="Cans" typeface="Euphemia"/>
+        <a:font script="Cher" typeface="Plantagenet Cherokee"/>
+        <a:font script="Yiii" typeface="Microsoft Yi Baiti"/>
+        <a:font script="Tibt" typeface="Microsoft Himalaya"/>
+        <a:font script="Thaa" typeface="MV Boli"/>
+        <a:font script="Deva" typeface="Mangal"/>
+        <a:font script="Telu" typeface="Gautami"/>
+        <a:font script="Taml" typeface="Latha"/>
+        <a:font script="Syrc" typeface="Estrangelo Edessa"/>
+        <a:font script="Orya" typeface="Kalinga"/>
+        <a:font script="Mlym" typeface="Kartika"/>
+        <a:font script="Laoo" typeface="DokChampa"/>
+        <a:font script="Sinh" typeface="Iskoola Pota"/>
+        <a:font script="Mong" typeface="Mongolian Baiti"/>
+        <a:font script="Viet" typeface="Arial"/>
+        <a:font script="Uigh" typeface="Microsoft Uighur"/>
+        <a:font script="Geor" typeface="Sylfaen"/>
+        <a:font script="Armn" typeface="Arial"/>
+        <a:font script="Bugi" typeface="Leelawadee UI"/>
+        <a:font script="Bopo" typeface="Microsoft JhengHei"/>
+        <a:font script="Java" typeface="Javanese Text"/>
+        <a:font script="Lisu" typeface="Segoe UI"/>
+        <a:font script="Mymr" typeface="Myanmar Text"/>
+        <a:font script="Nkoo" typeface="Ebrima"/>
+        <a:font script="Olck" typeface="Nirmala UI"/>
+        <a:font script="Osma" typeface="Ebrima"/>
+        <a:font script="Phag" typeface="Phagspa"/>
+        <a:font script="Syrn" typeface="Estrangelo Edessa"/>
+        <a:font script="Syrj" typeface="Estrangelo Edessa"/>
+        <a:font script="Syre" typeface="Estrangelo Edessa"/>
+        <a:font script="Sora" typeface="Nirmala UI"/>
+        <a:font script="Tale" typeface="Microsoft Tai Le"/>
+        <a:font script="Talu" typeface="Microsoft New Tai Lue"/>
+        <a:font script="Tfng" typeface="Ebrima"/>
+      </a:minorFont>
+    </a:fontScheme>
+    <a:fmtScheme name="Office">
+      <a:fillStyleLst>
+        <a:solidFill>
+          <a:schemeClr val="phClr"/>
+        </a:solidFill>
+        <a:gradFill rotWithShape="1">
+          <a:gsLst>
+            <a:gs pos="0">
+              <a:schemeClr val="phClr">
+                <a:lumMod val="110000"/>
+                <a:satMod val="105000"/>
+                <a:tint val="67000"/>
+              </a:schemeClr>
+            </a:gs>
+            <a:gs pos="50000">
+              <a:schemeClr val="phClr">
+                <a:lumMod val="105000"/>
+                <a:satMod val="103000"/>
+                <a:tint val="73000"/>
+              </a:schemeClr>
+            </a:gs>
+            <a:gs pos="100000">
+              <a:schemeClr val="phClr">
+                <a:lumMod val="105000"/>
+                <a:satMod val="109000"/>
+                <a:tint val="81000"/>
+              </a:schemeClr>
+            </a:gs>
+          </a:gsLst>
+          <a:lin ang="5400000" scaled="0"/>
+        </a:gradFill>
+        <a:gradFill rotWithShape="1">
+          <a:gsLst>
+            <a:gs pos="0">
+              <a:schemeClr val="phClr">
+                <a:satMod val="103000"/>
+                <a:lumMod val="102000"/>
+                <a:tint val="94000"/>
+              </a:schemeClr>
+            </a:gs>
+            <a:gs pos="50000">
+              <a:schemeClr val="phClr">
+                <a:satMod val="110000"/>
+                <a:lumMod val="100000"/>
+                <a:shade val="100000"/>
+              </a:schemeClr>
+            </a:gs>
+            <a:gs pos="100000">
+              <a:schemeClr val="phClr">
+                <a:lumMod val="99000"/>
+                <a:satMod val="120000"/>
+                <a:shade val="78000"/>
+              </a:schemeClr>
+            </a:gs>
+          </a:gsLst>
+          <a:lin ang="5400000" scaled="0"/>
+        </a:gradFill>
+      </a:fillStyleLst>
+      <a:lnStyleLst>
+        <a:ln w="6350" cap="flat" cmpd="sng" algn="ctr">
+          <a:solidFill>
+            <a:schemeClr val="phClr"/>
+          </a:solidFill>
+          <a:prstDash val="solid"/>
+          <a:miter lim="800000"/>
+        </a:ln>
+        <a:ln w="12700" cap="flat" cmpd="sng" algn="ctr">
+          <a:solidFill>
+            <a:schemeClr val="phClr"/>
+          </a:solidFill>
+          <a:prstDash val="solid"/>
+          <a:miter lim="800000"/>
+        </a:ln>
+        <a:ln w="19050" cap="flat" cmpd="sng" algn="ctr">
+          <a:solidFill>
+            <a:schemeClr val="phClr"/>
+          </a:solidFill>
+          <a:prstDash val="solid"/>
+          <a:miter lim="800000"/>
+        </a:ln>
+      </a:lnStyleLst>
+      <a:effectStyleLst>
+        <a:effectStyle>
+          <a:effectLst/>
+        </a:effectStyle>
+        <a:effectStyle>
+          <a:effectLst/>
+        </a:effectStyle>
+        <a:effectStyle>
+          <a:effectLst>
+            <a:outerShdw blurRad="57150" dist="19050" dir="5400000" algn="ctr" rotWithShape="0">
+              <a:srgbClr val="000000">
+                <a:alpha val="63000"/>
+              </a:srgbClr>
+            </a:outerShdw>
+          </a:effectLst>
+        </a:effectStyle>
+      </a:effectStyleLst>
+      <a:bgFillStyleLst>
+        <a:solidFill>
+          <a:schemeClr val="phClr"/>
+        </a:solidFill>
+        <a:solidFill>
+          <a:schemeClr val="phClr">
+            <a:tint val="95000"/>
+            <a:satMod val="170000"/>
+          </a:schemeClr>
+        </a:solidFill>
+        <a:gradFill rotWithShape="1">
+          <a:gsLst>
+            <a:gs pos="0">
+              <a:schemeClr val="phClr">
+                <a:tint val="93000"/>
+                <a:satMod val="150000"/>
+                <a:shade val="98000"/>
+                <a:lumMod val="102000"/>
+              </a:schemeClr>
+            </a:gs>
+            <a:gs pos="50000">
+              <a:schemeClr val="phClr">
+                <a:tint val="98000"/>
+                <a:satMod val="130000"/>
+                <a:shade val="90000"/>
+                <a:lumMod val="103000"/>
+              </a:schemeClr>
+            </a:gs>
+            <a:gs pos="100000">
+              <a:schemeClr val="phClr">
+                <a:shade val="63000"/>
+                <a:satMod val="120000"/>
+              </a:schemeClr>
+            </a:gs>
+          </a:gsLst>
+          <a:lin ang="5400000" scaled="0"/>
+        </a:gradFill>
+      </a:bgFillStyleLst>
+    </a:fmtScheme>
+  </a:themeElements>
+  <a:objectDefaults/>
+  <a:extraClrSchemeLst/>
+  <a:extLst>
+    <a:ext uri="{05A4C25C-085E-4340-85A3-A5531E510DB2}">
+      <thm15:themeFamily xmlns:thm15="http://schemas.microsoft.com/office/thememl/2012/main" name="Office Theme" id="{62F939B6-93AF-4DB8-9C6B-D6C7DFDC589F}" vid="{4A3C46E8-61CC-4603-A589-7422A47A8E4A}"/>
+    </a:ext>
+  </a:extLst>
+</a:theme>
 </file>
--- a/Presentation/Network Switch Design on FPGAs.pptx
+++ b/Presentation/Network Switch Design on FPGAs.pptx
@@ -5,7 +5,7 @@
     <p:sldMasterId id="2147483660" r:id="rId1"/>
   </p:sldMasterIdLst>
   <p:notesMasterIdLst>
-    <p:notesMasterId r:id="rId20"/>
+    <p:notesMasterId r:id="rId22"/>
   </p:notesMasterIdLst>
   <p:sldIdLst>
     <p:sldId id="260" r:id="rId2"/>
@@ -19,13 +19,15 @@
     <p:sldId id="278" r:id="rId10"/>
     <p:sldId id="279" r:id="rId11"/>
     <p:sldId id="280" r:id="rId12"/>
-    <p:sldId id="264" r:id="rId13"/>
-    <p:sldId id="268" r:id="rId14"/>
-    <p:sldId id="265" r:id="rId15"/>
-    <p:sldId id="269" r:id="rId16"/>
-    <p:sldId id="273" r:id="rId17"/>
-    <p:sldId id="267" r:id="rId18"/>
-    <p:sldId id="266" r:id="rId19"/>
+    <p:sldId id="281" r:id="rId13"/>
+    <p:sldId id="282" r:id="rId14"/>
+    <p:sldId id="283" r:id="rId15"/>
+    <p:sldId id="284" r:id="rId16"/>
+    <p:sldId id="285" r:id="rId17"/>
+    <p:sldId id="265" r:id="rId18"/>
+    <p:sldId id="273" r:id="rId19"/>
+    <p:sldId id="267" r:id="rId20"/>
+    <p:sldId id="266" r:id="rId21"/>
   </p:sldIdLst>
   <p:sldSz cx="12192000" cy="6858000"/>
   <p:notesSz cx="6858000" cy="9144000"/>
@@ -845,6 +847,102 @@
     <p:extLst>
       <p:ext uri="{BB962C8B-B14F-4D97-AF65-F5344CB8AC3E}">
         <p14:creationId xmlns:p14="http://schemas.microsoft.com/office/powerpoint/2010/main" val="166886260"/>
+      </p:ext>
+    </p:extLst>
+  </p:cSld>
+  <p:clrMapOvr>
+    <a:masterClrMapping/>
+  </p:clrMapOvr>
+</p:notes>
+</file>
+
+<file path=ppt/notesSlides/notesSlide4.xml><?xml version="1.0" encoding="utf-8"?>
+<p:notes xmlns:a="http://schemas.openxmlformats.org/drawingml/2006/main" xmlns:r="http://schemas.openxmlformats.org/officeDocument/2006/relationships" xmlns:p="http://schemas.openxmlformats.org/presentationml/2006/main">
+  <p:cSld>
+    <p:spTree>
+      <p:nvGrpSpPr>
+        <p:cNvPr id="1" name=""/>
+        <p:cNvGrpSpPr/>
+        <p:nvPr/>
+      </p:nvGrpSpPr>
+      <p:grpSpPr>
+        <a:xfrm>
+          <a:off x="0" y="0"/>
+          <a:ext cx="0" cy="0"/>
+          <a:chOff x="0" y="0"/>
+          <a:chExt cx="0" cy="0"/>
+        </a:xfrm>
+      </p:grpSpPr>
+      <p:sp>
+        <p:nvSpPr>
+          <p:cNvPr id="2" name="Slide Image Placeholder 1"/>
+          <p:cNvSpPr>
+            <a:spLocks noGrp="1" noRot="1" noChangeAspect="1"/>
+          </p:cNvSpPr>
+          <p:nvPr>
+            <p:ph type="sldImg"/>
+          </p:nvPr>
+        </p:nvSpPr>
+        <p:spPr/>
+      </p:sp>
+      <p:sp>
+        <p:nvSpPr>
+          <p:cNvPr id="3" name="Notes Placeholder 2"/>
+          <p:cNvSpPr>
+            <a:spLocks noGrp="1"/>
+          </p:cNvSpPr>
+          <p:nvPr>
+            <p:ph type="body" idx="1"/>
+          </p:nvPr>
+        </p:nvSpPr>
+        <p:spPr/>
+        <p:txBody>
+          <a:bodyPr/>
+          <a:lstStyle/>
+          <a:p>
+            <a:r>
+              <a:rPr lang="en-GB" dirty="0"/>
+              <a:t>Just under 8GB/s</a:t>
+            </a:r>
+          </a:p>
+          <a:p>
+            <a:endParaRPr lang="en-GB" dirty="0"/>
+          </a:p>
+          <a:p>
+            <a:r>
+              <a:rPr lang="en-GB" dirty="0"/>
+              <a:t>7.875GB/s</a:t>
+            </a:r>
+          </a:p>
+        </p:txBody>
+      </p:sp>
+      <p:sp>
+        <p:nvSpPr>
+          <p:cNvPr id="4" name="Slide Number Placeholder 3"/>
+          <p:cNvSpPr>
+            <a:spLocks noGrp="1"/>
+          </p:cNvSpPr>
+          <p:nvPr>
+            <p:ph type="sldNum" sz="quarter" idx="5"/>
+          </p:nvPr>
+        </p:nvSpPr>
+        <p:spPr/>
+        <p:txBody>
+          <a:bodyPr/>
+          <a:lstStyle/>
+          <a:p>
+            <a:fld id="{14D543BE-4207-42F1-83FD-CFE5F1928924}" type="slidenum">
+              <a:rPr lang="en-GB" smtClean="0"/>
+              <a:t>14</a:t>
+            </a:fld>
+            <a:endParaRPr lang="en-GB"/>
+          </a:p>
+        </p:txBody>
+      </p:sp>
+    </p:spTree>
+    <p:extLst>
+      <p:ext uri="{BB962C8B-B14F-4D97-AF65-F5344CB8AC3E}">
+        <p14:creationId xmlns:p14="http://schemas.microsoft.com/office/powerpoint/2010/main" val="41734011"/>
       </p:ext>
     </p:extLst>
   </p:cSld>
@@ -14090,7 +14188,7 @@
           <p:cNvPr id="2" name="Content Placeholder 1">
             <a:extLst>
               <a:ext uri="{FF2B5EF4-FFF2-40B4-BE49-F238E27FC236}">
-                <a16:creationId xmlns:a16="http://schemas.microsoft.com/office/drawing/2014/main" id="{E853CEAD-0B16-401D-914A-1A00AE6C470F}"/>
+                <a16:creationId xmlns:a16="http://schemas.microsoft.com/office/drawing/2014/main" id="{5443E9CE-3E11-48DF-94E9-436782DA6785}"/>
               </a:ext>
             </a:extLst>
           </p:cNvPr>
@@ -14107,9 +14205,10 @@
           <a:lstStyle/>
           <a:p>
             <a:r>
-              <a:rPr lang="en-GB" dirty="0"/>
-              <a:t>Virtual network application</a:t>
-            </a:r>
+              <a:rPr lang="en-GB" dirty="0" err="1"/>
+              <a:t>Mininet</a:t>
+            </a:r>
+            <a:endParaRPr lang="en-GB" dirty="0"/>
           </a:p>
         </p:txBody>
       </p:sp>
@@ -14118,7 +14217,7 @@
           <p:cNvPr id="3" name="Title 2">
             <a:extLst>
               <a:ext uri="{FF2B5EF4-FFF2-40B4-BE49-F238E27FC236}">
-                <a16:creationId xmlns:a16="http://schemas.microsoft.com/office/drawing/2014/main" id="{EEBD039F-81B2-4240-82F4-DA535A47A870}"/>
+                <a16:creationId xmlns:a16="http://schemas.microsoft.com/office/drawing/2014/main" id="{8E82243A-E14E-4D3C-AF88-6C91F57F9003}"/>
               </a:ext>
             </a:extLst>
           </p:cNvPr>
@@ -14137,10 +14236,9 @@
           <a:lstStyle/>
           <a:p>
             <a:r>
-              <a:rPr lang="en-GB" dirty="0" err="1"/>
-              <a:t>Mininet</a:t>
-            </a:r>
-            <a:endParaRPr lang="en-GB" dirty="0"/>
+              <a:rPr lang="en-GB" dirty="0"/>
+              <a:t>Research and Implementation</a:t>
+            </a:r>
           </a:p>
         </p:txBody>
       </p:sp>
@@ -14149,7 +14247,7 @@
           <p:cNvPr id="4" name="Content Placeholder 3">
             <a:extLst>
               <a:ext uri="{FF2B5EF4-FFF2-40B4-BE49-F238E27FC236}">
-                <a16:creationId xmlns:a16="http://schemas.microsoft.com/office/drawing/2014/main" id="{70AA1095-81D3-4F7E-8174-101063E1F084}"/>
+                <a16:creationId xmlns:a16="http://schemas.microsoft.com/office/drawing/2014/main" id="{10FC7FF2-5123-4047-A719-ECDFA55CC94B}"/>
               </a:ext>
             </a:extLst>
           </p:cNvPr>
@@ -14167,19 +14265,19 @@
           <a:p>
             <a:r>
               <a:rPr lang="en-GB" dirty="0"/>
+              <a:t>“Emulator for rapid prototyping of Software Defined Networks”</a:t>
+            </a:r>
+          </a:p>
+          <a:p>
+            <a:r>
+              <a:rPr lang="en-GB" dirty="0"/>
+              <a:t>Open source</a:t>
+            </a:r>
+          </a:p>
+          <a:p>
+            <a:r>
+              <a:rPr lang="en-GB" dirty="0"/>
               <a:t>Python API</a:t>
-            </a:r>
-          </a:p>
-          <a:p>
-            <a:r>
-              <a:rPr lang="en-GB" dirty="0"/>
-              <a:t>Open Source</a:t>
-            </a:r>
-          </a:p>
-          <a:p>
-            <a:r>
-              <a:rPr lang="en-GB" dirty="0"/>
-              <a:t>Broad tool</a:t>
             </a:r>
           </a:p>
           <a:p>
@@ -14192,12 +14290,6 @@
             <a:r>
               <a:rPr lang="en-GB" dirty="0"/>
               <a:t>Dependency chain</a:t>
-            </a:r>
-          </a:p>
-          <a:p>
-            <a:r>
-              <a:rPr lang="en-GB" dirty="0"/>
-              <a:t>Bash script for installation</a:t>
             </a:r>
           </a:p>
           <a:p>
@@ -14210,7 +14302,7 @@
           <p:cNvPr id="5" name="Picture Placeholder 4">
             <a:extLst>
               <a:ext uri="{FF2B5EF4-FFF2-40B4-BE49-F238E27FC236}">
-                <a16:creationId xmlns:a16="http://schemas.microsoft.com/office/drawing/2014/main" id="{C7CCA159-BE9B-42A6-A4FB-67C48279DAFB}"/>
+                <a16:creationId xmlns:a16="http://schemas.microsoft.com/office/drawing/2014/main" id="{90E4CA59-09C7-434A-851A-126B71BBED6A}"/>
               </a:ext>
             </a:extLst>
           </p:cNvPr>
@@ -14226,7 +14318,7 @@
     </p:spTree>
     <p:extLst>
       <p:ext uri="{BB962C8B-B14F-4D97-AF65-F5344CB8AC3E}">
-        <p14:creationId xmlns:p14="http://schemas.microsoft.com/office/powerpoint/2010/main" val="2823065228"/>
+        <p14:creationId xmlns:p14="http://schemas.microsoft.com/office/powerpoint/2010/main" val="4090404857"/>
       </p:ext>
     </p:extLst>
   </p:cSld>
@@ -14270,7 +14362,7 @@
           <p:cNvPr id="2" name="Content Placeholder 1">
             <a:extLst>
               <a:ext uri="{FF2B5EF4-FFF2-40B4-BE49-F238E27FC236}">
-                <a16:creationId xmlns:a16="http://schemas.microsoft.com/office/drawing/2014/main" id="{5B8A5142-16E4-4173-88DF-C66957ABBCE9}"/>
+                <a16:creationId xmlns:a16="http://schemas.microsoft.com/office/drawing/2014/main" id="{5443E9CE-3E11-48DF-94E9-436782DA6785}"/>
               </a:ext>
             </a:extLst>
           </p:cNvPr>
@@ -14287,46 +14379,17 @@
           <a:lstStyle/>
           <a:p>
             <a:r>
-              <a:rPr lang="en-GB" dirty="0"/>
-              <a:t>PCI Express interface</a:t>
-            </a:r>
-          </a:p>
-          <a:p>
-            <a:r>
-              <a:rPr lang="en-GB" dirty="0"/>
-              <a:t>Xilinx </a:t>
-            </a:r>
-            <a:r>
               <a:rPr lang="en-GB" dirty="0" err="1"/>
-              <a:t>Virtex</a:t>
-            </a:r>
-            <a:r>
-              <a:rPr lang="en-GB" dirty="0"/>
-              <a:t> / </a:t>
-            </a:r>
+              <a:t>Mininet</a:t>
+            </a:r>
+            <a:endParaRPr lang="en-GB" dirty="0"/>
+          </a:p>
+          <a:p>
             <a:r>
               <a:rPr lang="en-GB" dirty="0" err="1"/>
-              <a:t>Kintex</a:t>
+              <a:t>NetFPGA</a:t>
             </a:r>
             <a:endParaRPr lang="en-GB" dirty="0"/>
-          </a:p>
-          <a:p>
-            <a:r>
-              <a:rPr lang="en-GB" dirty="0"/>
-              <a:t>4 x 1Gbps – 10Gbps Ethernet</a:t>
-            </a:r>
-          </a:p>
-          <a:p>
-            <a:r>
-              <a:rPr lang="en-GB" dirty="0"/>
-              <a:t>Open source software</a:t>
-            </a:r>
-          </a:p>
-          <a:p>
-            <a:r>
-              <a:rPr lang="en-GB" dirty="0"/>
-              <a:t>1G, 10G, SUME, CML</a:t>
-            </a:r>
           </a:p>
         </p:txBody>
       </p:sp>
@@ -14335,7 +14398,7 @@
           <p:cNvPr id="3" name="Title 2">
             <a:extLst>
               <a:ext uri="{FF2B5EF4-FFF2-40B4-BE49-F238E27FC236}">
-                <a16:creationId xmlns:a16="http://schemas.microsoft.com/office/drawing/2014/main" id="{1E0DC561-4E87-42FA-8023-AF0B13130FE2}"/>
+                <a16:creationId xmlns:a16="http://schemas.microsoft.com/office/drawing/2014/main" id="{8E82243A-E14E-4D3C-AF88-6C91F57F9003}"/>
               </a:ext>
             </a:extLst>
           </p:cNvPr>
@@ -14354,54 +14417,92 @@
           <a:lstStyle/>
           <a:p>
             <a:r>
-              <a:rPr lang="en-GB" dirty="0" err="1"/>
-              <a:t>NetFPGA</a:t>
-            </a:r>
-            <a:endParaRPr lang="en-GB" dirty="0"/>
-          </a:p>
-        </p:txBody>
-      </p:sp>
-      <p:pic>
-        <p:nvPicPr>
-          <p:cNvPr id="9" name="Content Placeholder 8" descr="A circuit board&#10;&#10;Description automatically generated">
+              <a:rPr lang="en-GB" dirty="0"/>
+              <a:t>Research and Implementation</a:t>
+            </a:r>
+          </a:p>
+        </p:txBody>
+      </p:sp>
+      <p:sp>
+        <p:nvSpPr>
+          <p:cNvPr id="4" name="Content Placeholder 3">
             <a:extLst>
               <a:ext uri="{FF2B5EF4-FFF2-40B4-BE49-F238E27FC236}">
-                <a16:creationId xmlns:a16="http://schemas.microsoft.com/office/drawing/2014/main" id="{9AAFBC86-FE9F-4DAA-A02A-C8A6CB923260}"/>
+                <a16:creationId xmlns:a16="http://schemas.microsoft.com/office/drawing/2014/main" id="{10FC7FF2-5123-4047-A719-ECDFA55CC94B}"/>
               </a:ext>
             </a:extLst>
           </p:cNvPr>
-          <p:cNvPicPr>
-            <a:picLocks noGrp="1" noChangeAspect="1"/>
-          </p:cNvPicPr>
+          <p:cNvSpPr>
+            <a:spLocks noGrp="1"/>
+          </p:cNvSpPr>
           <p:nvPr>
             <p:ph idx="10"/>
           </p:nvPr>
-        </p:nvPicPr>
-        <p:blipFill>
-          <a:blip r:embed="rId2">
-            <a:extLst>
-              <a:ext uri="{28A0092B-C50C-407E-A947-70E740481C1C}">
-                <a14:useLocalDpi xmlns:a14="http://schemas.microsoft.com/office/drawing/2010/main" val="0"/>
-              </a:ext>
-            </a:extLst>
-          </a:blip>
-          <a:stretch>
-            <a:fillRect/>
-          </a:stretch>
-        </p:blipFill>
-        <p:spPr>
-          <a:xfrm>
-            <a:off x="6258779" y="1484313"/>
-            <a:ext cx="5527555" cy="4235450"/>
-          </a:xfrm>
-        </p:spPr>
-      </p:pic>
+        </p:nvSpPr>
+        <p:spPr/>
+        <p:txBody>
+          <a:bodyPr/>
+          <a:lstStyle/>
+          <a:p>
+            <a:r>
+              <a:rPr lang="en-GB" dirty="0"/>
+              <a:t>PCI Express interface</a:t>
+            </a:r>
+          </a:p>
+          <a:p>
+            <a:r>
+              <a:rPr lang="en-GB" dirty="0"/>
+              <a:t>Xilinx </a:t>
+            </a:r>
+            <a:r>
+              <a:rPr lang="en-GB" dirty="0" err="1"/>
+              <a:t>Virtex</a:t>
+            </a:r>
+            <a:r>
+              <a:rPr lang="en-GB" dirty="0"/>
+              <a:t> / </a:t>
+            </a:r>
+            <a:r>
+              <a:rPr lang="en-GB" dirty="0" err="1"/>
+              <a:t>Kintex</a:t>
+            </a:r>
+            <a:endParaRPr lang="en-GB" dirty="0"/>
+          </a:p>
+          <a:p>
+            <a:r>
+              <a:rPr lang="en-GB" dirty="0"/>
+              <a:t>4 x 1Gbps – 10Gbps Ethernet</a:t>
+            </a:r>
+          </a:p>
+          <a:p>
+            <a:r>
+              <a:rPr lang="en-GB" dirty="0"/>
+              <a:t>Open source software</a:t>
+            </a:r>
+          </a:p>
+          <a:p>
+            <a:r>
+              <a:rPr lang="en-GB" dirty="0"/>
+              <a:t>1G, 10G, SUME, CML</a:t>
+            </a:r>
+          </a:p>
+          <a:p>
+            <a:r>
+              <a:rPr lang="en-GB" dirty="0"/>
+              <a:t>Standalone or integrated</a:t>
+            </a:r>
+          </a:p>
+          <a:p>
+            <a:endParaRPr lang="en-GB" dirty="0"/>
+          </a:p>
+        </p:txBody>
+      </p:sp>
       <p:sp>
         <p:nvSpPr>
           <p:cNvPr id="5" name="Picture Placeholder 4">
             <a:extLst>
               <a:ext uri="{FF2B5EF4-FFF2-40B4-BE49-F238E27FC236}">
-                <a16:creationId xmlns:a16="http://schemas.microsoft.com/office/drawing/2014/main" id="{035F4C06-190E-4578-9EBA-9650B2176DDD}"/>
+                <a16:creationId xmlns:a16="http://schemas.microsoft.com/office/drawing/2014/main" id="{90E4CA59-09C7-434A-851A-126B71BBED6A}"/>
               </a:ext>
             </a:extLst>
           </p:cNvPr>
@@ -14417,7 +14518,7 @@
     </p:spTree>
     <p:extLst>
       <p:ext uri="{BB962C8B-B14F-4D97-AF65-F5344CB8AC3E}">
-        <p14:creationId xmlns:p14="http://schemas.microsoft.com/office/powerpoint/2010/main" val="1899723471"/>
+        <p14:creationId xmlns:p14="http://schemas.microsoft.com/office/powerpoint/2010/main" val="2564407171"/>
       </p:ext>
     </p:extLst>
   </p:cSld>
@@ -14461,7 +14562,7 @@
           <p:cNvPr id="2" name="Content Placeholder 1">
             <a:extLst>
               <a:ext uri="{FF2B5EF4-FFF2-40B4-BE49-F238E27FC236}">
-                <a16:creationId xmlns:a16="http://schemas.microsoft.com/office/drawing/2014/main" id="{1096CC21-4FED-4B52-9945-72D2A50610B9}"/>
+                <a16:creationId xmlns:a16="http://schemas.microsoft.com/office/drawing/2014/main" id="{5443E9CE-3E11-48DF-94E9-436782DA6785}"/>
               </a:ext>
             </a:extLst>
           </p:cNvPr>
@@ -14474,47 +14575,20 @@
         </p:nvSpPr>
         <p:spPr/>
         <p:txBody>
-          <a:bodyPr>
-            <a:normAutofit/>
-          </a:bodyPr>
+          <a:bodyPr/>
           <a:lstStyle/>
           <a:p>
             <a:r>
-              <a:rPr lang="en-GB" dirty="0"/>
-              <a:t>Kanban Board (Trello)</a:t>
-            </a:r>
-          </a:p>
-          <a:p>
-            <a:r>
-              <a:rPr lang="en-GB" dirty="0"/>
-              <a:t>Weekly meetings</a:t>
-            </a:r>
-          </a:p>
-          <a:p>
-            <a:r>
-              <a:rPr lang="en-GB" dirty="0"/>
-              <a:t>git</a:t>
-            </a:r>
-          </a:p>
-          <a:p>
-            <a:r>
-              <a:rPr lang="en-GB" dirty="0"/>
-              <a:t>Agile</a:t>
-            </a:r>
-          </a:p>
-          <a:p>
-            <a:r>
-              <a:rPr lang="en-GB" dirty="0"/>
-              <a:t>Licensing issues</a:t>
-            </a:r>
-          </a:p>
-          <a:p>
-            <a:r>
-              <a:rPr lang="en-GB" dirty="0"/>
-              <a:t>Access to tools</a:t>
-            </a:r>
-          </a:p>
-          <a:p>
+              <a:rPr lang="en-GB" dirty="0" err="1"/>
+              <a:t>Mininet</a:t>
+            </a:r>
+            <a:endParaRPr lang="en-GB" dirty="0"/>
+          </a:p>
+          <a:p>
+            <a:r>
+              <a:rPr lang="en-GB" dirty="0" err="1"/>
+              <a:t>NetFPGA</a:t>
+            </a:r>
             <a:endParaRPr lang="en-GB" dirty="0"/>
           </a:p>
         </p:txBody>
@@ -14524,7 +14598,7 @@
           <p:cNvPr id="3" name="Title 2">
             <a:extLst>
               <a:ext uri="{FF2B5EF4-FFF2-40B4-BE49-F238E27FC236}">
-                <a16:creationId xmlns:a16="http://schemas.microsoft.com/office/drawing/2014/main" id="{FB5BED35-C2AC-474A-934A-98AE4F4D3E80}"/>
+                <a16:creationId xmlns:a16="http://schemas.microsoft.com/office/drawing/2014/main" id="{8E82243A-E14E-4D3C-AF88-6C91F57F9003}"/>
               </a:ext>
             </a:extLst>
           </p:cNvPr>
@@ -14544,7 +14618,7 @@
           <a:p>
             <a:r>
               <a:rPr lang="en-GB" dirty="0"/>
-              <a:t>Project Management</a:t>
+              <a:t>Research and Implementation</a:t>
             </a:r>
           </a:p>
         </p:txBody>
@@ -14554,7 +14628,7 @@
           <p:cNvPr id="4" name="Content Placeholder 3">
             <a:extLst>
               <a:ext uri="{FF2B5EF4-FFF2-40B4-BE49-F238E27FC236}">
-                <a16:creationId xmlns:a16="http://schemas.microsoft.com/office/drawing/2014/main" id="{F4A9EB92-E051-410D-989E-F5CDE34F7E99}"/>
+                <a16:creationId xmlns:a16="http://schemas.microsoft.com/office/drawing/2014/main" id="{10FC7FF2-5123-4047-A719-ECDFA55CC94B}"/>
               </a:ext>
             </a:extLst>
           </p:cNvPr>
@@ -14570,7 +14644,50 @@
           <a:bodyPr/>
           <a:lstStyle/>
           <a:p>
-            <a:endParaRPr lang="en-GB"/>
+            <a:r>
+              <a:rPr lang="en-GB" dirty="0"/>
+              <a:t>PCI Express interface</a:t>
+            </a:r>
+          </a:p>
+          <a:p>
+            <a:r>
+              <a:rPr lang="en-GB" dirty="0"/>
+              <a:t>Xilinx </a:t>
+            </a:r>
+            <a:r>
+              <a:rPr lang="en-GB" dirty="0" err="1"/>
+              <a:t>Virtex</a:t>
+            </a:r>
+            <a:r>
+              <a:rPr lang="en-GB" dirty="0"/>
+              <a:t> / </a:t>
+            </a:r>
+            <a:r>
+              <a:rPr lang="en-GB" dirty="0" err="1"/>
+              <a:t>Kintex</a:t>
+            </a:r>
+            <a:endParaRPr lang="en-GB" dirty="0"/>
+          </a:p>
+          <a:p>
+            <a:r>
+              <a:rPr lang="en-GB" dirty="0"/>
+              <a:t>4 x 1Gbps – 10Gbps Ethernet</a:t>
+            </a:r>
+          </a:p>
+          <a:p>
+            <a:r>
+              <a:rPr lang="en-GB" dirty="0"/>
+              <a:t>Open source software</a:t>
+            </a:r>
+          </a:p>
+          <a:p>
+            <a:r>
+              <a:rPr lang="en-GB" dirty="0"/>
+              <a:t>1G, 10G, SUME, CML</a:t>
+            </a:r>
+          </a:p>
+          <a:p>
+            <a:endParaRPr lang="en-GB" dirty="0"/>
           </a:p>
         </p:txBody>
       </p:sp>
@@ -14579,7 +14696,7 @@
           <p:cNvPr id="5" name="Picture Placeholder 4">
             <a:extLst>
               <a:ext uri="{FF2B5EF4-FFF2-40B4-BE49-F238E27FC236}">
-                <a16:creationId xmlns:a16="http://schemas.microsoft.com/office/drawing/2014/main" id="{655E0AA9-E01E-470A-B017-30AD9583B826}"/>
+                <a16:creationId xmlns:a16="http://schemas.microsoft.com/office/drawing/2014/main" id="{90E4CA59-09C7-434A-851A-126B71BBED6A}"/>
               </a:ext>
             </a:extLst>
           </p:cNvPr>
@@ -14592,10 +14709,46 @@
         </p:nvSpPr>
         <p:spPr/>
       </p:sp>
+      <p:pic>
+        <p:nvPicPr>
+          <p:cNvPr id="6" name="Content Placeholder 8" descr="A circuit board&#10;&#10;Description automatically generated">
+            <a:extLst>
+              <a:ext uri="{FF2B5EF4-FFF2-40B4-BE49-F238E27FC236}">
+                <a16:creationId xmlns:a16="http://schemas.microsoft.com/office/drawing/2014/main" id="{F7338BBF-6356-40EB-9A23-1A01AA384AC0}"/>
+              </a:ext>
+            </a:extLst>
+          </p:cNvPr>
+          <p:cNvPicPr>
+            <a:picLocks noChangeAspect="1"/>
+          </p:cNvPicPr>
+          <p:nvPr/>
+        </p:nvPicPr>
+        <p:blipFill>
+          <a:blip r:embed="rId3">
+            <a:extLst>
+              <a:ext uri="{28A0092B-C50C-407E-A947-70E740481C1C}">
+                <a14:useLocalDpi xmlns:a14="http://schemas.microsoft.com/office/drawing/2010/main" val="0"/>
+              </a:ext>
+            </a:extLst>
+          </a:blip>
+          <a:stretch>
+            <a:fillRect/>
+          </a:stretch>
+        </p:blipFill>
+        <p:spPr>
+          <a:xfrm>
+            <a:off x="6258779" y="1484313"/>
+            <a:ext cx="5527555" cy="4235450"/>
+          </a:xfrm>
+          <a:prstGeom prst="rect">
+            <a:avLst/>
+          </a:prstGeom>
+        </p:spPr>
+      </p:pic>
     </p:spTree>
     <p:extLst>
       <p:ext uri="{BB962C8B-B14F-4D97-AF65-F5344CB8AC3E}">
-        <p14:creationId xmlns:p14="http://schemas.microsoft.com/office/powerpoint/2010/main" val="763078848"/>
+        <p14:creationId xmlns:p14="http://schemas.microsoft.com/office/powerpoint/2010/main" val="798185511"/>
       </p:ext>
     </p:extLst>
   </p:cSld>
@@ -14614,6 +14767,92 @@
       </p:transition>
     </mc:Fallback>
   </mc:AlternateContent>
+  <p:timing>
+    <p:tnLst>
+      <p:par>
+        <p:cTn id="1" dur="indefinite" restart="never" nodeType="tmRoot">
+          <p:childTnLst>
+            <p:seq concurrent="1" nextAc="seek">
+              <p:cTn id="2" dur="indefinite" nodeType="mainSeq">
+                <p:childTnLst>
+                  <p:par>
+                    <p:cTn id="3" fill="hold">
+                      <p:stCondLst>
+                        <p:cond delay="indefinite"/>
+                        <p:cond evt="onBegin" delay="0">
+                          <p:tn val="2"/>
+                        </p:cond>
+                      </p:stCondLst>
+                      <p:childTnLst>
+                        <p:par>
+                          <p:cTn id="4" fill="hold">
+                            <p:stCondLst>
+                              <p:cond delay="0"/>
+                            </p:stCondLst>
+                            <p:childTnLst>
+                              <p:par>
+                                <p:cTn id="5" presetID="10" presetClass="entr" presetSubtype="0" fill="hold" nodeType="afterEffect">
+                                  <p:stCondLst>
+                                    <p:cond delay="0"/>
+                                  </p:stCondLst>
+                                  <p:childTnLst>
+                                    <p:set>
+                                      <p:cBhvr>
+                                        <p:cTn id="6" dur="1" fill="hold">
+                                          <p:stCondLst>
+                                            <p:cond delay="0"/>
+                                          </p:stCondLst>
+                                        </p:cTn>
+                                        <p:tgtEl>
+                                          <p:spTgt spid="6"/>
+                                        </p:tgtEl>
+                                        <p:attrNameLst>
+                                          <p:attrName>style.visibility</p:attrName>
+                                        </p:attrNameLst>
+                                      </p:cBhvr>
+                                      <p:to>
+                                        <p:strVal val="visible"/>
+                                      </p:to>
+                                    </p:set>
+                                    <p:animEffect transition="in" filter="fade">
+                                      <p:cBhvr>
+                                        <p:cTn id="7" dur="500"/>
+                                        <p:tgtEl>
+                                          <p:spTgt spid="6"/>
+                                        </p:tgtEl>
+                                      </p:cBhvr>
+                                    </p:animEffect>
+                                  </p:childTnLst>
+                                </p:cTn>
+                              </p:par>
+                            </p:childTnLst>
+                          </p:cTn>
+                        </p:par>
+                      </p:childTnLst>
+                    </p:cTn>
+                  </p:par>
+                </p:childTnLst>
+              </p:cTn>
+              <p:prevCondLst>
+                <p:cond evt="onPrev" delay="0">
+                  <p:tgtEl>
+                    <p:sldTgt/>
+                  </p:tgtEl>
+                </p:cond>
+              </p:prevCondLst>
+              <p:nextCondLst>
+                <p:cond evt="onNext" delay="0">
+                  <p:tgtEl>
+                    <p:sldTgt/>
+                  </p:tgtEl>
+                </p:cond>
+              </p:nextCondLst>
+            </p:seq>
+          </p:childTnLst>
+        </p:cTn>
+      </p:par>
+    </p:tnLst>
+  </p:timing>
 </p:sld>
 </file>
 
@@ -14639,7 +14878,7 @@
           <p:cNvPr id="2" name="Content Placeholder 1">
             <a:extLst>
               <a:ext uri="{FF2B5EF4-FFF2-40B4-BE49-F238E27FC236}">
-                <a16:creationId xmlns:a16="http://schemas.microsoft.com/office/drawing/2014/main" id="{DA8CE894-A991-46F7-86C1-DAAFA9A6892D}"/>
+                <a16:creationId xmlns:a16="http://schemas.microsoft.com/office/drawing/2014/main" id="{5443E9CE-3E11-48DF-94E9-436782DA6785}"/>
               </a:ext>
             </a:extLst>
           </p:cNvPr>
@@ -14656,52 +14895,16 @@
           <a:lstStyle/>
           <a:p>
             <a:r>
-              <a:rPr lang="en-GB" dirty="0"/>
-              <a:t>Python</a:t>
-            </a:r>
-          </a:p>
-          <a:p>
-            <a:r>
-              <a:rPr lang="en-GB" dirty="0"/>
-              <a:t>Open Source (GitHub)</a:t>
-            </a:r>
-          </a:p>
-          <a:p>
-            <a:r>
-              <a:rPr lang="en-GB" dirty="0"/>
-              <a:t>Git submodule</a:t>
-            </a:r>
-          </a:p>
-          <a:p>
-            <a:r>
-              <a:rPr lang="en-GB" dirty="0"/>
-              <a:t>Atom, </a:t>
-            </a:r>
-            <a:r>
               <a:rPr lang="en-GB" dirty="0" err="1"/>
-              <a:t>pycharm</a:t>
+              <a:t>Mininet</a:t>
             </a:r>
             <a:endParaRPr lang="en-GB" dirty="0"/>
           </a:p>
           <a:p>
             <a:r>
               <a:rPr lang="en-GB" dirty="0" err="1"/>
-              <a:t>Pylint</a:t>
-            </a:r>
-            <a:endParaRPr lang="en-GB" dirty="0"/>
-          </a:p>
-          <a:p>
-            <a:r>
-              <a:rPr lang="en-GB" dirty="0"/>
-              <a:t>Click. Logging, </a:t>
-            </a:r>
-            <a:r>
-              <a:rPr lang="en-GB" dirty="0" err="1"/>
-              <a:t>numpy</a:t>
-            </a:r>
-            <a:endParaRPr lang="en-GB" dirty="0"/>
-          </a:p>
-          <a:p>
+              <a:t>NetFPGA</a:t>
+            </a:r>
             <a:endParaRPr lang="en-GB" dirty="0"/>
           </a:p>
         </p:txBody>
@@ -14711,7 +14914,7 @@
           <p:cNvPr id="3" name="Title 2">
             <a:extLst>
               <a:ext uri="{FF2B5EF4-FFF2-40B4-BE49-F238E27FC236}">
-                <a16:creationId xmlns:a16="http://schemas.microsoft.com/office/drawing/2014/main" id="{8D29C373-85A1-4E61-ACBC-6572FE4C91CC}"/>
+                <a16:creationId xmlns:a16="http://schemas.microsoft.com/office/drawing/2014/main" id="{8E82243A-E14E-4D3C-AF88-6C91F57F9003}"/>
               </a:ext>
             </a:extLst>
           </p:cNvPr>
@@ -14731,7 +14934,7 @@
           <a:p>
             <a:r>
               <a:rPr lang="en-GB" dirty="0"/>
-              <a:t>Software Development</a:t>
+              <a:t>Research and Implementation</a:t>
             </a:r>
           </a:p>
         </p:txBody>
@@ -14741,7 +14944,7 @@
           <p:cNvPr id="4" name="Content Placeholder 3">
             <a:extLst>
               <a:ext uri="{FF2B5EF4-FFF2-40B4-BE49-F238E27FC236}">
-                <a16:creationId xmlns:a16="http://schemas.microsoft.com/office/drawing/2014/main" id="{7DB9CBB2-8ABB-4E43-9136-0B042C3AE765}"/>
+                <a16:creationId xmlns:a16="http://schemas.microsoft.com/office/drawing/2014/main" id="{10FC7FF2-5123-4047-A719-ECDFA55CC94B}"/>
               </a:ext>
             </a:extLst>
           </p:cNvPr>
@@ -14757,7 +14960,56 @@
           <a:bodyPr/>
           <a:lstStyle/>
           <a:p>
-            <a:endParaRPr lang="en-GB"/>
+            <a:r>
+              <a:rPr lang="en-GB" dirty="0"/>
+              <a:t>PCI Express interface</a:t>
+            </a:r>
+          </a:p>
+          <a:p>
+            <a:r>
+              <a:rPr lang="en-GB" dirty="0"/>
+              <a:t>Xilinx </a:t>
+            </a:r>
+            <a:r>
+              <a:rPr lang="en-GB" dirty="0" err="1"/>
+              <a:t>Virtex</a:t>
+            </a:r>
+            <a:r>
+              <a:rPr lang="en-GB" dirty="0"/>
+              <a:t> / </a:t>
+            </a:r>
+            <a:r>
+              <a:rPr lang="en-GB" dirty="0" err="1"/>
+              <a:t>Kintex</a:t>
+            </a:r>
+            <a:endParaRPr lang="en-GB" dirty="0"/>
+          </a:p>
+          <a:p>
+            <a:r>
+              <a:rPr lang="en-GB" dirty="0"/>
+              <a:t>4 x 1Gbps – 10Gbps Ethernet</a:t>
+            </a:r>
+          </a:p>
+          <a:p>
+            <a:r>
+              <a:rPr lang="en-GB" dirty="0"/>
+              <a:t>Open source software</a:t>
+            </a:r>
+          </a:p>
+          <a:p>
+            <a:r>
+              <a:rPr lang="en-GB" dirty="0"/>
+              <a:t>1G, 10G, SUME, CML</a:t>
+            </a:r>
+          </a:p>
+          <a:p>
+            <a:r>
+              <a:rPr lang="en-GB" dirty="0"/>
+              <a:t>Standalone or integrated</a:t>
+            </a:r>
+          </a:p>
+          <a:p>
+            <a:endParaRPr lang="en-GB" dirty="0"/>
           </a:p>
         </p:txBody>
       </p:sp>
@@ -14766,7 +15018,7 @@
           <p:cNvPr id="5" name="Picture Placeholder 4">
             <a:extLst>
               <a:ext uri="{FF2B5EF4-FFF2-40B4-BE49-F238E27FC236}">
-                <a16:creationId xmlns:a16="http://schemas.microsoft.com/office/drawing/2014/main" id="{1B3CB30E-E922-45D3-9711-C6D2954944E4}"/>
+                <a16:creationId xmlns:a16="http://schemas.microsoft.com/office/drawing/2014/main" id="{90E4CA59-09C7-434A-851A-126B71BBED6A}"/>
               </a:ext>
             </a:extLst>
           </p:cNvPr>
@@ -14782,7 +15034,7 @@
     </p:spTree>
     <p:extLst>
       <p:ext uri="{BB962C8B-B14F-4D97-AF65-F5344CB8AC3E}">
-        <p14:creationId xmlns:p14="http://schemas.microsoft.com/office/powerpoint/2010/main" val="724942339"/>
+        <p14:creationId xmlns:p14="http://schemas.microsoft.com/office/powerpoint/2010/main" val="3033282814"/>
       </p:ext>
     </p:extLst>
   </p:cSld>
@@ -14826,7 +15078,7 @@
           <p:cNvPr id="2" name="Content Placeholder 1">
             <a:extLst>
               <a:ext uri="{FF2B5EF4-FFF2-40B4-BE49-F238E27FC236}">
-                <a16:creationId xmlns:a16="http://schemas.microsoft.com/office/drawing/2014/main" id="{46992151-F785-420E-A220-06F8594B3F45}"/>
+                <a16:creationId xmlns:a16="http://schemas.microsoft.com/office/drawing/2014/main" id="{5443E9CE-3E11-48DF-94E9-436782DA6785}"/>
               </a:ext>
             </a:extLst>
           </p:cNvPr>
@@ -14843,8 +15095,22 @@
           <a:lstStyle/>
           <a:p>
             <a:r>
+              <a:rPr lang="en-GB" dirty="0" err="1"/>
+              <a:t>Mininet</a:t>
+            </a:r>
+            <a:endParaRPr lang="en-GB" dirty="0"/>
+          </a:p>
+          <a:p>
+            <a:r>
+              <a:rPr lang="en-GB" dirty="0" err="1"/>
+              <a:t>NetFPGA</a:t>
+            </a:r>
+            <a:endParaRPr lang="en-GB" dirty="0"/>
+          </a:p>
+          <a:p>
+            <a:r>
               <a:rPr lang="en-GB" dirty="0"/>
-              <a:t>Get a graph</a:t>
+              <a:t>Software Development</a:t>
             </a:r>
           </a:p>
         </p:txBody>
@@ -14854,7 +15120,7 @@
           <p:cNvPr id="3" name="Title 2">
             <a:extLst>
               <a:ext uri="{FF2B5EF4-FFF2-40B4-BE49-F238E27FC236}">
-                <a16:creationId xmlns:a16="http://schemas.microsoft.com/office/drawing/2014/main" id="{1FE397AE-10CC-4383-90CC-0173BE621FDB}"/>
+                <a16:creationId xmlns:a16="http://schemas.microsoft.com/office/drawing/2014/main" id="{8E82243A-E14E-4D3C-AF88-6C91F57F9003}"/>
               </a:ext>
             </a:extLst>
           </p:cNvPr>
@@ -14874,7 +15140,7 @@
           <a:p>
             <a:r>
               <a:rPr lang="en-GB" dirty="0"/>
-              <a:t>Model Results</a:t>
+              <a:t>Research and Implementation</a:t>
             </a:r>
           </a:p>
         </p:txBody>
@@ -14884,7 +15150,7 @@
           <p:cNvPr id="4" name="Content Placeholder 3">
             <a:extLst>
               <a:ext uri="{FF2B5EF4-FFF2-40B4-BE49-F238E27FC236}">
-                <a16:creationId xmlns:a16="http://schemas.microsoft.com/office/drawing/2014/main" id="{91F59C3B-46D4-40B1-ABC0-9E825FB80CFE}"/>
+                <a16:creationId xmlns:a16="http://schemas.microsoft.com/office/drawing/2014/main" id="{10FC7FF2-5123-4047-A719-ECDFA55CC94B}"/>
               </a:ext>
             </a:extLst>
           </p:cNvPr>
@@ -14900,7 +15166,53 @@
           <a:bodyPr/>
           <a:lstStyle/>
           <a:p>
-            <a:endParaRPr lang="en-GB"/>
+            <a:r>
+              <a:rPr lang="en-GB" dirty="0"/>
+              <a:t>Python</a:t>
+            </a:r>
+          </a:p>
+          <a:p>
+            <a:r>
+              <a:rPr lang="en-GB" dirty="0"/>
+              <a:t>Open source (GitHub)</a:t>
+            </a:r>
+          </a:p>
+          <a:p>
+            <a:r>
+              <a:rPr lang="en-GB" dirty="0" err="1"/>
+              <a:t>setuptools</a:t>
+            </a:r>
+            <a:endParaRPr lang="en-GB" dirty="0"/>
+          </a:p>
+          <a:p>
+            <a:r>
+              <a:rPr lang="en-GB" dirty="0"/>
+              <a:t>click</a:t>
+            </a:r>
+          </a:p>
+          <a:p>
+            <a:r>
+              <a:rPr lang="en-GB" dirty="0"/>
+              <a:t>logging</a:t>
+            </a:r>
+          </a:p>
+          <a:p>
+            <a:r>
+              <a:rPr lang="en-GB" dirty="0"/>
+              <a:t>git submodules</a:t>
+            </a:r>
+          </a:p>
+          <a:p>
+            <a:endParaRPr lang="en-GB" dirty="0"/>
+          </a:p>
+          <a:p>
+            <a:endParaRPr lang="en-GB" dirty="0"/>
+          </a:p>
+          <a:p>
+            <a:endParaRPr lang="en-GB" dirty="0"/>
+          </a:p>
+          <a:p>
+            <a:endParaRPr lang="en-GB" dirty="0"/>
           </a:p>
         </p:txBody>
       </p:sp>
@@ -14909,7 +15221,7 @@
           <p:cNvPr id="5" name="Picture Placeholder 4">
             <a:extLst>
               <a:ext uri="{FF2B5EF4-FFF2-40B4-BE49-F238E27FC236}">
-                <a16:creationId xmlns:a16="http://schemas.microsoft.com/office/drawing/2014/main" id="{5A208FC8-1E47-44BF-B94F-53062A60F2A3}"/>
+                <a16:creationId xmlns:a16="http://schemas.microsoft.com/office/drawing/2014/main" id="{90E4CA59-09C7-434A-851A-126B71BBED6A}"/>
               </a:ext>
             </a:extLst>
           </p:cNvPr>
@@ -14925,7 +15237,7 @@
     </p:spTree>
     <p:extLst>
       <p:ext uri="{BB962C8B-B14F-4D97-AF65-F5344CB8AC3E}">
-        <p14:creationId xmlns:p14="http://schemas.microsoft.com/office/powerpoint/2010/main" val="2701311481"/>
+        <p14:creationId xmlns:p14="http://schemas.microsoft.com/office/powerpoint/2010/main" val="1514473280"/>
       </p:ext>
     </p:extLst>
   </p:cSld>
@@ -14969,7 +15281,7 @@
           <p:cNvPr id="2" name="Content Placeholder 1">
             <a:extLst>
               <a:ext uri="{FF2B5EF4-FFF2-40B4-BE49-F238E27FC236}">
-                <a16:creationId xmlns:a16="http://schemas.microsoft.com/office/drawing/2014/main" id="{192549E1-3CA7-4340-9E2A-B167E268F82A}"/>
+                <a16:creationId xmlns:a16="http://schemas.microsoft.com/office/drawing/2014/main" id="{1096CC21-4FED-4B52-9945-72D2A50610B9}"/>
               </a:ext>
             </a:extLst>
           </p:cNvPr>
@@ -14982,13 +15294,43 @@
         </p:nvSpPr>
         <p:spPr/>
         <p:txBody>
-          <a:bodyPr/>
+          <a:bodyPr>
+            <a:normAutofit/>
+          </a:bodyPr>
           <a:lstStyle/>
           <a:p>
             <a:r>
+              <a:rPr lang="en-US" dirty="0"/>
+              <a:t>Agile methodology ---------------------------</a:t>
+            </a:r>
+          </a:p>
+          <a:p>
+            <a:r>
               <a:rPr lang="en-GB" dirty="0"/>
-              <a:t>Internet of Things (IoT)</a:t>
-            </a:r>
+              <a:t>Kanban Board --------------------------------</a:t>
+            </a:r>
+          </a:p>
+          <a:p>
+            <a:r>
+              <a:rPr lang="en-GB" dirty="0"/>
+              <a:t>Version control --------------------------------</a:t>
+            </a:r>
+          </a:p>
+          <a:p>
+            <a:r>
+              <a:rPr lang="en-GB" dirty="0"/>
+              <a:t>Weekly meetings with supervisor ----------</a:t>
+            </a:r>
+          </a:p>
+          <a:p>
+            <a:r>
+              <a:rPr lang="en-GB" dirty="0"/>
+              <a:t>Issues resolved quickly -----------------------</a:t>
+            </a:r>
+            <a:endParaRPr lang="en-US" dirty="0"/>
+          </a:p>
+          <a:p>
+            <a:endParaRPr lang="en-GB" dirty="0"/>
           </a:p>
         </p:txBody>
       </p:sp>
@@ -14997,7 +15339,7 @@
           <p:cNvPr id="3" name="Title 2">
             <a:extLst>
               <a:ext uri="{FF2B5EF4-FFF2-40B4-BE49-F238E27FC236}">
-                <a16:creationId xmlns:a16="http://schemas.microsoft.com/office/drawing/2014/main" id="{17695CE0-B4C7-4559-B159-47C7627669C7}"/>
+                <a16:creationId xmlns:a16="http://schemas.microsoft.com/office/drawing/2014/main" id="{FB5BED35-C2AC-474A-934A-98AE4F4D3E80}"/>
               </a:ext>
             </a:extLst>
           </p:cNvPr>
@@ -15017,7 +15359,7 @@
           <a:p>
             <a:r>
               <a:rPr lang="en-GB" dirty="0"/>
-              <a:t>Applications</a:t>
+              <a:t>Project Management</a:t>
             </a:r>
           </a:p>
         </p:txBody>
@@ -15027,7 +15369,7 @@
           <p:cNvPr id="4" name="Content Placeholder 3">
             <a:extLst>
               <a:ext uri="{FF2B5EF4-FFF2-40B4-BE49-F238E27FC236}">
-                <a16:creationId xmlns:a16="http://schemas.microsoft.com/office/drawing/2014/main" id="{0356FB6F-306F-41DE-AA1A-546B9B5D117D}"/>
+                <a16:creationId xmlns:a16="http://schemas.microsoft.com/office/drawing/2014/main" id="{F4A9EB92-E051-410D-989E-F5CDE34F7E99}"/>
               </a:ext>
             </a:extLst>
           </p:cNvPr>
@@ -15045,19 +15387,31 @@
           <a:p>
             <a:r>
               <a:rPr lang="en-GB" dirty="0"/>
-              <a:t>Education</a:t>
+              <a:t>Adaptive to change</a:t>
             </a:r>
           </a:p>
           <a:p>
             <a:r>
               <a:rPr lang="en-GB" dirty="0"/>
-              <a:t>Military</a:t>
+              <a:t>Trello</a:t>
             </a:r>
           </a:p>
           <a:p>
             <a:r>
               <a:rPr lang="en-GB" dirty="0"/>
-              <a:t>Education</a:t>
+              <a:t>git</a:t>
+            </a:r>
+          </a:p>
+          <a:p>
+            <a:r>
+              <a:rPr lang="en-GB" dirty="0"/>
+              <a:t>Comparable to “scrums”</a:t>
+            </a:r>
+          </a:p>
+          <a:p>
+            <a:r>
+              <a:rPr lang="en-GB" dirty="0"/>
+              <a:t>Access to tools, licensing</a:t>
             </a:r>
           </a:p>
         </p:txBody>
@@ -15067,7 +15421,7 @@
           <p:cNvPr id="5" name="Picture Placeholder 4">
             <a:extLst>
               <a:ext uri="{FF2B5EF4-FFF2-40B4-BE49-F238E27FC236}">
-                <a16:creationId xmlns:a16="http://schemas.microsoft.com/office/drawing/2014/main" id="{6A7F6F51-4974-4DA9-92A6-5CA03A992465}"/>
+                <a16:creationId xmlns:a16="http://schemas.microsoft.com/office/drawing/2014/main" id="{655E0AA9-E01E-470A-B017-30AD9583B826}"/>
               </a:ext>
             </a:extLst>
           </p:cNvPr>
@@ -15083,7 +15437,7 @@
     </p:spTree>
     <p:extLst>
       <p:ext uri="{BB962C8B-B14F-4D97-AF65-F5344CB8AC3E}">
-        <p14:creationId xmlns:p14="http://schemas.microsoft.com/office/powerpoint/2010/main" val="1555244556"/>
+        <p14:creationId xmlns:p14="http://schemas.microsoft.com/office/powerpoint/2010/main" val="763078848"/>
       </p:ext>
     </p:extLst>
   </p:cSld>
@@ -15124,10 +15478,10 @@
       </p:grpSpPr>
       <p:sp>
         <p:nvSpPr>
-          <p:cNvPr id="6" name="Title 5">
+          <p:cNvPr id="2" name="Content Placeholder 1">
             <a:extLst>
               <a:ext uri="{FF2B5EF4-FFF2-40B4-BE49-F238E27FC236}">
-                <a16:creationId xmlns:a16="http://schemas.microsoft.com/office/drawing/2014/main" id="{C1409401-33D1-4304-98B7-A61B1640ACED}"/>
+                <a16:creationId xmlns:a16="http://schemas.microsoft.com/office/drawing/2014/main" id="{46992151-F785-420E-A220-06F8594B3F45}"/>
               </a:ext>
             </a:extLst>
           </p:cNvPr>
@@ -15135,7 +15489,7 @@
             <a:spLocks noGrp="1"/>
           </p:cNvSpPr>
           <p:nvPr>
-            <p:ph type="ctrTitle"/>
+            <p:ph idx="1"/>
           </p:nvPr>
         </p:nvSpPr>
         <p:spPr/>
@@ -15144,18 +15498,18 @@
           <a:lstStyle/>
           <a:p>
             <a:r>
-              <a:rPr lang="en-GB" sz="9600" dirty="0"/>
-              <a:t>Demo</a:t>
-            </a:r>
-          </a:p>
-        </p:txBody>
-      </p:sp>
-      <p:sp>
-        <p:nvSpPr>
-          <p:cNvPr id="9" name="Subtitle 8">
+              <a:rPr lang="en-GB" dirty="0"/>
+              <a:t>Get a graph</a:t>
+            </a:r>
+          </a:p>
+        </p:txBody>
+      </p:sp>
+      <p:sp>
+        <p:nvSpPr>
+          <p:cNvPr id="3" name="Title 2">
             <a:extLst>
               <a:ext uri="{FF2B5EF4-FFF2-40B4-BE49-F238E27FC236}">
-                <a16:creationId xmlns:a16="http://schemas.microsoft.com/office/drawing/2014/main" id="{CB61C471-3B36-4D84-B9A7-84CCF5C5E3B6}"/>
+                <a16:creationId xmlns:a16="http://schemas.microsoft.com/office/drawing/2014/main" id="{1FE397AE-10CC-4383-90CC-0173BE621FDB}"/>
               </a:ext>
             </a:extLst>
           </p:cNvPr>
@@ -15163,24 +15517,29 @@
             <a:spLocks noGrp="1"/>
           </p:cNvSpPr>
           <p:nvPr>
-            <p:ph type="subTitle" idx="1"/>
+            <p:ph type="title"/>
           </p:nvPr>
         </p:nvSpPr>
         <p:spPr/>
         <p:txBody>
-          <a:bodyPr/>
+          <a:bodyPr>
+            <a:normAutofit fontScale="90000"/>
+          </a:bodyPr>
           <a:lstStyle/>
           <a:p>
-            <a:endParaRPr lang="en-GB"/>
-          </a:p>
-        </p:txBody>
-      </p:sp>
-      <p:sp>
-        <p:nvSpPr>
-          <p:cNvPr id="10" name="Picture Placeholder 9">
+            <a:r>
+              <a:rPr lang="en-GB" dirty="0"/>
+              <a:t>Model Results</a:t>
+            </a:r>
+          </a:p>
+        </p:txBody>
+      </p:sp>
+      <p:sp>
+        <p:nvSpPr>
+          <p:cNvPr id="4" name="Content Placeholder 3">
             <a:extLst>
               <a:ext uri="{FF2B5EF4-FFF2-40B4-BE49-F238E27FC236}">
-                <a16:creationId xmlns:a16="http://schemas.microsoft.com/office/drawing/2014/main" id="{897C3581-BED6-42E0-A966-6FC594C51FED}"/>
+                <a16:creationId xmlns:a16="http://schemas.microsoft.com/office/drawing/2014/main" id="{91F59C3B-46D4-40B1-ABC0-9E825FB80CFE}"/>
               </a:ext>
             </a:extLst>
           </p:cNvPr>
@@ -15188,7 +15547,32 @@
             <a:spLocks noGrp="1"/>
           </p:cNvSpPr>
           <p:nvPr>
-            <p:ph type="pic" sz="quarter" idx="27"/>
+            <p:ph idx="10"/>
+          </p:nvPr>
+        </p:nvSpPr>
+        <p:spPr/>
+        <p:txBody>
+          <a:bodyPr/>
+          <a:lstStyle/>
+          <a:p>
+            <a:endParaRPr lang="en-GB"/>
+          </a:p>
+        </p:txBody>
+      </p:sp>
+      <p:sp>
+        <p:nvSpPr>
+          <p:cNvPr id="5" name="Picture Placeholder 4">
+            <a:extLst>
+              <a:ext uri="{FF2B5EF4-FFF2-40B4-BE49-F238E27FC236}">
+                <a16:creationId xmlns:a16="http://schemas.microsoft.com/office/drawing/2014/main" id="{5A208FC8-1E47-44BF-B94F-53062A60F2A3}"/>
+              </a:ext>
+            </a:extLst>
+          </p:cNvPr>
+          <p:cNvSpPr>
+            <a:spLocks noGrp="1"/>
+          </p:cNvSpPr>
+          <p:nvPr>
+            <p:ph type="pic" sz="quarter" idx="29"/>
           </p:nvPr>
         </p:nvSpPr>
         <p:spPr/>
@@ -15196,7 +15580,165 @@
     </p:spTree>
     <p:extLst>
       <p:ext uri="{BB962C8B-B14F-4D97-AF65-F5344CB8AC3E}">
-        <p14:creationId xmlns:p14="http://schemas.microsoft.com/office/powerpoint/2010/main" val="2582005167"/>
+        <p14:creationId xmlns:p14="http://schemas.microsoft.com/office/powerpoint/2010/main" val="2701311481"/>
+      </p:ext>
+    </p:extLst>
+  </p:cSld>
+  <p:clrMapOvr>
+    <a:masterClrMapping/>
+  </p:clrMapOvr>
+  <mc:AlternateContent xmlns:mc="http://schemas.openxmlformats.org/markup-compatibility/2006" xmlns:p14="http://schemas.microsoft.com/office/powerpoint/2010/main">
+    <mc:Choice Requires="p14">
+      <p:transition p14:dur="300">
+        <p:fade/>
+      </p:transition>
+    </mc:Choice>
+    <mc:Fallback xmlns="">
+      <p:transition>
+        <p:fade/>
+      </p:transition>
+    </mc:Fallback>
+  </mc:AlternateContent>
+</p:sld>
+</file>
+
+<file path=ppt/slides/slide19.xml><?xml version="1.0" encoding="utf-8"?>
+<p:sld xmlns:a="http://schemas.openxmlformats.org/drawingml/2006/main" xmlns:r="http://schemas.openxmlformats.org/officeDocument/2006/relationships" xmlns:p="http://schemas.openxmlformats.org/presentationml/2006/main">
+  <p:cSld>
+    <p:spTree>
+      <p:nvGrpSpPr>
+        <p:cNvPr id="1" name=""/>
+        <p:cNvGrpSpPr/>
+        <p:nvPr/>
+      </p:nvGrpSpPr>
+      <p:grpSpPr>
+        <a:xfrm>
+          <a:off x="0" y="0"/>
+          <a:ext cx="0" cy="0"/>
+          <a:chOff x="0" y="0"/>
+          <a:chExt cx="0" cy="0"/>
+        </a:xfrm>
+      </p:grpSpPr>
+      <p:sp>
+        <p:nvSpPr>
+          <p:cNvPr id="2" name="Content Placeholder 1">
+            <a:extLst>
+              <a:ext uri="{FF2B5EF4-FFF2-40B4-BE49-F238E27FC236}">
+                <a16:creationId xmlns:a16="http://schemas.microsoft.com/office/drawing/2014/main" id="{192549E1-3CA7-4340-9E2A-B167E268F82A}"/>
+              </a:ext>
+            </a:extLst>
+          </p:cNvPr>
+          <p:cNvSpPr>
+            <a:spLocks noGrp="1"/>
+          </p:cNvSpPr>
+          <p:nvPr>
+            <p:ph idx="1"/>
+          </p:nvPr>
+        </p:nvSpPr>
+        <p:spPr/>
+        <p:txBody>
+          <a:bodyPr/>
+          <a:lstStyle/>
+          <a:p>
+            <a:r>
+              <a:rPr lang="en-GB" dirty="0"/>
+              <a:t>Internet of Things (IoT)</a:t>
+            </a:r>
+          </a:p>
+        </p:txBody>
+      </p:sp>
+      <p:sp>
+        <p:nvSpPr>
+          <p:cNvPr id="3" name="Title 2">
+            <a:extLst>
+              <a:ext uri="{FF2B5EF4-FFF2-40B4-BE49-F238E27FC236}">
+                <a16:creationId xmlns:a16="http://schemas.microsoft.com/office/drawing/2014/main" id="{17695CE0-B4C7-4559-B159-47C7627669C7}"/>
+              </a:ext>
+            </a:extLst>
+          </p:cNvPr>
+          <p:cNvSpPr>
+            <a:spLocks noGrp="1"/>
+          </p:cNvSpPr>
+          <p:nvPr>
+            <p:ph type="title"/>
+          </p:nvPr>
+        </p:nvSpPr>
+        <p:spPr/>
+        <p:txBody>
+          <a:bodyPr>
+            <a:normAutofit fontScale="90000"/>
+          </a:bodyPr>
+          <a:lstStyle/>
+          <a:p>
+            <a:r>
+              <a:rPr lang="en-GB" dirty="0"/>
+              <a:t>Applications</a:t>
+            </a:r>
+          </a:p>
+        </p:txBody>
+      </p:sp>
+      <p:sp>
+        <p:nvSpPr>
+          <p:cNvPr id="4" name="Content Placeholder 3">
+            <a:extLst>
+              <a:ext uri="{FF2B5EF4-FFF2-40B4-BE49-F238E27FC236}">
+                <a16:creationId xmlns:a16="http://schemas.microsoft.com/office/drawing/2014/main" id="{0356FB6F-306F-41DE-AA1A-546B9B5D117D}"/>
+              </a:ext>
+            </a:extLst>
+          </p:cNvPr>
+          <p:cNvSpPr>
+            <a:spLocks noGrp="1"/>
+          </p:cNvSpPr>
+          <p:nvPr>
+            <p:ph idx="10"/>
+          </p:nvPr>
+        </p:nvSpPr>
+        <p:spPr/>
+        <p:txBody>
+          <a:bodyPr/>
+          <a:lstStyle/>
+          <a:p>
+            <a:r>
+              <a:rPr lang="en-GB" dirty="0"/>
+              <a:t>Education</a:t>
+            </a:r>
+          </a:p>
+          <a:p>
+            <a:r>
+              <a:rPr lang="en-GB" dirty="0"/>
+              <a:t>Military</a:t>
+            </a:r>
+          </a:p>
+          <a:p>
+            <a:r>
+              <a:rPr lang="en-GB" dirty="0"/>
+              <a:t>Education</a:t>
+            </a:r>
+          </a:p>
+        </p:txBody>
+      </p:sp>
+      <p:sp>
+        <p:nvSpPr>
+          <p:cNvPr id="5" name="Picture Placeholder 4">
+            <a:extLst>
+              <a:ext uri="{FF2B5EF4-FFF2-40B4-BE49-F238E27FC236}">
+                <a16:creationId xmlns:a16="http://schemas.microsoft.com/office/drawing/2014/main" id="{6A7F6F51-4974-4DA9-92A6-5CA03A992465}"/>
+              </a:ext>
+            </a:extLst>
+          </p:cNvPr>
+          <p:cNvSpPr>
+            <a:spLocks noGrp="1"/>
+          </p:cNvSpPr>
+          <p:nvPr>
+            <p:ph type="pic" sz="quarter" idx="29"/>
+          </p:nvPr>
+        </p:nvSpPr>
+        <p:spPr/>
+      </p:sp>
+    </p:spTree>
+    <p:extLst>
+      <p:ext uri="{BB962C8B-B14F-4D97-AF65-F5344CB8AC3E}">
+        <p14:creationId xmlns:p14="http://schemas.microsoft.com/office/powerpoint/2010/main" val="1555244556"/>
       </p:ext>
     </p:extLst>
   </p:cSld>
@@ -15394,6 +15936,119 @@
     <p:extLst>
       <p:ext uri="{BB962C8B-B14F-4D97-AF65-F5344CB8AC3E}">
         <p14:creationId xmlns:p14="http://schemas.microsoft.com/office/powerpoint/2010/main" val="749469514"/>
+      </p:ext>
+    </p:extLst>
+  </p:cSld>
+  <p:clrMapOvr>
+    <a:masterClrMapping/>
+  </p:clrMapOvr>
+  <mc:AlternateContent xmlns:mc="http://schemas.openxmlformats.org/markup-compatibility/2006" xmlns:p14="http://schemas.microsoft.com/office/powerpoint/2010/main">
+    <mc:Choice Requires="p14">
+      <p:transition p14:dur="300">
+        <p:fade/>
+      </p:transition>
+    </mc:Choice>
+    <mc:Fallback xmlns="">
+      <p:transition>
+        <p:fade/>
+      </p:transition>
+    </mc:Fallback>
+  </mc:AlternateContent>
+</p:sld>
+</file>
+
+<file path=ppt/slides/slide20.xml><?xml version="1.0" encoding="utf-8"?>
+<p:sld xmlns:a="http://schemas.openxmlformats.org/drawingml/2006/main" xmlns:r="http://schemas.openxmlformats.org/officeDocument/2006/relationships" xmlns:p="http://schemas.openxmlformats.org/presentationml/2006/main">
+  <p:cSld>
+    <p:spTree>
+      <p:nvGrpSpPr>
+        <p:cNvPr id="1" name=""/>
+        <p:cNvGrpSpPr/>
+        <p:nvPr/>
+      </p:nvGrpSpPr>
+      <p:grpSpPr>
+        <a:xfrm>
+          <a:off x="0" y="0"/>
+          <a:ext cx="0" cy="0"/>
+          <a:chOff x="0" y="0"/>
+          <a:chExt cx="0" cy="0"/>
+        </a:xfrm>
+      </p:grpSpPr>
+      <p:sp>
+        <p:nvSpPr>
+          <p:cNvPr id="6" name="Title 5">
+            <a:extLst>
+              <a:ext uri="{FF2B5EF4-FFF2-40B4-BE49-F238E27FC236}">
+                <a16:creationId xmlns:a16="http://schemas.microsoft.com/office/drawing/2014/main" id="{C1409401-33D1-4304-98B7-A61B1640ACED}"/>
+              </a:ext>
+            </a:extLst>
+          </p:cNvPr>
+          <p:cNvSpPr>
+            <a:spLocks noGrp="1"/>
+          </p:cNvSpPr>
+          <p:nvPr>
+            <p:ph type="ctrTitle"/>
+          </p:nvPr>
+        </p:nvSpPr>
+        <p:spPr/>
+        <p:txBody>
+          <a:bodyPr/>
+          <a:lstStyle/>
+          <a:p>
+            <a:r>
+              <a:rPr lang="en-GB" sz="9600" dirty="0"/>
+              <a:t>Demo</a:t>
+            </a:r>
+          </a:p>
+        </p:txBody>
+      </p:sp>
+      <p:sp>
+        <p:nvSpPr>
+          <p:cNvPr id="9" name="Subtitle 8">
+            <a:extLst>
+              <a:ext uri="{FF2B5EF4-FFF2-40B4-BE49-F238E27FC236}">
+                <a16:creationId xmlns:a16="http://schemas.microsoft.com/office/drawing/2014/main" id="{CB61C471-3B36-4D84-B9A7-84CCF5C5E3B6}"/>
+              </a:ext>
+            </a:extLst>
+          </p:cNvPr>
+          <p:cNvSpPr>
+            <a:spLocks noGrp="1"/>
+          </p:cNvSpPr>
+          <p:nvPr>
+            <p:ph type="subTitle" idx="1"/>
+          </p:nvPr>
+        </p:nvSpPr>
+        <p:spPr/>
+        <p:txBody>
+          <a:bodyPr/>
+          <a:lstStyle/>
+          <a:p>
+            <a:endParaRPr lang="en-GB"/>
+          </a:p>
+        </p:txBody>
+      </p:sp>
+      <p:sp>
+        <p:nvSpPr>
+          <p:cNvPr id="10" name="Picture Placeholder 9">
+            <a:extLst>
+              <a:ext uri="{FF2B5EF4-FFF2-40B4-BE49-F238E27FC236}">
+                <a16:creationId xmlns:a16="http://schemas.microsoft.com/office/drawing/2014/main" id="{897C3581-BED6-42E0-A966-6FC594C51FED}"/>
+              </a:ext>
+            </a:extLst>
+          </p:cNvPr>
+          <p:cNvSpPr>
+            <a:spLocks noGrp="1"/>
+          </p:cNvSpPr>
+          <p:nvPr>
+            <p:ph type="pic" sz="quarter" idx="27"/>
+          </p:nvPr>
+        </p:nvSpPr>
+        <p:spPr/>
+      </p:sp>
+    </p:spTree>
+    <p:extLst>
+      <p:ext uri="{BB962C8B-B14F-4D97-AF65-F5344CB8AC3E}">
+        <p14:creationId xmlns:p14="http://schemas.microsoft.com/office/powerpoint/2010/main" val="2582005167"/>
       </p:ext>
     </p:extLst>
   </p:cSld>
@@ -16406,7 +17061,11 @@
           </a:lstStyle>
           <a:p>
             <a:r>
-              <a:rPr lang="en-GB" sz="1900" dirty="0"/>
+              <a:rPr lang="en-GB" sz="1900" dirty="0">
+                <a:solidFill>
+                  <a:schemeClr val="bg2"/>
+                </a:solidFill>
+              </a:rPr>
               <a:t>Link</a:t>
             </a:r>
           </a:p>
@@ -17448,24 +18107,15 @@
                                   </p:childTnLst>
                                 </p:cTn>
                               </p:par>
-                            </p:childTnLst>
-                          </p:cTn>
-                        </p:par>
-                        <p:par>
-                          <p:cTn id="29" fill="hold">
-                            <p:stCondLst>
-                              <p:cond delay="500"/>
-                            </p:stCondLst>
-                            <p:childTnLst>
                               <p:par>
-                                <p:cTn id="30" presetID="64" presetClass="path" presetSubtype="0" accel="50000" decel="50000" fill="hold" grpId="0" nodeType="afterEffect">
+                                <p:cTn id="29" presetID="64" presetClass="path" presetSubtype="0" accel="50000" decel="50000" fill="hold" grpId="0" nodeType="withEffect">
                                   <p:stCondLst>
                                     <p:cond delay="0"/>
                                   </p:stCondLst>
                                   <p:childTnLst>
                                     <p:animMotion origin="layout" path="M -2.08333E-6 -1.85185E-6 L -0.00013 -0.17685 " pathEditMode="relative" rAng="0" ptsTypes="AA">
                                       <p:cBhvr>
-                                        <p:cTn id="31" dur="1000" fill="hold"/>
+                                        <p:cTn id="30" dur="1500" fill="hold"/>
                                         <p:tgtEl>
                                           <p:spTgt spid="11"/>
                                         </p:tgtEl>
@@ -17480,14 +18130,14 @@
                                 </p:cTn>
                               </p:par>
                               <p:par>
-                                <p:cTn id="32" presetID="64" presetClass="path" presetSubtype="0" accel="50000" decel="50000" fill="hold" grpId="0" nodeType="withEffect">
+                                <p:cTn id="31" presetID="64" presetClass="path" presetSubtype="0" accel="50000" decel="50000" fill="hold" grpId="0" nodeType="withEffect">
                                   <p:stCondLst>
                                     <p:cond delay="0"/>
                                   </p:stCondLst>
                                   <p:childTnLst>
                                     <p:animMotion origin="layout" path="M -2.29167E-6 3.7037E-6 L -2.29167E-6 -0.175 " pathEditMode="relative" rAng="0" ptsTypes="AA">
                                       <p:cBhvr>
-                                        <p:cTn id="33" dur="1000" fill="hold"/>
+                                        <p:cTn id="32" dur="1500" fill="hold"/>
                                         <p:tgtEl>
                                           <p:spTgt spid="8"/>
                                         </p:tgtEl>
@@ -17502,14 +18152,14 @@
                                 </p:cTn>
                               </p:par>
                               <p:par>
-                                <p:cTn id="34" presetID="64" presetClass="path" presetSubtype="0" accel="50000" decel="50000" fill="hold" grpId="1" nodeType="withEffect">
+                                <p:cTn id="33" presetID="64" presetClass="path" presetSubtype="0" accel="50000" decel="50000" fill="hold" grpId="1" nodeType="withEffect">
                                   <p:stCondLst>
                                     <p:cond delay="0"/>
                                   </p:stCondLst>
                                   <p:childTnLst>
                                     <p:animMotion origin="layout" path="M 4.79167E-6 4.81481E-6 L 0.00026 -0.17616 " pathEditMode="relative" rAng="0" ptsTypes="AA">
                                       <p:cBhvr>
-                                        <p:cTn id="35" dur="1000" fill="hold"/>
+                                        <p:cTn id="34" dur="1500" fill="hold"/>
                                         <p:tgtEl>
                                           <p:spTgt spid="10"/>
                                         </p:tgtEl>
@@ -18845,7 +19495,7 @@
                                     </p:set>
                                     <p:animEffect transition="in" filter="fade">
                                       <p:cBhvr>
-                                        <p:cTn id="7" dur="1000"/>
+                                        <p:cTn id="7" dur="500"/>
                                         <p:tgtEl>
                                           <p:spTgt spid="2">
                                             <p:txEl>
@@ -18864,7 +19514,7 @@
                         <p:par>
                           <p:cTn id="8" fill="hold">
                             <p:stCondLst>
-                              <p:cond delay="1000"/>
+                              <p:cond delay="500"/>
                             </p:stCondLst>
                             <p:childTnLst>
                               <p:par>
@@ -18897,7 +19547,7 @@
                                     </p:set>
                                     <p:animEffect transition="in" filter="fade">
                                       <p:cBhvr>
-                                        <p:cTn id="11" dur="1000"/>
+                                        <p:cTn id="11" dur="500"/>
                                         <p:tgtEl>
                                           <p:spTgt spid="4">
                                             <p:txEl>
@@ -18940,7 +19590,7 @@
                                     </p:set>
                                     <p:animEffect transition="in" filter="fade">
                                       <p:cBhvr>
-                                        <p:cTn id="14" dur="1000"/>
+                                        <p:cTn id="14" dur="500"/>
                                         <p:tgtEl>
                                           <p:spTgt spid="4">
                                             <p:txEl>
@@ -18959,7 +19609,7 @@
                         <p:par>
                           <p:cTn id="15" fill="hold">
                             <p:stCondLst>
-                              <p:cond delay="2000"/>
+                              <p:cond delay="1000"/>
                             </p:stCondLst>
                             <p:childTnLst>
                               <p:par>
@@ -18992,7 +19642,7 @@
                                     </p:set>
                                     <p:animEffect transition="in" filter="fade">
                                       <p:cBhvr>
-                                        <p:cTn id="18" dur="1000"/>
+                                        <p:cTn id="18" dur="500"/>
                                         <p:tgtEl>
                                           <p:spTgt spid="4">
                                             <p:txEl>
@@ -19035,7 +19685,7 @@
                                     </p:set>
                                     <p:animEffect transition="in" filter="fade">
                                       <p:cBhvr>
-                                        <p:cTn id="21" dur="1000"/>
+                                        <p:cTn id="21" dur="500"/>
                                         <p:tgtEl>
                                           <p:spTgt spid="4">
                                             <p:txEl>
@@ -19078,7 +19728,7 @@
                                     </p:set>
                                     <p:animEffect transition="in" filter="fade">
                                       <p:cBhvr>
-                                        <p:cTn id="24" dur="1000"/>
+                                        <p:cTn id="24" dur="500"/>
                                         <p:tgtEl>
                                           <p:spTgt spid="4">
                                             <p:txEl>
@@ -19121,7 +19771,7 @@
                                     </p:set>
                                     <p:animEffect transition="in" filter="fade">
                                       <p:cBhvr>
-                                        <p:cTn id="27" dur="1000"/>
+                                        <p:cTn id="27" dur="500"/>
                                         <p:tgtEl>
                                           <p:spTgt spid="4">
                                             <p:txEl>

--- a/Presentation/Network Switch Design on FPGAs.pptx
+++ b/Presentation/Network Switch Design on FPGAs.pptx
@@ -5,12 +5,12 @@
     <p:sldMasterId id="2147483660" r:id="rId1"/>
   </p:sldMasterIdLst>
   <p:notesMasterIdLst>
-    <p:notesMasterId r:id="rId22"/>
+    <p:notesMasterId r:id="rId24"/>
   </p:notesMasterIdLst>
   <p:sldIdLst>
     <p:sldId id="260" r:id="rId2"/>
-    <p:sldId id="272" r:id="rId3"/>
-    <p:sldId id="274" r:id="rId4"/>
+    <p:sldId id="289" r:id="rId3"/>
+    <p:sldId id="290" r:id="rId4"/>
     <p:sldId id="262" r:id="rId5"/>
     <p:sldId id="263" r:id="rId6"/>
     <p:sldId id="275" r:id="rId7"/>
@@ -22,12 +22,14 @@
     <p:sldId id="281" r:id="rId13"/>
     <p:sldId id="282" r:id="rId14"/>
     <p:sldId id="283" r:id="rId15"/>
-    <p:sldId id="284" r:id="rId16"/>
-    <p:sldId id="285" r:id="rId17"/>
-    <p:sldId id="265" r:id="rId18"/>
+    <p:sldId id="285" r:id="rId16"/>
+    <p:sldId id="265" r:id="rId17"/>
+    <p:sldId id="267" r:id="rId18"/>
     <p:sldId id="273" r:id="rId19"/>
-    <p:sldId id="267" r:id="rId20"/>
+    <p:sldId id="286" r:id="rId20"/>
     <p:sldId id="266" r:id="rId21"/>
+    <p:sldId id="287" r:id="rId22"/>
+    <p:sldId id="288" r:id="rId23"/>
   </p:sldIdLst>
   <p:sldSz cx="12192000" cy="6858000"/>
   <p:notesSz cx="6858000" cy="9144000"/>
@@ -142,6 +144,2542 @@
 </p1510:revInfo>
 </file>
 
+<file path=ppt/charts/chart1.xml><?xml version="1.0" encoding="utf-8"?>
+<c:chartSpace xmlns:c="http://schemas.openxmlformats.org/drawingml/2006/chart" xmlns:a="http://schemas.openxmlformats.org/drawingml/2006/main" xmlns:r="http://schemas.openxmlformats.org/officeDocument/2006/relationships" xmlns:c16r2="http://schemas.microsoft.com/office/drawing/2015/06/chart">
+  <c:date1904 val="0"/>
+  <c:lang val="en-US"/>
+  <c:roundedCorners val="0"/>
+  <mc:AlternateContent xmlns:mc="http://schemas.openxmlformats.org/markup-compatibility/2006">
+    <mc:Choice xmlns:c14="http://schemas.microsoft.com/office/drawing/2007/8/2/chart" Requires="c14">
+      <c14:style val="102"/>
+    </mc:Choice>
+    <mc:Fallback>
+      <c:style val="2"/>
+    </mc:Fallback>
+  </mc:AlternateContent>
+  <c:chart>
+    <c:autoTitleDeleted val="1"/>
+    <c:plotArea>
+      <c:layout/>
+      <c:lineChart>
+        <c:grouping val="standard"/>
+        <c:varyColors val="0"/>
+        <c:ser>
+          <c:idx val="0"/>
+          <c:order val="0"/>
+          <c:tx>
+            <c:strRef>
+              <c:f>Sheet1!$V$61</c:f>
+              <c:strCache>
+                <c:ptCount val="1"/>
+                <c:pt idx="0">
+                  <c:v>None</c:v>
+                </c:pt>
+              </c:strCache>
+            </c:strRef>
+          </c:tx>
+          <c:spPr>
+            <a:ln w="28575" cap="rnd">
+              <a:solidFill>
+                <a:srgbClr val="BDFDFE"/>
+              </a:solidFill>
+              <a:round/>
+            </a:ln>
+            <a:effectLst/>
+          </c:spPr>
+          <c:marker>
+            <c:symbol val="none"/>
+          </c:marker>
+          <c:cat>
+            <c:numRef>
+              <c:f>Sheet1!$U$62:$U$80</c:f>
+              <c:numCache>
+                <c:formatCode>General</c:formatCode>
+                <c:ptCount val="19"/>
+                <c:pt idx="0">
+                  <c:v>2</c:v>
+                </c:pt>
+                <c:pt idx="1">
+                  <c:v>3</c:v>
+                </c:pt>
+                <c:pt idx="2">
+                  <c:v>4</c:v>
+                </c:pt>
+                <c:pt idx="3">
+                  <c:v>5</c:v>
+                </c:pt>
+                <c:pt idx="4">
+                  <c:v>6</c:v>
+                </c:pt>
+                <c:pt idx="5">
+                  <c:v>7</c:v>
+                </c:pt>
+                <c:pt idx="6">
+                  <c:v>8</c:v>
+                </c:pt>
+                <c:pt idx="7">
+                  <c:v>9</c:v>
+                </c:pt>
+                <c:pt idx="8">
+                  <c:v>10</c:v>
+                </c:pt>
+                <c:pt idx="9">
+                  <c:v>11</c:v>
+                </c:pt>
+                <c:pt idx="10">
+                  <c:v>12</c:v>
+                </c:pt>
+                <c:pt idx="11">
+                  <c:v>13</c:v>
+                </c:pt>
+                <c:pt idx="12">
+                  <c:v>14</c:v>
+                </c:pt>
+                <c:pt idx="13">
+                  <c:v>15</c:v>
+                </c:pt>
+                <c:pt idx="14">
+                  <c:v>16</c:v>
+                </c:pt>
+                <c:pt idx="15">
+                  <c:v>17</c:v>
+                </c:pt>
+                <c:pt idx="16">
+                  <c:v>18</c:v>
+                </c:pt>
+                <c:pt idx="17">
+                  <c:v>19</c:v>
+                </c:pt>
+                <c:pt idx="18">
+                  <c:v>20</c:v>
+                </c:pt>
+              </c:numCache>
+            </c:numRef>
+          </c:cat>
+          <c:val>
+            <c:numRef>
+              <c:f>Sheet1!$V$62:$V$80</c:f>
+              <c:numCache>
+                <c:formatCode>General</c:formatCode>
+                <c:ptCount val="19"/>
+                <c:pt idx="0">
+                  <c:v>2.0790000000000002</c:v>
+                </c:pt>
+                <c:pt idx="1">
+                  <c:v>4.1050000000000004</c:v>
+                </c:pt>
+                <c:pt idx="2">
+                  <c:v>6.1349999999999998</c:v>
+                </c:pt>
+                <c:pt idx="3">
+                  <c:v>8.1549999999999994</c:v>
+                </c:pt>
+                <c:pt idx="4">
+                  <c:v>10.182</c:v>
+                </c:pt>
+                <c:pt idx="5">
+                  <c:v>12.21</c:v>
+                </c:pt>
+                <c:pt idx="6">
+                  <c:v>14.228999999999999</c:v>
+                </c:pt>
+                <c:pt idx="7">
+                  <c:v>16.251999999999999</c:v>
+                </c:pt>
+                <c:pt idx="8">
+                  <c:v>18.289000000000001</c:v>
+                </c:pt>
+                <c:pt idx="9">
+                  <c:v>20.323</c:v>
+                </c:pt>
+                <c:pt idx="10">
+                  <c:v>22.376000000000001</c:v>
+                </c:pt>
+                <c:pt idx="11">
+                  <c:v>24.402999999999999</c:v>
+                </c:pt>
+                <c:pt idx="12">
+                  <c:v>26.193999999999999</c:v>
+                </c:pt>
+                <c:pt idx="13">
+                  <c:v>28.468</c:v>
+                </c:pt>
+                <c:pt idx="14">
+                  <c:v>30.446000000000002</c:v>
+                </c:pt>
+                <c:pt idx="15">
+                  <c:v>32.512</c:v>
+                </c:pt>
+                <c:pt idx="16">
+                  <c:v>34.526000000000003</c:v>
+                </c:pt>
+                <c:pt idx="17">
+                  <c:v>36.615000000000002</c:v>
+                </c:pt>
+                <c:pt idx="18">
+                  <c:v>38.594000000000001</c:v>
+                </c:pt>
+              </c:numCache>
+            </c:numRef>
+          </c:val>
+          <c:smooth val="0"/>
+          <c:extLst>
+            <c:ext xmlns:c16="http://schemas.microsoft.com/office/drawing/2014/chart" uri="{C3380CC4-5D6E-409C-BE32-E72D297353CC}">
+              <c16:uniqueId val="{00000000-AB48-42AD-B4AB-5451BB24F605}"/>
+            </c:ext>
+          </c:extLst>
+        </c:ser>
+        <c:ser>
+          <c:idx val="1"/>
+          <c:order val="1"/>
+          <c:tx>
+            <c:strRef>
+              <c:f>Sheet1!$W$61</c:f>
+              <c:strCache>
+                <c:ptCount val="1"/>
+                <c:pt idx="0">
+                  <c:v>1</c:v>
+                </c:pt>
+              </c:strCache>
+            </c:strRef>
+          </c:tx>
+          <c:spPr>
+            <a:ln w="28575" cap="rnd">
+              <a:solidFill>
+                <a:srgbClr val="F8AEA2"/>
+              </a:solidFill>
+              <a:round/>
+            </a:ln>
+            <a:effectLst/>
+          </c:spPr>
+          <c:marker>
+            <c:symbol val="none"/>
+          </c:marker>
+          <c:cat>
+            <c:numRef>
+              <c:f>Sheet1!$U$62:$U$80</c:f>
+              <c:numCache>
+                <c:formatCode>General</c:formatCode>
+                <c:ptCount val="19"/>
+                <c:pt idx="0">
+                  <c:v>2</c:v>
+                </c:pt>
+                <c:pt idx="1">
+                  <c:v>3</c:v>
+                </c:pt>
+                <c:pt idx="2">
+                  <c:v>4</c:v>
+                </c:pt>
+                <c:pt idx="3">
+                  <c:v>5</c:v>
+                </c:pt>
+                <c:pt idx="4">
+                  <c:v>6</c:v>
+                </c:pt>
+                <c:pt idx="5">
+                  <c:v>7</c:v>
+                </c:pt>
+                <c:pt idx="6">
+                  <c:v>8</c:v>
+                </c:pt>
+                <c:pt idx="7">
+                  <c:v>9</c:v>
+                </c:pt>
+                <c:pt idx="8">
+                  <c:v>10</c:v>
+                </c:pt>
+                <c:pt idx="9">
+                  <c:v>11</c:v>
+                </c:pt>
+                <c:pt idx="10">
+                  <c:v>12</c:v>
+                </c:pt>
+                <c:pt idx="11">
+                  <c:v>13</c:v>
+                </c:pt>
+                <c:pt idx="12">
+                  <c:v>14</c:v>
+                </c:pt>
+                <c:pt idx="13">
+                  <c:v>15</c:v>
+                </c:pt>
+                <c:pt idx="14">
+                  <c:v>16</c:v>
+                </c:pt>
+                <c:pt idx="15">
+                  <c:v>17</c:v>
+                </c:pt>
+                <c:pt idx="16">
+                  <c:v>18</c:v>
+                </c:pt>
+                <c:pt idx="17">
+                  <c:v>19</c:v>
+                </c:pt>
+                <c:pt idx="18">
+                  <c:v>20</c:v>
+                </c:pt>
+              </c:numCache>
+            </c:numRef>
+          </c:cat>
+          <c:val>
+            <c:numRef>
+              <c:f>Sheet1!$W$62:$W$80</c:f>
+              <c:numCache>
+                <c:formatCode>General</c:formatCode>
+                <c:ptCount val="19"/>
+                <c:pt idx="1">
+                  <c:v>4.0709999999999997</c:v>
+                </c:pt>
+                <c:pt idx="2">
+                  <c:v>6.1159999999999997</c:v>
+                </c:pt>
+                <c:pt idx="3">
+                  <c:v>8.1419999999999995</c:v>
+                </c:pt>
+                <c:pt idx="4">
+                  <c:v>10.114000000000001</c:v>
+                </c:pt>
+                <c:pt idx="5">
+                  <c:v>12.183</c:v>
+                </c:pt>
+                <c:pt idx="6">
+                  <c:v>14.244999999999999</c:v>
+                </c:pt>
+                <c:pt idx="7">
+                  <c:v>16.253</c:v>
+                </c:pt>
+                <c:pt idx="8">
+                  <c:v>18.265999999999998</c:v>
+                </c:pt>
+                <c:pt idx="9">
+                  <c:v>20.343</c:v>
+                </c:pt>
+                <c:pt idx="10">
+                  <c:v>22.350999999999999</c:v>
+                </c:pt>
+                <c:pt idx="11">
+                  <c:v>24.385999999999999</c:v>
+                </c:pt>
+                <c:pt idx="12">
+                  <c:v>26.419</c:v>
+                </c:pt>
+                <c:pt idx="13">
+                  <c:v>28.443000000000001</c:v>
+                </c:pt>
+                <c:pt idx="14">
+                  <c:v>30.507999999999999</c:v>
+                </c:pt>
+                <c:pt idx="15">
+                  <c:v>32.523000000000003</c:v>
+                </c:pt>
+                <c:pt idx="16">
+                  <c:v>34.515000000000001</c:v>
+                </c:pt>
+                <c:pt idx="17">
+                  <c:v>36.545000000000002</c:v>
+                </c:pt>
+                <c:pt idx="18">
+                  <c:v>38.628999999999998</c:v>
+                </c:pt>
+              </c:numCache>
+            </c:numRef>
+          </c:val>
+          <c:smooth val="0"/>
+          <c:extLst>
+            <c:ext xmlns:c16="http://schemas.microsoft.com/office/drawing/2014/chart" uri="{C3380CC4-5D6E-409C-BE32-E72D297353CC}">
+              <c16:uniqueId val="{00000001-AB48-42AD-B4AB-5451BB24F605}"/>
+            </c:ext>
+          </c:extLst>
+        </c:ser>
+        <c:ser>
+          <c:idx val="2"/>
+          <c:order val="2"/>
+          <c:tx>
+            <c:strRef>
+              <c:f>Sheet1!$X$61</c:f>
+              <c:strCache>
+                <c:ptCount val="1"/>
+                <c:pt idx="0">
+                  <c:v>2</c:v>
+                </c:pt>
+              </c:strCache>
+            </c:strRef>
+          </c:tx>
+          <c:spPr>
+            <a:ln w="28575" cap="rnd">
+              <a:solidFill>
+                <a:srgbClr val="F59787"/>
+              </a:solidFill>
+              <a:round/>
+            </a:ln>
+            <a:effectLst/>
+          </c:spPr>
+          <c:marker>
+            <c:symbol val="none"/>
+          </c:marker>
+          <c:cat>
+            <c:numRef>
+              <c:f>Sheet1!$U$62:$U$80</c:f>
+              <c:numCache>
+                <c:formatCode>General</c:formatCode>
+                <c:ptCount val="19"/>
+                <c:pt idx="0">
+                  <c:v>2</c:v>
+                </c:pt>
+                <c:pt idx="1">
+                  <c:v>3</c:v>
+                </c:pt>
+                <c:pt idx="2">
+                  <c:v>4</c:v>
+                </c:pt>
+                <c:pt idx="3">
+                  <c:v>5</c:v>
+                </c:pt>
+                <c:pt idx="4">
+                  <c:v>6</c:v>
+                </c:pt>
+                <c:pt idx="5">
+                  <c:v>7</c:v>
+                </c:pt>
+                <c:pt idx="6">
+                  <c:v>8</c:v>
+                </c:pt>
+                <c:pt idx="7">
+                  <c:v>9</c:v>
+                </c:pt>
+                <c:pt idx="8">
+                  <c:v>10</c:v>
+                </c:pt>
+                <c:pt idx="9">
+                  <c:v>11</c:v>
+                </c:pt>
+                <c:pt idx="10">
+                  <c:v>12</c:v>
+                </c:pt>
+                <c:pt idx="11">
+                  <c:v>13</c:v>
+                </c:pt>
+                <c:pt idx="12">
+                  <c:v>14</c:v>
+                </c:pt>
+                <c:pt idx="13">
+                  <c:v>15</c:v>
+                </c:pt>
+                <c:pt idx="14">
+                  <c:v>16</c:v>
+                </c:pt>
+                <c:pt idx="15">
+                  <c:v>17</c:v>
+                </c:pt>
+                <c:pt idx="16">
+                  <c:v>18</c:v>
+                </c:pt>
+                <c:pt idx="17">
+                  <c:v>19</c:v>
+                </c:pt>
+                <c:pt idx="18">
+                  <c:v>20</c:v>
+                </c:pt>
+              </c:numCache>
+            </c:numRef>
+          </c:cat>
+          <c:val>
+            <c:numRef>
+              <c:f>Sheet1!$X$62:$X$80</c:f>
+              <c:numCache>
+                <c:formatCode>General</c:formatCode>
+                <c:ptCount val="19"/>
+                <c:pt idx="2">
+                  <c:v>4.0910000000000002</c:v>
+                </c:pt>
+                <c:pt idx="3">
+                  <c:v>6.1159999999999997</c:v>
+                </c:pt>
+                <c:pt idx="4">
+                  <c:v>8.1020000000000003</c:v>
+                </c:pt>
+                <c:pt idx="5">
+                  <c:v>10.162000000000001</c:v>
+                </c:pt>
+                <c:pt idx="6">
+                  <c:v>12.188000000000001</c:v>
+                </c:pt>
+                <c:pt idx="7">
+                  <c:v>14.223000000000001</c:v>
+                </c:pt>
+                <c:pt idx="8">
+                  <c:v>16.231999999999999</c:v>
+                </c:pt>
+                <c:pt idx="9">
+                  <c:v>18.309999999999999</c:v>
+                </c:pt>
+                <c:pt idx="10">
+                  <c:v>20.309000000000001</c:v>
+                </c:pt>
+                <c:pt idx="11">
+                  <c:v>22.361000000000001</c:v>
+                </c:pt>
+                <c:pt idx="12">
+                  <c:v>24.381</c:v>
+                </c:pt>
+                <c:pt idx="13">
+                  <c:v>26.4</c:v>
+                </c:pt>
+                <c:pt idx="14">
+                  <c:v>28.449000000000002</c:v>
+                </c:pt>
+                <c:pt idx="15">
+                  <c:v>30.504000000000001</c:v>
+                </c:pt>
+                <c:pt idx="16">
+                  <c:v>32.485999999999997</c:v>
+                </c:pt>
+                <c:pt idx="17">
+                  <c:v>34.36</c:v>
+                </c:pt>
+                <c:pt idx="18">
+                  <c:v>36.383000000000003</c:v>
+                </c:pt>
+              </c:numCache>
+            </c:numRef>
+          </c:val>
+          <c:smooth val="0"/>
+          <c:extLst>
+            <c:ext xmlns:c16="http://schemas.microsoft.com/office/drawing/2014/chart" uri="{C3380CC4-5D6E-409C-BE32-E72D297353CC}">
+              <c16:uniqueId val="{00000002-AB48-42AD-B4AB-5451BB24F605}"/>
+            </c:ext>
+          </c:extLst>
+        </c:ser>
+        <c:ser>
+          <c:idx val="3"/>
+          <c:order val="3"/>
+          <c:tx>
+            <c:strRef>
+              <c:f>Sheet1!$Y$61</c:f>
+              <c:strCache>
+                <c:ptCount val="1"/>
+                <c:pt idx="0">
+                  <c:v>3</c:v>
+                </c:pt>
+              </c:strCache>
+            </c:strRef>
+          </c:tx>
+          <c:spPr>
+            <a:ln w="28575" cap="rnd">
+              <a:solidFill>
+                <a:srgbClr val="F16B55"/>
+              </a:solidFill>
+              <a:round/>
+            </a:ln>
+            <a:effectLst/>
+          </c:spPr>
+          <c:marker>
+            <c:symbol val="none"/>
+          </c:marker>
+          <c:cat>
+            <c:numRef>
+              <c:f>Sheet1!$U$62:$U$80</c:f>
+              <c:numCache>
+                <c:formatCode>General</c:formatCode>
+                <c:ptCount val="19"/>
+                <c:pt idx="0">
+                  <c:v>2</c:v>
+                </c:pt>
+                <c:pt idx="1">
+                  <c:v>3</c:v>
+                </c:pt>
+                <c:pt idx="2">
+                  <c:v>4</c:v>
+                </c:pt>
+                <c:pt idx="3">
+                  <c:v>5</c:v>
+                </c:pt>
+                <c:pt idx="4">
+                  <c:v>6</c:v>
+                </c:pt>
+                <c:pt idx="5">
+                  <c:v>7</c:v>
+                </c:pt>
+                <c:pt idx="6">
+                  <c:v>8</c:v>
+                </c:pt>
+                <c:pt idx="7">
+                  <c:v>9</c:v>
+                </c:pt>
+                <c:pt idx="8">
+                  <c:v>10</c:v>
+                </c:pt>
+                <c:pt idx="9">
+                  <c:v>11</c:v>
+                </c:pt>
+                <c:pt idx="10">
+                  <c:v>12</c:v>
+                </c:pt>
+                <c:pt idx="11">
+                  <c:v>13</c:v>
+                </c:pt>
+                <c:pt idx="12">
+                  <c:v>14</c:v>
+                </c:pt>
+                <c:pt idx="13">
+                  <c:v>15</c:v>
+                </c:pt>
+                <c:pt idx="14">
+                  <c:v>16</c:v>
+                </c:pt>
+                <c:pt idx="15">
+                  <c:v>17</c:v>
+                </c:pt>
+                <c:pt idx="16">
+                  <c:v>18</c:v>
+                </c:pt>
+                <c:pt idx="17">
+                  <c:v>19</c:v>
+                </c:pt>
+                <c:pt idx="18">
+                  <c:v>20</c:v>
+                </c:pt>
+              </c:numCache>
+            </c:numRef>
+          </c:cat>
+          <c:val>
+            <c:numRef>
+              <c:f>Sheet1!$Y$62:$Y$80</c:f>
+              <c:numCache>
+                <c:formatCode>General</c:formatCode>
+                <c:ptCount val="19"/>
+                <c:pt idx="3">
+                  <c:v>4.0819999999999999</c:v>
+                </c:pt>
+                <c:pt idx="4">
+                  <c:v>6.1079999999999997</c:v>
+                </c:pt>
+                <c:pt idx="5">
+                  <c:v>8.0790000000000006</c:v>
+                </c:pt>
+                <c:pt idx="6">
+                  <c:v>10.172000000000001</c:v>
+                </c:pt>
+                <c:pt idx="7">
+                  <c:v>12.199</c:v>
+                </c:pt>
+                <c:pt idx="8">
+                  <c:v>14.212</c:v>
+                </c:pt>
+                <c:pt idx="9">
+                  <c:v>16.251999999999999</c:v>
+                </c:pt>
+                <c:pt idx="10">
+                  <c:v>18.273</c:v>
+                </c:pt>
+                <c:pt idx="11">
+                  <c:v>20.323</c:v>
+                </c:pt>
+                <c:pt idx="12">
+                  <c:v>22.337</c:v>
+                </c:pt>
+                <c:pt idx="13">
+                  <c:v>24.382000000000001</c:v>
+                </c:pt>
+                <c:pt idx="14">
+                  <c:v>26.419</c:v>
+                </c:pt>
+                <c:pt idx="15">
+                  <c:v>28.456</c:v>
+                </c:pt>
+                <c:pt idx="16">
+                  <c:v>30.436</c:v>
+                </c:pt>
+                <c:pt idx="17">
+                  <c:v>32.53</c:v>
+                </c:pt>
+                <c:pt idx="18">
+                  <c:v>34.268999999999998</c:v>
+                </c:pt>
+              </c:numCache>
+            </c:numRef>
+          </c:val>
+          <c:smooth val="0"/>
+          <c:extLst>
+            <c:ext xmlns:c16="http://schemas.microsoft.com/office/drawing/2014/chart" uri="{C3380CC4-5D6E-409C-BE32-E72D297353CC}">
+              <c16:uniqueId val="{00000003-AB48-42AD-B4AB-5451BB24F605}"/>
+            </c:ext>
+          </c:extLst>
+        </c:ser>
+        <c:ser>
+          <c:idx val="4"/>
+          <c:order val="4"/>
+          <c:tx>
+            <c:strRef>
+              <c:f>Sheet1!$Z$61</c:f>
+              <c:strCache>
+                <c:ptCount val="1"/>
+                <c:pt idx="0">
+                  <c:v>4</c:v>
+                </c:pt>
+              </c:strCache>
+            </c:strRef>
+          </c:tx>
+          <c:spPr>
+            <a:ln w="28575" cap="rnd">
+              <a:solidFill>
+                <a:srgbClr val="EE4D32"/>
+              </a:solidFill>
+              <a:round/>
+            </a:ln>
+            <a:effectLst/>
+          </c:spPr>
+          <c:marker>
+            <c:symbol val="none"/>
+          </c:marker>
+          <c:cat>
+            <c:numRef>
+              <c:f>Sheet1!$U$62:$U$80</c:f>
+              <c:numCache>
+                <c:formatCode>General</c:formatCode>
+                <c:ptCount val="19"/>
+                <c:pt idx="0">
+                  <c:v>2</c:v>
+                </c:pt>
+                <c:pt idx="1">
+                  <c:v>3</c:v>
+                </c:pt>
+                <c:pt idx="2">
+                  <c:v>4</c:v>
+                </c:pt>
+                <c:pt idx="3">
+                  <c:v>5</c:v>
+                </c:pt>
+                <c:pt idx="4">
+                  <c:v>6</c:v>
+                </c:pt>
+                <c:pt idx="5">
+                  <c:v>7</c:v>
+                </c:pt>
+                <c:pt idx="6">
+                  <c:v>8</c:v>
+                </c:pt>
+                <c:pt idx="7">
+                  <c:v>9</c:v>
+                </c:pt>
+                <c:pt idx="8">
+                  <c:v>10</c:v>
+                </c:pt>
+                <c:pt idx="9">
+                  <c:v>11</c:v>
+                </c:pt>
+                <c:pt idx="10">
+                  <c:v>12</c:v>
+                </c:pt>
+                <c:pt idx="11">
+                  <c:v>13</c:v>
+                </c:pt>
+                <c:pt idx="12">
+                  <c:v>14</c:v>
+                </c:pt>
+                <c:pt idx="13">
+                  <c:v>15</c:v>
+                </c:pt>
+                <c:pt idx="14">
+                  <c:v>16</c:v>
+                </c:pt>
+                <c:pt idx="15">
+                  <c:v>17</c:v>
+                </c:pt>
+                <c:pt idx="16">
+                  <c:v>18</c:v>
+                </c:pt>
+                <c:pt idx="17">
+                  <c:v>19</c:v>
+                </c:pt>
+                <c:pt idx="18">
+                  <c:v>20</c:v>
+                </c:pt>
+              </c:numCache>
+            </c:numRef>
+          </c:cat>
+          <c:val>
+            <c:numRef>
+              <c:f>Sheet1!$Z$62:$Z$80</c:f>
+              <c:numCache>
+                <c:formatCode>General</c:formatCode>
+                <c:ptCount val="19"/>
+                <c:pt idx="4">
+                  <c:v>4.0949999999999998</c:v>
+                </c:pt>
+                <c:pt idx="5">
+                  <c:v>6.1260000000000003</c:v>
+                </c:pt>
+                <c:pt idx="6">
+                  <c:v>8.0809999999999995</c:v>
+                </c:pt>
+                <c:pt idx="7">
+                  <c:v>10.220000000000001</c:v>
+                </c:pt>
+                <c:pt idx="8">
+                  <c:v>12.192</c:v>
+                </c:pt>
+                <c:pt idx="9">
+                  <c:v>14.215999999999999</c:v>
+                </c:pt>
+                <c:pt idx="10">
+                  <c:v>16.236000000000001</c:v>
+                </c:pt>
+                <c:pt idx="11">
+                  <c:v>18.288</c:v>
+                </c:pt>
+                <c:pt idx="12">
+                  <c:v>20.305</c:v>
+                </c:pt>
+                <c:pt idx="13">
+                  <c:v>22.361999999999998</c:v>
+                </c:pt>
+                <c:pt idx="14">
+                  <c:v>24.388999999999999</c:v>
+                </c:pt>
+                <c:pt idx="15">
+                  <c:v>26.437000000000001</c:v>
+                </c:pt>
+                <c:pt idx="16">
+                  <c:v>28.427</c:v>
+                </c:pt>
+                <c:pt idx="17">
+                  <c:v>30.593</c:v>
+                </c:pt>
+                <c:pt idx="18">
+                  <c:v>32.520000000000003</c:v>
+                </c:pt>
+              </c:numCache>
+            </c:numRef>
+          </c:val>
+          <c:smooth val="0"/>
+          <c:extLst>
+            <c:ext xmlns:c16="http://schemas.microsoft.com/office/drawing/2014/chart" uri="{C3380CC4-5D6E-409C-BE32-E72D297353CC}">
+              <c16:uniqueId val="{00000004-AB48-42AD-B4AB-5451BB24F605}"/>
+            </c:ext>
+          </c:extLst>
+        </c:ser>
+        <c:ser>
+          <c:idx val="5"/>
+          <c:order val="5"/>
+          <c:tx>
+            <c:strRef>
+              <c:f>Sheet1!$AA$61</c:f>
+              <c:strCache>
+                <c:ptCount val="1"/>
+                <c:pt idx="0">
+                  <c:v>5</c:v>
+                </c:pt>
+              </c:strCache>
+            </c:strRef>
+          </c:tx>
+          <c:spPr>
+            <a:ln w="28575" cap="rnd">
+              <a:solidFill>
+                <a:srgbClr val="DF3013"/>
+              </a:solidFill>
+              <a:round/>
+            </a:ln>
+            <a:effectLst/>
+          </c:spPr>
+          <c:marker>
+            <c:symbol val="none"/>
+          </c:marker>
+          <c:cat>
+            <c:numRef>
+              <c:f>Sheet1!$U$62:$U$80</c:f>
+              <c:numCache>
+                <c:formatCode>General</c:formatCode>
+                <c:ptCount val="19"/>
+                <c:pt idx="0">
+                  <c:v>2</c:v>
+                </c:pt>
+                <c:pt idx="1">
+                  <c:v>3</c:v>
+                </c:pt>
+                <c:pt idx="2">
+                  <c:v>4</c:v>
+                </c:pt>
+                <c:pt idx="3">
+                  <c:v>5</c:v>
+                </c:pt>
+                <c:pt idx="4">
+                  <c:v>6</c:v>
+                </c:pt>
+                <c:pt idx="5">
+                  <c:v>7</c:v>
+                </c:pt>
+                <c:pt idx="6">
+                  <c:v>8</c:v>
+                </c:pt>
+                <c:pt idx="7">
+                  <c:v>9</c:v>
+                </c:pt>
+                <c:pt idx="8">
+                  <c:v>10</c:v>
+                </c:pt>
+                <c:pt idx="9">
+                  <c:v>11</c:v>
+                </c:pt>
+                <c:pt idx="10">
+                  <c:v>12</c:v>
+                </c:pt>
+                <c:pt idx="11">
+                  <c:v>13</c:v>
+                </c:pt>
+                <c:pt idx="12">
+                  <c:v>14</c:v>
+                </c:pt>
+                <c:pt idx="13">
+                  <c:v>15</c:v>
+                </c:pt>
+                <c:pt idx="14">
+                  <c:v>16</c:v>
+                </c:pt>
+                <c:pt idx="15">
+                  <c:v>17</c:v>
+                </c:pt>
+                <c:pt idx="16">
+                  <c:v>18</c:v>
+                </c:pt>
+                <c:pt idx="17">
+                  <c:v>19</c:v>
+                </c:pt>
+                <c:pt idx="18">
+                  <c:v>20</c:v>
+                </c:pt>
+              </c:numCache>
+            </c:numRef>
+          </c:cat>
+          <c:val>
+            <c:numRef>
+              <c:f>Sheet1!$AA$62:$AA$80</c:f>
+              <c:numCache>
+                <c:formatCode>General</c:formatCode>
+                <c:ptCount val="19"/>
+                <c:pt idx="5">
+                  <c:v>4.0940000000000003</c:v>
+                </c:pt>
+                <c:pt idx="6">
+                  <c:v>6.1289999999999996</c:v>
+                </c:pt>
+                <c:pt idx="7">
+                  <c:v>8.1310000000000002</c:v>
+                </c:pt>
+                <c:pt idx="8">
+                  <c:v>10.170999999999999</c:v>
+                </c:pt>
+                <c:pt idx="9">
+                  <c:v>12.183999999999999</c:v>
+                </c:pt>
+                <c:pt idx="10">
+                  <c:v>14.222</c:v>
+                </c:pt>
+                <c:pt idx="11">
+                  <c:v>16.262</c:v>
+                </c:pt>
+                <c:pt idx="12">
+                  <c:v>18.279</c:v>
+                </c:pt>
+                <c:pt idx="13">
+                  <c:v>20.297000000000001</c:v>
+                </c:pt>
+                <c:pt idx="14">
+                  <c:v>22.460999999999999</c:v>
+                </c:pt>
+                <c:pt idx="15">
+                  <c:v>24.349</c:v>
+                </c:pt>
+                <c:pt idx="16">
+                  <c:v>26.451000000000001</c:v>
+                </c:pt>
+                <c:pt idx="17">
+                  <c:v>28.454000000000001</c:v>
+                </c:pt>
+                <c:pt idx="18">
+                  <c:v>30.488</c:v>
+                </c:pt>
+              </c:numCache>
+            </c:numRef>
+          </c:val>
+          <c:smooth val="0"/>
+          <c:extLst>
+            <c:ext xmlns:c16="http://schemas.microsoft.com/office/drawing/2014/chart" uri="{C3380CC4-5D6E-409C-BE32-E72D297353CC}">
+              <c16:uniqueId val="{00000005-AB48-42AD-B4AB-5451BB24F605}"/>
+            </c:ext>
+          </c:extLst>
+        </c:ser>
+        <c:ser>
+          <c:idx val="6"/>
+          <c:order val="6"/>
+          <c:tx>
+            <c:strRef>
+              <c:f>Sheet1!$AB$61</c:f>
+              <c:strCache>
+                <c:ptCount val="1"/>
+                <c:pt idx="0">
+                  <c:v>6</c:v>
+                </c:pt>
+              </c:strCache>
+            </c:strRef>
+          </c:tx>
+          <c:spPr>
+            <a:ln w="28575" cap="rnd">
+              <a:solidFill>
+                <a:srgbClr val="A6240E"/>
+              </a:solidFill>
+              <a:round/>
+            </a:ln>
+            <a:effectLst/>
+          </c:spPr>
+          <c:marker>
+            <c:symbol val="none"/>
+          </c:marker>
+          <c:cat>
+            <c:numRef>
+              <c:f>Sheet1!$U$62:$U$80</c:f>
+              <c:numCache>
+                <c:formatCode>General</c:formatCode>
+                <c:ptCount val="19"/>
+                <c:pt idx="0">
+                  <c:v>2</c:v>
+                </c:pt>
+                <c:pt idx="1">
+                  <c:v>3</c:v>
+                </c:pt>
+                <c:pt idx="2">
+                  <c:v>4</c:v>
+                </c:pt>
+                <c:pt idx="3">
+                  <c:v>5</c:v>
+                </c:pt>
+                <c:pt idx="4">
+                  <c:v>6</c:v>
+                </c:pt>
+                <c:pt idx="5">
+                  <c:v>7</c:v>
+                </c:pt>
+                <c:pt idx="6">
+                  <c:v>8</c:v>
+                </c:pt>
+                <c:pt idx="7">
+                  <c:v>9</c:v>
+                </c:pt>
+                <c:pt idx="8">
+                  <c:v>10</c:v>
+                </c:pt>
+                <c:pt idx="9">
+                  <c:v>11</c:v>
+                </c:pt>
+                <c:pt idx="10">
+                  <c:v>12</c:v>
+                </c:pt>
+                <c:pt idx="11">
+                  <c:v>13</c:v>
+                </c:pt>
+                <c:pt idx="12">
+                  <c:v>14</c:v>
+                </c:pt>
+                <c:pt idx="13">
+                  <c:v>15</c:v>
+                </c:pt>
+                <c:pt idx="14">
+                  <c:v>16</c:v>
+                </c:pt>
+                <c:pt idx="15">
+                  <c:v>17</c:v>
+                </c:pt>
+                <c:pt idx="16">
+                  <c:v>18</c:v>
+                </c:pt>
+                <c:pt idx="17">
+                  <c:v>19</c:v>
+                </c:pt>
+                <c:pt idx="18">
+                  <c:v>20</c:v>
+                </c:pt>
+              </c:numCache>
+            </c:numRef>
+          </c:cat>
+          <c:val>
+            <c:numRef>
+              <c:f>Sheet1!$AB$62:$AB$80</c:f>
+              <c:numCache>
+                <c:formatCode>General</c:formatCode>
+                <c:ptCount val="19"/>
+                <c:pt idx="6">
+                  <c:v>4.069</c:v>
+                </c:pt>
+                <c:pt idx="7">
+                  <c:v>6.1159999999999997</c:v>
+                </c:pt>
+                <c:pt idx="8">
+                  <c:v>8.1440000000000001</c:v>
+                </c:pt>
+                <c:pt idx="9">
+                  <c:v>10.173999999999999</c:v>
+                </c:pt>
+                <c:pt idx="10">
+                  <c:v>12.22</c:v>
+                </c:pt>
+                <c:pt idx="11">
+                  <c:v>14.25</c:v>
+                </c:pt>
+                <c:pt idx="12">
+                  <c:v>16.263999999999999</c:v>
+                </c:pt>
+                <c:pt idx="13">
+                  <c:v>18.297000000000001</c:v>
+                </c:pt>
+                <c:pt idx="14">
+                  <c:v>20.323</c:v>
+                </c:pt>
+                <c:pt idx="15">
+                  <c:v>22.306000000000001</c:v>
+                </c:pt>
+                <c:pt idx="16">
+                  <c:v>24.385000000000002</c:v>
+                </c:pt>
+                <c:pt idx="17">
+                  <c:v>26.298999999999999</c:v>
+                </c:pt>
+                <c:pt idx="18">
+                  <c:v>28.454999999999998</c:v>
+                </c:pt>
+              </c:numCache>
+            </c:numRef>
+          </c:val>
+          <c:smooth val="0"/>
+          <c:extLst>
+            <c:ext xmlns:c16="http://schemas.microsoft.com/office/drawing/2014/chart" uri="{C3380CC4-5D6E-409C-BE32-E72D297353CC}">
+              <c16:uniqueId val="{00000006-AB48-42AD-B4AB-5451BB24F605}"/>
+            </c:ext>
+          </c:extLst>
+        </c:ser>
+        <c:ser>
+          <c:idx val="7"/>
+          <c:order val="7"/>
+          <c:tx>
+            <c:strRef>
+              <c:f>Sheet1!$AC$61</c:f>
+              <c:strCache>
+                <c:ptCount val="1"/>
+                <c:pt idx="0">
+                  <c:v>7</c:v>
+                </c:pt>
+              </c:strCache>
+            </c:strRef>
+          </c:tx>
+          <c:spPr>
+            <a:ln w="28575" cap="rnd">
+              <a:solidFill>
+                <a:srgbClr val="74190A"/>
+              </a:solidFill>
+              <a:round/>
+            </a:ln>
+            <a:effectLst/>
+          </c:spPr>
+          <c:marker>
+            <c:symbol val="none"/>
+          </c:marker>
+          <c:cat>
+            <c:numRef>
+              <c:f>Sheet1!$U$62:$U$80</c:f>
+              <c:numCache>
+                <c:formatCode>General</c:formatCode>
+                <c:ptCount val="19"/>
+                <c:pt idx="0">
+                  <c:v>2</c:v>
+                </c:pt>
+                <c:pt idx="1">
+                  <c:v>3</c:v>
+                </c:pt>
+                <c:pt idx="2">
+                  <c:v>4</c:v>
+                </c:pt>
+                <c:pt idx="3">
+                  <c:v>5</c:v>
+                </c:pt>
+                <c:pt idx="4">
+                  <c:v>6</c:v>
+                </c:pt>
+                <c:pt idx="5">
+                  <c:v>7</c:v>
+                </c:pt>
+                <c:pt idx="6">
+                  <c:v>8</c:v>
+                </c:pt>
+                <c:pt idx="7">
+                  <c:v>9</c:v>
+                </c:pt>
+                <c:pt idx="8">
+                  <c:v>10</c:v>
+                </c:pt>
+                <c:pt idx="9">
+                  <c:v>11</c:v>
+                </c:pt>
+                <c:pt idx="10">
+                  <c:v>12</c:v>
+                </c:pt>
+                <c:pt idx="11">
+                  <c:v>13</c:v>
+                </c:pt>
+                <c:pt idx="12">
+                  <c:v>14</c:v>
+                </c:pt>
+                <c:pt idx="13">
+                  <c:v>15</c:v>
+                </c:pt>
+                <c:pt idx="14">
+                  <c:v>16</c:v>
+                </c:pt>
+                <c:pt idx="15">
+                  <c:v>17</c:v>
+                </c:pt>
+                <c:pt idx="16">
+                  <c:v>18</c:v>
+                </c:pt>
+                <c:pt idx="17">
+                  <c:v>19</c:v>
+                </c:pt>
+                <c:pt idx="18">
+                  <c:v>20</c:v>
+                </c:pt>
+              </c:numCache>
+            </c:numRef>
+          </c:cat>
+          <c:val>
+            <c:numRef>
+              <c:f>Sheet1!$AC$62:$AC$80</c:f>
+              <c:numCache>
+                <c:formatCode>General</c:formatCode>
+                <c:ptCount val="19"/>
+                <c:pt idx="7">
+                  <c:v>4.093</c:v>
+                </c:pt>
+                <c:pt idx="8">
+                  <c:v>6.1150000000000002</c:v>
+                </c:pt>
+                <c:pt idx="9">
+                  <c:v>8.1370000000000005</c:v>
+                </c:pt>
+                <c:pt idx="10">
+                  <c:v>10.16</c:v>
+                </c:pt>
+                <c:pt idx="11">
+                  <c:v>12.207000000000001</c:v>
+                </c:pt>
+                <c:pt idx="12">
+                  <c:v>14.21</c:v>
+                </c:pt>
+                <c:pt idx="13">
+                  <c:v>16.238</c:v>
+                </c:pt>
+                <c:pt idx="14">
+                  <c:v>18.315000000000001</c:v>
+                </c:pt>
+                <c:pt idx="15">
+                  <c:v>20.295000000000002</c:v>
+                </c:pt>
+                <c:pt idx="16">
+                  <c:v>22.327999999999999</c:v>
+                </c:pt>
+                <c:pt idx="17">
+                  <c:v>24.391999999999999</c:v>
+                </c:pt>
+                <c:pt idx="18">
+                  <c:v>26.396999999999998</c:v>
+                </c:pt>
+              </c:numCache>
+            </c:numRef>
+          </c:val>
+          <c:smooth val="0"/>
+          <c:extLst>
+            <c:ext xmlns:c16="http://schemas.microsoft.com/office/drawing/2014/chart" uri="{C3380CC4-5D6E-409C-BE32-E72D297353CC}">
+              <c16:uniqueId val="{00000007-AB48-42AD-B4AB-5451BB24F605}"/>
+            </c:ext>
+          </c:extLst>
+        </c:ser>
+        <c:ser>
+          <c:idx val="8"/>
+          <c:order val="8"/>
+          <c:tx>
+            <c:strRef>
+              <c:f>Sheet1!$AD$61</c:f>
+              <c:strCache>
+                <c:ptCount val="1"/>
+                <c:pt idx="0">
+                  <c:v>8</c:v>
+                </c:pt>
+              </c:strCache>
+            </c:strRef>
+          </c:tx>
+          <c:spPr>
+            <a:ln w="28575" cap="rnd">
+              <a:solidFill>
+                <a:srgbClr val="511207"/>
+              </a:solidFill>
+              <a:round/>
+            </a:ln>
+            <a:effectLst/>
+          </c:spPr>
+          <c:marker>
+            <c:symbol val="none"/>
+          </c:marker>
+          <c:cat>
+            <c:numRef>
+              <c:f>Sheet1!$U$62:$U$80</c:f>
+              <c:numCache>
+                <c:formatCode>General</c:formatCode>
+                <c:ptCount val="19"/>
+                <c:pt idx="0">
+                  <c:v>2</c:v>
+                </c:pt>
+                <c:pt idx="1">
+                  <c:v>3</c:v>
+                </c:pt>
+                <c:pt idx="2">
+                  <c:v>4</c:v>
+                </c:pt>
+                <c:pt idx="3">
+                  <c:v>5</c:v>
+                </c:pt>
+                <c:pt idx="4">
+                  <c:v>6</c:v>
+                </c:pt>
+                <c:pt idx="5">
+                  <c:v>7</c:v>
+                </c:pt>
+                <c:pt idx="6">
+                  <c:v>8</c:v>
+                </c:pt>
+                <c:pt idx="7">
+                  <c:v>9</c:v>
+                </c:pt>
+                <c:pt idx="8">
+                  <c:v>10</c:v>
+                </c:pt>
+                <c:pt idx="9">
+                  <c:v>11</c:v>
+                </c:pt>
+                <c:pt idx="10">
+                  <c:v>12</c:v>
+                </c:pt>
+                <c:pt idx="11">
+                  <c:v>13</c:v>
+                </c:pt>
+                <c:pt idx="12">
+                  <c:v>14</c:v>
+                </c:pt>
+                <c:pt idx="13">
+                  <c:v>15</c:v>
+                </c:pt>
+                <c:pt idx="14">
+                  <c:v>16</c:v>
+                </c:pt>
+                <c:pt idx="15">
+                  <c:v>17</c:v>
+                </c:pt>
+                <c:pt idx="16">
+                  <c:v>18</c:v>
+                </c:pt>
+                <c:pt idx="17">
+                  <c:v>19</c:v>
+                </c:pt>
+                <c:pt idx="18">
+                  <c:v>20</c:v>
+                </c:pt>
+              </c:numCache>
+            </c:numRef>
+          </c:cat>
+          <c:val>
+            <c:numRef>
+              <c:f>Sheet1!$AD$62:$AD$80</c:f>
+              <c:numCache>
+                <c:formatCode>General</c:formatCode>
+                <c:ptCount val="19"/>
+                <c:pt idx="8">
+                  <c:v>4.0940000000000003</c:v>
+                </c:pt>
+                <c:pt idx="9">
+                  <c:v>6.1180000000000003</c:v>
+                </c:pt>
+                <c:pt idx="10">
+                  <c:v>8.1530000000000005</c:v>
+                </c:pt>
+                <c:pt idx="11">
+                  <c:v>10.173999999999999</c:v>
+                </c:pt>
+                <c:pt idx="12">
+                  <c:v>12.204000000000001</c:v>
+                </c:pt>
+                <c:pt idx="13">
+                  <c:v>14.215</c:v>
+                </c:pt>
+                <c:pt idx="14">
+                  <c:v>16.25</c:v>
+                </c:pt>
+                <c:pt idx="15">
+                  <c:v>18.303999999999998</c:v>
+                </c:pt>
+                <c:pt idx="16">
+                  <c:v>20.315000000000001</c:v>
+                </c:pt>
+                <c:pt idx="17">
+                  <c:v>22.332999999999998</c:v>
+                </c:pt>
+                <c:pt idx="18">
+                  <c:v>24.367999999999999</c:v>
+                </c:pt>
+              </c:numCache>
+            </c:numRef>
+          </c:val>
+          <c:smooth val="0"/>
+          <c:extLst>
+            <c:ext xmlns:c16="http://schemas.microsoft.com/office/drawing/2014/chart" uri="{C3380CC4-5D6E-409C-BE32-E72D297353CC}">
+              <c16:uniqueId val="{00000008-AB48-42AD-B4AB-5451BB24F605}"/>
+            </c:ext>
+          </c:extLst>
+        </c:ser>
+        <c:ser>
+          <c:idx val="9"/>
+          <c:order val="9"/>
+          <c:tx>
+            <c:strRef>
+              <c:f>Sheet1!$AE$61</c:f>
+              <c:strCache>
+                <c:ptCount val="1"/>
+                <c:pt idx="0">
+                  <c:v>9</c:v>
+                </c:pt>
+              </c:strCache>
+            </c:strRef>
+          </c:tx>
+          <c:spPr>
+            <a:ln w="28575" cap="rnd">
+              <a:solidFill>
+                <a:srgbClr val="2E0A04"/>
+              </a:solidFill>
+              <a:round/>
+            </a:ln>
+            <a:effectLst/>
+          </c:spPr>
+          <c:marker>
+            <c:symbol val="none"/>
+          </c:marker>
+          <c:cat>
+            <c:numRef>
+              <c:f>Sheet1!$U$62:$U$80</c:f>
+              <c:numCache>
+                <c:formatCode>General</c:formatCode>
+                <c:ptCount val="19"/>
+                <c:pt idx="0">
+                  <c:v>2</c:v>
+                </c:pt>
+                <c:pt idx="1">
+                  <c:v>3</c:v>
+                </c:pt>
+                <c:pt idx="2">
+                  <c:v>4</c:v>
+                </c:pt>
+                <c:pt idx="3">
+                  <c:v>5</c:v>
+                </c:pt>
+                <c:pt idx="4">
+                  <c:v>6</c:v>
+                </c:pt>
+                <c:pt idx="5">
+                  <c:v>7</c:v>
+                </c:pt>
+                <c:pt idx="6">
+                  <c:v>8</c:v>
+                </c:pt>
+                <c:pt idx="7">
+                  <c:v>9</c:v>
+                </c:pt>
+                <c:pt idx="8">
+                  <c:v>10</c:v>
+                </c:pt>
+                <c:pt idx="9">
+                  <c:v>11</c:v>
+                </c:pt>
+                <c:pt idx="10">
+                  <c:v>12</c:v>
+                </c:pt>
+                <c:pt idx="11">
+                  <c:v>13</c:v>
+                </c:pt>
+                <c:pt idx="12">
+                  <c:v>14</c:v>
+                </c:pt>
+                <c:pt idx="13">
+                  <c:v>15</c:v>
+                </c:pt>
+                <c:pt idx="14">
+                  <c:v>16</c:v>
+                </c:pt>
+                <c:pt idx="15">
+                  <c:v>17</c:v>
+                </c:pt>
+                <c:pt idx="16">
+                  <c:v>18</c:v>
+                </c:pt>
+                <c:pt idx="17">
+                  <c:v>19</c:v>
+                </c:pt>
+                <c:pt idx="18">
+                  <c:v>20</c:v>
+                </c:pt>
+              </c:numCache>
+            </c:numRef>
+          </c:cat>
+          <c:val>
+            <c:numRef>
+              <c:f>Sheet1!$AE$62:$AE$80</c:f>
+              <c:numCache>
+                <c:formatCode>General</c:formatCode>
+                <c:ptCount val="19"/>
+                <c:pt idx="9">
+                  <c:v>4.085</c:v>
+                </c:pt>
+                <c:pt idx="10">
+                  <c:v>6.1239999999999997</c:v>
+                </c:pt>
+                <c:pt idx="11">
+                  <c:v>8.1389999999999993</c:v>
+                </c:pt>
+                <c:pt idx="12">
+                  <c:v>10.17</c:v>
+                </c:pt>
+                <c:pt idx="13">
+                  <c:v>12.188000000000001</c:v>
+                </c:pt>
+                <c:pt idx="14">
+                  <c:v>14.221</c:v>
+                </c:pt>
+                <c:pt idx="15">
+                  <c:v>16.25</c:v>
+                </c:pt>
+                <c:pt idx="16">
+                  <c:v>18.318999999999999</c:v>
+                </c:pt>
+                <c:pt idx="17">
+                  <c:v>20.326000000000001</c:v>
+                </c:pt>
+                <c:pt idx="18">
+                  <c:v>22.294</c:v>
+                </c:pt>
+              </c:numCache>
+            </c:numRef>
+          </c:val>
+          <c:smooth val="0"/>
+          <c:extLst>
+            <c:ext xmlns:c16="http://schemas.microsoft.com/office/drawing/2014/chart" uri="{C3380CC4-5D6E-409C-BE32-E72D297353CC}">
+              <c16:uniqueId val="{00000009-AB48-42AD-B4AB-5451BB24F605}"/>
+            </c:ext>
+          </c:extLst>
+        </c:ser>
+        <c:ser>
+          <c:idx val="10"/>
+          <c:order val="10"/>
+          <c:tx>
+            <c:strRef>
+              <c:f>Sheet1!$AF$61</c:f>
+              <c:strCache>
+                <c:ptCount val="1"/>
+                <c:pt idx="0">
+                  <c:v>10</c:v>
+                </c:pt>
+              </c:strCache>
+            </c:strRef>
+          </c:tx>
+          <c:spPr>
+            <a:ln w="28575" cap="rnd">
+              <a:solidFill>
+                <a:srgbClr val="000000"/>
+              </a:solidFill>
+              <a:round/>
+            </a:ln>
+            <a:effectLst/>
+          </c:spPr>
+          <c:marker>
+            <c:symbol val="none"/>
+          </c:marker>
+          <c:cat>
+            <c:numRef>
+              <c:f>Sheet1!$U$62:$U$80</c:f>
+              <c:numCache>
+                <c:formatCode>General</c:formatCode>
+                <c:ptCount val="19"/>
+                <c:pt idx="0">
+                  <c:v>2</c:v>
+                </c:pt>
+                <c:pt idx="1">
+                  <c:v>3</c:v>
+                </c:pt>
+                <c:pt idx="2">
+                  <c:v>4</c:v>
+                </c:pt>
+                <c:pt idx="3">
+                  <c:v>5</c:v>
+                </c:pt>
+                <c:pt idx="4">
+                  <c:v>6</c:v>
+                </c:pt>
+                <c:pt idx="5">
+                  <c:v>7</c:v>
+                </c:pt>
+                <c:pt idx="6">
+                  <c:v>8</c:v>
+                </c:pt>
+                <c:pt idx="7">
+                  <c:v>9</c:v>
+                </c:pt>
+                <c:pt idx="8">
+                  <c:v>10</c:v>
+                </c:pt>
+                <c:pt idx="9">
+                  <c:v>11</c:v>
+                </c:pt>
+                <c:pt idx="10">
+                  <c:v>12</c:v>
+                </c:pt>
+                <c:pt idx="11">
+                  <c:v>13</c:v>
+                </c:pt>
+                <c:pt idx="12">
+                  <c:v>14</c:v>
+                </c:pt>
+                <c:pt idx="13">
+                  <c:v>15</c:v>
+                </c:pt>
+                <c:pt idx="14">
+                  <c:v>16</c:v>
+                </c:pt>
+                <c:pt idx="15">
+                  <c:v>17</c:v>
+                </c:pt>
+                <c:pt idx="16">
+                  <c:v>18</c:v>
+                </c:pt>
+                <c:pt idx="17">
+                  <c:v>19</c:v>
+                </c:pt>
+                <c:pt idx="18">
+                  <c:v>20</c:v>
+                </c:pt>
+              </c:numCache>
+            </c:numRef>
+          </c:cat>
+          <c:val>
+            <c:numRef>
+              <c:f>Sheet1!$AF$62:$AF$80</c:f>
+              <c:numCache>
+                <c:formatCode>General</c:formatCode>
+                <c:ptCount val="19"/>
+                <c:pt idx="10">
+                  <c:v>4.0919999999999996</c:v>
+                </c:pt>
+                <c:pt idx="11">
+                  <c:v>6.1120000000000001</c:v>
+                </c:pt>
+                <c:pt idx="12">
+                  <c:v>8.1579999999999995</c:v>
+                </c:pt>
+                <c:pt idx="13">
+                  <c:v>10.161</c:v>
+                </c:pt>
+                <c:pt idx="14">
+                  <c:v>12.193</c:v>
+                </c:pt>
+                <c:pt idx="15">
+                  <c:v>14.225</c:v>
+                </c:pt>
+                <c:pt idx="16">
+                  <c:v>16.236000000000001</c:v>
+                </c:pt>
+                <c:pt idx="17">
+                  <c:v>18.266999999999999</c:v>
+                </c:pt>
+                <c:pt idx="18">
+                  <c:v>20.337</c:v>
+                </c:pt>
+              </c:numCache>
+            </c:numRef>
+          </c:val>
+          <c:smooth val="0"/>
+          <c:extLst>
+            <c:ext xmlns:c16="http://schemas.microsoft.com/office/drawing/2014/chart" uri="{C3380CC4-5D6E-409C-BE32-E72D297353CC}">
+              <c16:uniqueId val="{0000000A-AB48-42AD-B4AB-5451BB24F605}"/>
+            </c:ext>
+          </c:extLst>
+        </c:ser>
+        <c:dLbls>
+          <c:showLegendKey val="0"/>
+          <c:showVal val="0"/>
+          <c:showCatName val="0"/>
+          <c:showSerName val="0"/>
+          <c:showPercent val="0"/>
+          <c:showBubbleSize val="0"/>
+        </c:dLbls>
+        <c:smooth val="0"/>
+        <c:axId val="1047039920"/>
+        <c:axId val="964927072"/>
+      </c:lineChart>
+      <c:catAx>
+        <c:axId val="1047039920"/>
+        <c:scaling>
+          <c:orientation val="minMax"/>
+        </c:scaling>
+        <c:delete val="0"/>
+        <c:axPos val="b"/>
+        <c:title>
+          <c:tx>
+            <c:rich>
+              <a:bodyPr rot="0" spcFirstLastPara="1" vertOverflow="ellipsis" vert="horz" wrap="square" anchor="ctr" anchorCtr="1"/>
+              <a:lstStyle/>
+              <a:p>
+                <a:pPr>
+                  <a:defRPr sz="1000" b="0" i="0" u="none" strike="noStrike" kern="1200" baseline="0">
+                    <a:solidFill>
+                      <a:srgbClr val="F0F4FA"/>
+                    </a:solidFill>
+                    <a:latin typeface="+mn-lt"/>
+                    <a:ea typeface="+mn-ea"/>
+                    <a:cs typeface="+mn-cs"/>
+                  </a:defRPr>
+                </a:pPr>
+                <a:r>
+                  <a:rPr lang="en-US">
+                    <a:solidFill>
+                      <a:srgbClr val="F0F4FA"/>
+                    </a:solidFill>
+                  </a:rPr>
+                  <a:t>Network Depth</a:t>
+                </a:r>
+              </a:p>
+            </c:rich>
+          </c:tx>
+          <c:overlay val="0"/>
+          <c:spPr>
+            <a:noFill/>
+            <a:ln>
+              <a:noFill/>
+            </a:ln>
+            <a:effectLst/>
+          </c:spPr>
+          <c:txPr>
+            <a:bodyPr rot="0" spcFirstLastPara="1" vertOverflow="ellipsis" vert="horz" wrap="square" anchor="ctr" anchorCtr="1"/>
+            <a:lstStyle/>
+            <a:p>
+              <a:pPr>
+                <a:defRPr sz="1000" b="0" i="0" u="none" strike="noStrike" kern="1200" baseline="0">
+                  <a:solidFill>
+                    <a:srgbClr val="F0F4FA"/>
+                  </a:solidFill>
+                  <a:latin typeface="+mn-lt"/>
+                  <a:ea typeface="+mn-ea"/>
+                  <a:cs typeface="+mn-cs"/>
+                </a:defRPr>
+              </a:pPr>
+              <a:endParaRPr lang="en-US"/>
+            </a:p>
+          </c:txPr>
+        </c:title>
+        <c:numFmt formatCode="General" sourceLinked="1"/>
+        <c:majorTickMark val="none"/>
+        <c:minorTickMark val="none"/>
+        <c:tickLblPos val="nextTo"/>
+        <c:spPr>
+          <a:noFill/>
+          <a:ln w="9525" cap="flat" cmpd="sng" algn="ctr">
+            <a:solidFill>
+              <a:schemeClr val="tx1">
+                <a:lumMod val="15000"/>
+                <a:lumOff val="85000"/>
+              </a:schemeClr>
+            </a:solidFill>
+            <a:round/>
+          </a:ln>
+          <a:effectLst/>
+        </c:spPr>
+        <c:txPr>
+          <a:bodyPr rot="-60000000" spcFirstLastPara="1" vertOverflow="ellipsis" vert="horz" wrap="square" anchor="ctr" anchorCtr="1"/>
+          <a:lstStyle/>
+          <a:p>
+            <a:pPr>
+              <a:defRPr sz="900" b="0" i="0" u="none" strike="noStrike" kern="1200" baseline="0">
+                <a:solidFill>
+                  <a:srgbClr val="F0F4FA"/>
+                </a:solidFill>
+                <a:latin typeface="+mn-lt"/>
+                <a:ea typeface="+mn-ea"/>
+                <a:cs typeface="+mn-cs"/>
+              </a:defRPr>
+            </a:pPr>
+            <a:endParaRPr lang="en-US"/>
+          </a:p>
+        </c:txPr>
+        <c:crossAx val="964927072"/>
+        <c:crosses val="autoZero"/>
+        <c:auto val="1"/>
+        <c:lblAlgn val="ctr"/>
+        <c:lblOffset val="100"/>
+        <c:noMultiLvlLbl val="0"/>
+      </c:catAx>
+      <c:valAx>
+        <c:axId val="964927072"/>
+        <c:scaling>
+          <c:orientation val="minMax"/>
+        </c:scaling>
+        <c:delete val="0"/>
+        <c:axPos val="l"/>
+        <c:majorGridlines>
+          <c:spPr>
+            <a:ln w="9525" cap="flat" cmpd="sng" algn="ctr">
+              <a:solidFill>
+                <a:schemeClr val="tx1">
+                  <a:lumMod val="15000"/>
+                  <a:lumOff val="85000"/>
+                </a:schemeClr>
+              </a:solidFill>
+              <a:round/>
+            </a:ln>
+            <a:effectLst/>
+          </c:spPr>
+        </c:majorGridlines>
+        <c:title>
+          <c:tx>
+            <c:rich>
+              <a:bodyPr rot="-5400000" spcFirstLastPara="1" vertOverflow="ellipsis" vert="horz" wrap="square" anchor="ctr" anchorCtr="1"/>
+              <a:lstStyle/>
+              <a:p>
+                <a:pPr>
+                  <a:defRPr sz="1000" b="0" i="0" u="none" strike="noStrike" kern="1200" baseline="0">
+                    <a:solidFill>
+                      <a:srgbClr val="F0F4FA"/>
+                    </a:solidFill>
+                    <a:latin typeface="+mn-lt"/>
+                    <a:ea typeface="+mn-ea"/>
+                    <a:cs typeface="+mn-cs"/>
+                  </a:defRPr>
+                </a:pPr>
+                <a:r>
+                  <a:rPr lang="en-GB">
+                    <a:solidFill>
+                      <a:srgbClr val="F0F4FA"/>
+                    </a:solidFill>
+                  </a:rPr>
+                  <a:t>Minimum Round</a:t>
+                </a:r>
+                <a:r>
+                  <a:rPr lang="en-GB" baseline="0">
+                    <a:solidFill>
+                      <a:srgbClr val="F0F4FA"/>
+                    </a:solidFill>
+                  </a:rPr>
+                  <a:t> Trip Time / ms</a:t>
+                </a:r>
+              </a:p>
+            </c:rich>
+          </c:tx>
+          <c:overlay val="0"/>
+          <c:spPr>
+            <a:noFill/>
+            <a:ln>
+              <a:noFill/>
+            </a:ln>
+            <a:effectLst/>
+          </c:spPr>
+          <c:txPr>
+            <a:bodyPr rot="-5400000" spcFirstLastPara="1" vertOverflow="ellipsis" vert="horz" wrap="square" anchor="ctr" anchorCtr="1"/>
+            <a:lstStyle/>
+            <a:p>
+              <a:pPr>
+                <a:defRPr sz="1000" b="0" i="0" u="none" strike="noStrike" kern="1200" baseline="0">
+                  <a:solidFill>
+                    <a:srgbClr val="F0F4FA"/>
+                  </a:solidFill>
+                  <a:latin typeface="+mn-lt"/>
+                  <a:ea typeface="+mn-ea"/>
+                  <a:cs typeface="+mn-cs"/>
+                </a:defRPr>
+              </a:pPr>
+              <a:endParaRPr lang="en-US"/>
+            </a:p>
+          </c:txPr>
+        </c:title>
+        <c:numFmt formatCode="General" sourceLinked="1"/>
+        <c:majorTickMark val="none"/>
+        <c:minorTickMark val="none"/>
+        <c:tickLblPos val="nextTo"/>
+        <c:spPr>
+          <a:noFill/>
+          <a:ln>
+            <a:noFill/>
+          </a:ln>
+          <a:effectLst/>
+        </c:spPr>
+        <c:txPr>
+          <a:bodyPr rot="-60000000" spcFirstLastPara="1" vertOverflow="ellipsis" vert="horz" wrap="square" anchor="ctr" anchorCtr="1"/>
+          <a:lstStyle/>
+          <a:p>
+            <a:pPr>
+              <a:defRPr sz="900" b="0" i="0" u="none" strike="noStrike" kern="1200" baseline="0">
+                <a:solidFill>
+                  <a:srgbClr val="F0F4FA"/>
+                </a:solidFill>
+                <a:latin typeface="+mn-lt"/>
+                <a:ea typeface="+mn-ea"/>
+                <a:cs typeface="+mn-cs"/>
+              </a:defRPr>
+            </a:pPr>
+            <a:endParaRPr lang="en-US"/>
+          </a:p>
+        </c:txPr>
+        <c:crossAx val="1047039920"/>
+        <c:crosses val="autoZero"/>
+        <c:crossBetween val="between"/>
+      </c:valAx>
+      <c:spPr>
+        <a:noFill/>
+        <a:ln>
+          <a:noFill/>
+        </a:ln>
+        <a:effectLst/>
+      </c:spPr>
+    </c:plotArea>
+    <c:legend>
+      <c:legendPos val="b"/>
+      <c:overlay val="0"/>
+      <c:spPr>
+        <a:noFill/>
+        <a:ln>
+          <a:noFill/>
+        </a:ln>
+        <a:effectLst/>
+      </c:spPr>
+      <c:txPr>
+        <a:bodyPr rot="0" spcFirstLastPara="1" vertOverflow="ellipsis" vert="horz" wrap="square" anchor="ctr" anchorCtr="1"/>
+        <a:lstStyle/>
+        <a:p>
+          <a:pPr>
+            <a:defRPr sz="900" b="0" i="0" u="none" strike="noStrike" kern="1200" baseline="0">
+              <a:solidFill>
+                <a:srgbClr val="F0F4FA"/>
+              </a:solidFill>
+              <a:latin typeface="+mn-lt"/>
+              <a:ea typeface="+mn-ea"/>
+              <a:cs typeface="+mn-cs"/>
+            </a:defRPr>
+          </a:pPr>
+          <a:endParaRPr lang="en-US"/>
+        </a:p>
+      </c:txPr>
+    </c:legend>
+    <c:plotVisOnly val="1"/>
+    <c:dispBlanksAs val="gap"/>
+    <c:extLst>
+      <c:ext xmlns:c16r3="http://schemas.microsoft.com/office/drawing/2017/03/chart" uri="{56B9EC1D-385E-4148-901F-78D8002777C0}">
+        <c16r3:dataDisplayOptions16>
+          <c16r3:dispNaAsBlank val="1"/>
+        </c16r3:dataDisplayOptions16>
+      </c:ext>
+    </c:extLst>
+    <c:showDLblsOverMax val="0"/>
+  </c:chart>
+  <c:spPr>
+    <a:pattFill prst="pct40">
+      <a:fgClr>
+        <a:srgbClr val="1A2A46"/>
+      </a:fgClr>
+      <a:bgClr>
+        <a:srgbClr val="0C1624"/>
+      </a:bgClr>
+    </a:pattFill>
+    <a:ln w="9525" cap="flat" cmpd="sng" algn="ctr">
+      <a:solidFill>
+        <a:schemeClr val="tx1">
+          <a:lumMod val="15000"/>
+          <a:lumOff val="85000"/>
+        </a:schemeClr>
+      </a:solidFill>
+      <a:round/>
+    </a:ln>
+    <a:effectLst/>
+  </c:spPr>
+  <c:txPr>
+    <a:bodyPr/>
+    <a:lstStyle/>
+    <a:p>
+      <a:pPr>
+        <a:defRPr/>
+      </a:pPr>
+      <a:endParaRPr lang="en-US"/>
+    </a:p>
+  </c:txPr>
+  <c:externalData r:id="rId3">
+    <c:autoUpdate val="0"/>
+  </c:externalData>
+</c:chartSpace>
+</file>
+
+<file path=ppt/charts/colors1.xml><?xml version="1.0" encoding="utf-8"?>
+<cs:colorStyle xmlns:cs="http://schemas.microsoft.com/office/drawing/2012/chartStyle" xmlns:a="http://schemas.openxmlformats.org/drawingml/2006/main" meth="cycle" id="10">
+  <a:schemeClr val="accent1"/>
+  <a:schemeClr val="accent2"/>
+  <a:schemeClr val="accent3"/>
+  <a:schemeClr val="accent4"/>
+  <a:schemeClr val="accent5"/>
+  <a:schemeClr val="accent6"/>
+  <cs:variation/>
+  <cs:variation>
+    <a:lumMod val="60000"/>
+  </cs:variation>
+  <cs:variation>
+    <a:lumMod val="80000"/>
+    <a:lumOff val="20000"/>
+  </cs:variation>
+  <cs:variation>
+    <a:lumMod val="80000"/>
+  </cs:variation>
+  <cs:variation>
+    <a:lumMod val="60000"/>
+    <a:lumOff val="40000"/>
+  </cs:variation>
+  <cs:variation>
+    <a:lumMod val="50000"/>
+  </cs:variation>
+  <cs:variation>
+    <a:lumMod val="70000"/>
+    <a:lumOff val="30000"/>
+  </cs:variation>
+  <cs:variation>
+    <a:lumMod val="70000"/>
+  </cs:variation>
+  <cs:variation>
+    <a:lumMod val="50000"/>
+    <a:lumOff val="50000"/>
+  </cs:variation>
+</cs:colorStyle>
+</file>
+
+<file path=ppt/charts/style1.xml><?xml version="1.0" encoding="utf-8"?>
+<cs:chartStyle xmlns:cs="http://schemas.microsoft.com/office/drawing/2012/chartStyle" xmlns:a="http://schemas.openxmlformats.org/drawingml/2006/main" id="227">
+  <cs:axisTitle>
+    <cs:lnRef idx="0"/>
+    <cs:fillRef idx="0"/>
+    <cs:effectRef idx="0"/>
+    <cs:fontRef idx="minor">
+      <a:schemeClr val="tx1">
+        <a:lumMod val="65000"/>
+        <a:lumOff val="35000"/>
+      </a:schemeClr>
+    </cs:fontRef>
+    <cs:defRPr sz="1000" kern="1200"/>
+  </cs:axisTitle>
+  <cs:categoryAxis>
+    <cs:lnRef idx="0"/>
+    <cs:fillRef idx="0"/>
+    <cs:effectRef idx="0"/>
+    <cs:fontRef idx="minor">
+      <a:schemeClr val="tx1">
+        <a:lumMod val="65000"/>
+        <a:lumOff val="35000"/>
+      </a:schemeClr>
+    </cs:fontRef>
+    <cs:spPr>
+      <a:ln w="9525" cap="flat" cmpd="sng" algn="ctr">
+        <a:solidFill>
+          <a:schemeClr val="tx1">
+            <a:lumMod val="15000"/>
+            <a:lumOff val="85000"/>
+          </a:schemeClr>
+        </a:solidFill>
+        <a:round/>
+      </a:ln>
+    </cs:spPr>
+    <cs:defRPr sz="900" kern="1200"/>
+  </cs:categoryAxis>
+  <cs:chartArea mods="allowNoFillOverride allowNoLineOverride">
+    <cs:lnRef idx="0"/>
+    <cs:fillRef idx="0"/>
+    <cs:effectRef idx="0"/>
+    <cs:fontRef idx="minor">
+      <a:schemeClr val="tx1"/>
+    </cs:fontRef>
+    <cs:spPr>
+      <a:solidFill>
+        <a:schemeClr val="bg1"/>
+      </a:solidFill>
+      <a:ln w="9525" cap="flat" cmpd="sng" algn="ctr">
+        <a:solidFill>
+          <a:schemeClr val="tx1">
+            <a:lumMod val="15000"/>
+            <a:lumOff val="85000"/>
+          </a:schemeClr>
+        </a:solidFill>
+        <a:round/>
+      </a:ln>
+    </cs:spPr>
+    <cs:defRPr sz="1000" kern="1200"/>
+  </cs:chartArea>
+  <cs:dataLabel>
+    <cs:lnRef idx="0"/>
+    <cs:fillRef idx="0"/>
+    <cs:effectRef idx="0"/>
+    <cs:fontRef idx="minor">
+      <a:schemeClr val="tx1">
+        <a:lumMod val="75000"/>
+        <a:lumOff val="25000"/>
+      </a:schemeClr>
+    </cs:fontRef>
+    <cs:defRPr sz="900" kern="1200"/>
+  </cs:dataLabel>
+  <cs:dataLabelCallout>
+    <cs:lnRef idx="0"/>
+    <cs:fillRef idx="0"/>
+    <cs:effectRef idx="0"/>
+    <cs:fontRef idx="minor">
+      <a:schemeClr val="dk1">
+        <a:lumMod val="65000"/>
+        <a:lumOff val="35000"/>
+      </a:schemeClr>
+    </cs:fontRef>
+    <cs:spPr>
+      <a:solidFill>
+        <a:schemeClr val="lt1"/>
+      </a:solidFill>
+      <a:ln>
+        <a:solidFill>
+          <a:schemeClr val="dk1">
+            <a:lumMod val="25000"/>
+            <a:lumOff val="75000"/>
+          </a:schemeClr>
+        </a:solidFill>
+      </a:ln>
+    </cs:spPr>
+    <cs:defRPr sz="900" kern="1200"/>
+    <cs:bodyPr rot="0" spcFirstLastPara="1" vertOverflow="clip" horzOverflow="clip" vert="horz" wrap="square" lIns="36576" tIns="18288" rIns="36576" bIns="18288" anchor="ctr" anchorCtr="1">
+      <a:spAutoFit/>
+    </cs:bodyPr>
+  </cs:dataLabelCallout>
+  <cs:dataPoint>
+    <cs:lnRef idx="0"/>
+    <cs:fillRef idx="1">
+      <cs:styleClr val="auto"/>
+    </cs:fillRef>
+    <cs:effectRef idx="0"/>
+    <cs:fontRef idx="minor">
+      <a:schemeClr val="tx1"/>
+    </cs:fontRef>
+    <cs:spPr>
+      <a:solidFill>
+        <a:schemeClr val="phClr"/>
+      </a:solidFill>
+    </cs:spPr>
+  </cs:dataPoint>
+  <cs:dataPoint3D>
+    <cs:lnRef idx="0"/>
+    <cs:fillRef idx="1">
+      <cs:styleClr val="auto"/>
+    </cs:fillRef>
+    <cs:effectRef idx="0"/>
+    <cs:fontRef idx="minor">
+      <a:schemeClr val="tx1"/>
+    </cs:fontRef>
+    <cs:spPr>
+      <a:solidFill>
+        <a:schemeClr val="phClr"/>
+      </a:solidFill>
+    </cs:spPr>
+  </cs:dataPoint3D>
+  <cs:dataPointLine>
+    <cs:lnRef idx="0">
+      <cs:styleClr val="auto"/>
+    </cs:lnRef>
+    <cs:fillRef idx="1"/>
+    <cs:effectRef idx="0"/>
+    <cs:fontRef idx="minor">
+      <a:schemeClr val="tx1"/>
+    </cs:fontRef>
+    <cs:spPr>
+      <a:ln w="28575" cap="rnd">
+        <a:solidFill>
+          <a:schemeClr val="phClr"/>
+        </a:solidFill>
+        <a:round/>
+      </a:ln>
+    </cs:spPr>
+  </cs:dataPointLine>
+  <cs:dataPointMarker>
+    <cs:lnRef idx="0">
+      <cs:styleClr val="auto"/>
+    </cs:lnRef>
+    <cs:fillRef idx="1">
+      <cs:styleClr val="auto"/>
+    </cs:fillRef>
+    <cs:effectRef idx="0"/>
+    <cs:fontRef idx="minor">
+      <a:schemeClr val="tx1"/>
+    </cs:fontRef>
+    <cs:spPr>
+      <a:solidFill>
+        <a:schemeClr val="phClr"/>
+      </a:solidFill>
+      <a:ln w="9525">
+        <a:solidFill>
+          <a:schemeClr val="phClr"/>
+        </a:solidFill>
+      </a:ln>
+    </cs:spPr>
+  </cs:dataPointMarker>
+  <cs:dataPointMarkerLayout symbol="circle" size="5"/>
+  <cs:dataPointWireframe>
+    <cs:lnRef idx="0">
+      <cs:styleClr val="auto"/>
+    </cs:lnRef>
+    <cs:fillRef idx="1"/>
+    <cs:effectRef idx="0"/>
+    <cs:fontRef idx="minor">
+      <a:schemeClr val="tx1"/>
+    </cs:fontRef>
+    <cs:spPr>
+      <a:ln w="9525" cap="rnd">
+        <a:solidFill>
+          <a:schemeClr val="phClr"/>
+        </a:solidFill>
+        <a:round/>
+      </a:ln>
+    </cs:spPr>
+  </cs:dataPointWireframe>
+  <cs:dataTable>
+    <cs:lnRef idx="0"/>
+    <cs:fillRef idx="0"/>
+    <cs:effectRef idx="0"/>
+    <cs:fontRef idx="minor">
+      <a:schemeClr val="tx1">
+        <a:lumMod val="65000"/>
+        <a:lumOff val="35000"/>
+      </a:schemeClr>
+    </cs:fontRef>
+    <cs:spPr>
+      <a:noFill/>
+      <a:ln w="9525" cap="flat" cmpd="sng" algn="ctr">
+        <a:solidFill>
+          <a:schemeClr val="tx1">
+            <a:lumMod val="15000"/>
+            <a:lumOff val="85000"/>
+          </a:schemeClr>
+        </a:solidFill>
+        <a:round/>
+      </a:ln>
+    </cs:spPr>
+    <cs:defRPr sz="900" kern="1200"/>
+  </cs:dataTable>
+  <cs:downBar>
+    <cs:lnRef idx="0"/>
+    <cs:fillRef idx="0"/>
+    <cs:effectRef idx="0"/>
+    <cs:fontRef idx="minor">
+      <a:schemeClr val="dk1"/>
+    </cs:fontRef>
+    <cs:spPr>
+      <a:solidFill>
+        <a:schemeClr val="dk1">
+          <a:lumMod val="65000"/>
+          <a:lumOff val="35000"/>
+        </a:schemeClr>
+      </a:solidFill>
+      <a:ln w="9525">
+        <a:solidFill>
+          <a:schemeClr val="tx1">
+            <a:lumMod val="65000"/>
+            <a:lumOff val="35000"/>
+          </a:schemeClr>
+        </a:solidFill>
+      </a:ln>
+    </cs:spPr>
+  </cs:downBar>
+  <cs:dropLine>
+    <cs:lnRef idx="0"/>
+    <cs:fillRef idx="0"/>
+    <cs:effectRef idx="0"/>
+    <cs:fontRef idx="minor">
+      <a:schemeClr val="tx1"/>
+    </cs:fontRef>
+    <cs:spPr>
+      <a:ln w="9525" cap="flat" cmpd="sng" algn="ctr">
+        <a:solidFill>
+          <a:schemeClr val="tx1">
+            <a:lumMod val="35000"/>
+            <a:lumOff val="65000"/>
+          </a:schemeClr>
+        </a:solidFill>
+        <a:round/>
+      </a:ln>
+    </cs:spPr>
+  </cs:dropLine>
+  <cs:errorBar>
+    <cs:lnRef idx="0"/>
+    <cs:fillRef idx="0"/>
+    <cs:effectRef idx="0"/>
+    <cs:fontRef idx="minor">
+      <a:schemeClr val="tx1"/>
+    </cs:fontRef>
+    <cs:spPr>
+      <a:ln w="9525" cap="flat" cmpd="sng" algn="ctr">
+        <a:solidFill>
+          <a:schemeClr val="tx1">
+            <a:lumMod val="65000"/>
+            <a:lumOff val="35000"/>
+          </a:schemeClr>
+        </a:solidFill>
+        <a:round/>
+      </a:ln>
+    </cs:spPr>
+  </cs:errorBar>
+  <cs:floor>
+    <cs:lnRef idx="0"/>
+    <cs:fillRef idx="0"/>
+    <cs:effectRef idx="0"/>
+    <cs:fontRef idx="minor">
+      <a:schemeClr val="tx1"/>
+    </cs:fontRef>
+    <cs:spPr>
+      <a:noFill/>
+      <a:ln>
+        <a:noFill/>
+      </a:ln>
+    </cs:spPr>
+  </cs:floor>
+  <cs:gridlineMajor>
+    <cs:lnRef idx="0"/>
+    <cs:fillRef idx="0"/>
+    <cs:effectRef idx="0"/>
+    <cs:fontRef idx="minor">
+      <a:schemeClr val="tx1"/>
+    </cs:fontRef>
+    <cs:spPr>
+      <a:ln w="9525" cap="flat" cmpd="sng" algn="ctr">
+        <a:solidFill>
+          <a:schemeClr val="tx1">
+            <a:lumMod val="15000"/>
+            <a:lumOff val="85000"/>
+          </a:schemeClr>
+        </a:solidFill>
+        <a:round/>
+      </a:ln>
+    </cs:spPr>
+  </cs:gridlineMajor>
+  <cs:gridlineMinor>
+    <cs:lnRef idx="0"/>
+    <cs:fillRef idx="0"/>
+    <cs:effectRef idx="0"/>
+    <cs:fontRef idx="minor">
+      <a:schemeClr val="tx1"/>
+    </cs:fontRef>
+    <cs:spPr>
+      <a:ln w="9525" cap="flat" cmpd="sng" algn="ctr">
+        <a:solidFill>
+          <a:schemeClr val="tx1">
+            <a:lumMod val="5000"/>
+            <a:lumOff val="95000"/>
+          </a:schemeClr>
+        </a:solidFill>
+        <a:round/>
+      </a:ln>
+    </cs:spPr>
+  </cs:gridlineMinor>
+  <cs:hiLoLine>
+    <cs:lnRef idx="0"/>
+    <cs:fillRef idx="0"/>
+    <cs:effectRef idx="0"/>
+    <cs:fontRef idx="minor">
+      <a:schemeClr val="tx1"/>
+    </cs:fontRef>
+    <cs:spPr>
+      <a:ln w="9525" cap="flat" cmpd="sng" algn="ctr">
+        <a:solidFill>
+          <a:schemeClr val="tx1">
+            <a:lumMod val="75000"/>
+            <a:lumOff val="25000"/>
+          </a:schemeClr>
+        </a:solidFill>
+        <a:round/>
+      </a:ln>
+    </cs:spPr>
+  </cs:hiLoLine>
+  <cs:leaderLine>
+    <cs:lnRef idx="0"/>
+    <cs:fillRef idx="0"/>
+    <cs:effectRef idx="0"/>
+    <cs:fontRef idx="minor">
+      <a:schemeClr val="tx1"/>
+    </cs:fontRef>
+    <cs:spPr>
+      <a:ln w="9525" cap="flat" cmpd="sng" algn="ctr">
+        <a:solidFill>
+          <a:schemeClr val="tx1">
+            <a:lumMod val="35000"/>
+            <a:lumOff val="65000"/>
+          </a:schemeClr>
+        </a:solidFill>
+        <a:round/>
+      </a:ln>
+    </cs:spPr>
+  </cs:leaderLine>
+  <cs:legend>
+    <cs:lnRef idx="0"/>
+    <cs:fillRef idx="0"/>
+    <cs:effectRef idx="0"/>
+    <cs:fontRef idx="minor">
+      <a:schemeClr val="tx1">
+        <a:lumMod val="65000"/>
+        <a:lumOff val="35000"/>
+      </a:schemeClr>
+    </cs:fontRef>
+    <cs:defRPr sz="900" kern="1200"/>
+  </cs:legend>
+  <cs:plotArea mods="allowNoFillOverride allowNoLineOverride">
+    <cs:lnRef idx="0"/>
+    <cs:fillRef idx="0"/>
+    <cs:effectRef idx="0"/>
+    <cs:fontRef idx="minor">
+      <a:schemeClr val="tx1"/>
+    </cs:fontRef>
+  </cs:plotArea>
+  <cs:plotArea3D mods="allowNoFillOverride allowNoLineOverride">
+    <cs:lnRef idx="0"/>
+    <cs:fillRef idx="0"/>
+    <cs:effectRef idx="0"/>
+    <cs:fontRef idx="minor">
+      <a:schemeClr val="tx1"/>
+    </cs:fontRef>
+  </cs:plotArea3D>
+  <cs:seriesAxis>
+    <cs:lnRef idx="0"/>
+    <cs:fillRef idx="0"/>
+    <cs:effectRef idx="0"/>
+    <cs:fontRef idx="minor">
+      <a:schemeClr val="tx1">
+        <a:lumMod val="65000"/>
+        <a:lumOff val="35000"/>
+      </a:schemeClr>
+    </cs:fontRef>
+    <cs:defRPr sz="900" kern="1200"/>
+  </cs:seriesAxis>
+  <cs:seriesLine>
+    <cs:lnRef idx="0"/>
+    <cs:fillRef idx="0"/>
+    <cs:effectRef idx="0"/>
+    <cs:fontRef idx="minor">
+      <a:schemeClr val="tx1"/>
+    </cs:fontRef>
+    <cs:spPr>
+      <a:ln w="9525" cap="flat" cmpd="sng" algn="ctr">
+        <a:solidFill>
+          <a:schemeClr val="tx1">
+            <a:lumMod val="35000"/>
+            <a:lumOff val="65000"/>
+          </a:schemeClr>
+        </a:solidFill>
+        <a:round/>
+      </a:ln>
+    </cs:spPr>
+  </cs:seriesLine>
+  <cs:title>
+    <cs:lnRef idx="0"/>
+    <cs:fillRef idx="0"/>
+    <cs:effectRef idx="0"/>
+    <cs:fontRef idx="minor">
+      <a:schemeClr val="tx1">
+        <a:lumMod val="65000"/>
+        <a:lumOff val="35000"/>
+      </a:schemeClr>
+    </cs:fontRef>
+    <cs:defRPr sz="1400" b="0" kern="1200" spc="0" baseline="0"/>
+  </cs:title>
+  <cs:trendline>
+    <cs:lnRef idx="0">
+      <cs:styleClr val="auto"/>
+    </cs:lnRef>
+    <cs:fillRef idx="0"/>
+    <cs:effectRef idx="0"/>
+    <cs:fontRef idx="minor">
+      <a:schemeClr val="tx1"/>
+    </cs:fontRef>
+    <cs:spPr>
+      <a:ln w="19050" cap="rnd">
+        <a:solidFill>
+          <a:schemeClr val="phClr"/>
+        </a:solidFill>
+        <a:prstDash val="sysDot"/>
+      </a:ln>
+    </cs:spPr>
+  </cs:trendline>
+  <cs:trendlineLabel>
+    <cs:lnRef idx="0"/>
+    <cs:fillRef idx="0"/>
+    <cs:effectRef idx="0"/>
+    <cs:fontRef idx="minor">
+      <a:schemeClr val="tx1">
+        <a:lumMod val="65000"/>
+        <a:lumOff val="35000"/>
+      </a:schemeClr>
+    </cs:fontRef>
+    <cs:defRPr sz="900" kern="1200"/>
+  </cs:trendlineLabel>
+  <cs:upBar>
+    <cs:lnRef idx="0"/>
+    <cs:fillRef idx="0"/>
+    <cs:effectRef idx="0"/>
+    <cs:fontRef idx="minor">
+      <a:schemeClr val="dk1"/>
+    </cs:fontRef>
+    <cs:spPr>
+      <a:solidFill>
+        <a:schemeClr val="lt1"/>
+      </a:solidFill>
+      <a:ln w="9525">
+        <a:solidFill>
+          <a:schemeClr val="tx1">
+            <a:lumMod val="15000"/>
+            <a:lumOff val="85000"/>
+          </a:schemeClr>
+        </a:solidFill>
+      </a:ln>
+    </cs:spPr>
+  </cs:upBar>
+  <cs:valueAxis>
+    <cs:lnRef idx="0"/>
+    <cs:fillRef idx="0"/>
+    <cs:effectRef idx="0"/>
+    <cs:fontRef idx="minor">
+      <a:schemeClr val="tx1">
+        <a:lumMod val="65000"/>
+        <a:lumOff val="35000"/>
+      </a:schemeClr>
+    </cs:fontRef>
+    <cs:defRPr sz="900" kern="1200"/>
+  </cs:valueAxis>
+  <cs:wall>
+    <cs:lnRef idx="0"/>
+    <cs:fillRef idx="0"/>
+    <cs:effectRef idx="0"/>
+    <cs:fontRef idx="minor">
+      <a:schemeClr val="tx1"/>
+    </cs:fontRef>
+    <cs:spPr>
+      <a:noFill/>
+      <a:ln>
+        <a:noFill/>
+      </a:ln>
+    </cs:spPr>
+  </cs:wall>
+</cs:chartStyle>
+</file>
+
 <file path=ppt/notesMasters/notesMaster1.xml><?xml version="1.0" encoding="utf-8"?>
 <p:notesMaster xmlns:a="http://schemas.openxmlformats.org/drawingml/2006/main" xmlns:r="http://schemas.openxmlformats.org/officeDocument/2006/relationships" xmlns:p="http://schemas.openxmlformats.org/presentationml/2006/main">
   <p:cSld>
@@ -224,7 +2762,7 @@
           <a:p>
             <a:fld id="{6D0DFB00-9630-462B-A28E-7A80C67C40B1}" type="datetimeFigureOut">
               <a:rPr lang="en-GB" smtClean="0"/>
-              <a:t>13/03/2019</a:t>
+              <a:t>14/03/2019</a:t>
             </a:fld>
             <a:endParaRPr lang="en-GB"/>
           </a:p>
@@ -537,44 +3075,24 @@
           <a:lstStyle/>
           <a:p>
             <a:r>
-              <a:rPr lang="en-GB" b="1" dirty="0"/>
-              <a:t>Flexible logic:</a:t>
-            </a:r>
-            <a:r>
-              <a:rPr lang="en-GB" b="0" dirty="0"/>
-              <a:t> basic configurable block to implement combinational logic, coupled with clocked elements to enable synchronous logic and pipelining</a:t>
-            </a:r>
-          </a:p>
-          <a:p>
-            <a:r>
-              <a:rPr lang="en-GB" b="1" dirty="0"/>
-              <a:t>Flexible routing: </a:t>
-            </a:r>
-            <a:r>
-              <a:rPr lang="en-GB" b="0" dirty="0"/>
-              <a:t>significant chip area dedicated to wires and switch boxes that enable connections between all components</a:t>
-            </a:r>
-          </a:p>
-          <a:p>
-            <a:r>
-              <a:rPr lang="en-GB" b="1" dirty="0"/>
-              <a:t>Flexible IO:</a:t>
-            </a:r>
-            <a:r>
-              <a:rPr lang="en-GB" b="0" dirty="0"/>
-              <a:t> multi-standard interfacing to external pins, with a range of speed capabilities</a:t>
-            </a:r>
-          </a:p>
-          <a:p>
-            <a:r>
-              <a:rPr lang="en-GB" b="1" dirty="0"/>
-              <a:t>Embedded hard modules: </a:t>
-            </a:r>
-            <a:r>
-              <a:rPr lang="en-GB" b="0" dirty="0"/>
-              <a:t>an increasing number of different resources optimised for speed and area, including DSP functions and memories</a:t>
-            </a:r>
-            <a:endParaRPr lang="en-GB" b="1" dirty="0"/>
+              <a:rPr lang="en-GB" dirty="0"/>
+              <a:t>Title different</a:t>
+            </a:r>
+          </a:p>
+          <a:p>
+            <a:r>
+              <a:rPr lang="en-GB" dirty="0"/>
+              <a:t>Agile methodology</a:t>
+            </a:r>
+          </a:p>
+          <a:p>
+            <a:r>
+              <a:rPr lang="en-GB" dirty="0"/>
+              <a:t>Revisions</a:t>
+            </a:r>
+          </a:p>
+          <a:p>
+            <a:endParaRPr lang="en-GB" dirty="0"/>
           </a:p>
         </p:txBody>
       </p:sp>
@@ -595,7 +3113,7 @@
           <a:p>
             <a:fld id="{14D543BE-4207-42F1-83FD-CFE5F1928924}" type="slidenum">
               <a:rPr lang="en-GB" smtClean="0"/>
-              <a:t>2</a:t>
+              <a:t>1</a:t>
             </a:fld>
             <a:endParaRPr lang="en-GB"/>
           </a:p>
@@ -604,7 +3122,886 @@
     </p:spTree>
     <p:extLst>
       <p:ext uri="{BB962C8B-B14F-4D97-AF65-F5344CB8AC3E}">
-        <p14:creationId xmlns:p14="http://schemas.microsoft.com/office/powerpoint/2010/main" val="422595288"/>
+        <p14:creationId xmlns:p14="http://schemas.microsoft.com/office/powerpoint/2010/main" val="2788964199"/>
+      </p:ext>
+    </p:extLst>
+  </p:cSld>
+  <p:clrMapOvr>
+    <a:masterClrMapping/>
+  </p:clrMapOvr>
+</p:notes>
+</file>
+
+<file path=ppt/notesSlides/notesSlide10.xml><?xml version="1.0" encoding="utf-8"?>
+<p:notes xmlns:a="http://schemas.openxmlformats.org/drawingml/2006/main" xmlns:r="http://schemas.openxmlformats.org/officeDocument/2006/relationships" xmlns:p="http://schemas.openxmlformats.org/presentationml/2006/main">
+  <p:cSld>
+    <p:spTree>
+      <p:nvGrpSpPr>
+        <p:cNvPr id="1" name=""/>
+        <p:cNvGrpSpPr/>
+        <p:nvPr/>
+      </p:nvGrpSpPr>
+      <p:grpSpPr>
+        <a:xfrm>
+          <a:off x="0" y="0"/>
+          <a:ext cx="0" cy="0"/>
+          <a:chOff x="0" y="0"/>
+          <a:chExt cx="0" cy="0"/>
+        </a:xfrm>
+      </p:grpSpPr>
+      <p:sp>
+        <p:nvSpPr>
+          <p:cNvPr id="2" name="Slide Image Placeholder 1"/>
+          <p:cNvSpPr>
+            <a:spLocks noGrp="1" noRot="1" noChangeAspect="1"/>
+          </p:cNvSpPr>
+          <p:nvPr>
+            <p:ph type="sldImg"/>
+          </p:nvPr>
+        </p:nvSpPr>
+        <p:spPr/>
+      </p:sp>
+      <p:sp>
+        <p:nvSpPr>
+          <p:cNvPr id="3" name="Notes Placeholder 2"/>
+          <p:cNvSpPr>
+            <a:spLocks noGrp="1"/>
+          </p:cNvSpPr>
+          <p:nvPr>
+            <p:ph type="body" idx="1"/>
+          </p:nvPr>
+        </p:nvSpPr>
+        <p:spPr/>
+        <p:txBody>
+          <a:bodyPr/>
+          <a:lstStyle/>
+          <a:p>
+            <a:r>
+              <a:rPr lang="en-GB" dirty="0"/>
+              <a:t>9:00</a:t>
+            </a:r>
+          </a:p>
+        </p:txBody>
+      </p:sp>
+      <p:sp>
+        <p:nvSpPr>
+          <p:cNvPr id="4" name="Slide Number Placeholder 3"/>
+          <p:cNvSpPr>
+            <a:spLocks noGrp="1"/>
+          </p:cNvSpPr>
+          <p:nvPr>
+            <p:ph type="sldNum" sz="quarter" idx="5"/>
+          </p:nvPr>
+        </p:nvSpPr>
+        <p:spPr/>
+        <p:txBody>
+          <a:bodyPr/>
+          <a:lstStyle/>
+          <a:p>
+            <a:fld id="{14D543BE-4207-42F1-83FD-CFE5F1928924}" type="slidenum">
+              <a:rPr lang="en-GB" smtClean="0"/>
+              <a:t>10</a:t>
+            </a:fld>
+            <a:endParaRPr lang="en-GB"/>
+          </a:p>
+        </p:txBody>
+      </p:sp>
+    </p:spTree>
+    <p:extLst>
+      <p:ext uri="{BB962C8B-B14F-4D97-AF65-F5344CB8AC3E}">
+        <p14:creationId xmlns:p14="http://schemas.microsoft.com/office/powerpoint/2010/main" val="3235404605"/>
+      </p:ext>
+    </p:extLst>
+  </p:cSld>
+  <p:clrMapOvr>
+    <a:masterClrMapping/>
+  </p:clrMapOvr>
+</p:notes>
+</file>
+
+<file path=ppt/notesSlides/notesSlide11.xml><?xml version="1.0" encoding="utf-8"?>
+<p:notes xmlns:a="http://schemas.openxmlformats.org/drawingml/2006/main" xmlns:r="http://schemas.openxmlformats.org/officeDocument/2006/relationships" xmlns:p="http://schemas.openxmlformats.org/presentationml/2006/main">
+  <p:cSld>
+    <p:spTree>
+      <p:nvGrpSpPr>
+        <p:cNvPr id="1" name=""/>
+        <p:cNvGrpSpPr/>
+        <p:nvPr/>
+      </p:nvGrpSpPr>
+      <p:grpSpPr>
+        <a:xfrm>
+          <a:off x="0" y="0"/>
+          <a:ext cx="0" cy="0"/>
+          <a:chOff x="0" y="0"/>
+          <a:chExt cx="0" cy="0"/>
+        </a:xfrm>
+      </p:grpSpPr>
+      <p:sp>
+        <p:nvSpPr>
+          <p:cNvPr id="2" name="Slide Image Placeholder 1"/>
+          <p:cNvSpPr>
+            <a:spLocks noGrp="1" noRot="1" noChangeAspect="1"/>
+          </p:cNvSpPr>
+          <p:nvPr>
+            <p:ph type="sldImg"/>
+          </p:nvPr>
+        </p:nvSpPr>
+        <p:spPr/>
+      </p:sp>
+      <p:sp>
+        <p:nvSpPr>
+          <p:cNvPr id="3" name="Notes Placeholder 2"/>
+          <p:cNvSpPr>
+            <a:spLocks noGrp="1"/>
+          </p:cNvSpPr>
+          <p:nvPr>
+            <p:ph type="body" idx="1"/>
+          </p:nvPr>
+        </p:nvSpPr>
+        <p:spPr/>
+        <p:txBody>
+          <a:bodyPr/>
+          <a:lstStyle/>
+          <a:p>
+            <a:r>
+              <a:rPr lang="en-GB" dirty="0"/>
+              <a:t>10:00</a:t>
+            </a:r>
+          </a:p>
+        </p:txBody>
+      </p:sp>
+      <p:sp>
+        <p:nvSpPr>
+          <p:cNvPr id="4" name="Slide Number Placeholder 3"/>
+          <p:cNvSpPr>
+            <a:spLocks noGrp="1"/>
+          </p:cNvSpPr>
+          <p:nvPr>
+            <p:ph type="sldNum" sz="quarter" idx="5"/>
+          </p:nvPr>
+        </p:nvSpPr>
+        <p:spPr/>
+        <p:txBody>
+          <a:bodyPr/>
+          <a:lstStyle/>
+          <a:p>
+            <a:fld id="{14D543BE-4207-42F1-83FD-CFE5F1928924}" type="slidenum">
+              <a:rPr lang="en-GB" smtClean="0"/>
+              <a:t>11</a:t>
+            </a:fld>
+            <a:endParaRPr lang="en-GB"/>
+          </a:p>
+        </p:txBody>
+      </p:sp>
+    </p:spTree>
+    <p:extLst>
+      <p:ext uri="{BB962C8B-B14F-4D97-AF65-F5344CB8AC3E}">
+        <p14:creationId xmlns:p14="http://schemas.microsoft.com/office/powerpoint/2010/main" val="1536225451"/>
+      </p:ext>
+    </p:extLst>
+  </p:cSld>
+  <p:clrMapOvr>
+    <a:masterClrMapping/>
+  </p:clrMapOvr>
+</p:notes>
+</file>
+
+<file path=ppt/notesSlides/notesSlide12.xml><?xml version="1.0" encoding="utf-8"?>
+<p:notes xmlns:a="http://schemas.openxmlformats.org/drawingml/2006/main" xmlns:r="http://schemas.openxmlformats.org/officeDocument/2006/relationships" xmlns:p="http://schemas.openxmlformats.org/presentationml/2006/main">
+  <p:cSld>
+    <p:spTree>
+      <p:nvGrpSpPr>
+        <p:cNvPr id="1" name=""/>
+        <p:cNvGrpSpPr/>
+        <p:nvPr/>
+      </p:nvGrpSpPr>
+      <p:grpSpPr>
+        <a:xfrm>
+          <a:off x="0" y="0"/>
+          <a:ext cx="0" cy="0"/>
+          <a:chOff x="0" y="0"/>
+          <a:chExt cx="0" cy="0"/>
+        </a:xfrm>
+      </p:grpSpPr>
+      <p:sp>
+        <p:nvSpPr>
+          <p:cNvPr id="2" name="Slide Image Placeholder 1"/>
+          <p:cNvSpPr>
+            <a:spLocks noGrp="1" noRot="1" noChangeAspect="1"/>
+          </p:cNvSpPr>
+          <p:nvPr>
+            <p:ph type="sldImg"/>
+          </p:nvPr>
+        </p:nvSpPr>
+        <p:spPr/>
+      </p:sp>
+      <p:sp>
+        <p:nvSpPr>
+          <p:cNvPr id="3" name="Notes Placeholder 2"/>
+          <p:cNvSpPr>
+            <a:spLocks noGrp="1"/>
+          </p:cNvSpPr>
+          <p:nvPr>
+            <p:ph type="body" idx="1"/>
+          </p:nvPr>
+        </p:nvSpPr>
+        <p:spPr/>
+        <p:txBody>
+          <a:bodyPr/>
+          <a:lstStyle/>
+          <a:p>
+            <a:r>
+              <a:rPr lang="en-GB" dirty="0"/>
+              <a:t>11:00</a:t>
+            </a:r>
+          </a:p>
+        </p:txBody>
+      </p:sp>
+      <p:sp>
+        <p:nvSpPr>
+          <p:cNvPr id="4" name="Slide Number Placeholder 3"/>
+          <p:cNvSpPr>
+            <a:spLocks noGrp="1"/>
+          </p:cNvSpPr>
+          <p:nvPr>
+            <p:ph type="sldNum" sz="quarter" idx="5"/>
+          </p:nvPr>
+        </p:nvSpPr>
+        <p:spPr/>
+        <p:txBody>
+          <a:bodyPr/>
+          <a:lstStyle/>
+          <a:p>
+            <a:fld id="{14D543BE-4207-42F1-83FD-CFE5F1928924}" type="slidenum">
+              <a:rPr lang="en-GB" smtClean="0"/>
+              <a:t>12</a:t>
+            </a:fld>
+            <a:endParaRPr lang="en-GB"/>
+          </a:p>
+        </p:txBody>
+      </p:sp>
+    </p:spTree>
+    <p:extLst>
+      <p:ext uri="{BB962C8B-B14F-4D97-AF65-F5344CB8AC3E}">
+        <p14:creationId xmlns:p14="http://schemas.microsoft.com/office/powerpoint/2010/main" val="2203652651"/>
+      </p:ext>
+    </p:extLst>
+  </p:cSld>
+  <p:clrMapOvr>
+    <a:masterClrMapping/>
+  </p:clrMapOvr>
+</p:notes>
+</file>
+
+<file path=ppt/notesSlides/notesSlide13.xml><?xml version="1.0" encoding="utf-8"?>
+<p:notes xmlns:a="http://schemas.openxmlformats.org/drawingml/2006/main" xmlns:r="http://schemas.openxmlformats.org/officeDocument/2006/relationships" xmlns:p="http://schemas.openxmlformats.org/presentationml/2006/main">
+  <p:cSld>
+    <p:spTree>
+      <p:nvGrpSpPr>
+        <p:cNvPr id="1" name=""/>
+        <p:cNvGrpSpPr/>
+        <p:nvPr/>
+      </p:nvGrpSpPr>
+      <p:grpSpPr>
+        <a:xfrm>
+          <a:off x="0" y="0"/>
+          <a:ext cx="0" cy="0"/>
+          <a:chOff x="0" y="0"/>
+          <a:chExt cx="0" cy="0"/>
+        </a:xfrm>
+      </p:grpSpPr>
+      <p:sp>
+        <p:nvSpPr>
+          <p:cNvPr id="2" name="Slide Image Placeholder 1"/>
+          <p:cNvSpPr>
+            <a:spLocks noGrp="1" noRot="1" noChangeAspect="1"/>
+          </p:cNvSpPr>
+          <p:nvPr>
+            <p:ph type="sldImg"/>
+          </p:nvPr>
+        </p:nvSpPr>
+        <p:spPr/>
+      </p:sp>
+      <p:sp>
+        <p:nvSpPr>
+          <p:cNvPr id="3" name="Notes Placeholder 2"/>
+          <p:cNvSpPr>
+            <a:spLocks noGrp="1"/>
+          </p:cNvSpPr>
+          <p:nvPr>
+            <p:ph type="body" idx="1"/>
+          </p:nvPr>
+        </p:nvSpPr>
+        <p:spPr/>
+        <p:txBody>
+          <a:bodyPr/>
+          <a:lstStyle/>
+          <a:p>
+            <a:r>
+              <a:rPr lang="en-GB" dirty="0"/>
+              <a:t>12:00</a:t>
+            </a:r>
+          </a:p>
+        </p:txBody>
+      </p:sp>
+      <p:sp>
+        <p:nvSpPr>
+          <p:cNvPr id="4" name="Slide Number Placeholder 3"/>
+          <p:cNvSpPr>
+            <a:spLocks noGrp="1"/>
+          </p:cNvSpPr>
+          <p:nvPr>
+            <p:ph type="sldNum" sz="quarter" idx="5"/>
+          </p:nvPr>
+        </p:nvSpPr>
+        <p:spPr/>
+        <p:txBody>
+          <a:bodyPr/>
+          <a:lstStyle/>
+          <a:p>
+            <a:fld id="{14D543BE-4207-42F1-83FD-CFE5F1928924}" type="slidenum">
+              <a:rPr lang="en-GB" smtClean="0"/>
+              <a:t>13</a:t>
+            </a:fld>
+            <a:endParaRPr lang="en-GB"/>
+          </a:p>
+        </p:txBody>
+      </p:sp>
+    </p:spTree>
+    <p:extLst>
+      <p:ext uri="{BB962C8B-B14F-4D97-AF65-F5344CB8AC3E}">
+        <p14:creationId xmlns:p14="http://schemas.microsoft.com/office/powerpoint/2010/main" val="1657931546"/>
+      </p:ext>
+    </p:extLst>
+  </p:cSld>
+  <p:clrMapOvr>
+    <a:masterClrMapping/>
+  </p:clrMapOvr>
+</p:notes>
+</file>
+
+<file path=ppt/notesSlides/notesSlide14.xml><?xml version="1.0" encoding="utf-8"?>
+<p:notes xmlns:a="http://schemas.openxmlformats.org/drawingml/2006/main" xmlns:r="http://schemas.openxmlformats.org/officeDocument/2006/relationships" xmlns:p="http://schemas.openxmlformats.org/presentationml/2006/main">
+  <p:cSld>
+    <p:spTree>
+      <p:nvGrpSpPr>
+        <p:cNvPr id="1" name=""/>
+        <p:cNvGrpSpPr/>
+        <p:nvPr/>
+      </p:nvGrpSpPr>
+      <p:grpSpPr>
+        <a:xfrm>
+          <a:off x="0" y="0"/>
+          <a:ext cx="0" cy="0"/>
+          <a:chOff x="0" y="0"/>
+          <a:chExt cx="0" cy="0"/>
+        </a:xfrm>
+      </p:grpSpPr>
+      <p:sp>
+        <p:nvSpPr>
+          <p:cNvPr id="2" name="Slide Image Placeholder 1"/>
+          <p:cNvSpPr>
+            <a:spLocks noGrp="1" noRot="1" noChangeAspect="1"/>
+          </p:cNvSpPr>
+          <p:nvPr>
+            <p:ph type="sldImg"/>
+          </p:nvPr>
+        </p:nvSpPr>
+        <p:spPr/>
+      </p:sp>
+      <p:sp>
+        <p:nvSpPr>
+          <p:cNvPr id="3" name="Notes Placeholder 2"/>
+          <p:cNvSpPr>
+            <a:spLocks noGrp="1"/>
+          </p:cNvSpPr>
+          <p:nvPr>
+            <p:ph type="body" idx="1"/>
+          </p:nvPr>
+        </p:nvSpPr>
+        <p:spPr/>
+        <p:txBody>
+          <a:bodyPr/>
+          <a:lstStyle/>
+          <a:p>
+            <a:r>
+              <a:rPr lang="en-GB" dirty="0"/>
+              <a:t>Just under 8GB/s</a:t>
+            </a:r>
+          </a:p>
+          <a:p>
+            <a:endParaRPr lang="en-GB" dirty="0"/>
+          </a:p>
+          <a:p>
+            <a:r>
+              <a:rPr lang="en-GB" dirty="0"/>
+              <a:t>7.875GB/s</a:t>
+            </a:r>
+          </a:p>
+        </p:txBody>
+      </p:sp>
+      <p:sp>
+        <p:nvSpPr>
+          <p:cNvPr id="4" name="Slide Number Placeholder 3"/>
+          <p:cNvSpPr>
+            <a:spLocks noGrp="1"/>
+          </p:cNvSpPr>
+          <p:nvPr>
+            <p:ph type="sldNum" sz="quarter" idx="5"/>
+          </p:nvPr>
+        </p:nvSpPr>
+        <p:spPr/>
+        <p:txBody>
+          <a:bodyPr/>
+          <a:lstStyle/>
+          <a:p>
+            <a:fld id="{14D543BE-4207-42F1-83FD-CFE5F1928924}" type="slidenum">
+              <a:rPr lang="en-GB" smtClean="0"/>
+              <a:t>14</a:t>
+            </a:fld>
+            <a:endParaRPr lang="en-GB"/>
+          </a:p>
+        </p:txBody>
+      </p:sp>
+    </p:spTree>
+    <p:extLst>
+      <p:ext uri="{BB962C8B-B14F-4D97-AF65-F5344CB8AC3E}">
+        <p14:creationId xmlns:p14="http://schemas.microsoft.com/office/powerpoint/2010/main" val="41734011"/>
+      </p:ext>
+    </p:extLst>
+  </p:cSld>
+  <p:clrMapOvr>
+    <a:masterClrMapping/>
+  </p:clrMapOvr>
+</p:notes>
+</file>
+
+<file path=ppt/notesSlides/notesSlide15.xml><?xml version="1.0" encoding="utf-8"?>
+<p:notes xmlns:a="http://schemas.openxmlformats.org/drawingml/2006/main" xmlns:r="http://schemas.openxmlformats.org/officeDocument/2006/relationships" xmlns:p="http://schemas.openxmlformats.org/presentationml/2006/main">
+  <p:cSld>
+    <p:spTree>
+      <p:nvGrpSpPr>
+        <p:cNvPr id="1" name=""/>
+        <p:cNvGrpSpPr/>
+        <p:nvPr/>
+      </p:nvGrpSpPr>
+      <p:grpSpPr>
+        <a:xfrm>
+          <a:off x="0" y="0"/>
+          <a:ext cx="0" cy="0"/>
+          <a:chOff x="0" y="0"/>
+          <a:chExt cx="0" cy="0"/>
+        </a:xfrm>
+      </p:grpSpPr>
+      <p:sp>
+        <p:nvSpPr>
+          <p:cNvPr id="2" name="Slide Image Placeholder 1"/>
+          <p:cNvSpPr>
+            <a:spLocks noGrp="1" noRot="1" noChangeAspect="1"/>
+          </p:cNvSpPr>
+          <p:nvPr>
+            <p:ph type="sldImg"/>
+          </p:nvPr>
+        </p:nvSpPr>
+        <p:spPr/>
+      </p:sp>
+      <p:sp>
+        <p:nvSpPr>
+          <p:cNvPr id="3" name="Notes Placeholder 2"/>
+          <p:cNvSpPr>
+            <a:spLocks noGrp="1"/>
+          </p:cNvSpPr>
+          <p:nvPr>
+            <p:ph type="body" idx="1"/>
+          </p:nvPr>
+        </p:nvSpPr>
+        <p:spPr/>
+        <p:txBody>
+          <a:bodyPr/>
+          <a:lstStyle/>
+          <a:p>
+            <a:r>
+              <a:rPr lang="en-GB" dirty="0"/>
+              <a:t>13:00</a:t>
+            </a:r>
+          </a:p>
+        </p:txBody>
+      </p:sp>
+      <p:sp>
+        <p:nvSpPr>
+          <p:cNvPr id="4" name="Slide Number Placeholder 3"/>
+          <p:cNvSpPr>
+            <a:spLocks noGrp="1"/>
+          </p:cNvSpPr>
+          <p:nvPr>
+            <p:ph type="sldNum" sz="quarter" idx="5"/>
+          </p:nvPr>
+        </p:nvSpPr>
+        <p:spPr/>
+        <p:txBody>
+          <a:bodyPr/>
+          <a:lstStyle/>
+          <a:p>
+            <a:fld id="{14D543BE-4207-42F1-83FD-CFE5F1928924}" type="slidenum">
+              <a:rPr lang="en-GB" smtClean="0"/>
+              <a:t>15</a:t>
+            </a:fld>
+            <a:endParaRPr lang="en-GB"/>
+          </a:p>
+        </p:txBody>
+      </p:sp>
+    </p:spTree>
+    <p:extLst>
+      <p:ext uri="{BB962C8B-B14F-4D97-AF65-F5344CB8AC3E}">
+        <p14:creationId xmlns:p14="http://schemas.microsoft.com/office/powerpoint/2010/main" val="2661084744"/>
+      </p:ext>
+    </p:extLst>
+  </p:cSld>
+  <p:clrMapOvr>
+    <a:masterClrMapping/>
+  </p:clrMapOvr>
+</p:notes>
+</file>
+
+<file path=ppt/notesSlides/notesSlide16.xml><?xml version="1.0" encoding="utf-8"?>
+<p:notes xmlns:a="http://schemas.openxmlformats.org/drawingml/2006/main" xmlns:r="http://schemas.openxmlformats.org/officeDocument/2006/relationships" xmlns:p="http://schemas.openxmlformats.org/presentationml/2006/main">
+  <p:cSld>
+    <p:spTree>
+      <p:nvGrpSpPr>
+        <p:cNvPr id="1" name=""/>
+        <p:cNvGrpSpPr/>
+        <p:nvPr/>
+      </p:nvGrpSpPr>
+      <p:grpSpPr>
+        <a:xfrm>
+          <a:off x="0" y="0"/>
+          <a:ext cx="0" cy="0"/>
+          <a:chOff x="0" y="0"/>
+          <a:chExt cx="0" cy="0"/>
+        </a:xfrm>
+      </p:grpSpPr>
+      <p:sp>
+        <p:nvSpPr>
+          <p:cNvPr id="2" name="Slide Image Placeholder 1"/>
+          <p:cNvSpPr>
+            <a:spLocks noGrp="1" noRot="1" noChangeAspect="1"/>
+          </p:cNvSpPr>
+          <p:nvPr>
+            <p:ph type="sldImg"/>
+          </p:nvPr>
+        </p:nvSpPr>
+        <p:spPr/>
+      </p:sp>
+      <p:sp>
+        <p:nvSpPr>
+          <p:cNvPr id="3" name="Notes Placeholder 2"/>
+          <p:cNvSpPr>
+            <a:spLocks noGrp="1"/>
+          </p:cNvSpPr>
+          <p:nvPr>
+            <p:ph type="body" idx="1"/>
+          </p:nvPr>
+        </p:nvSpPr>
+        <p:spPr/>
+        <p:txBody>
+          <a:bodyPr/>
+          <a:lstStyle/>
+          <a:p>
+            <a:r>
+              <a:rPr lang="en-GB" dirty="0"/>
+              <a:t>15:00</a:t>
+            </a:r>
+          </a:p>
+        </p:txBody>
+      </p:sp>
+      <p:sp>
+        <p:nvSpPr>
+          <p:cNvPr id="4" name="Slide Number Placeholder 3"/>
+          <p:cNvSpPr>
+            <a:spLocks noGrp="1"/>
+          </p:cNvSpPr>
+          <p:nvPr>
+            <p:ph type="sldNum" sz="quarter" idx="5"/>
+          </p:nvPr>
+        </p:nvSpPr>
+        <p:spPr/>
+        <p:txBody>
+          <a:bodyPr/>
+          <a:lstStyle/>
+          <a:p>
+            <a:fld id="{14D543BE-4207-42F1-83FD-CFE5F1928924}" type="slidenum">
+              <a:rPr lang="en-GB" smtClean="0"/>
+              <a:t>16</a:t>
+            </a:fld>
+            <a:endParaRPr lang="en-GB"/>
+          </a:p>
+        </p:txBody>
+      </p:sp>
+    </p:spTree>
+    <p:extLst>
+      <p:ext uri="{BB962C8B-B14F-4D97-AF65-F5344CB8AC3E}">
+        <p14:creationId xmlns:p14="http://schemas.microsoft.com/office/powerpoint/2010/main" val="1953983977"/>
+      </p:ext>
+    </p:extLst>
+  </p:cSld>
+  <p:clrMapOvr>
+    <a:masterClrMapping/>
+  </p:clrMapOvr>
+</p:notes>
+</file>
+
+<file path=ppt/notesSlides/notesSlide17.xml><?xml version="1.0" encoding="utf-8"?>
+<p:notes xmlns:a="http://schemas.openxmlformats.org/drawingml/2006/main" xmlns:r="http://schemas.openxmlformats.org/officeDocument/2006/relationships" xmlns:p="http://schemas.openxmlformats.org/presentationml/2006/main">
+  <p:cSld>
+    <p:spTree>
+      <p:nvGrpSpPr>
+        <p:cNvPr id="1" name=""/>
+        <p:cNvGrpSpPr/>
+        <p:nvPr/>
+      </p:nvGrpSpPr>
+      <p:grpSpPr>
+        <a:xfrm>
+          <a:off x="0" y="0"/>
+          <a:ext cx="0" cy="0"/>
+          <a:chOff x="0" y="0"/>
+          <a:chExt cx="0" cy="0"/>
+        </a:xfrm>
+      </p:grpSpPr>
+      <p:sp>
+        <p:nvSpPr>
+          <p:cNvPr id="2" name="Slide Image Placeholder 1"/>
+          <p:cNvSpPr>
+            <a:spLocks noGrp="1" noRot="1" noChangeAspect="1"/>
+          </p:cNvSpPr>
+          <p:nvPr>
+            <p:ph type="sldImg"/>
+          </p:nvPr>
+        </p:nvSpPr>
+        <p:spPr/>
+      </p:sp>
+      <p:sp>
+        <p:nvSpPr>
+          <p:cNvPr id="3" name="Notes Placeholder 2"/>
+          <p:cNvSpPr>
+            <a:spLocks noGrp="1"/>
+          </p:cNvSpPr>
+          <p:nvPr>
+            <p:ph type="body" idx="1"/>
+          </p:nvPr>
+        </p:nvSpPr>
+        <p:spPr/>
+        <p:txBody>
+          <a:bodyPr/>
+          <a:lstStyle/>
+          <a:p>
+            <a:r>
+              <a:rPr lang="en-GB" dirty="0"/>
+              <a:t>16:00</a:t>
+            </a:r>
+          </a:p>
+        </p:txBody>
+      </p:sp>
+      <p:sp>
+        <p:nvSpPr>
+          <p:cNvPr id="4" name="Slide Number Placeholder 3"/>
+          <p:cNvSpPr>
+            <a:spLocks noGrp="1"/>
+          </p:cNvSpPr>
+          <p:nvPr>
+            <p:ph type="sldNum" sz="quarter" idx="5"/>
+          </p:nvPr>
+        </p:nvSpPr>
+        <p:spPr/>
+        <p:txBody>
+          <a:bodyPr/>
+          <a:lstStyle/>
+          <a:p>
+            <a:fld id="{14D543BE-4207-42F1-83FD-CFE5F1928924}" type="slidenum">
+              <a:rPr lang="en-GB" smtClean="0"/>
+              <a:t>17</a:t>
+            </a:fld>
+            <a:endParaRPr lang="en-GB"/>
+          </a:p>
+        </p:txBody>
+      </p:sp>
+    </p:spTree>
+    <p:extLst>
+      <p:ext uri="{BB962C8B-B14F-4D97-AF65-F5344CB8AC3E}">
+        <p14:creationId xmlns:p14="http://schemas.microsoft.com/office/powerpoint/2010/main" val="4068769963"/>
+      </p:ext>
+    </p:extLst>
+  </p:cSld>
+  <p:clrMapOvr>
+    <a:masterClrMapping/>
+  </p:clrMapOvr>
+</p:notes>
+</file>
+
+<file path=ppt/notesSlides/notesSlide18.xml><?xml version="1.0" encoding="utf-8"?>
+<p:notes xmlns:a="http://schemas.openxmlformats.org/drawingml/2006/main" xmlns:r="http://schemas.openxmlformats.org/officeDocument/2006/relationships" xmlns:p="http://schemas.openxmlformats.org/presentationml/2006/main">
+  <p:cSld>
+    <p:spTree>
+      <p:nvGrpSpPr>
+        <p:cNvPr id="1" name=""/>
+        <p:cNvGrpSpPr/>
+        <p:nvPr/>
+      </p:nvGrpSpPr>
+      <p:grpSpPr>
+        <a:xfrm>
+          <a:off x="0" y="0"/>
+          <a:ext cx="0" cy="0"/>
+          <a:chOff x="0" y="0"/>
+          <a:chExt cx="0" cy="0"/>
+        </a:xfrm>
+      </p:grpSpPr>
+      <p:sp>
+        <p:nvSpPr>
+          <p:cNvPr id="2" name="Slide Image Placeholder 1"/>
+          <p:cNvSpPr>
+            <a:spLocks noGrp="1" noRot="1" noChangeAspect="1"/>
+          </p:cNvSpPr>
+          <p:nvPr>
+            <p:ph type="sldImg"/>
+          </p:nvPr>
+        </p:nvSpPr>
+        <p:spPr/>
+      </p:sp>
+      <p:sp>
+        <p:nvSpPr>
+          <p:cNvPr id="3" name="Notes Placeholder 2"/>
+          <p:cNvSpPr>
+            <a:spLocks noGrp="1"/>
+          </p:cNvSpPr>
+          <p:nvPr>
+            <p:ph type="body" idx="1"/>
+          </p:nvPr>
+        </p:nvSpPr>
+        <p:spPr/>
+        <p:txBody>
+          <a:bodyPr/>
+          <a:lstStyle/>
+          <a:p>
+            <a:r>
+              <a:rPr lang="en-GB" dirty="0"/>
+              <a:t>16:30</a:t>
+            </a:r>
+          </a:p>
+        </p:txBody>
+      </p:sp>
+      <p:sp>
+        <p:nvSpPr>
+          <p:cNvPr id="4" name="Slide Number Placeholder 3"/>
+          <p:cNvSpPr>
+            <a:spLocks noGrp="1"/>
+          </p:cNvSpPr>
+          <p:nvPr>
+            <p:ph type="sldNum" sz="quarter" idx="5"/>
+          </p:nvPr>
+        </p:nvSpPr>
+        <p:spPr/>
+        <p:txBody>
+          <a:bodyPr/>
+          <a:lstStyle/>
+          <a:p>
+            <a:fld id="{14D543BE-4207-42F1-83FD-CFE5F1928924}" type="slidenum">
+              <a:rPr lang="en-GB" smtClean="0"/>
+              <a:t>18</a:t>
+            </a:fld>
+            <a:endParaRPr lang="en-GB"/>
+          </a:p>
+        </p:txBody>
+      </p:sp>
+    </p:spTree>
+    <p:extLst>
+      <p:ext uri="{BB962C8B-B14F-4D97-AF65-F5344CB8AC3E}">
+        <p14:creationId xmlns:p14="http://schemas.microsoft.com/office/powerpoint/2010/main" val="1205401927"/>
+      </p:ext>
+    </p:extLst>
+  </p:cSld>
+  <p:clrMapOvr>
+    <a:masterClrMapping/>
+  </p:clrMapOvr>
+</p:notes>
+</file>
+
+<file path=ppt/notesSlides/notesSlide19.xml><?xml version="1.0" encoding="utf-8"?>
+<p:notes xmlns:a="http://schemas.openxmlformats.org/drawingml/2006/main" xmlns:r="http://schemas.openxmlformats.org/officeDocument/2006/relationships" xmlns:p="http://schemas.openxmlformats.org/presentationml/2006/main">
+  <p:cSld>
+    <p:spTree>
+      <p:nvGrpSpPr>
+        <p:cNvPr id="1" name=""/>
+        <p:cNvGrpSpPr/>
+        <p:nvPr/>
+      </p:nvGrpSpPr>
+      <p:grpSpPr>
+        <a:xfrm>
+          <a:off x="0" y="0"/>
+          <a:ext cx="0" cy="0"/>
+          <a:chOff x="0" y="0"/>
+          <a:chExt cx="0" cy="0"/>
+        </a:xfrm>
+      </p:grpSpPr>
+      <p:sp>
+        <p:nvSpPr>
+          <p:cNvPr id="2" name="Slide Image Placeholder 1"/>
+          <p:cNvSpPr>
+            <a:spLocks noGrp="1" noRot="1" noChangeAspect="1"/>
+          </p:cNvSpPr>
+          <p:nvPr>
+            <p:ph type="sldImg"/>
+          </p:nvPr>
+        </p:nvSpPr>
+        <p:spPr/>
+      </p:sp>
+      <p:sp>
+        <p:nvSpPr>
+          <p:cNvPr id="3" name="Notes Placeholder 2"/>
+          <p:cNvSpPr>
+            <a:spLocks noGrp="1"/>
+          </p:cNvSpPr>
+          <p:nvPr>
+            <p:ph type="body" idx="1"/>
+          </p:nvPr>
+        </p:nvSpPr>
+        <p:spPr/>
+        <p:txBody>
+          <a:bodyPr/>
+          <a:lstStyle/>
+          <a:p>
+            <a:r>
+              <a:rPr lang="en-GB" dirty="0"/>
+              <a:t>17:30</a:t>
+            </a:r>
+          </a:p>
+        </p:txBody>
+      </p:sp>
+      <p:sp>
+        <p:nvSpPr>
+          <p:cNvPr id="4" name="Slide Number Placeholder 3"/>
+          <p:cNvSpPr>
+            <a:spLocks noGrp="1"/>
+          </p:cNvSpPr>
+          <p:nvPr>
+            <p:ph type="sldNum" sz="quarter" idx="5"/>
+          </p:nvPr>
+        </p:nvSpPr>
+        <p:spPr/>
+        <p:txBody>
+          <a:bodyPr/>
+          <a:lstStyle/>
+          <a:p>
+            <a:fld id="{14D543BE-4207-42F1-83FD-CFE5F1928924}" type="slidenum">
+              <a:rPr lang="en-GB" smtClean="0"/>
+              <a:t>19</a:t>
+            </a:fld>
+            <a:endParaRPr lang="en-GB"/>
+          </a:p>
+        </p:txBody>
+      </p:sp>
+    </p:spTree>
+    <p:extLst>
+      <p:ext uri="{BB962C8B-B14F-4D97-AF65-F5344CB8AC3E}">
+        <p14:creationId xmlns:p14="http://schemas.microsoft.com/office/powerpoint/2010/main" val="2373582792"/>
       </p:ext>
     </p:extLst>
   </p:cSld>
@@ -659,6 +4056,12 @@
           <a:lstStyle/>
           <a:p>
             <a:r>
+              <a:rPr lang="en-GB" b="0" dirty="0"/>
+              <a:t>1:30</a:t>
+            </a:r>
+          </a:p>
+          <a:p>
+            <a:r>
               <a:rPr lang="en-GB" b="1" dirty="0"/>
               <a:t>Flexible logic:</a:t>
             </a:r>
@@ -717,7 +4120,7 @@
           <a:p>
             <a:fld id="{14D543BE-4207-42F1-83FD-CFE5F1928924}" type="slidenum">
               <a:rPr lang="en-GB" smtClean="0"/>
-              <a:t>3</a:t>
+              <a:t>2</a:t>
             </a:fld>
             <a:endParaRPr lang="en-GB"/>
           </a:p>
@@ -726,7 +4129,181 @@
     </p:spTree>
     <p:extLst>
       <p:ext uri="{BB962C8B-B14F-4D97-AF65-F5344CB8AC3E}">
-        <p14:creationId xmlns:p14="http://schemas.microsoft.com/office/powerpoint/2010/main" val="2966478051"/>
+        <p14:creationId xmlns:p14="http://schemas.microsoft.com/office/powerpoint/2010/main" val="2952713685"/>
+      </p:ext>
+    </p:extLst>
+  </p:cSld>
+  <p:clrMapOvr>
+    <a:masterClrMapping/>
+  </p:clrMapOvr>
+</p:notes>
+</file>
+
+<file path=ppt/notesSlides/notesSlide20.xml><?xml version="1.0" encoding="utf-8"?>
+<p:notes xmlns:a="http://schemas.openxmlformats.org/drawingml/2006/main" xmlns:r="http://schemas.openxmlformats.org/officeDocument/2006/relationships" xmlns:p="http://schemas.openxmlformats.org/presentationml/2006/main">
+  <p:cSld>
+    <p:spTree>
+      <p:nvGrpSpPr>
+        <p:cNvPr id="1" name=""/>
+        <p:cNvGrpSpPr/>
+        <p:nvPr/>
+      </p:nvGrpSpPr>
+      <p:grpSpPr>
+        <a:xfrm>
+          <a:off x="0" y="0"/>
+          <a:ext cx="0" cy="0"/>
+          <a:chOff x="0" y="0"/>
+          <a:chExt cx="0" cy="0"/>
+        </a:xfrm>
+      </p:grpSpPr>
+      <p:sp>
+        <p:nvSpPr>
+          <p:cNvPr id="2" name="Slide Image Placeholder 1"/>
+          <p:cNvSpPr>
+            <a:spLocks noGrp="1" noRot="1" noChangeAspect="1"/>
+          </p:cNvSpPr>
+          <p:nvPr>
+            <p:ph type="sldImg"/>
+          </p:nvPr>
+        </p:nvSpPr>
+        <p:spPr/>
+      </p:sp>
+      <p:sp>
+        <p:nvSpPr>
+          <p:cNvPr id="3" name="Notes Placeholder 2"/>
+          <p:cNvSpPr>
+            <a:spLocks noGrp="1"/>
+          </p:cNvSpPr>
+          <p:nvPr>
+            <p:ph type="body" idx="1"/>
+          </p:nvPr>
+        </p:nvSpPr>
+        <p:spPr/>
+        <p:txBody>
+          <a:bodyPr/>
+          <a:lstStyle/>
+          <a:p>
+            <a:r>
+              <a:rPr lang="en-GB" dirty="0"/>
+              <a:t>21:00</a:t>
+            </a:r>
+          </a:p>
+        </p:txBody>
+      </p:sp>
+      <p:sp>
+        <p:nvSpPr>
+          <p:cNvPr id="4" name="Slide Number Placeholder 3"/>
+          <p:cNvSpPr>
+            <a:spLocks noGrp="1"/>
+          </p:cNvSpPr>
+          <p:nvPr>
+            <p:ph type="sldNum" sz="quarter" idx="5"/>
+          </p:nvPr>
+        </p:nvSpPr>
+        <p:spPr/>
+        <p:txBody>
+          <a:bodyPr/>
+          <a:lstStyle/>
+          <a:p>
+            <a:fld id="{14D543BE-4207-42F1-83FD-CFE5F1928924}" type="slidenum">
+              <a:rPr lang="en-GB" smtClean="0"/>
+              <a:t>20</a:t>
+            </a:fld>
+            <a:endParaRPr lang="en-GB"/>
+          </a:p>
+        </p:txBody>
+      </p:sp>
+    </p:spTree>
+    <p:extLst>
+      <p:ext uri="{BB962C8B-B14F-4D97-AF65-F5344CB8AC3E}">
+        <p14:creationId xmlns:p14="http://schemas.microsoft.com/office/powerpoint/2010/main" val="3094676764"/>
+      </p:ext>
+    </p:extLst>
+  </p:cSld>
+  <p:clrMapOvr>
+    <a:masterClrMapping/>
+  </p:clrMapOvr>
+</p:notes>
+</file>
+
+<file path=ppt/notesSlides/notesSlide21.xml><?xml version="1.0" encoding="utf-8"?>
+<p:notes xmlns:a="http://schemas.openxmlformats.org/drawingml/2006/main" xmlns:r="http://schemas.openxmlformats.org/officeDocument/2006/relationships" xmlns:p="http://schemas.openxmlformats.org/presentationml/2006/main">
+  <p:cSld>
+    <p:spTree>
+      <p:nvGrpSpPr>
+        <p:cNvPr id="1" name=""/>
+        <p:cNvGrpSpPr/>
+        <p:nvPr/>
+      </p:nvGrpSpPr>
+      <p:grpSpPr>
+        <a:xfrm>
+          <a:off x="0" y="0"/>
+          <a:ext cx="0" cy="0"/>
+          <a:chOff x="0" y="0"/>
+          <a:chExt cx="0" cy="0"/>
+        </a:xfrm>
+      </p:grpSpPr>
+      <p:sp>
+        <p:nvSpPr>
+          <p:cNvPr id="2" name="Slide Image Placeholder 1"/>
+          <p:cNvSpPr>
+            <a:spLocks noGrp="1" noRot="1" noChangeAspect="1"/>
+          </p:cNvSpPr>
+          <p:nvPr>
+            <p:ph type="sldImg"/>
+          </p:nvPr>
+        </p:nvSpPr>
+        <p:spPr/>
+      </p:sp>
+      <p:sp>
+        <p:nvSpPr>
+          <p:cNvPr id="3" name="Notes Placeholder 2"/>
+          <p:cNvSpPr>
+            <a:spLocks noGrp="1"/>
+          </p:cNvSpPr>
+          <p:nvPr>
+            <p:ph type="body" idx="1"/>
+          </p:nvPr>
+        </p:nvSpPr>
+        <p:spPr/>
+        <p:txBody>
+          <a:bodyPr/>
+          <a:lstStyle/>
+          <a:p>
+            <a:r>
+              <a:rPr lang="en-GB" dirty="0"/>
+              <a:t>25:00</a:t>
+            </a:r>
+          </a:p>
+        </p:txBody>
+      </p:sp>
+      <p:sp>
+        <p:nvSpPr>
+          <p:cNvPr id="4" name="Slide Number Placeholder 3"/>
+          <p:cNvSpPr>
+            <a:spLocks noGrp="1"/>
+          </p:cNvSpPr>
+          <p:nvPr>
+            <p:ph type="sldNum" sz="quarter" idx="5"/>
+          </p:nvPr>
+        </p:nvSpPr>
+        <p:spPr/>
+        <p:txBody>
+          <a:bodyPr/>
+          <a:lstStyle/>
+          <a:p>
+            <a:fld id="{14D543BE-4207-42F1-83FD-CFE5F1928924}" type="slidenum">
+              <a:rPr lang="en-GB" smtClean="0"/>
+              <a:t>21</a:t>
+            </a:fld>
+            <a:endParaRPr lang="en-GB"/>
+          </a:p>
+        </p:txBody>
+      </p:sp>
+    </p:spTree>
+    <p:extLst>
+      <p:ext uri="{BB962C8B-B14F-4D97-AF65-F5344CB8AC3E}">
+        <p14:creationId xmlns:p14="http://schemas.microsoft.com/office/powerpoint/2010/main" val="482131809"/>
       </p:ext>
     </p:extLst>
   </p:cSld>
@@ -781,42 +4358,50 @@
           <a:lstStyle/>
           <a:p>
             <a:r>
-              <a:rPr lang="en-GB" dirty="0"/>
-              <a:t>SDN separates the control plane from the data plane</a:t>
-            </a:r>
-          </a:p>
-          <a:p>
-            <a:r>
-              <a:rPr lang="en-GB" dirty="0"/>
-              <a:t>Gives the programmer more direct and clear control over how routing decisions are made.</a:t>
-            </a:r>
-          </a:p>
-          <a:p>
-            <a:r>
-              <a:rPr lang="en-GB" dirty="0"/>
-              <a:t>Separates the network control, known as the control plane, from the forwarding process, known as the data plane. </a:t>
-            </a:r>
-          </a:p>
-          <a:p>
-            <a:r>
-              <a:rPr lang="en-GB" dirty="0"/>
-              <a:t>The control plane makes decisions about packets which are either destined to or originally from the current host, while the data plane makes decisions about packets which are going through the host. </a:t>
-            </a:r>
-          </a:p>
-          <a:p>
-            <a:r>
-              <a:rPr lang="en-GB" dirty="0"/>
-              <a:t>The control plane also maintains the routing table, which is used by both planes to make routing decisions</a:t>
-            </a:r>
-          </a:p>
-          <a:p>
-            <a:endParaRPr lang="en-GB" dirty="0"/>
-          </a:p>
-          <a:p>
-            <a:r>
-              <a:rPr lang="en-GB" dirty="0"/>
-              <a:t>P4 is a language for programming data plane. Sep 2014.</a:t>
-            </a:r>
+              <a:rPr lang="en-GB" b="0" dirty="0"/>
+              <a:t>2:00</a:t>
+            </a:r>
+          </a:p>
+          <a:p>
+            <a:r>
+              <a:rPr lang="en-GB" b="1" dirty="0"/>
+              <a:t>Flexible logic:</a:t>
+            </a:r>
+            <a:r>
+              <a:rPr lang="en-GB" b="0" dirty="0"/>
+              <a:t> basic configurable block to implement combinational logic, coupled with clocked elements to enable synchronous logic and pipelining</a:t>
+            </a:r>
+          </a:p>
+          <a:p>
+            <a:r>
+              <a:rPr lang="en-GB" b="1" dirty="0"/>
+              <a:t>Flexible routing: </a:t>
+            </a:r>
+            <a:r>
+              <a:rPr lang="en-GB" b="0" dirty="0"/>
+              <a:t>significant chip area dedicated to wires and switch boxes that enable connections between all components</a:t>
+            </a:r>
+          </a:p>
+          <a:p>
+            <a:r>
+              <a:rPr lang="en-GB" b="1" dirty="0"/>
+              <a:t>Flexible IO:</a:t>
+            </a:r>
+            <a:r>
+              <a:rPr lang="en-GB" b="0" dirty="0"/>
+              <a:t> multi-standard interfacing to external pins, with a range of speed capabilities</a:t>
+            </a:r>
+          </a:p>
+          <a:p>
+            <a:r>
+              <a:rPr lang="en-GB" b="1" dirty="0"/>
+              <a:t>Embedded hard modules: </a:t>
+            </a:r>
+            <a:r>
+              <a:rPr lang="en-GB" b="0" dirty="0"/>
+              <a:t>an increasing number of different resources optimised for speed and area, including DSP functions and memories</a:t>
+            </a:r>
+            <a:endParaRPr lang="en-GB" b="1" dirty="0"/>
           </a:p>
         </p:txBody>
       </p:sp>
@@ -837,7 +4422,7 @@
           <a:p>
             <a:fld id="{14D543BE-4207-42F1-83FD-CFE5F1928924}" type="slidenum">
               <a:rPr lang="en-GB" smtClean="0"/>
-              <a:t>5</a:t>
+              <a:t>3</a:t>
             </a:fld>
             <a:endParaRPr lang="en-GB"/>
           </a:p>
@@ -846,7 +4431,7 @@
     </p:spTree>
     <p:extLst>
       <p:ext uri="{BB962C8B-B14F-4D97-AF65-F5344CB8AC3E}">
-        <p14:creationId xmlns:p14="http://schemas.microsoft.com/office/powerpoint/2010/main" val="166886260"/>
+        <p14:creationId xmlns:p14="http://schemas.microsoft.com/office/powerpoint/2010/main" val="3726362540"/>
       </p:ext>
     </p:extLst>
   </p:cSld>
@@ -902,16 +4487,7 @@
           <a:p>
             <a:r>
               <a:rPr lang="en-GB" dirty="0"/>
-              <a:t>Just under 8GB/s</a:t>
-            </a:r>
-          </a:p>
-          <a:p>
-            <a:endParaRPr lang="en-GB" dirty="0"/>
-          </a:p>
-          <a:p>
-            <a:r>
-              <a:rPr lang="en-GB" dirty="0"/>
-              <a:t>7.875GB/s</a:t>
+              <a:t>3:00</a:t>
             </a:r>
           </a:p>
         </p:txBody>
@@ -933,7 +4509,7 @@
           <a:p>
             <a:fld id="{14D543BE-4207-42F1-83FD-CFE5F1928924}" type="slidenum">
               <a:rPr lang="en-GB" smtClean="0"/>
-              <a:t>14</a:t>
+              <a:t>4</a:t>
             </a:fld>
             <a:endParaRPr lang="en-GB"/>
           </a:p>
@@ -942,7 +4518,487 @@
     </p:spTree>
     <p:extLst>
       <p:ext uri="{BB962C8B-B14F-4D97-AF65-F5344CB8AC3E}">
-        <p14:creationId xmlns:p14="http://schemas.microsoft.com/office/powerpoint/2010/main" val="41734011"/>
+        <p14:creationId xmlns:p14="http://schemas.microsoft.com/office/powerpoint/2010/main" val="4216859556"/>
+      </p:ext>
+    </p:extLst>
+  </p:cSld>
+  <p:clrMapOvr>
+    <a:masterClrMapping/>
+  </p:clrMapOvr>
+</p:notes>
+</file>
+
+<file path=ppt/notesSlides/notesSlide5.xml><?xml version="1.0" encoding="utf-8"?>
+<p:notes xmlns:a="http://schemas.openxmlformats.org/drawingml/2006/main" xmlns:r="http://schemas.openxmlformats.org/officeDocument/2006/relationships" xmlns:p="http://schemas.openxmlformats.org/presentationml/2006/main">
+  <p:cSld>
+    <p:spTree>
+      <p:nvGrpSpPr>
+        <p:cNvPr id="1" name=""/>
+        <p:cNvGrpSpPr/>
+        <p:nvPr/>
+      </p:nvGrpSpPr>
+      <p:grpSpPr>
+        <a:xfrm>
+          <a:off x="0" y="0"/>
+          <a:ext cx="0" cy="0"/>
+          <a:chOff x="0" y="0"/>
+          <a:chExt cx="0" cy="0"/>
+        </a:xfrm>
+      </p:grpSpPr>
+      <p:sp>
+        <p:nvSpPr>
+          <p:cNvPr id="2" name="Slide Image Placeholder 1"/>
+          <p:cNvSpPr>
+            <a:spLocks noGrp="1" noRot="1" noChangeAspect="1"/>
+          </p:cNvSpPr>
+          <p:nvPr>
+            <p:ph type="sldImg"/>
+          </p:nvPr>
+        </p:nvSpPr>
+        <p:spPr/>
+      </p:sp>
+      <p:sp>
+        <p:nvSpPr>
+          <p:cNvPr id="3" name="Notes Placeholder 2"/>
+          <p:cNvSpPr>
+            <a:spLocks noGrp="1"/>
+          </p:cNvSpPr>
+          <p:nvPr>
+            <p:ph type="body" idx="1"/>
+          </p:nvPr>
+        </p:nvSpPr>
+        <p:spPr/>
+        <p:txBody>
+          <a:bodyPr/>
+          <a:lstStyle/>
+          <a:p>
+            <a:r>
+              <a:rPr lang="en-GB" dirty="0"/>
+              <a:t>4:00</a:t>
+            </a:r>
+          </a:p>
+          <a:p>
+            <a:r>
+              <a:rPr lang="en-GB" dirty="0"/>
+              <a:t>SDN separates the control plane from the data plane</a:t>
+            </a:r>
+          </a:p>
+          <a:p>
+            <a:r>
+              <a:rPr lang="en-GB" dirty="0"/>
+              <a:t>Operates at the Internet / Network</a:t>
+            </a:r>
+          </a:p>
+          <a:p>
+            <a:r>
+              <a:rPr lang="en-GB" dirty="0"/>
+              <a:t>Gives the programmer more direct and clear control over how routing decisions are made.</a:t>
+            </a:r>
+          </a:p>
+          <a:p>
+            <a:r>
+              <a:rPr lang="en-GB" dirty="0"/>
+              <a:t>Separates the network control, known as the control plane, from the forwarding process, known as the data plane. </a:t>
+            </a:r>
+          </a:p>
+          <a:p>
+            <a:r>
+              <a:rPr lang="en-GB" dirty="0"/>
+              <a:t>The control plane makes decisions about packets which are either destined to or originally from the current host, while the data plane makes decisions about packets which are going through the host. </a:t>
+            </a:r>
+          </a:p>
+          <a:p>
+            <a:r>
+              <a:rPr lang="en-GB" dirty="0"/>
+              <a:t>The control plane also maintains the routing table, which is used by both planes to make routing decisions</a:t>
+            </a:r>
+          </a:p>
+          <a:p>
+            <a:endParaRPr lang="en-GB" dirty="0"/>
+          </a:p>
+          <a:p>
+            <a:r>
+              <a:rPr lang="en-GB" dirty="0"/>
+              <a:t>P4 is a language for programming data plane. Sep 2014.</a:t>
+            </a:r>
+          </a:p>
+        </p:txBody>
+      </p:sp>
+      <p:sp>
+        <p:nvSpPr>
+          <p:cNvPr id="4" name="Slide Number Placeholder 3"/>
+          <p:cNvSpPr>
+            <a:spLocks noGrp="1"/>
+          </p:cNvSpPr>
+          <p:nvPr>
+            <p:ph type="sldNum" sz="quarter" idx="5"/>
+          </p:nvPr>
+        </p:nvSpPr>
+        <p:spPr/>
+        <p:txBody>
+          <a:bodyPr/>
+          <a:lstStyle/>
+          <a:p>
+            <a:fld id="{14D543BE-4207-42F1-83FD-CFE5F1928924}" type="slidenum">
+              <a:rPr lang="en-GB" smtClean="0"/>
+              <a:t>5</a:t>
+            </a:fld>
+            <a:endParaRPr lang="en-GB"/>
+          </a:p>
+        </p:txBody>
+      </p:sp>
+    </p:spTree>
+    <p:extLst>
+      <p:ext uri="{BB962C8B-B14F-4D97-AF65-F5344CB8AC3E}">
+        <p14:creationId xmlns:p14="http://schemas.microsoft.com/office/powerpoint/2010/main" val="166886260"/>
+      </p:ext>
+    </p:extLst>
+  </p:cSld>
+  <p:clrMapOvr>
+    <a:masterClrMapping/>
+  </p:clrMapOvr>
+</p:notes>
+</file>
+
+<file path=ppt/notesSlides/notesSlide6.xml><?xml version="1.0" encoding="utf-8"?>
+<p:notes xmlns:a="http://schemas.openxmlformats.org/drawingml/2006/main" xmlns:r="http://schemas.openxmlformats.org/officeDocument/2006/relationships" xmlns:p="http://schemas.openxmlformats.org/presentationml/2006/main">
+  <p:cSld>
+    <p:spTree>
+      <p:nvGrpSpPr>
+        <p:cNvPr id="1" name=""/>
+        <p:cNvGrpSpPr/>
+        <p:nvPr/>
+      </p:nvGrpSpPr>
+      <p:grpSpPr>
+        <a:xfrm>
+          <a:off x="0" y="0"/>
+          <a:ext cx="0" cy="0"/>
+          <a:chOff x="0" y="0"/>
+          <a:chExt cx="0" cy="0"/>
+        </a:xfrm>
+      </p:grpSpPr>
+      <p:sp>
+        <p:nvSpPr>
+          <p:cNvPr id="2" name="Slide Image Placeholder 1"/>
+          <p:cNvSpPr>
+            <a:spLocks noGrp="1" noRot="1" noChangeAspect="1"/>
+          </p:cNvSpPr>
+          <p:nvPr>
+            <p:ph type="sldImg"/>
+          </p:nvPr>
+        </p:nvSpPr>
+        <p:spPr/>
+      </p:sp>
+      <p:sp>
+        <p:nvSpPr>
+          <p:cNvPr id="3" name="Notes Placeholder 2"/>
+          <p:cNvSpPr>
+            <a:spLocks noGrp="1"/>
+          </p:cNvSpPr>
+          <p:nvPr>
+            <p:ph type="body" idx="1"/>
+          </p:nvPr>
+        </p:nvSpPr>
+        <p:spPr/>
+        <p:txBody>
+          <a:bodyPr/>
+          <a:lstStyle/>
+          <a:p>
+            <a:r>
+              <a:rPr lang="en-GB" dirty="0"/>
+              <a:t>5:30</a:t>
+            </a:r>
+          </a:p>
+        </p:txBody>
+      </p:sp>
+      <p:sp>
+        <p:nvSpPr>
+          <p:cNvPr id="4" name="Slide Number Placeholder 3"/>
+          <p:cNvSpPr>
+            <a:spLocks noGrp="1"/>
+          </p:cNvSpPr>
+          <p:nvPr>
+            <p:ph type="sldNum" sz="quarter" idx="5"/>
+          </p:nvPr>
+        </p:nvSpPr>
+        <p:spPr/>
+        <p:txBody>
+          <a:bodyPr/>
+          <a:lstStyle/>
+          <a:p>
+            <a:fld id="{14D543BE-4207-42F1-83FD-CFE5F1928924}" type="slidenum">
+              <a:rPr lang="en-GB" smtClean="0"/>
+              <a:t>6</a:t>
+            </a:fld>
+            <a:endParaRPr lang="en-GB"/>
+          </a:p>
+        </p:txBody>
+      </p:sp>
+    </p:spTree>
+    <p:extLst>
+      <p:ext uri="{BB962C8B-B14F-4D97-AF65-F5344CB8AC3E}">
+        <p14:creationId xmlns:p14="http://schemas.microsoft.com/office/powerpoint/2010/main" val="2042313502"/>
+      </p:ext>
+    </p:extLst>
+  </p:cSld>
+  <p:clrMapOvr>
+    <a:masterClrMapping/>
+  </p:clrMapOvr>
+</p:notes>
+</file>
+
+<file path=ppt/notesSlides/notesSlide7.xml><?xml version="1.0" encoding="utf-8"?>
+<p:notes xmlns:a="http://schemas.openxmlformats.org/drawingml/2006/main" xmlns:r="http://schemas.openxmlformats.org/officeDocument/2006/relationships" xmlns:p="http://schemas.openxmlformats.org/presentationml/2006/main">
+  <p:cSld>
+    <p:spTree>
+      <p:nvGrpSpPr>
+        <p:cNvPr id="1" name=""/>
+        <p:cNvGrpSpPr/>
+        <p:nvPr/>
+      </p:nvGrpSpPr>
+      <p:grpSpPr>
+        <a:xfrm>
+          <a:off x="0" y="0"/>
+          <a:ext cx="0" cy="0"/>
+          <a:chOff x="0" y="0"/>
+          <a:chExt cx="0" cy="0"/>
+        </a:xfrm>
+      </p:grpSpPr>
+      <p:sp>
+        <p:nvSpPr>
+          <p:cNvPr id="2" name="Slide Image Placeholder 1"/>
+          <p:cNvSpPr>
+            <a:spLocks noGrp="1" noRot="1" noChangeAspect="1"/>
+          </p:cNvSpPr>
+          <p:nvPr>
+            <p:ph type="sldImg"/>
+          </p:nvPr>
+        </p:nvSpPr>
+        <p:spPr/>
+      </p:sp>
+      <p:sp>
+        <p:nvSpPr>
+          <p:cNvPr id="3" name="Notes Placeholder 2"/>
+          <p:cNvSpPr>
+            <a:spLocks noGrp="1"/>
+          </p:cNvSpPr>
+          <p:nvPr>
+            <p:ph type="body" idx="1"/>
+          </p:nvPr>
+        </p:nvSpPr>
+        <p:spPr/>
+        <p:txBody>
+          <a:bodyPr/>
+          <a:lstStyle/>
+          <a:p>
+            <a:r>
+              <a:rPr lang="en-GB" dirty="0"/>
+              <a:t>6:30</a:t>
+            </a:r>
+          </a:p>
+        </p:txBody>
+      </p:sp>
+      <p:sp>
+        <p:nvSpPr>
+          <p:cNvPr id="4" name="Slide Number Placeholder 3"/>
+          <p:cNvSpPr>
+            <a:spLocks noGrp="1"/>
+          </p:cNvSpPr>
+          <p:nvPr>
+            <p:ph type="sldNum" sz="quarter" idx="5"/>
+          </p:nvPr>
+        </p:nvSpPr>
+        <p:spPr/>
+        <p:txBody>
+          <a:bodyPr/>
+          <a:lstStyle/>
+          <a:p>
+            <a:fld id="{14D543BE-4207-42F1-83FD-CFE5F1928924}" type="slidenum">
+              <a:rPr lang="en-GB" smtClean="0"/>
+              <a:t>7</a:t>
+            </a:fld>
+            <a:endParaRPr lang="en-GB"/>
+          </a:p>
+        </p:txBody>
+      </p:sp>
+    </p:spTree>
+    <p:extLst>
+      <p:ext uri="{BB962C8B-B14F-4D97-AF65-F5344CB8AC3E}">
+        <p14:creationId xmlns:p14="http://schemas.microsoft.com/office/powerpoint/2010/main" val="591650091"/>
+      </p:ext>
+    </p:extLst>
+  </p:cSld>
+  <p:clrMapOvr>
+    <a:masterClrMapping/>
+  </p:clrMapOvr>
+</p:notes>
+</file>
+
+<file path=ppt/notesSlides/notesSlide8.xml><?xml version="1.0" encoding="utf-8"?>
+<p:notes xmlns:a="http://schemas.openxmlformats.org/drawingml/2006/main" xmlns:r="http://schemas.openxmlformats.org/officeDocument/2006/relationships" xmlns:p="http://schemas.openxmlformats.org/presentationml/2006/main">
+  <p:cSld>
+    <p:spTree>
+      <p:nvGrpSpPr>
+        <p:cNvPr id="1" name=""/>
+        <p:cNvGrpSpPr/>
+        <p:nvPr/>
+      </p:nvGrpSpPr>
+      <p:grpSpPr>
+        <a:xfrm>
+          <a:off x="0" y="0"/>
+          <a:ext cx="0" cy="0"/>
+          <a:chOff x="0" y="0"/>
+          <a:chExt cx="0" cy="0"/>
+        </a:xfrm>
+      </p:grpSpPr>
+      <p:sp>
+        <p:nvSpPr>
+          <p:cNvPr id="2" name="Slide Image Placeholder 1"/>
+          <p:cNvSpPr>
+            <a:spLocks noGrp="1" noRot="1" noChangeAspect="1"/>
+          </p:cNvSpPr>
+          <p:nvPr>
+            <p:ph type="sldImg"/>
+          </p:nvPr>
+        </p:nvSpPr>
+        <p:spPr/>
+      </p:sp>
+      <p:sp>
+        <p:nvSpPr>
+          <p:cNvPr id="3" name="Notes Placeholder 2"/>
+          <p:cNvSpPr>
+            <a:spLocks noGrp="1"/>
+          </p:cNvSpPr>
+          <p:nvPr>
+            <p:ph type="body" idx="1"/>
+          </p:nvPr>
+        </p:nvSpPr>
+        <p:spPr/>
+        <p:txBody>
+          <a:bodyPr/>
+          <a:lstStyle/>
+          <a:p>
+            <a:r>
+              <a:rPr lang="en-GB" dirty="0"/>
+              <a:t>7:00</a:t>
+            </a:r>
+          </a:p>
+        </p:txBody>
+      </p:sp>
+      <p:sp>
+        <p:nvSpPr>
+          <p:cNvPr id="4" name="Slide Number Placeholder 3"/>
+          <p:cNvSpPr>
+            <a:spLocks noGrp="1"/>
+          </p:cNvSpPr>
+          <p:nvPr>
+            <p:ph type="sldNum" sz="quarter" idx="5"/>
+          </p:nvPr>
+        </p:nvSpPr>
+        <p:spPr/>
+        <p:txBody>
+          <a:bodyPr/>
+          <a:lstStyle/>
+          <a:p>
+            <a:fld id="{14D543BE-4207-42F1-83FD-CFE5F1928924}" type="slidenum">
+              <a:rPr lang="en-GB" smtClean="0"/>
+              <a:t>8</a:t>
+            </a:fld>
+            <a:endParaRPr lang="en-GB"/>
+          </a:p>
+        </p:txBody>
+      </p:sp>
+    </p:spTree>
+    <p:extLst>
+      <p:ext uri="{BB962C8B-B14F-4D97-AF65-F5344CB8AC3E}">
+        <p14:creationId xmlns:p14="http://schemas.microsoft.com/office/powerpoint/2010/main" val="3527509749"/>
+      </p:ext>
+    </p:extLst>
+  </p:cSld>
+  <p:clrMapOvr>
+    <a:masterClrMapping/>
+  </p:clrMapOvr>
+</p:notes>
+</file>
+
+<file path=ppt/notesSlides/notesSlide9.xml><?xml version="1.0" encoding="utf-8"?>
+<p:notes xmlns:a="http://schemas.openxmlformats.org/drawingml/2006/main" xmlns:r="http://schemas.openxmlformats.org/officeDocument/2006/relationships" xmlns:p="http://schemas.openxmlformats.org/presentationml/2006/main">
+  <p:cSld>
+    <p:spTree>
+      <p:nvGrpSpPr>
+        <p:cNvPr id="1" name=""/>
+        <p:cNvGrpSpPr/>
+        <p:nvPr/>
+      </p:nvGrpSpPr>
+      <p:grpSpPr>
+        <a:xfrm>
+          <a:off x="0" y="0"/>
+          <a:ext cx="0" cy="0"/>
+          <a:chOff x="0" y="0"/>
+          <a:chExt cx="0" cy="0"/>
+        </a:xfrm>
+      </p:grpSpPr>
+      <p:sp>
+        <p:nvSpPr>
+          <p:cNvPr id="2" name="Slide Image Placeholder 1"/>
+          <p:cNvSpPr>
+            <a:spLocks noGrp="1" noRot="1" noChangeAspect="1"/>
+          </p:cNvSpPr>
+          <p:nvPr>
+            <p:ph type="sldImg"/>
+          </p:nvPr>
+        </p:nvSpPr>
+        <p:spPr/>
+      </p:sp>
+      <p:sp>
+        <p:nvSpPr>
+          <p:cNvPr id="3" name="Notes Placeholder 2"/>
+          <p:cNvSpPr>
+            <a:spLocks noGrp="1"/>
+          </p:cNvSpPr>
+          <p:nvPr>
+            <p:ph type="body" idx="1"/>
+          </p:nvPr>
+        </p:nvSpPr>
+        <p:spPr/>
+        <p:txBody>
+          <a:bodyPr/>
+          <a:lstStyle/>
+          <a:p>
+            <a:r>
+              <a:rPr lang="en-GB" dirty="0"/>
+              <a:t>8:00</a:t>
+            </a:r>
+          </a:p>
+        </p:txBody>
+      </p:sp>
+      <p:sp>
+        <p:nvSpPr>
+          <p:cNvPr id="4" name="Slide Number Placeholder 3"/>
+          <p:cNvSpPr>
+            <a:spLocks noGrp="1"/>
+          </p:cNvSpPr>
+          <p:nvPr>
+            <p:ph type="sldNum" sz="quarter" idx="5"/>
+          </p:nvPr>
+        </p:nvSpPr>
+        <p:spPr/>
+        <p:txBody>
+          <a:bodyPr/>
+          <a:lstStyle/>
+          <a:p>
+            <a:fld id="{14D543BE-4207-42F1-83FD-CFE5F1928924}" type="slidenum">
+              <a:rPr lang="en-GB" smtClean="0"/>
+              <a:t>9</a:t>
+            </a:fld>
+            <a:endParaRPr lang="en-GB"/>
+          </a:p>
+        </p:txBody>
+      </p:sp>
+    </p:spTree>
+    <p:extLst>
+      <p:ext uri="{BB962C8B-B14F-4D97-AF65-F5344CB8AC3E}">
+        <p14:creationId xmlns:p14="http://schemas.microsoft.com/office/powerpoint/2010/main" val="4104849501"/>
       </p:ext>
     </p:extLst>
   </p:cSld>
@@ -2901,7 +6957,7 @@
 </file>
 
 <file path=ppt/slideLayouts/slideLayout11.xml><?xml version="1.0" encoding="utf-8"?>
-<p:sldLayout xmlns:a="http://schemas.openxmlformats.org/drawingml/2006/main" xmlns:r="http://schemas.openxmlformats.org/officeDocument/2006/relationships" xmlns:p="http://schemas.openxmlformats.org/presentationml/2006/main" showMasterSp="0" preserve="1">
+<p:sldLayout xmlns:a="http://schemas.openxmlformats.org/drawingml/2006/main" xmlns:r="http://schemas.openxmlformats.org/officeDocument/2006/relationships" xmlns:p="http://schemas.openxmlformats.org/presentationml/2006/main" showMasterSp="0" preserve="1" userDrawn="1">
   <p:cSld name="Title + 2 List">
     <p:spTree>
       <p:nvGrpSpPr>
@@ -3079,46 +7135,6 @@
       </p:sp>
       <p:sp>
         <p:nvSpPr>
-          <p:cNvPr id="22" name="Slide Number Placeholder 5"/>
-          <p:cNvSpPr>
-            <a:spLocks noGrp="1"/>
-          </p:cNvSpPr>
-          <p:nvPr>
-            <p:ph type="sldNum" sz="quarter" idx="4"/>
-          </p:nvPr>
-        </p:nvSpPr>
-        <p:spPr>
-          <a:xfrm>
-            <a:off x="11112756" y="6324700"/>
-            <a:ext cx="892629" cy="457471"/>
-          </a:xfrm>
-          <a:prstGeom prst="rect">
-            <a:avLst/>
-          </a:prstGeom>
-        </p:spPr>
-        <p:txBody>
-          <a:bodyPr anchor="ctr"/>
-          <a:lstStyle>
-            <a:lvl1pPr algn="r">
-              <a:defRPr sz="1800">
-                <a:solidFill>
-                  <a:schemeClr val="bg2"/>
-                </a:solidFill>
-              </a:defRPr>
-            </a:lvl1pPr>
-          </a:lstStyle>
-          <a:p>
-            <a:fld id="{C3A7B714-B811-474E-B4E3-D2AA5B3A9620}" type="slidenum">
-              <a:rPr lang="en-GB" smtClean="0"/>
-              <a:pPr/>
-              <a:t>‹#›</a:t>
-            </a:fld>
-            <a:endParaRPr lang="en-GB" dirty="0"/>
-          </a:p>
-        </p:txBody>
-      </p:sp>
-      <p:sp>
-        <p:nvSpPr>
           <p:cNvPr id="6" name="Content Placeholder 2"/>
           <p:cNvSpPr>
             <a:spLocks noGrp="1"/>
@@ -3295,6 +7311,107 @@
               <a:rPr lang="en-US" dirty="0"/>
               <a:t>CLICK ICON TO ADD SMALL LOGO (Logo size: 200X40px and preferably be transparent background PNG)</a:t>
             </a:r>
+          </a:p>
+        </p:txBody>
+      </p:sp>
+      <p:sp>
+        <p:nvSpPr>
+          <p:cNvPr id="9" name="Text Placeholder 8">
+            <a:extLst>
+              <a:ext uri="{FF2B5EF4-FFF2-40B4-BE49-F238E27FC236}">
+                <a16:creationId xmlns:a16="http://schemas.microsoft.com/office/drawing/2014/main" id="{BB03B51B-460C-45A4-A8A5-4539CB2F6744}"/>
+              </a:ext>
+            </a:extLst>
+          </p:cNvPr>
+          <p:cNvSpPr>
+            <a:spLocks noGrp="1"/>
+          </p:cNvSpPr>
+          <p:nvPr>
+            <p:ph type="body" sz="quarter" idx="30"/>
+          </p:nvPr>
+        </p:nvSpPr>
+        <p:spPr>
+          <a:xfrm>
+            <a:off x="11214100" y="6400800"/>
+            <a:ext cx="750888" cy="354013"/>
+          </a:xfrm>
+        </p:spPr>
+        <p:txBody>
+          <a:bodyPr>
+            <a:noAutofit/>
+          </a:bodyPr>
+          <a:lstStyle>
+            <a:lvl1pPr algn="r">
+              <a:defRPr sz="1400">
+                <a:solidFill>
+                  <a:schemeClr val="bg2"/>
+                </a:solidFill>
+              </a:defRPr>
+            </a:lvl1pPr>
+            <a:lvl2pPr algn="r">
+              <a:defRPr sz="1400">
+                <a:solidFill>
+                  <a:schemeClr val="bg2"/>
+                </a:solidFill>
+              </a:defRPr>
+            </a:lvl2pPr>
+            <a:lvl3pPr algn="r">
+              <a:defRPr sz="1400">
+                <a:solidFill>
+                  <a:schemeClr val="bg2"/>
+                </a:solidFill>
+              </a:defRPr>
+            </a:lvl3pPr>
+            <a:lvl4pPr algn="r">
+              <a:defRPr sz="1400">
+                <a:solidFill>
+                  <a:schemeClr val="bg2"/>
+                </a:solidFill>
+              </a:defRPr>
+            </a:lvl4pPr>
+            <a:lvl5pPr algn="r">
+              <a:defRPr sz="1400">
+                <a:solidFill>
+                  <a:schemeClr val="bg2"/>
+                </a:solidFill>
+              </a:defRPr>
+            </a:lvl5pPr>
+          </a:lstStyle>
+          <a:p>
+            <a:pPr lvl="0"/>
+            <a:r>
+              <a:rPr lang="en-US" dirty="0"/>
+              <a:t>Click to edit Master text styles</a:t>
+            </a:r>
+          </a:p>
+          <a:p>
+            <a:pPr lvl="1"/>
+            <a:r>
+              <a:rPr lang="en-US" dirty="0"/>
+              <a:t>Second level</a:t>
+            </a:r>
+          </a:p>
+          <a:p>
+            <a:pPr lvl="2"/>
+            <a:r>
+              <a:rPr lang="en-US" dirty="0"/>
+              <a:t>Third level</a:t>
+            </a:r>
+          </a:p>
+          <a:p>
+            <a:pPr lvl="3"/>
+            <a:r>
+              <a:rPr lang="en-US" dirty="0"/>
+              <a:t>Fourth level</a:t>
+            </a:r>
+          </a:p>
+          <a:p>
+            <a:pPr lvl="4"/>
+            <a:r>
+              <a:rPr lang="en-US" dirty="0"/>
+              <a:t>Fifth level</a:t>
+            </a:r>
+            <a:endParaRPr lang="en-GB" dirty="0"/>
           </a:p>
         </p:txBody>
       </p:sp>
@@ -13525,7 +17642,7 @@
               </a:spcBef>
               <a:buFontTx/>
               <a:buBlip>
-                <a:blip r:embed="rId2"/>
+                <a:blip r:embed="rId3"/>
               </a:buBlip>
               <a:defRPr sz="2400" kern="1200">
                 <a:solidFill>
@@ -13545,7 +17662,7 @@
               </a:spcBef>
               <a:buFontTx/>
               <a:buBlip>
-                <a:blip r:embed="rId2"/>
+                <a:blip r:embed="rId3"/>
               </a:buBlip>
               <a:defRPr sz="2400" kern="1200">
                 <a:solidFill>
@@ -13565,7 +17682,7 @@
               </a:spcBef>
               <a:buFontTx/>
               <a:buBlip>
-                <a:blip r:embed="rId2"/>
+                <a:blip r:embed="rId3"/>
               </a:buBlip>
               <a:defRPr sz="2400" i="1" kern="1200">
                 <a:solidFill>
@@ -13585,7 +17702,7 @@
               </a:spcBef>
               <a:buFontTx/>
               <a:buBlip>
-                <a:blip r:embed="rId2"/>
+                <a:blip r:embed="rId3"/>
               </a:buBlip>
               <a:defRPr sz="2400" kern="1200">
                 <a:solidFill>
@@ -13605,7 +17722,7 @@
               </a:spcBef>
               <a:buFontTx/>
               <a:buBlip>
-                <a:blip r:embed="rId2"/>
+                <a:blip r:embed="rId3"/>
               </a:buBlip>
               <a:defRPr sz="2400" kern="1200">
                 <a:solidFill>
@@ -13745,6 +17862,229 @@
       </p:transition>
     </mc:Fallback>
   </mc:AlternateContent>
+  <p:timing>
+    <p:tnLst>
+      <p:par>
+        <p:cTn id="1" dur="indefinite" restart="never" nodeType="tmRoot">
+          <p:childTnLst>
+            <p:seq concurrent="1" nextAc="seek">
+              <p:cTn id="2" dur="indefinite" nodeType="mainSeq">
+                <p:childTnLst>
+                  <p:par>
+                    <p:cTn id="3" fill="hold">
+                      <p:stCondLst>
+                        <p:cond delay="indefinite"/>
+                        <p:cond evt="onBegin" delay="0">
+                          <p:tn val="2"/>
+                        </p:cond>
+                      </p:stCondLst>
+                      <p:childTnLst>
+                        <p:par>
+                          <p:cTn id="4" fill="hold">
+                            <p:stCondLst>
+                              <p:cond delay="0"/>
+                            </p:stCondLst>
+                            <p:childTnLst>
+                              <p:par>
+                                <p:cTn id="5" presetID="10" presetClass="entr" presetSubtype="0" fill="hold" nodeType="withEffect">
+                                  <p:stCondLst>
+                                    <p:cond delay="0"/>
+                                  </p:stCondLst>
+                                  <p:childTnLst>
+                                    <p:set>
+                                      <p:cBhvr>
+                                        <p:cTn id="6" dur="1" fill="hold">
+                                          <p:stCondLst>
+                                            <p:cond delay="0"/>
+                                          </p:stCondLst>
+                                        </p:cTn>
+                                        <p:tgtEl>
+                                          <p:spTgt spid="2">
+                                            <p:txEl>
+                                              <p:pRg st="4" end="4"/>
+                                            </p:txEl>
+                                          </p:spTgt>
+                                        </p:tgtEl>
+                                        <p:attrNameLst>
+                                          <p:attrName>style.visibility</p:attrName>
+                                        </p:attrNameLst>
+                                      </p:cBhvr>
+                                      <p:to>
+                                        <p:strVal val="visible"/>
+                                      </p:to>
+                                    </p:set>
+                                    <p:animEffect transition="in" filter="fade">
+                                      <p:cBhvr>
+                                        <p:cTn id="7" dur="500"/>
+                                        <p:tgtEl>
+                                          <p:spTgt spid="2">
+                                            <p:txEl>
+                                              <p:pRg st="4" end="4"/>
+                                            </p:txEl>
+                                          </p:spTgt>
+                                        </p:tgtEl>
+                                      </p:cBhvr>
+                                    </p:animEffect>
+                                  </p:childTnLst>
+                                </p:cTn>
+                              </p:par>
+                              <p:par>
+                                <p:cTn id="8" presetID="10" presetClass="entr" presetSubtype="0" fill="hold" nodeType="withEffect">
+                                  <p:stCondLst>
+                                    <p:cond delay="0"/>
+                                  </p:stCondLst>
+                                  <p:childTnLst>
+                                    <p:set>
+                                      <p:cBhvr>
+                                        <p:cTn id="9" dur="1" fill="hold">
+                                          <p:stCondLst>
+                                            <p:cond delay="0"/>
+                                          </p:stCondLst>
+                                        </p:cTn>
+                                        <p:tgtEl>
+                                          <p:spTgt spid="4">
+                                            <p:txEl>
+                                              <p:pRg st="0" end="0"/>
+                                            </p:txEl>
+                                          </p:spTgt>
+                                        </p:tgtEl>
+                                        <p:attrNameLst>
+                                          <p:attrName>style.visibility</p:attrName>
+                                        </p:attrNameLst>
+                                      </p:cBhvr>
+                                      <p:to>
+                                        <p:strVal val="visible"/>
+                                      </p:to>
+                                    </p:set>
+                                    <p:animEffect transition="in" filter="fade">
+                                      <p:cBhvr>
+                                        <p:cTn id="10" dur="500"/>
+                                        <p:tgtEl>
+                                          <p:spTgt spid="4">
+                                            <p:txEl>
+                                              <p:pRg st="0" end="0"/>
+                                            </p:txEl>
+                                          </p:spTgt>
+                                        </p:tgtEl>
+                                      </p:cBhvr>
+                                    </p:animEffect>
+                                  </p:childTnLst>
+                                </p:cTn>
+                              </p:par>
+                              <p:par>
+                                <p:cTn id="11" presetID="10" presetClass="entr" presetSubtype="0" fill="hold" nodeType="withEffect">
+                                  <p:stCondLst>
+                                    <p:cond delay="0"/>
+                                  </p:stCondLst>
+                                  <p:childTnLst>
+                                    <p:set>
+                                      <p:cBhvr>
+                                        <p:cTn id="12" dur="1" fill="hold">
+                                          <p:stCondLst>
+                                            <p:cond delay="0"/>
+                                          </p:stCondLst>
+                                        </p:cTn>
+                                        <p:tgtEl>
+                                          <p:spTgt spid="30">
+                                            <p:txEl>
+                                              <p:pRg st="0" end="0"/>
+                                            </p:txEl>
+                                          </p:spTgt>
+                                        </p:tgtEl>
+                                        <p:attrNameLst>
+                                          <p:attrName>style.visibility</p:attrName>
+                                        </p:attrNameLst>
+                                      </p:cBhvr>
+                                      <p:to>
+                                        <p:strVal val="visible"/>
+                                      </p:to>
+                                    </p:set>
+                                    <p:animEffect transition="in" filter="fade">
+                                      <p:cBhvr>
+                                        <p:cTn id="13" dur="500"/>
+                                        <p:tgtEl>
+                                          <p:spTgt spid="30">
+                                            <p:txEl>
+                                              <p:pRg st="0" end="0"/>
+                                            </p:txEl>
+                                          </p:spTgt>
+                                        </p:tgtEl>
+                                      </p:cBhvr>
+                                    </p:animEffect>
+                                  </p:childTnLst>
+                                </p:cTn>
+                              </p:par>
+                              <p:par>
+                                <p:cTn id="14" presetID="10" presetClass="entr" presetSubtype="0" fill="hold" nodeType="withEffect">
+                                  <p:stCondLst>
+                                    <p:cond delay="0"/>
+                                  </p:stCondLst>
+                                  <p:childTnLst>
+                                    <p:set>
+                                      <p:cBhvr>
+                                        <p:cTn id="15" dur="1" fill="hold">
+                                          <p:stCondLst>
+                                            <p:cond delay="0"/>
+                                          </p:stCondLst>
+                                        </p:cTn>
+                                        <p:tgtEl>
+                                          <p:spTgt spid="30">
+                                            <p:txEl>
+                                              <p:pRg st="1" end="1"/>
+                                            </p:txEl>
+                                          </p:spTgt>
+                                        </p:tgtEl>
+                                        <p:attrNameLst>
+                                          <p:attrName>style.visibility</p:attrName>
+                                        </p:attrNameLst>
+                                      </p:cBhvr>
+                                      <p:to>
+                                        <p:strVal val="visible"/>
+                                      </p:to>
+                                    </p:set>
+                                    <p:animEffect transition="in" filter="fade">
+                                      <p:cBhvr>
+                                        <p:cTn id="16" dur="500"/>
+                                        <p:tgtEl>
+                                          <p:spTgt spid="30">
+                                            <p:txEl>
+                                              <p:pRg st="1" end="1"/>
+                                            </p:txEl>
+                                          </p:spTgt>
+                                        </p:tgtEl>
+                                      </p:cBhvr>
+                                    </p:animEffect>
+                                  </p:childTnLst>
+                                </p:cTn>
+                              </p:par>
+                            </p:childTnLst>
+                          </p:cTn>
+                        </p:par>
+                      </p:childTnLst>
+                    </p:cTn>
+                  </p:par>
+                </p:childTnLst>
+              </p:cTn>
+              <p:prevCondLst>
+                <p:cond evt="onPrev" delay="0">
+                  <p:tgtEl>
+                    <p:sldTgt/>
+                  </p:tgtEl>
+                </p:cond>
+              </p:prevCondLst>
+              <p:nextCondLst>
+                <p:cond evt="onNext" delay="0">
+                  <p:tgtEl>
+                    <p:sldTgt/>
+                  </p:tgtEl>
+                </p:cond>
+              </p:nextCondLst>
+            </p:seq>
+          </p:childTnLst>
+        </p:cTn>
+      </p:par>
+    </p:tnLst>
+  </p:timing>
 </p:sld>
 </file>
 
@@ -13889,7 +18229,7 @@
               </a:spcBef>
               <a:buFontTx/>
               <a:buBlip>
-                <a:blip r:embed="rId2"/>
+                <a:blip r:embed="rId3"/>
               </a:buBlip>
               <a:defRPr sz="2400" kern="1200">
                 <a:solidFill>
@@ -13909,7 +18249,7 @@
               </a:spcBef>
               <a:buFontTx/>
               <a:buBlip>
-                <a:blip r:embed="rId2"/>
+                <a:blip r:embed="rId3"/>
               </a:buBlip>
               <a:defRPr sz="2400" kern="1200">
                 <a:solidFill>
@@ -13929,7 +18269,7 @@
               </a:spcBef>
               <a:buFontTx/>
               <a:buBlip>
-                <a:blip r:embed="rId2"/>
+                <a:blip r:embed="rId3"/>
               </a:buBlip>
               <a:defRPr sz="2400" i="1" kern="1200">
                 <a:solidFill>
@@ -13949,7 +18289,7 @@
               </a:spcBef>
               <a:buFontTx/>
               <a:buBlip>
-                <a:blip r:embed="rId2"/>
+                <a:blip r:embed="rId3"/>
               </a:buBlip>
               <a:defRPr sz="2400" kern="1200">
                 <a:solidFill>
@@ -13969,7 +18309,7 @@
               </a:spcBef>
               <a:buFontTx/>
               <a:buBlip>
-                <a:blip r:embed="rId2"/>
+                <a:blip r:embed="rId3"/>
               </a:buBlip>
               <a:defRPr sz="2400" kern="1200">
                 <a:solidFill>
@@ -14102,7 +18442,7 @@
           <p:nvPr/>
         </p:nvPicPr>
         <p:blipFill>
-          <a:blip r:embed="rId3">
+          <a:blip r:embed="rId4">
             <a:extLst>
               <a:ext uri="{28A0092B-C50C-407E-A947-70E740481C1C}">
                 <a14:useLocalDpi xmlns:a14="http://schemas.microsoft.com/office/drawing/2010/main" val="0"/>
@@ -14140,6 +18480,42 @@
           </p:nvPr>
         </p:nvSpPr>
         <p:spPr/>
+      </p:sp>
+      <p:sp>
+        <p:nvSpPr>
+          <p:cNvPr id="7" name="TextBox 6">
+            <a:extLst>
+              <a:ext uri="{FF2B5EF4-FFF2-40B4-BE49-F238E27FC236}">
+                <a16:creationId xmlns:a16="http://schemas.microsoft.com/office/drawing/2014/main" id="{B40EAE85-9821-42F2-A8BD-7049F56FEA19}"/>
+              </a:ext>
+            </a:extLst>
+          </p:cNvPr>
+          <p:cNvSpPr txBox="1"/>
+          <p:nvPr/>
+        </p:nvSpPr>
+        <p:spPr>
+          <a:xfrm>
+            <a:off x="11383478" y="6443033"/>
+            <a:ext cx="808522" cy="307777"/>
+          </a:xfrm>
+          <a:prstGeom prst="rect">
+            <a:avLst/>
+          </a:prstGeom>
+          <a:noFill/>
+        </p:spPr>
+        <p:txBody>
+          <a:bodyPr wrap="square" rtlCol="0">
+            <a:spAutoFit/>
+          </a:bodyPr>
+          <a:lstStyle/>
+          <a:p>
+            <a:pPr algn="r"/>
+            <a:r>
+              <a:rPr lang="en-GB" sz="1400" dirty="0"/>
+              <a:t>(2)</a:t>
+            </a:r>
+          </a:p>
+        </p:txBody>
       </p:sp>
     </p:spTree>
     <p:extLst>
@@ -14315,6 +18691,42 @@
         </p:nvSpPr>
         <p:spPr/>
       </p:sp>
+      <p:sp>
+        <p:nvSpPr>
+          <p:cNvPr id="7" name="TextBox 6">
+            <a:extLst>
+              <a:ext uri="{FF2B5EF4-FFF2-40B4-BE49-F238E27FC236}">
+                <a16:creationId xmlns:a16="http://schemas.microsoft.com/office/drawing/2014/main" id="{61AD5296-59B6-4E7E-B8A0-DB71054CDC3A}"/>
+              </a:ext>
+            </a:extLst>
+          </p:cNvPr>
+          <p:cNvSpPr txBox="1"/>
+          <p:nvPr/>
+        </p:nvSpPr>
+        <p:spPr>
+          <a:xfrm>
+            <a:off x="11383478" y="6443033"/>
+            <a:ext cx="808522" cy="307777"/>
+          </a:xfrm>
+          <a:prstGeom prst="rect">
+            <a:avLst/>
+          </a:prstGeom>
+          <a:noFill/>
+        </p:spPr>
+        <p:txBody>
+          <a:bodyPr wrap="square" rtlCol="0">
+            <a:spAutoFit/>
+          </a:bodyPr>
+          <a:lstStyle/>
+          <a:p>
+            <a:pPr algn="r"/>
+            <a:r>
+              <a:rPr lang="en-GB" sz="1400" dirty="0"/>
+              <a:t>(3)</a:t>
+            </a:r>
+          </a:p>
+        </p:txBody>
+      </p:sp>
     </p:spTree>
     <p:extLst>
       <p:ext uri="{BB962C8B-B14F-4D97-AF65-F5344CB8AC3E}">
@@ -14492,9 +18904,6 @@
               <a:t>Standalone or integrated</a:t>
             </a:r>
           </a:p>
-          <a:p>
-            <a:endParaRPr lang="en-GB" dirty="0"/>
-          </a:p>
         </p:txBody>
       </p:sp>
       <p:sp>
@@ -14514,6 +18923,42 @@
           </p:nvPr>
         </p:nvSpPr>
         <p:spPr/>
+      </p:sp>
+      <p:sp>
+        <p:nvSpPr>
+          <p:cNvPr id="6" name="TextBox 5">
+            <a:extLst>
+              <a:ext uri="{FF2B5EF4-FFF2-40B4-BE49-F238E27FC236}">
+                <a16:creationId xmlns:a16="http://schemas.microsoft.com/office/drawing/2014/main" id="{1015CC39-92D8-4016-8E0B-8FB6C3743A5E}"/>
+              </a:ext>
+            </a:extLst>
+          </p:cNvPr>
+          <p:cNvSpPr txBox="1"/>
+          <p:nvPr/>
+        </p:nvSpPr>
+        <p:spPr>
+          <a:xfrm>
+            <a:off x="11383478" y="6443033"/>
+            <a:ext cx="808522" cy="307777"/>
+          </a:xfrm>
+          <a:prstGeom prst="rect">
+            <a:avLst/>
+          </a:prstGeom>
+          <a:noFill/>
+        </p:spPr>
+        <p:txBody>
+          <a:bodyPr wrap="square" rtlCol="0">
+            <a:spAutoFit/>
+          </a:bodyPr>
+          <a:lstStyle/>
+          <a:p>
+            <a:pPr algn="r"/>
+            <a:r>
+              <a:rPr lang="en-GB" sz="1400" dirty="0"/>
+              <a:t>(4)</a:t>
+            </a:r>
+          </a:p>
+        </p:txBody>
       </p:sp>
     </p:spTree>
     <p:extLst>
@@ -14537,6 +18982,358 @@
       </p:transition>
     </mc:Fallback>
   </mc:AlternateContent>
+  <p:timing>
+    <p:tnLst>
+      <p:par>
+        <p:cTn id="1" dur="indefinite" restart="never" nodeType="tmRoot">
+          <p:childTnLst>
+            <p:seq concurrent="1" nextAc="seek">
+              <p:cTn id="2" dur="indefinite" nodeType="mainSeq">
+                <p:childTnLst>
+                  <p:par>
+                    <p:cTn id="3" fill="hold">
+                      <p:stCondLst>
+                        <p:cond delay="indefinite"/>
+                        <p:cond evt="onBegin" delay="0">
+                          <p:tn val="2"/>
+                        </p:cond>
+                      </p:stCondLst>
+                      <p:childTnLst>
+                        <p:par>
+                          <p:cTn id="4" fill="hold">
+                            <p:stCondLst>
+                              <p:cond delay="0"/>
+                            </p:stCondLst>
+                            <p:childTnLst>
+                              <p:par>
+                                <p:cTn id="5" presetID="10" presetClass="entr" presetSubtype="0" fill="hold" nodeType="withEffect">
+                                  <p:stCondLst>
+                                    <p:cond delay="0"/>
+                                  </p:stCondLst>
+                                  <p:childTnLst>
+                                    <p:set>
+                                      <p:cBhvr>
+                                        <p:cTn id="6" dur="1" fill="hold">
+                                          <p:stCondLst>
+                                            <p:cond delay="0"/>
+                                          </p:stCondLst>
+                                        </p:cTn>
+                                        <p:tgtEl>
+                                          <p:spTgt spid="2">
+                                            <p:txEl>
+                                              <p:pRg st="1" end="1"/>
+                                            </p:txEl>
+                                          </p:spTgt>
+                                        </p:tgtEl>
+                                        <p:attrNameLst>
+                                          <p:attrName>style.visibility</p:attrName>
+                                        </p:attrNameLst>
+                                      </p:cBhvr>
+                                      <p:to>
+                                        <p:strVal val="visible"/>
+                                      </p:to>
+                                    </p:set>
+                                    <p:animEffect transition="in" filter="fade">
+                                      <p:cBhvr>
+                                        <p:cTn id="7" dur="500"/>
+                                        <p:tgtEl>
+                                          <p:spTgt spid="2">
+                                            <p:txEl>
+                                              <p:pRg st="1" end="1"/>
+                                            </p:txEl>
+                                          </p:spTgt>
+                                        </p:tgtEl>
+                                      </p:cBhvr>
+                                    </p:animEffect>
+                                  </p:childTnLst>
+                                </p:cTn>
+                              </p:par>
+                              <p:par>
+                                <p:cTn id="8" presetID="10" presetClass="entr" presetSubtype="0" fill="hold" nodeType="withEffect">
+                                  <p:stCondLst>
+                                    <p:cond delay="0"/>
+                                  </p:stCondLst>
+                                  <p:childTnLst>
+                                    <p:set>
+                                      <p:cBhvr>
+                                        <p:cTn id="9" dur="1" fill="hold">
+                                          <p:stCondLst>
+                                            <p:cond delay="0"/>
+                                          </p:stCondLst>
+                                        </p:cTn>
+                                        <p:tgtEl>
+                                          <p:spTgt spid="4">
+                                            <p:txEl>
+                                              <p:pRg st="0" end="0"/>
+                                            </p:txEl>
+                                          </p:spTgt>
+                                        </p:tgtEl>
+                                        <p:attrNameLst>
+                                          <p:attrName>style.visibility</p:attrName>
+                                        </p:attrNameLst>
+                                      </p:cBhvr>
+                                      <p:to>
+                                        <p:strVal val="visible"/>
+                                      </p:to>
+                                    </p:set>
+                                    <p:animEffect transition="in" filter="fade">
+                                      <p:cBhvr>
+                                        <p:cTn id="10" dur="500"/>
+                                        <p:tgtEl>
+                                          <p:spTgt spid="4">
+                                            <p:txEl>
+                                              <p:pRg st="0" end="0"/>
+                                            </p:txEl>
+                                          </p:spTgt>
+                                        </p:tgtEl>
+                                      </p:cBhvr>
+                                    </p:animEffect>
+                                  </p:childTnLst>
+                                </p:cTn>
+                              </p:par>
+                              <p:par>
+                                <p:cTn id="11" presetID="10" presetClass="entr" presetSubtype="0" fill="hold" nodeType="withEffect">
+                                  <p:stCondLst>
+                                    <p:cond delay="0"/>
+                                  </p:stCondLst>
+                                  <p:childTnLst>
+                                    <p:set>
+                                      <p:cBhvr>
+                                        <p:cTn id="12" dur="1" fill="hold">
+                                          <p:stCondLst>
+                                            <p:cond delay="0"/>
+                                          </p:stCondLst>
+                                        </p:cTn>
+                                        <p:tgtEl>
+                                          <p:spTgt spid="4">
+                                            <p:txEl>
+                                              <p:pRg st="1" end="1"/>
+                                            </p:txEl>
+                                          </p:spTgt>
+                                        </p:tgtEl>
+                                        <p:attrNameLst>
+                                          <p:attrName>style.visibility</p:attrName>
+                                        </p:attrNameLst>
+                                      </p:cBhvr>
+                                      <p:to>
+                                        <p:strVal val="visible"/>
+                                      </p:to>
+                                    </p:set>
+                                    <p:animEffect transition="in" filter="fade">
+                                      <p:cBhvr>
+                                        <p:cTn id="13" dur="500"/>
+                                        <p:tgtEl>
+                                          <p:spTgt spid="4">
+                                            <p:txEl>
+                                              <p:pRg st="1" end="1"/>
+                                            </p:txEl>
+                                          </p:spTgt>
+                                        </p:tgtEl>
+                                      </p:cBhvr>
+                                    </p:animEffect>
+                                  </p:childTnLst>
+                                </p:cTn>
+                              </p:par>
+                              <p:par>
+                                <p:cTn id="14" presetID="10" presetClass="entr" presetSubtype="0" fill="hold" nodeType="withEffect">
+                                  <p:stCondLst>
+                                    <p:cond delay="0"/>
+                                  </p:stCondLst>
+                                  <p:childTnLst>
+                                    <p:set>
+                                      <p:cBhvr>
+                                        <p:cTn id="15" dur="1" fill="hold">
+                                          <p:stCondLst>
+                                            <p:cond delay="0"/>
+                                          </p:stCondLst>
+                                        </p:cTn>
+                                        <p:tgtEl>
+                                          <p:spTgt spid="4">
+                                            <p:txEl>
+                                              <p:pRg st="2" end="2"/>
+                                            </p:txEl>
+                                          </p:spTgt>
+                                        </p:tgtEl>
+                                        <p:attrNameLst>
+                                          <p:attrName>style.visibility</p:attrName>
+                                        </p:attrNameLst>
+                                      </p:cBhvr>
+                                      <p:to>
+                                        <p:strVal val="visible"/>
+                                      </p:to>
+                                    </p:set>
+                                    <p:animEffect transition="in" filter="fade">
+                                      <p:cBhvr>
+                                        <p:cTn id="16" dur="500"/>
+                                        <p:tgtEl>
+                                          <p:spTgt spid="4">
+                                            <p:txEl>
+                                              <p:pRg st="2" end="2"/>
+                                            </p:txEl>
+                                          </p:spTgt>
+                                        </p:tgtEl>
+                                      </p:cBhvr>
+                                    </p:animEffect>
+                                  </p:childTnLst>
+                                </p:cTn>
+                              </p:par>
+                              <p:par>
+                                <p:cTn id="17" presetID="10" presetClass="entr" presetSubtype="0" fill="hold" nodeType="withEffect">
+                                  <p:stCondLst>
+                                    <p:cond delay="0"/>
+                                  </p:stCondLst>
+                                  <p:childTnLst>
+                                    <p:set>
+                                      <p:cBhvr>
+                                        <p:cTn id="18" dur="1" fill="hold">
+                                          <p:stCondLst>
+                                            <p:cond delay="0"/>
+                                          </p:stCondLst>
+                                        </p:cTn>
+                                        <p:tgtEl>
+                                          <p:spTgt spid="4">
+                                            <p:txEl>
+                                              <p:pRg st="3" end="3"/>
+                                            </p:txEl>
+                                          </p:spTgt>
+                                        </p:tgtEl>
+                                        <p:attrNameLst>
+                                          <p:attrName>style.visibility</p:attrName>
+                                        </p:attrNameLst>
+                                      </p:cBhvr>
+                                      <p:to>
+                                        <p:strVal val="visible"/>
+                                      </p:to>
+                                    </p:set>
+                                    <p:animEffect transition="in" filter="fade">
+                                      <p:cBhvr>
+                                        <p:cTn id="19" dur="500"/>
+                                        <p:tgtEl>
+                                          <p:spTgt spid="4">
+                                            <p:txEl>
+                                              <p:pRg st="3" end="3"/>
+                                            </p:txEl>
+                                          </p:spTgt>
+                                        </p:tgtEl>
+                                      </p:cBhvr>
+                                    </p:animEffect>
+                                  </p:childTnLst>
+                                </p:cTn>
+                              </p:par>
+                              <p:par>
+                                <p:cTn id="20" presetID="10" presetClass="entr" presetSubtype="0" fill="hold" nodeType="withEffect">
+                                  <p:stCondLst>
+                                    <p:cond delay="0"/>
+                                  </p:stCondLst>
+                                  <p:childTnLst>
+                                    <p:set>
+                                      <p:cBhvr>
+                                        <p:cTn id="21" dur="1" fill="hold">
+                                          <p:stCondLst>
+                                            <p:cond delay="0"/>
+                                          </p:stCondLst>
+                                        </p:cTn>
+                                        <p:tgtEl>
+                                          <p:spTgt spid="4">
+                                            <p:txEl>
+                                              <p:pRg st="4" end="4"/>
+                                            </p:txEl>
+                                          </p:spTgt>
+                                        </p:tgtEl>
+                                        <p:attrNameLst>
+                                          <p:attrName>style.visibility</p:attrName>
+                                        </p:attrNameLst>
+                                      </p:cBhvr>
+                                      <p:to>
+                                        <p:strVal val="visible"/>
+                                      </p:to>
+                                    </p:set>
+                                    <p:animEffect transition="in" filter="fade">
+                                      <p:cBhvr>
+                                        <p:cTn id="22" dur="500"/>
+                                        <p:tgtEl>
+                                          <p:spTgt spid="4">
+                                            <p:txEl>
+                                              <p:pRg st="4" end="4"/>
+                                            </p:txEl>
+                                          </p:spTgt>
+                                        </p:tgtEl>
+                                      </p:cBhvr>
+                                    </p:animEffect>
+                                  </p:childTnLst>
+                                </p:cTn>
+                              </p:par>
+                              <p:par>
+                                <p:cTn id="23" presetID="10" presetClass="entr" presetSubtype="0" fill="hold" nodeType="withEffect">
+                                  <p:stCondLst>
+                                    <p:cond delay="0"/>
+                                  </p:stCondLst>
+                                  <p:childTnLst>
+                                    <p:set>
+                                      <p:cBhvr>
+                                        <p:cTn id="24" dur="1" fill="hold">
+                                          <p:stCondLst>
+                                            <p:cond delay="0"/>
+                                          </p:stCondLst>
+                                        </p:cTn>
+                                        <p:tgtEl>
+                                          <p:spTgt spid="4">
+                                            <p:txEl>
+                                              <p:pRg st="5" end="5"/>
+                                            </p:txEl>
+                                          </p:spTgt>
+                                        </p:tgtEl>
+                                        <p:attrNameLst>
+                                          <p:attrName>style.visibility</p:attrName>
+                                        </p:attrNameLst>
+                                      </p:cBhvr>
+                                      <p:to>
+                                        <p:strVal val="visible"/>
+                                      </p:to>
+                                    </p:set>
+                                    <p:animEffect transition="in" filter="fade">
+                                      <p:cBhvr>
+                                        <p:cTn id="25" dur="500"/>
+                                        <p:tgtEl>
+                                          <p:spTgt spid="4">
+                                            <p:txEl>
+                                              <p:pRg st="5" end="5"/>
+                                            </p:txEl>
+                                          </p:spTgt>
+                                        </p:tgtEl>
+                                      </p:cBhvr>
+                                    </p:animEffect>
+                                  </p:childTnLst>
+                                </p:cTn>
+                              </p:par>
+                            </p:childTnLst>
+                          </p:cTn>
+                        </p:par>
+                      </p:childTnLst>
+                    </p:cTn>
+                  </p:par>
+                </p:childTnLst>
+              </p:cTn>
+              <p:prevCondLst>
+                <p:cond evt="onPrev" delay="0">
+                  <p:tgtEl>
+                    <p:sldTgt/>
+                  </p:tgtEl>
+                </p:cond>
+              </p:prevCondLst>
+              <p:nextCondLst>
+                <p:cond evt="onNext" delay="0">
+                  <p:tgtEl>
+                    <p:sldTgt/>
+                  </p:tgtEl>
+                </p:cond>
+              </p:nextCondLst>
+            </p:seq>
+          </p:childTnLst>
+        </p:cTn>
+      </p:par>
+    </p:tnLst>
+  </p:timing>
 </p:sld>
 </file>
 
@@ -14687,7 +19484,10 @@
             </a:r>
           </a:p>
           <a:p>
-            <a:endParaRPr lang="en-GB" dirty="0"/>
+            <a:r>
+              <a:rPr lang="en-GB" dirty="0"/>
+              <a:t>Standalone or integrated</a:t>
+            </a:r>
           </a:p>
         </p:txBody>
       </p:sp>
@@ -14737,7 +19537,7 @@
         </p:blipFill>
         <p:spPr>
           <a:xfrm>
-            <a:off x="6258779" y="1484313"/>
+            <a:off x="6096000" y="1484213"/>
             <a:ext cx="5527555" cy="4235450"/>
           </a:xfrm>
           <a:prstGeom prst="rect">
@@ -14745,6 +19545,42 @@
           </a:prstGeom>
         </p:spPr>
       </p:pic>
+      <p:sp>
+        <p:nvSpPr>
+          <p:cNvPr id="8" name="TextBox 7">
+            <a:extLst>
+              <a:ext uri="{FF2B5EF4-FFF2-40B4-BE49-F238E27FC236}">
+                <a16:creationId xmlns:a16="http://schemas.microsoft.com/office/drawing/2014/main" id="{B291E7F3-F8AD-4779-8A9D-13C0BF59369A}"/>
+              </a:ext>
+            </a:extLst>
+          </p:cNvPr>
+          <p:cNvSpPr txBox="1"/>
+          <p:nvPr/>
+        </p:nvSpPr>
+        <p:spPr>
+          <a:xfrm>
+            <a:off x="11383478" y="6443033"/>
+            <a:ext cx="808522" cy="307777"/>
+          </a:xfrm>
+          <a:prstGeom prst="rect">
+            <a:avLst/>
+          </a:prstGeom>
+          <a:noFill/>
+        </p:spPr>
+        <p:txBody>
+          <a:bodyPr wrap="square" rtlCol="0">
+            <a:spAutoFit/>
+          </a:bodyPr>
+          <a:lstStyle/>
+          <a:p>
+            <a:pPr algn="r"/>
+            <a:r>
+              <a:rPr lang="en-GB" sz="1400" dirty="0"/>
+              <a:t>(5)</a:t>
+            </a:r>
+          </a:p>
+        </p:txBody>
+      </p:sp>
     </p:spTree>
     <p:extLst>
       <p:ext uri="{BB962C8B-B14F-4D97-AF65-F5344CB8AC3E}">
@@ -14791,7 +19627,7 @@
                             </p:stCondLst>
                             <p:childTnLst>
                               <p:par>
-                                <p:cTn id="5" presetID="10" presetClass="entr" presetSubtype="0" fill="hold" nodeType="afterEffect">
+                                <p:cTn id="5" presetID="10" presetClass="entr" presetSubtype="0" fill="hold" nodeType="withEffect">
                                   <p:stCondLst>
                                     <p:cond delay="0"/>
                                   </p:stCondLst>
@@ -14907,6 +19743,12 @@
             </a:r>
             <a:endParaRPr lang="en-GB" dirty="0"/>
           </a:p>
+          <a:p>
+            <a:r>
+              <a:rPr lang="en-GB" dirty="0"/>
+              <a:t>Software Development</a:t>
+            </a:r>
+          </a:p>
         </p:txBody>
       </p:sp>
       <p:sp>
@@ -14962,54 +19804,39 @@
           <a:p>
             <a:r>
               <a:rPr lang="en-GB" dirty="0"/>
-              <a:t>PCI Express interface</a:t>
+              <a:t>Python</a:t>
             </a:r>
           </a:p>
           <a:p>
             <a:r>
               <a:rPr lang="en-GB" dirty="0"/>
-              <a:t>Xilinx </a:t>
-            </a:r>
+              <a:t>Open source (GitHub)</a:t>
+            </a:r>
+          </a:p>
+          <a:p>
             <a:r>
               <a:rPr lang="en-GB" dirty="0" err="1"/>
-              <a:t>Virtex</a:t>
-            </a:r>
+              <a:t>setuptools</a:t>
+            </a:r>
+            <a:endParaRPr lang="en-GB" dirty="0"/>
+          </a:p>
+          <a:p>
             <a:r>
               <a:rPr lang="en-GB" dirty="0"/>
-              <a:t> / </a:t>
-            </a:r>
-            <a:r>
-              <a:rPr lang="en-GB" dirty="0" err="1"/>
-              <a:t>Kintex</a:t>
-            </a:r>
-            <a:endParaRPr lang="en-GB" dirty="0"/>
+              <a:t>click</a:t>
+            </a:r>
           </a:p>
           <a:p>
             <a:r>
               <a:rPr lang="en-GB" dirty="0"/>
-              <a:t>4 x 1Gbps – 10Gbps Ethernet</a:t>
+              <a:t>logging</a:t>
             </a:r>
           </a:p>
           <a:p>
             <a:r>
               <a:rPr lang="en-GB" dirty="0"/>
-              <a:t>Open source software</a:t>
-            </a:r>
-          </a:p>
-          <a:p>
-            <a:r>
-              <a:rPr lang="en-GB" dirty="0"/>
-              <a:t>1G, 10G, SUME, CML</a:t>
-            </a:r>
-          </a:p>
-          <a:p>
-            <a:r>
-              <a:rPr lang="en-GB" dirty="0"/>
-              <a:t>Standalone or integrated</a:t>
-            </a:r>
-          </a:p>
-          <a:p>
-            <a:endParaRPr lang="en-GB" dirty="0"/>
+              <a:t>git submodules</a:t>
+            </a:r>
           </a:p>
         </p:txBody>
       </p:sp>
@@ -15031,10 +19858,46 @@
         </p:nvSpPr>
         <p:spPr/>
       </p:sp>
+      <p:sp>
+        <p:nvSpPr>
+          <p:cNvPr id="6" name="TextBox 5">
+            <a:extLst>
+              <a:ext uri="{FF2B5EF4-FFF2-40B4-BE49-F238E27FC236}">
+                <a16:creationId xmlns:a16="http://schemas.microsoft.com/office/drawing/2014/main" id="{F6E715F5-95F9-406A-A809-40266D63F594}"/>
+              </a:ext>
+            </a:extLst>
+          </p:cNvPr>
+          <p:cNvSpPr txBox="1"/>
+          <p:nvPr/>
+        </p:nvSpPr>
+        <p:spPr>
+          <a:xfrm>
+            <a:off x="10086975" y="6443033"/>
+            <a:ext cx="2105025" cy="307777"/>
+          </a:xfrm>
+          <a:prstGeom prst="rect">
+            <a:avLst/>
+          </a:prstGeom>
+          <a:noFill/>
+        </p:spPr>
+        <p:txBody>
+          <a:bodyPr wrap="square" rtlCol="0">
+            <a:spAutoFit/>
+          </a:bodyPr>
+          <a:lstStyle/>
+          <a:p>
+            <a:pPr algn="r"/>
+            <a:r>
+              <a:rPr lang="en-GB" sz="1400" dirty="0"/>
+              <a:t>(6), (7), (8), (9)</a:t>
+            </a:r>
+          </a:p>
+        </p:txBody>
+      </p:sp>
     </p:spTree>
     <p:extLst>
       <p:ext uri="{BB962C8B-B14F-4D97-AF65-F5344CB8AC3E}">
-        <p14:creationId xmlns:p14="http://schemas.microsoft.com/office/powerpoint/2010/main" val="3033282814"/>
+        <p14:creationId xmlns:p14="http://schemas.microsoft.com/office/powerpoint/2010/main" val="1514473280"/>
       </p:ext>
     </p:extLst>
   </p:cSld>
@@ -15053,6 +19916,100 @@
       </p:transition>
     </mc:Fallback>
   </mc:AlternateContent>
+  <p:timing>
+    <p:tnLst>
+      <p:par>
+        <p:cTn id="1" dur="indefinite" restart="never" nodeType="tmRoot">
+          <p:childTnLst>
+            <p:seq concurrent="1" nextAc="seek">
+              <p:cTn id="2" dur="indefinite" nodeType="mainSeq">
+                <p:childTnLst>
+                  <p:par>
+                    <p:cTn id="3" fill="hold">
+                      <p:stCondLst>
+                        <p:cond delay="indefinite"/>
+                        <p:cond evt="onBegin" delay="0">
+                          <p:tn val="2"/>
+                        </p:cond>
+                      </p:stCondLst>
+                      <p:childTnLst>
+                        <p:par>
+                          <p:cTn id="4" fill="hold">
+                            <p:stCondLst>
+                              <p:cond delay="0"/>
+                            </p:stCondLst>
+                            <p:childTnLst>
+                              <p:par>
+                                <p:cTn id="5" presetID="10" presetClass="entr" presetSubtype="0" fill="hold" nodeType="withEffect">
+                                  <p:stCondLst>
+                                    <p:cond delay="0"/>
+                                  </p:stCondLst>
+                                  <p:childTnLst>
+                                    <p:set>
+                                      <p:cBhvr>
+                                        <p:cTn id="6" dur="1" fill="hold">
+                                          <p:stCondLst>
+                                            <p:cond delay="0"/>
+                                          </p:stCondLst>
+                                        </p:cTn>
+                                        <p:tgtEl>
+                                          <p:spTgt spid="2">
+                                            <p:txEl>
+                                              <p:pRg st="2" end="2"/>
+                                            </p:txEl>
+                                          </p:spTgt>
+                                        </p:tgtEl>
+                                        <p:attrNameLst>
+                                          <p:attrName>style.visibility</p:attrName>
+                                        </p:attrNameLst>
+                                      </p:cBhvr>
+                                      <p:to>
+                                        <p:strVal val="visible"/>
+                                      </p:to>
+                                    </p:set>
+                                    <p:animEffect transition="in" filter="fade">
+                                      <p:cBhvr>
+                                        <p:cTn id="7" dur="500"/>
+                                        <p:tgtEl>
+                                          <p:spTgt spid="2">
+                                            <p:txEl>
+                                              <p:pRg st="2" end="2"/>
+                                            </p:txEl>
+                                          </p:spTgt>
+                                        </p:tgtEl>
+                                      </p:cBhvr>
+                                    </p:animEffect>
+                                  </p:childTnLst>
+                                </p:cTn>
+                              </p:par>
+                            </p:childTnLst>
+                          </p:cTn>
+                        </p:par>
+                      </p:childTnLst>
+                    </p:cTn>
+                  </p:par>
+                </p:childTnLst>
+              </p:cTn>
+              <p:prevCondLst>
+                <p:cond evt="onPrev" delay="0">
+                  <p:tgtEl>
+                    <p:sldTgt/>
+                  </p:tgtEl>
+                </p:cond>
+              </p:prevCondLst>
+              <p:nextCondLst>
+                <p:cond evt="onNext" delay="0">
+                  <p:tgtEl>
+                    <p:sldTgt/>
+                  </p:tgtEl>
+                </p:cond>
+              </p:nextCondLst>
+            </p:seq>
+          </p:childTnLst>
+        </p:cTn>
+      </p:par>
+    </p:tnLst>
+  </p:timing>
 </p:sld>
 </file>
 
@@ -15078,7 +20035,7 @@
           <p:cNvPr id="2" name="Content Placeholder 1">
             <a:extLst>
               <a:ext uri="{FF2B5EF4-FFF2-40B4-BE49-F238E27FC236}">
-                <a16:creationId xmlns:a16="http://schemas.microsoft.com/office/drawing/2014/main" id="{5443E9CE-3E11-48DF-94E9-436782DA6785}"/>
+                <a16:creationId xmlns:a16="http://schemas.microsoft.com/office/drawing/2014/main" id="{1096CC21-4FED-4B52-9945-72D2A50610B9}"/>
               </a:ext>
             </a:extLst>
           </p:cNvPr>
@@ -15091,27 +20048,43 @@
         </p:nvSpPr>
         <p:spPr/>
         <p:txBody>
-          <a:bodyPr/>
+          <a:bodyPr>
+            <a:normAutofit/>
+          </a:bodyPr>
           <a:lstStyle/>
           <a:p>
             <a:r>
-              <a:rPr lang="en-GB" dirty="0" err="1"/>
-              <a:t>Mininet</a:t>
-            </a:r>
+              <a:rPr lang="en-US" dirty="0"/>
+              <a:t>Agile methodology ---------------------------</a:t>
+            </a:r>
+          </a:p>
+          <a:p>
+            <a:r>
+              <a:rPr lang="en-GB" dirty="0"/>
+              <a:t>Kanban Board --------------------------------</a:t>
+            </a:r>
+          </a:p>
+          <a:p>
+            <a:r>
+              <a:rPr lang="en-GB" dirty="0"/>
+              <a:t>Version control --------------------------------</a:t>
+            </a:r>
+          </a:p>
+          <a:p>
+            <a:r>
+              <a:rPr lang="en-GB" dirty="0"/>
+              <a:t>Weekly meetings with supervisor ----------</a:t>
+            </a:r>
+          </a:p>
+          <a:p>
+            <a:r>
+              <a:rPr lang="en-GB" dirty="0"/>
+              <a:t>Issues resolved quickly -----------------------</a:t>
+            </a:r>
+            <a:endParaRPr lang="en-US" dirty="0"/>
+          </a:p>
+          <a:p>
             <a:endParaRPr lang="en-GB" dirty="0"/>
-          </a:p>
-          <a:p>
-            <a:r>
-              <a:rPr lang="en-GB" dirty="0" err="1"/>
-              <a:t>NetFPGA</a:t>
-            </a:r>
-            <a:endParaRPr lang="en-GB" dirty="0"/>
-          </a:p>
-          <a:p>
-            <a:r>
-              <a:rPr lang="en-GB" dirty="0"/>
-              <a:t>Software Development</a:t>
-            </a:r>
           </a:p>
         </p:txBody>
       </p:sp>
@@ -15120,7 +20093,7 @@
           <p:cNvPr id="3" name="Title 2">
             <a:extLst>
               <a:ext uri="{FF2B5EF4-FFF2-40B4-BE49-F238E27FC236}">
-                <a16:creationId xmlns:a16="http://schemas.microsoft.com/office/drawing/2014/main" id="{8E82243A-E14E-4D3C-AF88-6C91F57F9003}"/>
+                <a16:creationId xmlns:a16="http://schemas.microsoft.com/office/drawing/2014/main" id="{FB5BED35-C2AC-474A-934A-98AE4F4D3E80}"/>
               </a:ext>
             </a:extLst>
           </p:cNvPr>
@@ -15140,7 +20113,7 @@
           <a:p>
             <a:r>
               <a:rPr lang="en-GB" dirty="0"/>
-              <a:t>Research and Implementation</a:t>
+              <a:t>Project Management</a:t>
             </a:r>
           </a:p>
         </p:txBody>
@@ -15150,7 +20123,7 @@
           <p:cNvPr id="4" name="Content Placeholder 3">
             <a:extLst>
               <a:ext uri="{FF2B5EF4-FFF2-40B4-BE49-F238E27FC236}">
-                <a16:creationId xmlns:a16="http://schemas.microsoft.com/office/drawing/2014/main" id="{10FC7FF2-5123-4047-A719-ECDFA55CC94B}"/>
+                <a16:creationId xmlns:a16="http://schemas.microsoft.com/office/drawing/2014/main" id="{F4A9EB92-E051-410D-989E-F5CDE34F7E99}"/>
               </a:ext>
             </a:extLst>
           </p:cNvPr>
@@ -15168,51 +20141,32 @@
           <a:p>
             <a:r>
               <a:rPr lang="en-GB" dirty="0"/>
-              <a:t>Python</a:t>
+              <a:t>Adaptive to change</a:t>
             </a:r>
           </a:p>
           <a:p>
             <a:r>
               <a:rPr lang="en-GB" dirty="0"/>
-              <a:t>Open source (GitHub)</a:t>
-            </a:r>
-          </a:p>
-          <a:p>
-            <a:r>
-              <a:rPr lang="en-GB" dirty="0" err="1"/>
-              <a:t>setuptools</a:t>
-            </a:r>
-            <a:endParaRPr lang="en-GB" dirty="0"/>
+              <a:t>Trello</a:t>
+            </a:r>
           </a:p>
           <a:p>
             <a:r>
               <a:rPr lang="en-GB" dirty="0"/>
-              <a:t>click</a:t>
+              <a:t>git</a:t>
             </a:r>
           </a:p>
           <a:p>
             <a:r>
               <a:rPr lang="en-GB" dirty="0"/>
-              <a:t>logging</a:t>
+              <a:t>Comparable to “scrums”</a:t>
             </a:r>
           </a:p>
           <a:p>
             <a:r>
               <a:rPr lang="en-GB" dirty="0"/>
-              <a:t>git submodules</a:t>
-            </a:r>
-          </a:p>
-          <a:p>
-            <a:endParaRPr lang="en-GB" dirty="0"/>
-          </a:p>
-          <a:p>
-            <a:endParaRPr lang="en-GB" dirty="0"/>
-          </a:p>
-          <a:p>
-            <a:endParaRPr lang="en-GB" dirty="0"/>
-          </a:p>
-          <a:p>
-            <a:endParaRPr lang="en-GB" dirty="0"/>
+              <a:t>Access to tools, licensing</a:t>
+            </a:r>
           </a:p>
         </p:txBody>
       </p:sp>
@@ -15221,7 +20175,7 @@
           <p:cNvPr id="5" name="Picture Placeholder 4">
             <a:extLst>
               <a:ext uri="{FF2B5EF4-FFF2-40B4-BE49-F238E27FC236}">
-                <a16:creationId xmlns:a16="http://schemas.microsoft.com/office/drawing/2014/main" id="{90E4CA59-09C7-434A-851A-126B71BBED6A}"/>
+                <a16:creationId xmlns:a16="http://schemas.microsoft.com/office/drawing/2014/main" id="{655E0AA9-E01E-470A-B017-30AD9583B826}"/>
               </a:ext>
             </a:extLst>
           </p:cNvPr>
@@ -15234,10 +20188,46 @@
         </p:nvSpPr>
         <p:spPr/>
       </p:sp>
+      <p:sp>
+        <p:nvSpPr>
+          <p:cNvPr id="6" name="TextBox 5">
+            <a:extLst>
+              <a:ext uri="{FF2B5EF4-FFF2-40B4-BE49-F238E27FC236}">
+                <a16:creationId xmlns:a16="http://schemas.microsoft.com/office/drawing/2014/main" id="{374AC4CD-2B2F-4858-8CC0-3EA7295B2917}"/>
+              </a:ext>
+            </a:extLst>
+          </p:cNvPr>
+          <p:cNvSpPr txBox="1"/>
+          <p:nvPr/>
+        </p:nvSpPr>
+        <p:spPr>
+          <a:xfrm>
+            <a:off x="10086975" y="6443033"/>
+            <a:ext cx="2105025" cy="307777"/>
+          </a:xfrm>
+          <a:prstGeom prst="rect">
+            <a:avLst/>
+          </a:prstGeom>
+          <a:noFill/>
+        </p:spPr>
+        <p:txBody>
+          <a:bodyPr wrap="square" rtlCol="0">
+            <a:spAutoFit/>
+          </a:bodyPr>
+          <a:lstStyle/>
+          <a:p>
+            <a:pPr algn="r"/>
+            <a:r>
+              <a:rPr lang="en-GB" sz="1400" dirty="0"/>
+              <a:t>(10), (11)</a:t>
+            </a:r>
+          </a:p>
+        </p:txBody>
+      </p:sp>
     </p:spTree>
     <p:extLst>
       <p:ext uri="{BB962C8B-B14F-4D97-AF65-F5344CB8AC3E}">
-        <p14:creationId xmlns:p14="http://schemas.microsoft.com/office/powerpoint/2010/main" val="1514473280"/>
+        <p14:creationId xmlns:p14="http://schemas.microsoft.com/office/powerpoint/2010/main" val="763078848"/>
       </p:ext>
     </p:extLst>
   </p:cSld>
@@ -15281,7 +20271,7 @@
           <p:cNvPr id="2" name="Content Placeholder 1">
             <a:extLst>
               <a:ext uri="{FF2B5EF4-FFF2-40B4-BE49-F238E27FC236}">
-                <a16:creationId xmlns:a16="http://schemas.microsoft.com/office/drawing/2014/main" id="{1096CC21-4FED-4B52-9945-72D2A50610B9}"/>
+                <a16:creationId xmlns:a16="http://schemas.microsoft.com/office/drawing/2014/main" id="{192549E1-3CA7-4340-9E2A-B167E268F82A}"/>
               </a:ext>
             </a:extLst>
           </p:cNvPr>
@@ -15294,40 +20284,13 @@
         </p:nvSpPr>
         <p:spPr/>
         <p:txBody>
-          <a:bodyPr>
-            <a:normAutofit/>
-          </a:bodyPr>
+          <a:bodyPr/>
           <a:lstStyle/>
           <a:p>
             <a:r>
-              <a:rPr lang="en-US" dirty="0"/>
-              <a:t>Agile methodology ---------------------------</a:t>
-            </a:r>
-          </a:p>
-          <a:p>
-            <a:r>
               <a:rPr lang="en-GB" dirty="0"/>
-              <a:t>Kanban Board --------------------------------</a:t>
-            </a:r>
-          </a:p>
-          <a:p>
-            <a:r>
-              <a:rPr lang="en-GB" dirty="0"/>
-              <a:t>Version control --------------------------------</a:t>
-            </a:r>
-          </a:p>
-          <a:p>
-            <a:r>
-              <a:rPr lang="en-GB" dirty="0"/>
-              <a:t>Weekly meetings with supervisor ----------</a:t>
-            </a:r>
-          </a:p>
-          <a:p>
-            <a:r>
-              <a:rPr lang="en-GB" dirty="0"/>
-              <a:t>Issues resolved quickly -----------------------</a:t>
-            </a:r>
-            <a:endParaRPr lang="en-US" dirty="0"/>
+              <a:t>Internet of Things (IoT)</a:t>
+            </a:r>
           </a:p>
           <a:p>
             <a:endParaRPr lang="en-GB" dirty="0"/>
@@ -15339,7 +20302,7 @@
           <p:cNvPr id="3" name="Title 2">
             <a:extLst>
               <a:ext uri="{FF2B5EF4-FFF2-40B4-BE49-F238E27FC236}">
-                <a16:creationId xmlns:a16="http://schemas.microsoft.com/office/drawing/2014/main" id="{FB5BED35-C2AC-474A-934A-98AE4F4D3E80}"/>
+                <a16:creationId xmlns:a16="http://schemas.microsoft.com/office/drawing/2014/main" id="{17695CE0-B4C7-4559-B159-47C7627669C7}"/>
               </a:ext>
             </a:extLst>
           </p:cNvPr>
@@ -15359,7 +20322,7 @@
           <a:p>
             <a:r>
               <a:rPr lang="en-GB" dirty="0"/>
-              <a:t>Project Management</a:t>
+              <a:t>Applications</a:t>
             </a:r>
           </a:p>
         </p:txBody>
@@ -15369,7 +20332,7 @@
           <p:cNvPr id="4" name="Content Placeholder 3">
             <a:extLst>
               <a:ext uri="{FF2B5EF4-FFF2-40B4-BE49-F238E27FC236}">
-                <a16:creationId xmlns:a16="http://schemas.microsoft.com/office/drawing/2014/main" id="{F4A9EB92-E051-410D-989E-F5CDE34F7E99}"/>
+                <a16:creationId xmlns:a16="http://schemas.microsoft.com/office/drawing/2014/main" id="{0356FB6F-306F-41DE-AA1A-546B9B5D117D}"/>
               </a:ext>
             </a:extLst>
           </p:cNvPr>
@@ -15387,31 +20350,25 @@
           <a:p>
             <a:r>
               <a:rPr lang="en-GB" dirty="0"/>
-              <a:t>Adaptive to change</a:t>
+              <a:t>Education</a:t>
             </a:r>
           </a:p>
           <a:p>
             <a:r>
               <a:rPr lang="en-GB" dirty="0"/>
-              <a:t>Trello</a:t>
+              <a:t>Healthcare</a:t>
             </a:r>
           </a:p>
           <a:p>
             <a:r>
               <a:rPr lang="en-GB" dirty="0"/>
-              <a:t>git</a:t>
+              <a:t>Military</a:t>
             </a:r>
           </a:p>
           <a:p>
             <a:r>
               <a:rPr lang="en-GB" dirty="0"/>
-              <a:t>Comparable to “scrums”</a:t>
-            </a:r>
-          </a:p>
-          <a:p>
-            <a:r>
-              <a:rPr lang="en-GB" dirty="0"/>
-              <a:t>Access to tools, licensing</a:t>
+              <a:t>Finance</a:t>
             </a:r>
           </a:p>
         </p:txBody>
@@ -15421,7 +20378,7 @@
           <p:cNvPr id="5" name="Picture Placeholder 4">
             <a:extLst>
               <a:ext uri="{FF2B5EF4-FFF2-40B4-BE49-F238E27FC236}">
-                <a16:creationId xmlns:a16="http://schemas.microsoft.com/office/drawing/2014/main" id="{655E0AA9-E01E-470A-B017-30AD9583B826}"/>
+                <a16:creationId xmlns:a16="http://schemas.microsoft.com/office/drawing/2014/main" id="{6A7F6F51-4974-4DA9-92A6-5CA03A992465}"/>
               </a:ext>
             </a:extLst>
           </p:cNvPr>
@@ -15437,7 +20394,7 @@
     </p:spTree>
     <p:extLst>
       <p:ext uri="{BB962C8B-B14F-4D97-AF65-F5344CB8AC3E}">
-        <p14:creationId xmlns:p14="http://schemas.microsoft.com/office/powerpoint/2010/main" val="763078848"/>
+        <p14:creationId xmlns:p14="http://schemas.microsoft.com/office/powerpoint/2010/main" val="1555244556"/>
       </p:ext>
     </p:extLst>
   </p:cSld>
@@ -15499,8 +20456,35 @@
           <a:p>
             <a:r>
               <a:rPr lang="en-GB" dirty="0"/>
-              <a:t>Get a graph</a:t>
-            </a:r>
+              <a:t>Operating Parameters:</a:t>
+            </a:r>
+          </a:p>
+          <a:p>
+            <a:r>
+              <a:rPr lang="en-GB" dirty="0"/>
+              <a:t>Latency: 1ms</a:t>
+            </a:r>
+          </a:p>
+          <a:p>
+            <a:r>
+              <a:rPr lang="en-GB" dirty="0"/>
+              <a:t>FPGA latency: 2ms</a:t>
+            </a:r>
+          </a:p>
+          <a:p>
+            <a:r>
+              <a:rPr lang="en-GB" dirty="0"/>
+              <a:t>Spread: 1 (vertical linear topology)</a:t>
+            </a:r>
+          </a:p>
+          <a:p>
+            <a:endParaRPr lang="en-GB" dirty="0"/>
+          </a:p>
+          <a:p>
+            <a:endParaRPr lang="en-GB" dirty="0"/>
+          </a:p>
+          <a:p>
+            <a:endParaRPr lang="en-GB" dirty="0"/>
           </a:p>
         </p:txBody>
       </p:sp>
@@ -15624,7 +20608,7 @@
           <p:cNvPr id="2" name="Content Placeholder 1">
             <a:extLst>
               <a:ext uri="{FF2B5EF4-FFF2-40B4-BE49-F238E27FC236}">
-                <a16:creationId xmlns:a16="http://schemas.microsoft.com/office/drawing/2014/main" id="{192549E1-3CA7-4340-9E2A-B167E268F82A}"/>
+                <a16:creationId xmlns:a16="http://schemas.microsoft.com/office/drawing/2014/main" id="{46992151-F785-420E-A220-06F8594B3F45}"/>
               </a:ext>
             </a:extLst>
           </p:cNvPr>
@@ -15635,15 +20619,49 @@
             <p:ph idx="1"/>
           </p:nvPr>
         </p:nvSpPr>
-        <p:spPr/>
-        <p:txBody>
-          <a:bodyPr/>
+        <p:spPr>
+          <a:xfrm>
+            <a:off x="401215" y="1483568"/>
+            <a:ext cx="4752676" cy="1945432"/>
+          </a:xfrm>
+        </p:spPr>
+        <p:txBody>
+          <a:bodyPr>
+            <a:normAutofit fontScale="70000" lnSpcReduction="20000"/>
+          </a:bodyPr>
           <a:lstStyle/>
           <a:p>
             <a:r>
               <a:rPr lang="en-GB" dirty="0"/>
-              <a:t>Internet of Things (IoT)</a:t>
-            </a:r>
+              <a:t>Operating Parameters:</a:t>
+            </a:r>
+          </a:p>
+          <a:p>
+            <a:r>
+              <a:rPr lang="en-GB" dirty="0"/>
+              <a:t>Latency: 1ms</a:t>
+            </a:r>
+          </a:p>
+          <a:p>
+            <a:r>
+              <a:rPr lang="en-GB" dirty="0"/>
+              <a:t>FPGA latency: 2ms</a:t>
+            </a:r>
+          </a:p>
+          <a:p>
+            <a:r>
+              <a:rPr lang="en-GB" dirty="0"/>
+              <a:t>Spread: 1 (vertical linear topology)</a:t>
+            </a:r>
+          </a:p>
+          <a:p>
+            <a:endParaRPr lang="en-GB" dirty="0"/>
+          </a:p>
+          <a:p>
+            <a:endParaRPr lang="en-GB" dirty="0"/>
+          </a:p>
+          <a:p>
+            <a:endParaRPr lang="en-GB" dirty="0"/>
           </a:p>
         </p:txBody>
       </p:sp>
@@ -15652,7 +20670,7 @@
           <p:cNvPr id="3" name="Title 2">
             <a:extLst>
               <a:ext uri="{FF2B5EF4-FFF2-40B4-BE49-F238E27FC236}">
-                <a16:creationId xmlns:a16="http://schemas.microsoft.com/office/drawing/2014/main" id="{17695CE0-B4C7-4559-B159-47C7627669C7}"/>
+                <a16:creationId xmlns:a16="http://schemas.microsoft.com/office/drawing/2014/main" id="{1FE397AE-10CC-4383-90CC-0173BE621FDB}"/>
               </a:ext>
             </a:extLst>
           </p:cNvPr>
@@ -15672,17 +20690,17 @@
           <a:p>
             <a:r>
               <a:rPr lang="en-GB" dirty="0"/>
-              <a:t>Applications</a:t>
-            </a:r>
-          </a:p>
-        </p:txBody>
-      </p:sp>
-      <p:sp>
-        <p:nvSpPr>
-          <p:cNvPr id="4" name="Content Placeholder 3">
+              <a:t>Model Results</a:t>
+            </a:r>
+          </a:p>
+        </p:txBody>
+      </p:sp>
+      <p:sp>
+        <p:nvSpPr>
+          <p:cNvPr id="5" name="Picture Placeholder 4">
             <a:extLst>
               <a:ext uri="{FF2B5EF4-FFF2-40B4-BE49-F238E27FC236}">
-                <a16:creationId xmlns:a16="http://schemas.microsoft.com/office/drawing/2014/main" id="{0356FB6F-306F-41DE-AA1A-546B9B5D117D}"/>
+                <a16:creationId xmlns:a16="http://schemas.microsoft.com/office/drawing/2014/main" id="{5A208FC8-1E47-44BF-B94F-53062A60F2A3}"/>
               </a:ext>
             </a:extLst>
           </p:cNvPr>
@@ -15690,69 +20708,60 @@
             <a:spLocks noGrp="1"/>
           </p:cNvSpPr>
           <p:nvPr>
-            <p:ph idx="10"/>
+            <p:ph type="pic" sz="quarter" idx="29"/>
           </p:nvPr>
         </p:nvSpPr>
         <p:spPr/>
-        <p:txBody>
-          <a:bodyPr/>
-          <a:lstStyle/>
-          <a:p>
-            <a:r>
-              <a:rPr lang="en-GB" dirty="0"/>
-              <a:t>Education</a:t>
-            </a:r>
-          </a:p>
-          <a:p>
-            <a:r>
-              <a:rPr lang="en-GB" dirty="0"/>
-              <a:t>Military</a:t>
-            </a:r>
-          </a:p>
-          <a:p>
-            <a:r>
-              <a:rPr lang="en-GB" dirty="0"/>
-              <a:t>Education</a:t>
-            </a:r>
-          </a:p>
-        </p:txBody>
-      </p:sp>
-      <p:sp>
-        <p:nvSpPr>
-          <p:cNvPr id="5" name="Picture Placeholder 4">
+      </p:sp>
+      <p:graphicFrame>
+        <p:nvGraphicFramePr>
+          <p:cNvPr id="10" name="Content Placeholder 9">
             <a:extLst>
               <a:ext uri="{FF2B5EF4-FFF2-40B4-BE49-F238E27FC236}">
-                <a16:creationId xmlns:a16="http://schemas.microsoft.com/office/drawing/2014/main" id="{6A7F6F51-4974-4DA9-92A6-5CA03A992465}"/>
+                <a16:creationId xmlns:a16="http://schemas.microsoft.com/office/drawing/2014/main" id="{70484A36-4803-448A-85EA-09E0D3585149}"/>
               </a:ext>
             </a:extLst>
           </p:cNvPr>
-          <p:cNvSpPr>
-            <a:spLocks noGrp="1"/>
-          </p:cNvSpPr>
-          <p:nvPr>
-            <p:ph type="pic" sz="quarter" idx="29"/>
-          </p:nvPr>
-        </p:nvSpPr>
-        <p:spPr/>
-      </p:sp>
+          <p:cNvGraphicFramePr>
+            <a:graphicFrameLocks noGrp="1"/>
+          </p:cNvGraphicFramePr>
+          <p:nvPr>
+            <p:ph idx="10"/>
+            <p:extLst>
+              <p:ext uri="{D42A27DB-BD31-4B8C-83A1-F6EECF244321}">
+                <p14:modId xmlns:p14="http://schemas.microsoft.com/office/powerpoint/2010/main" val="490240584"/>
+              </p:ext>
+            </p:extLst>
+          </p:nvPr>
+        </p:nvGraphicFramePr>
+        <p:xfrm>
+          <a:off x="3906983" y="1484313"/>
+          <a:ext cx="7924656" cy="4235450"/>
+        </p:xfrm>
+        <a:graphic>
+          <a:graphicData uri="http://schemas.openxmlformats.org/drawingml/2006/chart">
+            <c:chart xmlns:c="http://schemas.openxmlformats.org/drawingml/2006/chart" xmlns:r="http://schemas.openxmlformats.org/officeDocument/2006/relationships" r:id="rId3"/>
+          </a:graphicData>
+        </a:graphic>
+      </p:graphicFrame>
     </p:spTree>
     <p:extLst>
       <p:ext uri="{BB962C8B-B14F-4D97-AF65-F5344CB8AC3E}">
-        <p14:creationId xmlns:p14="http://schemas.microsoft.com/office/powerpoint/2010/main" val="1555244556"/>
+        <p14:creationId xmlns:p14="http://schemas.microsoft.com/office/powerpoint/2010/main" val="1558794975"/>
       </p:ext>
     </p:extLst>
   </p:cSld>
   <p:clrMapOvr>
     <a:masterClrMapping/>
   </p:clrMapOvr>
-  <mc:AlternateContent xmlns:mc="http://schemas.openxmlformats.org/markup-compatibility/2006" xmlns:p14="http://schemas.microsoft.com/office/powerpoint/2010/main">
-    <mc:Choice Requires="p14">
-      <p:transition p14:dur="300">
-        <p:fade/>
+  <mc:AlternateContent xmlns:mc="http://schemas.openxmlformats.org/markup-compatibility/2006" xmlns:p159="http://schemas.microsoft.com/office/powerpoint/2015/09/main">
+    <mc:Choice Requires="p159">
+      <p:transition xmlns:p14="http://schemas.microsoft.com/office/powerpoint/2010/main" spd="slow" p14:dur="2000">
+        <p159:morph option="byObject"/>
       </p:transition>
     </mc:Choice>
     <mc:Fallback xmlns="">
-      <p:transition>
+      <p:transition spd="slow">
         <p:fade/>
       </p:transition>
     </mc:Fallback>
@@ -15793,9 +20802,16 @@
             <p:ph idx="1"/>
           </p:nvPr>
         </p:nvSpPr>
-        <p:spPr/>
-        <p:txBody>
-          <a:bodyPr/>
+        <p:spPr>
+          <a:xfrm>
+            <a:off x="401216" y="1483567"/>
+            <a:ext cx="5617030" cy="3489649"/>
+          </a:xfrm>
+        </p:spPr>
+        <p:txBody>
+          <a:bodyPr>
+            <a:normAutofit fontScale="85000" lnSpcReduction="10000"/>
+          </a:bodyPr>
           <a:lstStyle/>
           <a:p>
             <a:pPr marL="0" indent="0">
@@ -15807,27 +20823,36 @@
             </a:r>
           </a:p>
           <a:p>
+            <a:pPr marL="0" indent="0">
+              <a:buNone/>
+            </a:pPr>
             <a:r>
               <a:rPr lang="en-GB" dirty="0"/>
-              <a:t>Flexible Logic ---------------------------------</a:t>
+              <a:t>Can be seen as alternative to ASIC</a:t>
             </a:r>
           </a:p>
           <a:p>
             <a:r>
               <a:rPr lang="en-GB" dirty="0"/>
-              <a:t>Flexible routing -------------------------------</a:t>
+              <a:t>Flexible Logic -------------------------------------------</a:t>
             </a:r>
           </a:p>
           <a:p>
             <a:r>
               <a:rPr lang="en-GB" dirty="0"/>
-              <a:t>Flexible IO ------------------------------------</a:t>
+              <a:t>Flexible routing -----------------------------------------</a:t>
             </a:r>
           </a:p>
           <a:p>
             <a:r>
               <a:rPr lang="en-GB" dirty="0"/>
-              <a:t>Embedded hard modules --------------------</a:t>
+              <a:t>Flexible IO -----------------------------------------------</a:t>
+            </a:r>
+          </a:p>
+          <a:p>
+            <a:r>
+              <a:rPr lang="en-GB" dirty="0"/>
+              <a:t>Embedded hard modules ------------------------------</a:t>
             </a:r>
           </a:p>
         </p:txBody>
@@ -15896,9 +20921,16 @@
             <p:ph idx="10"/>
           </p:nvPr>
         </p:nvSpPr>
-        <p:spPr/>
-        <p:txBody>
-          <a:bodyPr/>
+        <p:spPr>
+          <a:xfrm>
+            <a:off x="6214186" y="1483566"/>
+            <a:ext cx="5617030" cy="3489649"/>
+          </a:xfrm>
+        </p:spPr>
+        <p:txBody>
+          <a:bodyPr>
+            <a:normAutofit fontScale="85000" lnSpcReduction="10000"/>
+          </a:bodyPr>
           <a:lstStyle/>
           <a:p>
             <a:pPr marL="0" indent="0">
@@ -15907,6 +20939,15 @@
             <a:endParaRPr lang="en-GB" dirty="0"/>
           </a:p>
           <a:p>
+            <a:pPr marL="0" indent="0">
+              <a:buNone/>
+            </a:pPr>
+            <a:r>
+              <a:rPr lang="en-GB" dirty="0"/>
+              <a:t>Application-Specific Integrated Circuit</a:t>
+            </a:r>
+          </a:p>
+          <a:p>
             <a:r>
               <a:rPr lang="en-GB" dirty="0"/>
               <a:t>LUTs</a:t>
@@ -15928,6 +20969,364 @@
             <a:r>
               <a:rPr lang="en-GB" dirty="0"/>
               <a:t>Block memory, DSP blocks</a:t>
+            </a:r>
+          </a:p>
+        </p:txBody>
+      </p:sp>
+      <p:cxnSp>
+        <p:nvCxnSpPr>
+          <p:cNvPr id="6" name="Straight Arrow Connector 5">
+            <a:extLst>
+              <a:ext uri="{FF2B5EF4-FFF2-40B4-BE49-F238E27FC236}">
+                <a16:creationId xmlns:a16="http://schemas.microsoft.com/office/drawing/2014/main" id="{105F2559-4D79-4738-A5E7-70A62B2906C8}"/>
+              </a:ext>
+            </a:extLst>
+          </p:cNvPr>
+          <p:cNvCxnSpPr>
+            <a:cxnSpLocks/>
+          </p:cNvCxnSpPr>
+          <p:nvPr/>
+        </p:nvCxnSpPr>
+        <p:spPr>
+          <a:xfrm>
+            <a:off x="1129364" y="6015754"/>
+            <a:ext cx="9933272" cy="0"/>
+          </a:xfrm>
+          <a:prstGeom prst="straightConnector1">
+            <a:avLst/>
+          </a:prstGeom>
+          <a:ln w="38100" cap="flat" cmpd="sng" algn="ctr">
+            <a:solidFill>
+              <a:schemeClr val="accent4"/>
+            </a:solidFill>
+            <a:prstDash val="solid"/>
+            <a:round/>
+            <a:headEnd type="arrow" w="med" len="med"/>
+            <a:tailEnd type="arrow" w="med" len="med"/>
+          </a:ln>
+        </p:spPr>
+        <p:style>
+          <a:lnRef idx="0">
+            <a:scrgbClr r="0" g="0" b="0"/>
+          </a:lnRef>
+          <a:fillRef idx="0">
+            <a:scrgbClr r="0" g="0" b="0"/>
+          </a:fillRef>
+          <a:effectRef idx="0">
+            <a:scrgbClr r="0" g="0" b="0"/>
+          </a:effectRef>
+          <a:fontRef idx="minor">
+            <a:schemeClr val="tx1"/>
+          </a:fontRef>
+        </p:style>
+      </p:cxnSp>
+      <p:sp>
+        <p:nvSpPr>
+          <p:cNvPr id="7" name="TextBox 6">
+            <a:extLst>
+              <a:ext uri="{FF2B5EF4-FFF2-40B4-BE49-F238E27FC236}">
+                <a16:creationId xmlns:a16="http://schemas.microsoft.com/office/drawing/2014/main" id="{D89624AA-AD72-4F05-8108-84D18DF56E5B}"/>
+              </a:ext>
+            </a:extLst>
+          </p:cNvPr>
+          <p:cNvSpPr txBox="1"/>
+          <p:nvPr/>
+        </p:nvSpPr>
+        <p:spPr>
+          <a:xfrm>
+            <a:off x="1129364" y="5475850"/>
+            <a:ext cx="904775" cy="369332"/>
+          </a:xfrm>
+          <a:prstGeom prst="rect">
+            <a:avLst/>
+          </a:prstGeom>
+          <a:noFill/>
+        </p:spPr>
+        <p:txBody>
+          <a:bodyPr wrap="square" rtlCol="0">
+            <a:spAutoFit/>
+          </a:bodyPr>
+          <a:lstStyle/>
+          <a:p>
+            <a:r>
+              <a:rPr lang="en-GB" dirty="0">
+                <a:solidFill>
+                  <a:schemeClr val="accent4"/>
+                </a:solidFill>
+              </a:rPr>
+              <a:t>Fast</a:t>
+            </a:r>
+          </a:p>
+        </p:txBody>
+      </p:sp>
+      <p:sp>
+        <p:nvSpPr>
+          <p:cNvPr id="8" name="TextBox 7">
+            <a:extLst>
+              <a:ext uri="{FF2B5EF4-FFF2-40B4-BE49-F238E27FC236}">
+                <a16:creationId xmlns:a16="http://schemas.microsoft.com/office/drawing/2014/main" id="{835684AA-8393-411E-B2F6-6A978CEBB146}"/>
+              </a:ext>
+            </a:extLst>
+          </p:cNvPr>
+          <p:cNvSpPr txBox="1"/>
+          <p:nvPr/>
+        </p:nvSpPr>
+        <p:spPr>
+          <a:xfrm>
+            <a:off x="10157861" y="5475135"/>
+            <a:ext cx="904775" cy="369332"/>
+          </a:xfrm>
+          <a:prstGeom prst="rect">
+            <a:avLst/>
+          </a:prstGeom>
+          <a:noFill/>
+        </p:spPr>
+        <p:txBody>
+          <a:bodyPr wrap="square" rtlCol="0">
+            <a:spAutoFit/>
+          </a:bodyPr>
+          <a:lstStyle/>
+          <a:p>
+            <a:pPr algn="r"/>
+            <a:r>
+              <a:rPr lang="en-GB" dirty="0">
+                <a:solidFill>
+                  <a:schemeClr val="accent4"/>
+                </a:solidFill>
+              </a:rPr>
+              <a:t>Slow</a:t>
+            </a:r>
+          </a:p>
+        </p:txBody>
+      </p:sp>
+      <p:sp>
+        <p:nvSpPr>
+          <p:cNvPr id="10" name="TextBox 9">
+            <a:extLst>
+              <a:ext uri="{FF2B5EF4-FFF2-40B4-BE49-F238E27FC236}">
+                <a16:creationId xmlns:a16="http://schemas.microsoft.com/office/drawing/2014/main" id="{4BB9D8A5-5EFC-4B16-96B6-AF33DCF2D213}"/>
+              </a:ext>
+            </a:extLst>
+          </p:cNvPr>
+          <p:cNvSpPr txBox="1"/>
+          <p:nvPr/>
+        </p:nvSpPr>
+        <p:spPr>
+          <a:xfrm>
+            <a:off x="1129364" y="5204468"/>
+            <a:ext cx="904775" cy="369332"/>
+          </a:xfrm>
+          <a:prstGeom prst="rect">
+            <a:avLst/>
+          </a:prstGeom>
+          <a:noFill/>
+        </p:spPr>
+        <p:txBody>
+          <a:bodyPr wrap="square" rtlCol="0">
+            <a:spAutoFit/>
+          </a:bodyPr>
+          <a:lstStyle/>
+          <a:p>
+            <a:r>
+              <a:rPr lang="en-GB" dirty="0">
+                <a:solidFill>
+                  <a:schemeClr val="accent4"/>
+                </a:solidFill>
+              </a:rPr>
+              <a:t>Static</a:t>
+            </a:r>
+          </a:p>
+        </p:txBody>
+      </p:sp>
+      <p:sp>
+        <p:nvSpPr>
+          <p:cNvPr id="11" name="TextBox 10">
+            <a:extLst>
+              <a:ext uri="{FF2B5EF4-FFF2-40B4-BE49-F238E27FC236}">
+                <a16:creationId xmlns:a16="http://schemas.microsoft.com/office/drawing/2014/main" id="{B701E9D4-C015-45CC-A2F7-F825C35A8F34}"/>
+              </a:ext>
+            </a:extLst>
+          </p:cNvPr>
+          <p:cNvSpPr txBox="1"/>
+          <p:nvPr/>
+        </p:nvSpPr>
+        <p:spPr>
+          <a:xfrm>
+            <a:off x="10157861" y="5203753"/>
+            <a:ext cx="904775" cy="369332"/>
+          </a:xfrm>
+          <a:prstGeom prst="rect">
+            <a:avLst/>
+          </a:prstGeom>
+          <a:noFill/>
+        </p:spPr>
+        <p:txBody>
+          <a:bodyPr wrap="square" rtlCol="0">
+            <a:spAutoFit/>
+          </a:bodyPr>
+          <a:lstStyle/>
+          <a:p>
+            <a:pPr algn="r"/>
+            <a:r>
+              <a:rPr lang="en-GB" dirty="0">
+                <a:solidFill>
+                  <a:schemeClr val="accent4"/>
+                </a:solidFill>
+              </a:rPr>
+              <a:t>Flexible</a:t>
+            </a:r>
+          </a:p>
+        </p:txBody>
+      </p:sp>
+      <p:sp>
+        <p:nvSpPr>
+          <p:cNvPr id="12" name="TextBox 11">
+            <a:extLst>
+              <a:ext uri="{FF2B5EF4-FFF2-40B4-BE49-F238E27FC236}">
+                <a16:creationId xmlns:a16="http://schemas.microsoft.com/office/drawing/2014/main" id="{8F16932A-F06E-40E7-95A6-82E17EA25A33}"/>
+              </a:ext>
+            </a:extLst>
+          </p:cNvPr>
+          <p:cNvSpPr txBox="1"/>
+          <p:nvPr/>
+        </p:nvSpPr>
+        <p:spPr>
+          <a:xfrm>
+            <a:off x="2006083" y="6067320"/>
+            <a:ext cx="904775" cy="400110"/>
+          </a:xfrm>
+          <a:prstGeom prst="rect">
+            <a:avLst/>
+          </a:prstGeom>
+          <a:noFill/>
+        </p:spPr>
+        <p:txBody>
+          <a:bodyPr wrap="square" rtlCol="0">
+            <a:spAutoFit/>
+          </a:bodyPr>
+          <a:lstStyle/>
+          <a:p>
+            <a:r>
+              <a:rPr lang="en-GB" sz="2000" u="sng" dirty="0">
+                <a:solidFill>
+                  <a:schemeClr val="bg2"/>
+                </a:solidFill>
+              </a:rPr>
+              <a:t>ASIC</a:t>
+            </a:r>
+          </a:p>
+        </p:txBody>
+      </p:sp>
+      <p:sp>
+        <p:nvSpPr>
+          <p:cNvPr id="13" name="TextBox 12">
+            <a:extLst>
+              <a:ext uri="{FF2B5EF4-FFF2-40B4-BE49-F238E27FC236}">
+                <a16:creationId xmlns:a16="http://schemas.microsoft.com/office/drawing/2014/main" id="{2BC34746-4F71-4CDC-BBB2-B85035458453}"/>
+              </a:ext>
+            </a:extLst>
+          </p:cNvPr>
+          <p:cNvSpPr txBox="1"/>
+          <p:nvPr/>
+        </p:nvSpPr>
+        <p:spPr>
+          <a:xfrm>
+            <a:off x="5644808" y="6067320"/>
+            <a:ext cx="904775" cy="400110"/>
+          </a:xfrm>
+          <a:prstGeom prst="rect">
+            <a:avLst/>
+          </a:prstGeom>
+          <a:noFill/>
+        </p:spPr>
+        <p:txBody>
+          <a:bodyPr wrap="square" rtlCol="0">
+            <a:spAutoFit/>
+          </a:bodyPr>
+          <a:lstStyle/>
+          <a:p>
+            <a:r>
+              <a:rPr lang="en-GB" sz="2000" u="sng" dirty="0">
+                <a:solidFill>
+                  <a:schemeClr val="bg2"/>
+                </a:solidFill>
+              </a:rPr>
+              <a:t>FPGA</a:t>
+            </a:r>
+          </a:p>
+        </p:txBody>
+      </p:sp>
+      <p:sp>
+        <p:nvSpPr>
+          <p:cNvPr id="14" name="TextBox 13">
+            <a:extLst>
+              <a:ext uri="{FF2B5EF4-FFF2-40B4-BE49-F238E27FC236}">
+                <a16:creationId xmlns:a16="http://schemas.microsoft.com/office/drawing/2014/main" id="{F0020DA5-6B9A-4C90-962E-1BE6F6B69984}"/>
+              </a:ext>
+            </a:extLst>
+          </p:cNvPr>
+          <p:cNvSpPr txBox="1"/>
+          <p:nvPr/>
+        </p:nvSpPr>
+        <p:spPr>
+          <a:xfrm>
+            <a:off x="9283532" y="6093996"/>
+            <a:ext cx="904775" cy="400110"/>
+          </a:xfrm>
+          <a:prstGeom prst="rect">
+            <a:avLst/>
+          </a:prstGeom>
+          <a:noFill/>
+        </p:spPr>
+        <p:txBody>
+          <a:bodyPr wrap="square" rtlCol="0">
+            <a:spAutoFit/>
+          </a:bodyPr>
+          <a:lstStyle/>
+          <a:p>
+            <a:r>
+              <a:rPr lang="en-GB" sz="2000" u="sng" dirty="0">
+                <a:solidFill>
+                  <a:schemeClr val="bg2"/>
+                </a:solidFill>
+              </a:rPr>
+              <a:t>CPU</a:t>
+            </a:r>
+          </a:p>
+        </p:txBody>
+      </p:sp>
+      <p:sp>
+        <p:nvSpPr>
+          <p:cNvPr id="15" name="TextBox 14">
+            <a:extLst>
+              <a:ext uri="{FF2B5EF4-FFF2-40B4-BE49-F238E27FC236}">
+                <a16:creationId xmlns:a16="http://schemas.microsoft.com/office/drawing/2014/main" id="{FA8A8E48-B47C-460F-B723-A8D7F3DB3DC2}"/>
+              </a:ext>
+            </a:extLst>
+          </p:cNvPr>
+          <p:cNvSpPr txBox="1"/>
+          <p:nvPr/>
+        </p:nvSpPr>
+        <p:spPr>
+          <a:xfrm>
+            <a:off x="11383478" y="6443033"/>
+            <a:ext cx="808522" cy="307777"/>
+          </a:xfrm>
+          <a:prstGeom prst="rect">
+            <a:avLst/>
+          </a:prstGeom>
+          <a:noFill/>
+        </p:spPr>
+        <p:txBody>
+          <a:bodyPr wrap="square" rtlCol="0">
+            <a:spAutoFit/>
+          </a:bodyPr>
+          <a:lstStyle/>
+          <a:p>
+            <a:pPr algn="r"/>
+            <a:r>
+              <a:rPr lang="en-GB" sz="1400" dirty="0"/>
+              <a:t>(1)</a:t>
             </a:r>
           </a:p>
         </p:txBody>
@@ -15935,7 +21334,513 @@
     </p:spTree>
     <p:extLst>
       <p:ext uri="{BB962C8B-B14F-4D97-AF65-F5344CB8AC3E}">
-        <p14:creationId xmlns:p14="http://schemas.microsoft.com/office/powerpoint/2010/main" val="749469514"/>
+        <p14:creationId xmlns:p14="http://schemas.microsoft.com/office/powerpoint/2010/main" val="856213916"/>
+      </p:ext>
+    </p:extLst>
+  </p:cSld>
+  <p:clrMapOvr>
+    <a:masterClrMapping/>
+  </p:clrMapOvr>
+  <mc:AlternateContent xmlns:mc="http://schemas.openxmlformats.org/markup-compatibility/2006" xmlns:p14="http://schemas.microsoft.com/office/powerpoint/2010/main">
+    <mc:Choice Requires="p14">
+      <p:transition p14:dur="300">
+        <p:fade/>
+      </p:transition>
+    </mc:Choice>
+    <mc:Fallback xmlns="">
+      <p:transition>
+        <p:fade/>
+      </p:transition>
+    </mc:Fallback>
+  </mc:AlternateContent>
+  <p:timing>
+    <p:tnLst>
+      <p:par>
+        <p:cTn id="1" dur="indefinite" restart="never" nodeType="tmRoot">
+          <p:childTnLst>
+            <p:seq concurrent="1" nextAc="seek">
+              <p:cTn id="2" dur="indefinite" nodeType="mainSeq">
+                <p:childTnLst>
+                  <p:par>
+                    <p:cTn id="3" fill="hold">
+                      <p:stCondLst>
+                        <p:cond delay="indefinite"/>
+                      </p:stCondLst>
+                      <p:childTnLst>
+                        <p:par>
+                          <p:cTn id="4" fill="hold">
+                            <p:stCondLst>
+                              <p:cond delay="0"/>
+                            </p:stCondLst>
+                            <p:childTnLst>
+                              <p:par>
+                                <p:cTn id="5" presetID="10" presetClass="entr" presetSubtype="0" fill="hold" grpId="0" nodeType="clickEffect">
+                                  <p:stCondLst>
+                                    <p:cond delay="0"/>
+                                  </p:stCondLst>
+                                  <p:childTnLst>
+                                    <p:set>
+                                      <p:cBhvr>
+                                        <p:cTn id="6" dur="1" fill="hold">
+                                          <p:stCondLst>
+                                            <p:cond delay="0"/>
+                                          </p:stCondLst>
+                                        </p:cTn>
+                                        <p:tgtEl>
+                                          <p:spTgt spid="7"/>
+                                        </p:tgtEl>
+                                        <p:attrNameLst>
+                                          <p:attrName>style.visibility</p:attrName>
+                                        </p:attrNameLst>
+                                      </p:cBhvr>
+                                      <p:to>
+                                        <p:strVal val="visible"/>
+                                      </p:to>
+                                    </p:set>
+                                    <p:animEffect transition="in" filter="fade">
+                                      <p:cBhvr>
+                                        <p:cTn id="7" dur="500"/>
+                                        <p:tgtEl>
+                                          <p:spTgt spid="7"/>
+                                        </p:tgtEl>
+                                      </p:cBhvr>
+                                    </p:animEffect>
+                                  </p:childTnLst>
+                                </p:cTn>
+                              </p:par>
+                              <p:par>
+                                <p:cTn id="8" presetID="10" presetClass="entr" presetSubtype="0" fill="hold" grpId="0" nodeType="withEffect">
+                                  <p:stCondLst>
+                                    <p:cond delay="0"/>
+                                  </p:stCondLst>
+                                  <p:childTnLst>
+                                    <p:set>
+                                      <p:cBhvr>
+                                        <p:cTn id="9" dur="1" fill="hold">
+                                          <p:stCondLst>
+                                            <p:cond delay="0"/>
+                                          </p:stCondLst>
+                                        </p:cTn>
+                                        <p:tgtEl>
+                                          <p:spTgt spid="12"/>
+                                        </p:tgtEl>
+                                        <p:attrNameLst>
+                                          <p:attrName>style.visibility</p:attrName>
+                                        </p:attrNameLst>
+                                      </p:cBhvr>
+                                      <p:to>
+                                        <p:strVal val="visible"/>
+                                      </p:to>
+                                    </p:set>
+                                    <p:animEffect transition="in" filter="fade">
+                                      <p:cBhvr>
+                                        <p:cTn id="10" dur="500"/>
+                                        <p:tgtEl>
+                                          <p:spTgt spid="12"/>
+                                        </p:tgtEl>
+                                      </p:cBhvr>
+                                    </p:animEffect>
+                                  </p:childTnLst>
+                                </p:cTn>
+                              </p:par>
+                              <p:par>
+                                <p:cTn id="11" presetID="10" presetClass="entr" presetSubtype="0" fill="hold" nodeType="withEffect">
+                                  <p:stCondLst>
+                                    <p:cond delay="0"/>
+                                  </p:stCondLst>
+                                  <p:childTnLst>
+                                    <p:set>
+                                      <p:cBhvr>
+                                        <p:cTn id="12" dur="1" fill="hold">
+                                          <p:stCondLst>
+                                            <p:cond delay="0"/>
+                                          </p:stCondLst>
+                                        </p:cTn>
+                                        <p:tgtEl>
+                                          <p:spTgt spid="6"/>
+                                        </p:tgtEl>
+                                        <p:attrNameLst>
+                                          <p:attrName>style.visibility</p:attrName>
+                                        </p:attrNameLst>
+                                      </p:cBhvr>
+                                      <p:to>
+                                        <p:strVal val="visible"/>
+                                      </p:to>
+                                    </p:set>
+                                    <p:animEffect transition="in" filter="fade">
+                                      <p:cBhvr>
+                                        <p:cTn id="13" dur="500"/>
+                                        <p:tgtEl>
+                                          <p:spTgt spid="6"/>
+                                        </p:tgtEl>
+                                      </p:cBhvr>
+                                    </p:animEffect>
+                                  </p:childTnLst>
+                                </p:cTn>
+                              </p:par>
+                              <p:par>
+                                <p:cTn id="14" presetID="10" presetClass="entr" presetSubtype="0" fill="hold" grpId="0" nodeType="withEffect">
+                                  <p:stCondLst>
+                                    <p:cond delay="0"/>
+                                  </p:stCondLst>
+                                  <p:childTnLst>
+                                    <p:set>
+                                      <p:cBhvr>
+                                        <p:cTn id="15" dur="1" fill="hold">
+                                          <p:stCondLst>
+                                            <p:cond delay="0"/>
+                                          </p:stCondLst>
+                                        </p:cTn>
+                                        <p:tgtEl>
+                                          <p:spTgt spid="13"/>
+                                        </p:tgtEl>
+                                        <p:attrNameLst>
+                                          <p:attrName>style.visibility</p:attrName>
+                                        </p:attrNameLst>
+                                      </p:cBhvr>
+                                      <p:to>
+                                        <p:strVal val="visible"/>
+                                      </p:to>
+                                    </p:set>
+                                    <p:animEffect transition="in" filter="fade">
+                                      <p:cBhvr>
+                                        <p:cTn id="16" dur="500"/>
+                                        <p:tgtEl>
+                                          <p:spTgt spid="13"/>
+                                        </p:tgtEl>
+                                      </p:cBhvr>
+                                    </p:animEffect>
+                                  </p:childTnLst>
+                                </p:cTn>
+                              </p:par>
+                              <p:par>
+                                <p:cTn id="17" presetID="10" presetClass="entr" presetSubtype="0" fill="hold" grpId="0" nodeType="withEffect">
+                                  <p:stCondLst>
+                                    <p:cond delay="0"/>
+                                  </p:stCondLst>
+                                  <p:childTnLst>
+                                    <p:set>
+                                      <p:cBhvr>
+                                        <p:cTn id="18" dur="1" fill="hold">
+                                          <p:stCondLst>
+                                            <p:cond delay="0"/>
+                                          </p:stCondLst>
+                                        </p:cTn>
+                                        <p:tgtEl>
+                                          <p:spTgt spid="14"/>
+                                        </p:tgtEl>
+                                        <p:attrNameLst>
+                                          <p:attrName>style.visibility</p:attrName>
+                                        </p:attrNameLst>
+                                      </p:cBhvr>
+                                      <p:to>
+                                        <p:strVal val="visible"/>
+                                      </p:to>
+                                    </p:set>
+                                    <p:animEffect transition="in" filter="fade">
+                                      <p:cBhvr>
+                                        <p:cTn id="19" dur="500"/>
+                                        <p:tgtEl>
+                                          <p:spTgt spid="14"/>
+                                        </p:tgtEl>
+                                      </p:cBhvr>
+                                    </p:animEffect>
+                                  </p:childTnLst>
+                                </p:cTn>
+                              </p:par>
+                              <p:par>
+                                <p:cTn id="20" presetID="10" presetClass="entr" presetSubtype="0" fill="hold" grpId="0" nodeType="withEffect">
+                                  <p:stCondLst>
+                                    <p:cond delay="0"/>
+                                  </p:stCondLst>
+                                  <p:childTnLst>
+                                    <p:set>
+                                      <p:cBhvr>
+                                        <p:cTn id="21" dur="1" fill="hold">
+                                          <p:stCondLst>
+                                            <p:cond delay="0"/>
+                                          </p:stCondLst>
+                                        </p:cTn>
+                                        <p:tgtEl>
+                                          <p:spTgt spid="8"/>
+                                        </p:tgtEl>
+                                        <p:attrNameLst>
+                                          <p:attrName>style.visibility</p:attrName>
+                                        </p:attrNameLst>
+                                      </p:cBhvr>
+                                      <p:to>
+                                        <p:strVal val="visible"/>
+                                      </p:to>
+                                    </p:set>
+                                    <p:animEffect transition="in" filter="fade">
+                                      <p:cBhvr>
+                                        <p:cTn id="22" dur="500"/>
+                                        <p:tgtEl>
+                                          <p:spTgt spid="8"/>
+                                        </p:tgtEl>
+                                      </p:cBhvr>
+                                    </p:animEffect>
+                                  </p:childTnLst>
+                                </p:cTn>
+                              </p:par>
+                            </p:childTnLst>
+                          </p:cTn>
+                        </p:par>
+                      </p:childTnLst>
+                    </p:cTn>
+                  </p:par>
+                  <p:par>
+                    <p:cTn id="23" fill="hold">
+                      <p:stCondLst>
+                        <p:cond delay="indefinite"/>
+                      </p:stCondLst>
+                      <p:childTnLst>
+                        <p:par>
+                          <p:cTn id="24" fill="hold">
+                            <p:stCondLst>
+                              <p:cond delay="0"/>
+                            </p:stCondLst>
+                            <p:childTnLst>
+                              <p:par>
+                                <p:cTn id="25" presetID="10" presetClass="entr" presetSubtype="0" fill="hold" grpId="0" nodeType="clickEffect">
+                                  <p:stCondLst>
+                                    <p:cond delay="0"/>
+                                  </p:stCondLst>
+                                  <p:childTnLst>
+                                    <p:set>
+                                      <p:cBhvr>
+                                        <p:cTn id="26" dur="1" fill="hold">
+                                          <p:stCondLst>
+                                            <p:cond delay="0"/>
+                                          </p:stCondLst>
+                                        </p:cTn>
+                                        <p:tgtEl>
+                                          <p:spTgt spid="11"/>
+                                        </p:tgtEl>
+                                        <p:attrNameLst>
+                                          <p:attrName>style.visibility</p:attrName>
+                                        </p:attrNameLst>
+                                      </p:cBhvr>
+                                      <p:to>
+                                        <p:strVal val="visible"/>
+                                      </p:to>
+                                    </p:set>
+                                    <p:animEffect transition="in" filter="fade">
+                                      <p:cBhvr>
+                                        <p:cTn id="27" dur="500"/>
+                                        <p:tgtEl>
+                                          <p:spTgt spid="11"/>
+                                        </p:tgtEl>
+                                      </p:cBhvr>
+                                    </p:animEffect>
+                                  </p:childTnLst>
+                                </p:cTn>
+                              </p:par>
+                              <p:par>
+                                <p:cTn id="28" presetID="10" presetClass="entr" presetSubtype="0" fill="hold" grpId="0" nodeType="withEffect">
+                                  <p:stCondLst>
+                                    <p:cond delay="0"/>
+                                  </p:stCondLst>
+                                  <p:childTnLst>
+                                    <p:set>
+                                      <p:cBhvr>
+                                        <p:cTn id="29" dur="1" fill="hold">
+                                          <p:stCondLst>
+                                            <p:cond delay="0"/>
+                                          </p:stCondLst>
+                                        </p:cTn>
+                                        <p:tgtEl>
+                                          <p:spTgt spid="10"/>
+                                        </p:tgtEl>
+                                        <p:attrNameLst>
+                                          <p:attrName>style.visibility</p:attrName>
+                                        </p:attrNameLst>
+                                      </p:cBhvr>
+                                      <p:to>
+                                        <p:strVal val="visible"/>
+                                      </p:to>
+                                    </p:set>
+                                    <p:animEffect transition="in" filter="fade">
+                                      <p:cBhvr>
+                                        <p:cTn id="30" dur="500"/>
+                                        <p:tgtEl>
+                                          <p:spTgt spid="10"/>
+                                        </p:tgtEl>
+                                      </p:cBhvr>
+                                    </p:animEffect>
+                                  </p:childTnLst>
+                                </p:cTn>
+                              </p:par>
+                              <p:par>
+                                <p:cTn id="31" presetID="6" presetClass="emph" presetSubtype="0" autoRev="1" fill="hold" grpId="1" nodeType="withEffect">
+                                  <p:stCondLst>
+                                    <p:cond delay="0"/>
+                                  </p:stCondLst>
+                                  <p:childTnLst>
+                                    <p:animScale>
+                                      <p:cBhvr>
+                                        <p:cTn id="32" dur="400" fill="hold"/>
+                                        <p:tgtEl>
+                                          <p:spTgt spid="11"/>
+                                        </p:tgtEl>
+                                      </p:cBhvr>
+                                      <p:by x="110000" y="110000"/>
+                                    </p:animScale>
+                                  </p:childTnLst>
+                                </p:cTn>
+                              </p:par>
+                              <p:par>
+                                <p:cTn id="33" presetID="6" presetClass="emph" presetSubtype="0" autoRev="1" fill="hold" grpId="1" nodeType="withEffect">
+                                  <p:stCondLst>
+                                    <p:cond delay="0"/>
+                                  </p:stCondLst>
+                                  <p:childTnLst>
+                                    <p:animScale>
+                                      <p:cBhvr>
+                                        <p:cTn id="34" dur="400" fill="hold"/>
+                                        <p:tgtEl>
+                                          <p:spTgt spid="10"/>
+                                        </p:tgtEl>
+                                      </p:cBhvr>
+                                      <p:by x="110000" y="110000"/>
+                                    </p:animScale>
+                                  </p:childTnLst>
+                                </p:cTn>
+                              </p:par>
+                            </p:childTnLst>
+                          </p:cTn>
+                        </p:par>
+                      </p:childTnLst>
+                    </p:cTn>
+                  </p:par>
+                </p:childTnLst>
+              </p:cTn>
+              <p:prevCondLst>
+                <p:cond evt="onPrev" delay="0">
+                  <p:tgtEl>
+                    <p:sldTgt/>
+                  </p:tgtEl>
+                </p:cond>
+              </p:prevCondLst>
+              <p:nextCondLst>
+                <p:cond evt="onNext" delay="0">
+                  <p:tgtEl>
+                    <p:sldTgt/>
+                  </p:tgtEl>
+                </p:cond>
+              </p:nextCondLst>
+            </p:seq>
+          </p:childTnLst>
+        </p:cTn>
+      </p:par>
+    </p:tnLst>
+    <p:bldLst>
+      <p:bldP spid="7" grpId="0"/>
+      <p:bldP spid="8" grpId="0"/>
+      <p:bldP spid="10" grpId="0"/>
+      <p:bldP spid="10" grpId="1"/>
+      <p:bldP spid="11" grpId="0"/>
+      <p:bldP spid="11" grpId="1"/>
+      <p:bldP spid="12" grpId="0"/>
+      <p:bldP spid="13" grpId="0"/>
+      <p:bldP spid="14" grpId="0"/>
+    </p:bldLst>
+  </p:timing>
+</p:sld>
+</file>
+
+<file path=ppt/slides/slide20.xml><?xml version="1.0" encoding="utf-8"?>
+<p:sld xmlns:a="http://schemas.openxmlformats.org/drawingml/2006/main" xmlns:r="http://schemas.openxmlformats.org/officeDocument/2006/relationships" xmlns:p="http://schemas.openxmlformats.org/presentationml/2006/main">
+  <p:cSld>
+    <p:spTree>
+      <p:nvGrpSpPr>
+        <p:cNvPr id="1" name=""/>
+        <p:cNvGrpSpPr/>
+        <p:nvPr/>
+      </p:nvGrpSpPr>
+      <p:grpSpPr>
+        <a:xfrm>
+          <a:off x="0" y="0"/>
+          <a:ext cx="0" cy="0"/>
+          <a:chOff x="0" y="0"/>
+          <a:chExt cx="0" cy="0"/>
+        </a:xfrm>
+      </p:grpSpPr>
+      <p:sp>
+        <p:nvSpPr>
+          <p:cNvPr id="6" name="Title 5">
+            <a:extLst>
+              <a:ext uri="{FF2B5EF4-FFF2-40B4-BE49-F238E27FC236}">
+                <a16:creationId xmlns:a16="http://schemas.microsoft.com/office/drawing/2014/main" id="{C1409401-33D1-4304-98B7-A61B1640ACED}"/>
+              </a:ext>
+            </a:extLst>
+          </p:cNvPr>
+          <p:cNvSpPr>
+            <a:spLocks noGrp="1"/>
+          </p:cNvSpPr>
+          <p:nvPr>
+            <p:ph type="ctrTitle"/>
+          </p:nvPr>
+        </p:nvSpPr>
+        <p:spPr/>
+        <p:txBody>
+          <a:bodyPr/>
+          <a:lstStyle/>
+          <a:p>
+            <a:r>
+              <a:rPr lang="en-GB" sz="9600" dirty="0"/>
+              <a:t>Demo</a:t>
+            </a:r>
+          </a:p>
+        </p:txBody>
+      </p:sp>
+      <p:sp>
+        <p:nvSpPr>
+          <p:cNvPr id="9" name="Subtitle 8">
+            <a:extLst>
+              <a:ext uri="{FF2B5EF4-FFF2-40B4-BE49-F238E27FC236}">
+                <a16:creationId xmlns:a16="http://schemas.microsoft.com/office/drawing/2014/main" id="{CB61C471-3B36-4D84-B9A7-84CCF5C5E3B6}"/>
+              </a:ext>
+            </a:extLst>
+          </p:cNvPr>
+          <p:cNvSpPr>
+            <a:spLocks noGrp="1"/>
+          </p:cNvSpPr>
+          <p:nvPr>
+            <p:ph type="subTitle" idx="1"/>
+          </p:nvPr>
+        </p:nvSpPr>
+        <p:spPr/>
+        <p:txBody>
+          <a:bodyPr/>
+          <a:lstStyle/>
+          <a:p>
+            <a:endParaRPr lang="en-GB"/>
+          </a:p>
+        </p:txBody>
+      </p:sp>
+      <p:sp>
+        <p:nvSpPr>
+          <p:cNvPr id="10" name="Picture Placeholder 9">
+            <a:extLst>
+              <a:ext uri="{FF2B5EF4-FFF2-40B4-BE49-F238E27FC236}">
+                <a16:creationId xmlns:a16="http://schemas.microsoft.com/office/drawing/2014/main" id="{897C3581-BED6-42E0-A966-6FC594C51FED}"/>
+              </a:ext>
+            </a:extLst>
+          </p:cNvPr>
+          <p:cNvSpPr>
+            <a:spLocks noGrp="1"/>
+          </p:cNvSpPr>
+          <p:nvPr>
+            <p:ph type="pic" sz="quarter" idx="27"/>
+          </p:nvPr>
+        </p:nvSpPr>
+        <p:spPr/>
+      </p:sp>
+    </p:spTree>
+    <p:extLst>
+      <p:ext uri="{BB962C8B-B14F-4D97-AF65-F5344CB8AC3E}">
+        <p14:creationId xmlns:p14="http://schemas.microsoft.com/office/powerpoint/2010/main" val="2582005167"/>
       </p:ext>
     </p:extLst>
   </p:cSld>
@@ -15957,7 +21862,7 @@
 </p:sld>
 </file>
 
-<file path=ppt/slides/slide20.xml><?xml version="1.0" encoding="utf-8"?>
+<file path=ppt/slides/slide21.xml><?xml version="1.0" encoding="utf-8"?>
 <p:sld xmlns:a="http://schemas.openxmlformats.org/drawingml/2006/main" xmlns:r="http://schemas.openxmlformats.org/officeDocument/2006/relationships" xmlns:p="http://schemas.openxmlformats.org/presentationml/2006/main">
   <p:cSld>
     <p:spTree>
@@ -15976,10 +21881,10 @@
       </p:grpSpPr>
       <p:sp>
         <p:nvSpPr>
-          <p:cNvPr id="6" name="Title 5">
+          <p:cNvPr id="2" name="Title 1">
             <a:extLst>
               <a:ext uri="{FF2B5EF4-FFF2-40B4-BE49-F238E27FC236}">
-                <a16:creationId xmlns:a16="http://schemas.microsoft.com/office/drawing/2014/main" id="{C1409401-33D1-4304-98B7-A61B1640ACED}"/>
+                <a16:creationId xmlns:a16="http://schemas.microsoft.com/office/drawing/2014/main" id="{E837199B-5EBB-4FEA-86A6-BFD8143D09B6}"/>
               </a:ext>
             </a:extLst>
           </p:cNvPr>
@@ -15997,17 +21902,17 @@
           <a:p>
             <a:r>
               <a:rPr lang="en-GB" sz="9600" dirty="0"/>
-              <a:t>Demo</a:t>
-            </a:r>
-          </a:p>
-        </p:txBody>
-      </p:sp>
-      <p:sp>
-        <p:nvSpPr>
-          <p:cNvPr id="9" name="Subtitle 8">
+              <a:t>Questions</a:t>
+            </a:r>
+          </a:p>
+        </p:txBody>
+      </p:sp>
+      <p:sp>
+        <p:nvSpPr>
+          <p:cNvPr id="3" name="Subtitle 2">
             <a:extLst>
               <a:ext uri="{FF2B5EF4-FFF2-40B4-BE49-F238E27FC236}">
-                <a16:creationId xmlns:a16="http://schemas.microsoft.com/office/drawing/2014/main" id="{CB61C471-3B36-4D84-B9A7-84CCF5C5E3B6}"/>
+                <a16:creationId xmlns:a16="http://schemas.microsoft.com/office/drawing/2014/main" id="{777AE81D-6315-4F50-9942-F38165031BA6}"/>
               </a:ext>
             </a:extLst>
           </p:cNvPr>
@@ -16029,10 +21934,10 @@
       </p:sp>
       <p:sp>
         <p:nvSpPr>
-          <p:cNvPr id="10" name="Picture Placeholder 9">
+          <p:cNvPr id="4" name="Picture Placeholder 3">
             <a:extLst>
               <a:ext uri="{FF2B5EF4-FFF2-40B4-BE49-F238E27FC236}">
-                <a16:creationId xmlns:a16="http://schemas.microsoft.com/office/drawing/2014/main" id="{897C3581-BED6-42E0-A966-6FC594C51FED}"/>
+                <a16:creationId xmlns:a16="http://schemas.microsoft.com/office/drawing/2014/main" id="{8E2580ED-B2AC-4322-A774-8B54A1F0FB12}"/>
               </a:ext>
             </a:extLst>
           </p:cNvPr>
@@ -16048,7 +21953,295 @@
     </p:spTree>
     <p:extLst>
       <p:ext uri="{BB962C8B-B14F-4D97-AF65-F5344CB8AC3E}">
-        <p14:creationId xmlns:p14="http://schemas.microsoft.com/office/powerpoint/2010/main" val="2582005167"/>
+        <p14:creationId xmlns:p14="http://schemas.microsoft.com/office/powerpoint/2010/main" val="1181634921"/>
+      </p:ext>
+    </p:extLst>
+  </p:cSld>
+  <p:clrMapOvr>
+    <a:masterClrMapping/>
+  </p:clrMapOvr>
+  <mc:AlternateContent xmlns:mc="http://schemas.openxmlformats.org/markup-compatibility/2006" xmlns:p14="http://schemas.microsoft.com/office/powerpoint/2010/main">
+    <mc:Choice Requires="p14">
+      <p:transition p14:dur="300">
+        <p:fade/>
+      </p:transition>
+    </mc:Choice>
+    <mc:Fallback xmlns="">
+      <p:transition>
+        <p:fade/>
+      </p:transition>
+    </mc:Fallback>
+  </mc:AlternateContent>
+</p:sld>
+</file>
+
+<file path=ppt/slides/slide22.xml><?xml version="1.0" encoding="utf-8"?>
+<p:sld xmlns:a="http://schemas.openxmlformats.org/drawingml/2006/main" xmlns:r="http://schemas.openxmlformats.org/officeDocument/2006/relationships" xmlns:p="http://schemas.openxmlformats.org/presentationml/2006/main">
+  <p:cSld>
+    <p:spTree>
+      <p:nvGrpSpPr>
+        <p:cNvPr id="1" name=""/>
+        <p:cNvGrpSpPr/>
+        <p:nvPr/>
+      </p:nvGrpSpPr>
+      <p:grpSpPr>
+        <a:xfrm>
+          <a:off x="0" y="0"/>
+          <a:ext cx="0" cy="0"/>
+          <a:chOff x="0" y="0"/>
+          <a:chExt cx="0" cy="0"/>
+        </a:xfrm>
+      </p:grpSpPr>
+      <p:sp>
+        <p:nvSpPr>
+          <p:cNvPr id="13" name="Content Placeholder 12">
+            <a:extLst>
+              <a:ext uri="{FF2B5EF4-FFF2-40B4-BE49-F238E27FC236}">
+                <a16:creationId xmlns:a16="http://schemas.microsoft.com/office/drawing/2014/main" id="{7D8D7A9D-2411-4D35-B5E9-2F36190E3636}"/>
+              </a:ext>
+            </a:extLst>
+          </p:cNvPr>
+          <p:cNvSpPr>
+            <a:spLocks noGrp="1"/>
+          </p:cNvSpPr>
+          <p:nvPr>
+            <p:ph idx="1"/>
+          </p:nvPr>
+        </p:nvSpPr>
+        <p:spPr>
+          <a:xfrm>
+            <a:off x="382554" y="1483567"/>
+            <a:ext cx="5617030" cy="4236097"/>
+          </a:xfrm>
+        </p:spPr>
+        <p:txBody>
+          <a:bodyPr>
+            <a:normAutofit fontScale="92500" lnSpcReduction="20000"/>
+          </a:bodyPr>
+          <a:lstStyle/>
+          <a:p>
+            <a:pPr marL="457200" indent="-457200">
+              <a:buFont typeface="+mj-lt"/>
+              <a:buAutoNum type="arabicPeriod"/>
+            </a:pPr>
+            <a:r>
+              <a:rPr lang="en-GB" dirty="0"/>
+              <a:t>ES3F1 Lectures, </a:t>
+            </a:r>
+            <a:r>
+              <a:rPr lang="en-GB" dirty="0" err="1"/>
+              <a:t>Suhaib</a:t>
+            </a:r>
+            <a:r>
+              <a:rPr lang="en-GB" dirty="0"/>
+              <a:t> Fahmy</a:t>
+            </a:r>
+          </a:p>
+          <a:p>
+            <a:pPr marL="457200" indent="-457200">
+              <a:buFont typeface="+mj-lt"/>
+              <a:buAutoNum type="arabicPeriod"/>
+            </a:pPr>
+            <a:r>
+              <a:rPr lang="en-GB" dirty="0"/>
+              <a:t>xilinx.com</a:t>
+            </a:r>
+          </a:p>
+          <a:p>
+            <a:pPr marL="457200" indent="-457200">
+              <a:buFont typeface="+mj-lt"/>
+              <a:buAutoNum type="arabicPeriod"/>
+            </a:pPr>
+            <a:r>
+              <a:rPr lang="en-GB" dirty="0"/>
+              <a:t>mininet.org</a:t>
+            </a:r>
+          </a:p>
+          <a:p>
+            <a:pPr marL="457200" indent="-457200">
+              <a:buFont typeface="+mj-lt"/>
+              <a:buAutoNum type="arabicPeriod"/>
+            </a:pPr>
+            <a:r>
+              <a:rPr lang="en-GB" dirty="0"/>
+              <a:t>netfpga.org</a:t>
+            </a:r>
+          </a:p>
+          <a:p>
+            <a:pPr marL="457200" indent="-457200">
+              <a:buFont typeface="+mj-lt"/>
+              <a:buAutoNum type="arabicPeriod"/>
+            </a:pPr>
+            <a:r>
+              <a:rPr lang="en-GB" dirty="0"/>
+              <a:t>reference.digilentinc.com</a:t>
+            </a:r>
+          </a:p>
+          <a:p>
+            <a:pPr marL="457200" indent="-457200">
+              <a:buFont typeface="+mj-lt"/>
+              <a:buAutoNum type="arabicPeriod"/>
+            </a:pPr>
+            <a:r>
+              <a:rPr lang="en-GB" dirty="0"/>
+              <a:t>python.org</a:t>
+            </a:r>
+          </a:p>
+          <a:p>
+            <a:pPr marL="457200" indent="-457200">
+              <a:buFont typeface="+mj-lt"/>
+              <a:buAutoNum type="arabicPeriod"/>
+            </a:pPr>
+            <a:r>
+              <a:rPr lang="en-GB" dirty="0"/>
+              <a:t>github.com</a:t>
+            </a:r>
+          </a:p>
+        </p:txBody>
+      </p:sp>
+      <p:sp>
+        <p:nvSpPr>
+          <p:cNvPr id="12" name="Title 11">
+            <a:extLst>
+              <a:ext uri="{FF2B5EF4-FFF2-40B4-BE49-F238E27FC236}">
+                <a16:creationId xmlns:a16="http://schemas.microsoft.com/office/drawing/2014/main" id="{9CA97B51-B291-4CC5-A22C-9371C6502C53}"/>
+              </a:ext>
+            </a:extLst>
+          </p:cNvPr>
+          <p:cNvSpPr>
+            <a:spLocks noGrp="1"/>
+          </p:cNvSpPr>
+          <p:nvPr>
+            <p:ph type="title"/>
+          </p:nvPr>
+        </p:nvSpPr>
+        <p:spPr/>
+        <p:txBody>
+          <a:bodyPr>
+            <a:normAutofit fontScale="90000"/>
+          </a:bodyPr>
+          <a:lstStyle/>
+          <a:p>
+            <a:r>
+              <a:rPr lang="en-GB" dirty="0"/>
+              <a:t>References</a:t>
+            </a:r>
+          </a:p>
+        </p:txBody>
+      </p:sp>
+      <p:sp>
+        <p:nvSpPr>
+          <p:cNvPr id="14" name="Content Placeholder 13">
+            <a:extLst>
+              <a:ext uri="{FF2B5EF4-FFF2-40B4-BE49-F238E27FC236}">
+                <a16:creationId xmlns:a16="http://schemas.microsoft.com/office/drawing/2014/main" id="{EB030749-0693-46AB-86AE-5703041BF054}"/>
+              </a:ext>
+            </a:extLst>
+          </p:cNvPr>
+          <p:cNvSpPr>
+            <a:spLocks noGrp="1"/>
+          </p:cNvSpPr>
+          <p:nvPr>
+            <p:ph idx="10"/>
+          </p:nvPr>
+        </p:nvSpPr>
+        <p:spPr/>
+        <p:txBody>
+          <a:bodyPr>
+            <a:normAutofit/>
+          </a:bodyPr>
+          <a:lstStyle/>
+          <a:p>
+            <a:pPr marL="457200" indent="-457200">
+              <a:buFont typeface="+mj-lt"/>
+              <a:buAutoNum type="arabicPeriod" startAt="8"/>
+            </a:pPr>
+            <a:r>
+              <a:rPr lang="en-GB" dirty="0">
+                <a:hlinkClick r:id="rId2"/>
+              </a:rPr>
+              <a:t>https://github.com/pypa/setuptools</a:t>
+            </a:r>
+            <a:endParaRPr lang="en-GB" dirty="0"/>
+          </a:p>
+          <a:p>
+            <a:pPr marL="457200" indent="-457200">
+              <a:buFont typeface="+mj-lt"/>
+              <a:buAutoNum type="arabicPeriod" startAt="8"/>
+            </a:pPr>
+            <a:r>
+              <a:rPr lang="en-GB" dirty="0">
+                <a:hlinkClick r:id="rId3"/>
+              </a:rPr>
+              <a:t>https://palletsprojects.com/p/click/p4.org</a:t>
+            </a:r>
+            <a:endParaRPr lang="en-GB" dirty="0"/>
+          </a:p>
+          <a:p>
+            <a:pPr marL="457200" indent="-457200">
+              <a:buFont typeface="+mj-lt"/>
+              <a:buAutoNum type="arabicPeriod" startAt="8"/>
+            </a:pPr>
+            <a:r>
+              <a:rPr lang="en-GB" dirty="0"/>
+              <a:t>trello.com</a:t>
+            </a:r>
+          </a:p>
+          <a:p>
+            <a:pPr marL="457200" indent="-457200">
+              <a:buFont typeface="+mj-lt"/>
+              <a:buAutoNum type="arabicPeriod" startAt="8"/>
+            </a:pPr>
+            <a:r>
+              <a:rPr lang="en-GB" dirty="0"/>
+              <a:t>git-scm.com</a:t>
+            </a:r>
+          </a:p>
+          <a:p>
+            <a:pPr marL="457200" indent="-457200">
+              <a:buFont typeface="+mj-lt"/>
+              <a:buAutoNum type="arabicPeriod" startAt="8"/>
+            </a:pPr>
+            <a:endParaRPr lang="en-GB" dirty="0"/>
+          </a:p>
+          <a:p>
+            <a:pPr marL="457200" indent="-457200">
+              <a:buFont typeface="+mj-lt"/>
+              <a:buAutoNum type="arabicPeriod" startAt="8"/>
+            </a:pPr>
+            <a:endParaRPr lang="en-GB" dirty="0"/>
+          </a:p>
+          <a:p>
+            <a:pPr marL="457200" indent="-457200">
+              <a:buFont typeface="+mj-lt"/>
+              <a:buAutoNum type="arabicPeriod" startAt="8"/>
+            </a:pPr>
+            <a:endParaRPr lang="en-GB" dirty="0"/>
+          </a:p>
+        </p:txBody>
+      </p:sp>
+      <p:sp>
+        <p:nvSpPr>
+          <p:cNvPr id="15" name="Picture Placeholder 14">
+            <a:extLst>
+              <a:ext uri="{FF2B5EF4-FFF2-40B4-BE49-F238E27FC236}">
+                <a16:creationId xmlns:a16="http://schemas.microsoft.com/office/drawing/2014/main" id="{A9996C39-CE04-4047-AE44-6DF1855E8CBA}"/>
+              </a:ext>
+            </a:extLst>
+          </p:cNvPr>
+          <p:cNvSpPr>
+            <a:spLocks noGrp="1"/>
+          </p:cNvSpPr>
+          <p:nvPr>
+            <p:ph type="pic" sz="quarter" idx="29"/>
+          </p:nvPr>
+        </p:nvSpPr>
+        <p:spPr/>
+      </p:sp>
+    </p:spTree>
+    <p:extLst>
+      <p:ext uri="{BB962C8B-B14F-4D97-AF65-F5344CB8AC3E}">
+        <p14:creationId xmlns:p14="http://schemas.microsoft.com/office/powerpoint/2010/main" val="4079327301"/>
       </p:ext>
     </p:extLst>
   </p:cSld>
@@ -16103,9 +22296,16 @@
             <p:ph idx="1"/>
           </p:nvPr>
         </p:nvSpPr>
-        <p:spPr/>
-        <p:txBody>
-          <a:bodyPr/>
+        <p:spPr>
+          <a:xfrm>
+            <a:off x="401216" y="1483567"/>
+            <a:ext cx="5617030" cy="3489649"/>
+          </a:xfrm>
+        </p:spPr>
+        <p:txBody>
+          <a:bodyPr>
+            <a:normAutofit fontScale="85000" lnSpcReduction="10000"/>
+          </a:bodyPr>
           <a:lstStyle/>
           <a:p>
             <a:pPr marL="0" indent="0">
@@ -16114,6 +22314,15 @@
             <a:r>
               <a:rPr lang="en-GB" dirty="0"/>
               <a:t>Field-Programmable Gate Array</a:t>
+            </a:r>
+          </a:p>
+          <a:p>
+            <a:pPr marL="0" indent="0">
+              <a:buNone/>
+            </a:pPr>
+            <a:r>
+              <a:rPr lang="en-GB" dirty="0"/>
+              <a:t>Seen as alternative to ASIC</a:t>
             </a:r>
           </a:p>
           <a:p>
@@ -16172,21 +22381,105 @@
           </a:p>
         </p:txBody>
       </p:sp>
+      <p:sp>
+        <p:nvSpPr>
+          <p:cNvPr id="5" name="Picture Placeholder 4">
+            <a:extLst>
+              <a:ext uri="{FF2B5EF4-FFF2-40B4-BE49-F238E27FC236}">
+                <a16:creationId xmlns:a16="http://schemas.microsoft.com/office/drawing/2014/main" id="{0744174E-CB76-4F64-B9ED-728C47048523}"/>
+              </a:ext>
+            </a:extLst>
+          </p:cNvPr>
+          <p:cNvSpPr>
+            <a:spLocks noGrp="1"/>
+          </p:cNvSpPr>
+          <p:nvPr>
+            <p:ph type="pic" sz="quarter" idx="29"/>
+          </p:nvPr>
+        </p:nvSpPr>
+        <p:spPr/>
+      </p:sp>
+      <p:sp>
+        <p:nvSpPr>
+          <p:cNvPr id="9" name="Content Placeholder 8">
+            <a:extLst>
+              <a:ext uri="{FF2B5EF4-FFF2-40B4-BE49-F238E27FC236}">
+                <a16:creationId xmlns:a16="http://schemas.microsoft.com/office/drawing/2014/main" id="{9836BE3E-42B7-40F9-8402-F8500A6E4F84}"/>
+              </a:ext>
+            </a:extLst>
+          </p:cNvPr>
+          <p:cNvSpPr>
+            <a:spLocks noGrp="1"/>
+          </p:cNvSpPr>
+          <p:nvPr>
+            <p:ph idx="10"/>
+          </p:nvPr>
+        </p:nvSpPr>
+        <p:spPr>
+          <a:xfrm>
+            <a:off x="6214186" y="1483566"/>
+            <a:ext cx="5617030" cy="3489649"/>
+          </a:xfrm>
+        </p:spPr>
+        <p:txBody>
+          <a:bodyPr>
+            <a:normAutofit fontScale="85000" lnSpcReduction="10000"/>
+          </a:bodyPr>
+          <a:lstStyle/>
+          <a:p>
+            <a:pPr marL="0" indent="0">
+              <a:buNone/>
+            </a:pPr>
+            <a:endParaRPr lang="en-GB" dirty="0"/>
+          </a:p>
+          <a:p>
+            <a:pPr marL="0" indent="0">
+              <a:buNone/>
+            </a:pPr>
+            <a:r>
+              <a:rPr lang="en-GB" dirty="0"/>
+              <a:t>Application-Specific Integrated Circuit</a:t>
+            </a:r>
+          </a:p>
+          <a:p>
+            <a:r>
+              <a:rPr lang="en-GB" dirty="0"/>
+              <a:t>LUTs</a:t>
+            </a:r>
+          </a:p>
+          <a:p>
+            <a:r>
+              <a:rPr lang="en-GB" dirty="0"/>
+              <a:t>Large grid of wires and switch boxes</a:t>
+            </a:r>
+          </a:p>
+          <a:p>
+            <a:r>
+              <a:rPr lang="en-GB" dirty="0"/>
+              <a:t>Support for 10G Ethernet, SATA, PCIe</a:t>
+            </a:r>
+          </a:p>
+          <a:p>
+            <a:r>
+              <a:rPr lang="en-GB" dirty="0"/>
+              <a:t>Block memory, DSP blocks</a:t>
+            </a:r>
+          </a:p>
+        </p:txBody>
+      </p:sp>
       <p:pic>
         <p:nvPicPr>
-          <p:cNvPr id="7" name="Content Placeholder 6" descr="A picture containing crossword puzzle, shoji&#10;&#10;Description automatically generated">
+          <p:cNvPr id="15" name="Content Placeholder 6" descr="A picture containing crossword puzzle, shoji&#10;&#10;Description automatically generated">
             <a:extLst>
               <a:ext uri="{FF2B5EF4-FFF2-40B4-BE49-F238E27FC236}">
-                <a16:creationId xmlns:a16="http://schemas.microsoft.com/office/drawing/2014/main" id="{56334EA4-5C3A-40B1-908D-A95C96D3B9AD}"/>
+                <a16:creationId xmlns:a16="http://schemas.microsoft.com/office/drawing/2014/main" id="{00E325B4-0BB7-4591-BEBA-85887F9F6330}"/>
               </a:ext>
             </a:extLst>
           </p:cNvPr>
           <p:cNvPicPr>
-            <a:picLocks noGrp="1" noChangeAspect="1"/>
+            <a:picLocks noChangeAspect="1"/>
           </p:cNvPicPr>
-          <p:nvPr>
-            <p:ph idx="10"/>
-          </p:nvPr>
+          <p:nvPr/>
         </p:nvPicPr>
         <p:blipFill>
           <a:blip r:embed="rId3">
@@ -16205,30 +22498,51 @@
             <a:off x="6173757" y="1011641"/>
             <a:ext cx="5697600" cy="5179302"/>
           </a:xfrm>
+          <a:prstGeom prst="rect">
+            <a:avLst/>
+          </a:prstGeom>
         </p:spPr>
       </p:pic>
       <p:sp>
         <p:nvSpPr>
-          <p:cNvPr id="5" name="Picture Placeholder 4">
+          <p:cNvPr id="16" name="TextBox 15">
             <a:extLst>
               <a:ext uri="{FF2B5EF4-FFF2-40B4-BE49-F238E27FC236}">
-                <a16:creationId xmlns:a16="http://schemas.microsoft.com/office/drawing/2014/main" id="{0744174E-CB76-4F64-B9ED-728C47048523}"/>
+                <a16:creationId xmlns:a16="http://schemas.microsoft.com/office/drawing/2014/main" id="{6BD2E2F0-2E29-41C7-BE65-98AF36522AC2}"/>
               </a:ext>
             </a:extLst>
           </p:cNvPr>
-          <p:cNvSpPr>
-            <a:spLocks noGrp="1"/>
-          </p:cNvSpPr>
-          <p:nvPr>
-            <p:ph type="pic" sz="quarter" idx="29"/>
-          </p:nvPr>
-        </p:nvSpPr>
-        <p:spPr/>
+          <p:cNvSpPr txBox="1"/>
+          <p:nvPr/>
+        </p:nvSpPr>
+        <p:spPr>
+          <a:xfrm>
+            <a:off x="11383478" y="6443033"/>
+            <a:ext cx="808522" cy="307777"/>
+          </a:xfrm>
+          <a:prstGeom prst="rect">
+            <a:avLst/>
+          </a:prstGeom>
+          <a:noFill/>
+        </p:spPr>
+        <p:txBody>
+          <a:bodyPr wrap="square" rtlCol="0">
+            <a:spAutoFit/>
+          </a:bodyPr>
+          <a:lstStyle/>
+          <a:p>
+            <a:pPr algn="r"/>
+            <a:r>
+              <a:rPr lang="en-GB" sz="1400" dirty="0"/>
+              <a:t>(1)</a:t>
+            </a:r>
+          </a:p>
+        </p:txBody>
       </p:sp>
     </p:spTree>
     <p:extLst>
       <p:ext uri="{BB962C8B-B14F-4D97-AF65-F5344CB8AC3E}">
-        <p14:creationId xmlns:p14="http://schemas.microsoft.com/office/powerpoint/2010/main" val="2001477719"/>
+        <p14:creationId xmlns:p14="http://schemas.microsoft.com/office/powerpoint/2010/main" val="3488279499"/>
       </p:ext>
     </p:extLst>
   </p:cSld>
@@ -16433,7 +22747,7 @@
               </a:spcBef>
               <a:buFontTx/>
               <a:buBlip>
-                <a:blip r:embed="rId2"/>
+                <a:blip r:embed="rId3"/>
               </a:buBlip>
               <a:defRPr sz="2400" kern="1200">
                 <a:solidFill>
@@ -16453,7 +22767,7 @@
               </a:spcBef>
               <a:buFontTx/>
               <a:buBlip>
-                <a:blip r:embed="rId2"/>
+                <a:blip r:embed="rId3"/>
               </a:buBlip>
               <a:defRPr sz="2400" kern="1200">
                 <a:solidFill>
@@ -16473,7 +22787,7 @@
               </a:spcBef>
               <a:buFontTx/>
               <a:buBlip>
-                <a:blip r:embed="rId2"/>
+                <a:blip r:embed="rId3"/>
               </a:buBlip>
               <a:defRPr sz="2400" i="1" kern="1200">
                 <a:solidFill>
@@ -16493,7 +22807,7 @@
               </a:spcBef>
               <a:buFontTx/>
               <a:buBlip>
-                <a:blip r:embed="rId2"/>
+                <a:blip r:embed="rId3"/>
               </a:buBlip>
               <a:defRPr sz="2400" kern="1200">
                 <a:solidFill>
@@ -16513,7 +22827,7 @@
               </a:spcBef>
               <a:buFontTx/>
               <a:buBlip>
-                <a:blip r:embed="rId2"/>
+                <a:blip r:embed="rId3"/>
               </a:buBlip>
               <a:defRPr sz="2400" kern="1200">
                 <a:solidFill>
@@ -16658,7 +22972,7 @@
               </a:spcBef>
               <a:buFontTx/>
               <a:buBlip>
-                <a:blip r:embed="rId2"/>
+                <a:blip r:embed="rId3"/>
               </a:buBlip>
               <a:defRPr sz="2400" kern="1200">
                 <a:solidFill>
@@ -16678,7 +22992,7 @@
               </a:spcBef>
               <a:buFontTx/>
               <a:buBlip>
-                <a:blip r:embed="rId2"/>
+                <a:blip r:embed="rId3"/>
               </a:buBlip>
               <a:defRPr sz="2400" kern="1200">
                 <a:solidFill>
@@ -16698,7 +23012,7 @@
               </a:spcBef>
               <a:buFontTx/>
               <a:buBlip>
-                <a:blip r:embed="rId2"/>
+                <a:blip r:embed="rId3"/>
               </a:buBlip>
               <a:defRPr sz="2400" i="1" kern="1200">
                 <a:solidFill>
@@ -16718,7 +23032,7 @@
               </a:spcBef>
               <a:buFontTx/>
               <a:buBlip>
-                <a:blip r:embed="rId2"/>
+                <a:blip r:embed="rId3"/>
               </a:buBlip>
               <a:defRPr sz="2400" kern="1200">
                 <a:solidFill>
@@ -16738,7 +23052,7 @@
               </a:spcBef>
               <a:buFontTx/>
               <a:buBlip>
-                <a:blip r:embed="rId2"/>
+                <a:blip r:embed="rId3"/>
               </a:buBlip>
               <a:defRPr sz="2400" kern="1200">
                 <a:solidFill>
@@ -16883,7 +23197,7 @@
               </a:spcBef>
               <a:buFontTx/>
               <a:buBlip>
-                <a:blip r:embed="rId2"/>
+                <a:blip r:embed="rId3"/>
               </a:buBlip>
               <a:defRPr sz="2400" kern="1200">
                 <a:solidFill>
@@ -16903,7 +23217,7 @@
               </a:spcBef>
               <a:buFontTx/>
               <a:buBlip>
-                <a:blip r:embed="rId2"/>
+                <a:blip r:embed="rId3"/>
               </a:buBlip>
               <a:defRPr sz="2400" kern="1200">
                 <a:solidFill>
@@ -16923,7 +23237,7 @@
               </a:spcBef>
               <a:buFontTx/>
               <a:buBlip>
-                <a:blip r:embed="rId2"/>
+                <a:blip r:embed="rId3"/>
               </a:buBlip>
               <a:defRPr sz="2400" i="1" kern="1200">
                 <a:solidFill>
@@ -16943,7 +23257,7 @@
               </a:spcBef>
               <a:buFontTx/>
               <a:buBlip>
-                <a:blip r:embed="rId2"/>
+                <a:blip r:embed="rId3"/>
               </a:buBlip>
               <a:defRPr sz="2400" kern="1200">
                 <a:solidFill>
@@ -16963,7 +23277,7 @@
               </a:spcBef>
               <a:buFontTx/>
               <a:buBlip>
-                <a:blip r:embed="rId2"/>
+                <a:blip r:embed="rId3"/>
               </a:buBlip>
               <a:defRPr sz="2400" kern="1200">
                 <a:solidFill>
@@ -17108,7 +23422,7 @@
               </a:spcBef>
               <a:buFontTx/>
               <a:buBlip>
-                <a:blip r:embed="rId2"/>
+                <a:blip r:embed="rId3"/>
               </a:buBlip>
               <a:defRPr sz="2400" kern="1200">
                 <a:solidFill>
@@ -17128,7 +23442,7 @@
               </a:spcBef>
               <a:buFontTx/>
               <a:buBlip>
-                <a:blip r:embed="rId2"/>
+                <a:blip r:embed="rId3"/>
               </a:buBlip>
               <a:defRPr sz="2400" kern="1200">
                 <a:solidFill>
@@ -17148,7 +23462,7 @@
               </a:spcBef>
               <a:buFontTx/>
               <a:buBlip>
-                <a:blip r:embed="rId2"/>
+                <a:blip r:embed="rId3"/>
               </a:buBlip>
               <a:defRPr sz="2400" i="1" kern="1200">
                 <a:solidFill>
@@ -17168,7 +23482,7 @@
               </a:spcBef>
               <a:buFontTx/>
               <a:buBlip>
-                <a:blip r:embed="rId2"/>
+                <a:blip r:embed="rId3"/>
               </a:buBlip>
               <a:defRPr sz="2400" kern="1200">
                 <a:solidFill>
@@ -17188,7 +23502,7 @@
               </a:spcBef>
               <a:buFontTx/>
               <a:buBlip>
-                <a:blip r:embed="rId2"/>
+                <a:blip r:embed="rId3"/>
               </a:buBlip>
               <a:defRPr sz="2400" kern="1200">
                 <a:solidFill>
@@ -17333,7 +23647,7 @@
               </a:spcBef>
               <a:buFontTx/>
               <a:buBlip>
-                <a:blip r:embed="rId2"/>
+                <a:blip r:embed="rId3"/>
               </a:buBlip>
               <a:defRPr sz="2400" kern="1200">
                 <a:solidFill>
@@ -17353,7 +23667,7 @@
               </a:spcBef>
               <a:buFontTx/>
               <a:buBlip>
-                <a:blip r:embed="rId2"/>
+                <a:blip r:embed="rId3"/>
               </a:buBlip>
               <a:defRPr sz="2400" kern="1200">
                 <a:solidFill>
@@ -17373,7 +23687,7 @@
               </a:spcBef>
               <a:buFontTx/>
               <a:buBlip>
-                <a:blip r:embed="rId2"/>
+                <a:blip r:embed="rId3"/>
               </a:buBlip>
               <a:defRPr sz="2400" i="1" kern="1200">
                 <a:solidFill>
@@ -17393,7 +23707,7 @@
               </a:spcBef>
               <a:buFontTx/>
               <a:buBlip>
-                <a:blip r:embed="rId2"/>
+                <a:blip r:embed="rId3"/>
               </a:buBlip>
               <a:defRPr sz="2400" kern="1200">
                 <a:solidFill>
@@ -17413,7 +23727,7 @@
               </a:spcBef>
               <a:buFontTx/>
               <a:buBlip>
-                <a:blip r:embed="rId2"/>
+                <a:blip r:embed="rId3"/>
               </a:buBlip>
               <a:defRPr sz="2400" kern="1200">
                 <a:solidFill>
@@ -17558,7 +23872,7 @@
               </a:spcBef>
               <a:buFontTx/>
               <a:buBlip>
-                <a:blip r:embed="rId2"/>
+                <a:blip r:embed="rId3"/>
               </a:buBlip>
               <a:defRPr sz="2400" kern="1200">
                 <a:solidFill>
@@ -17578,7 +23892,7 @@
               </a:spcBef>
               <a:buFontTx/>
               <a:buBlip>
-                <a:blip r:embed="rId2"/>
+                <a:blip r:embed="rId3"/>
               </a:buBlip>
               <a:defRPr sz="2400" kern="1200">
                 <a:solidFill>
@@ -17598,7 +23912,7 @@
               </a:spcBef>
               <a:buFontTx/>
               <a:buBlip>
-                <a:blip r:embed="rId2"/>
+                <a:blip r:embed="rId3"/>
               </a:buBlip>
               <a:defRPr sz="2400" i="1" kern="1200">
                 <a:solidFill>
@@ -17618,7 +23932,7 @@
               </a:spcBef>
               <a:buFontTx/>
               <a:buBlip>
-                <a:blip r:embed="rId2"/>
+                <a:blip r:embed="rId3"/>
               </a:buBlip>
               <a:defRPr sz="2400" kern="1200">
                 <a:solidFill>
@@ -17638,7 +23952,7 @@
               </a:spcBef>
               <a:buFontTx/>
               <a:buBlip>
-                <a:blip r:embed="rId2"/>
+                <a:blip r:embed="rId3"/>
               </a:buBlip>
               <a:defRPr sz="2400" kern="1200">
                 <a:solidFill>
@@ -18909,141 +25223,24 @@
                                   </p:childTnLst>
                                 </p:cTn>
                               </p:par>
-                              <p:par>
-                                <p:cTn id="17" presetID="10" presetClass="exit" presetSubtype="0" fill="hold" nodeType="withEffect">
-                                  <p:stCondLst>
-                                    <p:cond delay="0"/>
-                                  </p:stCondLst>
-                                  <p:childTnLst>
-                                    <p:animEffect transition="out" filter="fade">
-                                      <p:cBhvr>
-                                        <p:cTn id="18" dur="500"/>
-                                        <p:tgtEl>
-                                          <p:spTgt spid="2">
-                                            <p:txEl>
-                                              <p:pRg st="0" end="0"/>
-                                            </p:txEl>
-                                          </p:spTgt>
-                                        </p:tgtEl>
-                                      </p:cBhvr>
-                                    </p:animEffect>
-                                    <p:set>
-                                      <p:cBhvr>
-                                        <p:cTn id="19" dur="1" fill="hold">
-                                          <p:stCondLst>
-                                            <p:cond delay="499"/>
-                                          </p:stCondLst>
-                                        </p:cTn>
-                                        <p:tgtEl>
-                                          <p:spTgt spid="2">
-                                            <p:txEl>
-                                              <p:pRg st="0" end="0"/>
-                                            </p:txEl>
-                                          </p:spTgt>
-                                        </p:tgtEl>
-                                        <p:attrNameLst>
-                                          <p:attrName>style.visibility</p:attrName>
-                                        </p:attrNameLst>
-                                      </p:cBhvr>
-                                      <p:to>
-                                        <p:strVal val="hidden"/>
-                                      </p:to>
-                                    </p:set>
-                                  </p:childTnLst>
-                                </p:cTn>
-                              </p:par>
-                              <p:par>
-                                <p:cTn id="20" presetID="10" presetClass="exit" presetSubtype="0" fill="hold" nodeType="withEffect">
-                                  <p:stCondLst>
-                                    <p:cond delay="0"/>
-                                  </p:stCondLst>
-                                  <p:childTnLst>
-                                    <p:animEffect transition="out" filter="fade">
-                                      <p:cBhvr>
-                                        <p:cTn id="21" dur="500"/>
-                                        <p:tgtEl>
-                                          <p:spTgt spid="2">
-                                            <p:txEl>
-                                              <p:pRg st="1" end="1"/>
-                                            </p:txEl>
-                                          </p:spTgt>
-                                        </p:tgtEl>
-                                      </p:cBhvr>
-                                    </p:animEffect>
-                                    <p:set>
-                                      <p:cBhvr>
-                                        <p:cTn id="22" dur="1" fill="hold">
-                                          <p:stCondLst>
-                                            <p:cond delay="499"/>
-                                          </p:stCondLst>
-                                        </p:cTn>
-                                        <p:tgtEl>
-                                          <p:spTgt spid="2">
-                                            <p:txEl>
-                                              <p:pRg st="1" end="1"/>
-                                            </p:txEl>
-                                          </p:spTgt>
-                                        </p:tgtEl>
-                                        <p:attrNameLst>
-                                          <p:attrName>style.visibility</p:attrName>
-                                        </p:attrNameLst>
-                                      </p:cBhvr>
-                                      <p:to>
-                                        <p:strVal val="hidden"/>
-                                      </p:to>
-                                    </p:set>
-                                  </p:childTnLst>
-                                </p:cTn>
-                              </p:par>
                             </p:childTnLst>
                           </p:cTn>
                         </p:par>
                         <p:par>
-                          <p:cTn id="23" fill="hold">
+                          <p:cTn id="17" fill="hold">
                             <p:stCondLst>
                               <p:cond delay="500"/>
                             </p:stCondLst>
                             <p:childTnLst>
                               <p:par>
-                                <p:cTn id="24" presetID="64" presetClass="path" presetSubtype="0" accel="40000" decel="40000" fill="hold" grpId="0" nodeType="afterEffect">
-                                  <p:stCondLst>
-                                    <p:cond delay="0"/>
-                                  </p:stCondLst>
-                                  <p:childTnLst>
-                                    <p:animMotion origin="layout" path="M -3.95833E-6 2.96296E-6 L -3.95833E-6 -0.20857 " pathEditMode="relative" rAng="0" ptsTypes="AA">
-                                      <p:cBhvr>
-                                        <p:cTn id="25" dur="1000" fill="hold"/>
-                                        <p:tgtEl>
-                                          <p:spTgt spid="8"/>
-                                        </p:tgtEl>
-                                        <p:attrNameLst>
-                                          <p:attrName>ppt_x</p:attrName>
-                                          <p:attrName>ppt_y</p:attrName>
-                                        </p:attrNameLst>
-                                      </p:cBhvr>
-                                      <p:rCtr x="0" y="-10440"/>
-                                    </p:animMotion>
-                                  </p:childTnLst>
-                                </p:cTn>
-                              </p:par>
-                            </p:childTnLst>
-                          </p:cTn>
-                        </p:par>
-                        <p:par>
-                          <p:cTn id="26" fill="hold">
-                            <p:stCondLst>
-                              <p:cond delay="1500"/>
-                            </p:stCondLst>
-                            <p:childTnLst>
-                              <p:par>
-                                <p:cTn id="27" presetID="10" presetClass="entr" presetSubtype="0" fill="hold" nodeType="afterEffect">
+                                <p:cTn id="18" presetID="10" presetClass="entr" presetSubtype="0" fill="hold" nodeType="afterEffect">
                                   <p:stCondLst>
                                     <p:cond delay="0"/>
                                   </p:stCondLst>
                                   <p:childTnLst>
                                     <p:set>
                                       <p:cBhvr>
-                                        <p:cTn id="28" dur="1" fill="hold">
+                                        <p:cTn id="19" dur="1" fill="hold">
                                           <p:stCondLst>
                                             <p:cond delay="0"/>
                                           </p:stCondLst>
@@ -19065,7 +25262,7 @@
                                     </p:set>
                                     <p:animEffect transition="in" filter="fade">
                                       <p:cBhvr>
-                                        <p:cTn id="29" dur="500"/>
+                                        <p:cTn id="20" dur="500"/>
                                         <p:tgtEl>
                                           <p:spTgt spid="9">
                                             <p:txEl>
@@ -19079,14 +25276,14 @@
                                 </p:cTn>
                               </p:par>
                               <p:par>
-                                <p:cTn id="30" presetID="10" presetClass="entr" presetSubtype="0" fill="hold" nodeType="withEffect">
+                                <p:cTn id="21" presetID="10" presetClass="entr" presetSubtype="0" fill="hold" nodeType="withEffect">
                                   <p:stCondLst>
                                     <p:cond delay="0"/>
                                   </p:stCondLst>
                                   <p:childTnLst>
                                     <p:set>
                                       <p:cBhvr>
-                                        <p:cTn id="31" dur="1" fill="hold">
+                                        <p:cTn id="22" dur="1" fill="hold">
                                           <p:stCondLst>
                                             <p:cond delay="0"/>
                                           </p:stCondLst>
@@ -19108,7 +25305,7 @@
                                     </p:set>
                                     <p:animEffect transition="in" filter="fade">
                                       <p:cBhvr>
-                                        <p:cTn id="32" dur="500"/>
+                                        <p:cTn id="23" dur="500"/>
                                         <p:tgtEl>
                                           <p:spTgt spid="9">
                                             <p:txEl>
@@ -19128,26 +25325,26 @@
                     </p:cTn>
                   </p:par>
                   <p:par>
-                    <p:cTn id="33" fill="hold">
+                    <p:cTn id="24" fill="hold">
                       <p:stCondLst>
                         <p:cond delay="indefinite"/>
                       </p:stCondLst>
                       <p:childTnLst>
                         <p:par>
-                          <p:cTn id="34" fill="hold">
+                          <p:cTn id="25" fill="hold">
                             <p:stCondLst>
                               <p:cond delay="0"/>
                             </p:stCondLst>
                             <p:childTnLst>
                               <p:par>
-                                <p:cTn id="35" presetID="10" presetClass="entr" presetSubtype="0" fill="hold" nodeType="clickEffect">
+                                <p:cTn id="26" presetID="10" presetClass="entr" presetSubtype="0" fill="hold" nodeType="clickEffect">
                                   <p:stCondLst>
                                     <p:cond delay="0"/>
                                   </p:stCondLst>
                                   <p:childTnLst>
                                     <p:set>
                                       <p:cBhvr>
-                                        <p:cTn id="36" dur="1" fill="hold">
+                                        <p:cTn id="27" dur="1" fill="hold">
                                           <p:stCondLst>
                                             <p:cond delay="0"/>
                                           </p:stCondLst>
@@ -19169,7 +25366,7 @@
                                     </p:set>
                                     <p:animEffect transition="in" filter="fade">
                                       <p:cBhvr>
-                                        <p:cTn id="37" dur="500"/>
+                                        <p:cTn id="28" dur="500"/>
                                         <p:tgtEl>
                                           <p:spTgt spid="9">
                                             <p:txEl>
@@ -19183,14 +25380,14 @@
                                 </p:cTn>
                               </p:par>
                               <p:par>
-                                <p:cTn id="38" presetID="10" presetClass="entr" presetSubtype="0" fill="hold" nodeType="withEffect">
+                                <p:cTn id="29" presetID="10" presetClass="entr" presetSubtype="0" fill="hold" nodeType="withEffect">
                                   <p:stCondLst>
                                     <p:cond delay="0"/>
                                   </p:stCondLst>
                                   <p:childTnLst>
                                     <p:set>
                                       <p:cBhvr>
-                                        <p:cTn id="39" dur="1" fill="hold">
+                                        <p:cTn id="30" dur="1" fill="hold">
                                           <p:stCondLst>
                                             <p:cond delay="0"/>
                                           </p:stCondLst>
@@ -19212,7 +25409,7 @@
                                     </p:set>
                                     <p:animEffect transition="in" filter="fade">
                                       <p:cBhvr>
-                                        <p:cTn id="40" dur="500"/>
+                                        <p:cTn id="31" dur="500"/>
                                         <p:tgtEl>
                                           <p:spTgt spid="9">
                                             <p:txEl>
@@ -19252,9 +25449,6 @@
         </p:cTn>
       </p:par>
     </p:tnLst>
-    <p:bldLst>
-      <p:bldP spid="8" grpId="0"/>
-    </p:bldLst>
   </p:timing>
 </p:sld>
 </file>
@@ -19993,6 +26187,272 @@
       </p:transition>
     </mc:Fallback>
   </mc:AlternateContent>
+  <p:timing>
+    <p:tnLst>
+      <p:par>
+        <p:cTn id="1" dur="indefinite" restart="never" nodeType="tmRoot">
+          <p:childTnLst>
+            <p:seq concurrent="1" nextAc="seek">
+              <p:cTn id="2" dur="indefinite" nodeType="mainSeq">
+                <p:childTnLst>
+                  <p:par>
+                    <p:cTn id="3" fill="hold">
+                      <p:stCondLst>
+                        <p:cond delay="indefinite"/>
+                        <p:cond evt="onBegin" delay="0">
+                          <p:tn val="2"/>
+                        </p:cond>
+                      </p:stCondLst>
+                      <p:childTnLst>
+                        <p:par>
+                          <p:cTn id="4" fill="hold">
+                            <p:stCondLst>
+                              <p:cond delay="0"/>
+                            </p:stCondLst>
+                            <p:childTnLst>
+                              <p:par>
+                                <p:cTn id="5" presetID="10" presetClass="entr" presetSubtype="0" fill="hold" nodeType="withEffect">
+                                  <p:stCondLst>
+                                    <p:cond delay="0"/>
+                                  </p:stCondLst>
+                                  <p:childTnLst>
+                                    <p:set>
+                                      <p:cBhvr>
+                                        <p:cTn id="6" dur="1" fill="hold">
+                                          <p:stCondLst>
+                                            <p:cond delay="0"/>
+                                          </p:stCondLst>
+                                        </p:cTn>
+                                        <p:tgtEl>
+                                          <p:spTgt spid="2">
+                                            <p:txEl>
+                                              <p:pRg st="1" end="1"/>
+                                            </p:txEl>
+                                          </p:spTgt>
+                                        </p:tgtEl>
+                                        <p:attrNameLst>
+                                          <p:attrName>style.visibility</p:attrName>
+                                        </p:attrNameLst>
+                                      </p:cBhvr>
+                                      <p:to>
+                                        <p:strVal val="visible"/>
+                                      </p:to>
+                                    </p:set>
+                                    <p:animEffect transition="in" filter="fade">
+                                      <p:cBhvr>
+                                        <p:cTn id="7" dur="500"/>
+                                        <p:tgtEl>
+                                          <p:spTgt spid="2">
+                                            <p:txEl>
+                                              <p:pRg st="1" end="1"/>
+                                            </p:txEl>
+                                          </p:spTgt>
+                                        </p:tgtEl>
+                                      </p:cBhvr>
+                                    </p:animEffect>
+                                  </p:childTnLst>
+                                </p:cTn>
+                              </p:par>
+                              <p:par>
+                                <p:cTn id="8" presetID="10" presetClass="entr" presetSubtype="0" fill="hold" nodeType="withEffect">
+                                  <p:stCondLst>
+                                    <p:cond delay="0"/>
+                                  </p:stCondLst>
+                                  <p:childTnLst>
+                                    <p:set>
+                                      <p:cBhvr>
+                                        <p:cTn id="9" dur="1" fill="hold">
+                                          <p:stCondLst>
+                                            <p:cond delay="0"/>
+                                          </p:stCondLst>
+                                        </p:cTn>
+                                        <p:tgtEl>
+                                          <p:spTgt spid="4">
+                                            <p:txEl>
+                                              <p:pRg st="0" end="0"/>
+                                            </p:txEl>
+                                          </p:spTgt>
+                                        </p:tgtEl>
+                                        <p:attrNameLst>
+                                          <p:attrName>style.visibility</p:attrName>
+                                        </p:attrNameLst>
+                                      </p:cBhvr>
+                                      <p:to>
+                                        <p:strVal val="visible"/>
+                                      </p:to>
+                                    </p:set>
+                                    <p:animEffect transition="in" filter="fade">
+                                      <p:cBhvr>
+                                        <p:cTn id="10" dur="500"/>
+                                        <p:tgtEl>
+                                          <p:spTgt spid="4">
+                                            <p:txEl>
+                                              <p:pRg st="0" end="0"/>
+                                            </p:txEl>
+                                          </p:spTgt>
+                                        </p:tgtEl>
+                                      </p:cBhvr>
+                                    </p:animEffect>
+                                  </p:childTnLst>
+                                </p:cTn>
+                              </p:par>
+                              <p:par>
+                                <p:cTn id="11" presetID="10" presetClass="entr" presetSubtype="0" fill="hold" nodeType="withEffect">
+                                  <p:stCondLst>
+                                    <p:cond delay="0"/>
+                                  </p:stCondLst>
+                                  <p:childTnLst>
+                                    <p:set>
+                                      <p:cBhvr>
+                                        <p:cTn id="12" dur="1" fill="hold">
+                                          <p:stCondLst>
+                                            <p:cond delay="0"/>
+                                          </p:stCondLst>
+                                        </p:cTn>
+                                        <p:tgtEl>
+                                          <p:spTgt spid="4">
+                                            <p:txEl>
+                                              <p:pRg st="1" end="1"/>
+                                            </p:txEl>
+                                          </p:spTgt>
+                                        </p:tgtEl>
+                                        <p:attrNameLst>
+                                          <p:attrName>style.visibility</p:attrName>
+                                        </p:attrNameLst>
+                                      </p:cBhvr>
+                                      <p:to>
+                                        <p:strVal val="visible"/>
+                                      </p:to>
+                                    </p:set>
+                                    <p:animEffect transition="in" filter="fade">
+                                      <p:cBhvr>
+                                        <p:cTn id="13" dur="500"/>
+                                        <p:tgtEl>
+                                          <p:spTgt spid="4">
+                                            <p:txEl>
+                                              <p:pRg st="1" end="1"/>
+                                            </p:txEl>
+                                          </p:spTgt>
+                                        </p:tgtEl>
+                                      </p:cBhvr>
+                                    </p:animEffect>
+                                  </p:childTnLst>
+                                </p:cTn>
+                              </p:par>
+                              <p:par>
+                                <p:cTn id="14" presetID="10" presetClass="entr" presetSubtype="0" fill="hold" nodeType="withEffect">
+                                  <p:stCondLst>
+                                    <p:cond delay="0"/>
+                                  </p:stCondLst>
+                                  <p:childTnLst>
+                                    <p:set>
+                                      <p:cBhvr>
+                                        <p:cTn id="15" dur="1" fill="hold">
+                                          <p:stCondLst>
+                                            <p:cond delay="0"/>
+                                          </p:stCondLst>
+                                        </p:cTn>
+                                        <p:tgtEl>
+                                          <p:spTgt spid="4">
+                                            <p:txEl>
+                                              <p:pRg st="2" end="2"/>
+                                            </p:txEl>
+                                          </p:spTgt>
+                                        </p:tgtEl>
+                                        <p:attrNameLst>
+                                          <p:attrName>style.visibility</p:attrName>
+                                        </p:attrNameLst>
+                                      </p:cBhvr>
+                                      <p:to>
+                                        <p:strVal val="visible"/>
+                                      </p:to>
+                                    </p:set>
+                                    <p:animEffect transition="in" filter="fade">
+                                      <p:cBhvr>
+                                        <p:cTn id="16" dur="500"/>
+                                        <p:tgtEl>
+                                          <p:spTgt spid="4">
+                                            <p:txEl>
+                                              <p:pRg st="2" end="2"/>
+                                            </p:txEl>
+                                          </p:spTgt>
+                                        </p:tgtEl>
+                                      </p:cBhvr>
+                                    </p:animEffect>
+                                  </p:childTnLst>
+                                </p:cTn>
+                              </p:par>
+                              <p:par>
+                                <p:cTn id="17" presetID="10" presetClass="entr" presetSubtype="0" fill="hold" nodeType="withEffect">
+                                  <p:stCondLst>
+                                    <p:cond delay="0"/>
+                                  </p:stCondLst>
+                                  <p:childTnLst>
+                                    <p:set>
+                                      <p:cBhvr>
+                                        <p:cTn id="18" dur="1" fill="hold">
+                                          <p:stCondLst>
+                                            <p:cond delay="0"/>
+                                          </p:stCondLst>
+                                        </p:cTn>
+                                        <p:tgtEl>
+                                          <p:spTgt spid="4">
+                                            <p:txEl>
+                                              <p:pRg st="3" end="3"/>
+                                            </p:txEl>
+                                          </p:spTgt>
+                                        </p:tgtEl>
+                                        <p:attrNameLst>
+                                          <p:attrName>style.visibility</p:attrName>
+                                        </p:attrNameLst>
+                                      </p:cBhvr>
+                                      <p:to>
+                                        <p:strVal val="visible"/>
+                                      </p:to>
+                                    </p:set>
+                                    <p:animEffect transition="in" filter="fade">
+                                      <p:cBhvr>
+                                        <p:cTn id="19" dur="500"/>
+                                        <p:tgtEl>
+                                          <p:spTgt spid="4">
+                                            <p:txEl>
+                                              <p:pRg st="3" end="3"/>
+                                            </p:txEl>
+                                          </p:spTgt>
+                                        </p:tgtEl>
+                                      </p:cBhvr>
+                                    </p:animEffect>
+                                  </p:childTnLst>
+                                </p:cTn>
+                              </p:par>
+                            </p:childTnLst>
+                          </p:cTn>
+                        </p:par>
+                      </p:childTnLst>
+                    </p:cTn>
+                  </p:par>
+                </p:childTnLst>
+              </p:cTn>
+              <p:prevCondLst>
+                <p:cond evt="onPrev" delay="0">
+                  <p:tgtEl>
+                    <p:sldTgt/>
+                  </p:tgtEl>
+                </p:cond>
+              </p:prevCondLst>
+              <p:nextCondLst>
+                <p:cond evt="onNext" delay="0">
+                  <p:tgtEl>
+                    <p:sldTgt/>
+                  </p:tgtEl>
+                </p:cond>
+              </p:nextCondLst>
+            </p:seq>
+          </p:childTnLst>
+        </p:cTn>
+      </p:par>
+    </p:tnLst>
+  </p:timing>
 </p:sld>
 </file>
 
@@ -20179,6 +26639,272 @@
       </p:transition>
     </mc:Fallback>
   </mc:AlternateContent>
+  <p:timing>
+    <p:tnLst>
+      <p:par>
+        <p:cTn id="1" dur="indefinite" restart="never" nodeType="tmRoot">
+          <p:childTnLst>
+            <p:seq concurrent="1" nextAc="seek">
+              <p:cTn id="2" dur="indefinite" nodeType="mainSeq">
+                <p:childTnLst>
+                  <p:par>
+                    <p:cTn id="3" fill="hold">
+                      <p:stCondLst>
+                        <p:cond delay="indefinite"/>
+                        <p:cond evt="onBegin" delay="0">
+                          <p:tn val="2"/>
+                        </p:cond>
+                      </p:stCondLst>
+                      <p:childTnLst>
+                        <p:par>
+                          <p:cTn id="4" fill="hold">
+                            <p:stCondLst>
+                              <p:cond delay="0"/>
+                            </p:stCondLst>
+                            <p:childTnLst>
+                              <p:par>
+                                <p:cTn id="5" presetID="10" presetClass="entr" presetSubtype="0" fill="hold" nodeType="withEffect">
+                                  <p:stCondLst>
+                                    <p:cond delay="0"/>
+                                  </p:stCondLst>
+                                  <p:childTnLst>
+                                    <p:set>
+                                      <p:cBhvr>
+                                        <p:cTn id="6" dur="1" fill="hold">
+                                          <p:stCondLst>
+                                            <p:cond delay="0"/>
+                                          </p:stCondLst>
+                                        </p:cTn>
+                                        <p:tgtEl>
+                                          <p:spTgt spid="4">
+                                            <p:txEl>
+                                              <p:pRg st="0" end="0"/>
+                                            </p:txEl>
+                                          </p:spTgt>
+                                        </p:tgtEl>
+                                        <p:attrNameLst>
+                                          <p:attrName>style.visibility</p:attrName>
+                                        </p:attrNameLst>
+                                      </p:cBhvr>
+                                      <p:to>
+                                        <p:strVal val="visible"/>
+                                      </p:to>
+                                    </p:set>
+                                    <p:animEffect transition="in" filter="fade">
+                                      <p:cBhvr>
+                                        <p:cTn id="7" dur="500"/>
+                                        <p:tgtEl>
+                                          <p:spTgt spid="4">
+                                            <p:txEl>
+                                              <p:pRg st="0" end="0"/>
+                                            </p:txEl>
+                                          </p:spTgt>
+                                        </p:tgtEl>
+                                      </p:cBhvr>
+                                    </p:animEffect>
+                                  </p:childTnLst>
+                                </p:cTn>
+                              </p:par>
+                              <p:par>
+                                <p:cTn id="8" presetID="10" presetClass="entr" presetSubtype="0" fill="hold" nodeType="withEffect">
+                                  <p:stCondLst>
+                                    <p:cond delay="0"/>
+                                  </p:stCondLst>
+                                  <p:childTnLst>
+                                    <p:set>
+                                      <p:cBhvr>
+                                        <p:cTn id="9" dur="1" fill="hold">
+                                          <p:stCondLst>
+                                            <p:cond delay="0"/>
+                                          </p:stCondLst>
+                                        </p:cTn>
+                                        <p:tgtEl>
+                                          <p:spTgt spid="4">
+                                            <p:txEl>
+                                              <p:pRg st="1" end="1"/>
+                                            </p:txEl>
+                                          </p:spTgt>
+                                        </p:tgtEl>
+                                        <p:attrNameLst>
+                                          <p:attrName>style.visibility</p:attrName>
+                                        </p:attrNameLst>
+                                      </p:cBhvr>
+                                      <p:to>
+                                        <p:strVal val="visible"/>
+                                      </p:to>
+                                    </p:set>
+                                    <p:animEffect transition="in" filter="fade">
+                                      <p:cBhvr>
+                                        <p:cTn id="10" dur="500"/>
+                                        <p:tgtEl>
+                                          <p:spTgt spid="4">
+                                            <p:txEl>
+                                              <p:pRg st="1" end="1"/>
+                                            </p:txEl>
+                                          </p:spTgt>
+                                        </p:tgtEl>
+                                      </p:cBhvr>
+                                    </p:animEffect>
+                                  </p:childTnLst>
+                                </p:cTn>
+                              </p:par>
+                              <p:par>
+                                <p:cTn id="11" presetID="10" presetClass="entr" presetSubtype="0" fill="hold" nodeType="withEffect">
+                                  <p:stCondLst>
+                                    <p:cond delay="0"/>
+                                  </p:stCondLst>
+                                  <p:childTnLst>
+                                    <p:set>
+                                      <p:cBhvr>
+                                        <p:cTn id="12" dur="1" fill="hold">
+                                          <p:stCondLst>
+                                            <p:cond delay="0"/>
+                                          </p:stCondLst>
+                                        </p:cTn>
+                                        <p:tgtEl>
+                                          <p:spTgt spid="4">
+                                            <p:txEl>
+                                              <p:pRg st="2" end="2"/>
+                                            </p:txEl>
+                                          </p:spTgt>
+                                        </p:tgtEl>
+                                        <p:attrNameLst>
+                                          <p:attrName>style.visibility</p:attrName>
+                                        </p:attrNameLst>
+                                      </p:cBhvr>
+                                      <p:to>
+                                        <p:strVal val="visible"/>
+                                      </p:to>
+                                    </p:set>
+                                    <p:animEffect transition="in" filter="fade">
+                                      <p:cBhvr>
+                                        <p:cTn id="13" dur="500"/>
+                                        <p:tgtEl>
+                                          <p:spTgt spid="4">
+                                            <p:txEl>
+                                              <p:pRg st="2" end="2"/>
+                                            </p:txEl>
+                                          </p:spTgt>
+                                        </p:tgtEl>
+                                      </p:cBhvr>
+                                    </p:animEffect>
+                                  </p:childTnLst>
+                                </p:cTn>
+                              </p:par>
+                              <p:par>
+                                <p:cTn id="14" presetID="10" presetClass="entr" presetSubtype="0" fill="hold" nodeType="withEffect">
+                                  <p:stCondLst>
+                                    <p:cond delay="0"/>
+                                  </p:stCondLst>
+                                  <p:childTnLst>
+                                    <p:set>
+                                      <p:cBhvr>
+                                        <p:cTn id="15" dur="1" fill="hold">
+                                          <p:stCondLst>
+                                            <p:cond delay="0"/>
+                                          </p:stCondLst>
+                                        </p:cTn>
+                                        <p:tgtEl>
+                                          <p:spTgt spid="4">
+                                            <p:txEl>
+                                              <p:pRg st="3" end="3"/>
+                                            </p:txEl>
+                                          </p:spTgt>
+                                        </p:tgtEl>
+                                        <p:attrNameLst>
+                                          <p:attrName>style.visibility</p:attrName>
+                                        </p:attrNameLst>
+                                      </p:cBhvr>
+                                      <p:to>
+                                        <p:strVal val="visible"/>
+                                      </p:to>
+                                    </p:set>
+                                    <p:animEffect transition="in" filter="fade">
+                                      <p:cBhvr>
+                                        <p:cTn id="16" dur="500"/>
+                                        <p:tgtEl>
+                                          <p:spTgt spid="4">
+                                            <p:txEl>
+                                              <p:pRg st="3" end="3"/>
+                                            </p:txEl>
+                                          </p:spTgt>
+                                        </p:tgtEl>
+                                      </p:cBhvr>
+                                    </p:animEffect>
+                                  </p:childTnLst>
+                                </p:cTn>
+                              </p:par>
+                              <p:par>
+                                <p:cTn id="17" presetID="10" presetClass="entr" presetSubtype="0" fill="hold" nodeType="withEffect">
+                                  <p:stCondLst>
+                                    <p:cond delay="0"/>
+                                  </p:stCondLst>
+                                  <p:childTnLst>
+                                    <p:set>
+                                      <p:cBhvr>
+                                        <p:cTn id="18" dur="1" fill="hold">
+                                          <p:stCondLst>
+                                            <p:cond delay="0"/>
+                                          </p:stCondLst>
+                                        </p:cTn>
+                                        <p:tgtEl>
+                                          <p:spTgt spid="2">
+                                            <p:txEl>
+                                              <p:pRg st="2" end="2"/>
+                                            </p:txEl>
+                                          </p:spTgt>
+                                        </p:tgtEl>
+                                        <p:attrNameLst>
+                                          <p:attrName>style.visibility</p:attrName>
+                                        </p:attrNameLst>
+                                      </p:cBhvr>
+                                      <p:to>
+                                        <p:strVal val="visible"/>
+                                      </p:to>
+                                    </p:set>
+                                    <p:animEffect transition="in" filter="fade">
+                                      <p:cBhvr>
+                                        <p:cTn id="19" dur="500"/>
+                                        <p:tgtEl>
+                                          <p:spTgt spid="2">
+                                            <p:txEl>
+                                              <p:pRg st="2" end="2"/>
+                                            </p:txEl>
+                                          </p:spTgt>
+                                        </p:tgtEl>
+                                      </p:cBhvr>
+                                    </p:animEffect>
+                                  </p:childTnLst>
+                                </p:cTn>
+                              </p:par>
+                            </p:childTnLst>
+                          </p:cTn>
+                        </p:par>
+                      </p:childTnLst>
+                    </p:cTn>
+                  </p:par>
+                </p:childTnLst>
+              </p:cTn>
+              <p:prevCondLst>
+                <p:cond evt="onPrev" delay="0">
+                  <p:tgtEl>
+                    <p:sldTgt/>
+                  </p:tgtEl>
+                </p:cond>
+              </p:prevCondLst>
+              <p:nextCondLst>
+                <p:cond evt="onNext" delay="0">
+                  <p:tgtEl>
+                    <p:sldTgt/>
+                  </p:tgtEl>
+                </p:cond>
+              </p:nextCondLst>
+            </p:seq>
+          </p:childTnLst>
+        </p:cTn>
+      </p:par>
+    </p:tnLst>
+  </p:timing>
 </p:sld>
 </file>
 
@@ -20693,6 +27419,9 @@
                     <p:cTn id="3" fill="hold">
                       <p:stCondLst>
                         <p:cond delay="indefinite"/>
+                        <p:cond evt="onBegin" delay="0">
+                          <p:tn val="2"/>
+                        </p:cond>
                       </p:stCondLst>
                       <p:childTnLst>
                         <p:par>
@@ -20702,7 +27431,7 @@
                             </p:stCondLst>
                             <p:childTnLst>
                               <p:par>
-                                <p:cTn id="5" presetID="10" presetClass="entr" presetSubtype="0" fill="hold" grpId="0" nodeType="clickEffect">
+                                <p:cTn id="5" presetID="10" presetClass="entr" presetSubtype="0" fill="hold" nodeType="withEffect">
                                   <p:stCondLst>
                                     <p:cond delay="0"/>
                                   </p:stCondLst>
@@ -20715,7 +27444,11 @@
                                           </p:stCondLst>
                                         </p:cTn>
                                         <p:tgtEl>
-                                          <p:spTgt spid="9"/>
+                                          <p:spTgt spid="2">
+                                            <p:txEl>
+                                              <p:pRg st="3" end="3"/>
+                                            </p:txEl>
+                                          </p:spTgt>
                                         </p:tgtEl>
                                         <p:attrNameLst>
                                           <p:attrName>style.visibility</p:attrName>
@@ -20729,7 +27462,11 @@
                                       <p:cBhvr>
                                         <p:cTn id="7" dur="500"/>
                                         <p:tgtEl>
-                                          <p:spTgt spid="9"/>
+                                          <p:spTgt spid="2">
+                                            <p:txEl>
+                                              <p:pRg st="3" end="3"/>
+                                            </p:txEl>
+                                          </p:spTgt>
                                         </p:tgtEl>
                                       </p:cBhvr>
                                     </p:animEffect>
@@ -20737,7 +27474,7 @@
                                 </p:cTn>
                               </p:par>
                               <p:par>
-                                <p:cTn id="8" presetID="10" presetClass="entr" presetSubtype="0" fill="hold" grpId="0" nodeType="withEffect">
+                                <p:cTn id="8" presetID="10" presetClass="entr" presetSubtype="0" fill="hold" nodeType="withEffect">
                                   <p:stCondLst>
                                     <p:cond delay="0"/>
                                   </p:stCondLst>
@@ -20750,7 +27487,11 @@
                                           </p:stCondLst>
                                         </p:cTn>
                                         <p:tgtEl>
-                                          <p:spTgt spid="14"/>
+                                          <p:spTgt spid="4">
+                                            <p:txEl>
+                                              <p:pRg st="0" end="0"/>
+                                            </p:txEl>
+                                          </p:spTgt>
                                         </p:tgtEl>
                                         <p:attrNameLst>
                                           <p:attrName>style.visibility</p:attrName>
@@ -20764,7 +27505,11 @@
                                       <p:cBhvr>
                                         <p:cTn id="10" dur="500"/>
                                         <p:tgtEl>
-                                          <p:spTgt spid="14"/>
+                                          <p:spTgt spid="4">
+                                            <p:txEl>
+                                              <p:pRg st="0" end="0"/>
+                                            </p:txEl>
+                                          </p:spTgt>
                                         </p:tgtEl>
                                       </p:cBhvr>
                                     </p:animEffect>
@@ -20785,7 +27530,11 @@
                                           </p:stCondLst>
                                         </p:cTn>
                                         <p:tgtEl>
-                                          <p:spTgt spid="7"/>
+                                          <p:spTgt spid="4">
+                                            <p:txEl>
+                                              <p:pRg st="1" end="1"/>
+                                            </p:txEl>
+                                          </p:spTgt>
                                         </p:tgtEl>
                                         <p:attrNameLst>
                                           <p:attrName>style.visibility</p:attrName>
@@ -20799,6 +27548,133 @@
                                       <p:cBhvr>
                                         <p:cTn id="13" dur="500"/>
                                         <p:tgtEl>
+                                          <p:spTgt spid="4">
+                                            <p:txEl>
+                                              <p:pRg st="1" end="1"/>
+                                            </p:txEl>
+                                          </p:spTgt>
+                                        </p:tgtEl>
+                                      </p:cBhvr>
+                                    </p:animEffect>
+                                  </p:childTnLst>
+                                </p:cTn>
+                              </p:par>
+                            </p:childTnLst>
+                          </p:cTn>
+                        </p:par>
+                      </p:childTnLst>
+                    </p:cTn>
+                  </p:par>
+                  <p:par>
+                    <p:cTn id="14" fill="hold">
+                      <p:stCondLst>
+                        <p:cond delay="indefinite"/>
+                      </p:stCondLst>
+                      <p:childTnLst>
+                        <p:par>
+                          <p:cTn id="15" fill="hold">
+                            <p:stCondLst>
+                              <p:cond delay="0"/>
+                            </p:stCondLst>
+                            <p:childTnLst>
+                              <p:par>
+                                <p:cTn id="16" presetID="10" presetClass="entr" presetSubtype="0" fill="hold" grpId="0" nodeType="clickEffect">
+                                  <p:stCondLst>
+                                    <p:cond delay="0"/>
+                                  </p:stCondLst>
+                                  <p:childTnLst>
+                                    <p:set>
+                                      <p:cBhvr>
+                                        <p:cTn id="17" dur="1" fill="hold">
+                                          <p:stCondLst>
+                                            <p:cond delay="0"/>
+                                          </p:stCondLst>
+                                        </p:cTn>
+                                        <p:tgtEl>
+                                          <p:spTgt spid="9"/>
+                                        </p:tgtEl>
+                                        <p:attrNameLst>
+                                          <p:attrName>style.visibility</p:attrName>
+                                        </p:attrNameLst>
+                                      </p:cBhvr>
+                                      <p:to>
+                                        <p:strVal val="visible"/>
+                                      </p:to>
+                                    </p:set>
+                                    <p:animEffect transition="in" filter="fade">
+                                      <p:cBhvr>
+                                        <p:cTn id="18" dur="500"/>
+                                        <p:tgtEl>
+                                          <p:spTgt spid="9"/>
+                                        </p:tgtEl>
+                                      </p:cBhvr>
+                                    </p:animEffect>
+                                  </p:childTnLst>
+                                </p:cTn>
+                              </p:par>
+                              <p:par>
+                                <p:cTn id="19" presetID="10" presetClass="entr" presetSubtype="0" fill="hold" grpId="0" nodeType="withEffect">
+                                  <p:stCondLst>
+                                    <p:cond delay="0"/>
+                                  </p:stCondLst>
+                                  <p:childTnLst>
+                                    <p:set>
+                                      <p:cBhvr>
+                                        <p:cTn id="20" dur="1" fill="hold">
+                                          <p:stCondLst>
+                                            <p:cond delay="0"/>
+                                          </p:stCondLst>
+                                        </p:cTn>
+                                        <p:tgtEl>
+                                          <p:spTgt spid="14"/>
+                                        </p:tgtEl>
+                                        <p:attrNameLst>
+                                          <p:attrName>style.visibility</p:attrName>
+                                        </p:attrNameLst>
+                                      </p:cBhvr>
+                                      <p:to>
+                                        <p:strVal val="visible"/>
+                                      </p:to>
+                                    </p:set>
+                                    <p:animEffect transition="in" filter="fade">
+                                      <p:cBhvr>
+                                        <p:cTn id="21" dur="500"/>
+                                        <p:tgtEl>
+                                          <p:spTgt spid="14"/>
+                                        </p:tgtEl>
+                                      </p:cBhvr>
+                                    </p:animEffect>
+                                  </p:childTnLst>
+                                </p:cTn>
+                              </p:par>
+                              <p:par>
+                                <p:cTn id="22" presetID="10" presetClass="entr" presetSubtype="0" fill="hold" nodeType="withEffect">
+                                  <p:stCondLst>
+                                    <p:cond delay="0"/>
+                                  </p:stCondLst>
+                                  <p:childTnLst>
+                                    <p:set>
+                                      <p:cBhvr>
+                                        <p:cTn id="23" dur="1" fill="hold">
+                                          <p:stCondLst>
+                                            <p:cond delay="0"/>
+                                          </p:stCondLst>
+                                        </p:cTn>
+                                        <p:tgtEl>
+                                          <p:spTgt spid="7"/>
+                                        </p:tgtEl>
+                                        <p:attrNameLst>
+                                          <p:attrName>style.visibility</p:attrName>
+                                        </p:attrNameLst>
+                                      </p:cBhvr>
+                                      <p:to>
+                                        <p:strVal val="visible"/>
+                                      </p:to>
+                                    </p:set>
+                                    <p:animEffect transition="in" filter="fade">
+                                      <p:cBhvr>
+                                        <p:cTn id="24" dur="500"/>
+                                        <p:tgtEl>
                                           <p:spTgt spid="7"/>
                                         </p:tgtEl>
                                       </p:cBhvr>
@@ -20807,14 +27683,14 @@
                                 </p:cTn>
                               </p:par>
                               <p:par>
-                                <p:cTn id="14" presetID="10" presetClass="entr" presetSubtype="0" fill="hold" grpId="0" nodeType="withEffect">
+                                <p:cTn id="25" presetID="10" presetClass="entr" presetSubtype="0" fill="hold" grpId="0" nodeType="withEffect">
                                   <p:stCondLst>
                                     <p:cond delay="0"/>
                                   </p:stCondLst>
                                   <p:childTnLst>
                                     <p:set>
                                       <p:cBhvr>
-                                        <p:cTn id="15" dur="1" fill="hold">
+                                        <p:cTn id="26" dur="1" fill="hold">
                                           <p:stCondLst>
                                             <p:cond delay="0"/>
                                           </p:stCondLst>
@@ -20832,132 +27708,9 @@
                                     </p:set>
                                     <p:animEffect transition="in" filter="fade">
                                       <p:cBhvr>
-                                        <p:cTn id="16" dur="500"/>
+                                        <p:cTn id="27" dur="500"/>
                                         <p:tgtEl>
                                           <p:spTgt spid="15"/>
-                                        </p:tgtEl>
-                                      </p:cBhvr>
-                                    </p:animEffect>
-                                  </p:childTnLst>
-                                </p:cTn>
-                              </p:par>
-                              <p:par>
-                                <p:cTn id="17" presetID="10" presetClass="entr" presetSubtype="0" fill="hold" grpId="0" nodeType="withEffect">
-                                  <p:stCondLst>
-                                    <p:cond delay="0"/>
-                                  </p:stCondLst>
-                                  <p:childTnLst>
-                                    <p:set>
-                                      <p:cBhvr>
-                                        <p:cTn id="18" dur="1" fill="hold">
-                                          <p:stCondLst>
-                                            <p:cond delay="0"/>
-                                          </p:stCondLst>
-                                        </p:cTn>
-                                        <p:tgtEl>
-                                          <p:spTgt spid="16"/>
-                                        </p:tgtEl>
-                                        <p:attrNameLst>
-                                          <p:attrName>style.visibility</p:attrName>
-                                        </p:attrNameLst>
-                                      </p:cBhvr>
-                                      <p:to>
-                                        <p:strVal val="visible"/>
-                                      </p:to>
-                                    </p:set>
-                                    <p:animEffect transition="in" filter="fade">
-                                      <p:cBhvr>
-                                        <p:cTn id="19" dur="500"/>
-                                        <p:tgtEl>
-                                          <p:spTgt spid="16"/>
-                                        </p:tgtEl>
-                                      </p:cBhvr>
-                                    </p:animEffect>
-                                  </p:childTnLst>
-                                </p:cTn>
-                              </p:par>
-                              <p:par>
-                                <p:cTn id="20" presetID="10" presetClass="entr" presetSubtype="0" fill="hold" grpId="0" nodeType="withEffect">
-                                  <p:stCondLst>
-                                    <p:cond delay="0"/>
-                                  </p:stCondLst>
-                                  <p:childTnLst>
-                                    <p:set>
-                                      <p:cBhvr>
-                                        <p:cTn id="21" dur="1" fill="hold">
-                                          <p:stCondLst>
-                                            <p:cond delay="0"/>
-                                          </p:stCondLst>
-                                        </p:cTn>
-                                        <p:tgtEl>
-                                          <p:spTgt spid="10"/>
-                                        </p:tgtEl>
-                                        <p:attrNameLst>
-                                          <p:attrName>style.visibility</p:attrName>
-                                        </p:attrNameLst>
-                                      </p:cBhvr>
-                                      <p:to>
-                                        <p:strVal val="visible"/>
-                                      </p:to>
-                                    </p:set>
-                                    <p:animEffect transition="in" filter="fade">
-                                      <p:cBhvr>
-                                        <p:cTn id="22" dur="500"/>
-                                        <p:tgtEl>
-                                          <p:spTgt spid="10"/>
-                                        </p:tgtEl>
-                                      </p:cBhvr>
-                                    </p:animEffect>
-                                  </p:childTnLst>
-                                </p:cTn>
-                              </p:par>
-                            </p:childTnLst>
-                          </p:cTn>
-                        </p:par>
-                      </p:childTnLst>
-                    </p:cTn>
-                  </p:par>
-                  <p:par>
-                    <p:cTn id="23" fill="hold">
-                      <p:stCondLst>
-                        <p:cond delay="indefinite"/>
-                      </p:stCondLst>
-                      <p:childTnLst>
-                        <p:par>
-                          <p:cTn id="24" fill="hold">
-                            <p:stCondLst>
-                              <p:cond delay="0"/>
-                            </p:stCondLst>
-                            <p:childTnLst>
-                              <p:par>
-                                <p:cTn id="25" presetID="10" presetClass="entr" presetSubtype="0" fill="hold" grpId="0" nodeType="clickEffect">
-                                  <p:stCondLst>
-                                    <p:cond delay="0"/>
-                                  </p:stCondLst>
-                                  <p:childTnLst>
-                                    <p:set>
-                                      <p:cBhvr>
-                                        <p:cTn id="26" dur="1" fill="hold">
-                                          <p:stCondLst>
-                                            <p:cond delay="0"/>
-                                          </p:stCondLst>
-                                        </p:cTn>
-                                        <p:tgtEl>
-                                          <p:spTgt spid="13"/>
-                                        </p:tgtEl>
-                                        <p:attrNameLst>
-                                          <p:attrName>style.visibility</p:attrName>
-                                        </p:attrNameLst>
-                                      </p:cBhvr>
-                                      <p:to>
-                                        <p:strVal val="visible"/>
-                                      </p:to>
-                                    </p:set>
-                                    <p:animEffect transition="in" filter="fade">
-                                      <p:cBhvr>
-                                        <p:cTn id="27" dur="500"/>
-                                        <p:tgtEl>
-                                          <p:spTgt spid="13"/>
                                         </p:tgtEl>
                                       </p:cBhvr>
                                     </p:animEffect>
@@ -20978,7 +27731,7 @@
                                           </p:stCondLst>
                                         </p:cTn>
                                         <p:tgtEl>
-                                          <p:spTgt spid="12"/>
+                                          <p:spTgt spid="16"/>
                                         </p:tgtEl>
                                         <p:attrNameLst>
                                           <p:attrName>style.visibility</p:attrName>
@@ -20992,6 +27745,111 @@
                                       <p:cBhvr>
                                         <p:cTn id="30" dur="500"/>
                                         <p:tgtEl>
+                                          <p:spTgt spid="16"/>
+                                        </p:tgtEl>
+                                      </p:cBhvr>
+                                    </p:animEffect>
+                                  </p:childTnLst>
+                                </p:cTn>
+                              </p:par>
+                              <p:par>
+                                <p:cTn id="31" presetID="10" presetClass="entr" presetSubtype="0" fill="hold" grpId="0" nodeType="withEffect">
+                                  <p:stCondLst>
+                                    <p:cond delay="0"/>
+                                  </p:stCondLst>
+                                  <p:childTnLst>
+                                    <p:set>
+                                      <p:cBhvr>
+                                        <p:cTn id="32" dur="1" fill="hold">
+                                          <p:stCondLst>
+                                            <p:cond delay="0"/>
+                                          </p:stCondLst>
+                                        </p:cTn>
+                                        <p:tgtEl>
+                                          <p:spTgt spid="10"/>
+                                        </p:tgtEl>
+                                        <p:attrNameLst>
+                                          <p:attrName>style.visibility</p:attrName>
+                                        </p:attrNameLst>
+                                      </p:cBhvr>
+                                      <p:to>
+                                        <p:strVal val="visible"/>
+                                      </p:to>
+                                    </p:set>
+                                    <p:animEffect transition="in" filter="fade">
+                                      <p:cBhvr>
+                                        <p:cTn id="33" dur="500"/>
+                                        <p:tgtEl>
+                                          <p:spTgt spid="10"/>
+                                        </p:tgtEl>
+                                      </p:cBhvr>
+                                    </p:animEffect>
+                                  </p:childTnLst>
+                                </p:cTn>
+                              </p:par>
+                              <p:par>
+                                <p:cTn id="34" presetID="10" presetClass="entr" presetSubtype="0" fill="hold" grpId="0" nodeType="withEffect">
+                                  <p:stCondLst>
+                                    <p:cond delay="0"/>
+                                  </p:stCondLst>
+                                  <p:childTnLst>
+                                    <p:set>
+                                      <p:cBhvr>
+                                        <p:cTn id="35" dur="1" fill="hold">
+                                          <p:stCondLst>
+                                            <p:cond delay="0"/>
+                                          </p:stCondLst>
+                                        </p:cTn>
+                                        <p:tgtEl>
+                                          <p:spTgt spid="13"/>
+                                        </p:tgtEl>
+                                        <p:attrNameLst>
+                                          <p:attrName>style.visibility</p:attrName>
+                                        </p:attrNameLst>
+                                      </p:cBhvr>
+                                      <p:to>
+                                        <p:strVal val="visible"/>
+                                      </p:to>
+                                    </p:set>
+                                    <p:animEffect transition="in" filter="fade">
+                                      <p:cBhvr>
+                                        <p:cTn id="36" dur="500"/>
+                                        <p:tgtEl>
+                                          <p:spTgt spid="13"/>
+                                        </p:tgtEl>
+                                      </p:cBhvr>
+                                    </p:animEffect>
+                                  </p:childTnLst>
+                                </p:cTn>
+                              </p:par>
+                              <p:par>
+                                <p:cTn id="37" presetID="10" presetClass="entr" presetSubtype="0" fill="hold" grpId="0" nodeType="withEffect">
+                                  <p:stCondLst>
+                                    <p:cond delay="0"/>
+                                  </p:stCondLst>
+                                  <p:childTnLst>
+                                    <p:set>
+                                      <p:cBhvr>
+                                        <p:cTn id="38" dur="1" fill="hold">
+                                          <p:stCondLst>
+                                            <p:cond delay="0"/>
+                                          </p:stCondLst>
+                                        </p:cTn>
+                                        <p:tgtEl>
+                                          <p:spTgt spid="12"/>
+                                        </p:tgtEl>
+                                        <p:attrNameLst>
+                                          <p:attrName>style.visibility</p:attrName>
+                                        </p:attrNameLst>
+                                      </p:cBhvr>
+                                      <p:to>
+                                        <p:strVal val="visible"/>
+                                      </p:to>
+                                    </p:set>
+                                    <p:animEffect transition="in" filter="fade">
+                                      <p:cBhvr>
+                                        <p:cTn id="39" dur="500"/>
+                                        <p:tgtEl>
                                           <p:spTgt spid="12"/>
                                         </p:tgtEl>
                                       </p:cBhvr>
@@ -21000,14 +27858,14 @@
                                 </p:cTn>
                               </p:par>
                               <p:par>
-                                <p:cTn id="31" presetID="6" presetClass="emph" presetSubtype="0" autoRev="1" fill="hold" grpId="1" nodeType="withEffect">
+                                <p:cTn id="40" presetID="6" presetClass="emph" presetSubtype="0" autoRev="1" fill="hold" grpId="1" nodeType="withEffect">
                                   <p:stCondLst>
                                     <p:cond delay="0"/>
                                   </p:stCondLst>
                                   <p:childTnLst>
                                     <p:animScale>
                                       <p:cBhvr>
-                                        <p:cTn id="32" dur="400" fill="hold"/>
+                                        <p:cTn id="41" dur="400" fill="hold"/>
                                         <p:tgtEl>
                                           <p:spTgt spid="13"/>
                                         </p:tgtEl>
@@ -21018,14 +27876,14 @@
                                 </p:cTn>
                               </p:par>
                               <p:par>
-                                <p:cTn id="33" presetID="6" presetClass="emph" presetSubtype="0" autoRev="1" fill="hold" grpId="1" nodeType="withEffect">
+                                <p:cTn id="42" presetID="6" presetClass="emph" presetSubtype="0" autoRev="1" fill="hold" grpId="1" nodeType="withEffect">
                                   <p:stCondLst>
                                     <p:cond delay="0"/>
                                   </p:stCondLst>
                                   <p:childTnLst>
                                     <p:animScale>
                                       <p:cBhvr>
-                                        <p:cTn id="34" dur="400" fill="hold"/>
+                                        <p:cTn id="43" dur="400" fill="hold"/>
                                         <p:tgtEl>
                                           <p:spTgt spid="12"/>
                                         </p:tgtEl>
